--- a/docs/OfflineDebugging/A Dinosaur and a Python 02.pptx
+++ b/docs/OfflineDebugging/A Dinosaur and a Python 02.pptx
@@ -5,7 +5,7 @@
     <p:sldMasterId id="2147483648" r:id="rId1"/>
   </p:sldMasterIdLst>
   <p:notesMasterIdLst>
-    <p:notesMasterId r:id="rId44"/>
+    <p:notesMasterId r:id="rId43"/>
   </p:notesMasterIdLst>
   <p:sldIdLst>
     <p:sldId id="256" r:id="rId2"/>
@@ -16,40 +16,39 @@
     <p:sldId id="298" r:id="rId7"/>
     <p:sldId id="263" r:id="rId8"/>
     <p:sldId id="299" r:id="rId9"/>
-    <p:sldId id="267" r:id="rId10"/>
-    <p:sldId id="270" r:id="rId11"/>
-    <p:sldId id="264" r:id="rId12"/>
-    <p:sldId id="294" r:id="rId13"/>
-    <p:sldId id="293" r:id="rId14"/>
-    <p:sldId id="265" r:id="rId15"/>
-    <p:sldId id="295" r:id="rId16"/>
-    <p:sldId id="296" r:id="rId17"/>
-    <p:sldId id="297" r:id="rId18"/>
-    <p:sldId id="261" r:id="rId19"/>
-    <p:sldId id="292" r:id="rId20"/>
-    <p:sldId id="271" r:id="rId21"/>
-    <p:sldId id="272" r:id="rId22"/>
-    <p:sldId id="300" r:id="rId23"/>
-    <p:sldId id="273" r:id="rId24"/>
-    <p:sldId id="274" r:id="rId25"/>
-    <p:sldId id="301" r:id="rId26"/>
-    <p:sldId id="275" r:id="rId27"/>
-    <p:sldId id="291" r:id="rId28"/>
-    <p:sldId id="276" r:id="rId29"/>
-    <p:sldId id="277" r:id="rId30"/>
-    <p:sldId id="278" r:id="rId31"/>
-    <p:sldId id="279" r:id="rId32"/>
-    <p:sldId id="280" r:id="rId33"/>
-    <p:sldId id="281" r:id="rId34"/>
-    <p:sldId id="282" r:id="rId35"/>
-    <p:sldId id="283" r:id="rId36"/>
-    <p:sldId id="284" r:id="rId37"/>
-    <p:sldId id="285" r:id="rId38"/>
-    <p:sldId id="286" r:id="rId39"/>
-    <p:sldId id="287" r:id="rId40"/>
-    <p:sldId id="288" r:id="rId41"/>
-    <p:sldId id="289" r:id="rId42"/>
-    <p:sldId id="290" r:id="rId43"/>
+    <p:sldId id="270" r:id="rId10"/>
+    <p:sldId id="264" r:id="rId11"/>
+    <p:sldId id="294" r:id="rId12"/>
+    <p:sldId id="293" r:id="rId13"/>
+    <p:sldId id="265" r:id="rId14"/>
+    <p:sldId id="295" r:id="rId15"/>
+    <p:sldId id="296" r:id="rId16"/>
+    <p:sldId id="297" r:id="rId17"/>
+    <p:sldId id="261" r:id="rId18"/>
+    <p:sldId id="292" r:id="rId19"/>
+    <p:sldId id="271" r:id="rId20"/>
+    <p:sldId id="272" r:id="rId21"/>
+    <p:sldId id="300" r:id="rId22"/>
+    <p:sldId id="273" r:id="rId23"/>
+    <p:sldId id="274" r:id="rId24"/>
+    <p:sldId id="301" r:id="rId25"/>
+    <p:sldId id="275" r:id="rId26"/>
+    <p:sldId id="291" r:id="rId27"/>
+    <p:sldId id="276" r:id="rId28"/>
+    <p:sldId id="277" r:id="rId29"/>
+    <p:sldId id="278" r:id="rId30"/>
+    <p:sldId id="279" r:id="rId31"/>
+    <p:sldId id="280" r:id="rId32"/>
+    <p:sldId id="281" r:id="rId33"/>
+    <p:sldId id="282" r:id="rId34"/>
+    <p:sldId id="283" r:id="rId35"/>
+    <p:sldId id="284" r:id="rId36"/>
+    <p:sldId id="285" r:id="rId37"/>
+    <p:sldId id="286" r:id="rId38"/>
+    <p:sldId id="287" r:id="rId39"/>
+    <p:sldId id="288" r:id="rId40"/>
+    <p:sldId id="289" r:id="rId41"/>
+    <p:sldId id="290" r:id="rId42"/>
   </p:sldIdLst>
   <p:sldSz cx="9144000" cy="6858000" type="screen4x3"/>
   <p:notesSz cx="6858000" cy="9144000"/>
@@ -3695,7 +3694,7 @@
         </p:nvSpPr>
         <p:spPr>
           <a:xfrm>
-            <a:off x="685800" y="1600200"/>
+            <a:off x="685800" y="1501775"/>
             <a:ext cx="7772400" cy="1470025"/>
           </a:xfrm>
         </p:spPr>
@@ -3975,6 +3974,10 @@
           <a:bodyPr/>
           <a:lstStyle/>
           <a:p>
+            <a:r>
+              <a:rPr lang="en-US" dirty="0" smtClean="0"/>
+              <a:t>Offline Debugging</a:t>
+            </a:r>
             <a:endParaRPr lang="en-US" dirty="0"/>
           </a:p>
         </p:txBody>
@@ -3994,7 +3997,22 @@
           <a:bodyPr/>
           <a:lstStyle/>
           <a:p>
-            <a:endParaRPr lang="en-US"/>
+            <a:pPr lvl="0"/>
+            <a:r>
+              <a:rPr lang="en-US" dirty="0" smtClean="0"/>
+              <a:t>Make a record of what a program does</a:t>
+            </a:r>
+          </a:p>
+          <a:p>
+            <a:pPr lvl="0"/>
+            <a:r>
+              <a:rPr lang="en-US" dirty="0" smtClean="0"/>
+              <a:t>Not interactive</a:t>
+            </a:r>
+            <a:r>
+              <a:rPr lang="en-US" baseline="0" dirty="0" smtClean="0"/>
+              <a:t> debugging step by step</a:t>
+            </a:r>
           </a:p>
         </p:txBody>
       </p:sp>
@@ -4070,7 +4088,7 @@
     </p:spTree>
     <p:extLst>
       <p:ext uri="{BB962C8B-B14F-4D97-AF65-F5344CB8AC3E}">
-        <p14:creationId xmlns:p14="http://schemas.microsoft.com/office/powerpoint/2010/main" val="1054635850"/>
+        <p14:creationId xmlns:p14="http://schemas.microsoft.com/office/powerpoint/2010/main" val="3342569537"/>
       </p:ext>
     </p:extLst>
   </p:cSld>
@@ -4109,12 +4127,26 @@
         </p:nvSpPr>
         <p:spPr/>
         <p:txBody>
-          <a:bodyPr/>
-          <a:lstStyle/>
-          <a:p>
+          <a:bodyPr>
+            <a:normAutofit fontScale="90000"/>
+          </a:bodyPr>
+          <a:lstStyle/>
+          <a:p>
+            <a:pPr lvl="0"/>
             <a:r>
               <a:rPr lang="en-US" dirty="0" smtClean="0"/>
-              <a:t>Offline Debugging</a:t>
+              <a:t>New Program Doesn’t Do</a:t>
+            </a:r>
+            <a:br>
+              <a:rPr lang="en-US" dirty="0" smtClean="0"/>
+            </a:br>
+            <a:r>
+              <a:rPr lang="en-US" dirty="0" smtClean="0"/>
+              <a:t>What</a:t>
+            </a:r>
+            <a:r>
+              <a:rPr lang="en-US" baseline="0" dirty="0" smtClean="0"/>
+              <a:t> You Want It To Do?</a:t>
             </a:r>
             <a:endParaRPr lang="en-US" dirty="0"/>
           </a:p>
@@ -4135,7 +4167,20 @@
           <a:bodyPr/>
           <a:lstStyle/>
           <a:p>
-            <a:pPr lvl="0"/>
+            <a:r>
+              <a:rPr lang="en-US" dirty="0" smtClean="0"/>
+              <a:t>Sprinkle a few print()</a:t>
+            </a:r>
+            <a:r>
+              <a:rPr lang="en-US" baseline="0" dirty="0" smtClean="0"/>
+              <a:t> statements in to print the data at key locations, and run it again</a:t>
+            </a:r>
+          </a:p>
+          <a:p>
+            <a:r>
+              <a:rPr lang="en-US" baseline="0" dirty="0" smtClean="0"/>
+              <a:t>Stare at the output, wonder why it did what it did, and why in that order</a:t>
+            </a:r>
             <a:endParaRPr lang="en-US" dirty="0"/>
           </a:p>
         </p:txBody>
@@ -4212,7 +4257,7 @@
     </p:spTree>
     <p:extLst>
       <p:ext uri="{BB962C8B-B14F-4D97-AF65-F5344CB8AC3E}">
-        <p14:creationId xmlns:p14="http://schemas.microsoft.com/office/powerpoint/2010/main" val="3342569537"/>
+        <p14:creationId xmlns:p14="http://schemas.microsoft.com/office/powerpoint/2010/main" val="507933991"/>
       </p:ext>
     </p:extLst>
   </p:cSld>
@@ -4251,59 +4296,89 @@
         </p:nvSpPr>
         <p:spPr/>
         <p:txBody>
-          <a:bodyPr>
-            <a:normAutofit fontScale="90000"/>
-          </a:bodyPr>
-          <a:lstStyle/>
-          <a:p>
-            <a:pPr lvl="0"/>
+          <a:bodyPr/>
+          <a:lstStyle/>
+          <a:p>
             <a:r>
               <a:rPr lang="en-US" dirty="0" smtClean="0"/>
-              <a:t>New Program Doesn’t Do</a:t>
-            </a:r>
-            <a:br>
+              <a:t>Interactive</a:t>
+            </a:r>
+            <a:r>
+              <a:rPr lang="en-US" baseline="0" dirty="0" smtClean="0"/>
+              <a:t> Debugging</a:t>
+            </a:r>
+            <a:endParaRPr lang="en-US" dirty="0"/>
+          </a:p>
+        </p:txBody>
+      </p:sp>
+      <p:sp>
+        <p:nvSpPr>
+          <p:cNvPr id="3" name="Content Placeholder 2"/>
+          <p:cNvSpPr>
+            <a:spLocks noGrp="1"/>
+          </p:cNvSpPr>
+          <p:nvPr>
+            <p:ph idx="1"/>
+          </p:nvPr>
+        </p:nvSpPr>
+        <p:spPr/>
+        <p:txBody>
+          <a:bodyPr/>
+          <a:lstStyle/>
+          <a:p>
+            <a:r>
+              <a:rPr lang="en-US" baseline="0" dirty="0" smtClean="0"/>
+              <a:t>Set some breakpoints, run, examine data</a:t>
+            </a:r>
+          </a:p>
+          <a:p>
+            <a:r>
+              <a:rPr lang="en-US" baseline="0" dirty="0" smtClean="0"/>
+              <a:t>Great for small-</a:t>
+            </a:r>
+            <a:r>
+              <a:rPr lang="en-US" baseline="0" dirty="0" err="1" smtClean="0"/>
+              <a:t>ish</a:t>
+            </a:r>
+            <a:r>
+              <a:rPr lang="en-US" baseline="0" dirty="0" smtClean="0"/>
+              <a:t> programs that can be run interactively</a:t>
+            </a:r>
+          </a:p>
+          <a:p>
+            <a:r>
+              <a:rPr lang="en-US" dirty="0" err="1" smtClean="0"/>
+              <a:t>pdb</a:t>
+            </a:r>
+            <a:r>
               <a:rPr lang="en-US" dirty="0" smtClean="0"/>
-            </a:br>
+              <a:t>,</a:t>
+            </a:r>
+            <a:r>
+              <a:rPr lang="en-US" baseline="0" dirty="0" smtClean="0"/>
+              <a:t> </a:t>
+            </a:r>
+            <a:r>
+              <a:rPr lang="en-US" baseline="0" dirty="0" err="1" smtClean="0"/>
+              <a:t>pudb</a:t>
+            </a:r>
+            <a:r>
+              <a:rPr lang="en-US" baseline="0" dirty="0" smtClean="0"/>
+              <a:t>,</a:t>
+            </a:r>
             <a:r>
               <a:rPr lang="en-US" dirty="0" smtClean="0"/>
-              <a:t>What</a:t>
+              <a:t> a dozen others,</a:t>
             </a:r>
             <a:r>
               <a:rPr lang="en-US" baseline="0" dirty="0" smtClean="0"/>
-              <a:t> You Want It To Do?</a:t>
-            </a:r>
-            <a:endParaRPr lang="en-US" dirty="0"/>
-          </a:p>
-        </p:txBody>
-      </p:sp>
-      <p:sp>
-        <p:nvSpPr>
-          <p:cNvPr id="3" name="Content Placeholder 2"/>
-          <p:cNvSpPr>
-            <a:spLocks noGrp="1"/>
-          </p:cNvSpPr>
-          <p:nvPr>
-            <p:ph idx="1"/>
-          </p:nvPr>
-        </p:nvSpPr>
-        <p:spPr/>
-        <p:txBody>
-          <a:bodyPr/>
-          <a:lstStyle/>
+              <a:t> etc.</a:t>
+            </a:r>
+          </a:p>
           <a:p>
             <a:r>
               <a:rPr lang="en-US" dirty="0" smtClean="0"/>
-              <a:t>Sprinkle a few print()</a:t>
-            </a:r>
-            <a:r>
-              <a:rPr lang="en-US" baseline="0" dirty="0" smtClean="0"/>
-              <a:t> statements in to print the data at key locations, and run it again</a:t>
-            </a:r>
-          </a:p>
-          <a:p>
-            <a:r>
-              <a:rPr lang="en-US" baseline="0" dirty="0" smtClean="0"/>
-              <a:t>Stare at the output, wonder why it did what it did, and why in that order</a:t>
+              <a:t>Breakpoints, stepping, data examination</a:t>
             </a:r>
             <a:endParaRPr lang="en-US" dirty="0"/>
           </a:p>
@@ -4381,7 +4456,7 @@
     </p:spTree>
     <p:extLst>
       <p:ext uri="{BB962C8B-B14F-4D97-AF65-F5344CB8AC3E}">
-        <p14:creationId xmlns:p14="http://schemas.microsoft.com/office/powerpoint/2010/main" val="507933991"/>
+        <p14:creationId xmlns:p14="http://schemas.microsoft.com/office/powerpoint/2010/main" val="3934719971"/>
       </p:ext>
     </p:extLst>
   </p:cSld>
@@ -4420,16 +4495,21 @@
         </p:nvSpPr>
         <p:spPr/>
         <p:txBody>
-          <a:bodyPr/>
+          <a:bodyPr>
+            <a:normAutofit fontScale="90000"/>
+          </a:bodyPr>
           <a:lstStyle/>
           <a:p>
             <a:r>
               <a:rPr lang="en-US" dirty="0" smtClean="0"/>
-              <a:t>Interactive</a:t>
-            </a:r>
-            <a:r>
-              <a:rPr lang="en-US" baseline="0" dirty="0" smtClean="0"/>
-              <a:t> Debugging</a:t>
+              <a:t>Interactive Debugging </a:t>
+            </a:r>
+            <a:br>
+              <a:rPr lang="en-US" dirty="0" smtClean="0"/>
+            </a:br>
+            <a:r>
+              <a:rPr lang="en-US" dirty="0" smtClean="0"/>
+              <a:t>Might Not be Simple</a:t>
             </a:r>
             <a:endParaRPr lang="en-US" dirty="0"/>
           </a:p>
@@ -4447,64 +4527,117 @@
         </p:nvSpPr>
         <p:spPr/>
         <p:txBody>
-          <a:bodyPr/>
-          <a:lstStyle/>
-          <a:p>
-            <a:r>
-              <a:rPr lang="en-US" baseline="0" dirty="0" smtClean="0"/>
-              <a:t>Set some breakpoints, run, examine data</a:t>
-            </a:r>
-          </a:p>
-          <a:p>
-            <a:r>
-              <a:rPr lang="en-US" baseline="0" dirty="0" smtClean="0"/>
-              <a:t>Great for small-</a:t>
-            </a:r>
-            <a:r>
-              <a:rPr lang="en-US" baseline="0" dirty="0" err="1" smtClean="0"/>
-              <a:t>ish</a:t>
-            </a:r>
-            <a:r>
-              <a:rPr lang="en-US" baseline="0" dirty="0" smtClean="0"/>
-              <a:t> programs that can be run interactively</a:t>
-            </a:r>
-          </a:p>
-          <a:p>
-            <a:r>
-              <a:rPr lang="en-US" dirty="0" err="1" smtClean="0"/>
-              <a:t>pdb</a:t>
-            </a:r>
-            <a:r>
-              <a:rPr lang="en-US" dirty="0" smtClean="0"/>
-              <a:t>,</a:t>
-            </a:r>
-            <a:r>
-              <a:rPr lang="en-US" baseline="0" dirty="0" smtClean="0"/>
-              <a:t> </a:t>
-            </a:r>
-            <a:r>
-              <a:rPr lang="en-US" baseline="0" dirty="0" err="1" smtClean="0"/>
-              <a:t>pudb</a:t>
-            </a:r>
-            <a:r>
-              <a:rPr lang="en-US" baseline="0" dirty="0" smtClean="0"/>
-              <a:t>,</a:t>
-            </a:r>
-            <a:r>
-              <a:rPr lang="en-US" dirty="0" smtClean="0"/>
-              <a:t> a dozen others,</a:t>
-            </a:r>
-            <a:r>
-              <a:rPr lang="en-US" baseline="0" dirty="0" smtClean="0"/>
-              <a:t> etc.</a:t>
-            </a:r>
-          </a:p>
-          <a:p>
-            <a:r>
-              <a:rPr lang="en-US" dirty="0" smtClean="0"/>
-              <a:t>Breakpoints, stepping, data examination</a:t>
-            </a:r>
-            <a:endParaRPr lang="en-US" dirty="0"/>
+          <a:bodyPr>
+            <a:normAutofit/>
+          </a:bodyPr>
+          <a:lstStyle/>
+          <a:p>
+            <a:pPr lvl="0"/>
+            <a:r>
+              <a:rPr lang="en-US" sz="3200" kern="1200" dirty="0" smtClean="0">
+                <a:solidFill>
+                  <a:schemeClr val="tx1"/>
+                </a:solidFill>
+                <a:effectLst/>
+                <a:latin typeface="+mn-lt"/>
+                <a:ea typeface="+mn-ea"/>
+                <a:cs typeface="+mn-cs"/>
+              </a:rPr>
+              <a:t>Interactive debugging might not be eas</a:t>
+            </a:r>
+            <a:r>
+              <a:rPr lang="en-US" sz="3200" kern="1200" baseline="0" dirty="0" smtClean="0">
+                <a:solidFill>
+                  <a:schemeClr val="tx1"/>
+                </a:solidFill>
+                <a:effectLst/>
+                <a:latin typeface="+mn-lt"/>
+                <a:ea typeface="+mn-ea"/>
+                <a:cs typeface="+mn-cs"/>
+              </a:rPr>
+              <a:t>y to use</a:t>
+            </a:r>
+            <a:endParaRPr lang="en-US" sz="3200" kern="1200" dirty="0" smtClean="0">
+              <a:solidFill>
+                <a:schemeClr val="tx1"/>
+              </a:solidFill>
+              <a:effectLst/>
+              <a:latin typeface="+mn-lt"/>
+              <a:ea typeface="+mn-ea"/>
+              <a:cs typeface="+mn-cs"/>
+            </a:endParaRPr>
+          </a:p>
+          <a:p>
+            <a:pPr lvl="1"/>
+            <a:r>
+              <a:rPr lang="en-US" sz="2800" kern="1200" dirty="0" smtClean="0">
+                <a:solidFill>
+                  <a:schemeClr val="tx1"/>
+                </a:solidFill>
+                <a:effectLst/>
+                <a:latin typeface="+mn-lt"/>
+                <a:ea typeface="+mn-ea"/>
+                <a:cs typeface="+mn-cs"/>
+              </a:rPr>
+              <a:t>Lengthy</a:t>
+            </a:r>
+            <a:r>
+              <a:rPr lang="en-US" sz="2800" kern="1200" baseline="0" dirty="0" smtClean="0">
+                <a:solidFill>
+                  <a:schemeClr val="tx1"/>
+                </a:solidFill>
+                <a:effectLst/>
+                <a:latin typeface="+mn-lt"/>
+                <a:ea typeface="+mn-ea"/>
+                <a:cs typeface="+mn-cs"/>
+              </a:rPr>
+              <a:t> or complex setup</a:t>
+            </a:r>
+          </a:p>
+          <a:p>
+            <a:pPr lvl="2"/>
+            <a:r>
+              <a:rPr lang="en-US" sz="2400" kern="1200" baseline="0" dirty="0" smtClean="0">
+                <a:solidFill>
+                  <a:schemeClr val="tx1"/>
+                </a:solidFill>
+                <a:effectLst/>
+                <a:latin typeface="+mn-lt"/>
+                <a:ea typeface="+mn-ea"/>
+                <a:cs typeface="+mn-cs"/>
+              </a:rPr>
+              <a:t>Requires more patience than I have</a:t>
+            </a:r>
+          </a:p>
+          <a:p>
+            <a:pPr lvl="1"/>
+            <a:r>
+              <a:rPr lang="en-US" sz="2800" kern="1200" baseline="0" dirty="0" smtClean="0">
+                <a:solidFill>
+                  <a:schemeClr val="tx1"/>
+                </a:solidFill>
+                <a:effectLst/>
+                <a:latin typeface="+mn-lt"/>
+                <a:ea typeface="+mn-ea"/>
+                <a:cs typeface="+mn-cs"/>
+              </a:rPr>
+              <a:t>Detached process with no UI access</a:t>
+            </a:r>
+          </a:p>
+          <a:p>
+            <a:pPr lvl="1"/>
+            <a:r>
+              <a:rPr lang="en-US" sz="2800" kern="1200" dirty="0" smtClean="0">
+                <a:solidFill>
+                  <a:schemeClr val="tx1"/>
+                </a:solidFill>
+                <a:effectLst/>
+                <a:latin typeface="+mn-lt"/>
+                <a:ea typeface="+mn-ea"/>
+                <a:cs typeface="+mn-cs"/>
+              </a:rPr>
+              <a:t>Part of a web service</a:t>
+            </a:r>
           </a:p>
         </p:txBody>
       </p:sp>
@@ -4580,7 +4713,7 @@
     </p:spTree>
     <p:extLst>
       <p:ext uri="{BB962C8B-B14F-4D97-AF65-F5344CB8AC3E}">
-        <p14:creationId xmlns:p14="http://schemas.microsoft.com/office/powerpoint/2010/main" val="3934719971"/>
+        <p14:creationId xmlns:p14="http://schemas.microsoft.com/office/powerpoint/2010/main" val="1243722376"/>
       </p:ext>
     </p:extLst>
   </p:cSld>
@@ -4619,21 +4752,12 @@
         </p:nvSpPr>
         <p:spPr/>
         <p:txBody>
-          <a:bodyPr>
-            <a:normAutofit fontScale="90000"/>
-          </a:bodyPr>
+          <a:bodyPr/>
           <a:lstStyle/>
           <a:p>
             <a:r>
               <a:rPr lang="en-US" dirty="0" smtClean="0"/>
-              <a:t>Interactive Debugging </a:t>
-            </a:r>
-            <a:br>
-              <a:rPr lang="en-US" dirty="0" smtClean="0"/>
-            </a:br>
-            <a:r>
-              <a:rPr lang="en-US" dirty="0" smtClean="0"/>
-              <a:t>Might Not be Simple</a:t>
+              <a:t>Alternative</a:t>
             </a:r>
             <a:endParaRPr lang="en-US" dirty="0"/>
           </a:p>
@@ -4667,100 +4791,22 @@
                 <a:ea typeface="+mn-ea"/>
                 <a:cs typeface="+mn-cs"/>
               </a:rPr>
-              <a:t>Interactive debugging might not be eas</a:t>
-            </a:r>
-            <a:r>
-              <a:rPr lang="en-US" sz="3200" kern="1200" baseline="0" dirty="0" smtClean="0">
-                <a:solidFill>
-                  <a:schemeClr val="tx1"/>
-                </a:solidFill>
-                <a:effectLst/>
-                <a:latin typeface="+mn-lt"/>
-                <a:ea typeface="+mn-ea"/>
-                <a:cs typeface="+mn-cs"/>
-              </a:rPr>
-              <a:t>y to use</a:t>
-            </a:r>
-            <a:endParaRPr lang="en-US" sz="3200" kern="1200" dirty="0" smtClean="0">
-              <a:solidFill>
-                <a:schemeClr val="tx1"/>
-              </a:solidFill>
-              <a:effectLst/>
-              <a:latin typeface="+mn-lt"/>
-              <a:ea typeface="+mn-ea"/>
-              <a:cs typeface="+mn-cs"/>
-            </a:endParaRPr>
-          </a:p>
-          <a:p>
-            <a:pPr lvl="1"/>
-            <a:r>
-              <a:rPr lang="en-US" sz="2800" kern="1200" dirty="0" smtClean="0">
-                <a:solidFill>
-                  <a:schemeClr val="tx1"/>
-                </a:solidFill>
-                <a:effectLst/>
-                <a:latin typeface="+mn-lt"/>
-                <a:ea typeface="+mn-ea"/>
-                <a:cs typeface="+mn-cs"/>
-              </a:rPr>
-              <a:t>Lengthy</a:t>
-            </a:r>
-            <a:r>
-              <a:rPr lang="en-US" sz="2800" kern="1200" baseline="0" dirty="0" smtClean="0">
-                <a:solidFill>
-                  <a:schemeClr val="tx1"/>
-                </a:solidFill>
-                <a:effectLst/>
-                <a:latin typeface="+mn-lt"/>
-                <a:ea typeface="+mn-ea"/>
-                <a:cs typeface="+mn-cs"/>
-              </a:rPr>
-              <a:t> or complex setup</a:t>
-            </a:r>
-          </a:p>
-          <a:p>
-            <a:pPr lvl="2"/>
-            <a:r>
-              <a:rPr lang="en-US" sz="2400" kern="1200" baseline="0" dirty="0" smtClean="0">
-                <a:solidFill>
-                  <a:schemeClr val="tx1"/>
-                </a:solidFill>
-                <a:effectLst/>
-                <a:latin typeface="+mn-lt"/>
-                <a:ea typeface="+mn-ea"/>
-                <a:cs typeface="+mn-cs"/>
-              </a:rPr>
-              <a:t>Requires more patience than I have</a:t>
-            </a:r>
-          </a:p>
-          <a:p>
-            <a:pPr lvl="1"/>
-            <a:r>
-              <a:rPr lang="en-US" sz="2800" kern="1200" baseline="0" dirty="0" smtClean="0">
-                <a:solidFill>
-                  <a:schemeClr val="tx1"/>
-                </a:solidFill>
-                <a:effectLst/>
-                <a:latin typeface="+mn-lt"/>
-                <a:ea typeface="+mn-ea"/>
-                <a:cs typeface="+mn-cs"/>
-              </a:rPr>
-              <a:t>Detached process with no UI access</a:t>
-            </a:r>
-          </a:p>
-          <a:p>
-            <a:pPr lvl="1"/>
-            <a:r>
-              <a:rPr lang="en-US" sz="2800" kern="1200" dirty="0" smtClean="0">
-                <a:solidFill>
-                  <a:schemeClr val="tx1"/>
-                </a:solidFill>
-                <a:effectLst/>
-                <a:latin typeface="+mn-lt"/>
-                <a:ea typeface="+mn-ea"/>
-                <a:cs typeface="+mn-cs"/>
-              </a:rPr>
-              <a:t>Part of a web service</a:t>
+              <a:t>If you have an adequate method of tracing the flow and data of a program, reading a trace log might be easier and faster</a:t>
+            </a:r>
+          </a:p>
+          <a:p>
+            <a:pPr lvl="0"/>
+            <a:r>
+              <a:rPr lang="en-US" sz="3200" kern="1200" dirty="0" smtClean="0">
+                <a:solidFill>
+                  <a:schemeClr val="tx1"/>
+                </a:solidFill>
+                <a:effectLst/>
+                <a:latin typeface="+mn-lt"/>
+                <a:ea typeface="+mn-ea"/>
+                <a:cs typeface="+mn-cs"/>
+              </a:rPr>
+              <a:t>I can find a problem in a suitable trace log faster than I can setup breakpoints</a:t>
             </a:r>
           </a:p>
         </p:txBody>
@@ -4837,7 +4883,7 @@
     </p:spTree>
     <p:extLst>
       <p:ext uri="{BB962C8B-B14F-4D97-AF65-F5344CB8AC3E}">
-        <p14:creationId xmlns:p14="http://schemas.microsoft.com/office/powerpoint/2010/main" val="1243722376"/>
+        <p14:creationId xmlns:p14="http://schemas.microsoft.com/office/powerpoint/2010/main" val="2887981812"/>
       </p:ext>
     </p:extLst>
   </p:cSld>
@@ -4881,7 +4927,7 @@
           <a:p>
             <a:r>
               <a:rPr lang="en-US" dirty="0" smtClean="0"/>
-              <a:t>Alternative</a:t>
+              <a:t>Python trace Module?</a:t>
             </a:r>
             <a:endParaRPr lang="en-US" dirty="0"/>
           </a:p>
@@ -4899,9 +4945,7 @@
         </p:nvSpPr>
         <p:spPr/>
         <p:txBody>
-          <a:bodyPr>
-            <a:normAutofit/>
-          </a:bodyPr>
+          <a:bodyPr/>
           <a:lstStyle/>
           <a:p>
             <a:pPr lvl="0"/>
@@ -4915,23 +4959,68 @@
                 <a:ea typeface="+mn-ea"/>
                 <a:cs typeface="+mn-cs"/>
               </a:rPr>
-              <a:t>If you have an adequate method of tracing the flow and data of a program, reading a trace log might be easier and faster</a:t>
-            </a:r>
-          </a:p>
-          <a:p>
-            <a:pPr lvl="0"/>
-            <a:r>
-              <a:rPr lang="en-US" sz="3200" kern="1200" dirty="0" smtClean="0">
-                <a:solidFill>
-                  <a:schemeClr val="tx1"/>
-                </a:solidFill>
-                <a:effectLst/>
-                <a:latin typeface="+mn-lt"/>
-                <a:ea typeface="+mn-ea"/>
-                <a:cs typeface="+mn-cs"/>
-              </a:rPr>
-              <a:t>I can find a problem in a suitable trace log faster than I can setup breakpoints</a:t>
-            </a:r>
+              <a:t>The standard Python trace module doesn't fit</a:t>
+            </a:r>
+          </a:p>
+          <a:p>
+            <a:pPr lvl="1"/>
+            <a:r>
+              <a:rPr lang="en-US" sz="2800" kern="1200" dirty="0" smtClean="0">
+                <a:solidFill>
+                  <a:schemeClr val="tx1"/>
+                </a:solidFill>
+                <a:effectLst/>
+                <a:latin typeface="+mn-lt"/>
+                <a:ea typeface="+mn-ea"/>
+                <a:cs typeface="+mn-cs"/>
+              </a:rPr>
+              <a:t>Tracks</a:t>
+            </a:r>
+            <a:r>
+              <a:rPr lang="en-US" sz="2800" kern="1200" baseline="0" dirty="0" smtClean="0">
+                <a:solidFill>
+                  <a:schemeClr val="tx1"/>
+                </a:solidFill>
+                <a:effectLst/>
+                <a:latin typeface="+mn-lt"/>
+                <a:ea typeface="+mn-ea"/>
+                <a:cs typeface="+mn-cs"/>
+              </a:rPr>
+              <a:t> </a:t>
+            </a:r>
+            <a:r>
+              <a:rPr lang="en-US" sz="2800" kern="1200" dirty="0" smtClean="0">
+                <a:solidFill>
+                  <a:schemeClr val="tx1"/>
+                </a:solidFill>
+                <a:effectLst/>
+                <a:latin typeface="+mn-lt"/>
+                <a:ea typeface="+mn-ea"/>
+                <a:cs typeface="+mn-cs"/>
+              </a:rPr>
+              <a:t>process, sequence of statements, not data</a:t>
+            </a:r>
+            <a:r>
+              <a:rPr lang="en-US" sz="2800" kern="1200" baseline="0" dirty="0" smtClean="0">
+                <a:solidFill>
+                  <a:schemeClr val="tx1"/>
+                </a:solidFill>
+                <a:effectLst/>
+                <a:latin typeface="+mn-lt"/>
+                <a:ea typeface="+mn-ea"/>
+                <a:cs typeface="+mn-cs"/>
+              </a:rPr>
+              <a:t> </a:t>
+            </a:r>
+            <a:endParaRPr lang="en-US" sz="2800" kern="1200" dirty="0" smtClean="0">
+              <a:solidFill>
+                <a:schemeClr val="tx1"/>
+              </a:solidFill>
+              <a:effectLst/>
+              <a:latin typeface="+mn-lt"/>
+              <a:ea typeface="+mn-ea"/>
+              <a:cs typeface="+mn-cs"/>
+            </a:endParaRPr>
           </a:p>
         </p:txBody>
       </p:sp>
@@ -5007,7 +5096,7 @@
     </p:spTree>
     <p:extLst>
       <p:ext uri="{BB962C8B-B14F-4D97-AF65-F5344CB8AC3E}">
-        <p14:creationId xmlns:p14="http://schemas.microsoft.com/office/powerpoint/2010/main" val="2887981812"/>
+        <p14:creationId xmlns:p14="http://schemas.microsoft.com/office/powerpoint/2010/main" val="3552108553"/>
       </p:ext>
     </p:extLst>
   </p:cSld>
@@ -5051,7 +5140,7 @@
           <a:p>
             <a:r>
               <a:rPr lang="en-US" dirty="0" smtClean="0"/>
-              <a:t>Python trace Module?</a:t>
+              <a:t>A Modest Example Here</a:t>
             </a:r>
             <a:endParaRPr lang="en-US" dirty="0"/>
           </a:p>
@@ -5074,6 +5163,18 @@
           <a:p>
             <a:pPr lvl="0"/>
             <a:r>
+              <a:rPr lang="en-US" sz="3200" kern="1200" dirty="0" err="1" smtClean="0">
+                <a:solidFill>
+                  <a:schemeClr val="tx1"/>
+                </a:solidFill>
+                <a:effectLst/>
+                <a:latin typeface="+mn-lt"/>
+                <a:ea typeface="+mn-ea"/>
+                <a:cs typeface="+mn-cs"/>
+              </a:rPr>
+              <a:t>NewTrace</a:t>
+            </a:r>
+            <a:r>
               <a:rPr lang="en-US" sz="3200" kern="1200" dirty="0" smtClean="0">
                 <a:solidFill>
                   <a:schemeClr val="tx1"/>
@@ -5083,60 +5184,45 @@
                 <a:ea typeface="+mn-ea"/>
                 <a:cs typeface="+mn-cs"/>
               </a:rPr>
-              <a:t>The standard Python trace module doesn't fit</a:t>
-            </a:r>
-          </a:p>
-          <a:p>
-            <a:pPr lvl="1"/>
-            <a:r>
-              <a:rPr lang="en-US" sz="2800" kern="1200" dirty="0" smtClean="0">
-                <a:solidFill>
-                  <a:schemeClr val="tx1"/>
-                </a:solidFill>
-                <a:effectLst/>
-                <a:latin typeface="+mn-lt"/>
-                <a:ea typeface="+mn-ea"/>
-                <a:cs typeface="+mn-cs"/>
-              </a:rPr>
-              <a:t>Tracks</a:t>
-            </a:r>
-            <a:r>
-              <a:rPr lang="en-US" sz="2800" kern="1200" baseline="0" dirty="0" smtClean="0">
-                <a:solidFill>
-                  <a:schemeClr val="tx1"/>
-                </a:solidFill>
-                <a:effectLst/>
-                <a:latin typeface="+mn-lt"/>
-                <a:ea typeface="+mn-ea"/>
-                <a:cs typeface="+mn-cs"/>
-              </a:rPr>
               <a:t> </a:t>
             </a:r>
             <a:r>
-              <a:rPr lang="en-US" sz="2800" kern="1200" dirty="0" smtClean="0">
-                <a:solidFill>
-                  <a:schemeClr val="tx1"/>
-                </a:solidFill>
-                <a:effectLst/>
-                <a:latin typeface="+mn-lt"/>
-                <a:ea typeface="+mn-ea"/>
-                <a:cs typeface="+mn-cs"/>
-              </a:rPr>
-              <a:t>process, sequence of statements, not data</a:t>
-            </a:r>
-            <a:r>
-              <a:rPr lang="en-US" sz="2800" kern="1200" baseline="0" dirty="0" smtClean="0">
-                <a:solidFill>
-                  <a:schemeClr val="tx1"/>
-                </a:solidFill>
-                <a:effectLst/>
-                <a:latin typeface="+mn-lt"/>
-                <a:ea typeface="+mn-ea"/>
-                <a:cs typeface="+mn-cs"/>
-              </a:rPr>
-              <a:t> </a:t>
-            </a:r>
-            <a:endParaRPr lang="en-US" sz="2800" kern="1200" dirty="0" smtClean="0">
+              <a:rPr lang="en-US" sz="3200" kern="1200" dirty="0" smtClean="0">
+                <a:solidFill>
+                  <a:schemeClr val="tx1"/>
+                </a:solidFill>
+                <a:effectLst/>
+                <a:latin typeface="+mn-lt"/>
+                <a:ea typeface="+mn-ea"/>
+                <a:cs typeface="+mn-cs"/>
+              </a:rPr>
+              <a:t>area on </a:t>
+            </a:r>
+            <a:r>
+              <a:rPr lang="en-US" sz="3200" kern="1200" dirty="0" smtClean="0">
+                <a:solidFill>
+                  <a:schemeClr val="tx1"/>
+                </a:solidFill>
+                <a:effectLst/>
+                <a:latin typeface="+mn-lt"/>
+                <a:ea typeface="+mn-ea"/>
+                <a:cs typeface="+mn-cs"/>
+              </a:rPr>
+              <a:t>github.com/</a:t>
+            </a:r>
+            <a:r>
+              <a:rPr lang="en-US" sz="3200" kern="1200" dirty="0" err="1" smtClean="0">
+                <a:solidFill>
+                  <a:schemeClr val="tx1"/>
+                </a:solidFill>
+                <a:effectLst/>
+                <a:latin typeface="+mn-lt"/>
+                <a:ea typeface="+mn-ea"/>
+                <a:cs typeface="+mn-cs"/>
+              </a:rPr>
+              <a:t>rblandau</a:t>
+            </a:r>
+            <a:endParaRPr lang="en-US" sz="3200" kern="1200" dirty="0" smtClean="0">
               <a:solidFill>
                 <a:schemeClr val="tx1"/>
               </a:solidFill>
@@ -5146,6 +5232,19 @@
               <a:cs typeface="+mn-cs"/>
             </a:endParaRPr>
           </a:p>
+          <a:p>
+            <a:r>
+              <a:rPr lang="en-US" dirty="0" smtClean="0"/>
+              <a:t>Like print() on mega-steroids</a:t>
+            </a:r>
+          </a:p>
+          <a:p>
+            <a:r>
+              <a:rPr lang="en-US" dirty="0" smtClean="0"/>
+              <a:t>Plus other features from experience</a:t>
+            </a:r>
+            <a:endParaRPr lang="en-US" dirty="0"/>
+          </a:p>
         </p:txBody>
       </p:sp>
       <p:sp>
@@ -5220,7 +5319,7 @@
     </p:spTree>
     <p:extLst>
       <p:ext uri="{BB962C8B-B14F-4D97-AF65-F5344CB8AC3E}">
-        <p14:creationId xmlns:p14="http://schemas.microsoft.com/office/powerpoint/2010/main" val="3552108553"/>
+        <p14:creationId xmlns:p14="http://schemas.microsoft.com/office/powerpoint/2010/main" val="3050817168"/>
       </p:ext>
     </p:extLst>
   </p:cSld>
@@ -5264,7 +5363,7 @@
           <a:p>
             <a:r>
               <a:rPr lang="en-US" dirty="0" smtClean="0"/>
-              <a:t>A Modest Example Here</a:t>
+              <a:t>Ned is holding his nose</a:t>
             </a:r>
             <a:endParaRPr lang="en-US" dirty="0"/>
           </a:p>
@@ -5282,23 +5381,13 @@
         </p:nvSpPr>
         <p:spPr/>
         <p:txBody>
-          <a:bodyPr/>
+          <a:bodyPr>
+            <a:normAutofit/>
+          </a:bodyPr>
           <a:lstStyle/>
           <a:p>
             <a:pPr lvl="0"/>
             <a:r>
-              <a:rPr lang="en-US" sz="3200" kern="1200" dirty="0" err="1" smtClean="0">
-                <a:solidFill>
-                  <a:schemeClr val="tx1"/>
-                </a:solidFill>
-                <a:effectLst/>
-                <a:latin typeface="+mn-lt"/>
-                <a:ea typeface="+mn-ea"/>
-                <a:cs typeface="+mn-cs"/>
-              </a:rPr>
-              <a:t>NewTrace</a:t>
-            </a:r>
-            <a:r>
               <a:rPr lang="en-US" sz="3200" kern="1200" dirty="0" smtClean="0">
                 <a:solidFill>
                   <a:schemeClr val="tx1"/>
@@ -5308,20 +5397,11 @@
                 <a:ea typeface="+mn-ea"/>
                 <a:cs typeface="+mn-cs"/>
               </a:rPr>
-              <a:t> (</a:t>
-            </a:r>
-            <a:r>
-              <a:rPr lang="en-US" sz="3200" kern="1200" dirty="0" err="1" smtClean="0">
-                <a:solidFill>
-                  <a:schemeClr val="tx1"/>
-                </a:solidFill>
-                <a:effectLst/>
-                <a:latin typeface="+mn-lt"/>
-                <a:ea typeface="+mn-ea"/>
-                <a:cs typeface="+mn-cs"/>
-              </a:rPr>
-              <a:t>ntrace</a:t>
-            </a:r>
+              <a:t>He saw my crude 2007-8 Python code</a:t>
+            </a:r>
+          </a:p>
+          <a:p>
+            <a:pPr lvl="0"/>
             <a:r>
               <a:rPr lang="en-US" sz="3200" kern="1200" dirty="0" smtClean="0">
                 <a:solidFill>
@@ -5332,21 +5412,100 @@
                 <a:ea typeface="+mn-ea"/>
                 <a:cs typeface="+mn-cs"/>
               </a:rPr>
-              <a:t>) area on my github.com/</a:t>
-            </a:r>
-            <a:r>
-              <a:rPr lang="en-US" sz="3200" kern="1200" dirty="0" err="1" smtClean="0">
-                <a:solidFill>
-                  <a:schemeClr val="tx1"/>
-                </a:solidFill>
-                <a:effectLst/>
-                <a:latin typeface="+mn-lt"/>
-                <a:ea typeface="+mn-ea"/>
-                <a:cs typeface="+mn-cs"/>
-              </a:rPr>
-              <a:t>rblandau</a:t>
-            </a:r>
-            <a:endParaRPr lang="en-US" sz="3200" kern="1200" dirty="0" smtClean="0">
+              <a:t>Back then I was writing </a:t>
+            </a:r>
+            <a:r>
+              <a:rPr lang="en-US" dirty="0"/>
+              <a:t>"</a:t>
+            </a:r>
+            <a:r>
+              <a:rPr lang="en-US" sz="3200" kern="1200" dirty="0" smtClean="0">
+                <a:solidFill>
+                  <a:schemeClr val="tx1"/>
+                </a:solidFill>
+                <a:effectLst/>
+                <a:latin typeface="+mn-lt"/>
+                <a:ea typeface="+mn-ea"/>
+                <a:cs typeface="+mn-cs"/>
+              </a:rPr>
+              <a:t>C without</a:t>
+            </a:r>
+            <a:r>
+              <a:rPr lang="en-US" sz="3200" kern="1200" baseline="0" dirty="0" smtClean="0">
+                <a:solidFill>
+                  <a:schemeClr val="tx1"/>
+                </a:solidFill>
+                <a:effectLst/>
+                <a:latin typeface="+mn-lt"/>
+                <a:ea typeface="+mn-ea"/>
+                <a:cs typeface="+mn-cs"/>
+              </a:rPr>
+              <a:t> </a:t>
+            </a:r>
+            <a:r>
+              <a:rPr lang="en-US" sz="3200" kern="1200" dirty="0" smtClean="0">
+                <a:solidFill>
+                  <a:schemeClr val="tx1"/>
+                </a:solidFill>
+                <a:effectLst/>
+                <a:latin typeface="+mn-lt"/>
+                <a:ea typeface="+mn-ea"/>
+                <a:cs typeface="+mn-cs"/>
+              </a:rPr>
+              <a:t>braces"</a:t>
+            </a:r>
+          </a:p>
+          <a:p>
+            <a:pPr lvl="1"/>
+            <a:r>
+              <a:rPr lang="en-US" sz="2800" kern="1200" dirty="0" smtClean="0">
+                <a:solidFill>
+                  <a:schemeClr val="tx1"/>
+                </a:solidFill>
+                <a:effectLst/>
+                <a:latin typeface="+mn-lt"/>
+                <a:ea typeface="+mn-ea"/>
+                <a:cs typeface="+mn-cs"/>
+              </a:rPr>
+              <a:t>Decades of writing</a:t>
+            </a:r>
+            <a:r>
+              <a:rPr lang="en-US" sz="2800" kern="1200" baseline="0" dirty="0" smtClean="0">
+                <a:solidFill>
+                  <a:schemeClr val="tx1"/>
+                </a:solidFill>
+                <a:effectLst/>
+                <a:latin typeface="+mn-lt"/>
+                <a:ea typeface="+mn-ea"/>
+                <a:cs typeface="+mn-cs"/>
+              </a:rPr>
+              <a:t> </a:t>
+            </a:r>
+            <a:r>
+              <a:rPr lang="en-US" sz="2800" kern="1200" dirty="0" smtClean="0">
+                <a:solidFill>
+                  <a:schemeClr val="tx1"/>
+                </a:solidFill>
+                <a:effectLst/>
+                <a:latin typeface="+mn-lt"/>
+                <a:ea typeface="+mn-ea"/>
+                <a:cs typeface="+mn-cs"/>
+              </a:rPr>
+              <a:t>C, C++, Perl, Java, </a:t>
+            </a:r>
+            <a:r>
+              <a:rPr lang="en-US" sz="2800" kern="1200" dirty="0" err="1" smtClean="0">
+                <a:solidFill>
+                  <a:schemeClr val="tx1"/>
+                </a:solidFill>
+                <a:effectLst/>
+                <a:latin typeface="+mn-lt"/>
+                <a:ea typeface="+mn-ea"/>
+                <a:cs typeface="+mn-cs"/>
+              </a:rPr>
+              <a:t>sh</a:t>
+            </a:r>
+            <a:endParaRPr lang="en-US" sz="2800" kern="1200" dirty="0" smtClean="0">
               <a:solidFill>
                 <a:schemeClr val="tx1"/>
               </a:solidFill>
@@ -5357,17 +5516,160 @@
             </a:endParaRPr>
           </a:p>
           <a:p>
-            <a:r>
-              <a:rPr lang="en-US" dirty="0" smtClean="0"/>
-              <a:t>Like print() on mega-steroids</a:t>
-            </a:r>
-          </a:p>
-          <a:p>
-            <a:r>
-              <a:rPr lang="en-US" dirty="0" smtClean="0"/>
-              <a:t>Plus other features from experience</a:t>
-            </a:r>
-            <a:endParaRPr lang="en-US" dirty="0"/>
+            <a:pPr lvl="0"/>
+            <a:r>
+              <a:rPr lang="en-US" sz="3200" kern="1200" dirty="0" smtClean="0">
+                <a:solidFill>
+                  <a:schemeClr val="tx1"/>
+                </a:solidFill>
+                <a:effectLst/>
+                <a:latin typeface="+mn-lt"/>
+                <a:ea typeface="+mn-ea"/>
+                <a:cs typeface="+mn-cs"/>
+              </a:rPr>
+              <a:t>First crude Python version</a:t>
+            </a:r>
+          </a:p>
+          <a:p>
+            <a:pPr lvl="1"/>
+            <a:r>
+              <a:rPr lang="en-US" sz="2800" kern="1200" dirty="0" smtClean="0">
+                <a:solidFill>
+                  <a:schemeClr val="tx1"/>
+                </a:solidFill>
+                <a:effectLst/>
+                <a:latin typeface="+mn-lt"/>
+                <a:ea typeface="+mn-ea"/>
+                <a:cs typeface="+mn-cs"/>
+              </a:rPr>
+              <a:t>Not even decorators</a:t>
+            </a:r>
+          </a:p>
+          <a:p>
+            <a:pPr lvl="1"/>
+            <a:r>
+              <a:rPr lang="en-US" sz="2800" kern="1200" dirty="0" smtClean="0">
+                <a:solidFill>
+                  <a:schemeClr val="tx1"/>
+                </a:solidFill>
+                <a:effectLst/>
+                <a:latin typeface="+mn-lt"/>
+                <a:ea typeface="+mn-ea"/>
+                <a:cs typeface="+mn-cs"/>
+              </a:rPr>
+              <a:t>Calls visible, and clumsy, all over the place</a:t>
+            </a:r>
+          </a:p>
+          <a:p>
+            <a:pPr lvl="0"/>
+            <a:r>
+              <a:rPr lang="en-US" sz="3200" kern="1200" dirty="0" smtClean="0">
+                <a:solidFill>
+                  <a:schemeClr val="tx1"/>
+                </a:solidFill>
+                <a:effectLst/>
+                <a:latin typeface="+mn-lt"/>
+                <a:ea typeface="+mn-ea"/>
+                <a:cs typeface="+mn-cs"/>
+              </a:rPr>
+              <a:t>Maybe</a:t>
+            </a:r>
+            <a:r>
+              <a:rPr lang="en-US" sz="3200" kern="1200" baseline="0" dirty="0" smtClean="0">
+                <a:solidFill>
+                  <a:schemeClr val="tx1"/>
+                </a:solidFill>
+                <a:effectLst/>
+                <a:latin typeface="+mn-lt"/>
+                <a:ea typeface="+mn-ea"/>
+                <a:cs typeface="+mn-cs"/>
+              </a:rPr>
+              <a:t> I l</a:t>
+            </a:r>
+            <a:r>
+              <a:rPr lang="en-US" sz="3200" kern="1200" dirty="0" smtClean="0">
+                <a:solidFill>
+                  <a:schemeClr val="tx1"/>
+                </a:solidFill>
+                <a:effectLst/>
+                <a:latin typeface="+mn-lt"/>
+                <a:ea typeface="+mn-ea"/>
+                <a:cs typeface="+mn-cs"/>
+              </a:rPr>
+              <a:t>earned a bit in a</a:t>
+            </a:r>
+            <a:r>
+              <a:rPr lang="en-US" sz="3200" kern="1200" baseline="0" dirty="0" smtClean="0">
+                <a:solidFill>
+                  <a:schemeClr val="tx1"/>
+                </a:solidFill>
+                <a:effectLst/>
+                <a:latin typeface="+mn-lt"/>
+                <a:ea typeface="+mn-ea"/>
+                <a:cs typeface="+mn-cs"/>
+              </a:rPr>
+              <a:t> </a:t>
+            </a:r>
+            <a:r>
+              <a:rPr lang="en-US" sz="3200" kern="1200" dirty="0" smtClean="0">
+                <a:solidFill>
+                  <a:schemeClr val="tx1"/>
+                </a:solidFill>
+                <a:effectLst/>
+                <a:latin typeface="+mn-lt"/>
+                <a:ea typeface="+mn-ea"/>
+                <a:cs typeface="+mn-cs"/>
+              </a:rPr>
+              <a:t>dozen years</a:t>
+            </a:r>
+          </a:p>
+          <a:p>
+            <a:pPr lvl="1"/>
+            <a:r>
+              <a:rPr lang="en-US" sz="2800" kern="1200" dirty="0" err="1" smtClean="0">
+                <a:solidFill>
+                  <a:schemeClr val="tx1"/>
+                </a:solidFill>
+                <a:effectLst/>
+                <a:latin typeface="+mn-lt"/>
+                <a:ea typeface="+mn-ea"/>
+                <a:cs typeface="+mn-cs"/>
+              </a:rPr>
+              <a:t>Sorta</a:t>
+            </a:r>
+            <a:r>
+              <a:rPr lang="en-US" sz="2800" kern="1200" dirty="0" smtClean="0">
+                <a:solidFill>
+                  <a:schemeClr val="tx1"/>
+                </a:solidFill>
+                <a:effectLst/>
+                <a:latin typeface="+mn-lt"/>
+                <a:ea typeface="+mn-ea"/>
+                <a:cs typeface="+mn-cs"/>
+              </a:rPr>
+              <a:t> </a:t>
+            </a:r>
+            <a:r>
+              <a:rPr lang="en-US" sz="2800" kern="1200" dirty="0" err="1" smtClean="0">
+                <a:solidFill>
+                  <a:schemeClr val="tx1"/>
+                </a:solidFill>
+                <a:effectLst/>
+                <a:latin typeface="+mn-lt"/>
+                <a:ea typeface="+mn-ea"/>
+                <a:cs typeface="+mn-cs"/>
+              </a:rPr>
+              <a:t>pythonic</a:t>
+            </a:r>
+            <a:endParaRPr lang="en-US" sz="2800" kern="1200" dirty="0" smtClean="0">
+              <a:solidFill>
+                <a:schemeClr val="tx1"/>
+              </a:solidFill>
+              <a:effectLst/>
+              <a:latin typeface="+mn-lt"/>
+              <a:ea typeface="+mn-ea"/>
+              <a:cs typeface="+mn-cs"/>
+            </a:endParaRPr>
           </a:p>
         </p:txBody>
       </p:sp>
@@ -5443,7 +5745,7 @@
     </p:spTree>
     <p:extLst>
       <p:ext uri="{BB962C8B-B14F-4D97-AF65-F5344CB8AC3E}">
-        <p14:creationId xmlns:p14="http://schemas.microsoft.com/office/powerpoint/2010/main" val="3050817168"/>
+        <p14:creationId xmlns:p14="http://schemas.microsoft.com/office/powerpoint/2010/main" val="2787871945"/>
       </p:ext>
     </p:extLst>
   </p:cSld>
@@ -5487,7 +5789,11 @@
           <a:p>
             <a:r>
               <a:rPr lang="en-US" dirty="0" smtClean="0"/>
-              <a:t>Ned is holding his nose</a:t>
+              <a:t>Just Like</a:t>
+            </a:r>
+            <a:r>
+              <a:rPr lang="en-US" baseline="0" dirty="0" smtClean="0"/>
+              <a:t> the Standard Example</a:t>
             </a:r>
             <a:endParaRPr lang="en-US" dirty="0"/>
           </a:p>
@@ -5505,388 +5811,53 @@
         </p:nvSpPr>
         <p:spPr/>
         <p:txBody>
-          <a:bodyPr>
-            <a:normAutofit/>
-          </a:bodyPr>
-          <a:lstStyle/>
-          <a:p>
-            <a:pPr lvl="0"/>
-            <a:r>
-              <a:rPr lang="en-US" sz="3200" kern="1200" dirty="0" smtClean="0">
-                <a:solidFill>
-                  <a:schemeClr val="tx1"/>
-                </a:solidFill>
-                <a:effectLst/>
-                <a:latin typeface="+mn-lt"/>
-                <a:ea typeface="+mn-ea"/>
-                <a:cs typeface="+mn-cs"/>
-              </a:rPr>
-              <a:t>He saw my crude 2007-8 Python code</a:t>
-            </a:r>
-          </a:p>
-          <a:p>
-            <a:pPr lvl="0"/>
-            <a:r>
-              <a:rPr lang="en-US" sz="3200" kern="1200" dirty="0" smtClean="0">
-                <a:solidFill>
-                  <a:schemeClr val="tx1"/>
-                </a:solidFill>
-                <a:effectLst/>
-                <a:latin typeface="+mn-lt"/>
-                <a:ea typeface="+mn-ea"/>
-                <a:cs typeface="+mn-cs"/>
-              </a:rPr>
-              <a:t>Back then I was writing </a:t>
-            </a:r>
-            <a:r>
-              <a:rPr lang="en-US" dirty="0"/>
-              <a:t>"</a:t>
-            </a:r>
-            <a:r>
-              <a:rPr lang="en-US" sz="3200" kern="1200" dirty="0" smtClean="0">
-                <a:solidFill>
-                  <a:schemeClr val="tx1"/>
-                </a:solidFill>
-                <a:effectLst/>
-                <a:latin typeface="+mn-lt"/>
-                <a:ea typeface="+mn-ea"/>
-                <a:cs typeface="+mn-cs"/>
-              </a:rPr>
-              <a:t>C without</a:t>
-            </a:r>
-            <a:r>
-              <a:rPr lang="en-US" sz="3200" kern="1200" baseline="0" dirty="0" smtClean="0">
-                <a:solidFill>
-                  <a:schemeClr val="tx1"/>
-                </a:solidFill>
-                <a:effectLst/>
-                <a:latin typeface="+mn-lt"/>
-                <a:ea typeface="+mn-ea"/>
-                <a:cs typeface="+mn-cs"/>
-              </a:rPr>
-              <a:t> </a:t>
-            </a:r>
-            <a:r>
-              <a:rPr lang="en-US" sz="3200" kern="1200" dirty="0" smtClean="0">
-                <a:solidFill>
-                  <a:schemeClr val="tx1"/>
-                </a:solidFill>
-                <a:effectLst/>
-                <a:latin typeface="+mn-lt"/>
-                <a:ea typeface="+mn-ea"/>
-                <a:cs typeface="+mn-cs"/>
-              </a:rPr>
-              <a:t>braces"</a:t>
-            </a:r>
-          </a:p>
-          <a:p>
-            <a:pPr lvl="1"/>
-            <a:r>
-              <a:rPr lang="en-US" sz="2800" kern="1200" dirty="0" smtClean="0">
-                <a:solidFill>
-                  <a:schemeClr val="tx1"/>
-                </a:solidFill>
-                <a:effectLst/>
-                <a:latin typeface="+mn-lt"/>
-                <a:ea typeface="+mn-ea"/>
-                <a:cs typeface="+mn-cs"/>
-              </a:rPr>
-              <a:t>Decades of writing</a:t>
-            </a:r>
-            <a:r>
-              <a:rPr lang="en-US" sz="2800" kern="1200" baseline="0" dirty="0" smtClean="0">
-                <a:solidFill>
-                  <a:schemeClr val="tx1"/>
-                </a:solidFill>
-                <a:effectLst/>
-                <a:latin typeface="+mn-lt"/>
-                <a:ea typeface="+mn-ea"/>
-                <a:cs typeface="+mn-cs"/>
-              </a:rPr>
-              <a:t> </a:t>
-            </a:r>
-            <a:r>
-              <a:rPr lang="en-US" sz="2800" kern="1200" dirty="0" smtClean="0">
-                <a:solidFill>
-                  <a:schemeClr val="tx1"/>
-                </a:solidFill>
-                <a:effectLst/>
-                <a:latin typeface="+mn-lt"/>
-                <a:ea typeface="+mn-ea"/>
-                <a:cs typeface="+mn-cs"/>
-              </a:rPr>
-              <a:t>C, C++, Perl, Java, </a:t>
-            </a:r>
-            <a:r>
-              <a:rPr lang="en-US" sz="2800" kern="1200" dirty="0" err="1" smtClean="0">
-                <a:solidFill>
-                  <a:schemeClr val="tx1"/>
-                </a:solidFill>
-                <a:effectLst/>
-                <a:latin typeface="+mn-lt"/>
-                <a:ea typeface="+mn-ea"/>
-                <a:cs typeface="+mn-cs"/>
-              </a:rPr>
-              <a:t>sh</a:t>
-            </a:r>
-            <a:endParaRPr lang="en-US" sz="2800" kern="1200" dirty="0" smtClean="0">
-              <a:solidFill>
-                <a:schemeClr val="tx1"/>
-              </a:solidFill>
-              <a:effectLst/>
-              <a:latin typeface="+mn-lt"/>
-              <a:ea typeface="+mn-ea"/>
-              <a:cs typeface="+mn-cs"/>
-            </a:endParaRPr>
-          </a:p>
-          <a:p>
-            <a:pPr lvl="0"/>
-            <a:r>
-              <a:rPr lang="en-US" sz="3200" kern="1200" dirty="0" smtClean="0">
-                <a:solidFill>
-                  <a:schemeClr val="tx1"/>
-                </a:solidFill>
-                <a:effectLst/>
-                <a:latin typeface="+mn-lt"/>
-                <a:ea typeface="+mn-ea"/>
-                <a:cs typeface="+mn-cs"/>
-              </a:rPr>
-              <a:t>First crude Python </a:t>
-            </a:r>
-            <a:r>
-              <a:rPr lang="en-US" sz="3200" kern="1200" dirty="0" smtClean="0">
-                <a:solidFill>
-                  <a:schemeClr val="tx1"/>
-                </a:solidFill>
-                <a:effectLst/>
-                <a:latin typeface="+mn-lt"/>
-                <a:ea typeface="+mn-ea"/>
-                <a:cs typeface="+mn-cs"/>
-              </a:rPr>
-              <a:t>version</a:t>
-            </a:r>
-          </a:p>
-          <a:p>
-            <a:pPr lvl="1"/>
-            <a:r>
-              <a:rPr lang="en-US" sz="2800" kern="1200" dirty="0" smtClean="0">
-                <a:solidFill>
-                  <a:schemeClr val="tx1"/>
-                </a:solidFill>
-                <a:effectLst/>
-                <a:latin typeface="+mn-lt"/>
-                <a:ea typeface="+mn-ea"/>
-                <a:cs typeface="+mn-cs"/>
-              </a:rPr>
-              <a:t>Not </a:t>
-            </a:r>
-            <a:r>
-              <a:rPr lang="en-US" sz="2800" kern="1200" dirty="0" smtClean="0">
-                <a:solidFill>
-                  <a:schemeClr val="tx1"/>
-                </a:solidFill>
-                <a:effectLst/>
-                <a:latin typeface="+mn-lt"/>
-                <a:ea typeface="+mn-ea"/>
-                <a:cs typeface="+mn-cs"/>
-              </a:rPr>
-              <a:t>even </a:t>
-            </a:r>
-            <a:r>
-              <a:rPr lang="en-US" sz="2800" kern="1200" dirty="0" smtClean="0">
-                <a:solidFill>
-                  <a:schemeClr val="tx1"/>
-                </a:solidFill>
-                <a:effectLst/>
-                <a:latin typeface="+mn-lt"/>
-                <a:ea typeface="+mn-ea"/>
-                <a:cs typeface="+mn-cs"/>
-              </a:rPr>
-              <a:t>decorators</a:t>
-            </a:r>
-            <a:endParaRPr lang="en-US" sz="2800" kern="1200" dirty="0" smtClean="0">
-              <a:solidFill>
-                <a:schemeClr val="tx1"/>
-              </a:solidFill>
-              <a:effectLst/>
-              <a:latin typeface="+mn-lt"/>
-              <a:ea typeface="+mn-ea"/>
-              <a:cs typeface="+mn-cs"/>
-            </a:endParaRPr>
-          </a:p>
-          <a:p>
-            <a:pPr lvl="1"/>
-            <a:r>
-              <a:rPr lang="en-US" sz="2800" kern="1200" dirty="0" smtClean="0">
-                <a:solidFill>
-                  <a:schemeClr val="tx1"/>
-                </a:solidFill>
-                <a:effectLst/>
-                <a:latin typeface="+mn-lt"/>
-                <a:ea typeface="+mn-ea"/>
-                <a:cs typeface="+mn-cs"/>
-              </a:rPr>
-              <a:t>Calls </a:t>
-            </a:r>
-            <a:r>
-              <a:rPr lang="en-US" sz="2800" kern="1200" dirty="0" smtClean="0">
-                <a:solidFill>
-                  <a:schemeClr val="tx1"/>
-                </a:solidFill>
-                <a:effectLst/>
-                <a:latin typeface="+mn-lt"/>
-                <a:ea typeface="+mn-ea"/>
-                <a:cs typeface="+mn-cs"/>
-              </a:rPr>
-              <a:t>visible, </a:t>
-            </a:r>
-            <a:r>
-              <a:rPr lang="en-US" sz="2800" kern="1200" dirty="0" smtClean="0">
-                <a:solidFill>
-                  <a:schemeClr val="tx1"/>
-                </a:solidFill>
-                <a:effectLst/>
-                <a:latin typeface="+mn-lt"/>
-                <a:ea typeface="+mn-ea"/>
-                <a:cs typeface="+mn-cs"/>
-              </a:rPr>
-              <a:t>and clumsy, all over the place</a:t>
-            </a:r>
-          </a:p>
-          <a:p>
-            <a:pPr lvl="0"/>
-            <a:r>
-              <a:rPr lang="en-US" sz="3200" kern="1200" dirty="0" smtClean="0">
-                <a:solidFill>
-                  <a:schemeClr val="tx1"/>
-                </a:solidFill>
-                <a:effectLst/>
-                <a:latin typeface="+mn-lt"/>
-                <a:ea typeface="+mn-ea"/>
-                <a:cs typeface="+mn-cs"/>
-              </a:rPr>
-              <a:t>Maybe</a:t>
-            </a:r>
-            <a:r>
-              <a:rPr lang="en-US" sz="3200" kern="1200" baseline="0" dirty="0" smtClean="0">
-                <a:solidFill>
-                  <a:schemeClr val="tx1"/>
-                </a:solidFill>
-                <a:effectLst/>
-                <a:latin typeface="+mn-lt"/>
-                <a:ea typeface="+mn-ea"/>
-                <a:cs typeface="+mn-cs"/>
-              </a:rPr>
-              <a:t> I l</a:t>
-            </a:r>
-            <a:r>
-              <a:rPr lang="en-US" sz="3200" kern="1200" dirty="0" smtClean="0">
-                <a:solidFill>
-                  <a:schemeClr val="tx1"/>
-                </a:solidFill>
-                <a:effectLst/>
-                <a:latin typeface="+mn-lt"/>
-                <a:ea typeface="+mn-ea"/>
-                <a:cs typeface="+mn-cs"/>
-              </a:rPr>
-              <a:t>earned a bit in </a:t>
-            </a:r>
-            <a:r>
-              <a:rPr lang="en-US" sz="3200" kern="1200" dirty="0" smtClean="0">
-                <a:solidFill>
-                  <a:schemeClr val="tx1"/>
-                </a:solidFill>
-                <a:effectLst/>
-                <a:latin typeface="+mn-lt"/>
-                <a:ea typeface="+mn-ea"/>
-                <a:cs typeface="+mn-cs"/>
-              </a:rPr>
-              <a:t>a</a:t>
-            </a:r>
-            <a:r>
-              <a:rPr lang="en-US" sz="3200" kern="1200" baseline="0" dirty="0" smtClean="0">
-                <a:solidFill>
-                  <a:schemeClr val="tx1"/>
-                </a:solidFill>
-                <a:effectLst/>
-                <a:latin typeface="+mn-lt"/>
-                <a:ea typeface="+mn-ea"/>
-                <a:cs typeface="+mn-cs"/>
-              </a:rPr>
-              <a:t> </a:t>
-            </a:r>
-            <a:r>
-              <a:rPr lang="en-US" sz="3200" kern="1200" dirty="0" smtClean="0">
-                <a:solidFill>
-                  <a:schemeClr val="tx1"/>
-                </a:solidFill>
-                <a:effectLst/>
-                <a:latin typeface="+mn-lt"/>
-                <a:ea typeface="+mn-ea"/>
-                <a:cs typeface="+mn-cs"/>
-              </a:rPr>
-              <a:t>dozen </a:t>
-            </a:r>
-            <a:r>
-              <a:rPr lang="en-US" sz="3200" kern="1200" dirty="0" smtClean="0">
-                <a:solidFill>
-                  <a:schemeClr val="tx1"/>
-                </a:solidFill>
-                <a:effectLst/>
-                <a:latin typeface="+mn-lt"/>
-                <a:ea typeface="+mn-ea"/>
-                <a:cs typeface="+mn-cs"/>
-              </a:rPr>
-              <a:t>years</a:t>
-            </a:r>
-          </a:p>
-          <a:p>
-            <a:pPr lvl="1"/>
-            <a:r>
-              <a:rPr lang="en-US" sz="2800" kern="1200" dirty="0" err="1" smtClean="0">
-                <a:solidFill>
-                  <a:schemeClr val="tx1"/>
-                </a:solidFill>
-                <a:effectLst/>
-                <a:latin typeface="+mn-lt"/>
-                <a:ea typeface="+mn-ea"/>
-                <a:cs typeface="+mn-cs"/>
-              </a:rPr>
-              <a:t>Sorta</a:t>
-            </a:r>
-            <a:r>
-              <a:rPr lang="en-US" sz="2800" kern="1200" dirty="0" smtClean="0">
-                <a:solidFill>
-                  <a:schemeClr val="tx1"/>
-                </a:solidFill>
-                <a:effectLst/>
-                <a:latin typeface="+mn-lt"/>
-                <a:ea typeface="+mn-ea"/>
-                <a:cs typeface="+mn-cs"/>
-              </a:rPr>
-              <a:t> </a:t>
-            </a:r>
-            <a:r>
-              <a:rPr lang="en-US" sz="2800" kern="1200" dirty="0" err="1" smtClean="0">
-                <a:solidFill>
-                  <a:schemeClr val="tx1"/>
-                </a:solidFill>
-                <a:effectLst/>
-                <a:latin typeface="+mn-lt"/>
-                <a:ea typeface="+mn-ea"/>
-                <a:cs typeface="+mn-cs"/>
-              </a:rPr>
-              <a:t>pythonic</a:t>
-            </a:r>
-            <a:endParaRPr lang="en-US" sz="2800" kern="1200" dirty="0" smtClean="0">
-              <a:solidFill>
-                <a:schemeClr val="tx1"/>
-              </a:solidFill>
-              <a:effectLst/>
-              <a:latin typeface="+mn-lt"/>
-              <a:ea typeface="+mn-ea"/>
-              <a:cs typeface="+mn-cs"/>
-            </a:endParaRPr>
+          <a:bodyPr/>
+          <a:lstStyle/>
+          <a:p>
+            <a:r>
+              <a:rPr lang="en-US" dirty="0" smtClean="0"/>
+              <a:t>But</a:t>
+            </a:r>
+            <a:r>
+              <a:rPr lang="en-US" baseline="0" dirty="0" smtClean="0"/>
+              <a:t> does a little more</a:t>
+            </a:r>
+          </a:p>
+          <a:p>
+            <a:r>
+              <a:rPr lang="en-US" baseline="0" dirty="0" smtClean="0"/>
+              <a:t>Sample decorator: print function entry and exit, in every textbook</a:t>
+            </a:r>
+          </a:p>
+          <a:p>
+            <a:endParaRPr lang="en-US" baseline="0" dirty="0" smtClean="0"/>
+          </a:p>
+          <a:p>
+            <a:pPr marL="0" indent="0">
+              <a:buNone/>
+            </a:pPr>
+            <a:r>
+              <a:rPr lang="en-US" baseline="0" dirty="0" smtClean="0"/>
+              <a:t>&lt;code example here&gt;</a:t>
+            </a:r>
+          </a:p>
+          <a:p>
+            <a:pPr marL="0" indent="0">
+              <a:buNone/>
+            </a:pPr>
+            <a:endParaRPr lang="en-US" baseline="0" dirty="0" smtClean="0"/>
+          </a:p>
+          <a:p>
+            <a:pPr marL="342900" indent="-342900"/>
+            <a:r>
+              <a:rPr lang="en-US" dirty="0" smtClean="0"/>
+              <a:t>Very useful,</a:t>
+            </a:r>
+            <a:r>
+              <a:rPr lang="en-US" baseline="0" dirty="0" smtClean="0"/>
+              <a:t> but can be improved</a:t>
+            </a:r>
+            <a:endParaRPr lang="en-US" dirty="0" smtClean="0"/>
           </a:p>
         </p:txBody>
       </p:sp>
@@ -5962,7 +5933,7 @@
     </p:spTree>
     <p:extLst>
       <p:ext uri="{BB962C8B-B14F-4D97-AF65-F5344CB8AC3E}">
-        <p14:creationId xmlns:p14="http://schemas.microsoft.com/office/powerpoint/2010/main" val="2787871945"/>
+        <p14:creationId xmlns:p14="http://schemas.microsoft.com/office/powerpoint/2010/main" val="2699397898"/>
       </p:ext>
     </p:extLst>
   </p:cSld>
@@ -6006,11 +5977,7 @@
           <a:p>
             <a:r>
               <a:rPr lang="en-US" dirty="0" smtClean="0"/>
-              <a:t>Just Like</a:t>
-            </a:r>
-            <a:r>
-              <a:rPr lang="en-US" baseline="0" dirty="0" smtClean="0"/>
-              <a:t> the Standard Example</a:t>
+              <a:t>From Experience</a:t>
             </a:r>
             <a:endParaRPr lang="en-US" dirty="0"/>
           </a:p>
@@ -6028,53 +5995,117 @@
         </p:nvSpPr>
         <p:spPr/>
         <p:txBody>
-          <a:bodyPr/>
-          <a:lstStyle/>
-          <a:p>
-            <a:r>
-              <a:rPr lang="en-US" dirty="0" smtClean="0"/>
-              <a:t>But</a:t>
-            </a:r>
-            <a:r>
-              <a:rPr lang="en-US" baseline="0" dirty="0" smtClean="0"/>
-              <a:t> does a little more</a:t>
-            </a:r>
-          </a:p>
-          <a:p>
-            <a:r>
-              <a:rPr lang="en-US" baseline="0" dirty="0" smtClean="0"/>
-              <a:t>Sample decorator: print function entry and exit, in every textbook</a:t>
-            </a:r>
-          </a:p>
-          <a:p>
-            <a:endParaRPr lang="en-US" baseline="0" dirty="0" smtClean="0"/>
-          </a:p>
-          <a:p>
-            <a:pPr marL="0" indent="0">
-              <a:buNone/>
-            </a:pPr>
-            <a:r>
-              <a:rPr lang="en-US" baseline="0" dirty="0" smtClean="0"/>
-              <a:t>&lt;code example here&gt;</a:t>
-            </a:r>
-          </a:p>
-          <a:p>
-            <a:pPr marL="0" indent="0">
-              <a:buNone/>
-            </a:pPr>
-            <a:endParaRPr lang="en-US" baseline="0" dirty="0" smtClean="0"/>
-          </a:p>
-          <a:p>
-            <a:pPr marL="342900" indent="-342900"/>
-            <a:r>
-              <a:rPr lang="en-US" dirty="0" smtClean="0"/>
-              <a:t>Very useful,</a:t>
-            </a:r>
-            <a:r>
-              <a:rPr lang="en-US" baseline="0" dirty="0" smtClean="0"/>
-              <a:t> but can be improved</a:t>
-            </a:r>
-            <a:endParaRPr lang="en-US" dirty="0" smtClean="0"/>
+          <a:bodyPr>
+            <a:normAutofit/>
+          </a:bodyPr>
+          <a:lstStyle/>
+          <a:p>
+            <a:pPr lvl="0"/>
+            <a:r>
+              <a:rPr lang="en-US" sz="3200" kern="1200" dirty="0" smtClean="0">
+                <a:solidFill>
+                  <a:schemeClr val="tx1"/>
+                </a:solidFill>
+                <a:effectLst/>
+                <a:latin typeface="+mn-lt"/>
+                <a:ea typeface="+mn-ea"/>
+                <a:cs typeface="+mn-cs"/>
+              </a:rPr>
+              <a:t>Important things to include, based on experience 1978-2019</a:t>
+            </a:r>
+          </a:p>
+          <a:p>
+            <a:pPr lvl="1"/>
+            <a:r>
+              <a:rPr lang="en-US" sz="2800" kern="1200" dirty="0" smtClean="0">
+                <a:solidFill>
+                  <a:schemeClr val="tx1"/>
+                </a:solidFill>
+                <a:effectLst/>
+                <a:latin typeface="+mn-lt"/>
+                <a:ea typeface="+mn-ea"/>
+                <a:cs typeface="+mn-cs"/>
+              </a:rPr>
+              <a:t>This trace facility written in PDP-11 assembler, C, C++, VB, Perl, Java, and finally Python.</a:t>
+            </a:r>
+          </a:p>
+          <a:p>
+            <a:pPr lvl="1"/>
+            <a:r>
+              <a:rPr lang="en-US" sz="2800" kern="1200" dirty="0" smtClean="0">
+                <a:solidFill>
+                  <a:schemeClr val="tx1"/>
+                </a:solidFill>
+                <a:effectLst/>
+                <a:latin typeface="+mn-lt"/>
+                <a:ea typeface="+mn-ea"/>
+                <a:cs typeface="+mn-cs"/>
+              </a:rPr>
+              <a:t>Originally written for</a:t>
+            </a:r>
+            <a:r>
+              <a:rPr lang="en-US" sz="2800" kern="1200" baseline="0" dirty="0" smtClean="0">
+                <a:solidFill>
+                  <a:schemeClr val="tx1"/>
+                </a:solidFill>
+                <a:effectLst/>
+                <a:latin typeface="+mn-lt"/>
+                <a:ea typeface="+mn-ea"/>
+                <a:cs typeface="+mn-cs"/>
+              </a:rPr>
+              <a:t> </a:t>
+            </a:r>
+            <a:r>
+              <a:rPr lang="en-US" sz="2800" kern="1200" dirty="0" smtClean="0">
+                <a:solidFill>
+                  <a:schemeClr val="tx1"/>
+                </a:solidFill>
+                <a:effectLst/>
+                <a:latin typeface="+mn-lt"/>
+                <a:ea typeface="+mn-ea"/>
+                <a:cs typeface="+mn-cs"/>
+              </a:rPr>
+              <a:t>a ten-process </a:t>
+            </a:r>
+            <a:r>
+              <a:rPr lang="en-US" sz="2800" kern="1200" dirty="0" err="1" smtClean="0">
+                <a:solidFill>
+                  <a:schemeClr val="tx1"/>
+                </a:solidFill>
+                <a:effectLst/>
+                <a:latin typeface="+mn-lt"/>
+                <a:ea typeface="+mn-ea"/>
+                <a:cs typeface="+mn-cs"/>
+              </a:rPr>
+              <a:t>comm</a:t>
+            </a:r>
+            <a:r>
+              <a:rPr lang="en-US" sz="2800" kern="1200" dirty="0" smtClean="0">
+                <a:solidFill>
+                  <a:schemeClr val="tx1"/>
+                </a:solidFill>
+                <a:effectLst/>
+                <a:latin typeface="+mn-lt"/>
+                <a:ea typeface="+mn-ea"/>
+                <a:cs typeface="+mn-cs"/>
+              </a:rPr>
+              <a:t> system.  </a:t>
+            </a:r>
+          </a:p>
+          <a:p>
+            <a:pPr lvl="1"/>
+            <a:r>
+              <a:rPr lang="en-US" sz="2800" kern="1200" dirty="0" smtClean="0">
+                <a:solidFill>
+                  <a:schemeClr val="tx1"/>
+                </a:solidFill>
+                <a:effectLst/>
+                <a:latin typeface="+mn-lt"/>
+                <a:ea typeface="+mn-ea"/>
+                <a:cs typeface="+mn-cs"/>
+              </a:rPr>
+              <a:t>Needed accurate timestamp, source facility name, location within facility, selected data items</a:t>
+            </a:r>
           </a:p>
         </p:txBody>
       </p:sp>
@@ -6150,7 +6181,7 @@
     </p:spTree>
     <p:extLst>
       <p:ext uri="{BB962C8B-B14F-4D97-AF65-F5344CB8AC3E}">
-        <p14:creationId xmlns:p14="http://schemas.microsoft.com/office/powerpoint/2010/main" val="2699397898"/>
+        <p14:creationId xmlns:p14="http://schemas.microsoft.com/office/powerpoint/2010/main" val="4255480821"/>
       </p:ext>
     </p:extLst>
   </p:cSld>
@@ -6567,12 +6598,22 @@
         </p:nvSpPr>
         <p:spPr/>
         <p:txBody>
-          <a:bodyPr/>
-          <a:lstStyle/>
-          <a:p>
-            <a:r>
-              <a:rPr lang="en-US" dirty="0" smtClean="0"/>
-              <a:t>From Experience</a:t>
+          <a:bodyPr>
+            <a:normAutofit fontScale="90000"/>
+          </a:bodyPr>
+          <a:lstStyle/>
+          <a:p>
+            <a:r>
+              <a:rPr lang="en-US" sz="4400" kern="1200" dirty="0" smtClean="0">
+                <a:solidFill>
+                  <a:schemeClr val="tx1"/>
+                </a:solidFill>
+                <a:effectLst/>
+                <a:latin typeface="+mj-lt"/>
+                <a:ea typeface="+mj-ea"/>
+                <a:cs typeface="+mj-cs"/>
+              </a:rPr>
+              <a:t>Requirements That I Try to Meet</a:t>
             </a:r>
             <a:endParaRPr lang="en-US" dirty="0"/>
           </a:p>
@@ -6606,7 +6647,7 @@
                 <a:ea typeface="+mn-ea"/>
                 <a:cs typeface="+mn-cs"/>
               </a:rPr>
-              <a:t>Important things to include, based on experience 1978-2019</a:t>
+              <a:t>Standard format</a:t>
             </a:r>
           </a:p>
           <a:p>
@@ -6621,7 +6662,22 @@
                 <a:ea typeface="+mn-ea"/>
                 <a:cs typeface="+mn-cs"/>
               </a:rPr>
-              <a:t>This trace facility written in PDP-11 assembler, C, C++, VB, Perl, Java, and finally Python.</a:t>
+              <a:t>Easy to scan, easy to sanitize</a:t>
+            </a:r>
+          </a:p>
+          <a:p>
+            <a:pPr lvl="0"/>
+            <a:r>
+              <a:rPr lang="en-US" sz="3200" kern="1200" dirty="0" smtClean="0">
+                <a:solidFill>
+                  <a:schemeClr val="tx1"/>
+                </a:solidFill>
+                <a:effectLst/>
+                <a:latin typeface="+mn-lt"/>
+                <a:ea typeface="+mn-ea"/>
+                <a:cs typeface="+mn-cs"/>
+              </a:rPr>
+              <a:t>Function enter and exit</a:t>
             </a:r>
           </a:p>
           <a:p>
@@ -6636,20 +6692,11 @@
                 <a:ea typeface="+mn-ea"/>
                 <a:cs typeface="+mn-cs"/>
               </a:rPr>
-              <a:t>Originally written for</a:t>
-            </a:r>
-            <a:r>
-              <a:rPr lang="en-US" sz="2800" kern="1200" baseline="0" dirty="0" smtClean="0">
-                <a:solidFill>
-                  <a:schemeClr val="tx1"/>
-                </a:solidFill>
-                <a:effectLst/>
-                <a:latin typeface="+mn-lt"/>
-                <a:ea typeface="+mn-ea"/>
-                <a:cs typeface="+mn-cs"/>
-              </a:rPr>
-              <a:t> </a:t>
-            </a:r>
+              <a:t>With arguments in and result value out</a:t>
+            </a:r>
+          </a:p>
+          <a:p>
+            <a:pPr lvl="1"/>
             <a:r>
               <a:rPr lang="en-US" sz="2800" kern="1200" dirty="0" smtClean="0">
                 <a:solidFill>
@@ -6660,20 +6707,50 @@
                 <a:ea typeface="+mn-ea"/>
                 <a:cs typeface="+mn-cs"/>
               </a:rPr>
-              <a:t>a ten-process </a:t>
-            </a:r>
-            <a:r>
-              <a:rPr lang="en-US" sz="2800" kern="1200" dirty="0" err="1" smtClean="0">
-                <a:solidFill>
-                  <a:schemeClr val="tx1"/>
-                </a:solidFill>
-                <a:effectLst/>
-                <a:latin typeface="+mn-lt"/>
-                <a:ea typeface="+mn-ea"/>
-                <a:cs typeface="+mn-cs"/>
-              </a:rPr>
-              <a:t>comm</a:t>
-            </a:r>
+              <a:t>Easily done with decorators</a:t>
+            </a:r>
+          </a:p>
+          <a:p>
+            <a:pPr lvl="0"/>
+            <a:r>
+              <a:rPr lang="en-US" sz="3200" kern="1200" dirty="0" smtClean="0">
+                <a:solidFill>
+                  <a:schemeClr val="tx1"/>
+                </a:solidFill>
+                <a:effectLst/>
+                <a:latin typeface="+mn-lt"/>
+                <a:ea typeface="+mn-ea"/>
+                <a:cs typeface="+mn-cs"/>
+              </a:rPr>
+              <a:t>Insert</a:t>
+            </a:r>
+            <a:r>
+              <a:rPr lang="en-US" sz="3200" kern="1200" baseline="0" dirty="0" smtClean="0">
+                <a:solidFill>
+                  <a:schemeClr val="tx1"/>
+                </a:solidFill>
+                <a:effectLst/>
+                <a:latin typeface="+mn-lt"/>
+                <a:ea typeface="+mn-ea"/>
+                <a:cs typeface="+mn-cs"/>
+              </a:rPr>
+              <a:t> at</a:t>
+            </a:r>
+            <a:r>
+              <a:rPr lang="en-US" sz="3200" kern="1200" dirty="0" smtClean="0">
+                <a:solidFill>
+                  <a:schemeClr val="tx1"/>
+                </a:solidFill>
+                <a:effectLst/>
+                <a:latin typeface="+mn-lt"/>
+                <a:ea typeface="+mn-ea"/>
+                <a:cs typeface="+mn-cs"/>
+              </a:rPr>
+              <a:t> any other interesting points</a:t>
+            </a:r>
+          </a:p>
+          <a:p>
+            <a:pPr lvl="1"/>
             <a:r>
               <a:rPr lang="en-US" sz="2800" kern="1200" dirty="0" smtClean="0">
                 <a:solidFill>
@@ -6684,22 +6761,7 @@
                 <a:ea typeface="+mn-ea"/>
                 <a:cs typeface="+mn-cs"/>
               </a:rPr>
-              <a:t> system.  </a:t>
-            </a:r>
-          </a:p>
-          <a:p>
-            <a:pPr lvl="1"/>
-            <a:r>
-              <a:rPr lang="en-US" sz="2800" kern="1200" dirty="0" smtClean="0">
-                <a:solidFill>
-                  <a:schemeClr val="tx1"/>
-                </a:solidFill>
-                <a:effectLst/>
-                <a:latin typeface="+mn-lt"/>
-                <a:ea typeface="+mn-ea"/>
-                <a:cs typeface="+mn-cs"/>
-              </a:rPr>
-              <a:t>Needed accurate timestamp, source facility name, location within facility, selected data items</a:t>
+              <a:t>Think fancy print() calls</a:t>
             </a:r>
           </a:p>
         </p:txBody>
@@ -6776,7 +6838,7 @@
     </p:spTree>
     <p:extLst>
       <p:ext uri="{BB962C8B-B14F-4D97-AF65-F5344CB8AC3E}">
-        <p14:creationId xmlns:p14="http://schemas.microsoft.com/office/powerpoint/2010/main" val="4255480821"/>
+        <p14:creationId xmlns:p14="http://schemas.microsoft.com/office/powerpoint/2010/main" val="2684274098"/>
       </p:ext>
     </p:extLst>
   </p:cSld>
@@ -6815,22 +6877,12 @@
         </p:nvSpPr>
         <p:spPr/>
         <p:txBody>
-          <a:bodyPr>
-            <a:normAutofit fontScale="90000"/>
-          </a:bodyPr>
-          <a:lstStyle/>
-          <a:p>
-            <a:r>
-              <a:rPr lang="en-US" sz="4400" kern="1200" dirty="0" smtClean="0">
-                <a:solidFill>
-                  <a:schemeClr val="tx1"/>
-                </a:solidFill>
-                <a:effectLst/>
-                <a:latin typeface="+mj-lt"/>
-                <a:ea typeface="+mj-ea"/>
-                <a:cs typeface="+mj-cs"/>
-              </a:rPr>
-              <a:t>Requirements That I Try to Meet</a:t>
+          <a:bodyPr/>
+          <a:lstStyle/>
+          <a:p>
+            <a:r>
+              <a:rPr lang="en-US" dirty="0" smtClean="0"/>
+              <a:t>Requirements (cont'd)</a:t>
             </a:r>
             <a:endParaRPr lang="en-US" dirty="0"/>
           </a:p>
@@ -6848,9 +6900,7 @@
         </p:nvSpPr>
         <p:spPr/>
         <p:txBody>
-          <a:bodyPr>
-            <a:normAutofit/>
-          </a:bodyPr>
+          <a:bodyPr/>
           <a:lstStyle/>
           <a:p>
             <a:pPr lvl="0"/>
@@ -6864,7 +6914,7 @@
                 <a:ea typeface="+mn-ea"/>
                 <a:cs typeface="+mn-cs"/>
               </a:rPr>
-              <a:t>Standard format</a:t>
+              <a:t>Priorities for different levels of details </a:t>
             </a:r>
           </a:p>
           <a:p>
@@ -6879,107 +6929,46 @@
                 <a:ea typeface="+mn-ea"/>
                 <a:cs typeface="+mn-cs"/>
               </a:rPr>
-              <a:t>Easy to scan, easy to sanitize</a:t>
-            </a:r>
-          </a:p>
-          <a:p>
-            <a:pPr lvl="0"/>
-            <a:r>
-              <a:rPr lang="en-US" sz="3200" kern="1200" dirty="0" smtClean="0">
-                <a:solidFill>
-                  <a:schemeClr val="tx1"/>
-                </a:solidFill>
-                <a:effectLst/>
-                <a:latin typeface="+mn-lt"/>
-                <a:ea typeface="+mn-ea"/>
-                <a:cs typeface="+mn-cs"/>
-              </a:rPr>
-              <a:t>Function enter and exit</a:t>
-            </a:r>
-          </a:p>
-          <a:p>
-            <a:pPr lvl="1"/>
-            <a:r>
-              <a:rPr lang="en-US" sz="2800" kern="1200" dirty="0" smtClean="0">
-                <a:solidFill>
-                  <a:schemeClr val="tx1"/>
-                </a:solidFill>
-                <a:effectLst/>
-                <a:latin typeface="+mn-lt"/>
-                <a:ea typeface="+mn-ea"/>
-                <a:cs typeface="+mn-cs"/>
-              </a:rPr>
-              <a:t>With arguments in and result value out</a:t>
-            </a:r>
-          </a:p>
-          <a:p>
-            <a:pPr lvl="1"/>
-            <a:r>
-              <a:rPr lang="en-US" sz="2800" kern="1200" dirty="0" smtClean="0">
-                <a:solidFill>
-                  <a:schemeClr val="tx1"/>
-                </a:solidFill>
-                <a:effectLst/>
-                <a:latin typeface="+mn-lt"/>
-                <a:ea typeface="+mn-ea"/>
-                <a:cs typeface="+mn-cs"/>
-              </a:rPr>
-              <a:t>Easily done with decorators</a:t>
-            </a:r>
-          </a:p>
-          <a:p>
-            <a:pPr lvl="0"/>
-            <a:r>
-              <a:rPr lang="en-US" sz="3200" kern="1200" dirty="0" smtClean="0">
-                <a:solidFill>
-                  <a:schemeClr val="tx1"/>
-                </a:solidFill>
-                <a:effectLst/>
-                <a:latin typeface="+mn-lt"/>
-                <a:ea typeface="+mn-ea"/>
-                <a:cs typeface="+mn-cs"/>
-              </a:rPr>
-              <a:t>Insert</a:t>
-            </a:r>
-            <a:r>
-              <a:rPr lang="en-US" sz="3200" kern="1200" baseline="0" dirty="0" smtClean="0">
-                <a:solidFill>
-                  <a:schemeClr val="tx1"/>
-                </a:solidFill>
-                <a:effectLst/>
-                <a:latin typeface="+mn-lt"/>
-                <a:ea typeface="+mn-ea"/>
-                <a:cs typeface="+mn-cs"/>
-              </a:rPr>
-              <a:t> at</a:t>
-            </a:r>
-            <a:r>
-              <a:rPr lang="en-US" sz="3200" kern="1200" dirty="0" smtClean="0">
-                <a:solidFill>
-                  <a:schemeClr val="tx1"/>
-                </a:solidFill>
-                <a:effectLst/>
-                <a:latin typeface="+mn-lt"/>
-                <a:ea typeface="+mn-ea"/>
-                <a:cs typeface="+mn-cs"/>
-              </a:rPr>
-              <a:t> any other interesting points</a:t>
-            </a:r>
-          </a:p>
-          <a:p>
-            <a:pPr lvl="1"/>
-            <a:r>
-              <a:rPr lang="en-US" sz="2800" kern="1200" dirty="0" smtClean="0">
-                <a:solidFill>
-                  <a:schemeClr val="tx1"/>
-                </a:solidFill>
-                <a:effectLst/>
-                <a:latin typeface="+mn-lt"/>
-                <a:ea typeface="+mn-ea"/>
-                <a:cs typeface="+mn-cs"/>
-              </a:rPr>
-              <a:t>Think fancy print() calls</a:t>
-            </a:r>
+              <a:t> e.g., function entry and exit, details inside complex logic, details in loops</a:t>
+            </a:r>
+          </a:p>
+          <a:p>
+            <a:r>
+              <a:rPr lang="en-US" dirty="0" smtClean="0"/>
+              <a:t>Options for output location and format</a:t>
+            </a:r>
+          </a:p>
+          <a:p>
+            <a:r>
+              <a:rPr lang="en-US" dirty="0" smtClean="0"/>
+              <a:t>Low performance impact</a:t>
+            </a:r>
+          </a:p>
+          <a:p>
+            <a:pPr marL="0" indent="0">
+              <a:buNone/>
+            </a:pPr>
+            <a:endParaRPr lang="en-US" b="0" dirty="0" smtClean="0"/>
+          </a:p>
+          <a:p>
+            <a:pPr marL="0" indent="0">
+              <a:buNone/>
+            </a:pPr>
+            <a:r>
+              <a:rPr lang="en-US" b="0" dirty="0" smtClean="0"/>
+              <a:t>and</a:t>
+            </a:r>
+          </a:p>
+          <a:p>
+            <a:r>
+              <a:rPr lang="en-US" b="1" dirty="0" smtClean="0"/>
+              <a:t>Manageable</a:t>
+            </a:r>
+            <a:r>
+              <a:rPr lang="en-US" b="1" baseline="0" dirty="0" smtClean="0"/>
+              <a:t> without editing code!</a:t>
+            </a:r>
+            <a:endParaRPr lang="en-US" b="1" dirty="0"/>
           </a:p>
         </p:txBody>
       </p:sp>
@@ -7055,7 +7044,7 @@
     </p:spTree>
     <p:extLst>
       <p:ext uri="{BB962C8B-B14F-4D97-AF65-F5344CB8AC3E}">
-        <p14:creationId xmlns:p14="http://schemas.microsoft.com/office/powerpoint/2010/main" val="2684274098"/>
+        <p14:creationId xmlns:p14="http://schemas.microsoft.com/office/powerpoint/2010/main" val="3116210897"/>
       </p:ext>
     </p:extLst>
   </p:cSld>
@@ -7099,7 +7088,7 @@
           <a:p>
             <a:r>
               <a:rPr lang="en-US" dirty="0" smtClean="0"/>
-              <a:t>Requirements (cont'd)</a:t>
+              <a:t>Timestamp</a:t>
             </a:r>
             <a:endParaRPr lang="en-US" dirty="0"/>
           </a:p>
@@ -7120,7 +7109,29 @@
           <a:bodyPr/>
           <a:lstStyle/>
           <a:p>
-            <a:pPr lvl="0"/>
+            <a:r>
+              <a:rPr lang="en-US" dirty="0" smtClean="0">
+                <a:effectLst/>
+              </a:rPr>
+              <a:t>Date and time, to second or millisecond</a:t>
+            </a:r>
+          </a:p>
+          <a:p>
+            <a:pPr lvl="1"/>
+            <a:r>
+              <a:rPr lang="en-US" sz="2800" kern="1200" dirty="0" smtClean="0">
+                <a:solidFill>
+                  <a:schemeClr val="tx1"/>
+                </a:solidFill>
+                <a:effectLst/>
+                <a:latin typeface="+mn-lt"/>
+                <a:ea typeface="+mn-ea"/>
+                <a:cs typeface="+mn-cs"/>
+              </a:rPr>
+              <a:t>Timestamp code, e.g., </a:t>
+            </a:r>
+          </a:p>
+          <a:p>
             <a:r>
               <a:rPr lang="en-US" sz="3200" kern="1200" dirty="0" smtClean="0">
                 <a:solidFill>
@@ -7131,61 +7142,132 @@
                 <a:ea typeface="+mn-ea"/>
                 <a:cs typeface="+mn-cs"/>
               </a:rPr>
-              <a:t>Priorities for different levels of details </a:t>
-            </a:r>
-          </a:p>
-          <a:p>
-            <a:pPr lvl="1"/>
-            <a:r>
-              <a:rPr lang="en-US" sz="2800" kern="1200" dirty="0" smtClean="0">
-                <a:solidFill>
-                  <a:schemeClr val="tx1"/>
-                </a:solidFill>
-                <a:effectLst/>
-                <a:latin typeface="+mn-lt"/>
-                <a:ea typeface="+mn-ea"/>
-                <a:cs typeface="+mn-cs"/>
-              </a:rPr>
-              <a:t> e.g., function entry and exit, details inside complex logic, details in loops</a:t>
-            </a:r>
-          </a:p>
-          <a:p>
-            <a:r>
-              <a:rPr lang="en-US" dirty="0" smtClean="0"/>
-              <a:t>Options for output location and format</a:t>
-            </a:r>
-          </a:p>
-          <a:p>
-            <a:r>
-              <a:rPr lang="en-US" dirty="0" smtClean="0"/>
-              <a:t>Low performance impact</a:t>
-            </a:r>
-          </a:p>
-          <a:p>
-            <a:pPr marL="0" indent="0">
-              <a:buNone/>
-            </a:pPr>
-            <a:endParaRPr lang="en-US" b="0" dirty="0" smtClean="0"/>
-          </a:p>
-          <a:p>
-            <a:pPr marL="0" indent="0">
-              <a:buNone/>
-            </a:pPr>
-            <a:r>
-              <a:rPr lang="en-US" b="0" dirty="0" smtClean="0"/>
-              <a:t>and</a:t>
-            </a:r>
-          </a:p>
-          <a:p>
-            <a:r>
-              <a:rPr lang="en-US" b="1" dirty="0" smtClean="0"/>
-              <a:t>Manageable</a:t>
-            </a:r>
-            <a:r>
-              <a:rPr lang="en-US" b="1" baseline="0" dirty="0" smtClean="0"/>
-              <a:t> without editing code!</a:t>
-            </a:r>
-            <a:endParaRPr lang="en-US" b="1" dirty="0"/>
+              <a:t>            	timestamp = </a:t>
+            </a:r>
+            <a:r>
+              <a:rPr lang="en-US" sz="3200" kern="1200" dirty="0" err="1" smtClean="0">
+                <a:solidFill>
+                  <a:schemeClr val="tx1"/>
+                </a:solidFill>
+                <a:effectLst/>
+                <a:latin typeface="+mn-lt"/>
+                <a:ea typeface="+mn-ea"/>
+                <a:cs typeface="+mn-cs"/>
+              </a:rPr>
+              <a:t>datetime.datetime.now</a:t>
+            </a:r>
+            <a:r>
+              <a:rPr lang="en-US" sz="3200" kern="1200" dirty="0" smtClean="0">
+                <a:solidFill>
+                  <a:schemeClr val="tx1"/>
+                </a:solidFill>
+                <a:effectLst/>
+                <a:latin typeface="+mn-lt"/>
+                <a:ea typeface="+mn-ea"/>
+                <a:cs typeface="+mn-cs"/>
+              </a:rPr>
+              <a:t>().</a:t>
+            </a:r>
+            <a:r>
+              <a:rPr lang="en-US" sz="3200" kern="1200" dirty="0" err="1" smtClean="0">
+                <a:solidFill>
+                  <a:schemeClr val="tx1"/>
+                </a:solidFill>
+                <a:effectLst/>
+                <a:latin typeface="+mn-lt"/>
+                <a:ea typeface="+mn-ea"/>
+                <a:cs typeface="+mn-cs"/>
+              </a:rPr>
+              <a:t>strftime</a:t>
+            </a:r>
+            <a:r>
+              <a:rPr lang="en-US" sz="3200" kern="1200" dirty="0" smtClean="0">
+                <a:solidFill>
+                  <a:schemeClr val="tx1"/>
+                </a:solidFill>
+                <a:effectLst/>
+                <a:latin typeface="+mn-lt"/>
+                <a:ea typeface="+mn-ea"/>
+                <a:cs typeface="+mn-cs"/>
+              </a:rPr>
+              <a:t>('%</a:t>
+            </a:r>
+            <a:r>
+              <a:rPr lang="en-US" sz="3200" kern="1200" dirty="0" err="1" smtClean="0">
+                <a:solidFill>
+                  <a:schemeClr val="tx1"/>
+                </a:solidFill>
+                <a:effectLst/>
+                <a:latin typeface="+mn-lt"/>
+                <a:ea typeface="+mn-ea"/>
+                <a:cs typeface="+mn-cs"/>
+              </a:rPr>
+              <a:t>Y%m%d</a:t>
+            </a:r>
+            <a:r>
+              <a:rPr lang="en-US" sz="3200" kern="1200" dirty="0" smtClean="0">
+                <a:solidFill>
+                  <a:schemeClr val="tx1"/>
+                </a:solidFill>
+                <a:effectLst/>
+                <a:latin typeface="+mn-lt"/>
+                <a:ea typeface="+mn-ea"/>
+                <a:cs typeface="+mn-cs"/>
+              </a:rPr>
+              <a:t>_%</a:t>
+            </a:r>
+            <a:r>
+              <a:rPr lang="en-US" sz="3200" kern="1200" dirty="0" err="1" smtClean="0">
+                <a:solidFill>
+                  <a:schemeClr val="tx1"/>
+                </a:solidFill>
+                <a:effectLst/>
+                <a:latin typeface="+mn-lt"/>
+                <a:ea typeface="+mn-ea"/>
+                <a:cs typeface="+mn-cs"/>
+              </a:rPr>
+              <a:t>H%M%S.%f</a:t>
+            </a:r>
+            <a:r>
+              <a:rPr lang="en-US" sz="3200" kern="1200" dirty="0" smtClean="0">
+                <a:solidFill>
+                  <a:schemeClr val="tx1"/>
+                </a:solidFill>
+                <a:effectLst/>
+                <a:latin typeface="+mn-lt"/>
+                <a:ea typeface="+mn-ea"/>
+                <a:cs typeface="+mn-cs"/>
+              </a:rPr>
+              <a:t>')[:-3]</a:t>
+            </a:r>
+          </a:p>
+          <a:p>
+            <a:r>
+              <a:rPr lang="en-US" sz="3200" kern="1200" dirty="0" smtClean="0">
+                <a:solidFill>
+                  <a:schemeClr val="tx1"/>
+                </a:solidFill>
+                <a:effectLst/>
+                <a:latin typeface="+mn-lt"/>
+                <a:ea typeface="+mn-ea"/>
+                <a:cs typeface="+mn-cs"/>
+              </a:rPr>
+              <a:t>		produces</a:t>
+            </a:r>
+          </a:p>
+          <a:p>
+            <a:r>
+              <a:rPr lang="en-US" sz="3200" kern="1200" dirty="0" smtClean="0">
+                <a:solidFill>
+                  <a:schemeClr val="tx1"/>
+                </a:solidFill>
+                <a:effectLst/>
+                <a:latin typeface="+mn-lt"/>
+                <a:ea typeface="+mn-ea"/>
+                <a:cs typeface="+mn-cs"/>
+              </a:rPr>
+              <a:t>		20201103_153703.284</a:t>
+            </a:r>
           </a:p>
         </p:txBody>
       </p:sp>
@@ -7261,7 +7343,7 @@
     </p:spTree>
     <p:extLst>
       <p:ext uri="{BB962C8B-B14F-4D97-AF65-F5344CB8AC3E}">
-        <p14:creationId xmlns:p14="http://schemas.microsoft.com/office/powerpoint/2010/main" val="3116210897"/>
+        <p14:creationId xmlns:p14="http://schemas.microsoft.com/office/powerpoint/2010/main" val="1793781391"/>
       </p:ext>
     </p:extLst>
   </p:cSld>
@@ -7305,7 +7387,11 @@
           <a:p>
             <a:r>
               <a:rPr lang="en-US" dirty="0" smtClean="0"/>
-              <a:t>Timestamp</a:t>
+              <a:t>Easy Control</a:t>
+            </a:r>
+            <a:r>
+              <a:rPr lang="en-US" baseline="0" dirty="0" smtClean="0"/>
+              <a:t> of Debug On/Off</a:t>
             </a:r>
             <a:endParaRPr lang="en-US" dirty="0"/>
           </a:p>
@@ -7323,14 +7409,23 @@
         </p:nvSpPr>
         <p:spPr/>
         <p:txBody>
-          <a:bodyPr/>
-          <a:lstStyle/>
-          <a:p>
-            <a:r>
-              <a:rPr lang="en-US" dirty="0" smtClean="0">
-                <a:effectLst/>
-              </a:rPr>
-              <a:t>Date and time, to second or millisecond</a:t>
+          <a:bodyPr>
+            <a:normAutofit/>
+          </a:bodyPr>
+          <a:lstStyle/>
+          <a:p>
+            <a:pPr lvl="0"/>
+            <a:r>
+              <a:rPr lang="en-US" sz="3200" kern="1200" dirty="0" smtClean="0">
+                <a:solidFill>
+                  <a:schemeClr val="tx1"/>
+                </a:solidFill>
+                <a:effectLst/>
+                <a:latin typeface="+mn-lt"/>
+                <a:ea typeface="+mn-ea"/>
+                <a:cs typeface="+mn-cs"/>
+              </a:rPr>
+              <a:t>Control with environment variables</a:t>
             </a:r>
           </a:p>
           <a:p>
@@ -7345,10 +7440,47 @@
                 <a:ea typeface="+mn-ea"/>
                 <a:cs typeface="+mn-cs"/>
               </a:rPr>
-              <a:t>Timestamp code, e.g., </a:t>
-            </a:r>
-          </a:p>
-          <a:p>
+              <a:t>Don't want to change the code for debug/</a:t>
+            </a:r>
+            <a:r>
+              <a:rPr lang="en-US" sz="2800" kern="1200" dirty="0" err="1" smtClean="0">
+                <a:solidFill>
+                  <a:schemeClr val="tx1"/>
+                </a:solidFill>
+                <a:effectLst/>
+                <a:latin typeface="+mn-lt"/>
+                <a:ea typeface="+mn-ea"/>
+                <a:cs typeface="+mn-cs"/>
+              </a:rPr>
+              <a:t>nondebug</a:t>
+            </a:r>
+            <a:r>
+              <a:rPr lang="en-US" sz="2800" kern="1200" dirty="0" smtClean="0">
+                <a:solidFill>
+                  <a:schemeClr val="tx1"/>
+                </a:solidFill>
+                <a:effectLst/>
+                <a:latin typeface="+mn-lt"/>
+                <a:ea typeface="+mn-ea"/>
+                <a:cs typeface="+mn-cs"/>
+              </a:rPr>
+              <a:t> versions.  Tracing should be permanently installed, just turned on and off easily.  </a:t>
+            </a:r>
+          </a:p>
+          <a:p>
+            <a:pPr lvl="0"/>
+            <a:r>
+              <a:rPr lang="en-US" sz="3200" kern="1200" dirty="0" err="1" smtClean="0">
+                <a:solidFill>
+                  <a:schemeClr val="tx1"/>
+                </a:solidFill>
+                <a:effectLst/>
+                <a:latin typeface="+mn-lt"/>
+                <a:ea typeface="+mn-ea"/>
+                <a:cs typeface="+mn-cs"/>
+              </a:rPr>
+              <a:t>Envir</a:t>
+            </a:r>
             <a:r>
               <a:rPr lang="en-US" sz="3200" kern="1200" dirty="0" smtClean="0">
                 <a:solidFill>
@@ -7359,7 +7491,7 @@
                 <a:ea typeface="+mn-ea"/>
                 <a:cs typeface="+mn-cs"/>
               </a:rPr>
-              <a:t>            	timestamp = </a:t>
+              <a:t> </a:t>
             </a:r>
             <a:r>
               <a:rPr lang="en-US" sz="3200" kern="1200" dirty="0" err="1" smtClean="0">
@@ -7371,7 +7503,7 @@
                 <a:ea typeface="+mn-ea"/>
                 <a:cs typeface="+mn-cs"/>
               </a:rPr>
-              <a:t>datetime.datetime.now</a:t>
+              <a:t>vars</a:t>
             </a:r>
             <a:r>
               <a:rPr lang="en-US" sz="3200" kern="1200" dirty="0" smtClean="0">
@@ -7383,7 +7515,7 @@
                 <a:ea typeface="+mn-ea"/>
                 <a:cs typeface="+mn-cs"/>
               </a:rPr>
-              <a:t>().</a:t>
+              <a:t> easy to sense: </a:t>
             </a:r>
             <a:r>
               <a:rPr lang="en-US" sz="3200" kern="1200" dirty="0" err="1" smtClean="0">
@@ -7395,7 +7527,7 @@
                 <a:ea typeface="+mn-ea"/>
                 <a:cs typeface="+mn-cs"/>
               </a:rPr>
-              <a:t>strftime</a:t>
+              <a:t>os,getenv</a:t>
             </a:r>
             <a:r>
               <a:rPr lang="en-US" sz="3200" kern="1200" dirty="0" smtClean="0">
@@ -7407,7 +7539,7 @@
                 <a:ea typeface="+mn-ea"/>
                 <a:cs typeface="+mn-cs"/>
               </a:rPr>
-              <a:t>('%</a:t>
+              <a:t>(</a:t>
             </a:r>
             <a:r>
               <a:rPr lang="en-US" sz="3200" kern="1200" dirty="0" err="1" smtClean="0">
@@ -7419,7 +7551,7 @@
                 <a:ea typeface="+mn-ea"/>
                 <a:cs typeface="+mn-cs"/>
               </a:rPr>
-              <a:t>Y%m%d</a:t>
+              <a:t>env_name</a:t>
             </a:r>
             <a:r>
               <a:rPr lang="en-US" sz="3200" kern="1200" dirty="0" smtClean="0">
@@ -7431,7 +7563,7 @@
                 <a:ea typeface="+mn-ea"/>
                 <a:cs typeface="+mn-cs"/>
               </a:rPr>
-              <a:t>_%</a:t>
+              <a:t>, </a:t>
             </a:r>
             <a:r>
               <a:rPr lang="en-US" sz="3200" kern="1200" dirty="0" err="1" smtClean="0">
@@ -7443,7 +7575,7 @@
                 <a:ea typeface="+mn-ea"/>
                 <a:cs typeface="+mn-cs"/>
               </a:rPr>
-              <a:t>H%M%S.%f</a:t>
+              <a:t>default_val</a:t>
             </a:r>
             <a:r>
               <a:rPr lang="en-US" sz="3200" kern="1200" dirty="0" smtClean="0">
@@ -7455,36 +7587,44 @@
                 <a:ea typeface="+mn-ea"/>
                 <a:cs typeface="+mn-cs"/>
               </a:rPr>
-              <a:t>')[:-3]</a:t>
-            </a:r>
-          </a:p>
-          <a:p>
-            <a:r>
-              <a:rPr lang="en-US" sz="3200" kern="1200" dirty="0" smtClean="0">
-                <a:solidFill>
-                  <a:schemeClr val="tx1"/>
-                </a:solidFill>
-                <a:effectLst/>
-                <a:latin typeface="+mn-lt"/>
-                <a:ea typeface="+mn-ea"/>
-                <a:cs typeface="+mn-cs"/>
-              </a:rPr>
-              <a:t>		produces</a:t>
-            </a:r>
-          </a:p>
-          <a:p>
-            <a:r>
-              <a:rPr lang="en-US" sz="3200" kern="1200" dirty="0" smtClean="0">
-                <a:solidFill>
-                  <a:schemeClr val="tx1"/>
-                </a:solidFill>
-                <a:effectLst/>
-                <a:latin typeface="+mn-lt"/>
-                <a:ea typeface="+mn-ea"/>
-                <a:cs typeface="+mn-cs"/>
-              </a:rPr>
-              <a:t>		20201103_153703.284</a:t>
-            </a:r>
+              <a:t>) </a:t>
+            </a:r>
+          </a:p>
+          <a:p>
+            <a:pPr lvl="2"/>
+            <a:r>
+              <a:rPr lang="en-US" sz="2400" kern="1200" dirty="0" smtClean="0">
+                <a:solidFill>
+                  <a:schemeClr val="tx1"/>
+                </a:solidFill>
+                <a:effectLst/>
+                <a:latin typeface="+mn-lt"/>
+                <a:ea typeface="+mn-ea"/>
+                <a:cs typeface="+mn-cs"/>
+              </a:rPr>
+              <a:t>Beware: the value returned is always a string even if it looks like an </a:t>
+            </a:r>
+            <a:r>
+              <a:rPr lang="en-US" sz="2400" kern="1200" dirty="0" err="1" smtClean="0">
+                <a:solidFill>
+                  <a:schemeClr val="tx1"/>
+                </a:solidFill>
+                <a:effectLst/>
+                <a:latin typeface="+mn-lt"/>
+                <a:ea typeface="+mn-ea"/>
+                <a:cs typeface="+mn-cs"/>
+              </a:rPr>
+              <a:t>int</a:t>
+            </a:r>
+            <a:endParaRPr lang="en-US" sz="2400" kern="1200" dirty="0" smtClean="0">
+              <a:solidFill>
+                <a:schemeClr val="tx1"/>
+              </a:solidFill>
+              <a:effectLst/>
+              <a:latin typeface="+mn-lt"/>
+              <a:ea typeface="+mn-ea"/>
+              <a:cs typeface="+mn-cs"/>
+            </a:endParaRPr>
           </a:p>
         </p:txBody>
       </p:sp>
@@ -7560,7 +7700,7 @@
     </p:spTree>
     <p:extLst>
       <p:ext uri="{BB962C8B-B14F-4D97-AF65-F5344CB8AC3E}">
-        <p14:creationId xmlns:p14="http://schemas.microsoft.com/office/powerpoint/2010/main" val="1793781391"/>
+        <p14:creationId xmlns:p14="http://schemas.microsoft.com/office/powerpoint/2010/main" val="1887016969"/>
       </p:ext>
     </p:extLst>
   </p:cSld>
@@ -7604,11 +7744,11 @@
           <a:p>
             <a:r>
               <a:rPr lang="en-US" dirty="0" smtClean="0"/>
-              <a:t>Easy Control</a:t>
+              <a:t>Leave the Debugging</a:t>
             </a:r>
             <a:r>
               <a:rPr lang="en-US" baseline="0" dirty="0" smtClean="0"/>
-              <a:t> of Debug On/Off</a:t>
+              <a:t> Code in</a:t>
             </a:r>
             <a:endParaRPr lang="en-US" dirty="0"/>
           </a:p>
@@ -7627,7 +7767,7 @@
         <p:spPr/>
         <p:txBody>
           <a:bodyPr>
-            <a:normAutofit/>
+            <a:normAutofit fontScale="92500" lnSpcReduction="10000"/>
           </a:bodyPr>
           <a:lstStyle/>
           <a:p>
@@ -7642,7 +7782,7 @@
                 <a:ea typeface="+mn-ea"/>
                 <a:cs typeface="+mn-cs"/>
               </a:rPr>
-              <a:t>Control with environment variables</a:t>
+              <a:t>Suppose a bug shows up in production?  </a:t>
             </a:r>
           </a:p>
           <a:p>
@@ -7657,20 +7797,304 @@
                 <a:ea typeface="+mn-ea"/>
                 <a:cs typeface="+mn-cs"/>
               </a:rPr>
-              <a:t>Don't want to change the code for debug/</a:t>
-            </a:r>
-            <a:r>
-              <a:rPr lang="en-US" sz="2800" kern="1200" dirty="0" err="1" smtClean="0">
-                <a:solidFill>
-                  <a:schemeClr val="tx1"/>
-                </a:solidFill>
-                <a:effectLst/>
-                <a:latin typeface="+mn-lt"/>
-                <a:ea typeface="+mn-ea"/>
-                <a:cs typeface="+mn-cs"/>
-              </a:rPr>
-              <a:t>nondebug</a:t>
-            </a:r>
+              <a:t>Just tell the customer to add a couple environment variables and restart the application.</a:t>
+            </a:r>
+          </a:p>
+          <a:p>
+            <a:pPr lvl="2"/>
+            <a:r>
+              <a:rPr lang="en-US" sz="2400" kern="1200" dirty="0" smtClean="0">
+                <a:solidFill>
+                  <a:schemeClr val="tx1"/>
+                </a:solidFill>
+                <a:effectLst/>
+                <a:latin typeface="+mn-lt"/>
+                <a:ea typeface="+mn-ea"/>
+                <a:cs typeface="+mn-cs"/>
+              </a:rPr>
+              <a:t>Yes, we actually did that.  </a:t>
+            </a:r>
+          </a:p>
+          <a:p>
+            <a:pPr marL="457200" lvl="1" indent="0">
+              <a:buNone/>
+            </a:pPr>
+            <a:r>
+              <a:rPr lang="en-US" sz="1700" kern="1200" dirty="0" smtClean="0">
+                <a:solidFill>
+                  <a:schemeClr val="tx1"/>
+                </a:solidFill>
+                <a:effectLst/>
+                <a:latin typeface="Courier New" panose="02070309020205020404" pitchFamily="49" charset="0"/>
+                <a:ea typeface="+mn-ea"/>
+                <a:cs typeface="Courier New" panose="02070309020205020404" pitchFamily="49" charset="0"/>
+              </a:rPr>
+              <a:t>try:</a:t>
+            </a:r>
+            <a:br>
+              <a:rPr lang="en-US" sz="1700" kern="1200" dirty="0" smtClean="0">
+                <a:solidFill>
+                  <a:schemeClr val="tx1"/>
+                </a:solidFill>
+                <a:effectLst/>
+                <a:latin typeface="Courier New" panose="02070309020205020404" pitchFamily="49" charset="0"/>
+                <a:ea typeface="+mn-ea"/>
+                <a:cs typeface="Courier New" panose="02070309020205020404" pitchFamily="49" charset="0"/>
+              </a:rPr>
+            </a:br>
+            <a:r>
+              <a:rPr lang="en-US" sz="1700" kern="1200" dirty="0" smtClean="0">
+                <a:solidFill>
+                  <a:schemeClr val="tx1"/>
+                </a:solidFill>
+                <a:effectLst/>
+                <a:latin typeface="Courier New" panose="02070309020205020404" pitchFamily="49" charset="0"/>
+                <a:ea typeface="+mn-ea"/>
+                <a:cs typeface="Courier New" panose="02070309020205020404" pitchFamily="49" charset="0"/>
+              </a:rPr>
+              <a:t>     </a:t>
+            </a:r>
+            <a:r>
+              <a:rPr lang="en-US" sz="1700" kern="1200" dirty="0" err="1" smtClean="0">
+                <a:solidFill>
+                  <a:schemeClr val="tx1"/>
+                </a:solidFill>
+                <a:effectLst/>
+                <a:latin typeface="Courier New" panose="02070309020205020404" pitchFamily="49" charset="0"/>
+                <a:ea typeface="+mn-ea"/>
+                <a:cs typeface="Courier New" panose="02070309020205020404" pitchFamily="49" charset="0"/>
+              </a:rPr>
+              <a:t>tracelevel</a:t>
+            </a:r>
+            <a:r>
+              <a:rPr lang="en-US" sz="1700" kern="1200" dirty="0" smtClean="0">
+                <a:solidFill>
+                  <a:schemeClr val="tx1"/>
+                </a:solidFill>
+                <a:effectLst/>
+                <a:latin typeface="Courier New" panose="02070309020205020404" pitchFamily="49" charset="0"/>
+                <a:ea typeface="+mn-ea"/>
+                <a:cs typeface="Courier New" panose="02070309020205020404" pitchFamily="49" charset="0"/>
+              </a:rPr>
+              <a:t> =</a:t>
+            </a:r>
+            <a:r>
+              <a:rPr lang="en-US" sz="1700" kern="1200" baseline="0" dirty="0" smtClean="0">
+                <a:solidFill>
+                  <a:schemeClr val="tx1"/>
+                </a:solidFill>
+                <a:effectLst/>
+                <a:latin typeface="Courier New" panose="02070309020205020404" pitchFamily="49" charset="0"/>
+                <a:ea typeface="+mn-ea"/>
+                <a:cs typeface="Courier New" panose="02070309020205020404" pitchFamily="49" charset="0"/>
+              </a:rPr>
+              <a:t> </a:t>
+            </a:r>
+            <a:r>
+              <a:rPr lang="en-US" sz="1700" kern="1200" baseline="0" dirty="0" err="1" smtClean="0">
+                <a:solidFill>
+                  <a:schemeClr val="tx1"/>
+                </a:solidFill>
+                <a:effectLst/>
+                <a:latin typeface="Courier New" panose="02070309020205020404" pitchFamily="49" charset="0"/>
+                <a:ea typeface="+mn-ea"/>
+                <a:cs typeface="Courier New" panose="02070309020205020404" pitchFamily="49" charset="0"/>
+              </a:rPr>
+              <a:t>i</a:t>
+            </a:r>
+            <a:r>
+              <a:rPr lang="en-US" sz="1700" kern="1200" dirty="0" err="1" smtClean="0">
+                <a:solidFill>
+                  <a:schemeClr val="tx1"/>
+                </a:solidFill>
+                <a:effectLst/>
+                <a:latin typeface="Courier New" panose="02070309020205020404" pitchFamily="49" charset="0"/>
+                <a:ea typeface="+mn-ea"/>
+                <a:cs typeface="Courier New" panose="02070309020205020404" pitchFamily="49" charset="0"/>
+              </a:rPr>
+              <a:t>nt</a:t>
+            </a:r>
+            <a:r>
+              <a:rPr lang="en-US" sz="1700" kern="1200" dirty="0" smtClean="0">
+                <a:solidFill>
+                  <a:schemeClr val="tx1"/>
+                </a:solidFill>
+                <a:effectLst/>
+                <a:latin typeface="Courier New" panose="02070309020205020404" pitchFamily="49" charset="0"/>
+                <a:ea typeface="+mn-ea"/>
+                <a:cs typeface="Courier New" panose="02070309020205020404" pitchFamily="49" charset="0"/>
+              </a:rPr>
+              <a:t>(</a:t>
+            </a:r>
+            <a:r>
+              <a:rPr lang="en-US" sz="1700" kern="1200" dirty="0" err="1" smtClean="0">
+                <a:solidFill>
+                  <a:schemeClr val="tx1"/>
+                </a:solidFill>
+                <a:effectLst/>
+                <a:latin typeface="Courier New" panose="02070309020205020404" pitchFamily="49" charset="0"/>
+                <a:ea typeface="+mn-ea"/>
+                <a:cs typeface="Courier New" panose="02070309020205020404" pitchFamily="49" charset="0"/>
+              </a:rPr>
+              <a:t>os.getenv</a:t>
+            </a:r>
+            <a:r>
+              <a:rPr lang="en-US" sz="1700" kern="1200" dirty="0" smtClean="0">
+                <a:solidFill>
+                  <a:schemeClr val="tx1"/>
+                </a:solidFill>
+                <a:effectLst/>
+                <a:latin typeface="Courier New" panose="02070309020205020404" pitchFamily="49" charset="0"/>
+                <a:ea typeface="+mn-ea"/>
+                <a:cs typeface="Courier New" panose="02070309020205020404" pitchFamily="49" charset="0"/>
+              </a:rPr>
+              <a:t>("TRACE_LEVEL", </a:t>
+            </a:r>
+            <a:r>
+              <a:rPr lang="en-US" sz="1700" kern="1200" dirty="0" err="1" smtClean="0">
+                <a:solidFill>
+                  <a:schemeClr val="tx1"/>
+                </a:solidFill>
+                <a:effectLst/>
+                <a:latin typeface="Courier New" panose="02070309020205020404" pitchFamily="49" charset="0"/>
+                <a:ea typeface="+mn-ea"/>
+                <a:cs typeface="Courier New" panose="02070309020205020404" pitchFamily="49" charset="0"/>
+              </a:rPr>
+              <a:t>defaultlevel</a:t>
+            </a:r>
+            <a:r>
+              <a:rPr lang="en-US" sz="1700" kern="1200" dirty="0" smtClean="0">
+                <a:solidFill>
+                  <a:schemeClr val="tx1"/>
+                </a:solidFill>
+                <a:effectLst/>
+                <a:latin typeface="Courier New" panose="02070309020205020404" pitchFamily="49" charset="0"/>
+                <a:ea typeface="+mn-ea"/>
+                <a:cs typeface="Courier New" panose="02070309020205020404" pitchFamily="49" charset="0"/>
+              </a:rPr>
+              <a:t>))</a:t>
+            </a:r>
+            <a:br>
+              <a:rPr lang="en-US" sz="1700" kern="1200" dirty="0" smtClean="0">
+                <a:solidFill>
+                  <a:schemeClr val="tx1"/>
+                </a:solidFill>
+                <a:effectLst/>
+                <a:latin typeface="Courier New" panose="02070309020205020404" pitchFamily="49" charset="0"/>
+                <a:ea typeface="+mn-ea"/>
+                <a:cs typeface="Courier New" panose="02070309020205020404" pitchFamily="49" charset="0"/>
+              </a:rPr>
+            </a:br>
+            <a:r>
+              <a:rPr lang="en-US" sz="1700" kern="1200" dirty="0" smtClean="0">
+                <a:solidFill>
+                  <a:schemeClr val="tx1"/>
+                </a:solidFill>
+                <a:effectLst/>
+                <a:latin typeface="Courier New" panose="02070309020205020404" pitchFamily="49" charset="0"/>
+                <a:ea typeface="+mn-ea"/>
+                <a:cs typeface="Courier New" panose="02070309020205020404" pitchFamily="49" charset="0"/>
+              </a:rPr>
+              <a:t>except </a:t>
+            </a:r>
+            <a:r>
+              <a:rPr lang="en-US" sz="1700" kern="1200" dirty="0" err="1" smtClean="0">
+                <a:solidFill>
+                  <a:schemeClr val="tx1"/>
+                </a:solidFill>
+                <a:effectLst/>
+                <a:latin typeface="Courier New" panose="02070309020205020404" pitchFamily="49" charset="0"/>
+                <a:ea typeface="+mn-ea"/>
+                <a:cs typeface="Courier New" panose="02070309020205020404" pitchFamily="49" charset="0"/>
+              </a:rPr>
+              <a:t>ValueError</a:t>
+            </a:r>
+            <a:r>
+              <a:rPr lang="en-US" sz="1700" kern="1200" dirty="0" smtClean="0">
+                <a:solidFill>
+                  <a:schemeClr val="tx1"/>
+                </a:solidFill>
+                <a:effectLst/>
+                <a:latin typeface="Courier New" panose="02070309020205020404" pitchFamily="49" charset="0"/>
+                <a:ea typeface="+mn-ea"/>
+                <a:cs typeface="Courier New" panose="02070309020205020404" pitchFamily="49" charset="0"/>
+              </a:rPr>
+              <a:t>:</a:t>
+            </a:r>
+            <a:r>
+              <a:rPr lang="en-US" sz="1700" kern="1200" baseline="0" dirty="0" smtClean="0">
+                <a:solidFill>
+                  <a:schemeClr val="tx1"/>
+                </a:solidFill>
+                <a:effectLst/>
+                <a:latin typeface="Courier New" panose="02070309020205020404" pitchFamily="49" charset="0"/>
+                <a:ea typeface="+mn-ea"/>
+                <a:cs typeface="Courier New" panose="02070309020205020404" pitchFamily="49" charset="0"/>
+              </a:rPr>
+              <a:t>  # Take default if not </a:t>
+            </a:r>
+            <a:r>
+              <a:rPr lang="en-US" sz="1700" kern="1200" baseline="0" dirty="0" err="1" smtClean="0">
+                <a:solidFill>
+                  <a:schemeClr val="tx1"/>
+                </a:solidFill>
+                <a:effectLst/>
+                <a:latin typeface="Courier New" panose="02070309020205020404" pitchFamily="49" charset="0"/>
+                <a:ea typeface="+mn-ea"/>
+                <a:cs typeface="Courier New" panose="02070309020205020404" pitchFamily="49" charset="0"/>
+              </a:rPr>
+              <a:t>int</a:t>
+            </a:r>
+            <a:r>
+              <a:rPr lang="en-US" sz="1700" kern="1200" baseline="0" dirty="0" smtClean="0">
+                <a:solidFill>
+                  <a:schemeClr val="tx1"/>
+                </a:solidFill>
+                <a:effectLst/>
+                <a:latin typeface="Courier New" panose="02070309020205020404" pitchFamily="49" charset="0"/>
+                <a:ea typeface="+mn-ea"/>
+                <a:cs typeface="Courier New" panose="02070309020205020404" pitchFamily="49" charset="0"/>
+              </a:rPr>
+              <a:t/>
+            </a:r>
+            <a:br>
+              <a:rPr lang="en-US" sz="1700" kern="1200" baseline="0" dirty="0" smtClean="0">
+                <a:solidFill>
+                  <a:schemeClr val="tx1"/>
+                </a:solidFill>
+                <a:effectLst/>
+                <a:latin typeface="Courier New" panose="02070309020205020404" pitchFamily="49" charset="0"/>
+                <a:ea typeface="+mn-ea"/>
+                <a:cs typeface="Courier New" panose="02070309020205020404" pitchFamily="49" charset="0"/>
+              </a:rPr>
+            </a:br>
+            <a:r>
+              <a:rPr lang="en-US" sz="1700" kern="1200" baseline="0" dirty="0" smtClean="0">
+                <a:solidFill>
+                  <a:schemeClr val="tx1"/>
+                </a:solidFill>
+                <a:effectLst/>
+                <a:latin typeface="Courier New" panose="02070309020205020404" pitchFamily="49" charset="0"/>
+                <a:ea typeface="+mn-ea"/>
+                <a:cs typeface="Courier New" panose="02070309020205020404" pitchFamily="49" charset="0"/>
+              </a:rPr>
+              <a:t>    </a:t>
+            </a:r>
+            <a:r>
+              <a:rPr lang="en-US" sz="1700" kern="1200" dirty="0" smtClean="0">
+                <a:solidFill>
+                  <a:schemeClr val="tx1"/>
+                </a:solidFill>
+                <a:effectLst/>
+                <a:latin typeface="Courier New" panose="02070309020205020404" pitchFamily="49" charset="0"/>
+                <a:ea typeface="+mn-ea"/>
+                <a:cs typeface="Courier New" panose="02070309020205020404" pitchFamily="49" charset="0"/>
+              </a:rPr>
+              <a:t> pass</a:t>
+            </a:r>
+          </a:p>
+          <a:p>
+            <a:pPr lvl="1"/>
             <a:r>
               <a:rPr lang="en-US" sz="2800" kern="1200" dirty="0" smtClean="0">
                 <a:solidFill>
@@ -7681,25 +8105,21 @@
                 <a:ea typeface="+mn-ea"/>
                 <a:cs typeface="+mn-cs"/>
               </a:rPr>
-              <a:t> versions.  Tracing should be permanently installed, just turned on and off easily.  </a:t>
-            </a:r>
-          </a:p>
-          <a:p>
-            <a:pPr lvl="0"/>
-            <a:r>
-              <a:rPr lang="en-US" sz="3200" kern="1200" dirty="0" err="1" smtClean="0">
-                <a:solidFill>
-                  <a:schemeClr val="tx1"/>
-                </a:solidFill>
-                <a:effectLst/>
-                <a:latin typeface="+mn-lt"/>
-                <a:ea typeface="+mn-ea"/>
-                <a:cs typeface="+mn-cs"/>
-              </a:rPr>
-              <a:t>Envir</a:t>
-            </a:r>
-            <a:r>
-              <a:rPr lang="en-US" sz="3200" kern="1200" dirty="0" smtClean="0">
+              <a:t>In the shell,</a:t>
+            </a:r>
+            <a:br>
+              <a:rPr lang="en-US" sz="2800" kern="1200" dirty="0" smtClean="0">
+                <a:solidFill>
+                  <a:schemeClr val="tx1"/>
+                </a:solidFill>
+                <a:effectLst/>
+                <a:latin typeface="+mn-lt"/>
+                <a:ea typeface="+mn-ea"/>
+                <a:cs typeface="+mn-cs"/>
+              </a:rPr>
+            </a:br>
+            <a:r>
+              <a:rPr lang="en-US" sz="2800" kern="1200" dirty="0" smtClean="0">
                 <a:solidFill>
                   <a:schemeClr val="tx1"/>
                 </a:solidFill>
@@ -7711,137 +8131,149 @@
               <a:t> </a:t>
             </a:r>
             <a:r>
-              <a:rPr lang="en-US" sz="3200" kern="1200" dirty="0" err="1" smtClean="0">
-                <a:solidFill>
-                  <a:schemeClr val="tx1"/>
-                </a:solidFill>
-                <a:effectLst/>
-                <a:latin typeface="+mn-lt"/>
-                <a:ea typeface="+mn-ea"/>
-                <a:cs typeface="+mn-cs"/>
-              </a:rPr>
-              <a:t>vars</a:t>
-            </a:r>
-            <a:r>
-              <a:rPr lang="en-US" sz="3200" kern="1200" dirty="0" smtClean="0">
-                <a:solidFill>
-                  <a:schemeClr val="tx1"/>
-                </a:solidFill>
-                <a:effectLst/>
-                <a:latin typeface="+mn-lt"/>
-                <a:ea typeface="+mn-ea"/>
-                <a:cs typeface="+mn-cs"/>
-              </a:rPr>
-              <a:t> easy to sense: </a:t>
-            </a:r>
-            <a:r>
-              <a:rPr lang="en-US" sz="3200" kern="1200" dirty="0" err="1" smtClean="0">
-                <a:solidFill>
-                  <a:schemeClr val="tx1"/>
-                </a:solidFill>
-                <a:effectLst/>
-                <a:latin typeface="+mn-lt"/>
-                <a:ea typeface="+mn-ea"/>
-                <a:cs typeface="+mn-cs"/>
-              </a:rPr>
-              <a:t>os,getenv</a:t>
-            </a:r>
-            <a:r>
-              <a:rPr lang="en-US" sz="3200" kern="1200" dirty="0" smtClean="0">
-                <a:solidFill>
-                  <a:schemeClr val="tx1"/>
-                </a:solidFill>
-                <a:effectLst/>
-                <a:latin typeface="+mn-lt"/>
-                <a:ea typeface="+mn-ea"/>
-                <a:cs typeface="+mn-cs"/>
-              </a:rPr>
-              <a:t>(</a:t>
-            </a:r>
-            <a:r>
-              <a:rPr lang="en-US" sz="3200" kern="1200" dirty="0" err="1" smtClean="0">
-                <a:solidFill>
-                  <a:schemeClr val="tx1"/>
-                </a:solidFill>
-                <a:effectLst/>
-                <a:latin typeface="+mn-lt"/>
-                <a:ea typeface="+mn-ea"/>
-                <a:cs typeface="+mn-cs"/>
-              </a:rPr>
-              <a:t>env_name</a:t>
-            </a:r>
-            <a:r>
-              <a:rPr lang="en-US" sz="3200" kern="1200" dirty="0" smtClean="0">
-                <a:solidFill>
-                  <a:schemeClr val="tx1"/>
-                </a:solidFill>
-                <a:effectLst/>
-                <a:latin typeface="+mn-lt"/>
-                <a:ea typeface="+mn-ea"/>
-                <a:cs typeface="+mn-cs"/>
-              </a:rPr>
-              <a:t>, </a:t>
-            </a:r>
-            <a:r>
-              <a:rPr lang="en-US" sz="3200" kern="1200" dirty="0" err="1" smtClean="0">
-                <a:solidFill>
-                  <a:schemeClr val="tx1"/>
-                </a:solidFill>
-                <a:effectLst/>
-                <a:latin typeface="+mn-lt"/>
-                <a:ea typeface="+mn-ea"/>
-                <a:cs typeface="+mn-cs"/>
-              </a:rPr>
-              <a:t>default_val</a:t>
-            </a:r>
-            <a:r>
-              <a:rPr lang="en-US" sz="3200" kern="1200" dirty="0" smtClean="0">
-                <a:solidFill>
-                  <a:schemeClr val="tx1"/>
-                </a:solidFill>
-                <a:effectLst/>
-                <a:latin typeface="+mn-lt"/>
-                <a:ea typeface="+mn-ea"/>
-                <a:cs typeface="+mn-cs"/>
-              </a:rPr>
-              <a:t>) </a:t>
-            </a:r>
-          </a:p>
-          <a:p>
-            <a:pPr lvl="2"/>
-            <a:r>
-              <a:rPr lang="en-US" sz="2400" kern="1200" dirty="0" smtClean="0">
-                <a:solidFill>
-                  <a:schemeClr val="tx1"/>
-                </a:solidFill>
-                <a:effectLst/>
-                <a:latin typeface="+mn-lt"/>
-                <a:ea typeface="+mn-ea"/>
-                <a:cs typeface="+mn-cs"/>
-              </a:rPr>
-              <a:t>Beware: the value returned is always a string even if it looks like an </a:t>
-            </a:r>
-            <a:r>
-              <a:rPr lang="en-US" sz="2400" kern="1200" dirty="0" err="1" smtClean="0">
-                <a:solidFill>
-                  <a:schemeClr val="tx1"/>
-                </a:solidFill>
-                <a:effectLst/>
-                <a:latin typeface="+mn-lt"/>
-                <a:ea typeface="+mn-ea"/>
-                <a:cs typeface="+mn-cs"/>
-              </a:rPr>
-              <a:t>int</a:t>
-            </a:r>
-            <a:endParaRPr lang="en-US" sz="2400" kern="1200" dirty="0" smtClean="0">
+              <a:rPr lang="en-US" sz="2800" kern="1200" baseline="0" dirty="0" smtClean="0">
+                <a:solidFill>
+                  <a:schemeClr val="tx1"/>
+                </a:solidFill>
+                <a:effectLst/>
+                <a:latin typeface="+mn-lt"/>
+                <a:ea typeface="+mn-ea"/>
+                <a:cs typeface="+mn-cs"/>
+              </a:rPr>
+              <a:t>    </a:t>
+            </a:r>
+            <a:r>
+              <a:rPr lang="en-US" sz="1700" kern="1200" dirty="0" smtClean="0">
+                <a:solidFill>
+                  <a:schemeClr val="tx1"/>
+                </a:solidFill>
+                <a:effectLst/>
+                <a:latin typeface="Courier New" panose="02070309020205020404" pitchFamily="49" charset="0"/>
+                <a:ea typeface="+mn-ea"/>
+                <a:cs typeface="Courier New" panose="02070309020205020404" pitchFamily="49" charset="0"/>
+              </a:rPr>
+              <a:t>export </a:t>
+            </a:r>
+            <a:r>
+              <a:rPr lang="en-US" sz="1700" kern="1200" dirty="0" err="1" smtClean="0">
+                <a:solidFill>
+                  <a:schemeClr val="tx1"/>
+                </a:solidFill>
+                <a:effectLst/>
+                <a:latin typeface="Courier New" panose="02070309020205020404" pitchFamily="49" charset="0"/>
+                <a:ea typeface="+mn-ea"/>
+                <a:cs typeface="Courier New" panose="02070309020205020404" pitchFamily="49" charset="0"/>
+              </a:rPr>
+              <a:t>env_var</a:t>
+            </a:r>
+            <a:r>
+              <a:rPr lang="en-US" sz="1700" kern="1200" dirty="0" smtClean="0">
+                <a:solidFill>
+                  <a:schemeClr val="tx1"/>
+                </a:solidFill>
+                <a:effectLst/>
+                <a:latin typeface="Courier New" panose="02070309020205020404" pitchFamily="49" charset="0"/>
+                <a:ea typeface="+mn-ea"/>
+                <a:cs typeface="Courier New" panose="02070309020205020404" pitchFamily="49" charset="0"/>
+              </a:rPr>
+              <a:t>=</a:t>
+            </a:r>
+            <a:r>
+              <a:rPr lang="en-US" sz="1700" kern="1200" dirty="0" err="1" smtClean="0">
+                <a:solidFill>
+                  <a:schemeClr val="tx1"/>
+                </a:solidFill>
+                <a:effectLst/>
+                <a:latin typeface="Courier New" panose="02070309020205020404" pitchFamily="49" charset="0"/>
+                <a:ea typeface="+mn-ea"/>
+                <a:cs typeface="Courier New" panose="02070309020205020404" pitchFamily="49" charset="0"/>
+              </a:rPr>
+              <a:t>some_value</a:t>
+            </a:r>
+            <a:endParaRPr lang="en-US" sz="1700" kern="1200" dirty="0" smtClean="0">
               <a:solidFill>
                 <a:schemeClr val="tx1"/>
               </a:solidFill>
               <a:effectLst/>
-              <a:latin typeface="+mn-lt"/>
+              <a:latin typeface="Courier New" panose="02070309020205020404" pitchFamily="49" charset="0"/>
               <a:ea typeface="+mn-ea"/>
-              <a:cs typeface="+mn-cs"/>
+              <a:cs typeface="Courier New" panose="02070309020205020404" pitchFamily="49" charset="0"/>
             </a:endParaRPr>
+          </a:p>
+          <a:p>
+            <a:pPr lvl="1"/>
+            <a:r>
+              <a:rPr lang="en-US" sz="2800" kern="1200" dirty="0" smtClean="0">
+                <a:solidFill>
+                  <a:schemeClr val="tx1"/>
+                </a:solidFill>
+                <a:effectLst/>
+                <a:latin typeface="+mn-lt"/>
+                <a:ea typeface="+mn-ea"/>
+                <a:cs typeface="+mn-cs"/>
+              </a:rPr>
+              <a:t>Us</a:t>
+            </a:r>
+            <a:r>
+              <a:rPr lang="en-US" sz="2800" kern="1200" baseline="0" dirty="0" smtClean="0">
+                <a:solidFill>
+                  <a:schemeClr val="tx1"/>
+                </a:solidFill>
+                <a:effectLst/>
+                <a:latin typeface="+mn-lt"/>
+                <a:ea typeface="+mn-ea"/>
+                <a:cs typeface="+mn-cs"/>
+              </a:rPr>
+              <a:t>e </a:t>
+            </a:r>
+            <a:r>
+              <a:rPr lang="en-US" sz="2800" kern="1200" dirty="0" err="1" smtClean="0">
+                <a:solidFill>
+                  <a:schemeClr val="tx1"/>
+                </a:solidFill>
+                <a:effectLst/>
+                <a:latin typeface="+mn-lt"/>
+                <a:ea typeface="+mn-ea"/>
+                <a:cs typeface="+mn-cs"/>
+              </a:rPr>
+              <a:t>env</a:t>
+            </a:r>
+            <a:r>
+              <a:rPr lang="en-US" sz="2800" kern="1200" dirty="0" smtClean="0">
+                <a:solidFill>
+                  <a:schemeClr val="tx1"/>
+                </a:solidFill>
+                <a:effectLst/>
+                <a:latin typeface="+mn-lt"/>
+                <a:ea typeface="+mn-ea"/>
+                <a:cs typeface="+mn-cs"/>
+              </a:rPr>
+              <a:t> </a:t>
+            </a:r>
+            <a:r>
+              <a:rPr lang="en-US" sz="2800" kern="1200" dirty="0" err="1" smtClean="0">
+                <a:solidFill>
+                  <a:schemeClr val="tx1"/>
+                </a:solidFill>
+                <a:effectLst/>
+                <a:latin typeface="+mn-lt"/>
+                <a:ea typeface="+mn-ea"/>
+                <a:cs typeface="+mn-cs"/>
+              </a:rPr>
+              <a:t>vars</a:t>
+            </a:r>
+            <a:r>
+              <a:rPr lang="en-US" sz="2800" kern="1200" dirty="0" smtClean="0">
+                <a:solidFill>
+                  <a:schemeClr val="tx1"/>
+                </a:solidFill>
+                <a:effectLst/>
+                <a:latin typeface="+mn-lt"/>
+                <a:ea typeface="+mn-ea"/>
+                <a:cs typeface="+mn-cs"/>
+              </a:rPr>
+              <a:t> to control priority, output file location, html tags, production mode for low performance impact</a:t>
+            </a:r>
           </a:p>
         </p:txBody>
       </p:sp>
@@ -7917,7 +8349,7 @@
     </p:spTree>
     <p:extLst>
       <p:ext uri="{BB962C8B-B14F-4D97-AF65-F5344CB8AC3E}">
-        <p14:creationId xmlns:p14="http://schemas.microsoft.com/office/powerpoint/2010/main" val="1887016969"/>
+        <p14:creationId xmlns:p14="http://schemas.microsoft.com/office/powerpoint/2010/main" val="282592620"/>
       </p:ext>
     </p:extLst>
   </p:cSld>
@@ -7961,11 +8393,7 @@
           <a:p>
             <a:r>
               <a:rPr lang="en-US" dirty="0" smtClean="0"/>
-              <a:t>Leave the Debugging</a:t>
-            </a:r>
-            <a:r>
-              <a:rPr lang="en-US" baseline="0" dirty="0" smtClean="0"/>
-              <a:t> Code in</a:t>
+              <a:t>Output Where?</a:t>
             </a:r>
             <a:endParaRPr lang="en-US" dirty="0"/>
           </a:p>
@@ -7983,9 +8411,7 @@
         </p:nvSpPr>
         <p:spPr/>
         <p:txBody>
-          <a:bodyPr>
-            <a:normAutofit fontScale="92500" lnSpcReduction="10000"/>
-          </a:bodyPr>
+          <a:bodyPr/>
           <a:lstStyle/>
           <a:p>
             <a:pPr lvl="0"/>
@@ -7999,7 +8425,31 @@
                 <a:ea typeface="+mn-ea"/>
                 <a:cs typeface="+mn-cs"/>
               </a:rPr>
-              <a:t>Suppose a bug shows up in production?  </a:t>
+              <a:t>Send to </a:t>
+            </a:r>
+            <a:r>
+              <a:rPr lang="en-US" sz="3200" kern="1200" dirty="0" err="1" smtClean="0">
+                <a:solidFill>
+                  <a:schemeClr val="tx1"/>
+                </a:solidFill>
+                <a:effectLst/>
+                <a:latin typeface="+mn-lt"/>
+                <a:ea typeface="+mn-ea"/>
+                <a:cs typeface="+mn-cs"/>
+              </a:rPr>
+              <a:t>stdout</a:t>
+            </a:r>
+            <a:r>
+              <a:rPr lang="en-US" sz="3200" kern="1200" dirty="0" smtClean="0">
+                <a:solidFill>
+                  <a:schemeClr val="tx1"/>
+                </a:solidFill>
+                <a:effectLst/>
+                <a:latin typeface="+mn-lt"/>
+                <a:ea typeface="+mn-ea"/>
+                <a:cs typeface="+mn-cs"/>
+              </a:rPr>
+              <a:t> if possible</a:t>
             </a:r>
           </a:p>
           <a:p>
@@ -8014,300 +8464,31 @@
                 <a:ea typeface="+mn-ea"/>
                 <a:cs typeface="+mn-cs"/>
               </a:rPr>
-              <a:t>Just tell the customer to add a couple environment variables and restart the application.</a:t>
-            </a:r>
-          </a:p>
-          <a:p>
-            <a:pPr lvl="2"/>
-            <a:r>
-              <a:rPr lang="en-US" sz="2400" kern="1200" dirty="0" smtClean="0">
-                <a:solidFill>
-                  <a:schemeClr val="tx1"/>
-                </a:solidFill>
-                <a:effectLst/>
-                <a:latin typeface="+mn-lt"/>
-                <a:ea typeface="+mn-ea"/>
-                <a:cs typeface="+mn-cs"/>
-              </a:rPr>
-              <a:t>Yes, we actually did that.  </a:t>
-            </a:r>
-          </a:p>
-          <a:p>
-            <a:pPr marL="457200" lvl="1" indent="0">
-              <a:buNone/>
-            </a:pPr>
-            <a:r>
-              <a:rPr lang="en-US" sz="1700" kern="1200" dirty="0" smtClean="0">
-                <a:solidFill>
-                  <a:schemeClr val="tx1"/>
-                </a:solidFill>
-                <a:effectLst/>
-                <a:latin typeface="Courier New" panose="02070309020205020404" pitchFamily="49" charset="0"/>
-                <a:ea typeface="+mn-ea"/>
-                <a:cs typeface="Courier New" panose="02070309020205020404" pitchFamily="49" charset="0"/>
-              </a:rPr>
-              <a:t>try:</a:t>
-            </a:r>
-            <a:br>
-              <a:rPr lang="en-US" sz="1700" kern="1200" dirty="0" smtClean="0">
-                <a:solidFill>
-                  <a:schemeClr val="tx1"/>
-                </a:solidFill>
-                <a:effectLst/>
-                <a:latin typeface="Courier New" panose="02070309020205020404" pitchFamily="49" charset="0"/>
-                <a:ea typeface="+mn-ea"/>
-                <a:cs typeface="Courier New" panose="02070309020205020404" pitchFamily="49" charset="0"/>
-              </a:rPr>
-            </a:br>
-            <a:r>
-              <a:rPr lang="en-US" sz="1700" kern="1200" dirty="0" smtClean="0">
-                <a:solidFill>
-                  <a:schemeClr val="tx1"/>
-                </a:solidFill>
-                <a:effectLst/>
-                <a:latin typeface="Courier New" panose="02070309020205020404" pitchFamily="49" charset="0"/>
-                <a:ea typeface="+mn-ea"/>
-                <a:cs typeface="Courier New" panose="02070309020205020404" pitchFamily="49" charset="0"/>
-              </a:rPr>
-              <a:t>     </a:t>
-            </a:r>
-            <a:r>
-              <a:rPr lang="en-US" sz="1700" kern="1200" dirty="0" err="1" smtClean="0">
-                <a:solidFill>
-                  <a:schemeClr val="tx1"/>
-                </a:solidFill>
-                <a:effectLst/>
-                <a:latin typeface="Courier New" panose="02070309020205020404" pitchFamily="49" charset="0"/>
-                <a:ea typeface="+mn-ea"/>
-                <a:cs typeface="Courier New" panose="02070309020205020404" pitchFamily="49" charset="0"/>
-              </a:rPr>
-              <a:t>tracelevel</a:t>
-            </a:r>
-            <a:r>
-              <a:rPr lang="en-US" sz="1700" kern="1200" dirty="0" smtClean="0">
-                <a:solidFill>
-                  <a:schemeClr val="tx1"/>
-                </a:solidFill>
-                <a:effectLst/>
-                <a:latin typeface="Courier New" panose="02070309020205020404" pitchFamily="49" charset="0"/>
-                <a:ea typeface="+mn-ea"/>
-                <a:cs typeface="Courier New" panose="02070309020205020404" pitchFamily="49" charset="0"/>
-              </a:rPr>
-              <a:t> =</a:t>
-            </a:r>
-            <a:r>
-              <a:rPr lang="en-US" sz="1700" kern="1200" baseline="0" dirty="0" smtClean="0">
-                <a:solidFill>
-                  <a:schemeClr val="tx1"/>
-                </a:solidFill>
-                <a:effectLst/>
-                <a:latin typeface="Courier New" panose="02070309020205020404" pitchFamily="49" charset="0"/>
-                <a:ea typeface="+mn-ea"/>
-                <a:cs typeface="Courier New" panose="02070309020205020404" pitchFamily="49" charset="0"/>
-              </a:rPr>
-              <a:t> </a:t>
-            </a:r>
-            <a:r>
-              <a:rPr lang="en-US" sz="1700" kern="1200" baseline="0" dirty="0" err="1" smtClean="0">
-                <a:solidFill>
-                  <a:schemeClr val="tx1"/>
-                </a:solidFill>
-                <a:effectLst/>
-                <a:latin typeface="Courier New" panose="02070309020205020404" pitchFamily="49" charset="0"/>
-                <a:ea typeface="+mn-ea"/>
-                <a:cs typeface="Courier New" panose="02070309020205020404" pitchFamily="49" charset="0"/>
-              </a:rPr>
-              <a:t>i</a:t>
-            </a:r>
-            <a:r>
-              <a:rPr lang="en-US" sz="1700" kern="1200" dirty="0" err="1" smtClean="0">
-                <a:solidFill>
-                  <a:schemeClr val="tx1"/>
-                </a:solidFill>
-                <a:effectLst/>
-                <a:latin typeface="Courier New" panose="02070309020205020404" pitchFamily="49" charset="0"/>
-                <a:ea typeface="+mn-ea"/>
-                <a:cs typeface="Courier New" panose="02070309020205020404" pitchFamily="49" charset="0"/>
-              </a:rPr>
-              <a:t>nt</a:t>
-            </a:r>
-            <a:r>
-              <a:rPr lang="en-US" sz="1700" kern="1200" dirty="0" smtClean="0">
-                <a:solidFill>
-                  <a:schemeClr val="tx1"/>
-                </a:solidFill>
-                <a:effectLst/>
-                <a:latin typeface="Courier New" panose="02070309020205020404" pitchFamily="49" charset="0"/>
-                <a:ea typeface="+mn-ea"/>
-                <a:cs typeface="Courier New" panose="02070309020205020404" pitchFamily="49" charset="0"/>
-              </a:rPr>
-              <a:t>(</a:t>
-            </a:r>
-            <a:r>
-              <a:rPr lang="en-US" sz="1700" kern="1200" dirty="0" err="1" smtClean="0">
-                <a:solidFill>
-                  <a:schemeClr val="tx1"/>
-                </a:solidFill>
-                <a:effectLst/>
-                <a:latin typeface="Courier New" panose="02070309020205020404" pitchFamily="49" charset="0"/>
-                <a:ea typeface="+mn-ea"/>
-                <a:cs typeface="Courier New" panose="02070309020205020404" pitchFamily="49" charset="0"/>
-              </a:rPr>
-              <a:t>os.getenv</a:t>
-            </a:r>
-            <a:r>
-              <a:rPr lang="en-US" sz="1700" kern="1200" dirty="0" smtClean="0">
-                <a:solidFill>
-                  <a:schemeClr val="tx1"/>
-                </a:solidFill>
-                <a:effectLst/>
-                <a:latin typeface="Courier New" panose="02070309020205020404" pitchFamily="49" charset="0"/>
-                <a:ea typeface="+mn-ea"/>
-                <a:cs typeface="Courier New" panose="02070309020205020404" pitchFamily="49" charset="0"/>
-              </a:rPr>
-              <a:t>("TRACE_LEVEL", </a:t>
-            </a:r>
-            <a:r>
-              <a:rPr lang="en-US" sz="1700" kern="1200" dirty="0" err="1" smtClean="0">
-                <a:solidFill>
-                  <a:schemeClr val="tx1"/>
-                </a:solidFill>
-                <a:effectLst/>
-                <a:latin typeface="Courier New" panose="02070309020205020404" pitchFamily="49" charset="0"/>
-                <a:ea typeface="+mn-ea"/>
-                <a:cs typeface="Courier New" panose="02070309020205020404" pitchFamily="49" charset="0"/>
-              </a:rPr>
-              <a:t>defaultlevel</a:t>
-            </a:r>
-            <a:r>
-              <a:rPr lang="en-US" sz="1700" kern="1200" dirty="0" smtClean="0">
-                <a:solidFill>
-                  <a:schemeClr val="tx1"/>
-                </a:solidFill>
-                <a:effectLst/>
-                <a:latin typeface="Courier New" panose="02070309020205020404" pitchFamily="49" charset="0"/>
-                <a:ea typeface="+mn-ea"/>
-                <a:cs typeface="Courier New" panose="02070309020205020404" pitchFamily="49" charset="0"/>
-              </a:rPr>
-              <a:t>))</a:t>
-            </a:r>
-            <a:br>
-              <a:rPr lang="en-US" sz="1700" kern="1200" dirty="0" smtClean="0">
-                <a:solidFill>
-                  <a:schemeClr val="tx1"/>
-                </a:solidFill>
-                <a:effectLst/>
-                <a:latin typeface="Courier New" panose="02070309020205020404" pitchFamily="49" charset="0"/>
-                <a:ea typeface="+mn-ea"/>
-                <a:cs typeface="Courier New" panose="02070309020205020404" pitchFamily="49" charset="0"/>
-              </a:rPr>
-            </a:br>
-            <a:r>
-              <a:rPr lang="en-US" sz="1700" kern="1200" dirty="0" smtClean="0">
-                <a:solidFill>
-                  <a:schemeClr val="tx1"/>
-                </a:solidFill>
-                <a:effectLst/>
-                <a:latin typeface="Courier New" panose="02070309020205020404" pitchFamily="49" charset="0"/>
-                <a:ea typeface="+mn-ea"/>
-                <a:cs typeface="Courier New" panose="02070309020205020404" pitchFamily="49" charset="0"/>
-              </a:rPr>
-              <a:t>except </a:t>
-            </a:r>
-            <a:r>
-              <a:rPr lang="en-US" sz="1700" kern="1200" dirty="0" err="1" smtClean="0">
-                <a:solidFill>
-                  <a:schemeClr val="tx1"/>
-                </a:solidFill>
-                <a:effectLst/>
-                <a:latin typeface="Courier New" panose="02070309020205020404" pitchFamily="49" charset="0"/>
-                <a:ea typeface="+mn-ea"/>
-                <a:cs typeface="Courier New" panose="02070309020205020404" pitchFamily="49" charset="0"/>
-              </a:rPr>
-              <a:t>ValueError</a:t>
-            </a:r>
-            <a:r>
-              <a:rPr lang="en-US" sz="1700" kern="1200" dirty="0" smtClean="0">
-                <a:solidFill>
-                  <a:schemeClr val="tx1"/>
-                </a:solidFill>
-                <a:effectLst/>
-                <a:latin typeface="Courier New" panose="02070309020205020404" pitchFamily="49" charset="0"/>
-                <a:ea typeface="+mn-ea"/>
-                <a:cs typeface="Courier New" panose="02070309020205020404" pitchFamily="49" charset="0"/>
-              </a:rPr>
-              <a:t>:</a:t>
-            </a:r>
-            <a:r>
-              <a:rPr lang="en-US" sz="1700" kern="1200" baseline="0" dirty="0" smtClean="0">
-                <a:solidFill>
-                  <a:schemeClr val="tx1"/>
-                </a:solidFill>
-                <a:effectLst/>
-                <a:latin typeface="Courier New" panose="02070309020205020404" pitchFamily="49" charset="0"/>
-                <a:ea typeface="+mn-ea"/>
-                <a:cs typeface="Courier New" panose="02070309020205020404" pitchFamily="49" charset="0"/>
-              </a:rPr>
-              <a:t>  # Take default if not </a:t>
-            </a:r>
-            <a:r>
-              <a:rPr lang="en-US" sz="1700" kern="1200" baseline="0" dirty="0" err="1" smtClean="0">
-                <a:solidFill>
-                  <a:schemeClr val="tx1"/>
-                </a:solidFill>
-                <a:effectLst/>
-                <a:latin typeface="Courier New" panose="02070309020205020404" pitchFamily="49" charset="0"/>
-                <a:ea typeface="+mn-ea"/>
-                <a:cs typeface="Courier New" panose="02070309020205020404" pitchFamily="49" charset="0"/>
-              </a:rPr>
-              <a:t>int</a:t>
-            </a:r>
-            <a:r>
-              <a:rPr lang="en-US" sz="1700" kern="1200" baseline="0" dirty="0" smtClean="0">
-                <a:solidFill>
-                  <a:schemeClr val="tx1"/>
-                </a:solidFill>
-                <a:effectLst/>
-                <a:latin typeface="Courier New" panose="02070309020205020404" pitchFamily="49" charset="0"/>
-                <a:ea typeface="+mn-ea"/>
-                <a:cs typeface="Courier New" panose="02070309020205020404" pitchFamily="49" charset="0"/>
-              </a:rPr>
-              <a:t/>
-            </a:r>
-            <a:br>
-              <a:rPr lang="en-US" sz="1700" kern="1200" baseline="0" dirty="0" smtClean="0">
-                <a:solidFill>
-                  <a:schemeClr val="tx1"/>
-                </a:solidFill>
-                <a:effectLst/>
-                <a:latin typeface="Courier New" panose="02070309020205020404" pitchFamily="49" charset="0"/>
-                <a:ea typeface="+mn-ea"/>
-                <a:cs typeface="Courier New" panose="02070309020205020404" pitchFamily="49" charset="0"/>
-              </a:rPr>
-            </a:br>
-            <a:r>
-              <a:rPr lang="en-US" sz="1700" kern="1200" baseline="0" dirty="0" smtClean="0">
-                <a:solidFill>
-                  <a:schemeClr val="tx1"/>
-                </a:solidFill>
-                <a:effectLst/>
-                <a:latin typeface="Courier New" panose="02070309020205020404" pitchFamily="49" charset="0"/>
-                <a:ea typeface="+mn-ea"/>
-                <a:cs typeface="Courier New" panose="02070309020205020404" pitchFamily="49" charset="0"/>
-              </a:rPr>
-              <a:t>    </a:t>
-            </a:r>
-            <a:r>
-              <a:rPr lang="en-US" sz="1700" kern="1200" dirty="0" smtClean="0">
-                <a:solidFill>
-                  <a:schemeClr val="tx1"/>
-                </a:solidFill>
-                <a:effectLst/>
-                <a:latin typeface="Courier New" panose="02070309020205020404" pitchFamily="49" charset="0"/>
-                <a:ea typeface="+mn-ea"/>
-                <a:cs typeface="Courier New" panose="02070309020205020404" pitchFamily="49" charset="0"/>
-              </a:rPr>
-              <a:t> pass</a:t>
+              <a:t>python foo.exe {</a:t>
+            </a:r>
+            <a:r>
+              <a:rPr lang="en-US" sz="2800" kern="1200" dirty="0" err="1" smtClean="0">
+                <a:solidFill>
+                  <a:schemeClr val="tx1"/>
+                </a:solidFill>
+                <a:effectLst/>
+                <a:latin typeface="+mn-lt"/>
+                <a:ea typeface="+mn-ea"/>
+                <a:cs typeface="+mn-cs"/>
+              </a:rPr>
+              <a:t>args</a:t>
+            </a:r>
+            <a:r>
+              <a:rPr lang="en-US" sz="2800" kern="1200" dirty="0" smtClean="0">
+                <a:solidFill>
+                  <a:schemeClr val="tx1"/>
+                </a:solidFill>
+                <a:effectLst/>
+                <a:latin typeface="+mn-lt"/>
+                <a:ea typeface="+mn-ea"/>
+                <a:cs typeface="+mn-cs"/>
+              </a:rPr>
+              <a:t>} 2&gt;&amp;1 | less</a:t>
             </a:r>
           </a:p>
           <a:p>
@@ -8322,9 +8503,12 @@
                 <a:ea typeface="+mn-ea"/>
                 <a:cs typeface="+mn-cs"/>
               </a:rPr>
-              <a:t>In the shell,</a:t>
-            </a:r>
-            <a:br>
+              <a:t>less is more, makes it easy to find </a:t>
+            </a:r>
+          </a:p>
+          <a:p>
+            <a:pPr lvl="1"/>
+            <a:r>
               <a:rPr lang="en-US" sz="2800" kern="1200" dirty="0" smtClean="0">
                 <a:solidFill>
                   <a:schemeClr val="tx1"/>
@@ -8334,7 +8518,20 @@
                 <a:ea typeface="+mn-ea"/>
                 <a:cs typeface="+mn-cs"/>
               </a:rPr>
-            </a:br>
+              <a:t>need log file output, too, if </a:t>
+            </a:r>
+            <a:r>
+              <a:rPr lang="en-US" sz="2800" kern="1200" dirty="0" err="1" smtClean="0">
+                <a:solidFill>
+                  <a:schemeClr val="tx1"/>
+                </a:solidFill>
+                <a:effectLst/>
+                <a:latin typeface="+mn-lt"/>
+                <a:ea typeface="+mn-ea"/>
+                <a:cs typeface="+mn-cs"/>
+              </a:rPr>
+              <a:t>stdout</a:t>
+            </a:r>
             <a:r>
               <a:rPr lang="en-US" sz="2800" kern="1200" dirty="0" smtClean="0">
                 <a:solidFill>
@@ -8345,77 +8542,8 @@
                 <a:ea typeface="+mn-ea"/>
                 <a:cs typeface="+mn-cs"/>
               </a:rPr>
-              <a:t> </a:t>
-            </a:r>
-            <a:r>
-              <a:rPr lang="en-US" sz="2800" kern="1200" baseline="0" dirty="0" smtClean="0">
-                <a:solidFill>
-                  <a:schemeClr val="tx1"/>
-                </a:solidFill>
-                <a:effectLst/>
-                <a:latin typeface="+mn-lt"/>
-                <a:ea typeface="+mn-ea"/>
-                <a:cs typeface="+mn-cs"/>
-              </a:rPr>
-              <a:t>    </a:t>
-            </a:r>
-            <a:r>
-              <a:rPr lang="en-US" sz="1700" kern="1200" dirty="0" smtClean="0">
-                <a:solidFill>
-                  <a:schemeClr val="tx1"/>
-                </a:solidFill>
-                <a:effectLst/>
-                <a:latin typeface="Courier New" panose="02070309020205020404" pitchFamily="49" charset="0"/>
-                <a:ea typeface="+mn-ea"/>
-                <a:cs typeface="Courier New" panose="02070309020205020404" pitchFamily="49" charset="0"/>
-              </a:rPr>
-              <a:t>export </a:t>
-            </a:r>
-            <a:r>
-              <a:rPr lang="en-US" sz="1700" kern="1200" dirty="0" err="1" smtClean="0">
-                <a:solidFill>
-                  <a:schemeClr val="tx1"/>
-                </a:solidFill>
-                <a:effectLst/>
-                <a:latin typeface="Courier New" panose="02070309020205020404" pitchFamily="49" charset="0"/>
-                <a:ea typeface="+mn-ea"/>
-                <a:cs typeface="Courier New" panose="02070309020205020404" pitchFamily="49" charset="0"/>
-              </a:rPr>
-              <a:t>env_var</a:t>
-            </a:r>
-            <a:r>
-              <a:rPr lang="en-US" sz="1700" kern="1200" dirty="0" smtClean="0">
-                <a:solidFill>
-                  <a:schemeClr val="tx1"/>
-                </a:solidFill>
-                <a:effectLst/>
-                <a:latin typeface="Courier New" panose="02070309020205020404" pitchFamily="49" charset="0"/>
-                <a:ea typeface="+mn-ea"/>
-                <a:cs typeface="Courier New" panose="02070309020205020404" pitchFamily="49" charset="0"/>
-              </a:rPr>
-              <a:t>=</a:t>
-            </a:r>
-            <a:r>
-              <a:rPr lang="en-US" sz="1700" kern="1200" dirty="0" err="1" smtClean="0">
-                <a:solidFill>
-                  <a:schemeClr val="tx1"/>
-                </a:solidFill>
-                <a:effectLst/>
-                <a:latin typeface="Courier New" panose="02070309020205020404" pitchFamily="49" charset="0"/>
-                <a:ea typeface="+mn-ea"/>
-                <a:cs typeface="Courier New" panose="02070309020205020404" pitchFamily="49" charset="0"/>
-              </a:rPr>
-              <a:t>some_value</a:t>
-            </a:r>
-            <a:endParaRPr lang="en-US" sz="1700" kern="1200" dirty="0" smtClean="0">
-              <a:solidFill>
-                <a:schemeClr val="tx1"/>
-              </a:solidFill>
-              <a:effectLst/>
-              <a:latin typeface="Courier New" panose="02070309020205020404" pitchFamily="49" charset="0"/>
-              <a:ea typeface="+mn-ea"/>
-              <a:cs typeface="Courier New" panose="02070309020205020404" pitchFamily="49" charset="0"/>
-            </a:endParaRPr>
+              <a:t> not available</a:t>
+            </a:r>
           </a:p>
           <a:p>
             <a:pPr lvl="1"/>
@@ -8429,19 +8557,22 @@
                 <a:ea typeface="+mn-ea"/>
                 <a:cs typeface="+mn-cs"/>
               </a:rPr>
-              <a:t>Us</a:t>
-            </a:r>
-            <a:r>
-              <a:rPr lang="en-US" sz="2800" kern="1200" baseline="0" dirty="0" smtClean="0">
-                <a:solidFill>
-                  <a:schemeClr val="tx1"/>
-                </a:solidFill>
-                <a:effectLst/>
-                <a:latin typeface="+mn-lt"/>
-                <a:ea typeface="+mn-ea"/>
-                <a:cs typeface="+mn-cs"/>
-              </a:rPr>
-              <a:t>e </a:t>
+              <a:t>and optional html tags for web output</a:t>
+            </a:r>
+          </a:p>
+          <a:p>
+            <a:pPr lvl="1"/>
+            <a:r>
+              <a:rPr lang="en-US" sz="2800" kern="1200" dirty="0" smtClean="0">
+                <a:solidFill>
+                  <a:schemeClr val="tx1"/>
+                </a:solidFill>
+                <a:effectLst/>
+                <a:latin typeface="+mn-lt"/>
+                <a:ea typeface="+mn-ea"/>
+                <a:cs typeface="+mn-cs"/>
+              </a:rPr>
+              <a:t>maybe more than one at a time,  </a:t>
             </a:r>
             <a:r>
               <a:rPr lang="en-US" sz="2800" kern="1200" dirty="0" err="1" smtClean="0">
@@ -8453,7 +8584,7 @@
                 <a:ea typeface="+mn-ea"/>
                 <a:cs typeface="+mn-cs"/>
               </a:rPr>
-              <a:t>env</a:t>
+              <a:t>e.g</a:t>
             </a:r>
             <a:r>
               <a:rPr lang="en-US" sz="2800" kern="1200" dirty="0" smtClean="0">
@@ -8465,7 +8596,7 @@
                 <a:ea typeface="+mn-ea"/>
                 <a:cs typeface="+mn-cs"/>
               </a:rPr>
-              <a:t> </a:t>
+              <a:t>,  </a:t>
             </a:r>
             <a:r>
               <a:rPr lang="en-US" sz="2800" kern="1200" dirty="0" err="1" smtClean="0">
@@ -8477,7 +8608,7 @@
                 <a:ea typeface="+mn-ea"/>
                 <a:cs typeface="+mn-cs"/>
               </a:rPr>
-              <a:t>vars</a:t>
+              <a:t>stdout</a:t>
             </a:r>
             <a:r>
               <a:rPr lang="en-US" sz="2800" kern="1200" dirty="0" smtClean="0">
@@ -8489,8 +8620,11 @@
                 <a:ea typeface="+mn-ea"/>
                 <a:cs typeface="+mn-cs"/>
               </a:rPr>
-              <a:t> to control priority, output file location, html tags, production mode for low performance impact</a:t>
-            </a:r>
+              <a:t> and file</a:t>
+            </a:r>
+          </a:p>
+          <a:p>
+            <a:endParaRPr lang="en-US" dirty="0" smtClean="0"/>
           </a:p>
         </p:txBody>
       </p:sp>
@@ -8566,7 +8700,7 @@
     </p:spTree>
     <p:extLst>
       <p:ext uri="{BB962C8B-B14F-4D97-AF65-F5344CB8AC3E}">
-        <p14:creationId xmlns:p14="http://schemas.microsoft.com/office/powerpoint/2010/main" val="282592620"/>
+        <p14:creationId xmlns:p14="http://schemas.microsoft.com/office/powerpoint/2010/main" val="4093681671"/>
       </p:ext>
     </p:extLst>
   </p:cSld>
@@ -8610,7 +8744,11 @@
           <a:p>
             <a:r>
               <a:rPr lang="en-US" dirty="0" smtClean="0"/>
-              <a:t>Output Where?</a:t>
+              <a:t>Identify Data, Not</a:t>
+            </a:r>
+            <a:r>
+              <a:rPr lang="en-US" baseline="0" dirty="0" smtClean="0"/>
+              <a:t> Just Location</a:t>
             </a:r>
             <a:endParaRPr lang="en-US" dirty="0"/>
           </a:p>
@@ -8631,217 +8769,17 @@
           <a:bodyPr/>
           <a:lstStyle/>
           <a:p>
-            <a:pPr lvl="0"/>
-            <a:r>
-              <a:rPr lang="en-US" sz="3200" kern="1200" dirty="0" smtClean="0">
-                <a:solidFill>
-                  <a:schemeClr val="tx1"/>
-                </a:solidFill>
-                <a:effectLst/>
-                <a:latin typeface="+mn-lt"/>
-                <a:ea typeface="+mn-ea"/>
-                <a:cs typeface="+mn-cs"/>
-              </a:rPr>
-              <a:t>Send to </a:t>
-            </a:r>
-            <a:r>
-              <a:rPr lang="en-US" sz="3200" kern="1200" dirty="0" err="1" smtClean="0">
-                <a:solidFill>
-                  <a:schemeClr val="tx1"/>
-                </a:solidFill>
-                <a:effectLst/>
-                <a:latin typeface="+mn-lt"/>
-                <a:ea typeface="+mn-ea"/>
-                <a:cs typeface="+mn-cs"/>
-              </a:rPr>
-              <a:t>stdout</a:t>
-            </a:r>
-            <a:r>
-              <a:rPr lang="en-US" sz="3200" kern="1200" dirty="0" smtClean="0">
-                <a:solidFill>
-                  <a:schemeClr val="tx1"/>
-                </a:solidFill>
-                <a:effectLst/>
-                <a:latin typeface="+mn-lt"/>
-                <a:ea typeface="+mn-ea"/>
-                <a:cs typeface="+mn-cs"/>
-              </a:rPr>
-              <a:t> if possible</a:t>
-            </a:r>
-          </a:p>
-          <a:p>
-            <a:pPr lvl="1"/>
-            <a:r>
-              <a:rPr lang="en-US" sz="2800" kern="1200" dirty="0" smtClean="0">
-                <a:solidFill>
-                  <a:schemeClr val="tx1"/>
-                </a:solidFill>
-                <a:effectLst/>
-                <a:latin typeface="+mn-lt"/>
-                <a:ea typeface="+mn-ea"/>
-                <a:cs typeface="+mn-cs"/>
-              </a:rPr>
-              <a:t>python foo.exe {</a:t>
-            </a:r>
-            <a:r>
-              <a:rPr lang="en-US" sz="2800" kern="1200" dirty="0" err="1" smtClean="0">
-                <a:solidFill>
-                  <a:schemeClr val="tx1"/>
-                </a:solidFill>
-                <a:effectLst/>
-                <a:latin typeface="+mn-lt"/>
-                <a:ea typeface="+mn-ea"/>
-                <a:cs typeface="+mn-cs"/>
-              </a:rPr>
-              <a:t>args</a:t>
-            </a:r>
-            <a:r>
-              <a:rPr lang="en-US" sz="2800" kern="1200" dirty="0" smtClean="0">
-                <a:solidFill>
-                  <a:schemeClr val="tx1"/>
-                </a:solidFill>
-                <a:effectLst/>
-                <a:latin typeface="+mn-lt"/>
-                <a:ea typeface="+mn-ea"/>
-                <a:cs typeface="+mn-cs"/>
-              </a:rPr>
-              <a:t>} 2&gt;&amp;1 | less</a:t>
-            </a:r>
-          </a:p>
-          <a:p>
-            <a:pPr lvl="1"/>
-            <a:r>
-              <a:rPr lang="en-US" sz="2800" kern="1200" dirty="0" smtClean="0">
-                <a:solidFill>
-                  <a:schemeClr val="tx1"/>
-                </a:solidFill>
-                <a:effectLst/>
-                <a:latin typeface="+mn-lt"/>
-                <a:ea typeface="+mn-ea"/>
-                <a:cs typeface="+mn-cs"/>
-              </a:rPr>
-              <a:t>less is more, makes it easy to find </a:t>
-            </a:r>
-          </a:p>
-          <a:p>
-            <a:pPr lvl="1"/>
-            <a:r>
-              <a:rPr lang="en-US" sz="2800" kern="1200" dirty="0" smtClean="0">
-                <a:solidFill>
-                  <a:schemeClr val="tx1"/>
-                </a:solidFill>
-                <a:effectLst/>
-                <a:latin typeface="+mn-lt"/>
-                <a:ea typeface="+mn-ea"/>
-                <a:cs typeface="+mn-cs"/>
-              </a:rPr>
-              <a:t>need log file output, too, if </a:t>
-            </a:r>
-            <a:r>
-              <a:rPr lang="en-US" sz="2800" kern="1200" dirty="0" err="1" smtClean="0">
-                <a:solidFill>
-                  <a:schemeClr val="tx1"/>
-                </a:solidFill>
-                <a:effectLst/>
-                <a:latin typeface="+mn-lt"/>
-                <a:ea typeface="+mn-ea"/>
-                <a:cs typeface="+mn-cs"/>
-              </a:rPr>
-              <a:t>stdout</a:t>
-            </a:r>
-            <a:r>
-              <a:rPr lang="en-US" sz="2800" kern="1200" dirty="0" smtClean="0">
-                <a:solidFill>
-                  <a:schemeClr val="tx1"/>
-                </a:solidFill>
-                <a:effectLst/>
-                <a:latin typeface="+mn-lt"/>
-                <a:ea typeface="+mn-ea"/>
-                <a:cs typeface="+mn-cs"/>
-              </a:rPr>
-              <a:t> not available</a:t>
-            </a:r>
-          </a:p>
-          <a:p>
-            <a:pPr lvl="1"/>
-            <a:r>
-              <a:rPr lang="en-US" sz="2800" kern="1200" dirty="0" smtClean="0">
-                <a:solidFill>
-                  <a:schemeClr val="tx1"/>
-                </a:solidFill>
-                <a:effectLst/>
-                <a:latin typeface="+mn-lt"/>
-                <a:ea typeface="+mn-ea"/>
-                <a:cs typeface="+mn-cs"/>
-              </a:rPr>
-              <a:t>and optional html tags for web output</a:t>
-            </a:r>
-          </a:p>
-          <a:p>
-            <a:pPr lvl="1"/>
-            <a:r>
-              <a:rPr lang="en-US" sz="2800" kern="1200" dirty="0" smtClean="0">
-                <a:solidFill>
-                  <a:schemeClr val="tx1"/>
-                </a:solidFill>
-                <a:effectLst/>
-                <a:latin typeface="+mn-lt"/>
-                <a:ea typeface="+mn-ea"/>
-                <a:cs typeface="+mn-cs"/>
-              </a:rPr>
-              <a:t>maybe more than one at a time,  </a:t>
-            </a:r>
-            <a:r>
-              <a:rPr lang="en-US" sz="2800" kern="1200" dirty="0" err="1" smtClean="0">
-                <a:solidFill>
-                  <a:schemeClr val="tx1"/>
-                </a:solidFill>
-                <a:effectLst/>
-                <a:latin typeface="+mn-lt"/>
-                <a:ea typeface="+mn-ea"/>
-                <a:cs typeface="+mn-cs"/>
-              </a:rPr>
-              <a:t>e.g</a:t>
-            </a:r>
-            <a:r>
-              <a:rPr lang="en-US" sz="2800" kern="1200" dirty="0" smtClean="0">
-                <a:solidFill>
-                  <a:schemeClr val="tx1"/>
-                </a:solidFill>
-                <a:effectLst/>
-                <a:latin typeface="+mn-lt"/>
-                <a:ea typeface="+mn-ea"/>
-                <a:cs typeface="+mn-cs"/>
-              </a:rPr>
-              <a:t>,  </a:t>
-            </a:r>
-            <a:r>
-              <a:rPr lang="en-US" sz="2800" kern="1200" dirty="0" err="1" smtClean="0">
-                <a:solidFill>
-                  <a:schemeClr val="tx1"/>
-                </a:solidFill>
-                <a:effectLst/>
-                <a:latin typeface="+mn-lt"/>
-                <a:ea typeface="+mn-ea"/>
-                <a:cs typeface="+mn-cs"/>
-              </a:rPr>
-              <a:t>stdout</a:t>
-            </a:r>
-            <a:r>
-              <a:rPr lang="en-US" sz="2800" kern="1200" dirty="0" smtClean="0">
-                <a:solidFill>
-                  <a:schemeClr val="tx1"/>
-                </a:solidFill>
-                <a:effectLst/>
-                <a:latin typeface="+mn-lt"/>
-                <a:ea typeface="+mn-ea"/>
-                <a:cs typeface="+mn-cs"/>
-              </a:rPr>
-              <a:t> and file</a:t>
-            </a:r>
-          </a:p>
-          <a:p>
-            <a:endParaRPr lang="en-US" dirty="0" smtClean="0"/>
+            <a:r>
+              <a:rPr lang="en-US" dirty="0" smtClean="0"/>
+              <a:t>All class instances look alike</a:t>
+            </a:r>
+          </a:p>
+          <a:p>
+            <a:r>
+              <a:rPr lang="en-US" dirty="0" smtClean="0"/>
+              <a:t>Identifying instances by address or id?  Not useful to humans</a:t>
+            </a:r>
+            <a:endParaRPr lang="en-US" dirty="0"/>
           </a:p>
         </p:txBody>
       </p:sp>
@@ -8917,7 +8855,7 @@
     </p:spTree>
     <p:extLst>
       <p:ext uri="{BB962C8B-B14F-4D97-AF65-F5344CB8AC3E}">
-        <p14:creationId xmlns:p14="http://schemas.microsoft.com/office/powerpoint/2010/main" val="4093681671"/>
+        <p14:creationId xmlns:p14="http://schemas.microsoft.com/office/powerpoint/2010/main" val="3977547530"/>
       </p:ext>
     </p:extLst>
   </p:cSld>
@@ -8961,11 +8899,7 @@
           <a:p>
             <a:r>
               <a:rPr lang="en-US" dirty="0" smtClean="0"/>
-              <a:t>Identify Data, Not</a:t>
-            </a:r>
-            <a:r>
-              <a:rPr lang="en-US" baseline="0" dirty="0" smtClean="0"/>
-              <a:t> Just Location</a:t>
+              <a:t>Multiprocessing</a:t>
             </a:r>
             <a:endParaRPr lang="en-US" dirty="0"/>
           </a:p>
@@ -8986,16 +8920,37 @@
           <a:bodyPr/>
           <a:lstStyle/>
           <a:p>
-            <a:r>
-              <a:rPr lang="en-US" dirty="0" smtClean="0"/>
-              <a:t>All class instances look alike</a:t>
-            </a:r>
-          </a:p>
-          <a:p>
-            <a:r>
-              <a:rPr lang="en-US" dirty="0" smtClean="0"/>
-              <a:t>Identifying instances by address or id?  Not useful to humans</a:t>
-            </a:r>
+            <a:pPr marL="342900" marR="0" lvl="0" indent="-342900" algn="l" defTabSz="914400" rtl="0" eaLnBrk="1" fontAlgn="auto" latinLnBrk="0" hangingPunct="1">
+              <a:lnSpc>
+                <a:spcPct val="100000"/>
+              </a:lnSpc>
+              <a:spcBef>
+                <a:spcPct val="20000"/>
+              </a:spcBef>
+              <a:spcAft>
+                <a:spcPts val="0"/>
+              </a:spcAft>
+              <a:buClrTx/>
+              <a:buSzTx/>
+              <a:buFont typeface="Arial" panose="020B0604020202020204" pitchFamily="34" charset="0"/>
+              <a:buChar char="•"/>
+              <a:tabLst/>
+              <a:defRPr/>
+            </a:pPr>
+            <a:r>
+              <a:rPr lang="en-US" sz="3200" kern="1200" dirty="0" smtClean="0">
+                <a:solidFill>
+                  <a:schemeClr val="tx1"/>
+                </a:solidFill>
+                <a:effectLst/>
+                <a:latin typeface="+mn-lt"/>
+                <a:ea typeface="+mn-ea"/>
+                <a:cs typeface="+mn-cs"/>
+              </a:rPr>
+              <a:t>multiprocessor-safe, or at least thread-safe, would be good</a:t>
+            </a:r>
+          </a:p>
+          <a:p>
             <a:endParaRPr lang="en-US" dirty="0"/>
           </a:p>
         </p:txBody>
@@ -9072,7 +9027,7 @@
     </p:spTree>
     <p:extLst>
       <p:ext uri="{BB962C8B-B14F-4D97-AF65-F5344CB8AC3E}">
-        <p14:creationId xmlns:p14="http://schemas.microsoft.com/office/powerpoint/2010/main" val="3977547530"/>
+        <p14:creationId xmlns:p14="http://schemas.microsoft.com/office/powerpoint/2010/main" val="400251234"/>
       </p:ext>
     </p:extLst>
   </p:cSld>
@@ -9116,7 +9071,7 @@
           <a:p>
             <a:r>
               <a:rPr lang="en-US" dirty="0" smtClean="0"/>
-              <a:t>Multiprocessing</a:t>
+              <a:t>Low Performance Impact</a:t>
             </a:r>
             <a:endParaRPr lang="en-US" dirty="0"/>
           </a:p>
@@ -9137,23 +9092,7 @@
           <a:bodyPr/>
           <a:lstStyle/>
           <a:p>
-            <a:pPr marL="342900" marR="0" lvl="0" indent="-342900" algn="l" defTabSz="914400" rtl="0" eaLnBrk="1" fontAlgn="auto" latinLnBrk="0" hangingPunct="1">
-              <a:lnSpc>
-                <a:spcPct val="100000"/>
-              </a:lnSpc>
-              <a:spcBef>
-                <a:spcPct val="20000"/>
-              </a:spcBef>
-              <a:spcAft>
-                <a:spcPts val="0"/>
-              </a:spcAft>
-              <a:buClrTx/>
-              <a:buSzTx/>
-              <a:buFont typeface="Arial" panose="020B0604020202020204" pitchFamily="34" charset="0"/>
-              <a:buChar char="•"/>
-              <a:tabLst/>
-              <a:defRPr/>
-            </a:pPr>
+            <a:pPr lvl="0"/>
             <a:r>
               <a:rPr lang="en-US" sz="3200" kern="1200" dirty="0" smtClean="0">
                 <a:solidFill>
@@ -9164,7 +9103,109 @@
                 <a:ea typeface="+mn-ea"/>
                 <a:cs typeface="+mn-cs"/>
               </a:rPr>
-              <a:t>multiprocessor-safe, or at least thread-safe, would be good</a:t>
+              <a:t>Low impact on performance without editing the source code</a:t>
+            </a:r>
+          </a:p>
+          <a:p>
+            <a:pPr lvl="1"/>
+            <a:r>
+              <a:rPr lang="en-US" sz="2800" kern="1200" dirty="0" smtClean="0">
+                <a:solidFill>
+                  <a:schemeClr val="tx1"/>
+                </a:solidFill>
+                <a:effectLst/>
+                <a:latin typeface="+mn-lt"/>
+                <a:ea typeface="+mn-ea"/>
+                <a:cs typeface="+mn-cs"/>
+              </a:rPr>
+              <a:t>Environ </a:t>
+            </a:r>
+            <a:r>
+              <a:rPr lang="en-US" sz="2800" kern="1200" dirty="0" err="1" smtClean="0">
+                <a:solidFill>
+                  <a:schemeClr val="tx1"/>
+                </a:solidFill>
+                <a:effectLst/>
+                <a:latin typeface="+mn-lt"/>
+                <a:ea typeface="+mn-ea"/>
+                <a:cs typeface="+mn-cs"/>
+              </a:rPr>
+              <a:t>var</a:t>
+            </a:r>
+            <a:r>
+              <a:rPr lang="en-US" sz="2800" kern="1200" dirty="0" smtClean="0">
+                <a:solidFill>
+                  <a:schemeClr val="tx1"/>
+                </a:solidFill>
+                <a:effectLst/>
+                <a:latin typeface="+mn-lt"/>
+                <a:ea typeface="+mn-ea"/>
+                <a:cs typeface="+mn-cs"/>
+              </a:rPr>
+              <a:t> eliminates most of it</a:t>
+            </a:r>
+          </a:p>
+          <a:p>
+            <a:pPr lvl="1"/>
+            <a:r>
+              <a:rPr lang="en-US" sz="2800" kern="1200" dirty="0" smtClean="0">
+                <a:solidFill>
+                  <a:schemeClr val="tx1"/>
+                </a:solidFill>
+                <a:effectLst/>
+                <a:latin typeface="+mn-lt"/>
+                <a:ea typeface="+mn-ea"/>
+                <a:cs typeface="+mn-cs"/>
+              </a:rPr>
+              <a:t>Yes, but requires running from </a:t>
+            </a:r>
+            <a:r>
+              <a:rPr lang="en-US" sz="2800" kern="1200" dirty="0" err="1" smtClean="0">
+                <a:solidFill>
+                  <a:schemeClr val="tx1"/>
+                </a:solidFill>
+                <a:effectLst/>
+                <a:latin typeface="+mn-lt"/>
+                <a:ea typeface="+mn-ea"/>
+                <a:cs typeface="+mn-cs"/>
+              </a:rPr>
+              <a:t>py</a:t>
+            </a:r>
+            <a:r>
+              <a:rPr lang="en-US" sz="2800" kern="1200" dirty="0" smtClean="0">
+                <a:solidFill>
+                  <a:schemeClr val="tx1"/>
+                </a:solidFill>
+                <a:effectLst/>
+                <a:latin typeface="+mn-lt"/>
+                <a:ea typeface="+mn-ea"/>
+                <a:cs typeface="+mn-cs"/>
+              </a:rPr>
+              <a:t> not </a:t>
+            </a:r>
+            <a:r>
+              <a:rPr lang="en-US" sz="2800" kern="1200" dirty="0" err="1" smtClean="0">
+                <a:solidFill>
+                  <a:schemeClr val="tx1"/>
+                </a:solidFill>
+                <a:effectLst/>
+                <a:latin typeface="+mn-lt"/>
+                <a:ea typeface="+mn-ea"/>
+                <a:cs typeface="+mn-cs"/>
+              </a:rPr>
+              <a:t>pyc</a:t>
+            </a:r>
+            <a:r>
+              <a:rPr lang="en-US" sz="2800" kern="1200" dirty="0" smtClean="0">
+                <a:solidFill>
+                  <a:schemeClr val="tx1"/>
+                </a:solidFill>
+                <a:effectLst/>
+                <a:latin typeface="+mn-lt"/>
+                <a:ea typeface="+mn-ea"/>
+                <a:cs typeface="+mn-cs"/>
+              </a:rPr>
+              <a:t> if you change it, not a high bar</a:t>
             </a:r>
           </a:p>
           <a:p>
@@ -9244,7 +9285,7 @@
     </p:spTree>
     <p:extLst>
       <p:ext uri="{BB962C8B-B14F-4D97-AF65-F5344CB8AC3E}">
-        <p14:creationId xmlns:p14="http://schemas.microsoft.com/office/powerpoint/2010/main" val="400251234"/>
+        <p14:creationId xmlns:p14="http://schemas.microsoft.com/office/powerpoint/2010/main" val="4110990006"/>
       </p:ext>
     </p:extLst>
   </p:cSld>
@@ -9286,10 +9327,6 @@
           <a:bodyPr/>
           <a:lstStyle/>
           <a:p>
-            <a:r>
-              <a:rPr lang="en-US" dirty="0" smtClean="0"/>
-              <a:t>Low Performance Impact</a:t>
-            </a:r>
             <a:endParaRPr lang="en-US" dirty="0"/>
           </a:p>
         </p:txBody>
@@ -9309,7 +9346,23 @@
           <a:bodyPr/>
           <a:lstStyle/>
           <a:p>
-            <a:pPr lvl="0"/>
+            <a:pPr marL="342900" marR="0" lvl="0" indent="-342900" algn="l" defTabSz="914400" rtl="0" eaLnBrk="1" fontAlgn="auto" latinLnBrk="0" hangingPunct="1">
+              <a:lnSpc>
+                <a:spcPct val="100000"/>
+              </a:lnSpc>
+              <a:spcBef>
+                <a:spcPct val="20000"/>
+              </a:spcBef>
+              <a:spcAft>
+                <a:spcPts val="0"/>
+              </a:spcAft>
+              <a:buClrTx/>
+              <a:buSzTx/>
+              <a:buFont typeface="Arial" panose="020B0604020202020204" pitchFamily="34" charset="0"/>
+              <a:buChar char="•"/>
+              <a:tabLst/>
+              <a:defRPr/>
+            </a:pPr>
             <a:r>
               <a:rPr lang="en-US" sz="3200" kern="1200" dirty="0" smtClean="0">
                 <a:solidFill>
@@ -9320,109 +9373,7 @@
                 <a:ea typeface="+mn-ea"/>
                 <a:cs typeface="+mn-cs"/>
               </a:rPr>
-              <a:t>Low impact on performance without editing the source code</a:t>
-            </a:r>
-          </a:p>
-          <a:p>
-            <a:pPr lvl="1"/>
-            <a:r>
-              <a:rPr lang="en-US" sz="2800" kern="1200" dirty="0" smtClean="0">
-                <a:solidFill>
-                  <a:schemeClr val="tx1"/>
-                </a:solidFill>
-                <a:effectLst/>
-                <a:latin typeface="+mn-lt"/>
-                <a:ea typeface="+mn-ea"/>
-                <a:cs typeface="+mn-cs"/>
-              </a:rPr>
-              <a:t>Environ </a:t>
-            </a:r>
-            <a:r>
-              <a:rPr lang="en-US" sz="2800" kern="1200" dirty="0" err="1" smtClean="0">
-                <a:solidFill>
-                  <a:schemeClr val="tx1"/>
-                </a:solidFill>
-                <a:effectLst/>
-                <a:latin typeface="+mn-lt"/>
-                <a:ea typeface="+mn-ea"/>
-                <a:cs typeface="+mn-cs"/>
-              </a:rPr>
-              <a:t>var</a:t>
-            </a:r>
-            <a:r>
-              <a:rPr lang="en-US" sz="2800" kern="1200" dirty="0" smtClean="0">
-                <a:solidFill>
-                  <a:schemeClr val="tx1"/>
-                </a:solidFill>
-                <a:effectLst/>
-                <a:latin typeface="+mn-lt"/>
-                <a:ea typeface="+mn-ea"/>
-                <a:cs typeface="+mn-cs"/>
-              </a:rPr>
-              <a:t> eliminates most of it</a:t>
-            </a:r>
-          </a:p>
-          <a:p>
-            <a:pPr lvl="1"/>
-            <a:r>
-              <a:rPr lang="en-US" sz="2800" kern="1200" dirty="0" smtClean="0">
-                <a:solidFill>
-                  <a:schemeClr val="tx1"/>
-                </a:solidFill>
-                <a:effectLst/>
-                <a:latin typeface="+mn-lt"/>
-                <a:ea typeface="+mn-ea"/>
-                <a:cs typeface="+mn-cs"/>
-              </a:rPr>
-              <a:t>Yes, but requires running from </a:t>
-            </a:r>
-            <a:r>
-              <a:rPr lang="en-US" sz="2800" kern="1200" dirty="0" err="1" smtClean="0">
-                <a:solidFill>
-                  <a:schemeClr val="tx1"/>
-                </a:solidFill>
-                <a:effectLst/>
-                <a:latin typeface="+mn-lt"/>
-                <a:ea typeface="+mn-ea"/>
-                <a:cs typeface="+mn-cs"/>
-              </a:rPr>
-              <a:t>py</a:t>
-            </a:r>
-            <a:r>
-              <a:rPr lang="en-US" sz="2800" kern="1200" dirty="0" smtClean="0">
-                <a:solidFill>
-                  <a:schemeClr val="tx1"/>
-                </a:solidFill>
-                <a:effectLst/>
-                <a:latin typeface="+mn-lt"/>
-                <a:ea typeface="+mn-ea"/>
-                <a:cs typeface="+mn-cs"/>
-              </a:rPr>
-              <a:t> not </a:t>
-            </a:r>
-            <a:r>
-              <a:rPr lang="en-US" sz="2800" kern="1200" dirty="0" err="1" smtClean="0">
-                <a:solidFill>
-                  <a:schemeClr val="tx1"/>
-                </a:solidFill>
-                <a:effectLst/>
-                <a:latin typeface="+mn-lt"/>
-                <a:ea typeface="+mn-ea"/>
-                <a:cs typeface="+mn-cs"/>
-              </a:rPr>
-              <a:t>pyc</a:t>
-            </a:r>
-            <a:r>
-              <a:rPr lang="en-US" sz="2800" kern="1200" dirty="0" smtClean="0">
-                <a:solidFill>
-                  <a:schemeClr val="tx1"/>
-                </a:solidFill>
-                <a:effectLst/>
-                <a:latin typeface="+mn-lt"/>
-                <a:ea typeface="+mn-ea"/>
-                <a:cs typeface="+mn-cs"/>
-              </a:rPr>
-              <a:t> if you change it, not a high bar</a:t>
+              <a:t>Filtering on priority, facility name makes listings short and to the point when needed</a:t>
             </a:r>
           </a:p>
           <a:p>
@@ -9502,7 +9453,7 @@
     </p:spTree>
     <p:extLst>
       <p:ext uri="{BB962C8B-B14F-4D97-AF65-F5344CB8AC3E}">
-        <p14:creationId xmlns:p14="http://schemas.microsoft.com/office/powerpoint/2010/main" val="4110990006"/>
+        <p14:creationId xmlns:p14="http://schemas.microsoft.com/office/powerpoint/2010/main" val="3342437731"/>
       </p:ext>
     </p:extLst>
   </p:cSld>
@@ -9577,8 +9528,10 @@
                 <a:ea typeface="+mn-ea"/>
                 <a:cs typeface="+mn-cs"/>
               </a:rPr>
-              <a:t>Main topic: offline </a:t>
-            </a:r>
+              <a:t>Main topic: offline debugging</a:t>
+            </a:r>
+          </a:p>
+          <a:p>
             <a:r>
               <a:rPr lang="en-US" sz="3200" kern="1200" dirty="0" smtClean="0">
                 <a:solidFill>
@@ -9589,33 +9542,7 @@
                 <a:ea typeface="+mn-ea"/>
                 <a:cs typeface="+mn-cs"/>
               </a:rPr>
-              <a:t>debugging</a:t>
-            </a:r>
-          </a:p>
-          <a:p>
-            <a:r>
-              <a:rPr lang="en-US" sz="3200" kern="1200" dirty="0" smtClean="0">
-                <a:solidFill>
-                  <a:schemeClr val="tx1"/>
-                </a:solidFill>
-                <a:effectLst/>
-                <a:latin typeface="+mn-lt"/>
-                <a:ea typeface="+mn-ea"/>
-                <a:cs typeface="+mn-cs"/>
-              </a:rPr>
-              <a:t>A couple stylistic </a:t>
-            </a:r>
-            <a:r>
-              <a:rPr lang="en-US" sz="3200" kern="1200" dirty="0" smtClean="0">
-                <a:solidFill>
-                  <a:schemeClr val="tx1"/>
-                </a:solidFill>
-                <a:effectLst/>
-                <a:latin typeface="+mn-lt"/>
-                <a:ea typeface="+mn-ea"/>
-                <a:cs typeface="+mn-cs"/>
-              </a:rPr>
-              <a:t>suggestions along the</a:t>
+              <a:t>A couple stylistic suggestions along the</a:t>
             </a:r>
             <a:r>
               <a:rPr lang="en-US" sz="3200" kern="1200" baseline="0" dirty="0" smtClean="0">
@@ -9784,23 +9711,6 @@
           <a:bodyPr/>
           <a:lstStyle/>
           <a:p>
-            <a:pPr marL="342900" marR="0" lvl="0" indent="-342900" algn="l" defTabSz="914400" rtl="0" eaLnBrk="1" fontAlgn="auto" latinLnBrk="0" hangingPunct="1">
-              <a:lnSpc>
-                <a:spcPct val="100000"/>
-              </a:lnSpc>
-              <a:spcBef>
-                <a:spcPct val="20000"/>
-              </a:spcBef>
-              <a:spcAft>
-                <a:spcPts val="0"/>
-              </a:spcAft>
-              <a:buClrTx/>
-              <a:buSzTx/>
-              <a:buFont typeface="Arial" panose="020B0604020202020204" pitchFamily="34" charset="0"/>
-              <a:buChar char="•"/>
-              <a:tabLst/>
-              <a:defRPr/>
-            </a:pPr>
             <a:r>
               <a:rPr lang="en-US" sz="3200" kern="1200" dirty="0" smtClean="0">
                 <a:solidFill>
@@ -9811,7 +9721,35 @@
                 <a:ea typeface="+mn-ea"/>
                 <a:cs typeface="+mn-cs"/>
               </a:rPr>
-              <a:t>Filtering on priority, facility name makes listings short and to the point when needed</a:t>
+              <a:t>Tests can be done with log files suitably sanitized</a:t>
+            </a:r>
+          </a:p>
+          <a:p>
+            <a:r>
+              <a:rPr lang="en-US" sz="3200" kern="1200" dirty="0" smtClean="0">
+                <a:solidFill>
+                  <a:schemeClr val="tx1"/>
+                </a:solidFill>
+                <a:effectLst/>
+                <a:latin typeface="+mn-lt"/>
+                <a:ea typeface="+mn-ea"/>
+                <a:cs typeface="+mn-cs"/>
+              </a:rPr>
+              <a:t>Timestamps and other non-deterministic items</a:t>
+            </a:r>
+          </a:p>
+          <a:p>
+            <a:r>
+              <a:rPr lang="en-US" sz="3200" kern="1200" dirty="0" smtClean="0">
+                <a:solidFill>
+                  <a:schemeClr val="tx1"/>
+                </a:solidFill>
+                <a:effectLst/>
+                <a:latin typeface="+mn-lt"/>
+                <a:ea typeface="+mn-ea"/>
+                <a:cs typeface="+mn-cs"/>
+              </a:rPr>
+              <a:t>Possible with trace logs in some cases</a:t>
             </a:r>
           </a:p>
           <a:p>
@@ -9891,7 +9829,7 @@
     </p:spTree>
     <p:extLst>
       <p:ext uri="{BB962C8B-B14F-4D97-AF65-F5344CB8AC3E}">
-        <p14:creationId xmlns:p14="http://schemas.microsoft.com/office/powerpoint/2010/main" val="3342437731"/>
+        <p14:creationId xmlns:p14="http://schemas.microsoft.com/office/powerpoint/2010/main" val="3691605327"/>
       </p:ext>
     </p:extLst>
   </p:cSld>
@@ -9933,6 +9871,10 @@
           <a:bodyPr/>
           <a:lstStyle/>
           <a:p>
+            <a:r>
+              <a:rPr lang="en-US" dirty="0" smtClean="0"/>
+              <a:t>Examples</a:t>
+            </a:r>
             <a:endParaRPr lang="en-US" dirty="0"/>
           </a:p>
         </p:txBody>
@@ -9953,48 +9895,21 @@
           <a:lstStyle/>
           <a:p>
             <a:r>
-              <a:rPr lang="en-US" sz="3200" kern="1200" dirty="0" smtClean="0">
-                <a:solidFill>
-                  <a:schemeClr val="tx1"/>
-                </a:solidFill>
-                <a:effectLst/>
-                <a:latin typeface="+mn-lt"/>
-                <a:ea typeface="+mn-ea"/>
-                <a:cs typeface="+mn-cs"/>
-              </a:rPr>
-              <a:t>Tests can be done with log files suitably sanitized</a:t>
-            </a:r>
-          </a:p>
-          <a:p>
-            <a:r>
-              <a:rPr lang="en-US" sz="3200" kern="1200" dirty="0" smtClean="0">
-                <a:solidFill>
-                  <a:schemeClr val="tx1"/>
-                </a:solidFill>
-                <a:effectLst/>
-                <a:latin typeface="+mn-lt"/>
-                <a:ea typeface="+mn-ea"/>
-                <a:cs typeface="+mn-cs"/>
-              </a:rPr>
-              <a:t>Timestamps and other non-deterministic items</a:t>
-            </a:r>
-          </a:p>
-          <a:p>
-            <a:r>
-              <a:rPr lang="en-US" sz="3200" kern="1200" dirty="0" smtClean="0">
-                <a:solidFill>
-                  <a:schemeClr val="tx1"/>
-                </a:solidFill>
-                <a:effectLst/>
-                <a:latin typeface="+mn-lt"/>
-                <a:ea typeface="+mn-ea"/>
-                <a:cs typeface="+mn-cs"/>
-              </a:rPr>
-              <a:t>Possible with trace logs in some cases</a:t>
-            </a:r>
-          </a:p>
-          <a:p>
-            <a:endParaRPr lang="en-US" dirty="0"/>
+              <a:rPr lang="en-US" dirty="0" smtClean="0"/>
+              <a:t>code in</a:t>
+            </a:r>
+            <a:endParaRPr lang="en-US" dirty="0"/>
+          </a:p>
+          <a:p>
+            <a:r>
+              <a:rPr lang="en-US" dirty="0" smtClean="0"/>
+              <a:t>trace</a:t>
+            </a:r>
+            <a:r>
+              <a:rPr lang="en-US" baseline="0" dirty="0" smtClean="0"/>
+              <a:t> lines out</a:t>
+            </a:r>
+            <a:endParaRPr lang="en-US" dirty="0" smtClean="0"/>
           </a:p>
         </p:txBody>
       </p:sp>
@@ -10070,7 +9985,7 @@
     </p:spTree>
     <p:extLst>
       <p:ext uri="{BB962C8B-B14F-4D97-AF65-F5344CB8AC3E}">
-        <p14:creationId xmlns:p14="http://schemas.microsoft.com/office/powerpoint/2010/main" val="3691605327"/>
+        <p14:creationId xmlns:p14="http://schemas.microsoft.com/office/powerpoint/2010/main" val="180966133"/>
       </p:ext>
     </p:extLst>
   </p:cSld>
@@ -10112,10 +10027,6 @@
           <a:bodyPr/>
           <a:lstStyle/>
           <a:p>
-            <a:r>
-              <a:rPr lang="en-US" dirty="0" smtClean="0"/>
-              <a:t>Examples</a:t>
-            </a:r>
             <a:endParaRPr lang="en-US" dirty="0"/>
           </a:p>
         </p:txBody>
@@ -10135,22 +10046,7 @@
           <a:bodyPr/>
           <a:lstStyle/>
           <a:p>
-            <a:r>
-              <a:rPr lang="en-US" dirty="0" smtClean="0"/>
-              <a:t>code in</a:t>
-            </a:r>
-            <a:endParaRPr lang="en-US" dirty="0"/>
-          </a:p>
-          <a:p>
-            <a:r>
-              <a:rPr lang="en-US" dirty="0" smtClean="0"/>
-              <a:t>trace</a:t>
-            </a:r>
-            <a:r>
-              <a:rPr lang="en-US" baseline="0" dirty="0" smtClean="0"/>
-              <a:t> lines out</a:t>
-            </a:r>
-            <a:endParaRPr lang="en-US" dirty="0" smtClean="0"/>
+            <a:endParaRPr lang="en-US"/>
           </a:p>
         </p:txBody>
       </p:sp>
@@ -10226,7 +10122,7 @@
     </p:spTree>
     <p:extLst>
       <p:ext uri="{BB962C8B-B14F-4D97-AF65-F5344CB8AC3E}">
-        <p14:creationId xmlns:p14="http://schemas.microsoft.com/office/powerpoint/2010/main" val="180966133"/>
+        <p14:creationId xmlns:p14="http://schemas.microsoft.com/office/powerpoint/2010/main" val="2544380923"/>
       </p:ext>
     </p:extLst>
   </p:cSld>
@@ -10363,7 +10259,7 @@
     </p:spTree>
     <p:extLst>
       <p:ext uri="{BB962C8B-B14F-4D97-AF65-F5344CB8AC3E}">
-        <p14:creationId xmlns:p14="http://schemas.microsoft.com/office/powerpoint/2010/main" val="2544380923"/>
+        <p14:creationId xmlns:p14="http://schemas.microsoft.com/office/powerpoint/2010/main" val="1969869318"/>
       </p:ext>
     </p:extLst>
   </p:cSld>
@@ -10500,7 +10396,7 @@
     </p:spTree>
     <p:extLst>
       <p:ext uri="{BB962C8B-B14F-4D97-AF65-F5344CB8AC3E}">
-        <p14:creationId xmlns:p14="http://schemas.microsoft.com/office/powerpoint/2010/main" val="1969869318"/>
+        <p14:creationId xmlns:p14="http://schemas.microsoft.com/office/powerpoint/2010/main" val="2555888453"/>
       </p:ext>
     </p:extLst>
   </p:cSld>
@@ -10637,7 +10533,7 @@
     </p:spTree>
     <p:extLst>
       <p:ext uri="{BB962C8B-B14F-4D97-AF65-F5344CB8AC3E}">
-        <p14:creationId xmlns:p14="http://schemas.microsoft.com/office/powerpoint/2010/main" val="2555888453"/>
+        <p14:creationId xmlns:p14="http://schemas.microsoft.com/office/powerpoint/2010/main" val="2188736830"/>
       </p:ext>
     </p:extLst>
   </p:cSld>
@@ -10679,6 +10575,10 @@
           <a:bodyPr/>
           <a:lstStyle/>
           <a:p>
+            <a:r>
+              <a:rPr lang="en-US" dirty="0" smtClean="0"/>
+              <a:t>Other Random Weirdness</a:t>
+            </a:r>
             <a:endParaRPr lang="en-US" dirty="0"/>
           </a:p>
         </p:txBody>
@@ -10698,7 +10598,49 @@
           <a:bodyPr/>
           <a:lstStyle/>
           <a:p>
-            <a:endParaRPr lang="en-US"/>
+            <a:r>
+              <a:rPr lang="en-US" sz="3200" kern="1200" dirty="0" smtClean="0">
+                <a:solidFill>
+                  <a:schemeClr val="tx1"/>
+                </a:solidFill>
+                <a:effectLst/>
+                <a:latin typeface="+mn-lt"/>
+                <a:ea typeface="+mn-ea"/>
+                <a:cs typeface="+mn-cs"/>
+              </a:rPr>
+              <a:t>Minimize opportunities for syntax errors</a:t>
+            </a:r>
+          </a:p>
+          <a:p>
+            <a:r>
+              <a:rPr lang="en-US" sz="3200" kern="1200" dirty="0" smtClean="0">
+                <a:solidFill>
+                  <a:schemeClr val="tx1"/>
+                </a:solidFill>
+                <a:effectLst/>
+                <a:latin typeface="+mn-lt"/>
+                <a:ea typeface="+mn-ea"/>
+                <a:cs typeface="+mn-cs"/>
+              </a:rPr>
+              <a:t>Commas at beginning of lines in argument lists</a:t>
+            </a:r>
+          </a:p>
+          <a:p>
+            <a:r>
+              <a:rPr lang="en-US" sz="3200" kern="1200" dirty="0" smtClean="0">
+                <a:solidFill>
+                  <a:schemeClr val="tx1"/>
+                </a:solidFill>
+                <a:effectLst/>
+                <a:latin typeface="+mn-lt"/>
+                <a:ea typeface="+mn-ea"/>
+                <a:cs typeface="+mn-cs"/>
+              </a:rPr>
+              <a:t>Consistent tabs and spacing, just as PEP-8 says</a:t>
+            </a:r>
+          </a:p>
+          <a:p>
+            <a:endParaRPr lang="en-US" dirty="0" smtClean="0"/>
           </a:p>
         </p:txBody>
       </p:sp>
@@ -10774,7 +10716,7 @@
     </p:spTree>
     <p:extLst>
       <p:ext uri="{BB962C8B-B14F-4D97-AF65-F5344CB8AC3E}">
-        <p14:creationId xmlns:p14="http://schemas.microsoft.com/office/powerpoint/2010/main" val="2188736830"/>
+        <p14:creationId xmlns:p14="http://schemas.microsoft.com/office/powerpoint/2010/main" val="630806096"/>
       </p:ext>
     </p:extLst>
   </p:cSld>
@@ -10816,10 +10758,6 @@
           <a:bodyPr/>
           <a:lstStyle/>
           <a:p>
-            <a:r>
-              <a:rPr lang="en-US" dirty="0" smtClean="0"/>
-              <a:t>Other Random Weirdness</a:t>
-            </a:r>
             <a:endParaRPr lang="en-US" dirty="0"/>
           </a:p>
         </p:txBody>
@@ -10839,49 +10777,7 @@
           <a:bodyPr/>
           <a:lstStyle/>
           <a:p>
-            <a:r>
-              <a:rPr lang="en-US" sz="3200" kern="1200" dirty="0" smtClean="0">
-                <a:solidFill>
-                  <a:schemeClr val="tx1"/>
-                </a:solidFill>
-                <a:effectLst/>
-                <a:latin typeface="+mn-lt"/>
-                <a:ea typeface="+mn-ea"/>
-                <a:cs typeface="+mn-cs"/>
-              </a:rPr>
-              <a:t>Minimize opportunities for syntax errors</a:t>
-            </a:r>
-          </a:p>
-          <a:p>
-            <a:r>
-              <a:rPr lang="en-US" sz="3200" kern="1200" dirty="0" smtClean="0">
-                <a:solidFill>
-                  <a:schemeClr val="tx1"/>
-                </a:solidFill>
-                <a:effectLst/>
-                <a:latin typeface="+mn-lt"/>
-                <a:ea typeface="+mn-ea"/>
-                <a:cs typeface="+mn-cs"/>
-              </a:rPr>
-              <a:t>Commas at beginning of lines in argument lists</a:t>
-            </a:r>
-          </a:p>
-          <a:p>
-            <a:r>
-              <a:rPr lang="en-US" sz="3200" kern="1200" dirty="0" smtClean="0">
-                <a:solidFill>
-                  <a:schemeClr val="tx1"/>
-                </a:solidFill>
-                <a:effectLst/>
-                <a:latin typeface="+mn-lt"/>
-                <a:ea typeface="+mn-ea"/>
-                <a:cs typeface="+mn-cs"/>
-              </a:rPr>
-              <a:t>Consistent tabs and spacing, just as PEP-8 says</a:t>
-            </a:r>
-          </a:p>
-          <a:p>
-            <a:endParaRPr lang="en-US" dirty="0" smtClean="0"/>
+            <a:endParaRPr lang="en-US"/>
           </a:p>
         </p:txBody>
       </p:sp>
@@ -10957,7 +10853,7 @@
     </p:spTree>
     <p:extLst>
       <p:ext uri="{BB962C8B-B14F-4D97-AF65-F5344CB8AC3E}">
-        <p14:creationId xmlns:p14="http://schemas.microsoft.com/office/powerpoint/2010/main" val="630806096"/>
+        <p14:creationId xmlns:p14="http://schemas.microsoft.com/office/powerpoint/2010/main" val="2919167354"/>
       </p:ext>
     </p:extLst>
   </p:cSld>
@@ -11094,7 +10990,7 @@
     </p:spTree>
     <p:extLst>
       <p:ext uri="{BB962C8B-B14F-4D97-AF65-F5344CB8AC3E}">
-        <p14:creationId xmlns:p14="http://schemas.microsoft.com/office/powerpoint/2010/main" val="2919167354"/>
+        <p14:creationId xmlns:p14="http://schemas.microsoft.com/office/powerpoint/2010/main" val="3859691682"/>
       </p:ext>
     </p:extLst>
   </p:cSld>
@@ -11231,7 +11127,7 @@
     </p:spTree>
     <p:extLst>
       <p:ext uri="{BB962C8B-B14F-4D97-AF65-F5344CB8AC3E}">
-        <p14:creationId xmlns:p14="http://schemas.microsoft.com/office/powerpoint/2010/main" val="3859691682"/>
+        <p14:creationId xmlns:p14="http://schemas.microsoft.com/office/powerpoint/2010/main" val="873137246"/>
       </p:ext>
     </p:extLst>
   </p:cSld>
@@ -11516,7 +11412,7 @@
     </p:spTree>
     <p:extLst>
       <p:ext uri="{BB962C8B-B14F-4D97-AF65-F5344CB8AC3E}">
-        <p14:creationId xmlns:p14="http://schemas.microsoft.com/office/powerpoint/2010/main" val="873137246"/>
+        <p14:creationId xmlns:p14="http://schemas.microsoft.com/office/powerpoint/2010/main" val="2769191853"/>
       </p:ext>
     </p:extLst>
   </p:cSld>
@@ -11645,143 +11541,6 @@
             <a:fld id="{4E5DAAAA-9FFA-4439-92E3-68E3EA8B0D1F}" type="slidenum">
               <a:rPr lang="en-US" smtClean="0"/>
               <a:t>41</a:t>
-            </a:fld>
-            <a:endParaRPr lang="en-US" dirty="0"/>
-          </a:p>
-        </p:txBody>
-      </p:sp>
-    </p:spTree>
-    <p:extLst>
-      <p:ext uri="{BB962C8B-B14F-4D97-AF65-F5344CB8AC3E}">
-        <p14:creationId xmlns:p14="http://schemas.microsoft.com/office/powerpoint/2010/main" val="2769191853"/>
-      </p:ext>
-    </p:extLst>
-  </p:cSld>
-  <p:clrMapOvr>
-    <a:masterClrMapping/>
-  </p:clrMapOvr>
-</p:sld>
-</file>
-
-<file path=ppt/slides/slide42.xml><?xml version="1.0" encoding="utf-8"?>
-<p:sld xmlns:a="http://schemas.openxmlformats.org/drawingml/2006/main" xmlns:r="http://schemas.openxmlformats.org/officeDocument/2006/relationships" xmlns:p="http://schemas.openxmlformats.org/presentationml/2006/main">
-  <p:cSld>
-    <p:spTree>
-      <p:nvGrpSpPr>
-        <p:cNvPr id="1" name=""/>
-        <p:cNvGrpSpPr/>
-        <p:nvPr/>
-      </p:nvGrpSpPr>
-      <p:grpSpPr>
-        <a:xfrm>
-          <a:off x="0" y="0"/>
-          <a:ext cx="0" cy="0"/>
-          <a:chOff x="0" y="0"/>
-          <a:chExt cx="0" cy="0"/>
-        </a:xfrm>
-      </p:grpSpPr>
-      <p:sp>
-        <p:nvSpPr>
-          <p:cNvPr id="2" name="Title 1"/>
-          <p:cNvSpPr>
-            <a:spLocks noGrp="1"/>
-          </p:cNvSpPr>
-          <p:nvPr>
-            <p:ph type="title"/>
-          </p:nvPr>
-        </p:nvSpPr>
-        <p:spPr/>
-        <p:txBody>
-          <a:bodyPr/>
-          <a:lstStyle/>
-          <a:p>
-            <a:endParaRPr lang="en-US" dirty="0"/>
-          </a:p>
-        </p:txBody>
-      </p:sp>
-      <p:sp>
-        <p:nvSpPr>
-          <p:cNvPr id="3" name="Content Placeholder 2"/>
-          <p:cNvSpPr>
-            <a:spLocks noGrp="1"/>
-          </p:cNvSpPr>
-          <p:nvPr>
-            <p:ph idx="1"/>
-          </p:nvPr>
-        </p:nvSpPr>
-        <p:spPr/>
-        <p:txBody>
-          <a:bodyPr/>
-          <a:lstStyle/>
-          <a:p>
-            <a:endParaRPr lang="en-US"/>
-          </a:p>
-        </p:txBody>
-      </p:sp>
-      <p:sp>
-        <p:nvSpPr>
-          <p:cNvPr id="4" name="Date Placeholder 3"/>
-          <p:cNvSpPr>
-            <a:spLocks noGrp="1"/>
-          </p:cNvSpPr>
-          <p:nvPr>
-            <p:ph type="dt" sz="half" idx="10"/>
-          </p:nvPr>
-        </p:nvSpPr>
-        <p:spPr/>
-        <p:txBody>
-          <a:bodyPr/>
-          <a:lstStyle/>
-          <a:p>
-            <a:r>
-              <a:rPr lang="en-US" smtClean="0"/>
-              <a:t>2021-01-01</a:t>
-            </a:r>
-            <a:endParaRPr lang="en-US"/>
-          </a:p>
-        </p:txBody>
-      </p:sp>
-      <p:sp>
-        <p:nvSpPr>
-          <p:cNvPr id="5" name="Footer Placeholder 4"/>
-          <p:cNvSpPr>
-            <a:spLocks noGrp="1"/>
-          </p:cNvSpPr>
-          <p:nvPr>
-            <p:ph type="ftr" sz="quarter" idx="11"/>
-          </p:nvPr>
-        </p:nvSpPr>
-        <p:spPr/>
-        <p:txBody>
-          <a:bodyPr/>
-          <a:lstStyle/>
-          <a:p>
-            <a:r>
-              <a:rPr lang="en-US" smtClean="0"/>
-              <a:t>RBL - Boston Python</a:t>
-            </a:r>
-            <a:endParaRPr lang="en-US" dirty="0"/>
-          </a:p>
-        </p:txBody>
-      </p:sp>
-      <p:sp>
-        <p:nvSpPr>
-          <p:cNvPr id="6" name="Slide Number Placeholder 5"/>
-          <p:cNvSpPr>
-            <a:spLocks noGrp="1"/>
-          </p:cNvSpPr>
-          <p:nvPr>
-            <p:ph type="sldNum" sz="quarter" idx="12"/>
-          </p:nvPr>
-        </p:nvSpPr>
-        <p:spPr/>
-        <p:txBody>
-          <a:bodyPr/>
-          <a:lstStyle/>
-          <a:p>
-            <a:fld id="{4E5DAAAA-9FFA-4439-92E3-68E3EA8B0D1F}" type="slidenum">
-              <a:rPr lang="en-US" smtClean="0"/>
-              <a:t>42</a:t>
             </a:fld>
             <a:endParaRPr lang="en-US" dirty="0"/>
           </a:p>
@@ -11956,19 +11715,7 @@
                 <a:ea typeface="+mn-ea"/>
                 <a:cs typeface="+mn-cs"/>
               </a:rPr>
-              <a:t> is just a personal </a:t>
-            </a:r>
-            <a:r>
-              <a:rPr lang="en-US" sz="3200" kern="1200" dirty="0" smtClean="0">
-                <a:solidFill>
-                  <a:schemeClr val="tx1"/>
-                </a:solidFill>
-                <a:effectLst/>
-                <a:latin typeface="+mn-lt"/>
-                <a:ea typeface="+mn-ea"/>
-                <a:cs typeface="+mn-cs"/>
-              </a:rPr>
-              <a:t>preference</a:t>
+              <a:t> is just a personal preference</a:t>
             </a:r>
           </a:p>
           <a:p>
@@ -11983,19 +11730,7 @@
                 <a:ea typeface="+mn-ea"/>
                 <a:cs typeface="+mn-cs"/>
               </a:rPr>
-              <a:t>Datatype </a:t>
-            </a:r>
-            <a:r>
-              <a:rPr lang="en-US" sz="2800" kern="1200" dirty="0" smtClean="0">
-                <a:solidFill>
-                  <a:schemeClr val="tx1"/>
-                </a:solidFill>
-                <a:effectLst/>
-                <a:latin typeface="+mn-lt"/>
-                <a:ea typeface="+mn-ea"/>
-                <a:cs typeface="+mn-cs"/>
-              </a:rPr>
-              <a:t>at the beginning of the name of data (or a function) is useful</a:t>
+              <a:t>Datatype at the beginning of the name of data (or a function) is useful</a:t>
             </a:r>
           </a:p>
         </p:txBody>
@@ -12410,19 +12145,7 @@
                 <a:ea typeface="+mn-ea"/>
                 <a:cs typeface="+mn-cs"/>
               </a:rPr>
-              <a:t>My last project had only &lt;10 major classes but 10-50,000 instances of some </a:t>
-            </a:r>
-            <a:r>
-              <a:rPr lang="en-US" sz="3200" kern="1200" dirty="0" smtClean="0">
-                <a:solidFill>
-                  <a:schemeClr val="tx1"/>
-                </a:solidFill>
-                <a:effectLst/>
-                <a:latin typeface="+mn-lt"/>
-                <a:ea typeface="+mn-ea"/>
-                <a:cs typeface="+mn-cs"/>
-              </a:rPr>
-              <a:t>classes</a:t>
+              <a:t>My last project had only &lt;10 major classes but 10-50,000 instances of some classes</a:t>
             </a:r>
           </a:p>
           <a:p>
@@ -12669,19 +12392,7 @@
                 <a:ea typeface="+mn-ea"/>
                 <a:cs typeface="+mn-cs"/>
               </a:rPr>
-              <a:t>Use </a:t>
-            </a:r>
-            <a:r>
-              <a:rPr lang="en-US" sz="3200" kern="1200" dirty="0" smtClean="0">
-                <a:solidFill>
-                  <a:schemeClr val="tx1"/>
-                </a:solidFill>
-                <a:effectLst/>
-                <a:latin typeface="+mn-lt"/>
-                <a:ea typeface="+mn-ea"/>
-                <a:cs typeface="+mn-cs"/>
-              </a:rPr>
-              <a:t>dictionaries to map from class and ID to instance pointers</a:t>
+              <a:t>Use dictionaries to map from class and ID to instance pointers</a:t>
             </a:r>
           </a:p>
           <a:p>
@@ -12949,7 +12660,7 @@
     </p:spTree>
     <p:extLst>
       <p:ext uri="{BB962C8B-B14F-4D97-AF65-F5344CB8AC3E}">
-        <p14:creationId xmlns:p14="http://schemas.microsoft.com/office/powerpoint/2010/main" val="571826384"/>
+        <p14:creationId xmlns:p14="http://schemas.microsoft.com/office/powerpoint/2010/main" val="1054635850"/>
       </p:ext>
     </p:extLst>
   </p:cSld>

--- a/docs/OfflineDebugging/A Dinosaur and a Python 02.pptx
+++ b/docs/OfflineDebugging/A Dinosaur and a Python 02.pptx
@@ -5,50 +5,63 @@
     <p:sldMasterId id="2147483648" r:id="rId1"/>
   </p:sldMasterIdLst>
   <p:notesMasterIdLst>
-    <p:notesMasterId r:id="rId43"/>
+    <p:notesMasterId r:id="rId56"/>
   </p:notesMasterIdLst>
   <p:sldIdLst>
     <p:sldId id="256" r:id="rId2"/>
     <p:sldId id="257" r:id="rId3"/>
     <p:sldId id="258" r:id="rId4"/>
-    <p:sldId id="259" r:id="rId5"/>
-    <p:sldId id="260" r:id="rId6"/>
-    <p:sldId id="298" r:id="rId7"/>
-    <p:sldId id="263" r:id="rId8"/>
-    <p:sldId id="299" r:id="rId9"/>
-    <p:sldId id="270" r:id="rId10"/>
-    <p:sldId id="264" r:id="rId11"/>
-    <p:sldId id="294" r:id="rId12"/>
-    <p:sldId id="293" r:id="rId13"/>
-    <p:sldId id="265" r:id="rId14"/>
-    <p:sldId id="295" r:id="rId15"/>
-    <p:sldId id="296" r:id="rId16"/>
-    <p:sldId id="297" r:id="rId17"/>
-    <p:sldId id="261" r:id="rId18"/>
-    <p:sldId id="292" r:id="rId19"/>
-    <p:sldId id="271" r:id="rId20"/>
-    <p:sldId id="272" r:id="rId21"/>
-    <p:sldId id="300" r:id="rId22"/>
-    <p:sldId id="273" r:id="rId23"/>
-    <p:sldId id="274" r:id="rId24"/>
-    <p:sldId id="301" r:id="rId25"/>
-    <p:sldId id="275" r:id="rId26"/>
-    <p:sldId id="291" r:id="rId27"/>
-    <p:sldId id="276" r:id="rId28"/>
+    <p:sldId id="260" r:id="rId5"/>
+    <p:sldId id="298" r:id="rId6"/>
+    <p:sldId id="263" r:id="rId7"/>
+    <p:sldId id="299" r:id="rId8"/>
+    <p:sldId id="264" r:id="rId9"/>
+    <p:sldId id="294" r:id="rId10"/>
+    <p:sldId id="293" r:id="rId11"/>
+    <p:sldId id="265" r:id="rId12"/>
+    <p:sldId id="295" r:id="rId13"/>
+    <p:sldId id="296" r:id="rId14"/>
+    <p:sldId id="297" r:id="rId15"/>
+    <p:sldId id="261" r:id="rId16"/>
+    <p:sldId id="292" r:id="rId17"/>
+    <p:sldId id="271" r:id="rId18"/>
+    <p:sldId id="317" r:id="rId19"/>
+    <p:sldId id="318" r:id="rId20"/>
+    <p:sldId id="319" r:id="rId21"/>
+    <p:sldId id="272" r:id="rId22"/>
+    <p:sldId id="300" r:id="rId23"/>
+    <p:sldId id="302" r:id="rId24"/>
+    <p:sldId id="274" r:id="rId25"/>
+    <p:sldId id="301" r:id="rId26"/>
+    <p:sldId id="275" r:id="rId27"/>
+    <p:sldId id="291" r:id="rId28"/>
     <p:sldId id="277" r:id="rId29"/>
-    <p:sldId id="278" r:id="rId30"/>
-    <p:sldId id="279" r:id="rId31"/>
-    <p:sldId id="280" r:id="rId32"/>
-    <p:sldId id="281" r:id="rId33"/>
-    <p:sldId id="282" r:id="rId34"/>
-    <p:sldId id="283" r:id="rId35"/>
-    <p:sldId id="284" r:id="rId36"/>
-    <p:sldId id="285" r:id="rId37"/>
-    <p:sldId id="286" r:id="rId38"/>
-    <p:sldId id="287" r:id="rId39"/>
-    <p:sldId id="288" r:id="rId40"/>
-    <p:sldId id="289" r:id="rId41"/>
-    <p:sldId id="290" r:id="rId42"/>
+    <p:sldId id="320" r:id="rId30"/>
+    <p:sldId id="321" r:id="rId31"/>
+    <p:sldId id="322" r:id="rId32"/>
+    <p:sldId id="330" r:id="rId33"/>
+    <p:sldId id="331" r:id="rId34"/>
+    <p:sldId id="323" r:id="rId35"/>
+    <p:sldId id="324" r:id="rId36"/>
+    <p:sldId id="325" r:id="rId37"/>
+    <p:sldId id="326" r:id="rId38"/>
+    <p:sldId id="327" r:id="rId39"/>
+    <p:sldId id="328" r:id="rId40"/>
+    <p:sldId id="329" r:id="rId41"/>
+    <p:sldId id="278" r:id="rId42"/>
+    <p:sldId id="279" r:id="rId43"/>
+    <p:sldId id="280" r:id="rId44"/>
+    <p:sldId id="276" r:id="rId45"/>
+    <p:sldId id="281" r:id="rId46"/>
+    <p:sldId id="282" r:id="rId47"/>
+    <p:sldId id="283" r:id="rId48"/>
+    <p:sldId id="284" r:id="rId49"/>
+    <p:sldId id="285" r:id="rId50"/>
+    <p:sldId id="286" r:id="rId51"/>
+    <p:sldId id="287" r:id="rId52"/>
+    <p:sldId id="288" r:id="rId53"/>
+    <p:sldId id="289" r:id="rId54"/>
+    <p:sldId id="290" r:id="rId55"/>
   </p:sldIdLst>
   <p:sldSz cx="9144000" cy="6858000" type="screen4x3"/>
   <p:notesSz cx="6858000" cy="9144000"/>
@@ -232,7 +245,7 @@
           <a:p>
             <a:fld id="{34DABC08-5500-4080-81A3-D11EBECCC5B6}" type="datetimeFigureOut">
               <a:rPr lang="en-US" smtClean="0"/>
-              <a:t>2021-01-11</a:t>
+              <a:t>2021-01-13</a:t>
             </a:fld>
             <a:endParaRPr lang="en-US"/>
           </a:p>
@@ -3976,7 +3989,11 @@
           <a:p>
             <a:r>
               <a:rPr lang="en-US" dirty="0" smtClean="0"/>
-              <a:t>Offline Debugging</a:t>
+              <a:t>Interactive</a:t>
+            </a:r>
+            <a:r>
+              <a:rPr lang="en-US" baseline="0" dirty="0" smtClean="0"/>
+              <a:t> Debugging</a:t>
             </a:r>
             <a:endParaRPr lang="en-US" dirty="0"/>
           </a:p>
@@ -3997,22 +4014,61 @@
           <a:bodyPr/>
           <a:lstStyle/>
           <a:p>
-            <a:pPr lvl="0"/>
+            <a:r>
+              <a:rPr lang="en-US" baseline="0" dirty="0" smtClean="0"/>
+              <a:t>Set some breakpoints, run, examine data</a:t>
+            </a:r>
+          </a:p>
+          <a:p>
+            <a:r>
+              <a:rPr lang="en-US" baseline="0" dirty="0" smtClean="0"/>
+              <a:t>Great for small-</a:t>
+            </a:r>
+            <a:r>
+              <a:rPr lang="en-US" baseline="0" dirty="0" err="1" smtClean="0"/>
+              <a:t>ish</a:t>
+            </a:r>
+            <a:r>
+              <a:rPr lang="en-US" baseline="0" dirty="0" smtClean="0"/>
+              <a:t> programs that can be run interactively</a:t>
+            </a:r>
+          </a:p>
+          <a:p>
+            <a:r>
+              <a:rPr lang="en-US" dirty="0" err="1" smtClean="0"/>
+              <a:t>pdb</a:t>
+            </a:r>
             <a:r>
               <a:rPr lang="en-US" dirty="0" smtClean="0"/>
-              <a:t>Make a record of what a program does</a:t>
-            </a:r>
-          </a:p>
-          <a:p>
-            <a:pPr lvl="0"/>
+              <a:t>,</a:t>
+            </a:r>
+            <a:r>
+              <a:rPr lang="en-US" baseline="0" dirty="0" smtClean="0"/>
+              <a:t> </a:t>
+            </a:r>
+            <a:r>
+              <a:rPr lang="en-US" baseline="0" dirty="0" err="1" smtClean="0"/>
+              <a:t>pudb</a:t>
+            </a:r>
+            <a:r>
+              <a:rPr lang="en-US" baseline="0" dirty="0" smtClean="0"/>
+              <a:t>,</a:t>
+            </a:r>
             <a:r>
               <a:rPr lang="en-US" dirty="0" smtClean="0"/>
-              <a:t>Not interactive</a:t>
+              <a:t> a dozen others,</a:t>
             </a:r>
             <a:r>
               <a:rPr lang="en-US" baseline="0" dirty="0" smtClean="0"/>
-              <a:t> debugging step by step</a:t>
-            </a:r>
+              <a:t> etc.</a:t>
+            </a:r>
+          </a:p>
+          <a:p>
+            <a:r>
+              <a:rPr lang="en-US" dirty="0" smtClean="0"/>
+              <a:t>Breakpoints, stepping, data examination</a:t>
+            </a:r>
+            <a:endParaRPr lang="en-US" dirty="0"/>
           </a:p>
         </p:txBody>
       </p:sp>
@@ -4088,7 +4144,7 @@
     </p:spTree>
     <p:extLst>
       <p:ext uri="{BB962C8B-B14F-4D97-AF65-F5344CB8AC3E}">
-        <p14:creationId xmlns:p14="http://schemas.microsoft.com/office/powerpoint/2010/main" val="3342569537"/>
+        <p14:creationId xmlns:p14="http://schemas.microsoft.com/office/powerpoint/2010/main" val="3934719971"/>
       </p:ext>
     </p:extLst>
   </p:cSld>
@@ -4132,21 +4188,16 @@
           </a:bodyPr>
           <a:lstStyle/>
           <a:p>
-            <a:pPr lvl="0"/>
             <a:r>
               <a:rPr lang="en-US" dirty="0" smtClean="0"/>
-              <a:t>New Program Doesn’t Do</a:t>
+              <a:t>Interactive Debugging </a:t>
             </a:r>
             <a:br>
               <a:rPr lang="en-US" dirty="0" smtClean="0"/>
             </a:br>
             <a:r>
               <a:rPr lang="en-US" dirty="0" smtClean="0"/>
-              <a:t>What</a:t>
-            </a:r>
-            <a:r>
-              <a:rPr lang="en-US" baseline="0" dirty="0" smtClean="0"/>
-              <a:t> You Want It To Do?</a:t>
+              <a:t>Might Not be Simple</a:t>
             </a:r>
             <a:endParaRPr lang="en-US" dirty="0"/>
           </a:p>
@@ -4164,24 +4215,117 @@
         </p:nvSpPr>
         <p:spPr/>
         <p:txBody>
-          <a:bodyPr/>
-          <a:lstStyle/>
-          <a:p>
-            <a:r>
-              <a:rPr lang="en-US" dirty="0" smtClean="0"/>
-              <a:t>Sprinkle a few print()</a:t>
-            </a:r>
-            <a:r>
-              <a:rPr lang="en-US" baseline="0" dirty="0" smtClean="0"/>
-              <a:t> statements in to print the data at key locations, and run it again</a:t>
-            </a:r>
-          </a:p>
-          <a:p>
-            <a:r>
-              <a:rPr lang="en-US" baseline="0" dirty="0" smtClean="0"/>
-              <a:t>Stare at the output, wonder why it did what it did, and why in that order</a:t>
-            </a:r>
-            <a:endParaRPr lang="en-US" dirty="0"/>
+          <a:bodyPr>
+            <a:normAutofit/>
+          </a:bodyPr>
+          <a:lstStyle/>
+          <a:p>
+            <a:pPr lvl="0"/>
+            <a:r>
+              <a:rPr lang="en-US" sz="3200" kern="1200" dirty="0" smtClean="0">
+                <a:solidFill>
+                  <a:schemeClr val="tx1"/>
+                </a:solidFill>
+                <a:effectLst/>
+                <a:latin typeface="+mn-lt"/>
+                <a:ea typeface="+mn-ea"/>
+                <a:cs typeface="+mn-cs"/>
+              </a:rPr>
+              <a:t>Interactive debugging might not be eas</a:t>
+            </a:r>
+            <a:r>
+              <a:rPr lang="en-US" sz="3200" kern="1200" baseline="0" dirty="0" smtClean="0">
+                <a:solidFill>
+                  <a:schemeClr val="tx1"/>
+                </a:solidFill>
+                <a:effectLst/>
+                <a:latin typeface="+mn-lt"/>
+                <a:ea typeface="+mn-ea"/>
+                <a:cs typeface="+mn-cs"/>
+              </a:rPr>
+              <a:t>y to use</a:t>
+            </a:r>
+            <a:endParaRPr lang="en-US" sz="3200" kern="1200" dirty="0" smtClean="0">
+              <a:solidFill>
+                <a:schemeClr val="tx1"/>
+              </a:solidFill>
+              <a:effectLst/>
+              <a:latin typeface="+mn-lt"/>
+              <a:ea typeface="+mn-ea"/>
+              <a:cs typeface="+mn-cs"/>
+            </a:endParaRPr>
+          </a:p>
+          <a:p>
+            <a:pPr lvl="1"/>
+            <a:r>
+              <a:rPr lang="en-US" sz="2800" kern="1200" dirty="0" smtClean="0">
+                <a:solidFill>
+                  <a:schemeClr val="tx1"/>
+                </a:solidFill>
+                <a:effectLst/>
+                <a:latin typeface="+mn-lt"/>
+                <a:ea typeface="+mn-ea"/>
+                <a:cs typeface="+mn-cs"/>
+              </a:rPr>
+              <a:t>Lengthy</a:t>
+            </a:r>
+            <a:r>
+              <a:rPr lang="en-US" sz="2800" kern="1200" baseline="0" dirty="0" smtClean="0">
+                <a:solidFill>
+                  <a:schemeClr val="tx1"/>
+                </a:solidFill>
+                <a:effectLst/>
+                <a:latin typeface="+mn-lt"/>
+                <a:ea typeface="+mn-ea"/>
+                <a:cs typeface="+mn-cs"/>
+              </a:rPr>
+              <a:t> or complex setup</a:t>
+            </a:r>
+          </a:p>
+          <a:p>
+            <a:pPr lvl="2"/>
+            <a:r>
+              <a:rPr lang="en-US" sz="2400" kern="1200" baseline="0" dirty="0" smtClean="0">
+                <a:solidFill>
+                  <a:schemeClr val="tx1"/>
+                </a:solidFill>
+                <a:effectLst/>
+                <a:latin typeface="+mn-lt"/>
+                <a:ea typeface="+mn-ea"/>
+                <a:cs typeface="+mn-cs"/>
+              </a:rPr>
+              <a:t>Requires more patience than I have</a:t>
+            </a:r>
+          </a:p>
+          <a:p>
+            <a:pPr lvl="1"/>
+            <a:r>
+              <a:rPr lang="en-US" sz="2800" kern="1200" baseline="0" dirty="0" smtClean="0">
+                <a:solidFill>
+                  <a:schemeClr val="tx1"/>
+                </a:solidFill>
+                <a:effectLst/>
+                <a:latin typeface="+mn-lt"/>
+                <a:ea typeface="+mn-ea"/>
+                <a:cs typeface="+mn-cs"/>
+              </a:rPr>
+              <a:t>Detached process with no UI access</a:t>
+            </a:r>
+          </a:p>
+          <a:p>
+            <a:pPr lvl="1"/>
+            <a:r>
+              <a:rPr lang="en-US" sz="2800" kern="1200" dirty="0" smtClean="0">
+                <a:solidFill>
+                  <a:schemeClr val="tx1"/>
+                </a:solidFill>
+                <a:effectLst/>
+                <a:latin typeface="+mn-lt"/>
+                <a:ea typeface="+mn-ea"/>
+                <a:cs typeface="+mn-cs"/>
+              </a:rPr>
+              <a:t>Part of a web service</a:t>
+            </a:r>
           </a:p>
         </p:txBody>
       </p:sp>
@@ -4257,7 +4401,7 @@
     </p:spTree>
     <p:extLst>
       <p:ext uri="{BB962C8B-B14F-4D97-AF65-F5344CB8AC3E}">
-        <p14:creationId xmlns:p14="http://schemas.microsoft.com/office/powerpoint/2010/main" val="507933991"/>
+        <p14:creationId xmlns:p14="http://schemas.microsoft.com/office/powerpoint/2010/main" val="1243722376"/>
       </p:ext>
     </p:extLst>
   </p:cSld>
@@ -4301,11 +4445,7 @@
           <a:p>
             <a:r>
               <a:rPr lang="en-US" dirty="0" smtClean="0"/>
-              <a:t>Interactive</a:t>
-            </a:r>
-            <a:r>
-              <a:rPr lang="en-US" baseline="0" dirty="0" smtClean="0"/>
-              <a:t> Debugging</a:t>
+              <a:t>Alternative</a:t>
             </a:r>
             <a:endParaRPr lang="en-US" dirty="0"/>
           </a:p>
@@ -4323,64 +4463,39 @@
         </p:nvSpPr>
         <p:spPr/>
         <p:txBody>
-          <a:bodyPr/>
-          <a:lstStyle/>
-          <a:p>
-            <a:r>
-              <a:rPr lang="en-US" baseline="0" dirty="0" smtClean="0"/>
-              <a:t>Set some breakpoints, run, examine data</a:t>
-            </a:r>
-          </a:p>
-          <a:p>
-            <a:r>
-              <a:rPr lang="en-US" baseline="0" dirty="0" smtClean="0"/>
-              <a:t>Great for small-</a:t>
-            </a:r>
-            <a:r>
-              <a:rPr lang="en-US" baseline="0" dirty="0" err="1" smtClean="0"/>
-              <a:t>ish</a:t>
-            </a:r>
-            <a:r>
-              <a:rPr lang="en-US" baseline="0" dirty="0" smtClean="0"/>
-              <a:t> programs that can be run interactively</a:t>
-            </a:r>
-          </a:p>
-          <a:p>
-            <a:r>
-              <a:rPr lang="en-US" dirty="0" err="1" smtClean="0"/>
-              <a:t>pdb</a:t>
-            </a:r>
-            <a:r>
-              <a:rPr lang="en-US" dirty="0" smtClean="0"/>
-              <a:t>,</a:t>
-            </a:r>
-            <a:r>
-              <a:rPr lang="en-US" baseline="0" dirty="0" smtClean="0"/>
-              <a:t> </a:t>
-            </a:r>
-            <a:r>
-              <a:rPr lang="en-US" baseline="0" dirty="0" err="1" smtClean="0"/>
-              <a:t>pudb</a:t>
-            </a:r>
-            <a:r>
-              <a:rPr lang="en-US" baseline="0" dirty="0" smtClean="0"/>
-              <a:t>,</a:t>
-            </a:r>
-            <a:r>
-              <a:rPr lang="en-US" dirty="0" smtClean="0"/>
-              <a:t> a dozen others,</a:t>
-            </a:r>
-            <a:r>
-              <a:rPr lang="en-US" baseline="0" dirty="0" smtClean="0"/>
-              <a:t> etc.</a:t>
-            </a:r>
-          </a:p>
-          <a:p>
-            <a:r>
-              <a:rPr lang="en-US" dirty="0" smtClean="0"/>
-              <a:t>Breakpoints, stepping, data examination</a:t>
-            </a:r>
-            <a:endParaRPr lang="en-US" dirty="0"/>
+          <a:bodyPr>
+            <a:normAutofit/>
+          </a:bodyPr>
+          <a:lstStyle/>
+          <a:p>
+            <a:pPr lvl="0"/>
+            <a:r>
+              <a:rPr lang="en-US" sz="3200" kern="1200" dirty="0" smtClean="0">
+                <a:solidFill>
+                  <a:schemeClr val="tx1"/>
+                </a:solidFill>
+                <a:effectLst/>
+                <a:latin typeface="+mn-lt"/>
+                <a:ea typeface="+mn-ea"/>
+                <a:cs typeface="+mn-cs"/>
+              </a:rPr>
+              <a:t>If you have an adequate method of tracing the flow and data of a program, reading a trace log might be easier and faster</a:t>
+            </a:r>
+          </a:p>
+          <a:p>
+            <a:pPr lvl="0"/>
+            <a:r>
+              <a:rPr lang="en-US" sz="3200" kern="1200" dirty="0" smtClean="0">
+                <a:solidFill>
+                  <a:schemeClr val="tx1"/>
+                </a:solidFill>
+                <a:effectLst/>
+                <a:latin typeface="+mn-lt"/>
+                <a:ea typeface="+mn-ea"/>
+                <a:cs typeface="+mn-cs"/>
+              </a:rPr>
+              <a:t>I can find a problem in a suitable trace log faster than I can setup breakpoints</a:t>
+            </a:r>
           </a:p>
         </p:txBody>
       </p:sp>
@@ -4456,7 +4571,7 @@
     </p:spTree>
     <p:extLst>
       <p:ext uri="{BB962C8B-B14F-4D97-AF65-F5344CB8AC3E}">
-        <p14:creationId xmlns:p14="http://schemas.microsoft.com/office/powerpoint/2010/main" val="3934719971"/>
+        <p14:creationId xmlns:p14="http://schemas.microsoft.com/office/powerpoint/2010/main" val="2887981812"/>
       </p:ext>
     </p:extLst>
   </p:cSld>
@@ -4495,21 +4610,12 @@
         </p:nvSpPr>
         <p:spPr/>
         <p:txBody>
-          <a:bodyPr>
-            <a:normAutofit fontScale="90000"/>
-          </a:bodyPr>
+          <a:bodyPr/>
           <a:lstStyle/>
           <a:p>
             <a:r>
               <a:rPr lang="en-US" dirty="0" smtClean="0"/>
-              <a:t>Interactive Debugging </a:t>
-            </a:r>
-            <a:br>
-              <a:rPr lang="en-US" dirty="0" smtClean="0"/>
-            </a:br>
-            <a:r>
-              <a:rPr lang="en-US" dirty="0" smtClean="0"/>
-              <a:t>Might Not be Simple</a:t>
+              <a:t>Python trace Module?</a:t>
             </a:r>
             <a:endParaRPr lang="en-US" dirty="0"/>
           </a:p>
@@ -4527,9 +4633,7 @@
         </p:nvSpPr>
         <p:spPr/>
         <p:txBody>
-          <a:bodyPr>
-            <a:normAutofit/>
-          </a:bodyPr>
+          <a:bodyPr/>
           <a:lstStyle/>
           <a:p>
             <a:pPr lvl="0"/>
@@ -4543,21 +4647,60 @@
                 <a:ea typeface="+mn-ea"/>
                 <a:cs typeface="+mn-cs"/>
               </a:rPr>
-              <a:t>Interactive debugging might not be eas</a:t>
-            </a:r>
-            <a:r>
-              <a:rPr lang="en-US" sz="3200" kern="1200" baseline="0" dirty="0" smtClean="0">
-                <a:solidFill>
-                  <a:schemeClr val="tx1"/>
-                </a:solidFill>
-                <a:effectLst/>
-                <a:latin typeface="+mn-lt"/>
-                <a:ea typeface="+mn-ea"/>
-                <a:cs typeface="+mn-cs"/>
-              </a:rPr>
-              <a:t>y to use</a:t>
-            </a:r>
-            <a:endParaRPr lang="en-US" sz="3200" kern="1200" dirty="0" smtClean="0">
+              <a:t>The standard Python trace module doesn't fit</a:t>
+            </a:r>
+          </a:p>
+          <a:p>
+            <a:pPr lvl="1"/>
+            <a:r>
+              <a:rPr lang="en-US" sz="2800" kern="1200" dirty="0" smtClean="0">
+                <a:solidFill>
+                  <a:schemeClr val="tx1"/>
+                </a:solidFill>
+                <a:effectLst/>
+                <a:latin typeface="+mn-lt"/>
+                <a:ea typeface="+mn-ea"/>
+                <a:cs typeface="+mn-cs"/>
+              </a:rPr>
+              <a:t>Tracks</a:t>
+            </a:r>
+            <a:r>
+              <a:rPr lang="en-US" sz="2800" kern="1200" baseline="0" dirty="0" smtClean="0">
+                <a:solidFill>
+                  <a:schemeClr val="tx1"/>
+                </a:solidFill>
+                <a:effectLst/>
+                <a:latin typeface="+mn-lt"/>
+                <a:ea typeface="+mn-ea"/>
+                <a:cs typeface="+mn-cs"/>
+              </a:rPr>
+              <a:t> </a:t>
+            </a:r>
+            <a:r>
+              <a:rPr lang="en-US" sz="2800" kern="1200" dirty="0" smtClean="0">
+                <a:solidFill>
+                  <a:schemeClr val="tx1"/>
+                </a:solidFill>
+                <a:effectLst/>
+                <a:latin typeface="+mn-lt"/>
+                <a:ea typeface="+mn-ea"/>
+                <a:cs typeface="+mn-cs"/>
+              </a:rPr>
+              <a:t>process, sequence of statements, not data</a:t>
+            </a:r>
+            <a:r>
+              <a:rPr lang="en-US" sz="2800" kern="1200" baseline="0" dirty="0" smtClean="0">
+                <a:solidFill>
+                  <a:schemeClr val="tx1"/>
+                </a:solidFill>
+                <a:effectLst/>
+                <a:latin typeface="+mn-lt"/>
+                <a:ea typeface="+mn-ea"/>
+                <a:cs typeface="+mn-cs"/>
+              </a:rPr>
+              <a:t> </a:t>
+            </a:r>
+            <a:endParaRPr lang="en-US" sz="2800" kern="1200" dirty="0" smtClean="0">
               <a:solidFill>
                 <a:schemeClr val="tx1"/>
               </a:solidFill>
@@ -4567,78 +4710,6 @@
               <a:cs typeface="+mn-cs"/>
             </a:endParaRPr>
           </a:p>
-          <a:p>
-            <a:pPr lvl="1"/>
-            <a:r>
-              <a:rPr lang="en-US" sz="2800" kern="1200" dirty="0" smtClean="0">
-                <a:solidFill>
-                  <a:schemeClr val="tx1"/>
-                </a:solidFill>
-                <a:effectLst/>
-                <a:latin typeface="+mn-lt"/>
-                <a:ea typeface="+mn-ea"/>
-                <a:cs typeface="+mn-cs"/>
-              </a:rPr>
-              <a:t>Lengthy</a:t>
-            </a:r>
-            <a:r>
-              <a:rPr lang="en-US" sz="2800" kern="1200" baseline="0" dirty="0" smtClean="0">
-                <a:solidFill>
-                  <a:schemeClr val="tx1"/>
-                </a:solidFill>
-                <a:effectLst/>
-                <a:latin typeface="+mn-lt"/>
-                <a:ea typeface="+mn-ea"/>
-                <a:cs typeface="+mn-cs"/>
-              </a:rPr>
-              <a:t> or complex setup</a:t>
-            </a:r>
-          </a:p>
-          <a:p>
-            <a:pPr lvl="2"/>
-            <a:r>
-              <a:rPr lang="en-US" sz="2400" kern="1200" baseline="0" dirty="0" smtClean="0">
-                <a:solidFill>
-                  <a:schemeClr val="tx1"/>
-                </a:solidFill>
-                <a:effectLst/>
-                <a:latin typeface="+mn-lt"/>
-                <a:ea typeface="+mn-ea"/>
-                <a:cs typeface="+mn-cs"/>
-              </a:rPr>
-              <a:t>Requires more patience than I have</a:t>
-            </a:r>
-          </a:p>
-          <a:p>
-            <a:pPr lvl="1"/>
-            <a:r>
-              <a:rPr lang="en-US" sz="2800" kern="1200" baseline="0" dirty="0" smtClean="0">
-                <a:solidFill>
-                  <a:schemeClr val="tx1"/>
-                </a:solidFill>
-                <a:effectLst/>
-                <a:latin typeface="+mn-lt"/>
-                <a:ea typeface="+mn-ea"/>
-                <a:cs typeface="+mn-cs"/>
-              </a:rPr>
-              <a:t>Detached process with no UI access</a:t>
-            </a:r>
-          </a:p>
-          <a:p>
-            <a:pPr lvl="1"/>
-            <a:r>
-              <a:rPr lang="en-US" sz="2800" kern="1200" dirty="0" smtClean="0">
-                <a:solidFill>
-                  <a:schemeClr val="tx1"/>
-                </a:solidFill>
-                <a:effectLst/>
-                <a:latin typeface="+mn-lt"/>
-                <a:ea typeface="+mn-ea"/>
-                <a:cs typeface="+mn-cs"/>
-              </a:rPr>
-              <a:t>Part of a web service</a:t>
-            </a:r>
-          </a:p>
         </p:txBody>
       </p:sp>
       <p:sp>
@@ -4713,7 +4784,7 @@
     </p:spTree>
     <p:extLst>
       <p:ext uri="{BB962C8B-B14F-4D97-AF65-F5344CB8AC3E}">
-        <p14:creationId xmlns:p14="http://schemas.microsoft.com/office/powerpoint/2010/main" val="1243722376"/>
+        <p14:creationId xmlns:p14="http://schemas.microsoft.com/office/powerpoint/2010/main" val="3552108553"/>
       </p:ext>
     </p:extLst>
   </p:cSld>
@@ -4757,7 +4828,7 @@
           <a:p>
             <a:r>
               <a:rPr lang="en-US" dirty="0" smtClean="0"/>
-              <a:t>Alternative</a:t>
+              <a:t>A Modest Example Here</a:t>
             </a:r>
             <a:endParaRPr lang="en-US" dirty="0"/>
           </a:p>
@@ -4775,13 +4846,23 @@
         </p:nvSpPr>
         <p:spPr/>
         <p:txBody>
-          <a:bodyPr>
-            <a:normAutofit/>
-          </a:bodyPr>
+          <a:bodyPr/>
           <a:lstStyle/>
           <a:p>
             <a:pPr lvl="0"/>
             <a:r>
+              <a:rPr lang="en-US" sz="3200" kern="1200" dirty="0" err="1" smtClean="0">
+                <a:solidFill>
+                  <a:schemeClr val="tx1"/>
+                </a:solidFill>
+                <a:effectLst/>
+                <a:latin typeface="+mn-lt"/>
+                <a:ea typeface="+mn-ea"/>
+                <a:cs typeface="+mn-cs"/>
+              </a:rPr>
+              <a:t>NewTrace</a:t>
+            </a:r>
+            <a:r>
               <a:rPr lang="en-US" sz="3200" kern="1200" dirty="0" smtClean="0">
                 <a:solidFill>
                   <a:schemeClr val="tx1"/>
@@ -4791,23 +4872,42 @@
                 <a:ea typeface="+mn-ea"/>
                 <a:cs typeface="+mn-cs"/>
               </a:rPr>
-              <a:t>If you have an adequate method of tracing the flow and data of a program, reading a trace log might be easier and faster</a:t>
-            </a:r>
-          </a:p>
-          <a:p>
-            <a:pPr lvl="0"/>
-            <a:r>
-              <a:rPr lang="en-US" sz="3200" kern="1200" dirty="0" smtClean="0">
-                <a:solidFill>
-                  <a:schemeClr val="tx1"/>
-                </a:solidFill>
-                <a:effectLst/>
-                <a:latin typeface="+mn-lt"/>
-                <a:ea typeface="+mn-ea"/>
-                <a:cs typeface="+mn-cs"/>
-              </a:rPr>
-              <a:t>I can find a problem in a suitable trace log faster than I can setup breakpoints</a:t>
-            </a:r>
+              <a:t> area on github.com/</a:t>
+            </a:r>
+            <a:r>
+              <a:rPr lang="en-US" sz="3200" kern="1200" dirty="0" err="1" smtClean="0">
+                <a:solidFill>
+                  <a:schemeClr val="tx1"/>
+                </a:solidFill>
+                <a:effectLst/>
+                <a:latin typeface="+mn-lt"/>
+                <a:ea typeface="+mn-ea"/>
+                <a:cs typeface="+mn-cs"/>
+              </a:rPr>
+              <a:t>rblandau</a:t>
+            </a:r>
+            <a:endParaRPr lang="en-US" sz="3200" kern="1200" dirty="0" smtClean="0">
+              <a:solidFill>
+                <a:schemeClr val="tx1"/>
+              </a:solidFill>
+              <a:effectLst/>
+              <a:latin typeface="+mn-lt"/>
+              <a:ea typeface="+mn-ea"/>
+              <a:cs typeface="+mn-cs"/>
+            </a:endParaRPr>
+          </a:p>
+          <a:p>
+            <a:r>
+              <a:rPr lang="en-US" dirty="0" smtClean="0"/>
+              <a:t>Like print() on mega-steroids</a:t>
+            </a:r>
+          </a:p>
+          <a:p>
+            <a:r>
+              <a:rPr lang="en-US" dirty="0" smtClean="0"/>
+              <a:t>Plus other features from experience</a:t>
+            </a:r>
+            <a:endParaRPr lang="en-US" dirty="0"/>
           </a:p>
         </p:txBody>
       </p:sp>
@@ -4883,7 +4983,7 @@
     </p:spTree>
     <p:extLst>
       <p:ext uri="{BB962C8B-B14F-4D97-AF65-F5344CB8AC3E}">
-        <p14:creationId xmlns:p14="http://schemas.microsoft.com/office/powerpoint/2010/main" val="2887981812"/>
+        <p14:creationId xmlns:p14="http://schemas.microsoft.com/office/powerpoint/2010/main" val="3050817168"/>
       </p:ext>
     </p:extLst>
   </p:cSld>
@@ -4927,7 +5027,7 @@
           <a:p>
             <a:r>
               <a:rPr lang="en-US" dirty="0" smtClean="0"/>
-              <a:t>Python trace Module?</a:t>
+              <a:t>Ned is holding his nose</a:t>
             </a:r>
             <a:endParaRPr lang="en-US" dirty="0"/>
           </a:p>
@@ -4945,7 +5045,9 @@
         </p:nvSpPr>
         <p:spPr/>
         <p:txBody>
-          <a:bodyPr/>
+          <a:bodyPr>
+            <a:normAutofit/>
+          </a:bodyPr>
           <a:lstStyle/>
           <a:p>
             <a:pPr lvl="0"/>
@@ -4959,7 +5061,62 @@
                 <a:ea typeface="+mn-ea"/>
                 <a:cs typeface="+mn-cs"/>
               </a:rPr>
-              <a:t>The standard Python trace module doesn't fit</a:t>
+              <a:t>He saw my crude 2007-8 Python code</a:t>
+            </a:r>
+          </a:p>
+          <a:p>
+            <a:pPr lvl="0"/>
+            <a:r>
+              <a:rPr lang="en-US" sz="3200" kern="1200" dirty="0" smtClean="0">
+                <a:solidFill>
+                  <a:schemeClr val="tx1"/>
+                </a:solidFill>
+                <a:effectLst/>
+                <a:latin typeface="+mn-lt"/>
+                <a:ea typeface="+mn-ea"/>
+                <a:cs typeface="+mn-cs"/>
+              </a:rPr>
+              <a:t>Back then I was writing </a:t>
+            </a:r>
+            <a:r>
+              <a:rPr lang="en-US" dirty="0"/>
+              <a:t>"</a:t>
+            </a:r>
+            <a:r>
+              <a:rPr lang="en-US" sz="3200" kern="1200" dirty="0" smtClean="0">
+                <a:solidFill>
+                  <a:schemeClr val="tx1"/>
+                </a:solidFill>
+                <a:effectLst/>
+                <a:latin typeface="+mn-lt"/>
+                <a:ea typeface="+mn-ea"/>
+                <a:cs typeface="+mn-cs"/>
+              </a:rPr>
+              <a:t>C without</a:t>
+            </a:r>
+            <a:r>
+              <a:rPr lang="en-US" sz="3200" kern="1200" baseline="0" dirty="0" smtClean="0">
+                <a:solidFill>
+                  <a:schemeClr val="tx1"/>
+                </a:solidFill>
+                <a:effectLst/>
+                <a:latin typeface="+mn-lt"/>
+                <a:ea typeface="+mn-ea"/>
+                <a:cs typeface="+mn-cs"/>
+              </a:rPr>
+              <a:t> </a:t>
+            </a:r>
+            <a:r>
+              <a:rPr lang="en-US" sz="3200" kern="1200" dirty="0" smtClean="0">
+                <a:solidFill>
+                  <a:schemeClr val="tx1"/>
+                </a:solidFill>
+                <a:effectLst/>
+                <a:latin typeface="+mn-lt"/>
+                <a:ea typeface="+mn-ea"/>
+                <a:cs typeface="+mn-cs"/>
+              </a:rPr>
+              <a:t>braces"</a:t>
             </a:r>
           </a:p>
           <a:p>
@@ -4974,7 +5131,7 @@
                 <a:ea typeface="+mn-ea"/>
                 <a:cs typeface="+mn-cs"/>
               </a:rPr>
-              <a:t>Tracks</a:t>
+              <a:t>Decades of writing</a:t>
             </a:r>
             <a:r>
               <a:rPr lang="en-US" sz="2800" kern="1200" baseline="0" dirty="0" smtClean="0">
@@ -4998,19 +5155,19 @@
                 <a:ea typeface="+mn-ea"/>
                 <a:cs typeface="+mn-cs"/>
               </a:rPr>
-              <a:t>process, sequence of statements, not data</a:t>
-            </a:r>
-            <a:r>
-              <a:rPr lang="en-US" sz="2800" kern="1200" baseline="0" dirty="0" smtClean="0">
-                <a:solidFill>
-                  <a:schemeClr val="tx1"/>
-                </a:solidFill>
-                <a:effectLst/>
-                <a:latin typeface="+mn-lt"/>
-                <a:ea typeface="+mn-ea"/>
-                <a:cs typeface="+mn-cs"/>
-              </a:rPr>
-              <a:t> </a:t>
+              <a:t>C, C++, Perl, Java, </a:t>
+            </a:r>
+            <a:r>
+              <a:rPr lang="en-US" sz="2800" kern="1200" dirty="0" err="1" smtClean="0">
+                <a:solidFill>
+                  <a:schemeClr val="tx1"/>
+                </a:solidFill>
+                <a:effectLst/>
+                <a:latin typeface="+mn-lt"/>
+                <a:ea typeface="+mn-ea"/>
+                <a:cs typeface="+mn-cs"/>
+              </a:rPr>
+              <a:t>sh</a:t>
             </a:r>
             <a:endParaRPr lang="en-US" sz="2800" kern="1200" dirty="0" smtClean="0">
               <a:solidFill>
@@ -5022,6 +5179,135 @@
               <a:cs typeface="+mn-cs"/>
             </a:endParaRPr>
           </a:p>
+          <a:p>
+            <a:pPr lvl="0"/>
+            <a:r>
+              <a:rPr lang="en-US" sz="3200" kern="1200" dirty="0" smtClean="0">
+                <a:solidFill>
+                  <a:schemeClr val="tx1"/>
+                </a:solidFill>
+                <a:effectLst/>
+                <a:latin typeface="+mn-lt"/>
+                <a:ea typeface="+mn-ea"/>
+                <a:cs typeface="+mn-cs"/>
+              </a:rPr>
+              <a:t>First crude Python version</a:t>
+            </a:r>
+          </a:p>
+          <a:p>
+            <a:pPr lvl="1"/>
+            <a:r>
+              <a:rPr lang="en-US" sz="2800" kern="1200" dirty="0" smtClean="0">
+                <a:solidFill>
+                  <a:schemeClr val="tx1"/>
+                </a:solidFill>
+                <a:effectLst/>
+                <a:latin typeface="+mn-lt"/>
+                <a:ea typeface="+mn-ea"/>
+                <a:cs typeface="+mn-cs"/>
+              </a:rPr>
+              <a:t>Not even decorators</a:t>
+            </a:r>
+          </a:p>
+          <a:p>
+            <a:pPr lvl="1"/>
+            <a:r>
+              <a:rPr lang="en-US" sz="2800" kern="1200" dirty="0" smtClean="0">
+                <a:solidFill>
+                  <a:schemeClr val="tx1"/>
+                </a:solidFill>
+                <a:effectLst/>
+                <a:latin typeface="+mn-lt"/>
+                <a:ea typeface="+mn-ea"/>
+                <a:cs typeface="+mn-cs"/>
+              </a:rPr>
+              <a:t>Calls visible, and clumsy, all over the place</a:t>
+            </a:r>
+          </a:p>
+          <a:p>
+            <a:pPr lvl="0"/>
+            <a:r>
+              <a:rPr lang="en-US" sz="3200" kern="1200" dirty="0" smtClean="0">
+                <a:solidFill>
+                  <a:schemeClr val="tx1"/>
+                </a:solidFill>
+                <a:effectLst/>
+                <a:latin typeface="+mn-lt"/>
+                <a:ea typeface="+mn-ea"/>
+                <a:cs typeface="+mn-cs"/>
+              </a:rPr>
+              <a:t>Maybe</a:t>
+            </a:r>
+            <a:r>
+              <a:rPr lang="en-US" sz="3200" kern="1200" baseline="0" dirty="0" smtClean="0">
+                <a:solidFill>
+                  <a:schemeClr val="tx1"/>
+                </a:solidFill>
+                <a:effectLst/>
+                <a:latin typeface="+mn-lt"/>
+                <a:ea typeface="+mn-ea"/>
+                <a:cs typeface="+mn-cs"/>
+              </a:rPr>
+              <a:t> I l</a:t>
+            </a:r>
+            <a:r>
+              <a:rPr lang="en-US" sz="3200" kern="1200" dirty="0" smtClean="0">
+                <a:solidFill>
+                  <a:schemeClr val="tx1"/>
+                </a:solidFill>
+                <a:effectLst/>
+                <a:latin typeface="+mn-lt"/>
+                <a:ea typeface="+mn-ea"/>
+                <a:cs typeface="+mn-cs"/>
+              </a:rPr>
+              <a:t>earned a bit in a</a:t>
+            </a:r>
+            <a:r>
+              <a:rPr lang="en-US" sz="3200" kern="1200" baseline="0" dirty="0" smtClean="0">
+                <a:solidFill>
+                  <a:schemeClr val="tx1"/>
+                </a:solidFill>
+                <a:effectLst/>
+                <a:latin typeface="+mn-lt"/>
+                <a:ea typeface="+mn-ea"/>
+                <a:cs typeface="+mn-cs"/>
+              </a:rPr>
+              <a:t> </a:t>
+            </a:r>
+            <a:r>
+              <a:rPr lang="en-US" sz="3200" kern="1200" dirty="0" smtClean="0">
+                <a:solidFill>
+                  <a:schemeClr val="tx1"/>
+                </a:solidFill>
+                <a:effectLst/>
+                <a:latin typeface="+mn-lt"/>
+                <a:ea typeface="+mn-ea"/>
+                <a:cs typeface="+mn-cs"/>
+              </a:rPr>
+              <a:t>dozen </a:t>
+            </a:r>
+            <a:r>
+              <a:rPr lang="en-US" sz="3200" kern="1200" dirty="0" smtClean="0">
+                <a:solidFill>
+                  <a:schemeClr val="tx1"/>
+                </a:solidFill>
+                <a:effectLst/>
+                <a:latin typeface="+mn-lt"/>
+                <a:ea typeface="+mn-ea"/>
+                <a:cs typeface="+mn-cs"/>
+              </a:rPr>
+              <a:t>years</a:t>
+            </a:r>
+            <a:endParaRPr lang="en-US" sz="3200" kern="1200" dirty="0" smtClean="0">
+              <a:solidFill>
+                <a:schemeClr val="tx1"/>
+              </a:solidFill>
+              <a:effectLst/>
+              <a:latin typeface="+mn-lt"/>
+              <a:ea typeface="+mn-ea"/>
+              <a:cs typeface="+mn-cs"/>
+            </a:endParaRPr>
+          </a:p>
         </p:txBody>
       </p:sp>
       <p:sp>
@@ -5096,7 +5382,7 @@
     </p:spTree>
     <p:extLst>
       <p:ext uri="{BB962C8B-B14F-4D97-AF65-F5344CB8AC3E}">
-        <p14:creationId xmlns:p14="http://schemas.microsoft.com/office/powerpoint/2010/main" val="3552108553"/>
+        <p14:creationId xmlns:p14="http://schemas.microsoft.com/office/powerpoint/2010/main" val="2787871945"/>
       </p:ext>
     </p:extLst>
   </p:cSld>
@@ -5140,7 +5426,11 @@
           <a:p>
             <a:r>
               <a:rPr lang="en-US" dirty="0" smtClean="0"/>
-              <a:t>A Modest Example Here</a:t>
+              <a:t>Just Like</a:t>
+            </a:r>
+            <a:r>
+              <a:rPr lang="en-US" baseline="0" dirty="0" smtClean="0"/>
+              <a:t> the Standard Example</a:t>
             </a:r>
             <a:endParaRPr lang="en-US" dirty="0"/>
           </a:p>
@@ -5158,92 +5448,73 @@
         </p:nvSpPr>
         <p:spPr/>
         <p:txBody>
-          <a:bodyPr/>
-          <a:lstStyle/>
-          <a:p>
-            <a:pPr lvl="0"/>
-            <a:r>
-              <a:rPr lang="en-US" sz="3200" kern="1200" dirty="0" err="1" smtClean="0">
-                <a:solidFill>
-                  <a:schemeClr val="tx1"/>
-                </a:solidFill>
-                <a:effectLst/>
-                <a:latin typeface="+mn-lt"/>
-                <a:ea typeface="+mn-ea"/>
-                <a:cs typeface="+mn-cs"/>
-              </a:rPr>
-              <a:t>NewTrace</a:t>
-            </a:r>
-            <a:r>
-              <a:rPr lang="en-US" sz="3200" kern="1200" dirty="0" smtClean="0">
-                <a:solidFill>
-                  <a:schemeClr val="tx1"/>
-                </a:solidFill>
-                <a:effectLst/>
-                <a:latin typeface="+mn-lt"/>
-                <a:ea typeface="+mn-ea"/>
-                <a:cs typeface="+mn-cs"/>
-              </a:rPr>
-              <a:t> </a:t>
-            </a:r>
-            <a:r>
-              <a:rPr lang="en-US" sz="3200" kern="1200" dirty="0" smtClean="0">
-                <a:solidFill>
-                  <a:schemeClr val="tx1"/>
-                </a:solidFill>
-                <a:effectLst/>
-                <a:latin typeface="+mn-lt"/>
-                <a:ea typeface="+mn-ea"/>
-                <a:cs typeface="+mn-cs"/>
-              </a:rPr>
-              <a:t>area on </a:t>
-            </a:r>
-            <a:r>
-              <a:rPr lang="en-US" sz="3200" kern="1200" dirty="0" smtClean="0">
-                <a:solidFill>
-                  <a:schemeClr val="tx1"/>
-                </a:solidFill>
-                <a:effectLst/>
-                <a:latin typeface="+mn-lt"/>
-                <a:ea typeface="+mn-ea"/>
-                <a:cs typeface="+mn-cs"/>
-              </a:rPr>
-              <a:t>github.com/</a:t>
-            </a:r>
-            <a:r>
-              <a:rPr lang="en-US" sz="3200" kern="1200" dirty="0" err="1" smtClean="0">
-                <a:solidFill>
-                  <a:schemeClr val="tx1"/>
-                </a:solidFill>
-                <a:effectLst/>
-                <a:latin typeface="+mn-lt"/>
-                <a:ea typeface="+mn-ea"/>
-                <a:cs typeface="+mn-cs"/>
-              </a:rPr>
-              <a:t>rblandau</a:t>
-            </a:r>
-            <a:endParaRPr lang="en-US" sz="3200" kern="1200" dirty="0" smtClean="0">
+          <a:bodyPr>
+            <a:normAutofit/>
+          </a:bodyPr>
+          <a:lstStyle/>
+          <a:p>
+            <a:r>
+              <a:rPr lang="en-US" dirty="0" smtClean="0"/>
+              <a:t>But</a:t>
+            </a:r>
+            <a:r>
+              <a:rPr lang="en-US" baseline="0" dirty="0" smtClean="0"/>
+              <a:t> does a little more</a:t>
+            </a:r>
+          </a:p>
+          <a:p>
+            <a:r>
+              <a:rPr lang="en-US" baseline="0" dirty="0" smtClean="0"/>
+              <a:t>Sample decorator: print function entry and exit, in every </a:t>
+            </a:r>
+            <a:r>
+              <a:rPr lang="en-US" baseline="0" dirty="0" smtClean="0"/>
+              <a:t>textbook</a:t>
+            </a:r>
+          </a:p>
+          <a:p>
+            <a:endParaRPr lang="en-US" dirty="0"/>
+          </a:p>
+          <a:p>
+            <a:r>
+              <a:rPr lang="en-US" sz="2400" baseline="0" dirty="0" smtClean="0">
+                <a:solidFill>
+                  <a:srgbClr val="00B050"/>
+                </a:solidFill>
+              </a:rPr>
+              <a:t>&lt;code: decorator</a:t>
+            </a:r>
+            <a:r>
+              <a:rPr lang="en-US" sz="2400" dirty="0" smtClean="0">
+                <a:solidFill>
+                  <a:srgbClr val="00B050"/>
+                </a:solidFill>
+              </a:rPr>
+              <a:t> example&gt;</a:t>
+            </a:r>
+            <a:endParaRPr lang="en-US" sz="2400" baseline="0" dirty="0" smtClean="0">
               <a:solidFill>
-                <a:schemeClr val="tx1"/>
+                <a:srgbClr val="00B050"/>
               </a:solidFill>
-              <a:effectLst/>
-              <a:latin typeface="+mn-lt"/>
-              <a:ea typeface="+mn-ea"/>
-              <a:cs typeface="+mn-cs"/>
             </a:endParaRPr>
           </a:p>
           <a:p>
+            <a:pPr marL="0" indent="0">
+              <a:buNone/>
+            </a:pPr>
+            <a:endParaRPr lang="en-US" baseline="0" dirty="0" smtClean="0"/>
+          </a:p>
+          <a:p>
+            <a:pPr marL="342900" indent="-342900"/>
             <a:r>
               <a:rPr lang="en-US" dirty="0" smtClean="0"/>
-              <a:t>Like print() on mega-steroids</a:t>
-            </a:r>
-          </a:p>
-          <a:p>
-            <a:r>
-              <a:rPr lang="en-US" dirty="0" smtClean="0"/>
-              <a:t>Plus other features from experience</a:t>
-            </a:r>
-            <a:endParaRPr lang="en-US" dirty="0"/>
+              <a:t>Very useful,</a:t>
+            </a:r>
+            <a:r>
+              <a:rPr lang="en-US" baseline="0" dirty="0" smtClean="0"/>
+              <a:t> but can be improved</a:t>
+            </a:r>
+            <a:endParaRPr lang="en-US" dirty="0" smtClean="0"/>
           </a:p>
         </p:txBody>
       </p:sp>
@@ -5319,7 +5590,7 @@
     </p:spTree>
     <p:extLst>
       <p:ext uri="{BB962C8B-B14F-4D97-AF65-F5344CB8AC3E}">
-        <p14:creationId xmlns:p14="http://schemas.microsoft.com/office/powerpoint/2010/main" val="3050817168"/>
+        <p14:creationId xmlns:p14="http://schemas.microsoft.com/office/powerpoint/2010/main" val="2699397898"/>
       </p:ext>
     </p:extLst>
   </p:cSld>
@@ -5363,7 +5634,7 @@
           <a:p>
             <a:r>
               <a:rPr lang="en-US" dirty="0" smtClean="0"/>
-              <a:t>Ned is holding his nose</a:t>
+              <a:t>From Experience</a:t>
             </a:r>
             <a:endParaRPr lang="en-US" dirty="0"/>
           </a:p>
@@ -5397,41 +5668,40 @@
                 <a:ea typeface="+mn-ea"/>
                 <a:cs typeface="+mn-cs"/>
               </a:rPr>
-              <a:t>He saw my crude 2007-8 Python code</a:t>
-            </a:r>
-          </a:p>
-          <a:p>
-            <a:pPr lvl="0"/>
-            <a:r>
-              <a:rPr lang="en-US" sz="3200" kern="1200" dirty="0" smtClean="0">
-                <a:solidFill>
-                  <a:schemeClr val="tx1"/>
-                </a:solidFill>
-                <a:effectLst/>
-                <a:latin typeface="+mn-lt"/>
-                <a:ea typeface="+mn-ea"/>
-                <a:cs typeface="+mn-cs"/>
-              </a:rPr>
-              <a:t>Back then I was writing </a:t>
-            </a:r>
-            <a:r>
-              <a:rPr lang="en-US" dirty="0"/>
-              <a:t>"</a:t>
-            </a:r>
-            <a:r>
-              <a:rPr lang="en-US" sz="3200" kern="1200" dirty="0" smtClean="0">
-                <a:solidFill>
-                  <a:schemeClr val="tx1"/>
-                </a:solidFill>
-                <a:effectLst/>
-                <a:latin typeface="+mn-lt"/>
-                <a:ea typeface="+mn-ea"/>
-                <a:cs typeface="+mn-cs"/>
-              </a:rPr>
-              <a:t>C without</a:t>
-            </a:r>
-            <a:r>
-              <a:rPr lang="en-US" sz="3200" kern="1200" baseline="0" dirty="0" smtClean="0">
+              <a:t>Important things to include, based on experience 1978-2019</a:t>
+            </a:r>
+          </a:p>
+          <a:p>
+            <a:pPr lvl="1"/>
+            <a:r>
+              <a:rPr lang="en-US" sz="2800" kern="1200" dirty="0" smtClean="0">
+                <a:solidFill>
+                  <a:schemeClr val="tx1"/>
+                </a:solidFill>
+                <a:effectLst/>
+                <a:latin typeface="+mn-lt"/>
+                <a:ea typeface="+mn-ea"/>
+                <a:cs typeface="+mn-cs"/>
+              </a:rPr>
+              <a:t>This trace facility written in PDP-11 assembler, C, C++, VB, Perl, Java, and finally Python.</a:t>
+            </a:r>
+          </a:p>
+          <a:p>
+            <a:pPr lvl="1"/>
+            <a:r>
+              <a:rPr lang="en-US" sz="2800" kern="1200" dirty="0" smtClean="0">
+                <a:solidFill>
+                  <a:schemeClr val="tx1"/>
+                </a:solidFill>
+                <a:effectLst/>
+                <a:latin typeface="+mn-lt"/>
+                <a:ea typeface="+mn-ea"/>
+                <a:cs typeface="+mn-cs"/>
+              </a:rPr>
+              <a:t>Originally written for</a:t>
+            </a:r>
+            <a:r>
+              <a:rPr lang="en-US" sz="2800" kern="1200" baseline="0" dirty="0" smtClean="0">
                 <a:solidFill>
                   <a:schemeClr val="tx1"/>
                 </a:solidFill>
@@ -5443,16 +5713,40 @@
               <a:t> </a:t>
             </a:r>
             <a:r>
-              <a:rPr lang="en-US" sz="3200" kern="1200" dirty="0" smtClean="0">
-                <a:solidFill>
-                  <a:schemeClr val="tx1"/>
-                </a:solidFill>
-                <a:effectLst/>
-                <a:latin typeface="+mn-lt"/>
-                <a:ea typeface="+mn-ea"/>
-                <a:cs typeface="+mn-cs"/>
-              </a:rPr>
-              <a:t>braces"</a:t>
+              <a:rPr lang="en-US" sz="2800" kern="1200" dirty="0" smtClean="0">
+                <a:solidFill>
+                  <a:schemeClr val="tx1"/>
+                </a:solidFill>
+                <a:effectLst/>
+                <a:latin typeface="+mn-lt"/>
+                <a:ea typeface="+mn-ea"/>
+                <a:cs typeface="+mn-cs"/>
+              </a:rPr>
+              <a:t>a ten-process </a:t>
+            </a:r>
+            <a:r>
+              <a:rPr lang="en-US" sz="2800" kern="1200" dirty="0" err="1" smtClean="0">
+                <a:solidFill>
+                  <a:schemeClr val="tx1"/>
+                </a:solidFill>
+                <a:effectLst/>
+                <a:latin typeface="+mn-lt"/>
+                <a:ea typeface="+mn-ea"/>
+                <a:cs typeface="+mn-cs"/>
+              </a:rPr>
+              <a:t>comm</a:t>
+            </a:r>
+            <a:r>
+              <a:rPr lang="en-US" sz="2800" kern="1200" dirty="0" smtClean="0">
+                <a:solidFill>
+                  <a:schemeClr val="tx1"/>
+                </a:solidFill>
+                <a:effectLst/>
+                <a:latin typeface="+mn-lt"/>
+                <a:ea typeface="+mn-ea"/>
+                <a:cs typeface="+mn-cs"/>
+              </a:rPr>
+              <a:t> system.  </a:t>
             </a:r>
           </a:p>
           <a:p>
@@ -5467,209 +5761,8 @@
                 <a:ea typeface="+mn-ea"/>
                 <a:cs typeface="+mn-cs"/>
               </a:rPr>
-              <a:t>Decades of writing</a:t>
-            </a:r>
-            <a:r>
-              <a:rPr lang="en-US" sz="2800" kern="1200" baseline="0" dirty="0" smtClean="0">
-                <a:solidFill>
-                  <a:schemeClr val="tx1"/>
-                </a:solidFill>
-                <a:effectLst/>
-                <a:latin typeface="+mn-lt"/>
-                <a:ea typeface="+mn-ea"/>
-                <a:cs typeface="+mn-cs"/>
-              </a:rPr>
-              <a:t> </a:t>
-            </a:r>
-            <a:r>
-              <a:rPr lang="en-US" sz="2800" kern="1200" dirty="0" smtClean="0">
-                <a:solidFill>
-                  <a:schemeClr val="tx1"/>
-                </a:solidFill>
-                <a:effectLst/>
-                <a:latin typeface="+mn-lt"/>
-                <a:ea typeface="+mn-ea"/>
-                <a:cs typeface="+mn-cs"/>
-              </a:rPr>
-              <a:t>C, C++, Perl, Java, </a:t>
-            </a:r>
-            <a:r>
-              <a:rPr lang="en-US" sz="2800" kern="1200" dirty="0" err="1" smtClean="0">
-                <a:solidFill>
-                  <a:schemeClr val="tx1"/>
-                </a:solidFill>
-                <a:effectLst/>
-                <a:latin typeface="+mn-lt"/>
-                <a:ea typeface="+mn-ea"/>
-                <a:cs typeface="+mn-cs"/>
-              </a:rPr>
-              <a:t>sh</a:t>
-            </a:r>
-            <a:endParaRPr lang="en-US" sz="2800" kern="1200" dirty="0" smtClean="0">
-              <a:solidFill>
-                <a:schemeClr val="tx1"/>
-              </a:solidFill>
-              <a:effectLst/>
-              <a:latin typeface="+mn-lt"/>
-              <a:ea typeface="+mn-ea"/>
-              <a:cs typeface="+mn-cs"/>
-            </a:endParaRPr>
-          </a:p>
-          <a:p>
-            <a:pPr lvl="0"/>
-            <a:r>
-              <a:rPr lang="en-US" sz="3200" kern="1200" dirty="0" smtClean="0">
-                <a:solidFill>
-                  <a:schemeClr val="tx1"/>
-                </a:solidFill>
-                <a:effectLst/>
-                <a:latin typeface="+mn-lt"/>
-                <a:ea typeface="+mn-ea"/>
-                <a:cs typeface="+mn-cs"/>
-              </a:rPr>
-              <a:t>First crude Python version</a:t>
-            </a:r>
-          </a:p>
-          <a:p>
-            <a:pPr lvl="1"/>
-            <a:r>
-              <a:rPr lang="en-US" sz="2800" kern="1200" dirty="0" smtClean="0">
-                <a:solidFill>
-                  <a:schemeClr val="tx1"/>
-                </a:solidFill>
-                <a:effectLst/>
-                <a:latin typeface="+mn-lt"/>
-                <a:ea typeface="+mn-ea"/>
-                <a:cs typeface="+mn-cs"/>
-              </a:rPr>
-              <a:t>Not even decorators</a:t>
-            </a:r>
-          </a:p>
-          <a:p>
-            <a:pPr lvl="1"/>
-            <a:r>
-              <a:rPr lang="en-US" sz="2800" kern="1200" dirty="0" smtClean="0">
-                <a:solidFill>
-                  <a:schemeClr val="tx1"/>
-                </a:solidFill>
-                <a:effectLst/>
-                <a:latin typeface="+mn-lt"/>
-                <a:ea typeface="+mn-ea"/>
-                <a:cs typeface="+mn-cs"/>
-              </a:rPr>
-              <a:t>Calls visible, and clumsy, all over the place</a:t>
-            </a:r>
-          </a:p>
-          <a:p>
-            <a:pPr lvl="0"/>
-            <a:r>
-              <a:rPr lang="en-US" sz="3200" kern="1200" dirty="0" smtClean="0">
-                <a:solidFill>
-                  <a:schemeClr val="tx1"/>
-                </a:solidFill>
-                <a:effectLst/>
-                <a:latin typeface="+mn-lt"/>
-                <a:ea typeface="+mn-ea"/>
-                <a:cs typeface="+mn-cs"/>
-              </a:rPr>
-              <a:t>Maybe</a:t>
-            </a:r>
-            <a:r>
-              <a:rPr lang="en-US" sz="3200" kern="1200" baseline="0" dirty="0" smtClean="0">
-                <a:solidFill>
-                  <a:schemeClr val="tx1"/>
-                </a:solidFill>
-                <a:effectLst/>
-                <a:latin typeface="+mn-lt"/>
-                <a:ea typeface="+mn-ea"/>
-                <a:cs typeface="+mn-cs"/>
-              </a:rPr>
-              <a:t> I l</a:t>
-            </a:r>
-            <a:r>
-              <a:rPr lang="en-US" sz="3200" kern="1200" dirty="0" smtClean="0">
-                <a:solidFill>
-                  <a:schemeClr val="tx1"/>
-                </a:solidFill>
-                <a:effectLst/>
-                <a:latin typeface="+mn-lt"/>
-                <a:ea typeface="+mn-ea"/>
-                <a:cs typeface="+mn-cs"/>
-              </a:rPr>
-              <a:t>earned a bit in a</a:t>
-            </a:r>
-            <a:r>
-              <a:rPr lang="en-US" sz="3200" kern="1200" baseline="0" dirty="0" smtClean="0">
-                <a:solidFill>
-                  <a:schemeClr val="tx1"/>
-                </a:solidFill>
-                <a:effectLst/>
-                <a:latin typeface="+mn-lt"/>
-                <a:ea typeface="+mn-ea"/>
-                <a:cs typeface="+mn-cs"/>
-              </a:rPr>
-              <a:t> </a:t>
-            </a:r>
-            <a:r>
-              <a:rPr lang="en-US" sz="3200" kern="1200" dirty="0" smtClean="0">
-                <a:solidFill>
-                  <a:schemeClr val="tx1"/>
-                </a:solidFill>
-                <a:effectLst/>
-                <a:latin typeface="+mn-lt"/>
-                <a:ea typeface="+mn-ea"/>
-                <a:cs typeface="+mn-cs"/>
-              </a:rPr>
-              <a:t>dozen years</a:t>
-            </a:r>
-          </a:p>
-          <a:p>
-            <a:pPr lvl="1"/>
-            <a:r>
-              <a:rPr lang="en-US" sz="2800" kern="1200" dirty="0" err="1" smtClean="0">
-                <a:solidFill>
-                  <a:schemeClr val="tx1"/>
-                </a:solidFill>
-                <a:effectLst/>
-                <a:latin typeface="+mn-lt"/>
-                <a:ea typeface="+mn-ea"/>
-                <a:cs typeface="+mn-cs"/>
-              </a:rPr>
-              <a:t>Sorta</a:t>
-            </a:r>
-            <a:r>
-              <a:rPr lang="en-US" sz="2800" kern="1200" dirty="0" smtClean="0">
-                <a:solidFill>
-                  <a:schemeClr val="tx1"/>
-                </a:solidFill>
-                <a:effectLst/>
-                <a:latin typeface="+mn-lt"/>
-                <a:ea typeface="+mn-ea"/>
-                <a:cs typeface="+mn-cs"/>
-              </a:rPr>
-              <a:t> </a:t>
-            </a:r>
-            <a:r>
-              <a:rPr lang="en-US" sz="2800" kern="1200" dirty="0" err="1" smtClean="0">
-                <a:solidFill>
-                  <a:schemeClr val="tx1"/>
-                </a:solidFill>
-                <a:effectLst/>
-                <a:latin typeface="+mn-lt"/>
-                <a:ea typeface="+mn-ea"/>
-                <a:cs typeface="+mn-cs"/>
-              </a:rPr>
-              <a:t>pythonic</a:t>
-            </a:r>
-            <a:endParaRPr lang="en-US" sz="2800" kern="1200" dirty="0" smtClean="0">
-              <a:solidFill>
-                <a:schemeClr val="tx1"/>
-              </a:solidFill>
-              <a:effectLst/>
-              <a:latin typeface="+mn-lt"/>
-              <a:ea typeface="+mn-ea"/>
-              <a:cs typeface="+mn-cs"/>
-            </a:endParaRPr>
+              <a:t>Needed accurate timestamp, source facility name, location within facility, selected data items</a:t>
+            </a:r>
           </a:p>
         </p:txBody>
       </p:sp>
@@ -5745,7 +5838,7 @@
     </p:spTree>
     <p:extLst>
       <p:ext uri="{BB962C8B-B14F-4D97-AF65-F5344CB8AC3E}">
-        <p14:creationId xmlns:p14="http://schemas.microsoft.com/office/powerpoint/2010/main" val="2787871945"/>
+        <p14:creationId xmlns:p14="http://schemas.microsoft.com/office/powerpoint/2010/main" val="4255480821"/>
       </p:ext>
     </p:extLst>
   </p:cSld>
@@ -5789,11 +5882,19 @@
           <a:p>
             <a:r>
               <a:rPr lang="en-US" dirty="0" smtClean="0"/>
-              <a:t>Just Like</a:t>
+              <a:t>Features:</a:t>
             </a:r>
             <a:r>
               <a:rPr lang="en-US" baseline="0" dirty="0" smtClean="0"/>
-              <a:t> the Standard Example</a:t>
+              <a:t> </a:t>
+            </a:r>
+            <a:r>
+              <a:rPr lang="en-US" dirty="0" smtClean="0"/>
+              <a:t>Must </a:t>
+            </a:r>
+            <a:r>
+              <a:rPr lang="en-US" dirty="0" smtClean="0"/>
+              <a:t>Have</a:t>
             </a:r>
             <a:endParaRPr lang="en-US" dirty="0"/>
           </a:p>
@@ -5816,48 +5917,63 @@
           <a:p>
             <a:r>
               <a:rPr lang="en-US" dirty="0" smtClean="0"/>
-              <a:t>But</a:t>
+              <a:t>Time</a:t>
+            </a:r>
+          </a:p>
+          <a:p>
+            <a:r>
+              <a:rPr lang="en-US" dirty="0" smtClean="0"/>
+              <a:t>Location</a:t>
+            </a:r>
+          </a:p>
+          <a:p>
+            <a:r>
+              <a:rPr lang="en-US" dirty="0" smtClean="0"/>
+              <a:t>Activity</a:t>
+            </a:r>
+          </a:p>
+          <a:p>
+            <a:r>
+              <a:rPr lang="en-US" dirty="0" smtClean="0"/>
+              <a:t>Data</a:t>
             </a:r>
             <a:r>
               <a:rPr lang="en-US" baseline="0" dirty="0" smtClean="0"/>
-              <a:t> does a little more</a:t>
+              <a:t> content</a:t>
             </a:r>
           </a:p>
           <a:p>
             <a:r>
               <a:rPr lang="en-US" baseline="0" dirty="0" smtClean="0"/>
-              <a:t>Sample decorator: print function entry and exit, in every textbook</a:t>
-            </a:r>
-          </a:p>
-          <a:p>
-            <a:endParaRPr lang="en-US" baseline="0" dirty="0" smtClean="0"/>
-          </a:p>
-          <a:p>
-            <a:pPr marL="0" indent="0">
-              <a:buNone/>
-            </a:pPr>
+              <a:t>File or </a:t>
+            </a:r>
+            <a:r>
+              <a:rPr lang="en-US" baseline="0" dirty="0" err="1" smtClean="0"/>
+              <a:t>stdout</a:t>
+            </a:r>
             <a:r>
               <a:rPr lang="en-US" baseline="0" dirty="0" smtClean="0"/>
-              <a:t>&lt;code example here&gt;</a:t>
-            </a:r>
-          </a:p>
-          <a:p>
-            <a:pPr marL="0" indent="0">
-              <a:buNone/>
-            </a:pPr>
-            <a:endParaRPr lang="en-US" baseline="0" dirty="0" smtClean="0"/>
-          </a:p>
-          <a:p>
-            <a:pPr marL="342900" indent="-342900"/>
-            <a:r>
-              <a:rPr lang="en-US" dirty="0" smtClean="0"/>
-              <a:t>Very useful,</a:t>
+              <a:t>/</a:t>
+            </a:r>
+            <a:r>
+              <a:rPr lang="en-US" baseline="0" dirty="0" err="1" smtClean="0"/>
+              <a:t>stderr</a:t>
             </a:r>
             <a:r>
               <a:rPr lang="en-US" baseline="0" dirty="0" smtClean="0"/>
-              <a:t> but can be improved</a:t>
-            </a:r>
-            <a:endParaRPr lang="en-US" dirty="0" smtClean="0"/>
+              <a:t> </a:t>
+            </a:r>
+            <a:r>
+              <a:rPr lang="en-US" baseline="0" dirty="0" smtClean="0"/>
+              <a:t>output</a:t>
+            </a:r>
+          </a:p>
+          <a:p>
+            <a:r>
+              <a:rPr lang="en-US" baseline="0" dirty="0" smtClean="0"/>
+              <a:t>Consistent format</a:t>
+            </a:r>
+            <a:endParaRPr lang="en-US" dirty="0"/>
           </a:p>
         </p:txBody>
       </p:sp>
@@ -5933,7 +6049,7 @@
     </p:spTree>
     <p:extLst>
       <p:ext uri="{BB962C8B-B14F-4D97-AF65-F5344CB8AC3E}">
-        <p14:creationId xmlns:p14="http://schemas.microsoft.com/office/powerpoint/2010/main" val="2699397898"/>
+        <p14:creationId xmlns:p14="http://schemas.microsoft.com/office/powerpoint/2010/main" val="97308904"/>
       </p:ext>
     </p:extLst>
   </p:cSld>
@@ -5977,7 +6093,7 @@
           <a:p>
             <a:r>
               <a:rPr lang="en-US" dirty="0" smtClean="0"/>
-              <a:t>From Experience</a:t>
+              <a:t>Nice to Have</a:t>
             </a:r>
             <a:endParaRPr lang="en-US" dirty="0"/>
           </a:p>
@@ -5995,117 +6111,30 @@
         </p:nvSpPr>
         <p:spPr/>
         <p:txBody>
-          <a:bodyPr>
-            <a:normAutofit/>
-          </a:bodyPr>
-          <a:lstStyle/>
-          <a:p>
-            <a:pPr lvl="0"/>
-            <a:r>
-              <a:rPr lang="en-US" sz="3200" kern="1200" dirty="0" smtClean="0">
-                <a:solidFill>
-                  <a:schemeClr val="tx1"/>
-                </a:solidFill>
-                <a:effectLst/>
-                <a:latin typeface="+mn-lt"/>
-                <a:ea typeface="+mn-ea"/>
-                <a:cs typeface="+mn-cs"/>
-              </a:rPr>
-              <a:t>Important things to include, based on experience 1978-2019</a:t>
-            </a:r>
-          </a:p>
-          <a:p>
-            <a:pPr lvl="1"/>
-            <a:r>
-              <a:rPr lang="en-US" sz="2800" kern="1200" dirty="0" smtClean="0">
-                <a:solidFill>
-                  <a:schemeClr val="tx1"/>
-                </a:solidFill>
-                <a:effectLst/>
-                <a:latin typeface="+mn-lt"/>
-                <a:ea typeface="+mn-ea"/>
-                <a:cs typeface="+mn-cs"/>
-              </a:rPr>
-              <a:t>This trace facility written in PDP-11 assembler, C, C++, VB, Perl, Java, and finally Python.</a:t>
-            </a:r>
-          </a:p>
-          <a:p>
-            <a:pPr lvl="1"/>
-            <a:r>
-              <a:rPr lang="en-US" sz="2800" kern="1200" dirty="0" smtClean="0">
-                <a:solidFill>
-                  <a:schemeClr val="tx1"/>
-                </a:solidFill>
-                <a:effectLst/>
-                <a:latin typeface="+mn-lt"/>
-                <a:ea typeface="+mn-ea"/>
-                <a:cs typeface="+mn-cs"/>
-              </a:rPr>
-              <a:t>Originally written for</a:t>
-            </a:r>
-            <a:r>
-              <a:rPr lang="en-US" sz="2800" kern="1200" baseline="0" dirty="0" smtClean="0">
-                <a:solidFill>
-                  <a:schemeClr val="tx1"/>
-                </a:solidFill>
-                <a:effectLst/>
-                <a:latin typeface="+mn-lt"/>
-                <a:ea typeface="+mn-ea"/>
-                <a:cs typeface="+mn-cs"/>
-              </a:rPr>
-              <a:t> </a:t>
-            </a:r>
-            <a:r>
-              <a:rPr lang="en-US" sz="2800" kern="1200" dirty="0" smtClean="0">
-                <a:solidFill>
-                  <a:schemeClr val="tx1"/>
-                </a:solidFill>
-                <a:effectLst/>
-                <a:latin typeface="+mn-lt"/>
-                <a:ea typeface="+mn-ea"/>
-                <a:cs typeface="+mn-cs"/>
-              </a:rPr>
-              <a:t>a ten-process </a:t>
-            </a:r>
-            <a:r>
-              <a:rPr lang="en-US" sz="2800" kern="1200" dirty="0" err="1" smtClean="0">
-                <a:solidFill>
-                  <a:schemeClr val="tx1"/>
-                </a:solidFill>
-                <a:effectLst/>
-                <a:latin typeface="+mn-lt"/>
-                <a:ea typeface="+mn-ea"/>
-                <a:cs typeface="+mn-cs"/>
-              </a:rPr>
-              <a:t>comm</a:t>
-            </a:r>
-            <a:r>
-              <a:rPr lang="en-US" sz="2800" kern="1200" dirty="0" smtClean="0">
-                <a:solidFill>
-                  <a:schemeClr val="tx1"/>
-                </a:solidFill>
-                <a:effectLst/>
-                <a:latin typeface="+mn-lt"/>
-                <a:ea typeface="+mn-ea"/>
-                <a:cs typeface="+mn-cs"/>
-              </a:rPr>
-              <a:t> system.  </a:t>
-            </a:r>
-          </a:p>
-          <a:p>
-            <a:pPr lvl="1"/>
-            <a:r>
-              <a:rPr lang="en-US" sz="2800" kern="1200" dirty="0" smtClean="0">
-                <a:solidFill>
-                  <a:schemeClr val="tx1"/>
-                </a:solidFill>
-                <a:effectLst/>
-                <a:latin typeface="+mn-lt"/>
-                <a:ea typeface="+mn-ea"/>
-                <a:cs typeface="+mn-cs"/>
-              </a:rPr>
-              <a:t>Needed accurate timestamp, source facility name, location within facility, selected data items</a:t>
-            </a:r>
+          <a:bodyPr/>
+          <a:lstStyle/>
+          <a:p>
+            <a:r>
+              <a:rPr lang="en-US" dirty="0" smtClean="0"/>
+              <a:t>Priority</a:t>
+            </a:r>
+          </a:p>
+          <a:p>
+            <a:r>
+              <a:rPr lang="en-US" dirty="0" smtClean="0"/>
+              <a:t>Text, HTML</a:t>
+            </a:r>
+            <a:r>
+              <a:rPr lang="en-US" baseline="0" dirty="0" smtClean="0"/>
+              <a:t> output</a:t>
+            </a:r>
+          </a:p>
+          <a:p>
+            <a:r>
+              <a:rPr lang="en-US" baseline="0" dirty="0" smtClean="0"/>
+              <a:t>Thread-safe, multiprocessing-safe</a:t>
+            </a:r>
+            <a:endParaRPr lang="en-US" dirty="0" smtClean="0"/>
           </a:p>
         </p:txBody>
       </p:sp>
@@ -6181,7 +6210,7 @@
     </p:spTree>
     <p:extLst>
       <p:ext uri="{BB962C8B-B14F-4D97-AF65-F5344CB8AC3E}">
-        <p14:creationId xmlns:p14="http://schemas.microsoft.com/office/powerpoint/2010/main" val="4255480821"/>
+        <p14:creationId xmlns:p14="http://schemas.microsoft.com/office/powerpoint/2010/main" val="365624875"/>
       </p:ext>
     </p:extLst>
   </p:cSld>
@@ -6257,7 +6286,7 @@
         </p:spPr>
         <p:txBody>
           <a:bodyPr>
-            <a:normAutofit fontScale="92500" lnSpcReduction="20000"/>
+            <a:normAutofit fontScale="92500" lnSpcReduction="10000"/>
           </a:bodyPr>
           <a:lstStyle/>
           <a:p>
@@ -6275,8 +6304,9 @@
             </a:r>
           </a:p>
           <a:p>
-            <a:r>
-              <a:rPr lang="en-US" sz="3200" kern="1200" dirty="0" smtClean="0">
+            <a:pPr lvl="1"/>
+            <a:r>
+              <a:rPr lang="en-US" sz="2800" kern="1200" dirty="0" smtClean="0">
                 <a:solidFill>
                   <a:schemeClr val="tx1"/>
                 </a:solidFill>
@@ -6288,7 +6318,7 @@
               <a:t>Wide range of applications: </a:t>
             </a:r>
             <a:r>
-              <a:rPr lang="en-US" sz="3200" kern="1200" dirty="0" err="1" smtClean="0">
+              <a:rPr lang="en-US" sz="2800" kern="1200" dirty="0" err="1" smtClean="0">
                 <a:solidFill>
                   <a:schemeClr val="tx1"/>
                 </a:solidFill>
@@ -6300,7 +6330,7 @@
               <a:t>comm</a:t>
             </a:r>
             <a:r>
-              <a:rPr lang="en-US" sz="3200" kern="1200" dirty="0" smtClean="0">
+              <a:rPr lang="en-US" sz="2800" kern="1200" dirty="0" smtClean="0">
                 <a:solidFill>
                   <a:schemeClr val="tx1"/>
                 </a:solidFill>
@@ -6312,7 +6342,7 @@
               <a:t>,  </a:t>
             </a:r>
             <a:r>
-              <a:rPr lang="en-US" sz="3200" kern="1200" dirty="0" err="1" smtClean="0">
+              <a:rPr lang="en-US" sz="2800" kern="1200" dirty="0" err="1" smtClean="0">
                 <a:solidFill>
                   <a:schemeClr val="tx1"/>
                 </a:solidFill>
@@ -6324,7 +6354,7 @@
               <a:t>dbs</a:t>
             </a:r>
             <a:r>
-              <a:rPr lang="en-US" sz="3200" kern="1200" dirty="0" smtClean="0">
+              <a:rPr lang="en-US" sz="2800" kern="1200" dirty="0" smtClean="0">
                 <a:solidFill>
                   <a:schemeClr val="tx1"/>
                 </a:solidFill>
@@ -6336,7 +6366,7 @@
               <a:t>, sys </a:t>
             </a:r>
             <a:r>
-              <a:rPr lang="en-US" sz="3200" kern="1200" dirty="0" err="1" smtClean="0">
+              <a:rPr lang="en-US" sz="2800" kern="1200" dirty="0" err="1" smtClean="0">
                 <a:solidFill>
                   <a:schemeClr val="tx1"/>
                 </a:solidFill>
@@ -6348,7 +6378,7 @@
               <a:t>mgt</a:t>
             </a:r>
             <a:r>
-              <a:rPr lang="en-US" sz="3200" kern="1200" dirty="0" smtClean="0">
+              <a:rPr lang="en-US" sz="2800" kern="1200" dirty="0" smtClean="0">
                 <a:solidFill>
                   <a:schemeClr val="tx1"/>
                 </a:solidFill>
@@ -6360,7 +6390,7 @@
               <a:t>, remote </a:t>
             </a:r>
             <a:r>
-              <a:rPr lang="en-US" sz="3200" kern="1200" dirty="0" err="1" smtClean="0">
+              <a:rPr lang="en-US" sz="2800" kern="1200" dirty="0" err="1" smtClean="0">
                 <a:solidFill>
                   <a:schemeClr val="tx1"/>
                 </a:solidFill>
@@ -6372,7 +6402,7 @@
               <a:t>mgt</a:t>
             </a:r>
             <a:r>
-              <a:rPr lang="en-US" sz="3200" kern="1200" dirty="0" smtClean="0">
+              <a:rPr lang="en-US" sz="2800" kern="1200" dirty="0" smtClean="0">
                 <a:solidFill>
                   <a:schemeClr val="tx1"/>
                 </a:solidFill>
@@ -6470,12 +6500,6 @@
               <a:latin typeface="+mn-lt"/>
               <a:ea typeface="+mn-ea"/>
               <a:cs typeface="+mn-cs"/>
-            </a:endParaRPr>
-          </a:p>
-          <a:p>
-            <a:endParaRPr lang="en-US" dirty="0">
-              <a:latin typeface="Arial" panose="020B0604020202020204" pitchFamily="34" charset="0"/>
-              <a:cs typeface="Arial" panose="020B0604020202020204" pitchFamily="34" charset="0"/>
             </a:endParaRPr>
           </a:p>
         </p:txBody>
@@ -6598,22 +6622,12 @@
         </p:nvSpPr>
         <p:spPr/>
         <p:txBody>
-          <a:bodyPr>
-            <a:normAutofit fontScale="90000"/>
-          </a:bodyPr>
-          <a:lstStyle/>
-          <a:p>
-            <a:r>
-              <a:rPr lang="en-US" sz="4400" kern="1200" dirty="0" smtClean="0">
-                <a:solidFill>
-                  <a:schemeClr val="tx1"/>
-                </a:solidFill>
-                <a:effectLst/>
-                <a:latin typeface="+mj-lt"/>
-                <a:ea typeface="+mj-ea"/>
-                <a:cs typeface="+mj-cs"/>
-              </a:rPr>
-              <a:t>Requirements That I Try to Meet</a:t>
+          <a:bodyPr/>
+          <a:lstStyle/>
+          <a:p>
+            <a:r>
+              <a:rPr lang="en-US" dirty="0" smtClean="0"/>
+              <a:t>Management Needs</a:t>
             </a:r>
             <a:endParaRPr lang="en-US" dirty="0"/>
           </a:p>
@@ -6631,137 +6645,22 @@
         </p:nvSpPr>
         <p:spPr/>
         <p:txBody>
-          <a:bodyPr>
-            <a:normAutofit/>
-          </a:bodyPr>
-          <a:lstStyle/>
-          <a:p>
-            <a:pPr lvl="0"/>
-            <a:r>
-              <a:rPr lang="en-US" sz="3200" kern="1200" dirty="0" smtClean="0">
-                <a:solidFill>
-                  <a:schemeClr val="tx1"/>
-                </a:solidFill>
-                <a:effectLst/>
-                <a:latin typeface="+mn-lt"/>
-                <a:ea typeface="+mn-ea"/>
-                <a:cs typeface="+mn-cs"/>
-              </a:rPr>
-              <a:t>Standard format</a:t>
-            </a:r>
-          </a:p>
-          <a:p>
-            <a:pPr lvl="1"/>
-            <a:r>
-              <a:rPr lang="en-US" sz="2800" kern="1200" dirty="0" smtClean="0">
-                <a:solidFill>
-                  <a:schemeClr val="tx1"/>
-                </a:solidFill>
-                <a:effectLst/>
-                <a:latin typeface="+mn-lt"/>
-                <a:ea typeface="+mn-ea"/>
-                <a:cs typeface="+mn-cs"/>
-              </a:rPr>
-              <a:t>Easy to scan, easy to sanitize</a:t>
-            </a:r>
-          </a:p>
-          <a:p>
-            <a:pPr lvl="0"/>
-            <a:r>
-              <a:rPr lang="en-US" sz="3200" kern="1200" dirty="0" smtClean="0">
-                <a:solidFill>
-                  <a:schemeClr val="tx1"/>
-                </a:solidFill>
-                <a:effectLst/>
-                <a:latin typeface="+mn-lt"/>
-                <a:ea typeface="+mn-ea"/>
-                <a:cs typeface="+mn-cs"/>
-              </a:rPr>
-              <a:t>Function enter and exit</a:t>
-            </a:r>
-          </a:p>
-          <a:p>
-            <a:pPr lvl="1"/>
-            <a:r>
-              <a:rPr lang="en-US" sz="2800" kern="1200" dirty="0" smtClean="0">
-                <a:solidFill>
-                  <a:schemeClr val="tx1"/>
-                </a:solidFill>
-                <a:effectLst/>
-                <a:latin typeface="+mn-lt"/>
-                <a:ea typeface="+mn-ea"/>
-                <a:cs typeface="+mn-cs"/>
-              </a:rPr>
-              <a:t>With arguments in and result value out</a:t>
-            </a:r>
-          </a:p>
-          <a:p>
-            <a:pPr lvl="1"/>
-            <a:r>
-              <a:rPr lang="en-US" sz="2800" kern="1200" dirty="0" smtClean="0">
-                <a:solidFill>
-                  <a:schemeClr val="tx1"/>
-                </a:solidFill>
-                <a:effectLst/>
-                <a:latin typeface="+mn-lt"/>
-                <a:ea typeface="+mn-ea"/>
-                <a:cs typeface="+mn-cs"/>
-              </a:rPr>
-              <a:t>Easily done with decorators</a:t>
-            </a:r>
-          </a:p>
-          <a:p>
-            <a:pPr lvl="0"/>
-            <a:r>
-              <a:rPr lang="en-US" sz="3200" kern="1200" dirty="0" smtClean="0">
-                <a:solidFill>
-                  <a:schemeClr val="tx1"/>
-                </a:solidFill>
-                <a:effectLst/>
-                <a:latin typeface="+mn-lt"/>
-                <a:ea typeface="+mn-ea"/>
-                <a:cs typeface="+mn-cs"/>
-              </a:rPr>
-              <a:t>Insert</a:t>
-            </a:r>
-            <a:r>
-              <a:rPr lang="en-US" sz="3200" kern="1200" baseline="0" dirty="0" smtClean="0">
-                <a:solidFill>
-                  <a:schemeClr val="tx1"/>
-                </a:solidFill>
-                <a:effectLst/>
-                <a:latin typeface="+mn-lt"/>
-                <a:ea typeface="+mn-ea"/>
-                <a:cs typeface="+mn-cs"/>
-              </a:rPr>
-              <a:t> at</a:t>
-            </a:r>
-            <a:r>
-              <a:rPr lang="en-US" sz="3200" kern="1200" dirty="0" smtClean="0">
-                <a:solidFill>
-                  <a:schemeClr val="tx1"/>
-                </a:solidFill>
-                <a:effectLst/>
-                <a:latin typeface="+mn-lt"/>
-                <a:ea typeface="+mn-ea"/>
-                <a:cs typeface="+mn-cs"/>
-              </a:rPr>
-              <a:t> any other interesting points</a:t>
-            </a:r>
-          </a:p>
-          <a:p>
-            <a:pPr lvl="1"/>
-            <a:r>
-              <a:rPr lang="en-US" sz="2800" kern="1200" dirty="0" smtClean="0">
-                <a:solidFill>
-                  <a:schemeClr val="tx1"/>
-                </a:solidFill>
-                <a:effectLst/>
-                <a:latin typeface="+mn-lt"/>
-                <a:ea typeface="+mn-ea"/>
-                <a:cs typeface="+mn-cs"/>
-              </a:rPr>
-              <a:t>Think fancy print() calls</a:t>
+          <a:bodyPr/>
+          <a:lstStyle/>
+          <a:p>
+            <a:r>
+              <a:rPr lang="en-US" dirty="0" smtClean="0"/>
+              <a:t>On/off</a:t>
+            </a:r>
+            <a:r>
+              <a:rPr lang="en-US" baseline="0" dirty="0" smtClean="0"/>
+              <a:t> without editing code</a:t>
+            </a:r>
+          </a:p>
+          <a:p>
+            <a:r>
+              <a:rPr lang="en-US" baseline="0" dirty="0" smtClean="0"/>
+              <a:t>Filter priority, location, activity</a:t>
             </a:r>
           </a:p>
         </p:txBody>
@@ -6838,7 +6737,7 @@
     </p:spTree>
     <p:extLst>
       <p:ext uri="{BB962C8B-B14F-4D97-AF65-F5344CB8AC3E}">
-        <p14:creationId xmlns:p14="http://schemas.microsoft.com/office/powerpoint/2010/main" val="2684274098"/>
+        <p14:creationId xmlns:p14="http://schemas.microsoft.com/office/powerpoint/2010/main" val="3668781952"/>
       </p:ext>
     </p:extLst>
   </p:cSld>
@@ -6877,12 +6776,22 @@
         </p:nvSpPr>
         <p:spPr/>
         <p:txBody>
-          <a:bodyPr/>
-          <a:lstStyle/>
-          <a:p>
-            <a:r>
-              <a:rPr lang="en-US" dirty="0" smtClean="0"/>
-              <a:t>Requirements (cont'd)</a:t>
+          <a:bodyPr>
+            <a:normAutofit fontScale="90000"/>
+          </a:bodyPr>
+          <a:lstStyle/>
+          <a:p>
+            <a:r>
+              <a:rPr lang="en-US" sz="4400" kern="1200" dirty="0" smtClean="0">
+                <a:solidFill>
+                  <a:schemeClr val="tx1"/>
+                </a:solidFill>
+                <a:effectLst/>
+                <a:latin typeface="+mj-lt"/>
+                <a:ea typeface="+mj-ea"/>
+                <a:cs typeface="+mj-cs"/>
+              </a:rPr>
+              <a:t>Requirements That I Try to Meet</a:t>
             </a:r>
             <a:endParaRPr lang="en-US" dirty="0"/>
           </a:p>
@@ -6900,7 +6809,9 @@
         </p:nvSpPr>
         <p:spPr/>
         <p:txBody>
-          <a:bodyPr/>
+          <a:bodyPr>
+            <a:normAutofit/>
+          </a:bodyPr>
           <a:lstStyle/>
           <a:p>
             <a:pPr lvl="0"/>
@@ -6914,7 +6825,7 @@
                 <a:ea typeface="+mn-ea"/>
                 <a:cs typeface="+mn-cs"/>
               </a:rPr>
-              <a:t>Priorities for different levels of details </a:t>
+              <a:t>Standard format</a:t>
             </a:r>
           </a:p>
           <a:p>
@@ -6929,46 +6840,176 @@
                 <a:ea typeface="+mn-ea"/>
                 <a:cs typeface="+mn-cs"/>
               </a:rPr>
-              <a:t> e.g., function entry and exit, details inside complex logic, details in loops</a:t>
-            </a:r>
-          </a:p>
-          <a:p>
-            <a:r>
-              <a:rPr lang="en-US" dirty="0" smtClean="0"/>
-              <a:t>Options for output location and format</a:t>
-            </a:r>
-          </a:p>
-          <a:p>
-            <a:r>
-              <a:rPr lang="en-US" dirty="0" smtClean="0"/>
-              <a:t>Low performance impact</a:t>
-            </a:r>
-          </a:p>
-          <a:p>
-            <a:pPr marL="0" indent="0">
-              <a:buNone/>
-            </a:pPr>
-            <a:endParaRPr lang="en-US" b="0" dirty="0" smtClean="0"/>
-          </a:p>
-          <a:p>
-            <a:pPr marL="0" indent="0">
-              <a:buNone/>
-            </a:pPr>
-            <a:r>
-              <a:rPr lang="en-US" b="0" dirty="0" smtClean="0"/>
-              <a:t>and</a:t>
-            </a:r>
-          </a:p>
-          <a:p>
-            <a:r>
-              <a:rPr lang="en-US" b="1" dirty="0" smtClean="0"/>
-              <a:t>Manageable</a:t>
-            </a:r>
-            <a:r>
-              <a:rPr lang="en-US" b="1" baseline="0" dirty="0" smtClean="0"/>
-              <a:t> without editing code!</a:t>
-            </a:r>
-            <a:endParaRPr lang="en-US" b="1" dirty="0"/>
+              <a:t>Easy to scan, easy to sanitize</a:t>
+            </a:r>
+          </a:p>
+          <a:p>
+            <a:pPr lvl="0"/>
+            <a:r>
+              <a:rPr lang="en-US" sz="3200" kern="1200" dirty="0" smtClean="0">
+                <a:solidFill>
+                  <a:schemeClr val="tx1"/>
+                </a:solidFill>
+                <a:effectLst/>
+                <a:latin typeface="+mn-lt"/>
+                <a:ea typeface="+mn-ea"/>
+                <a:cs typeface="+mn-cs"/>
+              </a:rPr>
+              <a:t>Activity: Function </a:t>
+            </a:r>
+            <a:r>
+              <a:rPr lang="en-US" sz="3200" kern="1200" dirty="0" smtClean="0">
+                <a:solidFill>
+                  <a:schemeClr val="tx1"/>
+                </a:solidFill>
+                <a:effectLst/>
+                <a:latin typeface="+mn-lt"/>
+                <a:ea typeface="+mn-ea"/>
+                <a:cs typeface="+mn-cs"/>
+              </a:rPr>
+              <a:t>enter and exit</a:t>
+            </a:r>
+          </a:p>
+          <a:p>
+            <a:pPr lvl="1"/>
+            <a:r>
+              <a:rPr lang="en-US" sz="2800" kern="1200" dirty="0" smtClean="0">
+                <a:solidFill>
+                  <a:schemeClr val="tx1"/>
+                </a:solidFill>
+                <a:effectLst/>
+                <a:latin typeface="+mn-lt"/>
+                <a:ea typeface="+mn-ea"/>
+                <a:cs typeface="+mn-cs"/>
+              </a:rPr>
+              <a:t>With arguments in and result value out</a:t>
+            </a:r>
+          </a:p>
+          <a:p>
+            <a:pPr lvl="1"/>
+            <a:r>
+              <a:rPr lang="en-US" sz="2800" kern="1200" dirty="0" smtClean="0">
+                <a:solidFill>
+                  <a:schemeClr val="tx1"/>
+                </a:solidFill>
+                <a:effectLst/>
+                <a:latin typeface="+mn-lt"/>
+                <a:ea typeface="+mn-ea"/>
+                <a:cs typeface="+mn-cs"/>
+              </a:rPr>
+              <a:t>Easily done with decorators</a:t>
+            </a:r>
+          </a:p>
+          <a:p>
+            <a:pPr lvl="0"/>
+            <a:r>
+              <a:rPr lang="en-US" sz="3200" kern="1200" dirty="0" smtClean="0">
+                <a:solidFill>
+                  <a:schemeClr val="tx1"/>
+                </a:solidFill>
+                <a:effectLst/>
+                <a:latin typeface="+mn-lt"/>
+                <a:ea typeface="+mn-ea"/>
+                <a:cs typeface="+mn-cs"/>
+              </a:rPr>
+              <a:t>Activity:</a:t>
+            </a:r>
+            <a:r>
+              <a:rPr lang="en-US" sz="3200" kern="1200" baseline="0" dirty="0" smtClean="0">
+                <a:solidFill>
+                  <a:schemeClr val="tx1"/>
+                </a:solidFill>
+                <a:effectLst/>
+                <a:latin typeface="+mn-lt"/>
+                <a:ea typeface="+mn-ea"/>
+                <a:cs typeface="+mn-cs"/>
+              </a:rPr>
+              <a:t> </a:t>
+            </a:r>
+            <a:r>
+              <a:rPr lang="en-US" sz="3200" kern="1200" dirty="0" smtClean="0">
+                <a:solidFill>
+                  <a:schemeClr val="tx1"/>
+                </a:solidFill>
+                <a:effectLst/>
+                <a:latin typeface="+mn-lt"/>
+                <a:ea typeface="+mn-ea"/>
+                <a:cs typeface="+mn-cs"/>
+              </a:rPr>
+              <a:t>Insert</a:t>
+            </a:r>
+            <a:r>
+              <a:rPr lang="en-US" sz="3200" kern="1200" baseline="0" dirty="0" smtClean="0">
+                <a:solidFill>
+                  <a:schemeClr val="tx1"/>
+                </a:solidFill>
+                <a:effectLst/>
+                <a:latin typeface="+mn-lt"/>
+                <a:ea typeface="+mn-ea"/>
+                <a:cs typeface="+mn-cs"/>
+              </a:rPr>
+              <a:t> </a:t>
+            </a:r>
+            <a:r>
+              <a:rPr lang="en-US" sz="3200" kern="1200" baseline="0" dirty="0" smtClean="0">
+                <a:solidFill>
+                  <a:schemeClr val="tx1"/>
+                </a:solidFill>
+                <a:effectLst/>
+                <a:latin typeface="+mn-lt"/>
+                <a:ea typeface="+mn-ea"/>
+                <a:cs typeface="+mn-cs"/>
+              </a:rPr>
+              <a:t>at</a:t>
+            </a:r>
+            <a:r>
+              <a:rPr lang="en-US" sz="3200" kern="1200" dirty="0" smtClean="0">
+                <a:solidFill>
+                  <a:schemeClr val="tx1"/>
+                </a:solidFill>
+                <a:effectLst/>
+                <a:latin typeface="+mn-lt"/>
+                <a:ea typeface="+mn-ea"/>
+                <a:cs typeface="+mn-cs"/>
+              </a:rPr>
+              <a:t> any other </a:t>
+            </a:r>
+            <a:r>
+              <a:rPr lang="en-US" sz="3200" kern="1200" dirty="0" smtClean="0">
+                <a:solidFill>
+                  <a:schemeClr val="tx1"/>
+                </a:solidFill>
+                <a:effectLst/>
+                <a:latin typeface="+mn-lt"/>
+                <a:ea typeface="+mn-ea"/>
+                <a:cs typeface="+mn-cs"/>
+              </a:rPr>
+              <a:t>points</a:t>
+            </a:r>
+            <a:endParaRPr lang="en-US" sz="3200" kern="1200" dirty="0" smtClean="0">
+              <a:solidFill>
+                <a:schemeClr val="tx1"/>
+              </a:solidFill>
+              <a:effectLst/>
+              <a:latin typeface="+mn-lt"/>
+              <a:ea typeface="+mn-ea"/>
+              <a:cs typeface="+mn-cs"/>
+            </a:endParaRPr>
+          </a:p>
+          <a:p>
+            <a:pPr lvl="1"/>
+            <a:r>
+              <a:rPr lang="en-US" sz="2800" kern="1200" dirty="0" smtClean="0">
+                <a:solidFill>
+                  <a:schemeClr val="tx1"/>
+                </a:solidFill>
+                <a:effectLst/>
+                <a:latin typeface="+mn-lt"/>
+                <a:ea typeface="+mn-ea"/>
+                <a:cs typeface="+mn-cs"/>
+              </a:rPr>
+              <a:t>Think fancy print() calls</a:t>
+            </a:r>
           </a:p>
         </p:txBody>
       </p:sp>
@@ -7044,7 +7085,7 @@
     </p:spTree>
     <p:extLst>
       <p:ext uri="{BB962C8B-B14F-4D97-AF65-F5344CB8AC3E}">
-        <p14:creationId xmlns:p14="http://schemas.microsoft.com/office/powerpoint/2010/main" val="3116210897"/>
+        <p14:creationId xmlns:p14="http://schemas.microsoft.com/office/powerpoint/2010/main" val="2684274098"/>
       </p:ext>
     </p:extLst>
   </p:cSld>
@@ -7088,7 +7129,7 @@
           <a:p>
             <a:r>
               <a:rPr lang="en-US" dirty="0" smtClean="0"/>
-              <a:t>Timestamp</a:t>
+              <a:t>Requirements (cont'd)</a:t>
             </a:r>
             <a:endParaRPr lang="en-US" dirty="0"/>
           </a:p>
@@ -7109,11 +7150,18 @@
           <a:bodyPr/>
           <a:lstStyle/>
           <a:p>
-            <a:r>
-              <a:rPr lang="en-US" dirty="0" smtClean="0">
-                <a:effectLst/>
-              </a:rPr>
-              <a:t>Date and time, to second or millisecond</a:t>
+            <a:pPr lvl="0"/>
+            <a:r>
+              <a:rPr lang="en-US" sz="3200" kern="1200" dirty="0" smtClean="0">
+                <a:solidFill>
+                  <a:schemeClr val="tx1"/>
+                </a:solidFill>
+                <a:effectLst/>
+                <a:latin typeface="+mn-lt"/>
+                <a:ea typeface="+mn-ea"/>
+                <a:cs typeface="+mn-cs"/>
+              </a:rPr>
+              <a:t>Priorities for different levels of details </a:t>
             </a:r>
           </a:p>
           <a:p>
@@ -7128,146 +7176,46 @@
                 <a:ea typeface="+mn-ea"/>
                 <a:cs typeface="+mn-cs"/>
               </a:rPr>
-              <a:t>Timestamp code, e.g., </a:t>
-            </a:r>
-          </a:p>
-          <a:p>
-            <a:r>
-              <a:rPr lang="en-US" sz="3200" kern="1200" dirty="0" smtClean="0">
-                <a:solidFill>
-                  <a:schemeClr val="tx1"/>
-                </a:solidFill>
-                <a:effectLst/>
-                <a:latin typeface="+mn-lt"/>
-                <a:ea typeface="+mn-ea"/>
-                <a:cs typeface="+mn-cs"/>
-              </a:rPr>
-              <a:t>            	timestamp = </a:t>
-            </a:r>
-            <a:r>
-              <a:rPr lang="en-US" sz="3200" kern="1200" dirty="0" err="1" smtClean="0">
-                <a:solidFill>
-                  <a:schemeClr val="tx1"/>
-                </a:solidFill>
-                <a:effectLst/>
-                <a:latin typeface="+mn-lt"/>
-                <a:ea typeface="+mn-ea"/>
-                <a:cs typeface="+mn-cs"/>
-              </a:rPr>
-              <a:t>datetime.datetime.now</a:t>
-            </a:r>
-            <a:r>
-              <a:rPr lang="en-US" sz="3200" kern="1200" dirty="0" smtClean="0">
-                <a:solidFill>
-                  <a:schemeClr val="tx1"/>
-                </a:solidFill>
-                <a:effectLst/>
-                <a:latin typeface="+mn-lt"/>
-                <a:ea typeface="+mn-ea"/>
-                <a:cs typeface="+mn-cs"/>
-              </a:rPr>
-              <a:t>().</a:t>
-            </a:r>
-            <a:r>
-              <a:rPr lang="en-US" sz="3200" kern="1200" dirty="0" err="1" smtClean="0">
-                <a:solidFill>
-                  <a:schemeClr val="tx1"/>
-                </a:solidFill>
-                <a:effectLst/>
-                <a:latin typeface="+mn-lt"/>
-                <a:ea typeface="+mn-ea"/>
-                <a:cs typeface="+mn-cs"/>
-              </a:rPr>
-              <a:t>strftime</a:t>
-            </a:r>
-            <a:r>
-              <a:rPr lang="en-US" sz="3200" kern="1200" dirty="0" smtClean="0">
-                <a:solidFill>
-                  <a:schemeClr val="tx1"/>
-                </a:solidFill>
-                <a:effectLst/>
-                <a:latin typeface="+mn-lt"/>
-                <a:ea typeface="+mn-ea"/>
-                <a:cs typeface="+mn-cs"/>
-              </a:rPr>
-              <a:t>('%</a:t>
-            </a:r>
-            <a:r>
-              <a:rPr lang="en-US" sz="3200" kern="1200" dirty="0" err="1" smtClean="0">
-                <a:solidFill>
-                  <a:schemeClr val="tx1"/>
-                </a:solidFill>
-                <a:effectLst/>
-                <a:latin typeface="+mn-lt"/>
-                <a:ea typeface="+mn-ea"/>
-                <a:cs typeface="+mn-cs"/>
-              </a:rPr>
-              <a:t>Y%m%d</a:t>
-            </a:r>
-            <a:r>
-              <a:rPr lang="en-US" sz="3200" kern="1200" dirty="0" smtClean="0">
-                <a:solidFill>
-                  <a:schemeClr val="tx1"/>
-                </a:solidFill>
-                <a:effectLst/>
-                <a:latin typeface="+mn-lt"/>
-                <a:ea typeface="+mn-ea"/>
-                <a:cs typeface="+mn-cs"/>
-              </a:rPr>
-              <a:t>_%</a:t>
-            </a:r>
-            <a:r>
-              <a:rPr lang="en-US" sz="3200" kern="1200" dirty="0" err="1" smtClean="0">
-                <a:solidFill>
-                  <a:schemeClr val="tx1"/>
-                </a:solidFill>
-                <a:effectLst/>
-                <a:latin typeface="+mn-lt"/>
-                <a:ea typeface="+mn-ea"/>
-                <a:cs typeface="+mn-cs"/>
-              </a:rPr>
-              <a:t>H%M%S.%f</a:t>
-            </a:r>
-            <a:r>
-              <a:rPr lang="en-US" sz="3200" kern="1200" dirty="0" smtClean="0">
-                <a:solidFill>
-                  <a:schemeClr val="tx1"/>
-                </a:solidFill>
-                <a:effectLst/>
-                <a:latin typeface="+mn-lt"/>
-                <a:ea typeface="+mn-ea"/>
-                <a:cs typeface="+mn-cs"/>
-              </a:rPr>
-              <a:t>')[:-3]</a:t>
-            </a:r>
-          </a:p>
-          <a:p>
-            <a:r>
-              <a:rPr lang="en-US" sz="3200" kern="1200" dirty="0" smtClean="0">
-                <a:solidFill>
-                  <a:schemeClr val="tx1"/>
-                </a:solidFill>
-                <a:effectLst/>
-                <a:latin typeface="+mn-lt"/>
-                <a:ea typeface="+mn-ea"/>
-                <a:cs typeface="+mn-cs"/>
-              </a:rPr>
-              <a:t>		produces</a:t>
-            </a:r>
-          </a:p>
-          <a:p>
-            <a:r>
-              <a:rPr lang="en-US" sz="3200" kern="1200" dirty="0" smtClean="0">
-                <a:solidFill>
-                  <a:schemeClr val="tx1"/>
-                </a:solidFill>
-                <a:effectLst/>
-                <a:latin typeface="+mn-lt"/>
-                <a:ea typeface="+mn-ea"/>
-                <a:cs typeface="+mn-cs"/>
-              </a:rPr>
-              <a:t>		20201103_153703.284</a:t>
-            </a:r>
+              <a:t> e.g., function entry and exit, details inside complex logic, details in loops</a:t>
+            </a:r>
+          </a:p>
+          <a:p>
+            <a:r>
+              <a:rPr lang="en-US" dirty="0" smtClean="0"/>
+              <a:t>Options for output location and format</a:t>
+            </a:r>
+          </a:p>
+          <a:p>
+            <a:r>
+              <a:rPr lang="en-US" dirty="0" smtClean="0"/>
+              <a:t>Low performance impact</a:t>
+            </a:r>
+          </a:p>
+          <a:p>
+            <a:pPr marL="0" indent="0">
+              <a:buNone/>
+            </a:pPr>
+            <a:endParaRPr lang="en-US" b="0" dirty="0" smtClean="0"/>
+          </a:p>
+          <a:p>
+            <a:pPr marL="0" indent="0">
+              <a:buNone/>
+            </a:pPr>
+            <a:r>
+              <a:rPr lang="en-US" b="0" dirty="0" smtClean="0"/>
+              <a:t>and</a:t>
+            </a:r>
+          </a:p>
+          <a:p>
+            <a:r>
+              <a:rPr lang="en-US" b="1" dirty="0" smtClean="0"/>
+              <a:t>Manageable</a:t>
+            </a:r>
+            <a:r>
+              <a:rPr lang="en-US" b="1" baseline="0" dirty="0" smtClean="0"/>
+              <a:t> without editing code!</a:t>
+            </a:r>
+            <a:endParaRPr lang="en-US" b="1" dirty="0"/>
           </a:p>
         </p:txBody>
       </p:sp>
@@ -7343,7 +7291,7 @@
     </p:spTree>
     <p:extLst>
       <p:ext uri="{BB962C8B-B14F-4D97-AF65-F5344CB8AC3E}">
-        <p14:creationId xmlns:p14="http://schemas.microsoft.com/office/powerpoint/2010/main" val="1793781391"/>
+        <p14:creationId xmlns:p14="http://schemas.microsoft.com/office/powerpoint/2010/main" val="3116210897"/>
       </p:ext>
     </p:extLst>
   </p:cSld>
@@ -7387,11 +7335,7 @@
           <a:p>
             <a:r>
               <a:rPr lang="en-US" dirty="0" smtClean="0"/>
-              <a:t>Easy Control</a:t>
-            </a:r>
-            <a:r>
-              <a:rPr lang="en-US" baseline="0" dirty="0" smtClean="0"/>
-              <a:t> of Debug On/Off</a:t>
+              <a:t>Timestamp</a:t>
             </a:r>
             <a:endParaRPr lang="en-US" dirty="0"/>
           </a:p>
@@ -7409,221 +7353,33 @@
         </p:nvSpPr>
         <p:spPr/>
         <p:txBody>
-          <a:bodyPr>
-            <a:normAutofit/>
-          </a:bodyPr>
-          <a:lstStyle/>
-          <a:p>
-            <a:pPr lvl="0"/>
-            <a:r>
-              <a:rPr lang="en-US" sz="3200" kern="1200" dirty="0" smtClean="0">
-                <a:solidFill>
-                  <a:schemeClr val="tx1"/>
-                </a:solidFill>
-                <a:effectLst/>
-                <a:latin typeface="+mn-lt"/>
-                <a:ea typeface="+mn-ea"/>
-                <a:cs typeface="+mn-cs"/>
-              </a:rPr>
-              <a:t>Control with environment variables</a:t>
-            </a:r>
-          </a:p>
-          <a:p>
-            <a:pPr lvl="1"/>
-            <a:r>
-              <a:rPr lang="en-US" sz="2800" kern="1200" dirty="0" smtClean="0">
-                <a:solidFill>
-                  <a:schemeClr val="tx1"/>
-                </a:solidFill>
-                <a:effectLst/>
-                <a:latin typeface="+mn-lt"/>
-                <a:ea typeface="+mn-ea"/>
-                <a:cs typeface="+mn-cs"/>
-              </a:rPr>
-              <a:t>Don't want to change the code for debug/</a:t>
-            </a:r>
-            <a:r>
-              <a:rPr lang="en-US" sz="2800" kern="1200" dirty="0" err="1" smtClean="0">
-                <a:solidFill>
-                  <a:schemeClr val="tx1"/>
-                </a:solidFill>
-                <a:effectLst/>
-                <a:latin typeface="+mn-lt"/>
-                <a:ea typeface="+mn-ea"/>
-                <a:cs typeface="+mn-cs"/>
-              </a:rPr>
-              <a:t>nondebug</a:t>
-            </a:r>
-            <a:r>
-              <a:rPr lang="en-US" sz="2800" kern="1200" dirty="0" smtClean="0">
-                <a:solidFill>
-                  <a:schemeClr val="tx1"/>
-                </a:solidFill>
-                <a:effectLst/>
-                <a:latin typeface="+mn-lt"/>
-                <a:ea typeface="+mn-ea"/>
-                <a:cs typeface="+mn-cs"/>
-              </a:rPr>
-              <a:t> versions.  Tracing should be permanently installed, just turned on and off easily.  </a:t>
-            </a:r>
-          </a:p>
-          <a:p>
-            <a:pPr lvl="0"/>
-            <a:r>
-              <a:rPr lang="en-US" sz="3200" kern="1200" dirty="0" err="1" smtClean="0">
-                <a:solidFill>
-                  <a:schemeClr val="tx1"/>
-                </a:solidFill>
-                <a:effectLst/>
-                <a:latin typeface="+mn-lt"/>
-                <a:ea typeface="+mn-ea"/>
-                <a:cs typeface="+mn-cs"/>
-              </a:rPr>
-              <a:t>Envir</a:t>
-            </a:r>
-            <a:r>
-              <a:rPr lang="en-US" sz="3200" kern="1200" dirty="0" smtClean="0">
-                <a:solidFill>
-                  <a:schemeClr val="tx1"/>
-                </a:solidFill>
-                <a:effectLst/>
-                <a:latin typeface="+mn-lt"/>
-                <a:ea typeface="+mn-ea"/>
-                <a:cs typeface="+mn-cs"/>
-              </a:rPr>
-              <a:t> </a:t>
-            </a:r>
-            <a:r>
-              <a:rPr lang="en-US" sz="3200" kern="1200" dirty="0" err="1" smtClean="0">
-                <a:solidFill>
-                  <a:schemeClr val="tx1"/>
-                </a:solidFill>
-                <a:effectLst/>
-                <a:latin typeface="+mn-lt"/>
-                <a:ea typeface="+mn-ea"/>
-                <a:cs typeface="+mn-cs"/>
-              </a:rPr>
-              <a:t>vars</a:t>
-            </a:r>
-            <a:r>
-              <a:rPr lang="en-US" sz="3200" kern="1200" dirty="0" smtClean="0">
-                <a:solidFill>
-                  <a:schemeClr val="tx1"/>
-                </a:solidFill>
-                <a:effectLst/>
-                <a:latin typeface="+mn-lt"/>
-                <a:ea typeface="+mn-ea"/>
-                <a:cs typeface="+mn-cs"/>
-              </a:rPr>
-              <a:t> easy to sense: </a:t>
-            </a:r>
-            <a:r>
-              <a:rPr lang="en-US" sz="3200" kern="1200" dirty="0" err="1" smtClean="0">
-                <a:solidFill>
-                  <a:schemeClr val="tx1"/>
-                </a:solidFill>
-                <a:effectLst/>
-                <a:latin typeface="+mn-lt"/>
-                <a:ea typeface="+mn-ea"/>
-                <a:cs typeface="+mn-cs"/>
-              </a:rPr>
-              <a:t>os,getenv</a:t>
-            </a:r>
-            <a:r>
-              <a:rPr lang="en-US" sz="3200" kern="1200" dirty="0" smtClean="0">
-                <a:solidFill>
-                  <a:schemeClr val="tx1"/>
-                </a:solidFill>
-                <a:effectLst/>
-                <a:latin typeface="+mn-lt"/>
-                <a:ea typeface="+mn-ea"/>
-                <a:cs typeface="+mn-cs"/>
-              </a:rPr>
-              <a:t>(</a:t>
-            </a:r>
-            <a:r>
-              <a:rPr lang="en-US" sz="3200" kern="1200" dirty="0" err="1" smtClean="0">
-                <a:solidFill>
-                  <a:schemeClr val="tx1"/>
-                </a:solidFill>
-                <a:effectLst/>
-                <a:latin typeface="+mn-lt"/>
-                <a:ea typeface="+mn-ea"/>
-                <a:cs typeface="+mn-cs"/>
-              </a:rPr>
-              <a:t>env_name</a:t>
-            </a:r>
-            <a:r>
-              <a:rPr lang="en-US" sz="3200" kern="1200" dirty="0" smtClean="0">
-                <a:solidFill>
-                  <a:schemeClr val="tx1"/>
-                </a:solidFill>
-                <a:effectLst/>
-                <a:latin typeface="+mn-lt"/>
-                <a:ea typeface="+mn-ea"/>
-                <a:cs typeface="+mn-cs"/>
-              </a:rPr>
-              <a:t>, </a:t>
-            </a:r>
-            <a:r>
-              <a:rPr lang="en-US" sz="3200" kern="1200" dirty="0" err="1" smtClean="0">
-                <a:solidFill>
-                  <a:schemeClr val="tx1"/>
-                </a:solidFill>
-                <a:effectLst/>
-                <a:latin typeface="+mn-lt"/>
-                <a:ea typeface="+mn-ea"/>
-                <a:cs typeface="+mn-cs"/>
-              </a:rPr>
-              <a:t>default_val</a:t>
-            </a:r>
-            <a:r>
-              <a:rPr lang="en-US" sz="3200" kern="1200" dirty="0" smtClean="0">
-                <a:solidFill>
-                  <a:schemeClr val="tx1"/>
-                </a:solidFill>
-                <a:effectLst/>
-                <a:latin typeface="+mn-lt"/>
-                <a:ea typeface="+mn-ea"/>
-                <a:cs typeface="+mn-cs"/>
-              </a:rPr>
-              <a:t>) </a:t>
-            </a:r>
-          </a:p>
-          <a:p>
-            <a:pPr lvl="2"/>
-            <a:r>
-              <a:rPr lang="en-US" sz="2400" kern="1200" dirty="0" smtClean="0">
-                <a:solidFill>
-                  <a:schemeClr val="tx1"/>
-                </a:solidFill>
-                <a:effectLst/>
-                <a:latin typeface="+mn-lt"/>
-                <a:ea typeface="+mn-ea"/>
-                <a:cs typeface="+mn-cs"/>
-              </a:rPr>
-              <a:t>Beware: the value returned is always a string even if it looks like an </a:t>
-            </a:r>
-            <a:r>
-              <a:rPr lang="en-US" sz="2400" kern="1200" dirty="0" err="1" smtClean="0">
-                <a:solidFill>
-                  <a:schemeClr val="tx1"/>
-                </a:solidFill>
-                <a:effectLst/>
-                <a:latin typeface="+mn-lt"/>
-                <a:ea typeface="+mn-ea"/>
-                <a:cs typeface="+mn-cs"/>
-              </a:rPr>
-              <a:t>int</a:t>
-            </a:r>
-            <a:endParaRPr lang="en-US" sz="2400" kern="1200" dirty="0" smtClean="0">
-              <a:solidFill>
-                <a:schemeClr val="tx1"/>
-              </a:solidFill>
+          <a:bodyPr/>
+          <a:lstStyle/>
+          <a:p>
+            <a:r>
+              <a:rPr lang="en-US" dirty="0" smtClean="0">
+                <a:effectLst/>
+              </a:rPr>
+              <a:t>Date and time, to second or millisecond</a:t>
+            </a:r>
+          </a:p>
+          <a:p>
+            <a:endParaRPr lang="en-US" dirty="0"/>
+          </a:p>
+          <a:p>
+            <a:r>
+              <a:rPr lang="en-US" sz="2400" dirty="0" smtClean="0">
+                <a:solidFill>
+                  <a:srgbClr val="00B050"/>
+                </a:solidFill>
+                <a:effectLst/>
+              </a:rPr>
+              <a:t>&lt;code: timestamp&gt;</a:t>
+            </a:r>
+          </a:p>
+          <a:p>
+            <a:endParaRPr lang="en-US" dirty="0" smtClean="0">
               <a:effectLst/>
-              <a:latin typeface="+mn-lt"/>
-              <a:ea typeface="+mn-ea"/>
-              <a:cs typeface="+mn-cs"/>
             </a:endParaRPr>
           </a:p>
         </p:txBody>
@@ -7700,7 +7456,7 @@
     </p:spTree>
     <p:extLst>
       <p:ext uri="{BB962C8B-B14F-4D97-AF65-F5344CB8AC3E}">
-        <p14:creationId xmlns:p14="http://schemas.microsoft.com/office/powerpoint/2010/main" val="1887016969"/>
+        <p14:creationId xmlns:p14="http://schemas.microsoft.com/office/powerpoint/2010/main" val="927184767"/>
       </p:ext>
     </p:extLst>
   </p:cSld>
@@ -7744,11 +7500,11 @@
           <a:p>
             <a:r>
               <a:rPr lang="en-US" dirty="0" smtClean="0"/>
-              <a:t>Leave the Debugging</a:t>
+              <a:t>Easy Control</a:t>
             </a:r>
             <a:r>
               <a:rPr lang="en-US" baseline="0" dirty="0" smtClean="0"/>
-              <a:t> Code in</a:t>
+              <a:t> of Debug On/Off</a:t>
             </a:r>
             <a:endParaRPr lang="en-US" dirty="0"/>
           </a:p>
@@ -7767,7 +7523,7 @@
         <p:spPr/>
         <p:txBody>
           <a:bodyPr>
-            <a:normAutofit fontScale="92500" lnSpcReduction="10000"/>
+            <a:normAutofit/>
           </a:bodyPr>
           <a:lstStyle/>
           <a:p>
@@ -7782,7 +7538,7 @@
                 <a:ea typeface="+mn-ea"/>
                 <a:cs typeface="+mn-cs"/>
               </a:rPr>
-              <a:t>Suppose a bug shows up in production?  </a:t>
+              <a:t>Control with environment variables</a:t>
             </a:r>
           </a:p>
           <a:p>
@@ -7797,304 +7553,20 @@
                 <a:ea typeface="+mn-ea"/>
                 <a:cs typeface="+mn-cs"/>
               </a:rPr>
-              <a:t>Just tell the customer to add a couple environment variables and restart the application.</a:t>
-            </a:r>
-          </a:p>
-          <a:p>
-            <a:pPr lvl="2"/>
-            <a:r>
-              <a:rPr lang="en-US" sz="2400" kern="1200" dirty="0" smtClean="0">
-                <a:solidFill>
-                  <a:schemeClr val="tx1"/>
-                </a:solidFill>
-                <a:effectLst/>
-                <a:latin typeface="+mn-lt"/>
-                <a:ea typeface="+mn-ea"/>
-                <a:cs typeface="+mn-cs"/>
-              </a:rPr>
-              <a:t>Yes, we actually did that.  </a:t>
-            </a:r>
-          </a:p>
-          <a:p>
-            <a:pPr marL="457200" lvl="1" indent="0">
-              <a:buNone/>
-            </a:pPr>
-            <a:r>
-              <a:rPr lang="en-US" sz="1700" kern="1200" dirty="0" smtClean="0">
-                <a:solidFill>
-                  <a:schemeClr val="tx1"/>
-                </a:solidFill>
-                <a:effectLst/>
-                <a:latin typeface="Courier New" panose="02070309020205020404" pitchFamily="49" charset="0"/>
-                <a:ea typeface="+mn-ea"/>
-                <a:cs typeface="Courier New" panose="02070309020205020404" pitchFamily="49" charset="0"/>
-              </a:rPr>
-              <a:t>try:</a:t>
-            </a:r>
-            <a:br>
-              <a:rPr lang="en-US" sz="1700" kern="1200" dirty="0" smtClean="0">
-                <a:solidFill>
-                  <a:schemeClr val="tx1"/>
-                </a:solidFill>
-                <a:effectLst/>
-                <a:latin typeface="Courier New" panose="02070309020205020404" pitchFamily="49" charset="0"/>
-                <a:ea typeface="+mn-ea"/>
-                <a:cs typeface="Courier New" panose="02070309020205020404" pitchFamily="49" charset="0"/>
-              </a:rPr>
-            </a:br>
-            <a:r>
-              <a:rPr lang="en-US" sz="1700" kern="1200" dirty="0" smtClean="0">
-                <a:solidFill>
-                  <a:schemeClr val="tx1"/>
-                </a:solidFill>
-                <a:effectLst/>
-                <a:latin typeface="Courier New" panose="02070309020205020404" pitchFamily="49" charset="0"/>
-                <a:ea typeface="+mn-ea"/>
-                <a:cs typeface="Courier New" panose="02070309020205020404" pitchFamily="49" charset="0"/>
-              </a:rPr>
-              <a:t>     </a:t>
-            </a:r>
-            <a:r>
-              <a:rPr lang="en-US" sz="1700" kern="1200" dirty="0" err="1" smtClean="0">
-                <a:solidFill>
-                  <a:schemeClr val="tx1"/>
-                </a:solidFill>
-                <a:effectLst/>
-                <a:latin typeface="Courier New" panose="02070309020205020404" pitchFamily="49" charset="0"/>
-                <a:ea typeface="+mn-ea"/>
-                <a:cs typeface="Courier New" panose="02070309020205020404" pitchFamily="49" charset="0"/>
-              </a:rPr>
-              <a:t>tracelevel</a:t>
-            </a:r>
-            <a:r>
-              <a:rPr lang="en-US" sz="1700" kern="1200" dirty="0" smtClean="0">
-                <a:solidFill>
-                  <a:schemeClr val="tx1"/>
-                </a:solidFill>
-                <a:effectLst/>
-                <a:latin typeface="Courier New" panose="02070309020205020404" pitchFamily="49" charset="0"/>
-                <a:ea typeface="+mn-ea"/>
-                <a:cs typeface="Courier New" panose="02070309020205020404" pitchFamily="49" charset="0"/>
-              </a:rPr>
-              <a:t> =</a:t>
-            </a:r>
-            <a:r>
-              <a:rPr lang="en-US" sz="1700" kern="1200" baseline="0" dirty="0" smtClean="0">
-                <a:solidFill>
-                  <a:schemeClr val="tx1"/>
-                </a:solidFill>
-                <a:effectLst/>
-                <a:latin typeface="Courier New" panose="02070309020205020404" pitchFamily="49" charset="0"/>
-                <a:ea typeface="+mn-ea"/>
-                <a:cs typeface="Courier New" panose="02070309020205020404" pitchFamily="49" charset="0"/>
-              </a:rPr>
-              <a:t> </a:t>
-            </a:r>
-            <a:r>
-              <a:rPr lang="en-US" sz="1700" kern="1200" baseline="0" dirty="0" err="1" smtClean="0">
-                <a:solidFill>
-                  <a:schemeClr val="tx1"/>
-                </a:solidFill>
-                <a:effectLst/>
-                <a:latin typeface="Courier New" panose="02070309020205020404" pitchFamily="49" charset="0"/>
-                <a:ea typeface="+mn-ea"/>
-                <a:cs typeface="Courier New" panose="02070309020205020404" pitchFamily="49" charset="0"/>
-              </a:rPr>
-              <a:t>i</a:t>
-            </a:r>
-            <a:r>
-              <a:rPr lang="en-US" sz="1700" kern="1200" dirty="0" err="1" smtClean="0">
-                <a:solidFill>
-                  <a:schemeClr val="tx1"/>
-                </a:solidFill>
-                <a:effectLst/>
-                <a:latin typeface="Courier New" panose="02070309020205020404" pitchFamily="49" charset="0"/>
-                <a:ea typeface="+mn-ea"/>
-                <a:cs typeface="Courier New" panose="02070309020205020404" pitchFamily="49" charset="0"/>
-              </a:rPr>
-              <a:t>nt</a:t>
-            </a:r>
-            <a:r>
-              <a:rPr lang="en-US" sz="1700" kern="1200" dirty="0" smtClean="0">
-                <a:solidFill>
-                  <a:schemeClr val="tx1"/>
-                </a:solidFill>
-                <a:effectLst/>
-                <a:latin typeface="Courier New" panose="02070309020205020404" pitchFamily="49" charset="0"/>
-                <a:ea typeface="+mn-ea"/>
-                <a:cs typeface="Courier New" panose="02070309020205020404" pitchFamily="49" charset="0"/>
-              </a:rPr>
-              <a:t>(</a:t>
-            </a:r>
-            <a:r>
-              <a:rPr lang="en-US" sz="1700" kern="1200" dirty="0" err="1" smtClean="0">
-                <a:solidFill>
-                  <a:schemeClr val="tx1"/>
-                </a:solidFill>
-                <a:effectLst/>
-                <a:latin typeface="Courier New" panose="02070309020205020404" pitchFamily="49" charset="0"/>
-                <a:ea typeface="+mn-ea"/>
-                <a:cs typeface="Courier New" panose="02070309020205020404" pitchFamily="49" charset="0"/>
-              </a:rPr>
-              <a:t>os.getenv</a:t>
-            </a:r>
-            <a:r>
-              <a:rPr lang="en-US" sz="1700" kern="1200" dirty="0" smtClean="0">
-                <a:solidFill>
-                  <a:schemeClr val="tx1"/>
-                </a:solidFill>
-                <a:effectLst/>
-                <a:latin typeface="Courier New" panose="02070309020205020404" pitchFamily="49" charset="0"/>
-                <a:ea typeface="+mn-ea"/>
-                <a:cs typeface="Courier New" panose="02070309020205020404" pitchFamily="49" charset="0"/>
-              </a:rPr>
-              <a:t>("TRACE_LEVEL", </a:t>
-            </a:r>
-            <a:r>
-              <a:rPr lang="en-US" sz="1700" kern="1200" dirty="0" err="1" smtClean="0">
-                <a:solidFill>
-                  <a:schemeClr val="tx1"/>
-                </a:solidFill>
-                <a:effectLst/>
-                <a:latin typeface="Courier New" panose="02070309020205020404" pitchFamily="49" charset="0"/>
-                <a:ea typeface="+mn-ea"/>
-                <a:cs typeface="Courier New" panose="02070309020205020404" pitchFamily="49" charset="0"/>
-              </a:rPr>
-              <a:t>defaultlevel</a:t>
-            </a:r>
-            <a:r>
-              <a:rPr lang="en-US" sz="1700" kern="1200" dirty="0" smtClean="0">
-                <a:solidFill>
-                  <a:schemeClr val="tx1"/>
-                </a:solidFill>
-                <a:effectLst/>
-                <a:latin typeface="Courier New" panose="02070309020205020404" pitchFamily="49" charset="0"/>
-                <a:ea typeface="+mn-ea"/>
-                <a:cs typeface="Courier New" panose="02070309020205020404" pitchFamily="49" charset="0"/>
-              </a:rPr>
-              <a:t>))</a:t>
-            </a:r>
-            <a:br>
-              <a:rPr lang="en-US" sz="1700" kern="1200" dirty="0" smtClean="0">
-                <a:solidFill>
-                  <a:schemeClr val="tx1"/>
-                </a:solidFill>
-                <a:effectLst/>
-                <a:latin typeface="Courier New" panose="02070309020205020404" pitchFamily="49" charset="0"/>
-                <a:ea typeface="+mn-ea"/>
-                <a:cs typeface="Courier New" panose="02070309020205020404" pitchFamily="49" charset="0"/>
-              </a:rPr>
-            </a:br>
-            <a:r>
-              <a:rPr lang="en-US" sz="1700" kern="1200" dirty="0" smtClean="0">
-                <a:solidFill>
-                  <a:schemeClr val="tx1"/>
-                </a:solidFill>
-                <a:effectLst/>
-                <a:latin typeface="Courier New" panose="02070309020205020404" pitchFamily="49" charset="0"/>
-                <a:ea typeface="+mn-ea"/>
-                <a:cs typeface="Courier New" panose="02070309020205020404" pitchFamily="49" charset="0"/>
-              </a:rPr>
-              <a:t>except </a:t>
-            </a:r>
-            <a:r>
-              <a:rPr lang="en-US" sz="1700" kern="1200" dirty="0" err="1" smtClean="0">
-                <a:solidFill>
-                  <a:schemeClr val="tx1"/>
-                </a:solidFill>
-                <a:effectLst/>
-                <a:latin typeface="Courier New" panose="02070309020205020404" pitchFamily="49" charset="0"/>
-                <a:ea typeface="+mn-ea"/>
-                <a:cs typeface="Courier New" panose="02070309020205020404" pitchFamily="49" charset="0"/>
-              </a:rPr>
-              <a:t>ValueError</a:t>
-            </a:r>
-            <a:r>
-              <a:rPr lang="en-US" sz="1700" kern="1200" dirty="0" smtClean="0">
-                <a:solidFill>
-                  <a:schemeClr val="tx1"/>
-                </a:solidFill>
-                <a:effectLst/>
-                <a:latin typeface="Courier New" panose="02070309020205020404" pitchFamily="49" charset="0"/>
-                <a:ea typeface="+mn-ea"/>
-                <a:cs typeface="Courier New" panose="02070309020205020404" pitchFamily="49" charset="0"/>
-              </a:rPr>
-              <a:t>:</a:t>
-            </a:r>
-            <a:r>
-              <a:rPr lang="en-US" sz="1700" kern="1200" baseline="0" dirty="0" smtClean="0">
-                <a:solidFill>
-                  <a:schemeClr val="tx1"/>
-                </a:solidFill>
-                <a:effectLst/>
-                <a:latin typeface="Courier New" panose="02070309020205020404" pitchFamily="49" charset="0"/>
-                <a:ea typeface="+mn-ea"/>
-                <a:cs typeface="Courier New" panose="02070309020205020404" pitchFamily="49" charset="0"/>
-              </a:rPr>
-              <a:t>  # Take default if not </a:t>
-            </a:r>
-            <a:r>
-              <a:rPr lang="en-US" sz="1700" kern="1200" baseline="0" dirty="0" err="1" smtClean="0">
-                <a:solidFill>
-                  <a:schemeClr val="tx1"/>
-                </a:solidFill>
-                <a:effectLst/>
-                <a:latin typeface="Courier New" panose="02070309020205020404" pitchFamily="49" charset="0"/>
-                <a:ea typeface="+mn-ea"/>
-                <a:cs typeface="Courier New" panose="02070309020205020404" pitchFamily="49" charset="0"/>
-              </a:rPr>
-              <a:t>int</a:t>
-            </a:r>
-            <a:r>
-              <a:rPr lang="en-US" sz="1700" kern="1200" baseline="0" dirty="0" smtClean="0">
-                <a:solidFill>
-                  <a:schemeClr val="tx1"/>
-                </a:solidFill>
-                <a:effectLst/>
-                <a:latin typeface="Courier New" panose="02070309020205020404" pitchFamily="49" charset="0"/>
-                <a:ea typeface="+mn-ea"/>
-                <a:cs typeface="Courier New" panose="02070309020205020404" pitchFamily="49" charset="0"/>
-              </a:rPr>
-              <a:t/>
-            </a:r>
-            <a:br>
-              <a:rPr lang="en-US" sz="1700" kern="1200" baseline="0" dirty="0" smtClean="0">
-                <a:solidFill>
-                  <a:schemeClr val="tx1"/>
-                </a:solidFill>
-                <a:effectLst/>
-                <a:latin typeface="Courier New" panose="02070309020205020404" pitchFamily="49" charset="0"/>
-                <a:ea typeface="+mn-ea"/>
-                <a:cs typeface="Courier New" panose="02070309020205020404" pitchFamily="49" charset="0"/>
-              </a:rPr>
-            </a:br>
-            <a:r>
-              <a:rPr lang="en-US" sz="1700" kern="1200" baseline="0" dirty="0" smtClean="0">
-                <a:solidFill>
-                  <a:schemeClr val="tx1"/>
-                </a:solidFill>
-                <a:effectLst/>
-                <a:latin typeface="Courier New" panose="02070309020205020404" pitchFamily="49" charset="0"/>
-                <a:ea typeface="+mn-ea"/>
-                <a:cs typeface="Courier New" panose="02070309020205020404" pitchFamily="49" charset="0"/>
-              </a:rPr>
-              <a:t>    </a:t>
-            </a:r>
-            <a:r>
-              <a:rPr lang="en-US" sz="1700" kern="1200" dirty="0" smtClean="0">
-                <a:solidFill>
-                  <a:schemeClr val="tx1"/>
-                </a:solidFill>
-                <a:effectLst/>
-                <a:latin typeface="Courier New" panose="02070309020205020404" pitchFamily="49" charset="0"/>
-                <a:ea typeface="+mn-ea"/>
-                <a:cs typeface="Courier New" panose="02070309020205020404" pitchFamily="49" charset="0"/>
-              </a:rPr>
-              <a:t> pass</a:t>
-            </a:r>
-          </a:p>
-          <a:p>
-            <a:pPr lvl="1"/>
+              <a:t>Don't want to change the code for debug/</a:t>
+            </a:r>
+            <a:r>
+              <a:rPr lang="en-US" sz="2800" kern="1200" dirty="0" err="1" smtClean="0">
+                <a:solidFill>
+                  <a:schemeClr val="tx1"/>
+                </a:solidFill>
+                <a:effectLst/>
+                <a:latin typeface="+mn-lt"/>
+                <a:ea typeface="+mn-ea"/>
+                <a:cs typeface="+mn-cs"/>
+              </a:rPr>
+              <a:t>nondebug</a:t>
+            </a:r>
             <a:r>
               <a:rPr lang="en-US" sz="2800" kern="1200" dirty="0" smtClean="0">
                 <a:solidFill>
@@ -8105,99 +7577,16 @@
                 <a:ea typeface="+mn-ea"/>
                 <a:cs typeface="+mn-cs"/>
               </a:rPr>
-              <a:t>In the shell,</a:t>
-            </a:r>
-            <a:br>
-              <a:rPr lang="en-US" sz="2800" kern="1200" dirty="0" smtClean="0">
-                <a:solidFill>
-                  <a:schemeClr val="tx1"/>
-                </a:solidFill>
-                <a:effectLst/>
-                <a:latin typeface="+mn-lt"/>
-                <a:ea typeface="+mn-ea"/>
-                <a:cs typeface="+mn-cs"/>
-              </a:rPr>
-            </a:br>
-            <a:r>
-              <a:rPr lang="en-US" sz="2800" kern="1200" dirty="0" smtClean="0">
-                <a:solidFill>
-                  <a:schemeClr val="tx1"/>
-                </a:solidFill>
-                <a:effectLst/>
-                <a:latin typeface="+mn-lt"/>
-                <a:ea typeface="+mn-ea"/>
-                <a:cs typeface="+mn-cs"/>
-              </a:rPr>
-              <a:t> </a:t>
-            </a:r>
-            <a:r>
-              <a:rPr lang="en-US" sz="2800" kern="1200" baseline="0" dirty="0" smtClean="0">
-                <a:solidFill>
-                  <a:schemeClr val="tx1"/>
-                </a:solidFill>
-                <a:effectLst/>
-                <a:latin typeface="+mn-lt"/>
-                <a:ea typeface="+mn-ea"/>
-                <a:cs typeface="+mn-cs"/>
-              </a:rPr>
-              <a:t>    </a:t>
-            </a:r>
-            <a:r>
-              <a:rPr lang="en-US" sz="1700" kern="1200" dirty="0" smtClean="0">
-                <a:solidFill>
-                  <a:schemeClr val="tx1"/>
-                </a:solidFill>
-                <a:effectLst/>
-                <a:latin typeface="Courier New" panose="02070309020205020404" pitchFamily="49" charset="0"/>
-                <a:ea typeface="+mn-ea"/>
-                <a:cs typeface="Courier New" panose="02070309020205020404" pitchFamily="49" charset="0"/>
-              </a:rPr>
-              <a:t>export </a:t>
-            </a:r>
-            <a:r>
-              <a:rPr lang="en-US" sz="1700" kern="1200" dirty="0" err="1" smtClean="0">
-                <a:solidFill>
-                  <a:schemeClr val="tx1"/>
-                </a:solidFill>
-                <a:effectLst/>
-                <a:latin typeface="Courier New" panose="02070309020205020404" pitchFamily="49" charset="0"/>
-                <a:ea typeface="+mn-ea"/>
-                <a:cs typeface="Courier New" panose="02070309020205020404" pitchFamily="49" charset="0"/>
-              </a:rPr>
-              <a:t>env_var</a:t>
-            </a:r>
-            <a:r>
-              <a:rPr lang="en-US" sz="1700" kern="1200" dirty="0" smtClean="0">
-                <a:solidFill>
-                  <a:schemeClr val="tx1"/>
-                </a:solidFill>
-                <a:effectLst/>
-                <a:latin typeface="Courier New" panose="02070309020205020404" pitchFamily="49" charset="0"/>
-                <a:ea typeface="+mn-ea"/>
-                <a:cs typeface="Courier New" panose="02070309020205020404" pitchFamily="49" charset="0"/>
-              </a:rPr>
-              <a:t>=</a:t>
-            </a:r>
-            <a:r>
-              <a:rPr lang="en-US" sz="1700" kern="1200" dirty="0" err="1" smtClean="0">
-                <a:solidFill>
-                  <a:schemeClr val="tx1"/>
-                </a:solidFill>
-                <a:effectLst/>
-                <a:latin typeface="Courier New" panose="02070309020205020404" pitchFamily="49" charset="0"/>
-                <a:ea typeface="+mn-ea"/>
-                <a:cs typeface="Courier New" panose="02070309020205020404" pitchFamily="49" charset="0"/>
-              </a:rPr>
-              <a:t>some_value</a:t>
-            </a:r>
-            <a:endParaRPr lang="en-US" sz="1700" kern="1200" dirty="0" smtClean="0">
+              <a:t> versions.  </a:t>
+            </a:r>
+            <a:endParaRPr lang="en-US" sz="2800" kern="1200" dirty="0" smtClean="0">
               <a:solidFill>
                 <a:schemeClr val="tx1"/>
               </a:solidFill>
               <a:effectLst/>
-              <a:latin typeface="Courier New" panose="02070309020205020404" pitchFamily="49" charset="0"/>
+              <a:latin typeface="+mn-lt"/>
               <a:ea typeface="+mn-ea"/>
-              <a:cs typeface="Courier New" panose="02070309020205020404" pitchFamily="49" charset="0"/>
+              <a:cs typeface="+mn-cs"/>
             </a:endParaRPr>
           </a:p>
           <a:p>
@@ -8212,7 +7601,46 @@
                 <a:ea typeface="+mn-ea"/>
                 <a:cs typeface="+mn-cs"/>
               </a:rPr>
-              <a:t>Us</a:t>
+              <a:t>Tracing </a:t>
+            </a:r>
+            <a:r>
+              <a:rPr lang="en-US" sz="2800" kern="1200" dirty="0" smtClean="0">
+                <a:solidFill>
+                  <a:schemeClr val="tx1"/>
+                </a:solidFill>
+                <a:effectLst/>
+                <a:latin typeface="+mn-lt"/>
+                <a:ea typeface="+mn-ea"/>
+                <a:cs typeface="+mn-cs"/>
+              </a:rPr>
+              <a:t>should be permanently </a:t>
+            </a:r>
+            <a:r>
+              <a:rPr lang="en-US" sz="2800" kern="1200" dirty="0" smtClean="0">
+                <a:solidFill>
+                  <a:schemeClr val="tx1"/>
+                </a:solidFill>
+                <a:effectLst/>
+                <a:latin typeface="+mn-lt"/>
+                <a:ea typeface="+mn-ea"/>
+                <a:cs typeface="+mn-cs"/>
+              </a:rPr>
+              <a:t>installed</a:t>
+            </a:r>
+          </a:p>
+          <a:p>
+            <a:pPr lvl="1"/>
+            <a:r>
+              <a:rPr lang="en-US" sz="2800" kern="1200" dirty="0" smtClean="0">
+                <a:solidFill>
+                  <a:schemeClr val="tx1"/>
+                </a:solidFill>
+                <a:effectLst/>
+                <a:latin typeface="+mn-lt"/>
+                <a:ea typeface="+mn-ea"/>
+                <a:cs typeface="+mn-cs"/>
+              </a:rPr>
+              <a:t>When</a:t>
             </a:r>
             <a:r>
               <a:rPr lang="en-US" sz="2800" kern="1200" baseline="0" dirty="0" smtClean="0">
@@ -8224,22 +7652,34 @@
                 <a:ea typeface="+mn-ea"/>
                 <a:cs typeface="+mn-cs"/>
               </a:rPr>
-              <a:t>e </a:t>
-            </a:r>
-            <a:r>
-              <a:rPr lang="en-US" sz="2800" kern="1200" dirty="0" err="1" smtClean="0">
-                <a:solidFill>
-                  <a:schemeClr val="tx1"/>
-                </a:solidFill>
-                <a:effectLst/>
-                <a:latin typeface="+mn-lt"/>
-                <a:ea typeface="+mn-ea"/>
-                <a:cs typeface="+mn-cs"/>
-              </a:rPr>
-              <a:t>env</a:t>
-            </a:r>
-            <a:r>
-              <a:rPr lang="en-US" sz="2800" kern="1200" dirty="0" smtClean="0">
+              <a:t> customer calls with a problem...</a:t>
+            </a:r>
+            <a:endParaRPr lang="en-US" sz="2800" kern="1200" dirty="0" smtClean="0">
+              <a:solidFill>
+                <a:schemeClr val="tx1"/>
+              </a:solidFill>
+              <a:effectLst/>
+              <a:latin typeface="+mn-lt"/>
+              <a:ea typeface="+mn-ea"/>
+              <a:cs typeface="+mn-cs"/>
+            </a:endParaRPr>
+          </a:p>
+          <a:p>
+            <a:pPr lvl="0"/>
+            <a:r>
+              <a:rPr lang="en-US" sz="3200" kern="1200" dirty="0" err="1" smtClean="0">
+                <a:solidFill>
+                  <a:schemeClr val="tx1"/>
+                </a:solidFill>
+                <a:effectLst/>
+                <a:latin typeface="+mn-lt"/>
+                <a:ea typeface="+mn-ea"/>
+                <a:cs typeface="+mn-cs"/>
+              </a:rPr>
+              <a:t>Envir</a:t>
+            </a:r>
+            <a:r>
+              <a:rPr lang="en-US" sz="3200" kern="1200" dirty="0" smtClean="0">
                 <a:solidFill>
                   <a:schemeClr val="tx1"/>
                 </a:solidFill>
@@ -8251,7 +7691,7 @@
               <a:t> </a:t>
             </a:r>
             <a:r>
-              <a:rPr lang="en-US" sz="2800" kern="1200" dirty="0" err="1" smtClean="0">
+              <a:rPr lang="en-US" sz="3200" kern="1200" dirty="0" err="1" smtClean="0">
                 <a:solidFill>
                   <a:schemeClr val="tx1"/>
                 </a:solidFill>
@@ -8263,17 +7703,125 @@
               <a:t>vars</a:t>
             </a:r>
             <a:r>
-              <a:rPr lang="en-US" sz="2800" kern="1200" dirty="0" smtClean="0">
-                <a:solidFill>
-                  <a:schemeClr val="tx1"/>
-                </a:solidFill>
-                <a:effectLst/>
-                <a:latin typeface="+mn-lt"/>
-                <a:ea typeface="+mn-ea"/>
-                <a:cs typeface="+mn-cs"/>
-              </a:rPr>
-              <a:t> to control priority, output file location, html tags, production mode for low performance impact</a:t>
-            </a:r>
+              <a:rPr lang="en-US" sz="3200" kern="1200" dirty="0" smtClean="0">
+                <a:solidFill>
+                  <a:schemeClr val="tx1"/>
+                </a:solidFill>
+                <a:effectLst/>
+                <a:latin typeface="+mn-lt"/>
+                <a:ea typeface="+mn-ea"/>
+                <a:cs typeface="+mn-cs"/>
+              </a:rPr>
+              <a:t> easy to </a:t>
+            </a:r>
+            <a:r>
+              <a:rPr lang="en-US" sz="3200" kern="1200" dirty="0" smtClean="0">
+                <a:solidFill>
+                  <a:schemeClr val="tx1"/>
+                </a:solidFill>
+                <a:effectLst/>
+                <a:latin typeface="+mn-lt"/>
+                <a:ea typeface="+mn-ea"/>
+                <a:cs typeface="+mn-cs"/>
+              </a:rPr>
+              <a:t>sense</a:t>
+            </a:r>
+          </a:p>
+          <a:p>
+            <a:pPr lvl="0"/>
+            <a:r>
+              <a:rPr lang="en-US" kern="1200" dirty="0" smtClean="0">
+                <a:solidFill>
+                  <a:schemeClr val="tx1"/>
+                </a:solidFill>
+                <a:effectLst/>
+                <a:latin typeface="+mn-lt"/>
+                <a:ea typeface="+mn-ea"/>
+                <a:cs typeface="+mn-cs"/>
+              </a:rPr>
+              <a:t>(Restart</a:t>
+            </a:r>
+            <a:r>
+              <a:rPr lang="en-US" kern="1200" baseline="0" dirty="0" smtClean="0">
+                <a:solidFill>
+                  <a:schemeClr val="tx1"/>
+                </a:solidFill>
+                <a:effectLst/>
+                <a:latin typeface="+mn-lt"/>
+                <a:ea typeface="+mn-ea"/>
+                <a:cs typeface="+mn-cs"/>
+              </a:rPr>
+              <a:t> process when </a:t>
+            </a:r>
+            <a:r>
+              <a:rPr lang="en-US" kern="1200" baseline="0" dirty="0" err="1" smtClean="0">
+                <a:solidFill>
+                  <a:schemeClr val="tx1"/>
+                </a:solidFill>
+                <a:effectLst/>
+                <a:latin typeface="+mn-lt"/>
+                <a:ea typeface="+mn-ea"/>
+                <a:cs typeface="+mn-cs"/>
+              </a:rPr>
+              <a:t>params</a:t>
+            </a:r>
+            <a:r>
+              <a:rPr lang="en-US" kern="1200" baseline="0" dirty="0" smtClean="0">
+                <a:solidFill>
+                  <a:schemeClr val="tx1"/>
+                </a:solidFill>
+                <a:effectLst/>
+                <a:latin typeface="+mn-lt"/>
+                <a:ea typeface="+mn-ea"/>
+                <a:cs typeface="+mn-cs"/>
+              </a:rPr>
+              <a:t> change)</a:t>
+            </a:r>
+            <a:endParaRPr lang="en-US" kern="1200" dirty="0" smtClean="0">
+              <a:solidFill>
+                <a:schemeClr val="tx1"/>
+              </a:solidFill>
+              <a:effectLst/>
+              <a:latin typeface="+mn-lt"/>
+              <a:ea typeface="+mn-ea"/>
+              <a:cs typeface="+mn-cs"/>
+            </a:endParaRPr>
+          </a:p>
+          <a:p>
+            <a:pPr lvl="0"/>
+            <a:endParaRPr lang="en-US" sz="2400" kern="1200" dirty="0" smtClean="0">
+              <a:solidFill>
+                <a:schemeClr val="tx1"/>
+              </a:solidFill>
+              <a:effectLst/>
+              <a:latin typeface="+mn-lt"/>
+              <a:ea typeface="+mn-ea"/>
+              <a:cs typeface="+mn-cs"/>
+            </a:endParaRPr>
+          </a:p>
+          <a:p>
+            <a:pPr lvl="0"/>
+            <a:r>
+              <a:rPr lang="en-US" sz="2400" kern="1200" dirty="0" smtClean="0">
+                <a:solidFill>
+                  <a:srgbClr val="00B050"/>
+                </a:solidFill>
+                <a:effectLst/>
+                <a:latin typeface="+mn-lt"/>
+                <a:ea typeface="+mn-ea"/>
+                <a:cs typeface="+mn-cs"/>
+              </a:rPr>
+              <a:t>&lt;code: environment variable control&gt;</a:t>
+            </a:r>
+            <a:endParaRPr lang="en-US" sz="2400" kern="1200" dirty="0" smtClean="0">
+              <a:solidFill>
+                <a:srgbClr val="00B050"/>
+              </a:solidFill>
+              <a:effectLst/>
+              <a:latin typeface="+mn-lt"/>
+              <a:ea typeface="+mn-ea"/>
+              <a:cs typeface="+mn-cs"/>
+            </a:endParaRPr>
           </a:p>
         </p:txBody>
       </p:sp>
@@ -8349,7 +7897,7 @@
     </p:spTree>
     <p:extLst>
       <p:ext uri="{BB962C8B-B14F-4D97-AF65-F5344CB8AC3E}">
-        <p14:creationId xmlns:p14="http://schemas.microsoft.com/office/powerpoint/2010/main" val="282592620"/>
+        <p14:creationId xmlns:p14="http://schemas.microsoft.com/office/powerpoint/2010/main" val="1887016969"/>
       </p:ext>
     </p:extLst>
   </p:cSld>
@@ -8393,7 +7941,11 @@
           <a:p>
             <a:r>
               <a:rPr lang="en-US" dirty="0" smtClean="0"/>
-              <a:t>Output Where?</a:t>
+              <a:t>Leave the Debugging</a:t>
+            </a:r>
+            <a:r>
+              <a:rPr lang="en-US" baseline="0" dirty="0" smtClean="0"/>
+              <a:t> Code in</a:t>
             </a:r>
             <a:endParaRPr lang="en-US" dirty="0"/>
           </a:p>
@@ -8411,7 +7963,9 @@
         </p:nvSpPr>
         <p:spPr/>
         <p:txBody>
-          <a:bodyPr/>
+          <a:bodyPr>
+            <a:normAutofit/>
+          </a:bodyPr>
           <a:lstStyle/>
           <a:p>
             <a:pPr lvl="0"/>
@@ -8425,7 +7979,64 @@
                 <a:ea typeface="+mn-ea"/>
                 <a:cs typeface="+mn-cs"/>
               </a:rPr>
-              <a:t>Send to </a:t>
+              <a:t>Suppose a bug shows up in production?  </a:t>
+            </a:r>
+          </a:p>
+          <a:p>
+            <a:pPr lvl="1"/>
+            <a:r>
+              <a:rPr lang="en-US" sz="2800" kern="1200" dirty="0" smtClean="0">
+                <a:solidFill>
+                  <a:schemeClr val="tx1"/>
+                </a:solidFill>
+                <a:effectLst/>
+                <a:latin typeface="+mn-lt"/>
+                <a:ea typeface="+mn-ea"/>
+                <a:cs typeface="+mn-cs"/>
+              </a:rPr>
+              <a:t>Just tell the customer to add a couple environment variables and restart the application.</a:t>
+            </a:r>
+          </a:p>
+          <a:p>
+            <a:pPr lvl="2"/>
+            <a:r>
+              <a:rPr lang="en-US" sz="2400" kern="1200" dirty="0" smtClean="0">
+                <a:solidFill>
+                  <a:schemeClr val="tx1"/>
+                </a:solidFill>
+                <a:effectLst/>
+                <a:latin typeface="+mn-lt"/>
+                <a:ea typeface="+mn-ea"/>
+                <a:cs typeface="+mn-cs"/>
+              </a:rPr>
+              <a:t>Yes, we actually did that.  </a:t>
+            </a:r>
+          </a:p>
+          <a:p>
+            <a:pPr lvl="0"/>
+            <a:r>
+              <a:rPr lang="en-US" sz="3200" kern="1200" dirty="0" smtClean="0">
+                <a:solidFill>
+                  <a:schemeClr val="tx1"/>
+                </a:solidFill>
+                <a:effectLst/>
+                <a:latin typeface="+mn-lt"/>
+                <a:ea typeface="+mn-ea"/>
+                <a:cs typeface="+mn-cs"/>
+              </a:rPr>
+              <a:t>Us</a:t>
+            </a:r>
+            <a:r>
+              <a:rPr lang="en-US" sz="3200" kern="1200" baseline="0" dirty="0" smtClean="0">
+                <a:solidFill>
+                  <a:schemeClr val="tx1"/>
+                </a:solidFill>
+                <a:effectLst/>
+                <a:latin typeface="+mn-lt"/>
+                <a:ea typeface="+mn-ea"/>
+                <a:cs typeface="+mn-cs"/>
+              </a:rPr>
+              <a:t>e </a:t>
             </a:r>
             <a:r>
               <a:rPr lang="en-US" sz="3200" kern="1200" dirty="0" err="1" smtClean="0">
@@ -8437,7 +8048,7 @@
                 <a:ea typeface="+mn-ea"/>
                 <a:cs typeface="+mn-cs"/>
               </a:rPr>
-              <a:t>stdout</a:t>
+              <a:t>env</a:t>
             </a:r>
             <a:r>
               <a:rPr lang="en-US" sz="3200" kern="1200" dirty="0" smtClean="0">
@@ -8449,8 +8060,41 @@
                 <a:ea typeface="+mn-ea"/>
                 <a:cs typeface="+mn-cs"/>
               </a:rPr>
-              <a:t> if possible</a:t>
-            </a:r>
+              <a:t> </a:t>
+            </a:r>
+            <a:r>
+              <a:rPr lang="en-US" sz="3200" kern="1200" dirty="0" err="1" smtClean="0">
+                <a:solidFill>
+                  <a:schemeClr val="tx1"/>
+                </a:solidFill>
+                <a:effectLst/>
+                <a:latin typeface="+mn-lt"/>
+                <a:ea typeface="+mn-ea"/>
+                <a:cs typeface="+mn-cs"/>
+              </a:rPr>
+              <a:t>vars</a:t>
+            </a:r>
+            <a:r>
+              <a:rPr lang="en-US" sz="3200" kern="1200" dirty="0" smtClean="0">
+                <a:solidFill>
+                  <a:schemeClr val="tx1"/>
+                </a:solidFill>
+                <a:effectLst/>
+                <a:latin typeface="+mn-lt"/>
+                <a:ea typeface="+mn-ea"/>
+                <a:cs typeface="+mn-cs"/>
+              </a:rPr>
+              <a:t> to control </a:t>
+            </a:r>
+            <a:endParaRPr lang="en-US" sz="3200" kern="1200" dirty="0" smtClean="0">
+              <a:solidFill>
+                <a:schemeClr val="tx1"/>
+              </a:solidFill>
+              <a:effectLst/>
+              <a:latin typeface="+mn-lt"/>
+              <a:ea typeface="+mn-ea"/>
+              <a:cs typeface="+mn-cs"/>
+            </a:endParaRPr>
           </a:p>
           <a:p>
             <a:pPr lvl="1"/>
@@ -8464,19 +8108,7 @@
                 <a:ea typeface="+mn-ea"/>
                 <a:cs typeface="+mn-cs"/>
               </a:rPr>
-              <a:t>python foo.exe {</a:t>
-            </a:r>
-            <a:r>
-              <a:rPr lang="en-US" sz="2800" kern="1200" dirty="0" err="1" smtClean="0">
-                <a:solidFill>
-                  <a:schemeClr val="tx1"/>
-                </a:solidFill>
-                <a:effectLst/>
-                <a:latin typeface="+mn-lt"/>
-                <a:ea typeface="+mn-ea"/>
-                <a:cs typeface="+mn-cs"/>
-              </a:rPr>
-              <a:t>args</a:t>
+              <a:t>priority</a:t>
             </a:r>
             <a:r>
               <a:rPr lang="en-US" sz="2800" kern="1200" dirty="0" smtClean="0">
@@ -8488,7 +8120,19 @@
                 <a:ea typeface="+mn-ea"/>
                 <a:cs typeface="+mn-cs"/>
               </a:rPr>
-              <a:t>} 2&gt;&amp;1 | less</a:t>
+              <a:t>, </a:t>
+            </a:r>
+            <a:r>
+              <a:rPr lang="en-US" sz="2800" kern="1200" dirty="0" smtClean="0">
+                <a:solidFill>
+                  <a:schemeClr val="tx1"/>
+                </a:solidFill>
+                <a:effectLst/>
+                <a:latin typeface="+mn-lt"/>
+                <a:ea typeface="+mn-ea"/>
+                <a:cs typeface="+mn-cs"/>
+              </a:rPr>
+              <a:t>source filtering</a:t>
             </a:r>
           </a:p>
           <a:p>
@@ -8503,7 +8147,31 @@
                 <a:ea typeface="+mn-ea"/>
                 <a:cs typeface="+mn-cs"/>
               </a:rPr>
-              <a:t>less is more, makes it easy to find </a:t>
+              <a:t>output </a:t>
+            </a:r>
+            <a:r>
+              <a:rPr lang="en-US" sz="2800" kern="1200" dirty="0" smtClean="0">
+                <a:solidFill>
+                  <a:schemeClr val="tx1"/>
+                </a:solidFill>
+                <a:effectLst/>
+                <a:latin typeface="+mn-lt"/>
+                <a:ea typeface="+mn-ea"/>
+                <a:cs typeface="+mn-cs"/>
+              </a:rPr>
+              <a:t>file location, </a:t>
+            </a:r>
+            <a:r>
+              <a:rPr lang="en-US" sz="2800" kern="1200" dirty="0" smtClean="0">
+                <a:solidFill>
+                  <a:schemeClr val="tx1"/>
+                </a:solidFill>
+                <a:effectLst/>
+                <a:latin typeface="+mn-lt"/>
+                <a:ea typeface="+mn-ea"/>
+                <a:cs typeface="+mn-cs"/>
+              </a:rPr>
+              <a:t>output syntax</a:t>
             </a:r>
           </a:p>
           <a:p>
@@ -8518,113 +8186,17 @@
                 <a:ea typeface="+mn-ea"/>
                 <a:cs typeface="+mn-cs"/>
               </a:rPr>
-              <a:t>need log file output, too, if </a:t>
-            </a:r>
-            <a:r>
-              <a:rPr lang="en-US" sz="2800" kern="1200" dirty="0" err="1" smtClean="0">
-                <a:solidFill>
-                  <a:schemeClr val="tx1"/>
-                </a:solidFill>
-                <a:effectLst/>
-                <a:latin typeface="+mn-lt"/>
-                <a:ea typeface="+mn-ea"/>
-                <a:cs typeface="+mn-cs"/>
-              </a:rPr>
-              <a:t>stdout</a:t>
-            </a:r>
-            <a:r>
-              <a:rPr lang="en-US" sz="2800" kern="1200" dirty="0" smtClean="0">
-                <a:solidFill>
-                  <a:schemeClr val="tx1"/>
-                </a:solidFill>
-                <a:effectLst/>
-                <a:latin typeface="+mn-lt"/>
-                <a:ea typeface="+mn-ea"/>
-                <a:cs typeface="+mn-cs"/>
-              </a:rPr>
-              <a:t> not available</a:t>
-            </a:r>
-          </a:p>
-          <a:p>
-            <a:pPr lvl="1"/>
-            <a:r>
-              <a:rPr lang="en-US" sz="2800" kern="1200" dirty="0" smtClean="0">
-                <a:solidFill>
-                  <a:schemeClr val="tx1"/>
-                </a:solidFill>
-                <a:effectLst/>
-                <a:latin typeface="+mn-lt"/>
-                <a:ea typeface="+mn-ea"/>
-                <a:cs typeface="+mn-cs"/>
-              </a:rPr>
-              <a:t>and optional html tags for web output</a:t>
-            </a:r>
-          </a:p>
-          <a:p>
-            <a:pPr lvl="1"/>
-            <a:r>
-              <a:rPr lang="en-US" sz="2800" kern="1200" dirty="0" smtClean="0">
-                <a:solidFill>
-                  <a:schemeClr val="tx1"/>
-                </a:solidFill>
-                <a:effectLst/>
-                <a:latin typeface="+mn-lt"/>
-                <a:ea typeface="+mn-ea"/>
-                <a:cs typeface="+mn-cs"/>
-              </a:rPr>
-              <a:t>maybe more than one at a time,  </a:t>
-            </a:r>
-            <a:r>
-              <a:rPr lang="en-US" sz="2800" kern="1200" dirty="0" err="1" smtClean="0">
-                <a:solidFill>
-                  <a:schemeClr val="tx1"/>
-                </a:solidFill>
-                <a:effectLst/>
-                <a:latin typeface="+mn-lt"/>
-                <a:ea typeface="+mn-ea"/>
-                <a:cs typeface="+mn-cs"/>
-              </a:rPr>
-              <a:t>e.g</a:t>
-            </a:r>
-            <a:r>
-              <a:rPr lang="en-US" sz="2800" kern="1200" dirty="0" smtClean="0">
-                <a:solidFill>
-                  <a:schemeClr val="tx1"/>
-                </a:solidFill>
-                <a:effectLst/>
-                <a:latin typeface="+mn-lt"/>
-                <a:ea typeface="+mn-ea"/>
-                <a:cs typeface="+mn-cs"/>
-              </a:rPr>
-              <a:t>,  </a:t>
-            </a:r>
-            <a:r>
-              <a:rPr lang="en-US" sz="2800" kern="1200" dirty="0" err="1" smtClean="0">
-                <a:solidFill>
-                  <a:schemeClr val="tx1"/>
-                </a:solidFill>
-                <a:effectLst/>
-                <a:latin typeface="+mn-lt"/>
-                <a:ea typeface="+mn-ea"/>
-                <a:cs typeface="+mn-cs"/>
-              </a:rPr>
-              <a:t>stdout</a:t>
-            </a:r>
-            <a:r>
-              <a:rPr lang="en-US" sz="2800" kern="1200" dirty="0" smtClean="0">
-                <a:solidFill>
-                  <a:schemeClr val="tx1"/>
-                </a:solidFill>
-                <a:effectLst/>
-                <a:latin typeface="+mn-lt"/>
-                <a:ea typeface="+mn-ea"/>
-                <a:cs typeface="+mn-cs"/>
-              </a:rPr>
-              <a:t> and file</a:t>
-            </a:r>
-          </a:p>
-          <a:p>
-            <a:endParaRPr lang="en-US" dirty="0" smtClean="0"/>
+              <a:t>production mode</a:t>
+            </a:r>
+            <a:endParaRPr lang="en-US" sz="2800" kern="1200" dirty="0" smtClean="0">
+              <a:solidFill>
+                <a:schemeClr val="tx1"/>
+              </a:solidFill>
+              <a:effectLst/>
+              <a:latin typeface="+mn-lt"/>
+              <a:ea typeface="+mn-ea"/>
+              <a:cs typeface="+mn-cs"/>
+            </a:endParaRPr>
           </a:p>
         </p:txBody>
       </p:sp>
@@ -8700,7 +8272,7 @@
     </p:spTree>
     <p:extLst>
       <p:ext uri="{BB962C8B-B14F-4D97-AF65-F5344CB8AC3E}">
-        <p14:creationId xmlns:p14="http://schemas.microsoft.com/office/powerpoint/2010/main" val="4093681671"/>
+        <p14:creationId xmlns:p14="http://schemas.microsoft.com/office/powerpoint/2010/main" val="282592620"/>
       </p:ext>
     </p:extLst>
   </p:cSld>
@@ -8744,11 +8316,7 @@
           <a:p>
             <a:r>
               <a:rPr lang="en-US" dirty="0" smtClean="0"/>
-              <a:t>Identify Data, Not</a:t>
-            </a:r>
-            <a:r>
-              <a:rPr lang="en-US" baseline="0" dirty="0" smtClean="0"/>
-              <a:t> Just Location</a:t>
+              <a:t>Output Where?</a:t>
             </a:r>
             <a:endParaRPr lang="en-US" dirty="0"/>
           </a:p>
@@ -8769,17 +8337,205 @@
           <a:bodyPr/>
           <a:lstStyle/>
           <a:p>
-            <a:r>
-              <a:rPr lang="en-US" dirty="0" smtClean="0"/>
-              <a:t>All class instances look alike</a:t>
-            </a:r>
-          </a:p>
-          <a:p>
-            <a:r>
-              <a:rPr lang="en-US" dirty="0" smtClean="0"/>
-              <a:t>Identifying instances by address or id?  Not useful to humans</a:t>
-            </a:r>
-            <a:endParaRPr lang="en-US" dirty="0"/>
+            <a:pPr lvl="0"/>
+            <a:r>
+              <a:rPr lang="en-US" sz="3200" kern="1200" dirty="0" smtClean="0">
+                <a:solidFill>
+                  <a:schemeClr val="tx1"/>
+                </a:solidFill>
+                <a:effectLst/>
+                <a:latin typeface="+mn-lt"/>
+                <a:ea typeface="+mn-ea"/>
+                <a:cs typeface="+mn-cs"/>
+              </a:rPr>
+              <a:t>Send to </a:t>
+            </a:r>
+            <a:r>
+              <a:rPr lang="en-US" sz="3200" kern="1200" dirty="0" err="1" smtClean="0">
+                <a:solidFill>
+                  <a:schemeClr val="tx1"/>
+                </a:solidFill>
+                <a:effectLst/>
+                <a:latin typeface="+mn-lt"/>
+                <a:ea typeface="+mn-ea"/>
+                <a:cs typeface="+mn-cs"/>
+              </a:rPr>
+              <a:t>stdout</a:t>
+            </a:r>
+            <a:r>
+              <a:rPr lang="en-US" sz="3200" kern="1200" dirty="0" smtClean="0">
+                <a:solidFill>
+                  <a:schemeClr val="tx1"/>
+                </a:solidFill>
+                <a:effectLst/>
+                <a:latin typeface="+mn-lt"/>
+                <a:ea typeface="+mn-ea"/>
+                <a:cs typeface="+mn-cs"/>
+              </a:rPr>
+              <a:t> if possible</a:t>
+            </a:r>
+          </a:p>
+          <a:p>
+            <a:pPr lvl="1"/>
+            <a:r>
+              <a:rPr lang="en-US" sz="2800" kern="1200" dirty="0" smtClean="0">
+                <a:solidFill>
+                  <a:schemeClr val="tx1"/>
+                </a:solidFill>
+                <a:effectLst/>
+                <a:latin typeface="+mn-lt"/>
+                <a:ea typeface="+mn-ea"/>
+                <a:cs typeface="+mn-cs"/>
+              </a:rPr>
+              <a:t>less </a:t>
+            </a:r>
+            <a:r>
+              <a:rPr lang="en-US" sz="2800" kern="1200" dirty="0" smtClean="0">
+                <a:solidFill>
+                  <a:schemeClr val="tx1"/>
+                </a:solidFill>
+                <a:effectLst/>
+                <a:latin typeface="+mn-lt"/>
+                <a:ea typeface="+mn-ea"/>
+                <a:cs typeface="+mn-cs"/>
+              </a:rPr>
+              <a:t>is more, makes it easy to find </a:t>
+            </a:r>
+          </a:p>
+          <a:p>
+            <a:pPr lvl="1"/>
+            <a:r>
+              <a:rPr lang="en-US" sz="2800" kern="1200" dirty="0" smtClean="0">
+                <a:solidFill>
+                  <a:schemeClr val="tx1"/>
+                </a:solidFill>
+                <a:effectLst/>
+                <a:latin typeface="+mn-lt"/>
+                <a:ea typeface="+mn-ea"/>
+                <a:cs typeface="+mn-cs"/>
+              </a:rPr>
+              <a:t>need log file output, too, if </a:t>
+            </a:r>
+            <a:r>
+              <a:rPr lang="en-US" sz="2800" kern="1200" dirty="0" err="1" smtClean="0">
+                <a:solidFill>
+                  <a:schemeClr val="tx1"/>
+                </a:solidFill>
+                <a:effectLst/>
+                <a:latin typeface="+mn-lt"/>
+                <a:ea typeface="+mn-ea"/>
+                <a:cs typeface="+mn-cs"/>
+              </a:rPr>
+              <a:t>stdout</a:t>
+            </a:r>
+            <a:r>
+              <a:rPr lang="en-US" sz="2800" kern="1200" dirty="0" smtClean="0">
+                <a:solidFill>
+                  <a:schemeClr val="tx1"/>
+                </a:solidFill>
+                <a:effectLst/>
+                <a:latin typeface="+mn-lt"/>
+                <a:ea typeface="+mn-ea"/>
+                <a:cs typeface="+mn-cs"/>
+              </a:rPr>
+              <a:t> not available</a:t>
+            </a:r>
+          </a:p>
+          <a:p>
+            <a:pPr lvl="1"/>
+            <a:r>
+              <a:rPr lang="en-US" sz="2800" kern="1200" dirty="0" smtClean="0">
+                <a:solidFill>
+                  <a:schemeClr val="tx1"/>
+                </a:solidFill>
+                <a:effectLst/>
+                <a:latin typeface="+mn-lt"/>
+                <a:ea typeface="+mn-ea"/>
+                <a:cs typeface="+mn-cs"/>
+              </a:rPr>
+              <a:t>and optional html tags for web output</a:t>
+            </a:r>
+          </a:p>
+          <a:p>
+            <a:pPr lvl="1"/>
+            <a:r>
+              <a:rPr lang="en-US" sz="2800" kern="1200" dirty="0" smtClean="0">
+                <a:solidFill>
+                  <a:schemeClr val="tx1"/>
+                </a:solidFill>
+                <a:effectLst/>
+                <a:latin typeface="+mn-lt"/>
+                <a:ea typeface="+mn-ea"/>
+                <a:cs typeface="+mn-cs"/>
+              </a:rPr>
+              <a:t>maybe more than one at a time,  </a:t>
+            </a:r>
+            <a:r>
+              <a:rPr lang="en-US" sz="2800" kern="1200" dirty="0" err="1" smtClean="0">
+                <a:solidFill>
+                  <a:schemeClr val="tx1"/>
+                </a:solidFill>
+                <a:effectLst/>
+                <a:latin typeface="+mn-lt"/>
+                <a:ea typeface="+mn-ea"/>
+                <a:cs typeface="+mn-cs"/>
+              </a:rPr>
+              <a:t>e.g</a:t>
+            </a:r>
+            <a:r>
+              <a:rPr lang="en-US" sz="2800" kern="1200" dirty="0" smtClean="0">
+                <a:solidFill>
+                  <a:schemeClr val="tx1"/>
+                </a:solidFill>
+                <a:effectLst/>
+                <a:latin typeface="+mn-lt"/>
+                <a:ea typeface="+mn-ea"/>
+                <a:cs typeface="+mn-cs"/>
+              </a:rPr>
+              <a:t>,  </a:t>
+            </a:r>
+            <a:r>
+              <a:rPr lang="en-US" sz="2800" kern="1200" dirty="0" err="1" smtClean="0">
+                <a:solidFill>
+                  <a:schemeClr val="tx1"/>
+                </a:solidFill>
+                <a:effectLst/>
+                <a:latin typeface="+mn-lt"/>
+                <a:ea typeface="+mn-ea"/>
+                <a:cs typeface="+mn-cs"/>
+              </a:rPr>
+              <a:t>stdout</a:t>
+            </a:r>
+            <a:r>
+              <a:rPr lang="en-US" sz="2800" kern="1200" dirty="0" smtClean="0">
+                <a:solidFill>
+                  <a:schemeClr val="tx1"/>
+                </a:solidFill>
+                <a:effectLst/>
+                <a:latin typeface="+mn-lt"/>
+                <a:ea typeface="+mn-ea"/>
+                <a:cs typeface="+mn-cs"/>
+              </a:rPr>
+              <a:t> and file</a:t>
+            </a:r>
+          </a:p>
+          <a:p>
+            <a:endParaRPr lang="en-US" dirty="0" smtClean="0"/>
+          </a:p>
+          <a:p>
+            <a:r>
+              <a:rPr lang="en-US" sz="2400" dirty="0" smtClean="0">
+                <a:solidFill>
+                  <a:srgbClr val="00B050"/>
+                </a:solidFill>
+              </a:rPr>
+              <a:t>&lt;code: looking at output&gt;</a:t>
+            </a:r>
+            <a:endParaRPr lang="en-US" sz="2400" dirty="0" smtClean="0">
+              <a:solidFill>
+                <a:srgbClr val="00B050"/>
+              </a:solidFill>
+            </a:endParaRPr>
           </a:p>
         </p:txBody>
       </p:sp>
@@ -8855,7 +8611,7 @@
     </p:spTree>
     <p:extLst>
       <p:ext uri="{BB962C8B-B14F-4D97-AF65-F5344CB8AC3E}">
-        <p14:creationId xmlns:p14="http://schemas.microsoft.com/office/powerpoint/2010/main" val="3977547530"/>
+        <p14:creationId xmlns:p14="http://schemas.microsoft.com/office/powerpoint/2010/main" val="4093681671"/>
       </p:ext>
     </p:extLst>
   </p:cSld>
@@ -8899,7 +8655,11 @@
           <a:p>
             <a:r>
               <a:rPr lang="en-US" dirty="0" smtClean="0"/>
-              <a:t>Multiprocessing</a:t>
+              <a:t>Identify Data, Not</a:t>
+            </a:r>
+            <a:r>
+              <a:rPr lang="en-US" baseline="0" dirty="0" smtClean="0"/>
+              <a:t> Just Location</a:t>
             </a:r>
             <a:endParaRPr lang="en-US" dirty="0"/>
           </a:p>
@@ -8920,38 +8680,46 @@
           <a:bodyPr/>
           <a:lstStyle/>
           <a:p>
-            <a:pPr marL="342900" marR="0" lvl="0" indent="-342900" algn="l" defTabSz="914400" rtl="0" eaLnBrk="1" fontAlgn="auto" latinLnBrk="0" hangingPunct="1">
-              <a:lnSpc>
-                <a:spcPct val="100000"/>
-              </a:lnSpc>
-              <a:spcBef>
-                <a:spcPct val="20000"/>
-              </a:spcBef>
-              <a:spcAft>
-                <a:spcPts val="0"/>
-              </a:spcAft>
-              <a:buClrTx/>
-              <a:buSzTx/>
-              <a:buFont typeface="Arial" panose="020B0604020202020204" pitchFamily="34" charset="0"/>
-              <a:buChar char="•"/>
-              <a:tabLst/>
-              <a:defRPr/>
-            </a:pPr>
-            <a:r>
-              <a:rPr lang="en-US" sz="3200" kern="1200" dirty="0" smtClean="0">
-                <a:solidFill>
-                  <a:schemeClr val="tx1"/>
-                </a:solidFill>
-                <a:effectLst/>
-                <a:latin typeface="+mn-lt"/>
-                <a:ea typeface="+mn-ea"/>
-                <a:cs typeface="+mn-cs"/>
-              </a:rPr>
-              <a:t>multiprocessor-safe, or at least thread-safe, would be good</a:t>
-            </a:r>
-          </a:p>
-          <a:p>
-            <a:endParaRPr lang="en-US" dirty="0"/>
+            <a:r>
+              <a:rPr lang="en-US" dirty="0" smtClean="0"/>
+              <a:t>All class instances look alike</a:t>
+            </a:r>
+          </a:p>
+          <a:p>
+            <a:r>
+              <a:rPr lang="en-US" dirty="0" smtClean="0"/>
+              <a:t>Identifying instances by address or id?  Not useful to </a:t>
+            </a:r>
+            <a:r>
+              <a:rPr lang="en-US" dirty="0" smtClean="0"/>
+              <a:t>humans</a:t>
+            </a:r>
+          </a:p>
+          <a:p>
+            <a:endParaRPr lang="en-US" dirty="0" smtClean="0"/>
+          </a:p>
+          <a:p>
+            <a:r>
+              <a:rPr lang="en-US" sz="2400" dirty="0" smtClean="0">
+                <a:solidFill>
+                  <a:srgbClr val="00B050"/>
+                </a:solidFill>
+              </a:rPr>
+              <a:t>&lt;code: instance</a:t>
+            </a:r>
+            <a:r>
+              <a:rPr lang="en-US" sz="2400" baseline="0" dirty="0" smtClean="0">
+                <a:solidFill>
+                  <a:srgbClr val="00B050"/>
+                </a:solidFill>
+              </a:rPr>
+              <a:t> identifiers&gt;</a:t>
+            </a:r>
+            <a:endParaRPr lang="en-US" sz="2400" dirty="0">
+              <a:solidFill>
+                <a:srgbClr val="00B050"/>
+              </a:solidFill>
+            </a:endParaRPr>
           </a:p>
         </p:txBody>
       </p:sp>
@@ -9027,7 +8795,7 @@
     </p:spTree>
     <p:extLst>
       <p:ext uri="{BB962C8B-B14F-4D97-AF65-F5344CB8AC3E}">
-        <p14:creationId xmlns:p14="http://schemas.microsoft.com/office/powerpoint/2010/main" val="400251234"/>
+        <p14:creationId xmlns:p14="http://schemas.microsoft.com/office/powerpoint/2010/main" val="3977547530"/>
       </p:ext>
     </p:extLst>
   </p:cSld>
@@ -9157,59 +8925,20 @@
                 <a:ea typeface="+mn-ea"/>
                 <a:cs typeface="+mn-cs"/>
               </a:rPr>
-              <a:t>Yes, but requires running from </a:t>
-            </a:r>
-            <a:r>
-              <a:rPr lang="en-US" sz="2800" kern="1200" dirty="0" err="1" smtClean="0">
-                <a:solidFill>
-                  <a:schemeClr val="tx1"/>
-                </a:solidFill>
-                <a:effectLst/>
-                <a:latin typeface="+mn-lt"/>
-                <a:ea typeface="+mn-ea"/>
-                <a:cs typeface="+mn-cs"/>
-              </a:rPr>
-              <a:t>py</a:t>
-            </a:r>
-            <a:r>
-              <a:rPr lang="en-US" sz="2800" kern="1200" dirty="0" smtClean="0">
-                <a:solidFill>
-                  <a:schemeClr val="tx1"/>
-                </a:solidFill>
-                <a:effectLst/>
-                <a:latin typeface="+mn-lt"/>
-                <a:ea typeface="+mn-ea"/>
-                <a:cs typeface="+mn-cs"/>
-              </a:rPr>
-              <a:t> not </a:t>
-            </a:r>
-            <a:r>
-              <a:rPr lang="en-US" sz="2800" kern="1200" dirty="0" err="1" smtClean="0">
-                <a:solidFill>
-                  <a:schemeClr val="tx1"/>
-                </a:solidFill>
-                <a:effectLst/>
-                <a:latin typeface="+mn-lt"/>
-                <a:ea typeface="+mn-ea"/>
-                <a:cs typeface="+mn-cs"/>
-              </a:rPr>
-              <a:t>pyc</a:t>
-            </a:r>
-            <a:r>
-              <a:rPr lang="en-US" sz="2800" kern="1200" dirty="0" smtClean="0">
-                <a:solidFill>
-                  <a:schemeClr val="tx1"/>
-                </a:solidFill>
-                <a:effectLst/>
-                <a:latin typeface="+mn-lt"/>
-                <a:ea typeface="+mn-ea"/>
-                <a:cs typeface="+mn-cs"/>
-              </a:rPr>
-              <a:t> if you change it, not a high bar</a:t>
-            </a:r>
-          </a:p>
-          <a:p>
-            <a:endParaRPr lang="en-US" dirty="0"/>
+              <a:t>Recompile</a:t>
+            </a:r>
+            <a:r>
+              <a:rPr lang="en-US" sz="2800" kern="1200" baseline="0" dirty="0" smtClean="0">
+                <a:solidFill>
+                  <a:schemeClr val="tx1"/>
+                </a:solidFill>
+                <a:effectLst/>
+                <a:latin typeface="+mn-lt"/>
+                <a:ea typeface="+mn-ea"/>
+                <a:cs typeface="+mn-cs"/>
+              </a:rPr>
+              <a:t> if you change production on/off</a:t>
+            </a:r>
           </a:p>
         </p:txBody>
       </p:sp>
@@ -9346,38 +9075,7 @@
           <a:bodyPr/>
           <a:lstStyle/>
           <a:p>
-            <a:pPr marL="342900" marR="0" lvl="0" indent="-342900" algn="l" defTabSz="914400" rtl="0" eaLnBrk="1" fontAlgn="auto" latinLnBrk="0" hangingPunct="1">
-              <a:lnSpc>
-                <a:spcPct val="100000"/>
-              </a:lnSpc>
-              <a:spcBef>
-                <a:spcPct val="20000"/>
-              </a:spcBef>
-              <a:spcAft>
-                <a:spcPts val="0"/>
-              </a:spcAft>
-              <a:buClrTx/>
-              <a:buSzTx/>
-              <a:buFont typeface="Arial" panose="020B0604020202020204" pitchFamily="34" charset="0"/>
-              <a:buChar char="•"/>
-              <a:tabLst/>
-              <a:defRPr/>
-            </a:pPr>
-            <a:r>
-              <a:rPr lang="en-US" sz="3200" kern="1200" dirty="0" smtClean="0">
-                <a:solidFill>
-                  <a:schemeClr val="tx1"/>
-                </a:solidFill>
-                <a:effectLst/>
-                <a:latin typeface="+mn-lt"/>
-                <a:ea typeface="+mn-ea"/>
-                <a:cs typeface="+mn-cs"/>
-              </a:rPr>
-              <a:t>Filtering on priority, facility name makes listings short and to the point when needed</a:t>
-            </a:r>
-          </a:p>
-          <a:p>
-            <a:endParaRPr lang="en-US" dirty="0"/>
+            <a:endParaRPr lang="en-US"/>
           </a:p>
         </p:txBody>
       </p:sp>
@@ -9453,7 +9151,7 @@
     </p:spTree>
     <p:extLst>
       <p:ext uri="{BB962C8B-B14F-4D97-AF65-F5344CB8AC3E}">
-        <p14:creationId xmlns:p14="http://schemas.microsoft.com/office/powerpoint/2010/main" val="3342437731"/>
+        <p14:creationId xmlns:p14="http://schemas.microsoft.com/office/powerpoint/2010/main" val="4203657145"/>
       </p:ext>
     </p:extLst>
   </p:cSld>
@@ -9542,7 +9240,7 @@
                 <a:ea typeface="+mn-ea"/>
                 <a:cs typeface="+mn-cs"/>
               </a:rPr>
-              <a:t>A couple stylistic suggestions along the</a:t>
+              <a:t>Incidental stylistic</a:t>
             </a:r>
             <a:r>
               <a:rPr lang="en-US" sz="3200" kern="1200" baseline="0" dirty="0" smtClean="0">
@@ -9554,7 +9252,7 @@
                 <a:ea typeface="+mn-ea"/>
                 <a:cs typeface="+mn-cs"/>
               </a:rPr>
-              <a:t> way</a:t>
+              <a:t> notes</a:t>
             </a:r>
             <a:endParaRPr lang="en-US" sz="3200" kern="1200" dirty="0" smtClean="0">
               <a:solidFill>
@@ -9565,9 +9263,6 @@
               <a:ea typeface="+mn-ea"/>
               <a:cs typeface="+mn-cs"/>
             </a:endParaRPr>
-          </a:p>
-          <a:p>
-            <a:endParaRPr lang="en-US" dirty="0"/>
           </a:p>
         </p:txBody>
       </p:sp>
@@ -9692,6 +9387,10 @@
           <a:bodyPr/>
           <a:lstStyle/>
           <a:p>
+            <a:r>
+              <a:rPr lang="en-US" dirty="0" smtClean="0"/>
+              <a:t>The Package</a:t>
+            </a:r>
             <a:endParaRPr lang="en-US" dirty="0"/>
           </a:p>
         </p:txBody>
@@ -9712,48 +9411,64 @@
           <a:lstStyle/>
           <a:p>
             <a:r>
-              <a:rPr lang="en-US" sz="3200" kern="1200" dirty="0" smtClean="0">
-                <a:solidFill>
-                  <a:schemeClr val="tx1"/>
-                </a:solidFill>
-                <a:effectLst/>
-                <a:latin typeface="+mn-lt"/>
-                <a:ea typeface="+mn-ea"/>
-                <a:cs typeface="+mn-cs"/>
-              </a:rPr>
-              <a:t>Tests can be done with log files suitably sanitized</a:t>
-            </a:r>
-          </a:p>
-          <a:p>
-            <a:r>
-              <a:rPr lang="en-US" sz="3200" kern="1200" dirty="0" smtClean="0">
-                <a:solidFill>
-                  <a:schemeClr val="tx1"/>
-                </a:solidFill>
-                <a:effectLst/>
-                <a:latin typeface="+mn-lt"/>
-                <a:ea typeface="+mn-ea"/>
-                <a:cs typeface="+mn-cs"/>
-              </a:rPr>
-              <a:t>Timestamps and other non-deterministic items</a:t>
-            </a:r>
-          </a:p>
-          <a:p>
-            <a:r>
-              <a:rPr lang="en-US" sz="3200" kern="1200" dirty="0" smtClean="0">
-                <a:solidFill>
-                  <a:schemeClr val="tx1"/>
-                </a:solidFill>
-                <a:effectLst/>
-                <a:latin typeface="+mn-lt"/>
-                <a:ea typeface="+mn-ea"/>
-                <a:cs typeface="+mn-cs"/>
-              </a:rPr>
-              <a:t>Possible with trace logs in some cases</a:t>
-            </a:r>
-          </a:p>
-          <a:p>
-            <a:endParaRPr lang="en-US" dirty="0"/>
+              <a:rPr lang="en-US" dirty="0" smtClean="0"/>
+              <a:t>One</a:t>
+            </a:r>
+            <a:r>
+              <a:rPr lang="en-US" baseline="0" dirty="0" smtClean="0"/>
+              <a:t> class</a:t>
+            </a:r>
+          </a:p>
+          <a:p>
+            <a:pPr lvl="1"/>
+            <a:r>
+              <a:rPr lang="en-US" dirty="0" smtClean="0"/>
+              <a:t>Functions to write</a:t>
+            </a:r>
+            <a:r>
+              <a:rPr lang="en-US" baseline="0" dirty="0" smtClean="0"/>
+              <a:t> traces</a:t>
+            </a:r>
+          </a:p>
+          <a:p>
+            <a:pPr lvl="0"/>
+            <a:r>
+              <a:rPr lang="en-US" baseline="0" dirty="0" smtClean="0"/>
+              <a:t>Decorators that use the functions</a:t>
+            </a:r>
+          </a:p>
+          <a:p>
+            <a:pPr lvl="0"/>
+            <a:r>
+              <a:rPr lang="en-US" baseline="0" dirty="0" smtClean="0"/>
+              <a:t>Singleton instance of the class</a:t>
+            </a:r>
+          </a:p>
+          <a:p>
+            <a:pPr lvl="0"/>
+            <a:endParaRPr lang="en-US" baseline="0" dirty="0" smtClean="0"/>
+          </a:p>
+          <a:p>
+            <a:pPr lvl="0"/>
+            <a:r>
+              <a:rPr lang="en-US" sz="2400" baseline="0" dirty="0" smtClean="0">
+                <a:solidFill>
+                  <a:srgbClr val="00B050"/>
+                </a:solidFill>
+              </a:rPr>
+              <a:t>&lt;code: imports&gt;</a:t>
+            </a:r>
+          </a:p>
+          <a:p>
+            <a:pPr lvl="0"/>
+            <a:r>
+              <a:rPr lang="en-US" sz="2400" baseline="0" dirty="0" smtClean="0">
+                <a:solidFill>
+                  <a:srgbClr val="00B050"/>
+                </a:solidFill>
+              </a:rPr>
+              <a:t>&lt;code: singleton&gt;</a:t>
+            </a:r>
           </a:p>
         </p:txBody>
       </p:sp>
@@ -9829,7 +9544,7 @@
     </p:spTree>
     <p:extLst>
       <p:ext uri="{BB962C8B-B14F-4D97-AF65-F5344CB8AC3E}">
-        <p14:creationId xmlns:p14="http://schemas.microsoft.com/office/powerpoint/2010/main" val="3691605327"/>
+        <p14:creationId xmlns:p14="http://schemas.microsoft.com/office/powerpoint/2010/main" val="1908140639"/>
       </p:ext>
     </p:extLst>
   </p:cSld>
@@ -9873,7 +9588,7 @@
           <a:p>
             <a:r>
               <a:rPr lang="en-US" dirty="0" smtClean="0"/>
-              <a:t>Examples</a:t>
+              <a:t>Trace Functions</a:t>
             </a:r>
             <a:endParaRPr lang="en-US" dirty="0"/>
           </a:p>
@@ -9895,21 +9610,69 @@
           <a:lstStyle/>
           <a:p>
             <a:r>
+              <a:rPr lang="en-US" dirty="0" err="1" smtClean="0"/>
+              <a:t>ntrace</a:t>
+            </a:r>
+            <a:r>
               <a:rPr lang="en-US" dirty="0" smtClean="0"/>
-              <a:t>code in</a:t>
-            </a:r>
-            <a:endParaRPr lang="en-US" dirty="0"/>
-          </a:p>
-          <a:p>
+              <a:t>(priority,</a:t>
+            </a:r>
+            <a:r>
+              <a:rPr lang="en-US" baseline="0" dirty="0" smtClean="0"/>
+              <a:t> </a:t>
+            </a:r>
+            <a:r>
+              <a:rPr lang="en-US" baseline="0" dirty="0" err="1" smtClean="0"/>
+              <a:t>outputline</a:t>
+            </a:r>
             <a:r>
               <a:rPr lang="en-US" dirty="0" smtClean="0"/>
-              <a:t>trace</a:t>
+              <a:t>)</a:t>
+            </a:r>
+          </a:p>
+          <a:p>
+            <a:r>
+              <a:rPr lang="en-US" baseline="0" dirty="0" err="1" smtClean="0"/>
+              <a:t>ntracef</a:t>
             </a:r>
             <a:r>
               <a:rPr lang="en-US" baseline="0" dirty="0" smtClean="0"/>
-              <a:t> lines out</a:t>
-            </a:r>
+              <a:t>(priority, </a:t>
+            </a:r>
+            <a:r>
+              <a:rPr lang="en-US" baseline="0" dirty="0" err="1" smtClean="0"/>
+              <a:t>facilityname</a:t>
+            </a:r>
+            <a:r>
+              <a:rPr lang="en-US" baseline="0" dirty="0" smtClean="0"/>
+              <a:t>, </a:t>
+            </a:r>
+            <a:r>
+              <a:rPr lang="en-US" baseline="0" dirty="0" err="1" smtClean="0"/>
+              <a:t>outputline</a:t>
+            </a:r>
+            <a:r>
+              <a:rPr lang="en-US" baseline="0" dirty="0" smtClean="0"/>
+              <a:t>)</a:t>
+            </a:r>
+          </a:p>
+          <a:p>
             <a:endParaRPr lang="en-US" dirty="0" smtClean="0"/>
+          </a:p>
+          <a:p>
+            <a:r>
+              <a:rPr lang="en-US" sz="2400" dirty="0" smtClean="0">
+                <a:solidFill>
+                  <a:srgbClr val="00B050"/>
+                </a:solidFill>
+              </a:rPr>
+              <a:t>&lt;code: NTRC examples&gt;</a:t>
+            </a:r>
+            <a:endParaRPr lang="en-US" sz="2400" dirty="0">
+              <a:solidFill>
+                <a:srgbClr val="00B050"/>
+              </a:solidFill>
+            </a:endParaRPr>
           </a:p>
         </p:txBody>
       </p:sp>
@@ -9985,7 +9748,7 @@
     </p:spTree>
     <p:extLst>
       <p:ext uri="{BB962C8B-B14F-4D97-AF65-F5344CB8AC3E}">
-        <p14:creationId xmlns:p14="http://schemas.microsoft.com/office/powerpoint/2010/main" val="180966133"/>
+        <p14:creationId xmlns:p14="http://schemas.microsoft.com/office/powerpoint/2010/main" val="1877482679"/>
       </p:ext>
     </p:extLst>
   </p:cSld>
@@ -10027,6 +9790,10 @@
           <a:bodyPr/>
           <a:lstStyle/>
           <a:p>
+            <a:r>
+              <a:rPr lang="en-US" dirty="0" smtClean="0"/>
+              <a:t>Decorators</a:t>
+            </a:r>
             <a:endParaRPr lang="en-US" dirty="0"/>
           </a:p>
         </p:txBody>
@@ -10046,7 +9813,63 @@
           <a:bodyPr/>
           <a:lstStyle/>
           <a:p>
-            <a:endParaRPr lang="en-US"/>
+            <a:r>
+              <a:rPr lang="en-US" dirty="0" smtClean="0"/>
+              <a:t>@</a:t>
+            </a:r>
+            <a:r>
+              <a:rPr lang="en-US" dirty="0" err="1" smtClean="0"/>
+              <a:t>ntrace</a:t>
+            </a:r>
+            <a:endParaRPr lang="en-US" dirty="0" smtClean="0"/>
+          </a:p>
+          <a:p>
+            <a:r>
+              <a:rPr lang="en-US" dirty="0" smtClean="0"/>
+              <a:t>@</a:t>
+            </a:r>
+            <a:r>
+              <a:rPr lang="en-US" dirty="0" err="1" smtClean="0"/>
+              <a:t>ntracef</a:t>
+            </a:r>
+            <a:r>
+              <a:rPr lang="en-US" dirty="0" smtClean="0"/>
+              <a:t>(</a:t>
+            </a:r>
+            <a:r>
+              <a:rPr lang="en-US" dirty="0" err="1" smtClean="0"/>
+              <a:t>facilityname</a:t>
+            </a:r>
+            <a:r>
+              <a:rPr lang="en-US" dirty="0" smtClean="0"/>
+              <a:t>, priority)</a:t>
+            </a:r>
+          </a:p>
+          <a:p>
+            <a:endParaRPr lang="en-US" dirty="0" smtClean="0"/>
+          </a:p>
+          <a:p>
+            <a:r>
+              <a:rPr lang="en-US" sz="2400" dirty="0" smtClean="0">
+                <a:solidFill>
+                  <a:srgbClr val="00B050"/>
+                </a:solidFill>
+              </a:rPr>
+              <a:t>&lt;code:</a:t>
+            </a:r>
+            <a:r>
+              <a:rPr lang="en-US" sz="2400" baseline="0" dirty="0" smtClean="0">
+                <a:solidFill>
+                  <a:srgbClr val="00B050"/>
+                </a:solidFill>
+              </a:rPr>
+              <a:t> decorator examples&gt;</a:t>
+            </a:r>
+            <a:endParaRPr lang="en-US" sz="2400" dirty="0">
+              <a:solidFill>
+                <a:srgbClr val="00B050"/>
+              </a:solidFill>
+            </a:endParaRPr>
           </a:p>
         </p:txBody>
       </p:sp>
@@ -10122,7 +9945,7 @@
     </p:spTree>
     <p:extLst>
       <p:ext uri="{BB962C8B-B14F-4D97-AF65-F5344CB8AC3E}">
-        <p14:creationId xmlns:p14="http://schemas.microsoft.com/office/powerpoint/2010/main" val="2544380923"/>
+        <p14:creationId xmlns:p14="http://schemas.microsoft.com/office/powerpoint/2010/main" val="3031580383"/>
       </p:ext>
     </p:extLst>
   </p:cSld>
@@ -10164,6 +9987,10 @@
           <a:bodyPr/>
           <a:lstStyle/>
           <a:p>
+            <a:r>
+              <a:rPr lang="en-US" dirty="0" smtClean="0"/>
+              <a:t>Instance to Use</a:t>
+            </a:r>
             <a:endParaRPr lang="en-US" dirty="0"/>
           </a:p>
         </p:txBody>
@@ -10183,7 +10010,11 @@
           <a:bodyPr/>
           <a:lstStyle/>
           <a:p>
-            <a:endParaRPr lang="en-US"/>
+            <a:r>
+              <a:rPr lang="en-US" dirty="0" smtClean="0"/>
+              <a:t>NTRC</a:t>
+            </a:r>
+            <a:endParaRPr lang="en-US" dirty="0"/>
           </a:p>
         </p:txBody>
       </p:sp>
@@ -10259,7 +10090,7 @@
     </p:spTree>
     <p:extLst>
       <p:ext uri="{BB962C8B-B14F-4D97-AF65-F5344CB8AC3E}">
-        <p14:creationId xmlns:p14="http://schemas.microsoft.com/office/powerpoint/2010/main" val="1969869318"/>
+        <p14:creationId xmlns:p14="http://schemas.microsoft.com/office/powerpoint/2010/main" val="2537635434"/>
       </p:ext>
     </p:extLst>
   </p:cSld>
@@ -10396,7 +10227,7 @@
     </p:spTree>
     <p:extLst>
       <p:ext uri="{BB962C8B-B14F-4D97-AF65-F5344CB8AC3E}">
-        <p14:creationId xmlns:p14="http://schemas.microsoft.com/office/powerpoint/2010/main" val="2555888453"/>
+        <p14:creationId xmlns:p14="http://schemas.microsoft.com/office/powerpoint/2010/main" val="4077899876"/>
       </p:ext>
     </p:extLst>
   </p:cSld>
@@ -10533,7 +10364,7 @@
     </p:spTree>
     <p:extLst>
       <p:ext uri="{BB962C8B-B14F-4D97-AF65-F5344CB8AC3E}">
-        <p14:creationId xmlns:p14="http://schemas.microsoft.com/office/powerpoint/2010/main" val="2188736830"/>
+        <p14:creationId xmlns:p14="http://schemas.microsoft.com/office/powerpoint/2010/main" val="2671257923"/>
       </p:ext>
     </p:extLst>
   </p:cSld>
@@ -10575,10 +10406,6 @@
           <a:bodyPr/>
           <a:lstStyle/>
           <a:p>
-            <a:r>
-              <a:rPr lang="en-US" dirty="0" smtClean="0"/>
-              <a:t>Other Random Weirdness</a:t>
-            </a:r>
             <a:endParaRPr lang="en-US" dirty="0"/>
           </a:p>
         </p:txBody>
@@ -10598,49 +10425,7 @@
           <a:bodyPr/>
           <a:lstStyle/>
           <a:p>
-            <a:r>
-              <a:rPr lang="en-US" sz="3200" kern="1200" dirty="0" smtClean="0">
-                <a:solidFill>
-                  <a:schemeClr val="tx1"/>
-                </a:solidFill>
-                <a:effectLst/>
-                <a:latin typeface="+mn-lt"/>
-                <a:ea typeface="+mn-ea"/>
-                <a:cs typeface="+mn-cs"/>
-              </a:rPr>
-              <a:t>Minimize opportunities for syntax errors</a:t>
-            </a:r>
-          </a:p>
-          <a:p>
-            <a:r>
-              <a:rPr lang="en-US" sz="3200" kern="1200" dirty="0" smtClean="0">
-                <a:solidFill>
-                  <a:schemeClr val="tx1"/>
-                </a:solidFill>
-                <a:effectLst/>
-                <a:latin typeface="+mn-lt"/>
-                <a:ea typeface="+mn-ea"/>
-                <a:cs typeface="+mn-cs"/>
-              </a:rPr>
-              <a:t>Commas at beginning of lines in argument lists</a:t>
-            </a:r>
-          </a:p>
-          <a:p>
-            <a:r>
-              <a:rPr lang="en-US" sz="3200" kern="1200" dirty="0" smtClean="0">
-                <a:solidFill>
-                  <a:schemeClr val="tx1"/>
-                </a:solidFill>
-                <a:effectLst/>
-                <a:latin typeface="+mn-lt"/>
-                <a:ea typeface="+mn-ea"/>
-                <a:cs typeface="+mn-cs"/>
-              </a:rPr>
-              <a:t>Consistent tabs and spacing, just as PEP-8 says</a:t>
-            </a:r>
-          </a:p>
-          <a:p>
-            <a:endParaRPr lang="en-US" dirty="0" smtClean="0"/>
+            <a:endParaRPr lang="en-US"/>
           </a:p>
         </p:txBody>
       </p:sp>
@@ -10716,7 +10501,7 @@
     </p:spTree>
     <p:extLst>
       <p:ext uri="{BB962C8B-B14F-4D97-AF65-F5344CB8AC3E}">
-        <p14:creationId xmlns:p14="http://schemas.microsoft.com/office/powerpoint/2010/main" val="630806096"/>
+        <p14:creationId xmlns:p14="http://schemas.microsoft.com/office/powerpoint/2010/main" val="4157105127"/>
       </p:ext>
     </p:extLst>
   </p:cSld>
@@ -10853,7 +10638,7 @@
     </p:spTree>
     <p:extLst>
       <p:ext uri="{BB962C8B-B14F-4D97-AF65-F5344CB8AC3E}">
-        <p14:creationId xmlns:p14="http://schemas.microsoft.com/office/powerpoint/2010/main" val="2919167354"/>
+        <p14:creationId xmlns:p14="http://schemas.microsoft.com/office/powerpoint/2010/main" val="215359385"/>
       </p:ext>
     </p:extLst>
   </p:cSld>
@@ -10990,7 +10775,7 @@
     </p:spTree>
     <p:extLst>
       <p:ext uri="{BB962C8B-B14F-4D97-AF65-F5344CB8AC3E}">
-        <p14:creationId xmlns:p14="http://schemas.microsoft.com/office/powerpoint/2010/main" val="3859691682"/>
+        <p14:creationId xmlns:p14="http://schemas.microsoft.com/office/powerpoint/2010/main" val="1488600338"/>
       </p:ext>
     </p:extLst>
   </p:cSld>
@@ -11127,7 +10912,7 @@
     </p:spTree>
     <p:extLst>
       <p:ext uri="{BB962C8B-B14F-4D97-AF65-F5344CB8AC3E}">
-        <p14:creationId xmlns:p14="http://schemas.microsoft.com/office/powerpoint/2010/main" val="873137246"/>
+        <p14:creationId xmlns:p14="http://schemas.microsoft.com/office/powerpoint/2010/main" val="4062516808"/>
       </p:ext>
     </p:extLst>
   </p:cSld>
@@ -11171,7 +10956,11 @@
           <a:p>
             <a:r>
               <a:rPr lang="en-US" dirty="0" smtClean="0"/>
-              <a:t>Why</a:t>
+              <a:t>Use Meaningful</a:t>
+            </a:r>
+            <a:r>
+              <a:rPr lang="en-US" baseline="0" dirty="0" smtClean="0"/>
+              <a:t> Names</a:t>
             </a:r>
             <a:endParaRPr lang="en-US" dirty="0"/>
           </a:p>
@@ -11189,10 +10978,123 @@
         </p:nvSpPr>
         <p:spPr/>
         <p:txBody>
-          <a:bodyPr/>
-          <a:lstStyle/>
-          <a:p>
-            <a:endParaRPr lang="en-US" dirty="0"/>
+          <a:bodyPr>
+            <a:normAutofit/>
+          </a:bodyPr>
+          <a:lstStyle/>
+          <a:p>
+            <a:pPr lvl="0"/>
+            <a:r>
+              <a:rPr lang="en-US" sz="3200" kern="1200" dirty="0" smtClean="0">
+                <a:solidFill>
+                  <a:schemeClr val="tx1"/>
+                </a:solidFill>
+                <a:effectLst/>
+                <a:latin typeface="+mn-lt"/>
+                <a:ea typeface="+mn-ea"/>
+                <a:cs typeface="+mn-cs"/>
+              </a:rPr>
+              <a:t>The type of the data should be obvious</a:t>
+            </a:r>
+          </a:p>
+          <a:p>
+            <a:pPr lvl="1"/>
+            <a:r>
+              <a:rPr lang="en-US" sz="2800" kern="1200" dirty="0" smtClean="0">
+                <a:solidFill>
+                  <a:schemeClr val="tx1"/>
+                </a:solidFill>
+                <a:effectLst/>
+                <a:latin typeface="+mn-lt"/>
+                <a:ea typeface="+mn-ea"/>
+                <a:cs typeface="+mn-cs"/>
+              </a:rPr>
+              <a:t>It prevents a lot of runtime errors</a:t>
+            </a:r>
+          </a:p>
+          <a:p>
+            <a:pPr lvl="0"/>
+            <a:r>
+              <a:rPr lang="en-US" sz="3200" kern="1200" dirty="0" smtClean="0">
+                <a:solidFill>
+                  <a:schemeClr val="tx1"/>
+                </a:solidFill>
+                <a:effectLst/>
+                <a:latin typeface="+mn-lt"/>
+                <a:ea typeface="+mn-ea"/>
+                <a:cs typeface="+mn-cs"/>
+              </a:rPr>
+              <a:t>I use "Hungarian naming" because (dinosaur!) I grew up with it</a:t>
+            </a:r>
+          </a:p>
+          <a:p>
+            <a:pPr lvl="1"/>
+            <a:r>
+              <a:rPr lang="en-US" sz="2800" kern="1200" dirty="0" err="1" smtClean="0">
+                <a:solidFill>
+                  <a:schemeClr val="tx1"/>
+                </a:solidFill>
+                <a:effectLst/>
+                <a:latin typeface="+mn-lt"/>
+                <a:ea typeface="+mn-ea"/>
+                <a:cs typeface="+mn-cs"/>
+              </a:rPr>
+              <a:t>CamelCase</a:t>
+            </a:r>
+            <a:r>
+              <a:rPr lang="en-US" sz="2800" kern="1200" dirty="0" smtClean="0">
+                <a:solidFill>
+                  <a:schemeClr val="tx1"/>
+                </a:solidFill>
+                <a:effectLst/>
+                <a:latin typeface="+mn-lt"/>
+                <a:ea typeface="+mn-ea"/>
+                <a:cs typeface="+mn-cs"/>
+              </a:rPr>
+              <a:t> with ugly prefixes for datatypes </a:t>
+            </a:r>
+          </a:p>
+          <a:p>
+            <a:pPr lvl="0"/>
+            <a:r>
+              <a:rPr lang="en-US" sz="3200" kern="1200" dirty="0" err="1" smtClean="0">
+                <a:solidFill>
+                  <a:schemeClr val="tx1"/>
+                </a:solidFill>
+                <a:effectLst/>
+                <a:latin typeface="+mn-lt"/>
+                <a:ea typeface="+mn-ea"/>
+                <a:cs typeface="+mn-cs"/>
+              </a:rPr>
+              <a:t>CamelCase</a:t>
+            </a:r>
+            <a:r>
+              <a:rPr lang="en-US" sz="3200" kern="1200" dirty="0" smtClean="0">
+                <a:solidFill>
+                  <a:schemeClr val="tx1"/>
+                </a:solidFill>
+                <a:effectLst/>
+                <a:latin typeface="+mn-lt"/>
+                <a:ea typeface="+mn-ea"/>
+                <a:cs typeface="+mn-cs"/>
+              </a:rPr>
+              <a:t> is just a personal preference</a:t>
+            </a:r>
+          </a:p>
+          <a:p>
+            <a:pPr lvl="1"/>
+            <a:r>
+              <a:rPr lang="en-US" sz="2800" kern="1200" dirty="0" smtClean="0">
+                <a:solidFill>
+                  <a:schemeClr val="tx1"/>
+                </a:solidFill>
+                <a:effectLst/>
+                <a:latin typeface="+mn-lt"/>
+                <a:ea typeface="+mn-ea"/>
+                <a:cs typeface="+mn-cs"/>
+              </a:rPr>
+              <a:t>Datatype at the beginning of the name of data (or a function) is useful</a:t>
+            </a:r>
           </a:p>
         </p:txBody>
       </p:sp>
@@ -11268,7 +11170,7 @@
     </p:spTree>
     <p:extLst>
       <p:ext uri="{BB962C8B-B14F-4D97-AF65-F5344CB8AC3E}">
-        <p14:creationId xmlns:p14="http://schemas.microsoft.com/office/powerpoint/2010/main" val="2388769585"/>
+        <p14:creationId xmlns:p14="http://schemas.microsoft.com/office/powerpoint/2010/main" val="867037978"/>
       </p:ext>
     </p:extLst>
   </p:cSld>
@@ -11412,7 +11314,7 @@
     </p:spTree>
     <p:extLst>
       <p:ext uri="{BB962C8B-B14F-4D97-AF65-F5344CB8AC3E}">
-        <p14:creationId xmlns:p14="http://schemas.microsoft.com/office/powerpoint/2010/main" val="2769191853"/>
+        <p14:creationId xmlns:p14="http://schemas.microsoft.com/office/powerpoint/2010/main" val="3015143464"/>
       </p:ext>
     </p:extLst>
   </p:cSld>
@@ -11451,9 +11353,15 @@
         </p:nvSpPr>
         <p:spPr/>
         <p:txBody>
-          <a:bodyPr/>
-          <a:lstStyle/>
-          <a:p>
+          <a:bodyPr>
+            <a:normAutofit/>
+          </a:bodyPr>
+          <a:lstStyle/>
+          <a:p>
+            <a:r>
+              <a:rPr lang="en-US" dirty="0" smtClean="0"/>
+              <a:t>Filtering on Priority,  Facility</a:t>
+            </a:r>
             <a:endParaRPr lang="en-US" dirty="0"/>
           </a:p>
         </p:txBody>
@@ -11473,7 +11381,43 @@
           <a:bodyPr/>
           <a:lstStyle/>
           <a:p>
-            <a:endParaRPr lang="en-US"/>
+            <a:pPr marL="342900" marR="0" lvl="0" indent="-342900" algn="l" defTabSz="914400" rtl="0" eaLnBrk="1" fontAlgn="auto" latinLnBrk="0" hangingPunct="1">
+              <a:lnSpc>
+                <a:spcPct val="100000"/>
+              </a:lnSpc>
+              <a:spcBef>
+                <a:spcPct val="20000"/>
+              </a:spcBef>
+              <a:spcAft>
+                <a:spcPts val="0"/>
+              </a:spcAft>
+              <a:buClrTx/>
+              <a:buSzTx/>
+              <a:buFont typeface="Arial" panose="020B0604020202020204" pitchFamily="34" charset="0"/>
+              <a:buChar char="•"/>
+              <a:tabLst/>
+              <a:defRPr/>
+            </a:pPr>
+            <a:r>
+              <a:rPr lang="en-US" sz="3200" kern="1200" dirty="0" smtClean="0">
+                <a:solidFill>
+                  <a:schemeClr val="tx1"/>
+                </a:solidFill>
+                <a:effectLst/>
+                <a:latin typeface="+mn-lt"/>
+                <a:ea typeface="+mn-ea"/>
+                <a:cs typeface="+mn-cs"/>
+              </a:rPr>
+              <a:t>Filtering makes listings short and to the point, when needed</a:t>
+            </a:r>
+          </a:p>
+          <a:p>
+            <a:pPr lvl="1"/>
+            <a:r>
+              <a:rPr lang="en-US" dirty="0" smtClean="0"/>
+              <a:t>On priority, facility name</a:t>
+            </a:r>
+            <a:endParaRPr lang="en-US" dirty="0"/>
           </a:p>
         </p:txBody>
       </p:sp>
@@ -11549,7 +11493,1288 @@
     </p:spTree>
     <p:extLst>
       <p:ext uri="{BB962C8B-B14F-4D97-AF65-F5344CB8AC3E}">
-        <p14:creationId xmlns:p14="http://schemas.microsoft.com/office/powerpoint/2010/main" val="2593043557"/>
+        <p14:creationId xmlns:p14="http://schemas.microsoft.com/office/powerpoint/2010/main" val="3342437731"/>
+      </p:ext>
+    </p:extLst>
+  </p:cSld>
+  <p:clrMapOvr>
+    <a:masterClrMapping/>
+  </p:clrMapOvr>
+</p:sld>
+</file>
+
+<file path=ppt/slides/slide42.xml><?xml version="1.0" encoding="utf-8"?>
+<p:sld xmlns:a="http://schemas.openxmlformats.org/drawingml/2006/main" xmlns:r="http://schemas.openxmlformats.org/officeDocument/2006/relationships" xmlns:p="http://schemas.openxmlformats.org/presentationml/2006/main">
+  <p:cSld>
+    <p:spTree>
+      <p:nvGrpSpPr>
+        <p:cNvPr id="1" name=""/>
+        <p:cNvGrpSpPr/>
+        <p:nvPr/>
+      </p:nvGrpSpPr>
+      <p:grpSpPr>
+        <a:xfrm>
+          <a:off x="0" y="0"/>
+          <a:ext cx="0" cy="0"/>
+          <a:chOff x="0" y="0"/>
+          <a:chExt cx="0" cy="0"/>
+        </a:xfrm>
+      </p:grpSpPr>
+      <p:sp>
+        <p:nvSpPr>
+          <p:cNvPr id="2" name="Title 1"/>
+          <p:cNvSpPr>
+            <a:spLocks noGrp="1"/>
+          </p:cNvSpPr>
+          <p:nvPr>
+            <p:ph type="title"/>
+          </p:nvPr>
+        </p:nvSpPr>
+        <p:spPr/>
+        <p:txBody>
+          <a:bodyPr/>
+          <a:lstStyle/>
+          <a:p>
+            <a:r>
+              <a:rPr lang="en-US" dirty="0" smtClean="0"/>
+              <a:t>Use</a:t>
+            </a:r>
+            <a:r>
+              <a:rPr lang="en-US" baseline="0" dirty="0" smtClean="0"/>
+              <a:t> for Regression Testing</a:t>
+            </a:r>
+            <a:endParaRPr lang="en-US" dirty="0"/>
+          </a:p>
+        </p:txBody>
+      </p:sp>
+      <p:sp>
+        <p:nvSpPr>
+          <p:cNvPr id="3" name="Content Placeholder 2"/>
+          <p:cNvSpPr>
+            <a:spLocks noGrp="1"/>
+          </p:cNvSpPr>
+          <p:nvPr>
+            <p:ph idx="1"/>
+          </p:nvPr>
+        </p:nvSpPr>
+        <p:spPr/>
+        <p:txBody>
+          <a:bodyPr/>
+          <a:lstStyle/>
+          <a:p>
+            <a:r>
+              <a:rPr lang="en-US" sz="3200" kern="1200" dirty="0" smtClean="0">
+                <a:solidFill>
+                  <a:schemeClr val="tx1"/>
+                </a:solidFill>
+                <a:effectLst/>
+                <a:latin typeface="+mn-lt"/>
+                <a:ea typeface="+mn-ea"/>
+                <a:cs typeface="+mn-cs"/>
+              </a:rPr>
+              <a:t>Tests can be done with log files suitably sanitized</a:t>
+            </a:r>
+          </a:p>
+          <a:p>
+            <a:pPr lvl="1"/>
+            <a:r>
+              <a:rPr lang="en-US" sz="2800" kern="1200" dirty="0" smtClean="0">
+                <a:solidFill>
+                  <a:schemeClr val="tx1"/>
+                </a:solidFill>
+                <a:effectLst/>
+                <a:latin typeface="+mn-lt"/>
+                <a:ea typeface="+mn-ea"/>
+                <a:cs typeface="+mn-cs"/>
+              </a:rPr>
+              <a:t>Timestamps and other non-deterministic items</a:t>
+            </a:r>
+          </a:p>
+          <a:p>
+            <a:r>
+              <a:rPr lang="en-US" sz="3200" kern="1200" dirty="0" smtClean="0">
+                <a:solidFill>
+                  <a:schemeClr val="tx1"/>
+                </a:solidFill>
+                <a:effectLst/>
+                <a:latin typeface="+mn-lt"/>
+                <a:ea typeface="+mn-ea"/>
+                <a:cs typeface="+mn-cs"/>
+              </a:rPr>
+              <a:t>Possible with trace logs in some </a:t>
+            </a:r>
+            <a:r>
+              <a:rPr lang="en-US" sz="3200" kern="1200" dirty="0" smtClean="0">
+                <a:solidFill>
+                  <a:schemeClr val="tx1"/>
+                </a:solidFill>
+                <a:effectLst/>
+                <a:latin typeface="+mn-lt"/>
+                <a:ea typeface="+mn-ea"/>
+                <a:cs typeface="+mn-cs"/>
+              </a:rPr>
+              <a:t>cases</a:t>
+            </a:r>
+            <a:endParaRPr lang="en-US" sz="3200" kern="1200" dirty="0" smtClean="0">
+              <a:solidFill>
+                <a:schemeClr val="tx1"/>
+              </a:solidFill>
+              <a:effectLst/>
+              <a:latin typeface="+mn-lt"/>
+              <a:ea typeface="+mn-ea"/>
+              <a:cs typeface="+mn-cs"/>
+            </a:endParaRPr>
+          </a:p>
+        </p:txBody>
+      </p:sp>
+      <p:sp>
+        <p:nvSpPr>
+          <p:cNvPr id="4" name="Date Placeholder 3"/>
+          <p:cNvSpPr>
+            <a:spLocks noGrp="1"/>
+          </p:cNvSpPr>
+          <p:nvPr>
+            <p:ph type="dt" sz="half" idx="10"/>
+          </p:nvPr>
+        </p:nvSpPr>
+        <p:spPr/>
+        <p:txBody>
+          <a:bodyPr/>
+          <a:lstStyle/>
+          <a:p>
+            <a:r>
+              <a:rPr lang="en-US" smtClean="0"/>
+              <a:t>2021-01-01</a:t>
+            </a:r>
+            <a:endParaRPr lang="en-US"/>
+          </a:p>
+        </p:txBody>
+      </p:sp>
+      <p:sp>
+        <p:nvSpPr>
+          <p:cNvPr id="5" name="Footer Placeholder 4"/>
+          <p:cNvSpPr>
+            <a:spLocks noGrp="1"/>
+          </p:cNvSpPr>
+          <p:nvPr>
+            <p:ph type="ftr" sz="quarter" idx="11"/>
+          </p:nvPr>
+        </p:nvSpPr>
+        <p:spPr/>
+        <p:txBody>
+          <a:bodyPr/>
+          <a:lstStyle/>
+          <a:p>
+            <a:r>
+              <a:rPr lang="en-US" smtClean="0"/>
+              <a:t>RBL - Boston Python</a:t>
+            </a:r>
+            <a:endParaRPr lang="en-US" dirty="0"/>
+          </a:p>
+        </p:txBody>
+      </p:sp>
+      <p:sp>
+        <p:nvSpPr>
+          <p:cNvPr id="6" name="Slide Number Placeholder 5"/>
+          <p:cNvSpPr>
+            <a:spLocks noGrp="1"/>
+          </p:cNvSpPr>
+          <p:nvPr>
+            <p:ph type="sldNum" sz="quarter" idx="12"/>
+          </p:nvPr>
+        </p:nvSpPr>
+        <p:spPr/>
+        <p:txBody>
+          <a:bodyPr/>
+          <a:lstStyle/>
+          <a:p>
+            <a:fld id="{4E5DAAAA-9FFA-4439-92E3-68E3EA8B0D1F}" type="slidenum">
+              <a:rPr lang="en-US" smtClean="0"/>
+              <a:t>42</a:t>
+            </a:fld>
+            <a:endParaRPr lang="en-US" dirty="0"/>
+          </a:p>
+        </p:txBody>
+      </p:sp>
+    </p:spTree>
+    <p:extLst>
+      <p:ext uri="{BB962C8B-B14F-4D97-AF65-F5344CB8AC3E}">
+        <p14:creationId xmlns:p14="http://schemas.microsoft.com/office/powerpoint/2010/main" val="3691605327"/>
+      </p:ext>
+    </p:extLst>
+  </p:cSld>
+  <p:clrMapOvr>
+    <a:masterClrMapping/>
+  </p:clrMapOvr>
+</p:sld>
+</file>
+
+<file path=ppt/slides/slide43.xml><?xml version="1.0" encoding="utf-8"?>
+<p:sld xmlns:a="http://schemas.openxmlformats.org/drawingml/2006/main" xmlns:r="http://schemas.openxmlformats.org/officeDocument/2006/relationships" xmlns:p="http://schemas.openxmlformats.org/presentationml/2006/main">
+  <p:cSld>
+    <p:spTree>
+      <p:nvGrpSpPr>
+        <p:cNvPr id="1" name=""/>
+        <p:cNvGrpSpPr/>
+        <p:nvPr/>
+      </p:nvGrpSpPr>
+      <p:grpSpPr>
+        <a:xfrm>
+          <a:off x="0" y="0"/>
+          <a:ext cx="0" cy="0"/>
+          <a:chOff x="0" y="0"/>
+          <a:chExt cx="0" cy="0"/>
+        </a:xfrm>
+      </p:grpSpPr>
+      <p:sp>
+        <p:nvSpPr>
+          <p:cNvPr id="2" name="Title 1"/>
+          <p:cNvSpPr>
+            <a:spLocks noGrp="1"/>
+          </p:cNvSpPr>
+          <p:nvPr>
+            <p:ph type="title"/>
+          </p:nvPr>
+        </p:nvSpPr>
+        <p:spPr/>
+        <p:txBody>
+          <a:bodyPr/>
+          <a:lstStyle/>
+          <a:p>
+            <a:r>
+              <a:rPr lang="en-US" dirty="0" smtClean="0"/>
+              <a:t>Examples</a:t>
+            </a:r>
+            <a:endParaRPr lang="en-US" dirty="0"/>
+          </a:p>
+        </p:txBody>
+      </p:sp>
+      <p:sp>
+        <p:nvSpPr>
+          <p:cNvPr id="3" name="Content Placeholder 2"/>
+          <p:cNvSpPr>
+            <a:spLocks noGrp="1"/>
+          </p:cNvSpPr>
+          <p:nvPr>
+            <p:ph idx="1"/>
+          </p:nvPr>
+        </p:nvSpPr>
+        <p:spPr/>
+        <p:txBody>
+          <a:bodyPr/>
+          <a:lstStyle/>
+          <a:p>
+            <a:r>
+              <a:rPr lang="en-US" dirty="0" smtClean="0"/>
+              <a:t>code in</a:t>
+            </a:r>
+            <a:endParaRPr lang="en-US" dirty="0"/>
+          </a:p>
+          <a:p>
+            <a:r>
+              <a:rPr lang="en-US" dirty="0" smtClean="0"/>
+              <a:t>trace</a:t>
+            </a:r>
+            <a:r>
+              <a:rPr lang="en-US" baseline="0" dirty="0" smtClean="0"/>
+              <a:t> lines out</a:t>
+            </a:r>
+            <a:endParaRPr lang="en-US" dirty="0" smtClean="0"/>
+          </a:p>
+        </p:txBody>
+      </p:sp>
+      <p:sp>
+        <p:nvSpPr>
+          <p:cNvPr id="4" name="Date Placeholder 3"/>
+          <p:cNvSpPr>
+            <a:spLocks noGrp="1"/>
+          </p:cNvSpPr>
+          <p:nvPr>
+            <p:ph type="dt" sz="half" idx="10"/>
+          </p:nvPr>
+        </p:nvSpPr>
+        <p:spPr/>
+        <p:txBody>
+          <a:bodyPr/>
+          <a:lstStyle/>
+          <a:p>
+            <a:r>
+              <a:rPr lang="en-US" smtClean="0"/>
+              <a:t>2021-01-01</a:t>
+            </a:r>
+            <a:endParaRPr lang="en-US"/>
+          </a:p>
+        </p:txBody>
+      </p:sp>
+      <p:sp>
+        <p:nvSpPr>
+          <p:cNvPr id="5" name="Footer Placeholder 4"/>
+          <p:cNvSpPr>
+            <a:spLocks noGrp="1"/>
+          </p:cNvSpPr>
+          <p:nvPr>
+            <p:ph type="ftr" sz="quarter" idx="11"/>
+          </p:nvPr>
+        </p:nvSpPr>
+        <p:spPr/>
+        <p:txBody>
+          <a:bodyPr/>
+          <a:lstStyle/>
+          <a:p>
+            <a:r>
+              <a:rPr lang="en-US" smtClean="0"/>
+              <a:t>RBL - Boston Python</a:t>
+            </a:r>
+            <a:endParaRPr lang="en-US" dirty="0"/>
+          </a:p>
+        </p:txBody>
+      </p:sp>
+      <p:sp>
+        <p:nvSpPr>
+          <p:cNvPr id="6" name="Slide Number Placeholder 5"/>
+          <p:cNvSpPr>
+            <a:spLocks noGrp="1"/>
+          </p:cNvSpPr>
+          <p:nvPr>
+            <p:ph type="sldNum" sz="quarter" idx="12"/>
+          </p:nvPr>
+        </p:nvSpPr>
+        <p:spPr/>
+        <p:txBody>
+          <a:bodyPr/>
+          <a:lstStyle/>
+          <a:p>
+            <a:fld id="{4E5DAAAA-9FFA-4439-92E3-68E3EA8B0D1F}" type="slidenum">
+              <a:rPr lang="en-US" smtClean="0"/>
+              <a:t>43</a:t>
+            </a:fld>
+            <a:endParaRPr lang="en-US" dirty="0"/>
+          </a:p>
+        </p:txBody>
+      </p:sp>
+    </p:spTree>
+    <p:extLst>
+      <p:ext uri="{BB962C8B-B14F-4D97-AF65-F5344CB8AC3E}">
+        <p14:creationId xmlns:p14="http://schemas.microsoft.com/office/powerpoint/2010/main" val="180966133"/>
+      </p:ext>
+    </p:extLst>
+  </p:cSld>
+  <p:clrMapOvr>
+    <a:masterClrMapping/>
+  </p:clrMapOvr>
+</p:sld>
+</file>
+
+<file path=ppt/slides/slide44.xml><?xml version="1.0" encoding="utf-8"?>
+<p:sld xmlns:a="http://schemas.openxmlformats.org/drawingml/2006/main" xmlns:r="http://schemas.openxmlformats.org/officeDocument/2006/relationships" xmlns:p="http://schemas.openxmlformats.org/presentationml/2006/main">
+  <p:cSld>
+    <p:spTree>
+      <p:nvGrpSpPr>
+        <p:cNvPr id="1" name=""/>
+        <p:cNvGrpSpPr/>
+        <p:nvPr/>
+      </p:nvGrpSpPr>
+      <p:grpSpPr>
+        <a:xfrm>
+          <a:off x="0" y="0"/>
+          <a:ext cx="0" cy="0"/>
+          <a:chOff x="0" y="0"/>
+          <a:chExt cx="0" cy="0"/>
+        </a:xfrm>
+      </p:grpSpPr>
+      <p:sp>
+        <p:nvSpPr>
+          <p:cNvPr id="2" name="Title 1"/>
+          <p:cNvSpPr>
+            <a:spLocks noGrp="1"/>
+          </p:cNvSpPr>
+          <p:nvPr>
+            <p:ph type="title"/>
+          </p:nvPr>
+        </p:nvSpPr>
+        <p:spPr/>
+        <p:txBody>
+          <a:bodyPr/>
+          <a:lstStyle/>
+          <a:p>
+            <a:r>
+              <a:rPr lang="en-US" dirty="0" smtClean="0"/>
+              <a:t>Multiprocessing</a:t>
+            </a:r>
+            <a:endParaRPr lang="en-US" dirty="0"/>
+          </a:p>
+        </p:txBody>
+      </p:sp>
+      <p:sp>
+        <p:nvSpPr>
+          <p:cNvPr id="3" name="Content Placeholder 2"/>
+          <p:cNvSpPr>
+            <a:spLocks noGrp="1"/>
+          </p:cNvSpPr>
+          <p:nvPr>
+            <p:ph idx="1"/>
+          </p:nvPr>
+        </p:nvSpPr>
+        <p:spPr/>
+        <p:txBody>
+          <a:bodyPr/>
+          <a:lstStyle/>
+          <a:p>
+            <a:pPr marL="342900" marR="0" lvl="0" indent="-342900" algn="l" defTabSz="914400" rtl="0" eaLnBrk="1" fontAlgn="auto" latinLnBrk="0" hangingPunct="1">
+              <a:lnSpc>
+                <a:spcPct val="100000"/>
+              </a:lnSpc>
+              <a:spcBef>
+                <a:spcPct val="20000"/>
+              </a:spcBef>
+              <a:spcAft>
+                <a:spcPts val="0"/>
+              </a:spcAft>
+              <a:buClrTx/>
+              <a:buSzTx/>
+              <a:buFont typeface="Arial" panose="020B0604020202020204" pitchFamily="34" charset="0"/>
+              <a:buChar char="•"/>
+              <a:tabLst/>
+              <a:defRPr/>
+            </a:pPr>
+            <a:r>
+              <a:rPr lang="en-US" sz="3200" kern="1200" dirty="0" smtClean="0">
+                <a:solidFill>
+                  <a:schemeClr val="tx1"/>
+                </a:solidFill>
+                <a:effectLst/>
+                <a:latin typeface="+mn-lt"/>
+                <a:ea typeface="+mn-ea"/>
+                <a:cs typeface="+mn-cs"/>
+              </a:rPr>
+              <a:t>Multiprocessor-safe</a:t>
+            </a:r>
+            <a:r>
+              <a:rPr lang="en-US" sz="3200" kern="1200" dirty="0" smtClean="0">
+                <a:solidFill>
+                  <a:schemeClr val="tx1"/>
+                </a:solidFill>
+                <a:effectLst/>
+                <a:latin typeface="+mn-lt"/>
+                <a:ea typeface="+mn-ea"/>
+                <a:cs typeface="+mn-cs"/>
+              </a:rPr>
+              <a:t>, or at least thread-safe, would be good</a:t>
+            </a:r>
+          </a:p>
+          <a:p>
+            <a:r>
+              <a:rPr lang="en-US" dirty="0" smtClean="0"/>
+              <a:t>Not yet</a:t>
+            </a:r>
+            <a:endParaRPr lang="en-US" dirty="0"/>
+          </a:p>
+        </p:txBody>
+      </p:sp>
+      <p:sp>
+        <p:nvSpPr>
+          <p:cNvPr id="4" name="Date Placeholder 3"/>
+          <p:cNvSpPr>
+            <a:spLocks noGrp="1"/>
+          </p:cNvSpPr>
+          <p:nvPr>
+            <p:ph type="dt" sz="half" idx="10"/>
+          </p:nvPr>
+        </p:nvSpPr>
+        <p:spPr/>
+        <p:txBody>
+          <a:bodyPr/>
+          <a:lstStyle/>
+          <a:p>
+            <a:r>
+              <a:rPr lang="en-US" smtClean="0"/>
+              <a:t>2021-01-01</a:t>
+            </a:r>
+            <a:endParaRPr lang="en-US"/>
+          </a:p>
+        </p:txBody>
+      </p:sp>
+      <p:sp>
+        <p:nvSpPr>
+          <p:cNvPr id="5" name="Footer Placeholder 4"/>
+          <p:cNvSpPr>
+            <a:spLocks noGrp="1"/>
+          </p:cNvSpPr>
+          <p:nvPr>
+            <p:ph type="ftr" sz="quarter" idx="11"/>
+          </p:nvPr>
+        </p:nvSpPr>
+        <p:spPr/>
+        <p:txBody>
+          <a:bodyPr/>
+          <a:lstStyle/>
+          <a:p>
+            <a:r>
+              <a:rPr lang="en-US" smtClean="0"/>
+              <a:t>RBL - Boston Python</a:t>
+            </a:r>
+            <a:endParaRPr lang="en-US" dirty="0"/>
+          </a:p>
+        </p:txBody>
+      </p:sp>
+      <p:sp>
+        <p:nvSpPr>
+          <p:cNvPr id="6" name="Slide Number Placeholder 5"/>
+          <p:cNvSpPr>
+            <a:spLocks noGrp="1"/>
+          </p:cNvSpPr>
+          <p:nvPr>
+            <p:ph type="sldNum" sz="quarter" idx="12"/>
+          </p:nvPr>
+        </p:nvSpPr>
+        <p:spPr/>
+        <p:txBody>
+          <a:bodyPr/>
+          <a:lstStyle/>
+          <a:p>
+            <a:fld id="{4E5DAAAA-9FFA-4439-92E3-68E3EA8B0D1F}" type="slidenum">
+              <a:rPr lang="en-US" smtClean="0"/>
+              <a:t>44</a:t>
+            </a:fld>
+            <a:endParaRPr lang="en-US" dirty="0"/>
+          </a:p>
+        </p:txBody>
+      </p:sp>
+    </p:spTree>
+    <p:extLst>
+      <p:ext uri="{BB962C8B-B14F-4D97-AF65-F5344CB8AC3E}">
+        <p14:creationId xmlns:p14="http://schemas.microsoft.com/office/powerpoint/2010/main" val="400251234"/>
+      </p:ext>
+    </p:extLst>
+  </p:cSld>
+  <p:clrMapOvr>
+    <a:masterClrMapping/>
+  </p:clrMapOvr>
+</p:sld>
+</file>
+
+<file path=ppt/slides/slide45.xml><?xml version="1.0" encoding="utf-8"?>
+<p:sld xmlns:a="http://schemas.openxmlformats.org/drawingml/2006/main" xmlns:r="http://schemas.openxmlformats.org/officeDocument/2006/relationships" xmlns:p="http://schemas.openxmlformats.org/presentationml/2006/main">
+  <p:cSld>
+    <p:spTree>
+      <p:nvGrpSpPr>
+        <p:cNvPr id="1" name=""/>
+        <p:cNvGrpSpPr/>
+        <p:nvPr/>
+      </p:nvGrpSpPr>
+      <p:grpSpPr>
+        <a:xfrm>
+          <a:off x="0" y="0"/>
+          <a:ext cx="0" cy="0"/>
+          <a:chOff x="0" y="0"/>
+          <a:chExt cx="0" cy="0"/>
+        </a:xfrm>
+      </p:grpSpPr>
+      <p:sp>
+        <p:nvSpPr>
+          <p:cNvPr id="2" name="Title 1"/>
+          <p:cNvSpPr>
+            <a:spLocks noGrp="1"/>
+          </p:cNvSpPr>
+          <p:nvPr>
+            <p:ph type="title"/>
+          </p:nvPr>
+        </p:nvSpPr>
+        <p:spPr/>
+        <p:txBody>
+          <a:bodyPr/>
+          <a:lstStyle/>
+          <a:p>
+            <a:endParaRPr lang="en-US" dirty="0"/>
+          </a:p>
+        </p:txBody>
+      </p:sp>
+      <p:sp>
+        <p:nvSpPr>
+          <p:cNvPr id="3" name="Content Placeholder 2"/>
+          <p:cNvSpPr>
+            <a:spLocks noGrp="1"/>
+          </p:cNvSpPr>
+          <p:nvPr>
+            <p:ph idx="1"/>
+          </p:nvPr>
+        </p:nvSpPr>
+        <p:spPr/>
+        <p:txBody>
+          <a:bodyPr/>
+          <a:lstStyle/>
+          <a:p>
+            <a:endParaRPr lang="en-US"/>
+          </a:p>
+        </p:txBody>
+      </p:sp>
+      <p:sp>
+        <p:nvSpPr>
+          <p:cNvPr id="4" name="Date Placeholder 3"/>
+          <p:cNvSpPr>
+            <a:spLocks noGrp="1"/>
+          </p:cNvSpPr>
+          <p:nvPr>
+            <p:ph type="dt" sz="half" idx="10"/>
+          </p:nvPr>
+        </p:nvSpPr>
+        <p:spPr/>
+        <p:txBody>
+          <a:bodyPr/>
+          <a:lstStyle/>
+          <a:p>
+            <a:r>
+              <a:rPr lang="en-US" smtClean="0"/>
+              <a:t>2021-01-01</a:t>
+            </a:r>
+            <a:endParaRPr lang="en-US"/>
+          </a:p>
+        </p:txBody>
+      </p:sp>
+      <p:sp>
+        <p:nvSpPr>
+          <p:cNvPr id="5" name="Footer Placeholder 4"/>
+          <p:cNvSpPr>
+            <a:spLocks noGrp="1"/>
+          </p:cNvSpPr>
+          <p:nvPr>
+            <p:ph type="ftr" sz="quarter" idx="11"/>
+          </p:nvPr>
+        </p:nvSpPr>
+        <p:spPr/>
+        <p:txBody>
+          <a:bodyPr/>
+          <a:lstStyle/>
+          <a:p>
+            <a:r>
+              <a:rPr lang="en-US" smtClean="0"/>
+              <a:t>RBL - Boston Python</a:t>
+            </a:r>
+            <a:endParaRPr lang="en-US" dirty="0"/>
+          </a:p>
+        </p:txBody>
+      </p:sp>
+      <p:sp>
+        <p:nvSpPr>
+          <p:cNvPr id="6" name="Slide Number Placeholder 5"/>
+          <p:cNvSpPr>
+            <a:spLocks noGrp="1"/>
+          </p:cNvSpPr>
+          <p:nvPr>
+            <p:ph type="sldNum" sz="quarter" idx="12"/>
+          </p:nvPr>
+        </p:nvSpPr>
+        <p:spPr/>
+        <p:txBody>
+          <a:bodyPr/>
+          <a:lstStyle/>
+          <a:p>
+            <a:fld id="{4E5DAAAA-9FFA-4439-92E3-68E3EA8B0D1F}" type="slidenum">
+              <a:rPr lang="en-US" smtClean="0"/>
+              <a:t>45</a:t>
+            </a:fld>
+            <a:endParaRPr lang="en-US" dirty="0"/>
+          </a:p>
+        </p:txBody>
+      </p:sp>
+    </p:spTree>
+    <p:extLst>
+      <p:ext uri="{BB962C8B-B14F-4D97-AF65-F5344CB8AC3E}">
+        <p14:creationId xmlns:p14="http://schemas.microsoft.com/office/powerpoint/2010/main" val="2544380923"/>
+      </p:ext>
+    </p:extLst>
+  </p:cSld>
+  <p:clrMapOvr>
+    <a:masterClrMapping/>
+  </p:clrMapOvr>
+</p:sld>
+</file>
+
+<file path=ppt/slides/slide46.xml><?xml version="1.0" encoding="utf-8"?>
+<p:sld xmlns:a="http://schemas.openxmlformats.org/drawingml/2006/main" xmlns:r="http://schemas.openxmlformats.org/officeDocument/2006/relationships" xmlns:p="http://schemas.openxmlformats.org/presentationml/2006/main">
+  <p:cSld>
+    <p:spTree>
+      <p:nvGrpSpPr>
+        <p:cNvPr id="1" name=""/>
+        <p:cNvGrpSpPr/>
+        <p:nvPr/>
+      </p:nvGrpSpPr>
+      <p:grpSpPr>
+        <a:xfrm>
+          <a:off x="0" y="0"/>
+          <a:ext cx="0" cy="0"/>
+          <a:chOff x="0" y="0"/>
+          <a:chExt cx="0" cy="0"/>
+        </a:xfrm>
+      </p:grpSpPr>
+      <p:sp>
+        <p:nvSpPr>
+          <p:cNvPr id="2" name="Title 1"/>
+          <p:cNvSpPr>
+            <a:spLocks noGrp="1"/>
+          </p:cNvSpPr>
+          <p:nvPr>
+            <p:ph type="title"/>
+          </p:nvPr>
+        </p:nvSpPr>
+        <p:spPr/>
+        <p:txBody>
+          <a:bodyPr/>
+          <a:lstStyle/>
+          <a:p>
+            <a:endParaRPr lang="en-US" dirty="0"/>
+          </a:p>
+        </p:txBody>
+      </p:sp>
+      <p:sp>
+        <p:nvSpPr>
+          <p:cNvPr id="3" name="Content Placeholder 2"/>
+          <p:cNvSpPr>
+            <a:spLocks noGrp="1"/>
+          </p:cNvSpPr>
+          <p:nvPr>
+            <p:ph idx="1"/>
+          </p:nvPr>
+        </p:nvSpPr>
+        <p:spPr/>
+        <p:txBody>
+          <a:bodyPr/>
+          <a:lstStyle/>
+          <a:p>
+            <a:endParaRPr lang="en-US"/>
+          </a:p>
+        </p:txBody>
+      </p:sp>
+      <p:sp>
+        <p:nvSpPr>
+          <p:cNvPr id="4" name="Date Placeholder 3"/>
+          <p:cNvSpPr>
+            <a:spLocks noGrp="1"/>
+          </p:cNvSpPr>
+          <p:nvPr>
+            <p:ph type="dt" sz="half" idx="10"/>
+          </p:nvPr>
+        </p:nvSpPr>
+        <p:spPr/>
+        <p:txBody>
+          <a:bodyPr/>
+          <a:lstStyle/>
+          <a:p>
+            <a:r>
+              <a:rPr lang="en-US" smtClean="0"/>
+              <a:t>2021-01-01</a:t>
+            </a:r>
+            <a:endParaRPr lang="en-US"/>
+          </a:p>
+        </p:txBody>
+      </p:sp>
+      <p:sp>
+        <p:nvSpPr>
+          <p:cNvPr id="5" name="Footer Placeholder 4"/>
+          <p:cNvSpPr>
+            <a:spLocks noGrp="1"/>
+          </p:cNvSpPr>
+          <p:nvPr>
+            <p:ph type="ftr" sz="quarter" idx="11"/>
+          </p:nvPr>
+        </p:nvSpPr>
+        <p:spPr/>
+        <p:txBody>
+          <a:bodyPr/>
+          <a:lstStyle/>
+          <a:p>
+            <a:r>
+              <a:rPr lang="en-US" smtClean="0"/>
+              <a:t>RBL - Boston Python</a:t>
+            </a:r>
+            <a:endParaRPr lang="en-US" dirty="0"/>
+          </a:p>
+        </p:txBody>
+      </p:sp>
+      <p:sp>
+        <p:nvSpPr>
+          <p:cNvPr id="6" name="Slide Number Placeholder 5"/>
+          <p:cNvSpPr>
+            <a:spLocks noGrp="1"/>
+          </p:cNvSpPr>
+          <p:nvPr>
+            <p:ph type="sldNum" sz="quarter" idx="12"/>
+          </p:nvPr>
+        </p:nvSpPr>
+        <p:spPr/>
+        <p:txBody>
+          <a:bodyPr/>
+          <a:lstStyle/>
+          <a:p>
+            <a:fld id="{4E5DAAAA-9FFA-4439-92E3-68E3EA8B0D1F}" type="slidenum">
+              <a:rPr lang="en-US" smtClean="0"/>
+              <a:t>46</a:t>
+            </a:fld>
+            <a:endParaRPr lang="en-US" dirty="0"/>
+          </a:p>
+        </p:txBody>
+      </p:sp>
+    </p:spTree>
+    <p:extLst>
+      <p:ext uri="{BB962C8B-B14F-4D97-AF65-F5344CB8AC3E}">
+        <p14:creationId xmlns:p14="http://schemas.microsoft.com/office/powerpoint/2010/main" val="1969869318"/>
+      </p:ext>
+    </p:extLst>
+  </p:cSld>
+  <p:clrMapOvr>
+    <a:masterClrMapping/>
+  </p:clrMapOvr>
+</p:sld>
+</file>
+
+<file path=ppt/slides/slide47.xml><?xml version="1.0" encoding="utf-8"?>
+<p:sld xmlns:a="http://schemas.openxmlformats.org/drawingml/2006/main" xmlns:r="http://schemas.openxmlformats.org/officeDocument/2006/relationships" xmlns:p="http://schemas.openxmlformats.org/presentationml/2006/main">
+  <p:cSld>
+    <p:spTree>
+      <p:nvGrpSpPr>
+        <p:cNvPr id="1" name=""/>
+        <p:cNvGrpSpPr/>
+        <p:nvPr/>
+      </p:nvGrpSpPr>
+      <p:grpSpPr>
+        <a:xfrm>
+          <a:off x="0" y="0"/>
+          <a:ext cx="0" cy="0"/>
+          <a:chOff x="0" y="0"/>
+          <a:chExt cx="0" cy="0"/>
+        </a:xfrm>
+      </p:grpSpPr>
+      <p:sp>
+        <p:nvSpPr>
+          <p:cNvPr id="2" name="Title 1"/>
+          <p:cNvSpPr>
+            <a:spLocks noGrp="1"/>
+          </p:cNvSpPr>
+          <p:nvPr>
+            <p:ph type="title"/>
+          </p:nvPr>
+        </p:nvSpPr>
+        <p:spPr/>
+        <p:txBody>
+          <a:bodyPr/>
+          <a:lstStyle/>
+          <a:p>
+            <a:endParaRPr lang="en-US" dirty="0"/>
+          </a:p>
+        </p:txBody>
+      </p:sp>
+      <p:sp>
+        <p:nvSpPr>
+          <p:cNvPr id="3" name="Content Placeholder 2"/>
+          <p:cNvSpPr>
+            <a:spLocks noGrp="1"/>
+          </p:cNvSpPr>
+          <p:nvPr>
+            <p:ph idx="1"/>
+          </p:nvPr>
+        </p:nvSpPr>
+        <p:spPr/>
+        <p:txBody>
+          <a:bodyPr/>
+          <a:lstStyle/>
+          <a:p>
+            <a:endParaRPr lang="en-US"/>
+          </a:p>
+        </p:txBody>
+      </p:sp>
+      <p:sp>
+        <p:nvSpPr>
+          <p:cNvPr id="4" name="Date Placeholder 3"/>
+          <p:cNvSpPr>
+            <a:spLocks noGrp="1"/>
+          </p:cNvSpPr>
+          <p:nvPr>
+            <p:ph type="dt" sz="half" idx="10"/>
+          </p:nvPr>
+        </p:nvSpPr>
+        <p:spPr/>
+        <p:txBody>
+          <a:bodyPr/>
+          <a:lstStyle/>
+          <a:p>
+            <a:r>
+              <a:rPr lang="en-US" smtClean="0"/>
+              <a:t>2021-01-01</a:t>
+            </a:r>
+            <a:endParaRPr lang="en-US"/>
+          </a:p>
+        </p:txBody>
+      </p:sp>
+      <p:sp>
+        <p:nvSpPr>
+          <p:cNvPr id="5" name="Footer Placeholder 4"/>
+          <p:cNvSpPr>
+            <a:spLocks noGrp="1"/>
+          </p:cNvSpPr>
+          <p:nvPr>
+            <p:ph type="ftr" sz="quarter" idx="11"/>
+          </p:nvPr>
+        </p:nvSpPr>
+        <p:spPr/>
+        <p:txBody>
+          <a:bodyPr/>
+          <a:lstStyle/>
+          <a:p>
+            <a:r>
+              <a:rPr lang="en-US" smtClean="0"/>
+              <a:t>RBL - Boston Python</a:t>
+            </a:r>
+            <a:endParaRPr lang="en-US" dirty="0"/>
+          </a:p>
+        </p:txBody>
+      </p:sp>
+      <p:sp>
+        <p:nvSpPr>
+          <p:cNvPr id="6" name="Slide Number Placeholder 5"/>
+          <p:cNvSpPr>
+            <a:spLocks noGrp="1"/>
+          </p:cNvSpPr>
+          <p:nvPr>
+            <p:ph type="sldNum" sz="quarter" idx="12"/>
+          </p:nvPr>
+        </p:nvSpPr>
+        <p:spPr/>
+        <p:txBody>
+          <a:bodyPr/>
+          <a:lstStyle/>
+          <a:p>
+            <a:fld id="{4E5DAAAA-9FFA-4439-92E3-68E3EA8B0D1F}" type="slidenum">
+              <a:rPr lang="en-US" smtClean="0"/>
+              <a:t>47</a:t>
+            </a:fld>
+            <a:endParaRPr lang="en-US" dirty="0"/>
+          </a:p>
+        </p:txBody>
+      </p:sp>
+    </p:spTree>
+    <p:extLst>
+      <p:ext uri="{BB962C8B-B14F-4D97-AF65-F5344CB8AC3E}">
+        <p14:creationId xmlns:p14="http://schemas.microsoft.com/office/powerpoint/2010/main" val="2555888453"/>
+      </p:ext>
+    </p:extLst>
+  </p:cSld>
+  <p:clrMapOvr>
+    <a:masterClrMapping/>
+  </p:clrMapOvr>
+</p:sld>
+</file>
+
+<file path=ppt/slides/slide48.xml><?xml version="1.0" encoding="utf-8"?>
+<p:sld xmlns:a="http://schemas.openxmlformats.org/drawingml/2006/main" xmlns:r="http://schemas.openxmlformats.org/officeDocument/2006/relationships" xmlns:p="http://schemas.openxmlformats.org/presentationml/2006/main">
+  <p:cSld>
+    <p:spTree>
+      <p:nvGrpSpPr>
+        <p:cNvPr id="1" name=""/>
+        <p:cNvGrpSpPr/>
+        <p:nvPr/>
+      </p:nvGrpSpPr>
+      <p:grpSpPr>
+        <a:xfrm>
+          <a:off x="0" y="0"/>
+          <a:ext cx="0" cy="0"/>
+          <a:chOff x="0" y="0"/>
+          <a:chExt cx="0" cy="0"/>
+        </a:xfrm>
+      </p:grpSpPr>
+      <p:sp>
+        <p:nvSpPr>
+          <p:cNvPr id="2" name="Title 1"/>
+          <p:cNvSpPr>
+            <a:spLocks noGrp="1"/>
+          </p:cNvSpPr>
+          <p:nvPr>
+            <p:ph type="title"/>
+          </p:nvPr>
+        </p:nvSpPr>
+        <p:spPr/>
+        <p:txBody>
+          <a:bodyPr/>
+          <a:lstStyle/>
+          <a:p>
+            <a:endParaRPr lang="en-US" dirty="0"/>
+          </a:p>
+        </p:txBody>
+      </p:sp>
+      <p:sp>
+        <p:nvSpPr>
+          <p:cNvPr id="3" name="Content Placeholder 2"/>
+          <p:cNvSpPr>
+            <a:spLocks noGrp="1"/>
+          </p:cNvSpPr>
+          <p:nvPr>
+            <p:ph idx="1"/>
+          </p:nvPr>
+        </p:nvSpPr>
+        <p:spPr/>
+        <p:txBody>
+          <a:bodyPr/>
+          <a:lstStyle/>
+          <a:p>
+            <a:endParaRPr lang="en-US"/>
+          </a:p>
+        </p:txBody>
+      </p:sp>
+      <p:sp>
+        <p:nvSpPr>
+          <p:cNvPr id="4" name="Date Placeholder 3"/>
+          <p:cNvSpPr>
+            <a:spLocks noGrp="1"/>
+          </p:cNvSpPr>
+          <p:nvPr>
+            <p:ph type="dt" sz="half" idx="10"/>
+          </p:nvPr>
+        </p:nvSpPr>
+        <p:spPr/>
+        <p:txBody>
+          <a:bodyPr/>
+          <a:lstStyle/>
+          <a:p>
+            <a:r>
+              <a:rPr lang="en-US" smtClean="0"/>
+              <a:t>2021-01-01</a:t>
+            </a:r>
+            <a:endParaRPr lang="en-US"/>
+          </a:p>
+        </p:txBody>
+      </p:sp>
+      <p:sp>
+        <p:nvSpPr>
+          <p:cNvPr id="5" name="Footer Placeholder 4"/>
+          <p:cNvSpPr>
+            <a:spLocks noGrp="1"/>
+          </p:cNvSpPr>
+          <p:nvPr>
+            <p:ph type="ftr" sz="quarter" idx="11"/>
+          </p:nvPr>
+        </p:nvSpPr>
+        <p:spPr/>
+        <p:txBody>
+          <a:bodyPr/>
+          <a:lstStyle/>
+          <a:p>
+            <a:r>
+              <a:rPr lang="en-US" smtClean="0"/>
+              <a:t>RBL - Boston Python</a:t>
+            </a:r>
+            <a:endParaRPr lang="en-US" dirty="0"/>
+          </a:p>
+        </p:txBody>
+      </p:sp>
+      <p:sp>
+        <p:nvSpPr>
+          <p:cNvPr id="6" name="Slide Number Placeholder 5"/>
+          <p:cNvSpPr>
+            <a:spLocks noGrp="1"/>
+          </p:cNvSpPr>
+          <p:nvPr>
+            <p:ph type="sldNum" sz="quarter" idx="12"/>
+          </p:nvPr>
+        </p:nvSpPr>
+        <p:spPr/>
+        <p:txBody>
+          <a:bodyPr/>
+          <a:lstStyle/>
+          <a:p>
+            <a:fld id="{4E5DAAAA-9FFA-4439-92E3-68E3EA8B0D1F}" type="slidenum">
+              <a:rPr lang="en-US" smtClean="0"/>
+              <a:t>48</a:t>
+            </a:fld>
+            <a:endParaRPr lang="en-US" dirty="0"/>
+          </a:p>
+        </p:txBody>
+      </p:sp>
+    </p:spTree>
+    <p:extLst>
+      <p:ext uri="{BB962C8B-B14F-4D97-AF65-F5344CB8AC3E}">
+        <p14:creationId xmlns:p14="http://schemas.microsoft.com/office/powerpoint/2010/main" val="2188736830"/>
+      </p:ext>
+    </p:extLst>
+  </p:cSld>
+  <p:clrMapOvr>
+    <a:masterClrMapping/>
+  </p:clrMapOvr>
+</p:sld>
+</file>
+
+<file path=ppt/slides/slide49.xml><?xml version="1.0" encoding="utf-8"?>
+<p:sld xmlns:a="http://schemas.openxmlformats.org/drawingml/2006/main" xmlns:r="http://schemas.openxmlformats.org/officeDocument/2006/relationships" xmlns:p="http://schemas.openxmlformats.org/presentationml/2006/main">
+  <p:cSld>
+    <p:spTree>
+      <p:nvGrpSpPr>
+        <p:cNvPr id="1" name=""/>
+        <p:cNvGrpSpPr/>
+        <p:nvPr/>
+      </p:nvGrpSpPr>
+      <p:grpSpPr>
+        <a:xfrm>
+          <a:off x="0" y="0"/>
+          <a:ext cx="0" cy="0"/>
+          <a:chOff x="0" y="0"/>
+          <a:chExt cx="0" cy="0"/>
+        </a:xfrm>
+      </p:grpSpPr>
+      <p:sp>
+        <p:nvSpPr>
+          <p:cNvPr id="2" name="Title 1"/>
+          <p:cNvSpPr>
+            <a:spLocks noGrp="1"/>
+          </p:cNvSpPr>
+          <p:nvPr>
+            <p:ph type="title"/>
+          </p:nvPr>
+        </p:nvSpPr>
+        <p:spPr/>
+        <p:txBody>
+          <a:bodyPr/>
+          <a:lstStyle/>
+          <a:p>
+            <a:r>
+              <a:rPr lang="en-US" dirty="0" smtClean="0"/>
+              <a:t>Other Random Weirdness</a:t>
+            </a:r>
+            <a:endParaRPr lang="en-US" dirty="0"/>
+          </a:p>
+        </p:txBody>
+      </p:sp>
+      <p:sp>
+        <p:nvSpPr>
+          <p:cNvPr id="3" name="Content Placeholder 2"/>
+          <p:cNvSpPr>
+            <a:spLocks noGrp="1"/>
+          </p:cNvSpPr>
+          <p:nvPr>
+            <p:ph idx="1"/>
+          </p:nvPr>
+        </p:nvSpPr>
+        <p:spPr/>
+        <p:txBody>
+          <a:bodyPr/>
+          <a:lstStyle/>
+          <a:p>
+            <a:r>
+              <a:rPr lang="en-US" sz="3200" kern="1200" dirty="0" smtClean="0">
+                <a:solidFill>
+                  <a:schemeClr val="tx1"/>
+                </a:solidFill>
+                <a:effectLst/>
+                <a:latin typeface="+mn-lt"/>
+                <a:ea typeface="+mn-ea"/>
+                <a:cs typeface="+mn-cs"/>
+              </a:rPr>
+              <a:t>Minimize opportunities for syntax errors</a:t>
+            </a:r>
+          </a:p>
+          <a:p>
+            <a:r>
+              <a:rPr lang="en-US" sz="3200" kern="1200" dirty="0" smtClean="0">
+                <a:solidFill>
+                  <a:schemeClr val="tx1"/>
+                </a:solidFill>
+                <a:effectLst/>
+                <a:latin typeface="+mn-lt"/>
+                <a:ea typeface="+mn-ea"/>
+                <a:cs typeface="+mn-cs"/>
+              </a:rPr>
+              <a:t>Commas at beginning of lines in argument lists</a:t>
+            </a:r>
+          </a:p>
+          <a:p>
+            <a:r>
+              <a:rPr lang="en-US" sz="3200" kern="1200" dirty="0" smtClean="0">
+                <a:solidFill>
+                  <a:schemeClr val="tx1"/>
+                </a:solidFill>
+                <a:effectLst/>
+                <a:latin typeface="+mn-lt"/>
+                <a:ea typeface="+mn-ea"/>
+                <a:cs typeface="+mn-cs"/>
+              </a:rPr>
+              <a:t>Consistent tabs and spacing, just as PEP-8 says</a:t>
+            </a:r>
+          </a:p>
+          <a:p>
+            <a:endParaRPr lang="en-US" dirty="0" smtClean="0"/>
+          </a:p>
+        </p:txBody>
+      </p:sp>
+      <p:sp>
+        <p:nvSpPr>
+          <p:cNvPr id="4" name="Date Placeholder 3"/>
+          <p:cNvSpPr>
+            <a:spLocks noGrp="1"/>
+          </p:cNvSpPr>
+          <p:nvPr>
+            <p:ph type="dt" sz="half" idx="10"/>
+          </p:nvPr>
+        </p:nvSpPr>
+        <p:spPr/>
+        <p:txBody>
+          <a:bodyPr/>
+          <a:lstStyle/>
+          <a:p>
+            <a:r>
+              <a:rPr lang="en-US" smtClean="0"/>
+              <a:t>2021-01-01</a:t>
+            </a:r>
+            <a:endParaRPr lang="en-US"/>
+          </a:p>
+        </p:txBody>
+      </p:sp>
+      <p:sp>
+        <p:nvSpPr>
+          <p:cNvPr id="5" name="Footer Placeholder 4"/>
+          <p:cNvSpPr>
+            <a:spLocks noGrp="1"/>
+          </p:cNvSpPr>
+          <p:nvPr>
+            <p:ph type="ftr" sz="quarter" idx="11"/>
+          </p:nvPr>
+        </p:nvSpPr>
+        <p:spPr/>
+        <p:txBody>
+          <a:bodyPr/>
+          <a:lstStyle/>
+          <a:p>
+            <a:r>
+              <a:rPr lang="en-US" smtClean="0"/>
+              <a:t>RBL - Boston Python</a:t>
+            </a:r>
+            <a:endParaRPr lang="en-US" dirty="0"/>
+          </a:p>
+        </p:txBody>
+      </p:sp>
+      <p:sp>
+        <p:nvSpPr>
+          <p:cNvPr id="6" name="Slide Number Placeholder 5"/>
+          <p:cNvSpPr>
+            <a:spLocks noGrp="1"/>
+          </p:cNvSpPr>
+          <p:nvPr>
+            <p:ph type="sldNum" sz="quarter" idx="12"/>
+          </p:nvPr>
+        </p:nvSpPr>
+        <p:spPr/>
+        <p:txBody>
+          <a:bodyPr/>
+          <a:lstStyle/>
+          <a:p>
+            <a:fld id="{4E5DAAAA-9FFA-4439-92E3-68E3EA8B0D1F}" type="slidenum">
+              <a:rPr lang="en-US" smtClean="0"/>
+              <a:t>49</a:t>
+            </a:fld>
+            <a:endParaRPr lang="en-US" dirty="0"/>
+          </a:p>
+        </p:txBody>
+      </p:sp>
+    </p:spTree>
+    <p:extLst>
+      <p:ext uri="{BB962C8B-B14F-4D97-AF65-F5344CB8AC3E}">
+        <p14:creationId xmlns:p14="http://schemas.microsoft.com/office/powerpoint/2010/main" val="630806096"/>
       </p:ext>
     </p:extLst>
   </p:cSld>
@@ -11591,13 +12816,12 @@
           <a:bodyPr/>
           <a:lstStyle/>
           <a:p>
+            <a:pPr marL="0" lvl="0" indent="0">
+              <a:buNone/>
+            </a:pPr>
             <a:r>
               <a:rPr lang="en-US" dirty="0" smtClean="0"/>
-              <a:t>Use Meaningful</a:t>
-            </a:r>
-            <a:r>
-              <a:rPr lang="en-US" baseline="0" dirty="0" smtClean="0"/>
-              <a:t> Names</a:t>
+              <a:t>Sort of Apology</a:t>
             </a:r>
             <a:endParaRPr lang="en-US" dirty="0"/>
           </a:p>
@@ -11615,9 +12839,7 @@
         </p:nvSpPr>
         <p:spPr/>
         <p:txBody>
-          <a:bodyPr>
-            <a:normAutofit/>
-          </a:bodyPr>
+          <a:bodyPr/>
           <a:lstStyle/>
           <a:p>
             <a:pPr lvl="0"/>
@@ -11631,7 +12853,7 @@
                 <a:ea typeface="+mn-ea"/>
                 <a:cs typeface="+mn-cs"/>
               </a:rPr>
-              <a:t>The type of the data should be obvious</a:t>
+              <a:t>Not PEP-8, sorry </a:t>
             </a:r>
           </a:p>
           <a:p>
@@ -11646,8 +12868,48 @@
                 <a:ea typeface="+mn-ea"/>
                 <a:cs typeface="+mn-cs"/>
               </a:rPr>
-              <a:t>It prevents a lot of runtime errors</a:t>
-            </a:r>
+              <a:t>But you can embed type in a pep8 name, too </a:t>
+            </a:r>
+          </a:p>
+          <a:p>
+            <a:pPr lvl="2"/>
+            <a:r>
+              <a:rPr lang="en-US" sz="2400" kern="1200" dirty="0" err="1" smtClean="0">
+                <a:solidFill>
+                  <a:schemeClr val="tx1"/>
+                </a:solidFill>
+                <a:effectLst/>
+                <a:latin typeface="+mn-lt"/>
+                <a:ea typeface="+mn-ea"/>
+                <a:cs typeface="+mn-cs"/>
+              </a:rPr>
+              <a:t>foo_list</a:t>
+            </a:r>
+            <a:r>
+              <a:rPr lang="en-US" sz="2400" kern="1200" dirty="0" smtClean="0">
+                <a:solidFill>
+                  <a:schemeClr val="tx1"/>
+                </a:solidFill>
+                <a:effectLst/>
+                <a:latin typeface="+mn-lt"/>
+                <a:ea typeface="+mn-ea"/>
+                <a:cs typeface="+mn-cs"/>
+              </a:rPr>
+              <a:t> or </a:t>
+            </a:r>
+            <a:r>
+              <a:rPr lang="en-US" sz="2400" kern="1200" dirty="0" err="1" smtClean="0">
+                <a:solidFill>
+                  <a:schemeClr val="tx1"/>
+                </a:solidFill>
+                <a:effectLst/>
+                <a:latin typeface="+mn-lt"/>
+                <a:ea typeface="+mn-ea"/>
+                <a:cs typeface="+mn-cs"/>
+              </a:rPr>
+              <a:t>list_foo</a:t>
+            </a:r>
+            <a:endParaRPr lang="en-US" dirty="0" smtClean="0"/>
           </a:p>
           <a:p>
             <a:pPr lvl="0"/>
@@ -11661,49 +12923,7 @@
                 <a:ea typeface="+mn-ea"/>
                 <a:cs typeface="+mn-cs"/>
               </a:rPr>
-              <a:t>I use "Hungarian naming" because (dinosaur!) I grew up with it</a:t>
-            </a:r>
-          </a:p>
-          <a:p>
-            <a:pPr lvl="1"/>
-            <a:r>
-              <a:rPr lang="en-US" sz="2800" kern="1200" dirty="0" err="1" smtClean="0">
-                <a:solidFill>
-                  <a:schemeClr val="tx1"/>
-                </a:solidFill>
-                <a:effectLst/>
-                <a:latin typeface="+mn-lt"/>
-                <a:ea typeface="+mn-ea"/>
-                <a:cs typeface="+mn-cs"/>
-              </a:rPr>
-              <a:t>CamelCase</a:t>
-            </a:r>
-            <a:r>
-              <a:rPr lang="en-US" sz="2800" kern="1200" dirty="0" smtClean="0">
-                <a:solidFill>
-                  <a:schemeClr val="tx1"/>
-                </a:solidFill>
-                <a:effectLst/>
-                <a:latin typeface="+mn-lt"/>
-                <a:ea typeface="+mn-ea"/>
-                <a:cs typeface="+mn-cs"/>
-              </a:rPr>
-              <a:t> with ugly prefixes for datatypes </a:t>
-            </a:r>
-          </a:p>
-          <a:p>
-            <a:pPr lvl="0"/>
-            <a:r>
-              <a:rPr lang="en-US" sz="3200" kern="1200" dirty="0" err="1" smtClean="0">
-                <a:solidFill>
-                  <a:schemeClr val="tx1"/>
-                </a:solidFill>
-                <a:effectLst/>
-                <a:latin typeface="+mn-lt"/>
-                <a:ea typeface="+mn-ea"/>
-                <a:cs typeface="+mn-cs"/>
-              </a:rPr>
-              <a:t>CamelCase</a:t>
+              <a:t>If </a:t>
             </a:r>
             <a:r>
               <a:rPr lang="en-US" sz="3200" kern="1200" dirty="0" smtClean="0">
@@ -11715,23 +12935,29 @@
                 <a:ea typeface="+mn-ea"/>
                 <a:cs typeface="+mn-cs"/>
               </a:rPr>
-              <a:t> is just a personal preference</a:t>
-            </a:r>
-          </a:p>
-          <a:p>
-            <a:pPr lvl="1"/>
-            <a:r>
-              <a:rPr lang="en-US" sz="2800" kern="1200" dirty="0" smtClean="0">
-                <a:solidFill>
-                  <a:schemeClr val="tx1"/>
-                </a:solidFill>
-                <a:effectLst/>
-                <a:latin typeface="+mn-lt"/>
-                <a:ea typeface="+mn-ea"/>
-                <a:cs typeface="+mn-cs"/>
-              </a:rPr>
-              <a:t>Datatype at the beginning of the name of data (or a function) is useful</a:t>
-            </a:r>
+              <a:t>I were building packages for distribution, I would reform my evil </a:t>
+            </a:r>
+            <a:r>
+              <a:rPr lang="en-US" sz="3200" kern="1200" dirty="0" smtClean="0">
+                <a:solidFill>
+                  <a:schemeClr val="tx1"/>
+                </a:solidFill>
+                <a:effectLst/>
+                <a:latin typeface="+mn-lt"/>
+                <a:ea typeface="+mn-ea"/>
+                <a:cs typeface="+mn-cs"/>
+              </a:rPr>
+              <a:t>ways</a:t>
+            </a:r>
+            <a:endParaRPr lang="en-US" sz="3200" kern="1200" dirty="0" smtClean="0">
+              <a:solidFill>
+                <a:schemeClr val="tx1"/>
+              </a:solidFill>
+              <a:effectLst/>
+              <a:latin typeface="+mn-lt"/>
+              <a:ea typeface="+mn-ea"/>
+              <a:cs typeface="+mn-cs"/>
+            </a:endParaRPr>
           </a:p>
         </p:txBody>
       </p:sp>
@@ -11807,20 +13033,698 @@
     </p:spTree>
     <p:extLst>
       <p:ext uri="{BB962C8B-B14F-4D97-AF65-F5344CB8AC3E}">
-        <p14:creationId xmlns:p14="http://schemas.microsoft.com/office/powerpoint/2010/main" val="867037978"/>
+        <p14:creationId xmlns:p14="http://schemas.microsoft.com/office/powerpoint/2010/main" val="1853156086"/>
       </p:ext>
     </p:extLst>
   </p:cSld>
   <p:clrMapOvr>
     <a:masterClrMapping/>
   </p:clrMapOvr>
-  <p:timing>
-    <p:tnLst>
-      <p:par>
-        <p:cTn id="1" dur="indefinite" restart="never" nodeType="tmRoot"/>
-      </p:par>
-    </p:tnLst>
-  </p:timing>
+</p:sld>
+</file>
+
+<file path=ppt/slides/slide50.xml><?xml version="1.0" encoding="utf-8"?>
+<p:sld xmlns:a="http://schemas.openxmlformats.org/drawingml/2006/main" xmlns:r="http://schemas.openxmlformats.org/officeDocument/2006/relationships" xmlns:p="http://schemas.openxmlformats.org/presentationml/2006/main">
+  <p:cSld>
+    <p:spTree>
+      <p:nvGrpSpPr>
+        <p:cNvPr id="1" name=""/>
+        <p:cNvGrpSpPr/>
+        <p:nvPr/>
+      </p:nvGrpSpPr>
+      <p:grpSpPr>
+        <a:xfrm>
+          <a:off x="0" y="0"/>
+          <a:ext cx="0" cy="0"/>
+          <a:chOff x="0" y="0"/>
+          <a:chExt cx="0" cy="0"/>
+        </a:xfrm>
+      </p:grpSpPr>
+      <p:sp>
+        <p:nvSpPr>
+          <p:cNvPr id="2" name="Title 1"/>
+          <p:cNvSpPr>
+            <a:spLocks noGrp="1"/>
+          </p:cNvSpPr>
+          <p:nvPr>
+            <p:ph type="title"/>
+          </p:nvPr>
+        </p:nvSpPr>
+        <p:spPr/>
+        <p:txBody>
+          <a:bodyPr/>
+          <a:lstStyle/>
+          <a:p>
+            <a:endParaRPr lang="en-US" dirty="0"/>
+          </a:p>
+        </p:txBody>
+      </p:sp>
+      <p:sp>
+        <p:nvSpPr>
+          <p:cNvPr id="3" name="Content Placeholder 2"/>
+          <p:cNvSpPr>
+            <a:spLocks noGrp="1"/>
+          </p:cNvSpPr>
+          <p:nvPr>
+            <p:ph idx="1"/>
+          </p:nvPr>
+        </p:nvSpPr>
+        <p:spPr/>
+        <p:txBody>
+          <a:bodyPr/>
+          <a:lstStyle/>
+          <a:p>
+            <a:endParaRPr lang="en-US"/>
+          </a:p>
+        </p:txBody>
+      </p:sp>
+      <p:sp>
+        <p:nvSpPr>
+          <p:cNvPr id="4" name="Date Placeholder 3"/>
+          <p:cNvSpPr>
+            <a:spLocks noGrp="1"/>
+          </p:cNvSpPr>
+          <p:nvPr>
+            <p:ph type="dt" sz="half" idx="10"/>
+          </p:nvPr>
+        </p:nvSpPr>
+        <p:spPr/>
+        <p:txBody>
+          <a:bodyPr/>
+          <a:lstStyle/>
+          <a:p>
+            <a:r>
+              <a:rPr lang="en-US" smtClean="0"/>
+              <a:t>2021-01-01</a:t>
+            </a:r>
+            <a:endParaRPr lang="en-US"/>
+          </a:p>
+        </p:txBody>
+      </p:sp>
+      <p:sp>
+        <p:nvSpPr>
+          <p:cNvPr id="5" name="Footer Placeholder 4"/>
+          <p:cNvSpPr>
+            <a:spLocks noGrp="1"/>
+          </p:cNvSpPr>
+          <p:nvPr>
+            <p:ph type="ftr" sz="quarter" idx="11"/>
+          </p:nvPr>
+        </p:nvSpPr>
+        <p:spPr/>
+        <p:txBody>
+          <a:bodyPr/>
+          <a:lstStyle/>
+          <a:p>
+            <a:r>
+              <a:rPr lang="en-US" smtClean="0"/>
+              <a:t>RBL - Boston Python</a:t>
+            </a:r>
+            <a:endParaRPr lang="en-US" dirty="0"/>
+          </a:p>
+        </p:txBody>
+      </p:sp>
+      <p:sp>
+        <p:nvSpPr>
+          <p:cNvPr id="6" name="Slide Number Placeholder 5"/>
+          <p:cNvSpPr>
+            <a:spLocks noGrp="1"/>
+          </p:cNvSpPr>
+          <p:nvPr>
+            <p:ph type="sldNum" sz="quarter" idx="12"/>
+          </p:nvPr>
+        </p:nvSpPr>
+        <p:spPr/>
+        <p:txBody>
+          <a:bodyPr/>
+          <a:lstStyle/>
+          <a:p>
+            <a:fld id="{4E5DAAAA-9FFA-4439-92E3-68E3EA8B0D1F}" type="slidenum">
+              <a:rPr lang="en-US" smtClean="0"/>
+              <a:t>50</a:t>
+            </a:fld>
+            <a:endParaRPr lang="en-US" dirty="0"/>
+          </a:p>
+        </p:txBody>
+      </p:sp>
+    </p:spTree>
+    <p:extLst>
+      <p:ext uri="{BB962C8B-B14F-4D97-AF65-F5344CB8AC3E}">
+        <p14:creationId xmlns:p14="http://schemas.microsoft.com/office/powerpoint/2010/main" val="2919167354"/>
+      </p:ext>
+    </p:extLst>
+  </p:cSld>
+  <p:clrMapOvr>
+    <a:masterClrMapping/>
+  </p:clrMapOvr>
+</p:sld>
+</file>
+
+<file path=ppt/slides/slide51.xml><?xml version="1.0" encoding="utf-8"?>
+<p:sld xmlns:a="http://schemas.openxmlformats.org/drawingml/2006/main" xmlns:r="http://schemas.openxmlformats.org/officeDocument/2006/relationships" xmlns:p="http://schemas.openxmlformats.org/presentationml/2006/main">
+  <p:cSld>
+    <p:spTree>
+      <p:nvGrpSpPr>
+        <p:cNvPr id="1" name=""/>
+        <p:cNvGrpSpPr/>
+        <p:nvPr/>
+      </p:nvGrpSpPr>
+      <p:grpSpPr>
+        <a:xfrm>
+          <a:off x="0" y="0"/>
+          <a:ext cx="0" cy="0"/>
+          <a:chOff x="0" y="0"/>
+          <a:chExt cx="0" cy="0"/>
+        </a:xfrm>
+      </p:grpSpPr>
+      <p:sp>
+        <p:nvSpPr>
+          <p:cNvPr id="2" name="Title 1"/>
+          <p:cNvSpPr>
+            <a:spLocks noGrp="1"/>
+          </p:cNvSpPr>
+          <p:nvPr>
+            <p:ph type="title"/>
+          </p:nvPr>
+        </p:nvSpPr>
+        <p:spPr/>
+        <p:txBody>
+          <a:bodyPr/>
+          <a:lstStyle/>
+          <a:p>
+            <a:endParaRPr lang="en-US" dirty="0"/>
+          </a:p>
+        </p:txBody>
+      </p:sp>
+      <p:sp>
+        <p:nvSpPr>
+          <p:cNvPr id="3" name="Content Placeholder 2"/>
+          <p:cNvSpPr>
+            <a:spLocks noGrp="1"/>
+          </p:cNvSpPr>
+          <p:nvPr>
+            <p:ph idx="1"/>
+          </p:nvPr>
+        </p:nvSpPr>
+        <p:spPr/>
+        <p:txBody>
+          <a:bodyPr/>
+          <a:lstStyle/>
+          <a:p>
+            <a:endParaRPr lang="en-US"/>
+          </a:p>
+        </p:txBody>
+      </p:sp>
+      <p:sp>
+        <p:nvSpPr>
+          <p:cNvPr id="4" name="Date Placeholder 3"/>
+          <p:cNvSpPr>
+            <a:spLocks noGrp="1"/>
+          </p:cNvSpPr>
+          <p:nvPr>
+            <p:ph type="dt" sz="half" idx="10"/>
+          </p:nvPr>
+        </p:nvSpPr>
+        <p:spPr/>
+        <p:txBody>
+          <a:bodyPr/>
+          <a:lstStyle/>
+          <a:p>
+            <a:r>
+              <a:rPr lang="en-US" smtClean="0"/>
+              <a:t>2021-01-01</a:t>
+            </a:r>
+            <a:endParaRPr lang="en-US"/>
+          </a:p>
+        </p:txBody>
+      </p:sp>
+      <p:sp>
+        <p:nvSpPr>
+          <p:cNvPr id="5" name="Footer Placeholder 4"/>
+          <p:cNvSpPr>
+            <a:spLocks noGrp="1"/>
+          </p:cNvSpPr>
+          <p:nvPr>
+            <p:ph type="ftr" sz="quarter" idx="11"/>
+          </p:nvPr>
+        </p:nvSpPr>
+        <p:spPr/>
+        <p:txBody>
+          <a:bodyPr/>
+          <a:lstStyle/>
+          <a:p>
+            <a:r>
+              <a:rPr lang="en-US" smtClean="0"/>
+              <a:t>RBL - Boston Python</a:t>
+            </a:r>
+            <a:endParaRPr lang="en-US" dirty="0"/>
+          </a:p>
+        </p:txBody>
+      </p:sp>
+      <p:sp>
+        <p:nvSpPr>
+          <p:cNvPr id="6" name="Slide Number Placeholder 5"/>
+          <p:cNvSpPr>
+            <a:spLocks noGrp="1"/>
+          </p:cNvSpPr>
+          <p:nvPr>
+            <p:ph type="sldNum" sz="quarter" idx="12"/>
+          </p:nvPr>
+        </p:nvSpPr>
+        <p:spPr/>
+        <p:txBody>
+          <a:bodyPr/>
+          <a:lstStyle/>
+          <a:p>
+            <a:fld id="{4E5DAAAA-9FFA-4439-92E3-68E3EA8B0D1F}" type="slidenum">
+              <a:rPr lang="en-US" smtClean="0"/>
+              <a:t>51</a:t>
+            </a:fld>
+            <a:endParaRPr lang="en-US" dirty="0"/>
+          </a:p>
+        </p:txBody>
+      </p:sp>
+    </p:spTree>
+    <p:extLst>
+      <p:ext uri="{BB962C8B-B14F-4D97-AF65-F5344CB8AC3E}">
+        <p14:creationId xmlns:p14="http://schemas.microsoft.com/office/powerpoint/2010/main" val="3859691682"/>
+      </p:ext>
+    </p:extLst>
+  </p:cSld>
+  <p:clrMapOvr>
+    <a:masterClrMapping/>
+  </p:clrMapOvr>
+</p:sld>
+</file>
+
+<file path=ppt/slides/slide52.xml><?xml version="1.0" encoding="utf-8"?>
+<p:sld xmlns:a="http://schemas.openxmlformats.org/drawingml/2006/main" xmlns:r="http://schemas.openxmlformats.org/officeDocument/2006/relationships" xmlns:p="http://schemas.openxmlformats.org/presentationml/2006/main">
+  <p:cSld>
+    <p:spTree>
+      <p:nvGrpSpPr>
+        <p:cNvPr id="1" name=""/>
+        <p:cNvGrpSpPr/>
+        <p:nvPr/>
+      </p:nvGrpSpPr>
+      <p:grpSpPr>
+        <a:xfrm>
+          <a:off x="0" y="0"/>
+          <a:ext cx="0" cy="0"/>
+          <a:chOff x="0" y="0"/>
+          <a:chExt cx="0" cy="0"/>
+        </a:xfrm>
+      </p:grpSpPr>
+      <p:sp>
+        <p:nvSpPr>
+          <p:cNvPr id="2" name="Title 1"/>
+          <p:cNvSpPr>
+            <a:spLocks noGrp="1"/>
+          </p:cNvSpPr>
+          <p:nvPr>
+            <p:ph type="title"/>
+          </p:nvPr>
+        </p:nvSpPr>
+        <p:spPr/>
+        <p:txBody>
+          <a:bodyPr/>
+          <a:lstStyle/>
+          <a:p>
+            <a:endParaRPr lang="en-US" dirty="0"/>
+          </a:p>
+        </p:txBody>
+      </p:sp>
+      <p:sp>
+        <p:nvSpPr>
+          <p:cNvPr id="3" name="Content Placeholder 2"/>
+          <p:cNvSpPr>
+            <a:spLocks noGrp="1"/>
+          </p:cNvSpPr>
+          <p:nvPr>
+            <p:ph idx="1"/>
+          </p:nvPr>
+        </p:nvSpPr>
+        <p:spPr/>
+        <p:txBody>
+          <a:bodyPr/>
+          <a:lstStyle/>
+          <a:p>
+            <a:endParaRPr lang="en-US"/>
+          </a:p>
+        </p:txBody>
+      </p:sp>
+      <p:sp>
+        <p:nvSpPr>
+          <p:cNvPr id="4" name="Date Placeholder 3"/>
+          <p:cNvSpPr>
+            <a:spLocks noGrp="1"/>
+          </p:cNvSpPr>
+          <p:nvPr>
+            <p:ph type="dt" sz="half" idx="10"/>
+          </p:nvPr>
+        </p:nvSpPr>
+        <p:spPr/>
+        <p:txBody>
+          <a:bodyPr/>
+          <a:lstStyle/>
+          <a:p>
+            <a:r>
+              <a:rPr lang="en-US" smtClean="0"/>
+              <a:t>2021-01-01</a:t>
+            </a:r>
+            <a:endParaRPr lang="en-US"/>
+          </a:p>
+        </p:txBody>
+      </p:sp>
+      <p:sp>
+        <p:nvSpPr>
+          <p:cNvPr id="5" name="Footer Placeholder 4"/>
+          <p:cNvSpPr>
+            <a:spLocks noGrp="1"/>
+          </p:cNvSpPr>
+          <p:nvPr>
+            <p:ph type="ftr" sz="quarter" idx="11"/>
+          </p:nvPr>
+        </p:nvSpPr>
+        <p:spPr/>
+        <p:txBody>
+          <a:bodyPr/>
+          <a:lstStyle/>
+          <a:p>
+            <a:r>
+              <a:rPr lang="en-US" smtClean="0"/>
+              <a:t>RBL - Boston Python</a:t>
+            </a:r>
+            <a:endParaRPr lang="en-US" dirty="0"/>
+          </a:p>
+        </p:txBody>
+      </p:sp>
+      <p:sp>
+        <p:nvSpPr>
+          <p:cNvPr id="6" name="Slide Number Placeholder 5"/>
+          <p:cNvSpPr>
+            <a:spLocks noGrp="1"/>
+          </p:cNvSpPr>
+          <p:nvPr>
+            <p:ph type="sldNum" sz="quarter" idx="12"/>
+          </p:nvPr>
+        </p:nvSpPr>
+        <p:spPr/>
+        <p:txBody>
+          <a:bodyPr/>
+          <a:lstStyle/>
+          <a:p>
+            <a:fld id="{4E5DAAAA-9FFA-4439-92E3-68E3EA8B0D1F}" type="slidenum">
+              <a:rPr lang="en-US" smtClean="0"/>
+              <a:t>52</a:t>
+            </a:fld>
+            <a:endParaRPr lang="en-US" dirty="0"/>
+          </a:p>
+        </p:txBody>
+      </p:sp>
+    </p:spTree>
+    <p:extLst>
+      <p:ext uri="{BB962C8B-B14F-4D97-AF65-F5344CB8AC3E}">
+        <p14:creationId xmlns:p14="http://schemas.microsoft.com/office/powerpoint/2010/main" val="873137246"/>
+      </p:ext>
+    </p:extLst>
+  </p:cSld>
+  <p:clrMapOvr>
+    <a:masterClrMapping/>
+  </p:clrMapOvr>
+</p:sld>
+</file>
+
+<file path=ppt/slides/slide53.xml><?xml version="1.0" encoding="utf-8"?>
+<p:sld xmlns:a="http://schemas.openxmlformats.org/drawingml/2006/main" xmlns:r="http://schemas.openxmlformats.org/officeDocument/2006/relationships" xmlns:p="http://schemas.openxmlformats.org/presentationml/2006/main">
+  <p:cSld>
+    <p:spTree>
+      <p:nvGrpSpPr>
+        <p:cNvPr id="1" name=""/>
+        <p:cNvGrpSpPr/>
+        <p:nvPr/>
+      </p:nvGrpSpPr>
+      <p:grpSpPr>
+        <a:xfrm>
+          <a:off x="0" y="0"/>
+          <a:ext cx="0" cy="0"/>
+          <a:chOff x="0" y="0"/>
+          <a:chExt cx="0" cy="0"/>
+        </a:xfrm>
+      </p:grpSpPr>
+      <p:sp>
+        <p:nvSpPr>
+          <p:cNvPr id="2" name="Title 1"/>
+          <p:cNvSpPr>
+            <a:spLocks noGrp="1"/>
+          </p:cNvSpPr>
+          <p:nvPr>
+            <p:ph type="title"/>
+          </p:nvPr>
+        </p:nvSpPr>
+        <p:spPr/>
+        <p:txBody>
+          <a:bodyPr/>
+          <a:lstStyle/>
+          <a:p>
+            <a:endParaRPr lang="en-US" dirty="0"/>
+          </a:p>
+        </p:txBody>
+      </p:sp>
+      <p:sp>
+        <p:nvSpPr>
+          <p:cNvPr id="3" name="Content Placeholder 2"/>
+          <p:cNvSpPr>
+            <a:spLocks noGrp="1"/>
+          </p:cNvSpPr>
+          <p:nvPr>
+            <p:ph idx="1"/>
+          </p:nvPr>
+        </p:nvSpPr>
+        <p:spPr/>
+        <p:txBody>
+          <a:bodyPr/>
+          <a:lstStyle/>
+          <a:p>
+            <a:endParaRPr lang="en-US"/>
+          </a:p>
+        </p:txBody>
+      </p:sp>
+      <p:sp>
+        <p:nvSpPr>
+          <p:cNvPr id="4" name="Date Placeholder 3"/>
+          <p:cNvSpPr>
+            <a:spLocks noGrp="1"/>
+          </p:cNvSpPr>
+          <p:nvPr>
+            <p:ph type="dt" sz="half" idx="10"/>
+          </p:nvPr>
+        </p:nvSpPr>
+        <p:spPr/>
+        <p:txBody>
+          <a:bodyPr/>
+          <a:lstStyle/>
+          <a:p>
+            <a:r>
+              <a:rPr lang="en-US" smtClean="0"/>
+              <a:t>2021-01-01</a:t>
+            </a:r>
+            <a:endParaRPr lang="en-US"/>
+          </a:p>
+        </p:txBody>
+      </p:sp>
+      <p:sp>
+        <p:nvSpPr>
+          <p:cNvPr id="5" name="Footer Placeholder 4"/>
+          <p:cNvSpPr>
+            <a:spLocks noGrp="1"/>
+          </p:cNvSpPr>
+          <p:nvPr>
+            <p:ph type="ftr" sz="quarter" idx="11"/>
+          </p:nvPr>
+        </p:nvSpPr>
+        <p:spPr/>
+        <p:txBody>
+          <a:bodyPr/>
+          <a:lstStyle/>
+          <a:p>
+            <a:r>
+              <a:rPr lang="en-US" smtClean="0"/>
+              <a:t>RBL - Boston Python</a:t>
+            </a:r>
+            <a:endParaRPr lang="en-US" dirty="0"/>
+          </a:p>
+        </p:txBody>
+      </p:sp>
+      <p:sp>
+        <p:nvSpPr>
+          <p:cNvPr id="6" name="Slide Number Placeholder 5"/>
+          <p:cNvSpPr>
+            <a:spLocks noGrp="1"/>
+          </p:cNvSpPr>
+          <p:nvPr>
+            <p:ph type="sldNum" sz="quarter" idx="12"/>
+          </p:nvPr>
+        </p:nvSpPr>
+        <p:spPr/>
+        <p:txBody>
+          <a:bodyPr/>
+          <a:lstStyle/>
+          <a:p>
+            <a:fld id="{4E5DAAAA-9FFA-4439-92E3-68E3EA8B0D1F}" type="slidenum">
+              <a:rPr lang="en-US" smtClean="0"/>
+              <a:t>53</a:t>
+            </a:fld>
+            <a:endParaRPr lang="en-US" dirty="0"/>
+          </a:p>
+        </p:txBody>
+      </p:sp>
+    </p:spTree>
+    <p:extLst>
+      <p:ext uri="{BB962C8B-B14F-4D97-AF65-F5344CB8AC3E}">
+        <p14:creationId xmlns:p14="http://schemas.microsoft.com/office/powerpoint/2010/main" val="2769191853"/>
+      </p:ext>
+    </p:extLst>
+  </p:cSld>
+  <p:clrMapOvr>
+    <a:masterClrMapping/>
+  </p:clrMapOvr>
+</p:sld>
+</file>
+
+<file path=ppt/slides/slide54.xml><?xml version="1.0" encoding="utf-8"?>
+<p:sld xmlns:a="http://schemas.openxmlformats.org/drawingml/2006/main" xmlns:r="http://schemas.openxmlformats.org/officeDocument/2006/relationships" xmlns:p="http://schemas.openxmlformats.org/presentationml/2006/main">
+  <p:cSld>
+    <p:spTree>
+      <p:nvGrpSpPr>
+        <p:cNvPr id="1" name=""/>
+        <p:cNvGrpSpPr/>
+        <p:nvPr/>
+      </p:nvGrpSpPr>
+      <p:grpSpPr>
+        <a:xfrm>
+          <a:off x="0" y="0"/>
+          <a:ext cx="0" cy="0"/>
+          <a:chOff x="0" y="0"/>
+          <a:chExt cx="0" cy="0"/>
+        </a:xfrm>
+      </p:grpSpPr>
+      <p:sp>
+        <p:nvSpPr>
+          <p:cNvPr id="2" name="Title 1"/>
+          <p:cNvSpPr>
+            <a:spLocks noGrp="1"/>
+          </p:cNvSpPr>
+          <p:nvPr>
+            <p:ph type="title"/>
+          </p:nvPr>
+        </p:nvSpPr>
+        <p:spPr/>
+        <p:txBody>
+          <a:bodyPr/>
+          <a:lstStyle/>
+          <a:p>
+            <a:endParaRPr lang="en-US" dirty="0"/>
+          </a:p>
+        </p:txBody>
+      </p:sp>
+      <p:sp>
+        <p:nvSpPr>
+          <p:cNvPr id="3" name="Content Placeholder 2"/>
+          <p:cNvSpPr>
+            <a:spLocks noGrp="1"/>
+          </p:cNvSpPr>
+          <p:nvPr>
+            <p:ph idx="1"/>
+          </p:nvPr>
+        </p:nvSpPr>
+        <p:spPr/>
+        <p:txBody>
+          <a:bodyPr/>
+          <a:lstStyle/>
+          <a:p>
+            <a:endParaRPr lang="en-US"/>
+          </a:p>
+        </p:txBody>
+      </p:sp>
+      <p:sp>
+        <p:nvSpPr>
+          <p:cNvPr id="4" name="Date Placeholder 3"/>
+          <p:cNvSpPr>
+            <a:spLocks noGrp="1"/>
+          </p:cNvSpPr>
+          <p:nvPr>
+            <p:ph type="dt" sz="half" idx="10"/>
+          </p:nvPr>
+        </p:nvSpPr>
+        <p:spPr/>
+        <p:txBody>
+          <a:bodyPr/>
+          <a:lstStyle/>
+          <a:p>
+            <a:r>
+              <a:rPr lang="en-US" smtClean="0"/>
+              <a:t>2021-01-01</a:t>
+            </a:r>
+            <a:endParaRPr lang="en-US"/>
+          </a:p>
+        </p:txBody>
+      </p:sp>
+      <p:sp>
+        <p:nvSpPr>
+          <p:cNvPr id="5" name="Footer Placeholder 4"/>
+          <p:cNvSpPr>
+            <a:spLocks noGrp="1"/>
+          </p:cNvSpPr>
+          <p:nvPr>
+            <p:ph type="ftr" sz="quarter" idx="11"/>
+          </p:nvPr>
+        </p:nvSpPr>
+        <p:spPr/>
+        <p:txBody>
+          <a:bodyPr/>
+          <a:lstStyle/>
+          <a:p>
+            <a:r>
+              <a:rPr lang="en-US" smtClean="0"/>
+              <a:t>RBL - Boston Python</a:t>
+            </a:r>
+            <a:endParaRPr lang="en-US" dirty="0"/>
+          </a:p>
+        </p:txBody>
+      </p:sp>
+      <p:sp>
+        <p:nvSpPr>
+          <p:cNvPr id="6" name="Slide Number Placeholder 5"/>
+          <p:cNvSpPr>
+            <a:spLocks noGrp="1"/>
+          </p:cNvSpPr>
+          <p:nvPr>
+            <p:ph type="sldNum" sz="quarter" idx="12"/>
+          </p:nvPr>
+        </p:nvSpPr>
+        <p:spPr/>
+        <p:txBody>
+          <a:bodyPr/>
+          <a:lstStyle/>
+          <a:p>
+            <a:fld id="{4E5DAAAA-9FFA-4439-92E3-68E3EA8B0D1F}" type="slidenum">
+              <a:rPr lang="en-US" smtClean="0"/>
+              <a:t>54</a:t>
+            </a:fld>
+            <a:endParaRPr lang="en-US" dirty="0"/>
+          </a:p>
+        </p:txBody>
+      </p:sp>
+    </p:spTree>
+    <p:extLst>
+      <p:ext uri="{BB962C8B-B14F-4D97-AF65-F5344CB8AC3E}">
+        <p14:creationId xmlns:p14="http://schemas.microsoft.com/office/powerpoint/2010/main" val="2593043557"/>
+      </p:ext>
+    </p:extLst>
+  </p:cSld>
+  <p:clrMapOvr>
+    <a:masterClrMapping/>
+  </p:clrMapOvr>
 </p:sld>
 </file>
 
@@ -11856,12 +13760,9 @@
           <a:bodyPr/>
           <a:lstStyle/>
           <a:p>
-            <a:pPr marL="0" lvl="0" indent="0">
-              <a:buNone/>
-            </a:pPr>
             <a:r>
               <a:rPr lang="en-US" dirty="0" smtClean="0"/>
-              <a:t>Sort of Apology</a:t>
+              <a:t>Meaningful Data Contents, Too</a:t>
             </a:r>
             <a:endParaRPr lang="en-US" dirty="0"/>
           </a:p>
@@ -11879,7 +13780,9 @@
         </p:nvSpPr>
         <p:spPr/>
         <p:txBody>
-          <a:bodyPr/>
+          <a:bodyPr>
+            <a:normAutofit/>
+          </a:bodyPr>
           <a:lstStyle/>
           <a:p>
             <a:pPr lvl="0"/>
@@ -11893,7 +13796,22 @@
                 <a:ea typeface="+mn-ea"/>
                 <a:cs typeface="+mn-cs"/>
               </a:rPr>
-              <a:t>If I were building packages for distribution, I would reform my evil ways.</a:t>
+              <a:t>If you have lots of class instances, addresses are not useful to humans</a:t>
+            </a:r>
+          </a:p>
+          <a:p>
+            <a:pPr lvl="1"/>
+            <a:r>
+              <a:rPr lang="en-US" sz="2800" kern="1200" dirty="0" smtClean="0">
+                <a:solidFill>
+                  <a:schemeClr val="tx1"/>
+                </a:solidFill>
+                <a:effectLst/>
+                <a:latin typeface="+mn-lt"/>
+                <a:ea typeface="+mn-ea"/>
+                <a:cs typeface="+mn-cs"/>
+              </a:rPr>
+              <a:t>Assign readable IDs in instances</a:t>
             </a:r>
           </a:p>
           <a:p>
@@ -11908,60 +13826,44 @@
                 <a:ea typeface="+mn-ea"/>
                 <a:cs typeface="+mn-cs"/>
               </a:rPr>
-              <a:t>Not PEP-8 </a:t>
-            </a:r>
-          </a:p>
-          <a:p>
-            <a:pPr lvl="1"/>
-            <a:r>
-              <a:rPr lang="en-US" sz="2800" kern="1200" dirty="0" smtClean="0">
-                <a:solidFill>
-                  <a:schemeClr val="tx1"/>
-                </a:solidFill>
-                <a:effectLst/>
-                <a:latin typeface="+mn-lt"/>
-                <a:ea typeface="+mn-ea"/>
-                <a:cs typeface="+mn-cs"/>
-              </a:rPr>
-              <a:t>But you can embed type in a pep8 name, too </a:t>
-            </a:r>
-            <a:r>
-              <a:rPr lang="en-US" sz="2800" kern="1200" dirty="0" err="1" smtClean="0">
-                <a:solidFill>
-                  <a:schemeClr val="tx1"/>
-                </a:solidFill>
-                <a:effectLst/>
-                <a:latin typeface="+mn-lt"/>
-                <a:ea typeface="+mn-ea"/>
-                <a:cs typeface="+mn-cs"/>
-              </a:rPr>
-              <a:t>foo_list</a:t>
-            </a:r>
-            <a:r>
-              <a:rPr lang="en-US" sz="2800" kern="1200" dirty="0" smtClean="0">
-                <a:solidFill>
-                  <a:schemeClr val="tx1"/>
-                </a:solidFill>
-                <a:effectLst/>
-                <a:latin typeface="+mn-lt"/>
-                <a:ea typeface="+mn-ea"/>
-                <a:cs typeface="+mn-cs"/>
-              </a:rPr>
-              <a:t> or </a:t>
-            </a:r>
-            <a:r>
-              <a:rPr lang="en-US" sz="2800" kern="1200" dirty="0" err="1" smtClean="0">
-                <a:solidFill>
-                  <a:schemeClr val="tx1"/>
-                </a:solidFill>
-                <a:effectLst/>
-                <a:latin typeface="+mn-lt"/>
-                <a:ea typeface="+mn-ea"/>
-                <a:cs typeface="+mn-cs"/>
-              </a:rPr>
-              <a:t>list_foo</a:t>
-            </a:r>
-            <a:endParaRPr lang="en-US" dirty="0"/>
+              <a:t>My last project had only &lt;10 major classes but 10-50,000 instances of some classes</a:t>
+            </a:r>
+          </a:p>
+          <a:p>
+            <a:pPr lvl="0"/>
+            <a:r>
+              <a:rPr lang="en-US" sz="3200" kern="1200" dirty="0" smtClean="0">
+                <a:solidFill>
+                  <a:schemeClr val="tx1"/>
+                </a:solidFill>
+                <a:effectLst/>
+                <a:latin typeface="+mn-lt"/>
+                <a:ea typeface="+mn-ea"/>
+                <a:cs typeface="+mn-cs"/>
+              </a:rPr>
+              <a:t>(The debug</a:t>
+            </a:r>
+            <a:r>
+              <a:rPr lang="en-US" sz="3200" kern="1200" baseline="0" dirty="0" smtClean="0">
+                <a:solidFill>
+                  <a:schemeClr val="tx1"/>
+                </a:solidFill>
+                <a:effectLst/>
+                <a:latin typeface="+mn-lt"/>
+                <a:ea typeface="+mn-ea"/>
+                <a:cs typeface="+mn-cs"/>
+              </a:rPr>
+              <a:t> package here displays IDs)</a:t>
+            </a:r>
+            <a:endParaRPr lang="en-US" sz="3200" kern="1200" dirty="0" smtClean="0">
+              <a:solidFill>
+                <a:schemeClr val="tx1"/>
+              </a:solidFill>
+              <a:effectLst/>
+              <a:latin typeface="+mn-lt"/>
+              <a:ea typeface="+mn-ea"/>
+              <a:cs typeface="+mn-cs"/>
+            </a:endParaRPr>
           </a:p>
         </p:txBody>
       </p:sp>
@@ -12037,13 +13939,20 @@
     </p:spTree>
     <p:extLst>
       <p:ext uri="{BB962C8B-B14F-4D97-AF65-F5344CB8AC3E}">
-        <p14:creationId xmlns:p14="http://schemas.microsoft.com/office/powerpoint/2010/main" val="1853156086"/>
+        <p14:creationId xmlns:p14="http://schemas.microsoft.com/office/powerpoint/2010/main" val="2100915525"/>
       </p:ext>
     </p:extLst>
   </p:cSld>
   <p:clrMapOvr>
     <a:masterClrMapping/>
   </p:clrMapOvr>
+  <p:timing>
+    <p:tnLst>
+      <p:par>
+        <p:cTn id="1" dur="indefinite" restart="never" nodeType="tmRoot"/>
+      </p:par>
+    </p:tnLst>
+  </p:timing>
 </p:sld>
 </file>
 
@@ -12081,7 +13990,7 @@
           <a:p>
             <a:r>
               <a:rPr lang="en-US" dirty="0" smtClean="0"/>
-              <a:t>Meaningful Data Contents, Too</a:t>
+              <a:t>Map IDs to Instances</a:t>
             </a:r>
             <a:endParaRPr lang="en-US" dirty="0"/>
           </a:p>
@@ -12099,9 +14008,7 @@
         </p:nvSpPr>
         <p:spPr/>
         <p:txBody>
-          <a:bodyPr>
-            <a:normAutofit/>
-          </a:bodyPr>
+          <a:bodyPr/>
           <a:lstStyle/>
           <a:p>
             <a:pPr lvl="0"/>
@@ -12115,22 +14022,7 @@
                 <a:ea typeface="+mn-ea"/>
                 <a:cs typeface="+mn-cs"/>
               </a:rPr>
-              <a:t>If you have lots of class instances, addresses are not useful to humans</a:t>
-            </a:r>
-          </a:p>
-          <a:p>
-            <a:pPr lvl="1"/>
-            <a:r>
-              <a:rPr lang="en-US" sz="2800" kern="1200" dirty="0" smtClean="0">
-                <a:solidFill>
-                  <a:schemeClr val="tx1"/>
-                </a:solidFill>
-                <a:effectLst/>
-                <a:latin typeface="+mn-lt"/>
-                <a:ea typeface="+mn-ea"/>
-                <a:cs typeface="+mn-cs"/>
-              </a:rPr>
-              <a:t>Assign readable IDs in instances</a:t>
+              <a:t>Store unique ID in each instance</a:t>
             </a:r>
           </a:p>
           <a:p>
@@ -12145,22 +14037,7 @@
                 <a:ea typeface="+mn-ea"/>
                 <a:cs typeface="+mn-cs"/>
               </a:rPr>
-              <a:t>My last project had only &lt;10 major classes but 10-50,000 instances of some classes</a:t>
-            </a:r>
-          </a:p>
-          <a:p>
-            <a:pPr lvl="0"/>
-            <a:r>
-              <a:rPr lang="en-US" sz="3200" kern="1200" dirty="0" smtClean="0">
-                <a:solidFill>
-                  <a:schemeClr val="tx1"/>
-                </a:solidFill>
-                <a:effectLst/>
-                <a:latin typeface="+mn-lt"/>
-                <a:ea typeface="+mn-ea"/>
-                <a:cs typeface="+mn-cs"/>
-              </a:rPr>
-              <a:t>(The debug</a:t>
+              <a:t>Always pass ID strings, rather than</a:t>
             </a:r>
             <a:r>
               <a:rPr lang="en-US" sz="3200" kern="1200" baseline="0" dirty="0" smtClean="0">
@@ -12172,7 +14049,7 @@
                 <a:ea typeface="+mn-ea"/>
                 <a:cs typeface="+mn-cs"/>
               </a:rPr>
-              <a:t> package here displays IDs)</a:t>
+              <a:t> instances (addresses), in argument lists</a:t>
             </a:r>
             <a:endParaRPr lang="en-US" sz="3200" kern="1200" dirty="0" smtClean="0">
               <a:solidFill>
@@ -12184,6 +14061,75 @@
               <a:cs typeface="+mn-cs"/>
             </a:endParaRPr>
           </a:p>
+          <a:p>
+            <a:pPr lvl="0"/>
+            <a:r>
+              <a:rPr lang="en-US" sz="3200" kern="1200" dirty="0" smtClean="0">
+                <a:solidFill>
+                  <a:schemeClr val="tx1"/>
+                </a:solidFill>
+                <a:effectLst/>
+                <a:latin typeface="+mn-lt"/>
+                <a:ea typeface="+mn-ea"/>
+                <a:cs typeface="+mn-cs"/>
+              </a:rPr>
+              <a:t>Use dictionaries to map from class and ID to instance pointers</a:t>
+            </a:r>
+          </a:p>
+          <a:p>
+            <a:pPr lvl="1"/>
+            <a:r>
+              <a:rPr lang="en-US" sz="2800" kern="1200" dirty="0" smtClean="0">
+                <a:solidFill>
+                  <a:schemeClr val="tx1"/>
+                </a:solidFill>
+                <a:effectLst/>
+                <a:latin typeface="+mn-lt"/>
+                <a:ea typeface="+mn-ea"/>
+                <a:cs typeface="+mn-cs"/>
+              </a:rPr>
+              <a:t>Dictionary lookup is cheap</a:t>
+            </a:r>
+          </a:p>
+          <a:p>
+            <a:pPr lvl="0"/>
+            <a:r>
+              <a:rPr lang="en-US" sz="3200" kern="1200" dirty="0" smtClean="0">
+                <a:solidFill>
+                  <a:schemeClr val="tx1"/>
+                </a:solidFill>
+                <a:effectLst/>
+                <a:latin typeface="+mn-lt"/>
+                <a:ea typeface="+mn-ea"/>
+                <a:cs typeface="+mn-cs"/>
+              </a:rPr>
+              <a:t>Admittedly very different model from typical web application or </a:t>
+            </a:r>
+            <a:r>
+              <a:rPr lang="en-US" sz="3200" kern="1200" dirty="0" err="1" smtClean="0">
+                <a:solidFill>
+                  <a:schemeClr val="tx1"/>
+                </a:solidFill>
+                <a:effectLst/>
+                <a:latin typeface="+mn-lt"/>
+                <a:ea typeface="+mn-ea"/>
+                <a:cs typeface="+mn-cs"/>
+              </a:rPr>
+              <a:t>microservice</a:t>
+            </a:r>
+            <a:r>
+              <a:rPr lang="en-US" sz="3200" kern="1200" dirty="0" smtClean="0">
+                <a:solidFill>
+                  <a:schemeClr val="tx1"/>
+                </a:solidFill>
+                <a:effectLst/>
+                <a:latin typeface="+mn-lt"/>
+                <a:ea typeface="+mn-ea"/>
+                <a:cs typeface="+mn-cs"/>
+              </a:rPr>
+              <a:t> suite</a:t>
+            </a:r>
+          </a:p>
         </p:txBody>
       </p:sp>
       <p:sp>
@@ -12258,20 +14204,13 @@
     </p:spTree>
     <p:extLst>
       <p:ext uri="{BB962C8B-B14F-4D97-AF65-F5344CB8AC3E}">
-        <p14:creationId xmlns:p14="http://schemas.microsoft.com/office/powerpoint/2010/main" val="2100915525"/>
+        <p14:creationId xmlns:p14="http://schemas.microsoft.com/office/powerpoint/2010/main" val="2067879789"/>
       </p:ext>
     </p:extLst>
   </p:cSld>
   <p:clrMapOvr>
     <a:masterClrMapping/>
   </p:clrMapOvr>
-  <p:timing>
-    <p:tnLst>
-      <p:par>
-        <p:cTn id="1" dur="indefinite" restart="never" nodeType="tmRoot"/>
-      </p:par>
-    </p:tnLst>
-  </p:timing>
 </p:sld>
 </file>
 
@@ -12309,7 +14248,7 @@
           <a:p>
             <a:r>
               <a:rPr lang="en-US" dirty="0" smtClean="0"/>
-              <a:t>Map IDs to Instances</a:t>
+              <a:t>Offline Debugging</a:t>
             </a:r>
             <a:endParaRPr lang="en-US" dirty="0"/>
           </a:p>
@@ -12332,121 +14271,19 @@
           <a:p>
             <a:pPr lvl="0"/>
             <a:r>
-              <a:rPr lang="en-US" sz="3200" kern="1200" dirty="0" smtClean="0">
-                <a:solidFill>
-                  <a:schemeClr val="tx1"/>
-                </a:solidFill>
-                <a:effectLst/>
-                <a:latin typeface="+mn-lt"/>
-                <a:ea typeface="+mn-ea"/>
-                <a:cs typeface="+mn-cs"/>
-              </a:rPr>
-              <a:t>Store unique ID in each instance</a:t>
+              <a:rPr lang="en-US" dirty="0" smtClean="0"/>
+              <a:t>Make a record of what a program does</a:t>
             </a:r>
           </a:p>
           <a:p>
             <a:pPr lvl="0"/>
             <a:r>
-              <a:rPr lang="en-US" sz="3200" kern="1200" dirty="0" smtClean="0">
-                <a:solidFill>
-                  <a:schemeClr val="tx1"/>
-                </a:solidFill>
-                <a:effectLst/>
-                <a:latin typeface="+mn-lt"/>
-                <a:ea typeface="+mn-ea"/>
-                <a:cs typeface="+mn-cs"/>
-              </a:rPr>
-              <a:t>Always pass ID strings, rather than</a:t>
-            </a:r>
-            <a:r>
-              <a:rPr lang="en-US" sz="3200" kern="1200" baseline="0" dirty="0" smtClean="0">
-                <a:solidFill>
-                  <a:schemeClr val="tx1"/>
-                </a:solidFill>
-                <a:effectLst/>
-                <a:latin typeface="+mn-lt"/>
-                <a:ea typeface="+mn-ea"/>
-                <a:cs typeface="+mn-cs"/>
-              </a:rPr>
-              <a:t> instances (addresses), in argument lists</a:t>
-            </a:r>
-            <a:endParaRPr lang="en-US" sz="3200" kern="1200" dirty="0" smtClean="0">
-              <a:solidFill>
-                <a:schemeClr val="tx1"/>
-              </a:solidFill>
-              <a:effectLst/>
-              <a:latin typeface="+mn-lt"/>
-              <a:ea typeface="+mn-ea"/>
-              <a:cs typeface="+mn-cs"/>
-            </a:endParaRPr>
-          </a:p>
-          <a:p>
-            <a:pPr lvl="0"/>
-            <a:r>
-              <a:rPr lang="en-US" sz="3200" kern="1200" dirty="0" smtClean="0">
-                <a:solidFill>
-                  <a:schemeClr val="tx1"/>
-                </a:solidFill>
-                <a:effectLst/>
-                <a:latin typeface="+mn-lt"/>
-                <a:ea typeface="+mn-ea"/>
-                <a:cs typeface="+mn-cs"/>
-              </a:rPr>
-              <a:t>Use dictionaries to map from class and ID to instance pointers</a:t>
-            </a:r>
-          </a:p>
-          <a:p>
-            <a:pPr lvl="1"/>
-            <a:r>
-              <a:rPr lang="en-US" sz="2800" kern="1200" dirty="0" smtClean="0">
-                <a:solidFill>
-                  <a:schemeClr val="tx1"/>
-                </a:solidFill>
-                <a:effectLst/>
-                <a:latin typeface="+mn-lt"/>
-                <a:ea typeface="+mn-ea"/>
-                <a:cs typeface="+mn-cs"/>
-              </a:rPr>
-              <a:t>Dictionary lookup is cheap</a:t>
-            </a:r>
-          </a:p>
-          <a:p>
-            <a:pPr lvl="0"/>
-            <a:r>
-              <a:rPr lang="en-US" sz="3200" kern="1200" dirty="0" smtClean="0">
-                <a:solidFill>
-                  <a:schemeClr val="tx1"/>
-                </a:solidFill>
-                <a:effectLst/>
-                <a:latin typeface="+mn-lt"/>
-                <a:ea typeface="+mn-ea"/>
-                <a:cs typeface="+mn-cs"/>
-              </a:rPr>
-              <a:t>Admittedly very different model from typical web application or </a:t>
-            </a:r>
-            <a:r>
-              <a:rPr lang="en-US" sz="3200" kern="1200" dirty="0" err="1" smtClean="0">
-                <a:solidFill>
-                  <a:schemeClr val="tx1"/>
-                </a:solidFill>
-                <a:effectLst/>
-                <a:latin typeface="+mn-lt"/>
-                <a:ea typeface="+mn-ea"/>
-                <a:cs typeface="+mn-cs"/>
-              </a:rPr>
-              <a:t>microservice</a:t>
-            </a:r>
-            <a:r>
-              <a:rPr lang="en-US" sz="3200" kern="1200" dirty="0" smtClean="0">
-                <a:solidFill>
-                  <a:schemeClr val="tx1"/>
-                </a:solidFill>
-                <a:effectLst/>
-                <a:latin typeface="+mn-lt"/>
-                <a:ea typeface="+mn-ea"/>
-                <a:cs typeface="+mn-cs"/>
-              </a:rPr>
-              <a:t> suite</a:t>
+              <a:rPr lang="en-US" dirty="0" smtClean="0"/>
+              <a:t>Not interactive</a:t>
+            </a:r>
+            <a:r>
+              <a:rPr lang="en-US" baseline="0" dirty="0" smtClean="0"/>
+              <a:t> debugging step by step</a:t>
             </a:r>
           </a:p>
         </p:txBody>
@@ -12523,7 +14360,7 @@
     </p:spTree>
     <p:extLst>
       <p:ext uri="{BB962C8B-B14F-4D97-AF65-F5344CB8AC3E}">
-        <p14:creationId xmlns:p14="http://schemas.microsoft.com/office/powerpoint/2010/main" val="2067879789"/>
+        <p14:creationId xmlns:p14="http://schemas.microsoft.com/office/powerpoint/2010/main" val="3342569537"/>
       </p:ext>
     </p:extLst>
   </p:cSld>
@@ -12562,9 +14399,27 @@
         </p:nvSpPr>
         <p:spPr/>
         <p:txBody>
-          <a:bodyPr/>
-          <a:lstStyle/>
-          <a:p>
+          <a:bodyPr>
+            <a:normAutofit fontScale="90000"/>
+          </a:bodyPr>
+          <a:lstStyle/>
+          <a:p>
+            <a:pPr lvl="0"/>
+            <a:r>
+              <a:rPr lang="en-US" dirty="0" smtClean="0"/>
+              <a:t>New Program Doesn’t Do</a:t>
+            </a:r>
+            <a:br>
+              <a:rPr lang="en-US" dirty="0" smtClean="0"/>
+            </a:br>
+            <a:r>
+              <a:rPr lang="en-US" dirty="0" smtClean="0"/>
+              <a:t>What</a:t>
+            </a:r>
+            <a:r>
+              <a:rPr lang="en-US" baseline="0" dirty="0" smtClean="0"/>
+              <a:t> You Want It To Do?</a:t>
+            </a:r>
             <a:endParaRPr lang="en-US" dirty="0"/>
           </a:p>
         </p:txBody>
@@ -12584,7 +14439,21 @@
           <a:bodyPr/>
           <a:lstStyle/>
           <a:p>
-            <a:endParaRPr lang="en-US"/>
+            <a:r>
+              <a:rPr lang="en-US" dirty="0" smtClean="0"/>
+              <a:t>Sprinkle a few print()</a:t>
+            </a:r>
+            <a:r>
+              <a:rPr lang="en-US" baseline="0" dirty="0" smtClean="0"/>
+              <a:t> statements in to print the data at key locations, and run it again</a:t>
+            </a:r>
+          </a:p>
+          <a:p>
+            <a:r>
+              <a:rPr lang="en-US" baseline="0" dirty="0" smtClean="0"/>
+              <a:t>Stare at the output, wonder why it did what it did, and why in that order</a:t>
+            </a:r>
+            <a:endParaRPr lang="en-US" dirty="0"/>
           </a:p>
         </p:txBody>
       </p:sp>
@@ -12660,7 +14529,7 @@
     </p:spTree>
     <p:extLst>
       <p:ext uri="{BB962C8B-B14F-4D97-AF65-F5344CB8AC3E}">
-        <p14:creationId xmlns:p14="http://schemas.microsoft.com/office/powerpoint/2010/main" val="1054635850"/>
+        <p14:creationId xmlns:p14="http://schemas.microsoft.com/office/powerpoint/2010/main" val="507933991"/>
       </p:ext>
     </p:extLst>
   </p:cSld>

--- a/docs/OfflineDebugging/A Dinosaur and a Python 02.pptx
+++ b/docs/OfflineDebugging/A Dinosaur and a Python 02.pptx
@@ -5,7 +5,7 @@
     <p:sldMasterId id="2147483648" r:id="rId1"/>
   </p:sldMasterIdLst>
   <p:notesMasterIdLst>
-    <p:notesMasterId r:id="rId56"/>
+    <p:notesMasterId r:id="rId41"/>
   </p:notesMasterIdLst>
   <p:sldIdLst>
     <p:sldId id="256" r:id="rId2"/>
@@ -36,32 +36,17 @@
     <p:sldId id="275" r:id="rId27"/>
     <p:sldId id="291" r:id="rId28"/>
     <p:sldId id="277" r:id="rId29"/>
-    <p:sldId id="320" r:id="rId30"/>
-    <p:sldId id="321" r:id="rId31"/>
-    <p:sldId id="322" r:id="rId32"/>
-    <p:sldId id="330" r:id="rId33"/>
-    <p:sldId id="331" r:id="rId34"/>
-    <p:sldId id="323" r:id="rId35"/>
-    <p:sldId id="324" r:id="rId36"/>
-    <p:sldId id="325" r:id="rId37"/>
-    <p:sldId id="326" r:id="rId38"/>
-    <p:sldId id="327" r:id="rId39"/>
-    <p:sldId id="328" r:id="rId40"/>
-    <p:sldId id="329" r:id="rId41"/>
-    <p:sldId id="278" r:id="rId42"/>
-    <p:sldId id="279" r:id="rId43"/>
-    <p:sldId id="280" r:id="rId44"/>
-    <p:sldId id="276" r:id="rId45"/>
-    <p:sldId id="281" r:id="rId46"/>
-    <p:sldId id="282" r:id="rId47"/>
-    <p:sldId id="283" r:id="rId48"/>
-    <p:sldId id="284" r:id="rId49"/>
-    <p:sldId id="285" r:id="rId50"/>
-    <p:sldId id="286" r:id="rId51"/>
-    <p:sldId id="287" r:id="rId52"/>
-    <p:sldId id="288" r:id="rId53"/>
-    <p:sldId id="289" r:id="rId54"/>
-    <p:sldId id="290" r:id="rId55"/>
+    <p:sldId id="321" r:id="rId30"/>
+    <p:sldId id="322" r:id="rId31"/>
+    <p:sldId id="330" r:id="rId32"/>
+    <p:sldId id="323" r:id="rId33"/>
+    <p:sldId id="324" r:id="rId34"/>
+    <p:sldId id="279" r:id="rId35"/>
+    <p:sldId id="280" r:id="rId36"/>
+    <p:sldId id="276" r:id="rId37"/>
+    <p:sldId id="281" r:id="rId38"/>
+    <p:sldId id="282" r:id="rId39"/>
+    <p:sldId id="286" r:id="rId40"/>
   </p:sldIdLst>
   <p:sldSz cx="9144000" cy="6858000" type="screen4x3"/>
   <p:notesSz cx="6858000" cy="9144000"/>
@@ -245,7 +230,7 @@
           <a:p>
             <a:fld id="{34DABC08-5500-4080-81A3-D11EBECCC5B6}" type="datetimeFigureOut">
               <a:rPr lang="en-US" smtClean="0"/>
-              <a:t>2021-01-13</a:t>
+              <a:t>2021-01-15</a:t>
             </a:fld>
             <a:endParaRPr lang="en-US"/>
           </a:p>
@@ -4647,7 +4632,7 @@
                 <a:ea typeface="+mn-ea"/>
                 <a:cs typeface="+mn-cs"/>
               </a:rPr>
-              <a:t>The standard Python trace module doesn't fit</a:t>
+              <a:t>The standard Python trace module doesn't fit my needs</a:t>
             </a:r>
           </a:p>
           <a:p>
@@ -5191,112 +5176,19 @@
                 <a:ea typeface="+mn-ea"/>
                 <a:cs typeface="+mn-cs"/>
               </a:rPr>
-              <a:t>First crude Python version</a:t>
-            </a:r>
-          </a:p>
-          <a:p>
-            <a:pPr lvl="1"/>
-            <a:r>
-              <a:rPr lang="en-US" sz="2800" kern="1200" dirty="0" smtClean="0">
-                <a:solidFill>
-                  <a:schemeClr val="tx1"/>
-                </a:solidFill>
-                <a:effectLst/>
-                <a:latin typeface="+mn-lt"/>
-                <a:ea typeface="+mn-ea"/>
-                <a:cs typeface="+mn-cs"/>
-              </a:rPr>
-              <a:t>Not even decorators</a:t>
-            </a:r>
-          </a:p>
-          <a:p>
-            <a:pPr lvl="1"/>
-            <a:r>
-              <a:rPr lang="en-US" sz="2800" kern="1200" dirty="0" smtClean="0">
-                <a:solidFill>
-                  <a:schemeClr val="tx1"/>
-                </a:solidFill>
-                <a:effectLst/>
-                <a:latin typeface="+mn-lt"/>
-                <a:ea typeface="+mn-ea"/>
-                <a:cs typeface="+mn-cs"/>
-              </a:rPr>
-              <a:t>Calls visible, and clumsy, all over the place</a:t>
-            </a:r>
-          </a:p>
-          <a:p>
-            <a:pPr lvl="0"/>
-            <a:r>
-              <a:rPr lang="en-US" sz="3200" kern="1200" dirty="0" smtClean="0">
-                <a:solidFill>
-                  <a:schemeClr val="tx1"/>
-                </a:solidFill>
-                <a:effectLst/>
-                <a:latin typeface="+mn-lt"/>
-                <a:ea typeface="+mn-ea"/>
-                <a:cs typeface="+mn-cs"/>
-              </a:rPr>
-              <a:t>Maybe</a:t>
-            </a:r>
-            <a:r>
-              <a:rPr lang="en-US" sz="3200" kern="1200" baseline="0" dirty="0" smtClean="0">
-                <a:solidFill>
-                  <a:schemeClr val="tx1"/>
-                </a:solidFill>
-                <a:effectLst/>
-                <a:latin typeface="+mn-lt"/>
-                <a:ea typeface="+mn-ea"/>
-                <a:cs typeface="+mn-cs"/>
-              </a:rPr>
-              <a:t> I l</a:t>
-            </a:r>
-            <a:r>
-              <a:rPr lang="en-US" sz="3200" kern="1200" dirty="0" smtClean="0">
-                <a:solidFill>
-                  <a:schemeClr val="tx1"/>
-                </a:solidFill>
-                <a:effectLst/>
-                <a:latin typeface="+mn-lt"/>
-                <a:ea typeface="+mn-ea"/>
-                <a:cs typeface="+mn-cs"/>
-              </a:rPr>
-              <a:t>earned a bit in a</a:t>
-            </a:r>
-            <a:r>
-              <a:rPr lang="en-US" sz="3200" kern="1200" baseline="0" dirty="0" smtClean="0">
-                <a:solidFill>
-                  <a:schemeClr val="tx1"/>
-                </a:solidFill>
-                <a:effectLst/>
-                <a:latin typeface="+mn-lt"/>
-                <a:ea typeface="+mn-ea"/>
-                <a:cs typeface="+mn-cs"/>
-              </a:rPr>
-              <a:t> </a:t>
-            </a:r>
-            <a:r>
-              <a:rPr lang="en-US" sz="3200" kern="1200" dirty="0" smtClean="0">
-                <a:solidFill>
-                  <a:schemeClr val="tx1"/>
-                </a:solidFill>
-                <a:effectLst/>
-                <a:latin typeface="+mn-lt"/>
-                <a:ea typeface="+mn-ea"/>
-                <a:cs typeface="+mn-cs"/>
-              </a:rPr>
-              <a:t>dozen </a:t>
-            </a:r>
-            <a:r>
-              <a:rPr lang="en-US" sz="3200" kern="1200" dirty="0" smtClean="0">
-                <a:solidFill>
-                  <a:schemeClr val="tx1"/>
-                </a:solidFill>
-                <a:effectLst/>
-                <a:latin typeface="+mn-lt"/>
-                <a:ea typeface="+mn-ea"/>
-                <a:cs typeface="+mn-cs"/>
-              </a:rPr>
-              <a:t>years</a:t>
+              <a:t>First crude Python version of </a:t>
+            </a:r>
+            <a:r>
+              <a:rPr lang="en-US" sz="3200" kern="1200" dirty="0" err="1" smtClean="0">
+                <a:solidFill>
+                  <a:schemeClr val="tx1"/>
+                </a:solidFill>
+                <a:effectLst/>
+                <a:latin typeface="+mn-lt"/>
+                <a:ea typeface="+mn-ea"/>
+                <a:cs typeface="+mn-cs"/>
+              </a:rPr>
+              <a:t>NewTrace</a:t>
             </a:r>
             <a:endParaRPr lang="en-US" sz="3200" kern="1200" dirty="0" smtClean="0">
               <a:solidFill>
@@ -5307,6 +5199,99 @@
               <a:ea typeface="+mn-ea"/>
               <a:cs typeface="+mn-cs"/>
             </a:endParaRPr>
+          </a:p>
+          <a:p>
+            <a:pPr lvl="1"/>
+            <a:r>
+              <a:rPr lang="en-US" sz="2800" kern="1200" dirty="0" smtClean="0">
+                <a:solidFill>
+                  <a:schemeClr val="tx1"/>
+                </a:solidFill>
+                <a:effectLst/>
+                <a:latin typeface="+mn-lt"/>
+                <a:ea typeface="+mn-ea"/>
+                <a:cs typeface="+mn-cs"/>
+              </a:rPr>
+              <a:t>Not even decorators</a:t>
+            </a:r>
+          </a:p>
+          <a:p>
+            <a:pPr lvl="1"/>
+            <a:r>
+              <a:rPr lang="en-US" sz="2800" kern="1200" dirty="0" smtClean="0">
+                <a:solidFill>
+                  <a:schemeClr val="tx1"/>
+                </a:solidFill>
+                <a:effectLst/>
+                <a:latin typeface="+mn-lt"/>
+                <a:ea typeface="+mn-ea"/>
+                <a:cs typeface="+mn-cs"/>
+              </a:rPr>
+              <a:t>Calls visible, and clumsy, all over the place</a:t>
+            </a:r>
+          </a:p>
+          <a:p>
+            <a:pPr lvl="0"/>
+            <a:r>
+              <a:rPr lang="en-US" sz="3200" kern="1200" dirty="0" smtClean="0">
+                <a:solidFill>
+                  <a:schemeClr val="tx1"/>
+                </a:solidFill>
+                <a:effectLst/>
+                <a:latin typeface="+mn-lt"/>
+                <a:ea typeface="+mn-ea"/>
+                <a:cs typeface="+mn-cs"/>
+              </a:rPr>
+              <a:t>Maybe</a:t>
+            </a:r>
+            <a:r>
+              <a:rPr lang="en-US" sz="3200" kern="1200" baseline="0" dirty="0" smtClean="0">
+                <a:solidFill>
+                  <a:schemeClr val="tx1"/>
+                </a:solidFill>
+                <a:effectLst/>
+                <a:latin typeface="+mn-lt"/>
+                <a:ea typeface="+mn-ea"/>
+                <a:cs typeface="+mn-cs"/>
+              </a:rPr>
+              <a:t> I l</a:t>
+            </a:r>
+            <a:r>
+              <a:rPr lang="en-US" sz="3200" kern="1200" dirty="0" smtClean="0">
+                <a:solidFill>
+                  <a:schemeClr val="tx1"/>
+                </a:solidFill>
+                <a:effectLst/>
+                <a:latin typeface="+mn-lt"/>
+                <a:ea typeface="+mn-ea"/>
+                <a:cs typeface="+mn-cs"/>
+              </a:rPr>
+              <a:t>earned a bit in a</a:t>
+            </a:r>
+            <a:r>
+              <a:rPr lang="en-US" sz="3200" kern="1200" baseline="0" dirty="0" smtClean="0">
+                <a:solidFill>
+                  <a:schemeClr val="tx1"/>
+                </a:solidFill>
+                <a:effectLst/>
+                <a:latin typeface="+mn-lt"/>
+                <a:ea typeface="+mn-ea"/>
+                <a:cs typeface="+mn-cs"/>
+              </a:rPr>
+              <a:t> </a:t>
+            </a:r>
+            <a:r>
+              <a:rPr lang="en-US" sz="3200" kern="1200" dirty="0" smtClean="0">
+                <a:solidFill>
+                  <a:schemeClr val="tx1"/>
+                </a:solidFill>
+                <a:effectLst/>
+                <a:latin typeface="+mn-lt"/>
+                <a:ea typeface="+mn-ea"/>
+                <a:cs typeface="+mn-cs"/>
+              </a:rPr>
+              <a:t>dozen years</a:t>
+            </a:r>
           </a:p>
         </p:txBody>
       </p:sp>
@@ -5465,11 +5450,7 @@
           <a:p>
             <a:r>
               <a:rPr lang="en-US" baseline="0" dirty="0" smtClean="0"/>
-              <a:t>Sample decorator: print function entry and exit, in every </a:t>
-            </a:r>
-            <a:r>
-              <a:rPr lang="en-US" baseline="0" dirty="0" smtClean="0"/>
-              <a:t>textbook</a:t>
+              <a:t>Sample decorator: print function entry and exit, in every textbook</a:t>
             </a:r>
           </a:p>
           <a:p>
@@ -5890,11 +5871,7 @@
             </a:r>
             <a:r>
               <a:rPr lang="en-US" dirty="0" smtClean="0"/>
-              <a:t>Must </a:t>
-            </a:r>
-            <a:r>
-              <a:rPr lang="en-US" dirty="0" smtClean="0"/>
-              <a:t>Have</a:t>
+              <a:t>Must Have</a:t>
             </a:r>
             <a:endParaRPr lang="en-US" dirty="0"/>
           </a:p>
@@ -5961,11 +5938,7 @@
             </a:r>
             <a:r>
               <a:rPr lang="en-US" baseline="0" dirty="0" smtClean="0"/>
-              <a:t> </a:t>
-            </a:r>
-            <a:r>
-              <a:rPr lang="en-US" baseline="0" dirty="0" smtClean="0"/>
-              <a:t>output</a:t>
+              <a:t> output</a:t>
             </a:r>
           </a:p>
           <a:p>
@@ -6259,7 +6232,7 @@
                 <a:latin typeface="Arial" panose="020B0604020202020204" pitchFamily="34" charset="0"/>
                 <a:cs typeface="Arial" panose="020B0604020202020204" pitchFamily="34" charset="0"/>
               </a:rPr>
-              <a:t>Who</a:t>
+              <a:t>Who's a Dinosaur!?!</a:t>
             </a:r>
             <a:endParaRPr lang="en-US" sz="3600" b="1" dirty="0">
               <a:latin typeface="Arial" panose="020B0604020202020204" pitchFamily="34" charset="0"/>
@@ -6286,7 +6259,7 @@
         </p:spPr>
         <p:txBody>
           <a:bodyPr>
-            <a:normAutofit fontScale="92500" lnSpcReduction="10000"/>
+            <a:normAutofit/>
           </a:bodyPr>
           <a:lstStyle/>
           <a:p>
@@ -6300,7 +6273,7 @@
                 <a:ea typeface="+mn-ea"/>
                 <a:cs typeface="+mn-cs"/>
               </a:rPr>
-              <a:t>Dinosaur = me,  45 year career in software engineering, recently retired</a:t>
+              <a:t>Me</a:t>
             </a:r>
           </a:p>
           <a:p>
@@ -6315,7 +6288,122 @@
                 <a:ea typeface="+mn-ea"/>
                 <a:cs typeface="+mn-cs"/>
               </a:rPr>
-              <a:t>Wide range of applications: </a:t>
+              <a:t>45 years in software engineering, retired</a:t>
+            </a:r>
+          </a:p>
+          <a:p>
+            <a:r>
+              <a:rPr lang="en-US" sz="3200" kern="1200" dirty="0" smtClean="0">
+                <a:solidFill>
+                  <a:schemeClr val="tx1"/>
+                </a:solidFill>
+                <a:effectLst/>
+                <a:latin typeface="+mn-lt"/>
+                <a:ea typeface="+mn-ea"/>
+                <a:cs typeface="+mn-cs"/>
+              </a:rPr>
+              <a:t>Used fifty (!) different programming languages over the decades</a:t>
+            </a:r>
+          </a:p>
+          <a:p>
+            <a:r>
+              <a:rPr lang="en-US" sz="3200" kern="1200" dirty="0" smtClean="0">
+                <a:solidFill>
+                  <a:schemeClr val="tx1"/>
+                </a:solidFill>
+                <a:effectLst/>
+                <a:latin typeface="+mn-lt"/>
+                <a:ea typeface="+mn-ea"/>
+                <a:cs typeface="+mn-cs"/>
+              </a:rPr>
+              <a:t>Python is</a:t>
+            </a:r>
+            <a:r>
+              <a:rPr lang="en-US" sz="3200" kern="1200" baseline="0" dirty="0" smtClean="0">
+                <a:solidFill>
+                  <a:schemeClr val="tx1"/>
+                </a:solidFill>
+                <a:effectLst/>
+                <a:latin typeface="+mn-lt"/>
+                <a:ea typeface="+mn-ea"/>
+                <a:cs typeface="+mn-cs"/>
+              </a:rPr>
+              <a:t> #1</a:t>
+            </a:r>
+            <a:r>
+              <a:rPr lang="en-US" sz="3200" kern="1200" dirty="0" smtClean="0">
+                <a:solidFill>
+                  <a:schemeClr val="tx1"/>
+                </a:solidFill>
+                <a:effectLst/>
+                <a:latin typeface="+mn-lt"/>
+                <a:ea typeface="+mn-ea"/>
+                <a:cs typeface="+mn-cs"/>
+              </a:rPr>
+              <a:t>, prefer</a:t>
+            </a:r>
+            <a:r>
+              <a:rPr lang="en-US" sz="3200" kern="1200" baseline="0" dirty="0" smtClean="0">
+                <a:solidFill>
+                  <a:schemeClr val="tx1"/>
+                </a:solidFill>
+                <a:effectLst/>
+                <a:latin typeface="+mn-lt"/>
+                <a:ea typeface="+mn-ea"/>
+                <a:cs typeface="+mn-cs"/>
+              </a:rPr>
+              <a:t> it to </a:t>
+            </a:r>
+            <a:r>
+              <a:rPr lang="en-US" sz="3200" kern="1200" dirty="0" smtClean="0">
+                <a:solidFill>
+                  <a:schemeClr val="tx1"/>
+                </a:solidFill>
+                <a:effectLst/>
+                <a:latin typeface="+mn-lt"/>
+                <a:ea typeface="+mn-ea"/>
+                <a:cs typeface="+mn-cs"/>
+              </a:rPr>
+              <a:t>any</a:t>
+            </a:r>
+            <a:r>
+              <a:rPr lang="en-US" sz="3200" kern="1200" baseline="0" dirty="0" smtClean="0">
+                <a:solidFill>
+                  <a:schemeClr val="tx1"/>
+                </a:solidFill>
+                <a:effectLst/>
+                <a:latin typeface="+mn-lt"/>
+                <a:ea typeface="+mn-ea"/>
+                <a:cs typeface="+mn-cs"/>
+              </a:rPr>
+              <a:t> of</a:t>
+            </a:r>
+            <a:r>
+              <a:rPr lang="en-US" sz="3200" kern="1200" dirty="0" smtClean="0">
+                <a:solidFill>
+                  <a:schemeClr val="tx1"/>
+                </a:solidFill>
+                <a:effectLst/>
+                <a:latin typeface="+mn-lt"/>
+                <a:ea typeface="+mn-ea"/>
+                <a:cs typeface="+mn-cs"/>
+              </a:rPr>
+              <a:t> the others</a:t>
+            </a:r>
+          </a:p>
+          <a:p>
+            <a:pPr lvl="1"/>
+            <a:r>
+              <a:rPr lang="en-US" sz="2800" kern="1200" dirty="0" smtClean="0">
+                <a:solidFill>
+                  <a:schemeClr val="tx1"/>
+                </a:solidFill>
+                <a:effectLst/>
+                <a:latin typeface="+mn-lt"/>
+                <a:ea typeface="+mn-ea"/>
+                <a:cs typeface="+mn-cs"/>
+              </a:rPr>
+              <a:t>Concise, expressive, astonishing libraries, </a:t>
             </a:r>
             <a:r>
               <a:rPr lang="en-US" sz="2800" kern="1200" dirty="0" err="1" smtClean="0">
@@ -6327,145 +6415,6 @@
                 <a:ea typeface="+mn-ea"/>
                 <a:cs typeface="+mn-cs"/>
               </a:rPr>
-              <a:t>comm</a:t>
-            </a:r>
-            <a:r>
-              <a:rPr lang="en-US" sz="2800" kern="1200" dirty="0" smtClean="0">
-                <a:solidFill>
-                  <a:schemeClr val="tx1"/>
-                </a:solidFill>
-                <a:effectLst/>
-                <a:latin typeface="+mn-lt"/>
-                <a:ea typeface="+mn-ea"/>
-                <a:cs typeface="+mn-cs"/>
-              </a:rPr>
-              <a:t>,  </a:t>
-            </a:r>
-            <a:r>
-              <a:rPr lang="en-US" sz="2800" kern="1200" dirty="0" err="1" smtClean="0">
-                <a:solidFill>
-                  <a:schemeClr val="tx1"/>
-                </a:solidFill>
-                <a:effectLst/>
-                <a:latin typeface="+mn-lt"/>
-                <a:ea typeface="+mn-ea"/>
-                <a:cs typeface="+mn-cs"/>
-              </a:rPr>
-              <a:t>dbs</a:t>
-            </a:r>
-            <a:r>
-              <a:rPr lang="en-US" sz="2800" kern="1200" dirty="0" smtClean="0">
-                <a:solidFill>
-                  <a:schemeClr val="tx1"/>
-                </a:solidFill>
-                <a:effectLst/>
-                <a:latin typeface="+mn-lt"/>
-                <a:ea typeface="+mn-ea"/>
-                <a:cs typeface="+mn-cs"/>
-              </a:rPr>
-              <a:t>, sys </a:t>
-            </a:r>
-            <a:r>
-              <a:rPr lang="en-US" sz="2800" kern="1200" dirty="0" err="1" smtClean="0">
-                <a:solidFill>
-                  <a:schemeClr val="tx1"/>
-                </a:solidFill>
-                <a:effectLst/>
-                <a:latin typeface="+mn-lt"/>
-                <a:ea typeface="+mn-ea"/>
-                <a:cs typeface="+mn-cs"/>
-              </a:rPr>
-              <a:t>mgt</a:t>
-            </a:r>
-            <a:r>
-              <a:rPr lang="en-US" sz="2800" kern="1200" dirty="0" smtClean="0">
-                <a:solidFill>
-                  <a:schemeClr val="tx1"/>
-                </a:solidFill>
-                <a:effectLst/>
-                <a:latin typeface="+mn-lt"/>
-                <a:ea typeface="+mn-ea"/>
-                <a:cs typeface="+mn-cs"/>
-              </a:rPr>
-              <a:t>, remote </a:t>
-            </a:r>
-            <a:r>
-              <a:rPr lang="en-US" sz="2800" kern="1200" dirty="0" err="1" smtClean="0">
-                <a:solidFill>
-                  <a:schemeClr val="tx1"/>
-                </a:solidFill>
-                <a:effectLst/>
-                <a:latin typeface="+mn-lt"/>
-                <a:ea typeface="+mn-ea"/>
-                <a:cs typeface="+mn-cs"/>
-              </a:rPr>
-              <a:t>mgt</a:t>
-            </a:r>
-            <a:r>
-              <a:rPr lang="en-US" sz="2800" kern="1200" dirty="0" smtClean="0">
-                <a:solidFill>
-                  <a:schemeClr val="tx1"/>
-                </a:solidFill>
-                <a:effectLst/>
-                <a:latin typeface="+mn-lt"/>
-                <a:ea typeface="+mn-ea"/>
-                <a:cs typeface="+mn-cs"/>
-              </a:rPr>
-              <a:t>, printers, projectors, fonts.</a:t>
-            </a:r>
-          </a:p>
-          <a:p>
-            <a:r>
-              <a:rPr lang="en-US" sz="3200" kern="1200" dirty="0" smtClean="0">
-                <a:solidFill>
-                  <a:schemeClr val="tx1"/>
-                </a:solidFill>
-                <a:effectLst/>
-                <a:latin typeface="+mn-lt"/>
-                <a:ea typeface="+mn-ea"/>
-                <a:cs typeface="+mn-cs"/>
-              </a:rPr>
-              <a:t>Used fifty (!) different programming languages over the decades</a:t>
-            </a:r>
-          </a:p>
-          <a:p>
-            <a:r>
-              <a:rPr lang="en-US" sz="3200" kern="1200" dirty="0" smtClean="0">
-                <a:solidFill>
-                  <a:schemeClr val="tx1"/>
-                </a:solidFill>
-                <a:effectLst/>
-                <a:latin typeface="+mn-lt"/>
-                <a:ea typeface="+mn-ea"/>
-                <a:cs typeface="+mn-cs"/>
-              </a:rPr>
-              <a:t>Python is number one, like it more than all the others</a:t>
-            </a:r>
-          </a:p>
-          <a:p>
-            <a:pPr lvl="1"/>
-            <a:r>
-              <a:rPr lang="en-US" sz="2800" kern="1200" dirty="0" smtClean="0">
-                <a:solidFill>
-                  <a:schemeClr val="tx1"/>
-                </a:solidFill>
-                <a:effectLst/>
-                <a:latin typeface="+mn-lt"/>
-                <a:ea typeface="+mn-ea"/>
-                <a:cs typeface="+mn-cs"/>
-              </a:rPr>
-              <a:t>Concise, expressive, astonishing libraries, </a:t>
-            </a:r>
-            <a:r>
-              <a:rPr lang="en-US" sz="2800" kern="1200" dirty="0" err="1" smtClean="0">
-                <a:solidFill>
-                  <a:schemeClr val="tx1"/>
-                </a:solidFill>
-                <a:effectLst/>
-                <a:latin typeface="+mn-lt"/>
-                <a:ea typeface="+mn-ea"/>
-                <a:cs typeface="+mn-cs"/>
-              </a:rPr>
               <a:t>iPython</a:t>
             </a:r>
             <a:r>
@@ -6478,7 +6427,7 @@
                 <a:ea typeface="+mn-ea"/>
                 <a:cs typeface="+mn-cs"/>
               </a:rPr>
-              <a:t> now </a:t>
+              <a:t>/</a:t>
             </a:r>
             <a:r>
               <a:rPr lang="en-US" sz="2800" kern="1200" baseline="0" dirty="0" err="1" smtClean="0">
@@ -6855,8 +6804,41 @@
                 <a:ea typeface="+mn-ea"/>
                 <a:cs typeface="+mn-cs"/>
               </a:rPr>
-              <a:t>Activity: Function </a:t>
-            </a:r>
+              <a:t>Activity: Function enter and exit</a:t>
+            </a:r>
+          </a:p>
+          <a:p>
+            <a:pPr lvl="1"/>
+            <a:r>
+              <a:rPr lang="en-US" sz="2800" kern="1200" dirty="0" smtClean="0">
+                <a:solidFill>
+                  <a:schemeClr val="tx1"/>
+                </a:solidFill>
+                <a:effectLst/>
+                <a:latin typeface="+mn-lt"/>
+                <a:ea typeface="+mn-ea"/>
+                <a:cs typeface="+mn-cs"/>
+              </a:rPr>
+              <a:t>With arguments in and result value out</a:t>
+            </a:r>
+          </a:p>
+          <a:p>
+            <a:pPr lvl="1"/>
+            <a:r>
+              <a:rPr lang="en-US" sz="2800" kern="1200" dirty="0" smtClean="0">
+                <a:solidFill>
+                  <a:schemeClr val="tx1"/>
+                </a:solidFill>
+                <a:effectLst/>
+                <a:latin typeface="+mn-lt"/>
+                <a:ea typeface="+mn-ea"/>
+                <a:cs typeface="+mn-cs"/>
+              </a:rPr>
+              <a:t>Easily done with decorators</a:t>
+            </a:r>
+          </a:p>
+          <a:p>
+            <a:pPr lvl="0"/>
             <a:r>
               <a:rPr lang="en-US" sz="3200" kern="1200" dirty="0" smtClean="0">
                 <a:solidFill>
@@ -6867,41 +6849,20 @@
                 <a:ea typeface="+mn-ea"/>
                 <a:cs typeface="+mn-cs"/>
               </a:rPr>
-              <a:t>enter and exit</a:t>
-            </a:r>
-          </a:p>
-          <a:p>
-            <a:pPr lvl="1"/>
-            <a:r>
-              <a:rPr lang="en-US" sz="2800" kern="1200" dirty="0" smtClean="0">
-                <a:solidFill>
-                  <a:schemeClr val="tx1"/>
-                </a:solidFill>
-                <a:effectLst/>
-                <a:latin typeface="+mn-lt"/>
-                <a:ea typeface="+mn-ea"/>
-                <a:cs typeface="+mn-cs"/>
-              </a:rPr>
-              <a:t>With arguments in and result value out</a:t>
-            </a:r>
-          </a:p>
-          <a:p>
-            <a:pPr lvl="1"/>
-            <a:r>
-              <a:rPr lang="en-US" sz="2800" kern="1200" dirty="0" smtClean="0">
-                <a:solidFill>
-                  <a:schemeClr val="tx1"/>
-                </a:solidFill>
-                <a:effectLst/>
-                <a:latin typeface="+mn-lt"/>
-                <a:ea typeface="+mn-ea"/>
-                <a:cs typeface="+mn-cs"/>
-              </a:rPr>
-              <a:t>Easily done with decorators</a:t>
-            </a:r>
-          </a:p>
-          <a:p>
-            <a:pPr lvl="0"/>
+              <a:t>Activity:</a:t>
+            </a:r>
+            <a:r>
+              <a:rPr lang="en-US" sz="3200" kern="1200" baseline="0" dirty="0" smtClean="0">
+                <a:solidFill>
+                  <a:schemeClr val="tx1"/>
+                </a:solidFill>
+                <a:effectLst/>
+                <a:latin typeface="+mn-lt"/>
+                <a:ea typeface="+mn-ea"/>
+                <a:cs typeface="+mn-cs"/>
+              </a:rPr>
+              <a:t> </a:t>
+            </a:r>
             <a:r>
               <a:rPr lang="en-US" sz="3200" kern="1200" dirty="0" smtClean="0">
                 <a:solidFill>
@@ -6912,7 +6873,7 @@
                 <a:ea typeface="+mn-ea"/>
                 <a:cs typeface="+mn-cs"/>
               </a:rPr>
-              <a:t>Activity:</a:t>
+              <a:t>Insert</a:t>
             </a:r>
             <a:r>
               <a:rPr lang="en-US" sz="3200" kern="1200" baseline="0" dirty="0" smtClean="0">
@@ -6924,7 +6885,7 @@
                 <a:ea typeface="+mn-ea"/>
                 <a:cs typeface="+mn-cs"/>
               </a:rPr>
-              <a:t> </a:t>
+              <a:t> at</a:t>
             </a:r>
             <a:r>
               <a:rPr lang="en-US" sz="3200" kern="1200" dirty="0" smtClean="0">
@@ -6936,65 +6897,8 @@
                 <a:ea typeface="+mn-ea"/>
                 <a:cs typeface="+mn-cs"/>
               </a:rPr>
-              <a:t>Insert</a:t>
-            </a:r>
-            <a:r>
-              <a:rPr lang="en-US" sz="3200" kern="1200" baseline="0" dirty="0" smtClean="0">
-                <a:solidFill>
-                  <a:schemeClr val="tx1"/>
-                </a:solidFill>
-                <a:effectLst/>
-                <a:latin typeface="+mn-lt"/>
-                <a:ea typeface="+mn-ea"/>
-                <a:cs typeface="+mn-cs"/>
-              </a:rPr>
-              <a:t> </a:t>
-            </a:r>
-            <a:r>
-              <a:rPr lang="en-US" sz="3200" kern="1200" baseline="0" dirty="0" smtClean="0">
-                <a:solidFill>
-                  <a:schemeClr val="tx1"/>
-                </a:solidFill>
-                <a:effectLst/>
-                <a:latin typeface="+mn-lt"/>
-                <a:ea typeface="+mn-ea"/>
-                <a:cs typeface="+mn-cs"/>
-              </a:rPr>
-              <a:t>at</a:t>
-            </a:r>
-            <a:r>
-              <a:rPr lang="en-US" sz="3200" kern="1200" dirty="0" smtClean="0">
-                <a:solidFill>
-                  <a:schemeClr val="tx1"/>
-                </a:solidFill>
-                <a:effectLst/>
-                <a:latin typeface="+mn-lt"/>
-                <a:ea typeface="+mn-ea"/>
-                <a:cs typeface="+mn-cs"/>
-              </a:rPr>
-              <a:t> any other </a:t>
-            </a:r>
-            <a:r>
-              <a:rPr lang="en-US" sz="3200" kern="1200" dirty="0" smtClean="0">
-                <a:solidFill>
-                  <a:schemeClr val="tx1"/>
-                </a:solidFill>
-                <a:effectLst/>
-                <a:latin typeface="+mn-lt"/>
-                <a:ea typeface="+mn-ea"/>
-                <a:cs typeface="+mn-cs"/>
-              </a:rPr>
-              <a:t>points</a:t>
-            </a:r>
-            <a:endParaRPr lang="en-US" sz="3200" kern="1200" dirty="0" smtClean="0">
-              <a:solidFill>
-                <a:schemeClr val="tx1"/>
-              </a:solidFill>
-              <a:effectLst/>
-              <a:latin typeface="+mn-lt"/>
-              <a:ea typeface="+mn-ea"/>
-              <a:cs typeface="+mn-cs"/>
-            </a:endParaRPr>
+              <a:t> any other points</a:t>
+            </a:r>
           </a:p>
           <a:p>
             <a:pPr lvl="1"/>
@@ -7579,6 +7483,48 @@
               </a:rPr>
               <a:t> versions.  </a:t>
             </a:r>
+          </a:p>
+          <a:p>
+            <a:pPr lvl="1"/>
+            <a:r>
+              <a:rPr lang="en-US" sz="2800" kern="1200" dirty="0" smtClean="0">
+                <a:solidFill>
+                  <a:schemeClr val="tx1"/>
+                </a:solidFill>
+                <a:effectLst/>
+                <a:latin typeface="+mn-lt"/>
+                <a:ea typeface="+mn-ea"/>
+                <a:cs typeface="+mn-cs"/>
+              </a:rPr>
+              <a:t>Tracing should be permanently installed</a:t>
+            </a:r>
+          </a:p>
+          <a:p>
+            <a:pPr lvl="1"/>
+            <a:r>
+              <a:rPr lang="en-US" sz="2800" kern="1200" dirty="0" smtClean="0">
+                <a:solidFill>
+                  <a:schemeClr val="tx1"/>
+                </a:solidFill>
+                <a:effectLst/>
+                <a:latin typeface="+mn-lt"/>
+                <a:ea typeface="+mn-ea"/>
+                <a:cs typeface="+mn-cs"/>
+              </a:rPr>
+              <a:t>When</a:t>
+            </a:r>
+            <a:r>
+              <a:rPr lang="en-US" sz="2800" kern="1200" baseline="0" dirty="0" smtClean="0">
+                <a:solidFill>
+                  <a:schemeClr val="tx1"/>
+                </a:solidFill>
+                <a:effectLst/>
+                <a:latin typeface="+mn-lt"/>
+                <a:ea typeface="+mn-ea"/>
+                <a:cs typeface="+mn-cs"/>
+              </a:rPr>
+              <a:t> customer calls with a problem...</a:t>
+            </a:r>
             <a:endParaRPr lang="en-US" sz="2800" kern="1200" dirty="0" smtClean="0">
               <a:solidFill>
                 <a:schemeClr val="tx1"/>
@@ -7590,81 +7536,6 @@
             </a:endParaRPr>
           </a:p>
           <a:p>
-            <a:pPr lvl="1"/>
-            <a:r>
-              <a:rPr lang="en-US" sz="2800" kern="1200" dirty="0" smtClean="0">
-                <a:solidFill>
-                  <a:schemeClr val="tx1"/>
-                </a:solidFill>
-                <a:effectLst/>
-                <a:latin typeface="+mn-lt"/>
-                <a:ea typeface="+mn-ea"/>
-                <a:cs typeface="+mn-cs"/>
-              </a:rPr>
-              <a:t>Tracing </a:t>
-            </a:r>
-            <a:r>
-              <a:rPr lang="en-US" sz="2800" kern="1200" dirty="0" smtClean="0">
-                <a:solidFill>
-                  <a:schemeClr val="tx1"/>
-                </a:solidFill>
-                <a:effectLst/>
-                <a:latin typeface="+mn-lt"/>
-                <a:ea typeface="+mn-ea"/>
-                <a:cs typeface="+mn-cs"/>
-              </a:rPr>
-              <a:t>should be permanently </a:t>
-            </a:r>
-            <a:r>
-              <a:rPr lang="en-US" sz="2800" kern="1200" dirty="0" smtClean="0">
-                <a:solidFill>
-                  <a:schemeClr val="tx1"/>
-                </a:solidFill>
-                <a:effectLst/>
-                <a:latin typeface="+mn-lt"/>
-                <a:ea typeface="+mn-ea"/>
-                <a:cs typeface="+mn-cs"/>
-              </a:rPr>
-              <a:t>installed</a:t>
-            </a:r>
-          </a:p>
-          <a:p>
-            <a:pPr lvl="1"/>
-            <a:r>
-              <a:rPr lang="en-US" sz="2800" kern="1200" dirty="0" smtClean="0">
-                <a:solidFill>
-                  <a:schemeClr val="tx1"/>
-                </a:solidFill>
-                <a:effectLst/>
-                <a:latin typeface="+mn-lt"/>
-                <a:ea typeface="+mn-ea"/>
-                <a:cs typeface="+mn-cs"/>
-              </a:rPr>
-              <a:t>When</a:t>
-            </a:r>
-            <a:r>
-              <a:rPr lang="en-US" sz="2800" kern="1200" baseline="0" dirty="0" smtClean="0">
-                <a:solidFill>
-                  <a:schemeClr val="tx1"/>
-                </a:solidFill>
-                <a:effectLst/>
-                <a:latin typeface="+mn-lt"/>
-                <a:ea typeface="+mn-ea"/>
-                <a:cs typeface="+mn-cs"/>
-              </a:rPr>
-              <a:t> customer calls with a problem...</a:t>
-            </a:r>
-            <a:endParaRPr lang="en-US" sz="2800" kern="1200" dirty="0" smtClean="0">
-              <a:solidFill>
-                <a:schemeClr val="tx1"/>
-              </a:solidFill>
-              <a:effectLst/>
-              <a:latin typeface="+mn-lt"/>
-              <a:ea typeface="+mn-ea"/>
-              <a:cs typeface="+mn-cs"/>
-            </a:endParaRPr>
-          </a:p>
-          <a:p>
             <a:pPr lvl="0"/>
             <a:r>
               <a:rPr lang="en-US" sz="3200" kern="1200" dirty="0" err="1" smtClean="0">
@@ -7712,19 +7583,7 @@
                 <a:ea typeface="+mn-ea"/>
                 <a:cs typeface="+mn-cs"/>
               </a:rPr>
-              <a:t> easy to </a:t>
-            </a:r>
-            <a:r>
-              <a:rPr lang="en-US" sz="3200" kern="1200" dirty="0" smtClean="0">
-                <a:solidFill>
-                  <a:schemeClr val="tx1"/>
-                </a:solidFill>
-                <a:effectLst/>
-                <a:latin typeface="+mn-lt"/>
-                <a:ea typeface="+mn-ea"/>
-                <a:cs typeface="+mn-cs"/>
-              </a:rPr>
-              <a:t>sense</a:t>
+              <a:t> easy to sense</a:t>
             </a:r>
           </a:p>
           <a:p>
@@ -7813,15 +7672,6 @@
               </a:rPr>
               <a:t>&lt;code: environment variable control&gt;</a:t>
             </a:r>
-            <a:endParaRPr lang="en-US" sz="2400" kern="1200" dirty="0" smtClean="0">
-              <a:solidFill>
-                <a:srgbClr val="00B050"/>
-              </a:solidFill>
-              <a:effectLst/>
-              <a:latin typeface="+mn-lt"/>
-              <a:ea typeface="+mn-ea"/>
-              <a:cs typeface="+mn-cs"/>
-            </a:endParaRPr>
           </a:p>
         </p:txBody>
       </p:sp>
@@ -8086,15 +7936,6 @@
               </a:rPr>
               <a:t> to control </a:t>
             </a:r>
-            <a:endParaRPr lang="en-US" sz="3200" kern="1200" dirty="0" smtClean="0">
-              <a:solidFill>
-                <a:schemeClr val="tx1"/>
-              </a:solidFill>
-              <a:effectLst/>
-              <a:latin typeface="+mn-lt"/>
-              <a:ea typeface="+mn-ea"/>
-              <a:cs typeface="+mn-cs"/>
-            </a:endParaRPr>
           </a:p>
           <a:p>
             <a:pPr lvl="1"/>
@@ -8108,8 +7949,11 @@
                 <a:ea typeface="+mn-ea"/>
                 <a:cs typeface="+mn-cs"/>
               </a:rPr>
-              <a:t>priority</a:t>
-            </a:r>
+              <a:t>priority, source filtering</a:t>
+            </a:r>
+          </a:p>
+          <a:p>
+            <a:pPr lvl="1"/>
             <a:r>
               <a:rPr lang="en-US" sz="2800" kern="1200" dirty="0" smtClean="0">
                 <a:solidFill>
@@ -8120,8 +7964,11 @@
                 <a:ea typeface="+mn-ea"/>
                 <a:cs typeface="+mn-cs"/>
               </a:rPr>
-              <a:t>, </a:t>
-            </a:r>
+              <a:t>output file location, output syntax</a:t>
+            </a:r>
+          </a:p>
+          <a:p>
+            <a:pPr lvl="1"/>
             <a:r>
               <a:rPr lang="en-US" sz="2800" kern="1200" dirty="0" smtClean="0">
                 <a:solidFill>
@@ -8132,71 +7979,8 @@
                 <a:ea typeface="+mn-ea"/>
                 <a:cs typeface="+mn-cs"/>
               </a:rPr>
-              <a:t>source filtering</a:t>
-            </a:r>
-          </a:p>
-          <a:p>
-            <a:pPr lvl="1"/>
-            <a:r>
-              <a:rPr lang="en-US" sz="2800" kern="1200" dirty="0" smtClean="0">
-                <a:solidFill>
-                  <a:schemeClr val="tx1"/>
-                </a:solidFill>
-                <a:effectLst/>
-                <a:latin typeface="+mn-lt"/>
-                <a:ea typeface="+mn-ea"/>
-                <a:cs typeface="+mn-cs"/>
-              </a:rPr>
-              <a:t>output </a:t>
-            </a:r>
-            <a:r>
-              <a:rPr lang="en-US" sz="2800" kern="1200" dirty="0" smtClean="0">
-                <a:solidFill>
-                  <a:schemeClr val="tx1"/>
-                </a:solidFill>
-                <a:effectLst/>
-                <a:latin typeface="+mn-lt"/>
-                <a:ea typeface="+mn-ea"/>
-                <a:cs typeface="+mn-cs"/>
-              </a:rPr>
-              <a:t>file location, </a:t>
-            </a:r>
-            <a:r>
-              <a:rPr lang="en-US" sz="2800" kern="1200" dirty="0" smtClean="0">
-                <a:solidFill>
-                  <a:schemeClr val="tx1"/>
-                </a:solidFill>
-                <a:effectLst/>
-                <a:latin typeface="+mn-lt"/>
-                <a:ea typeface="+mn-ea"/>
-                <a:cs typeface="+mn-cs"/>
-              </a:rPr>
-              <a:t>output syntax</a:t>
-            </a:r>
-          </a:p>
-          <a:p>
-            <a:pPr lvl="1"/>
-            <a:r>
-              <a:rPr lang="en-US" sz="2800" kern="1200" dirty="0" smtClean="0">
-                <a:solidFill>
-                  <a:schemeClr val="tx1"/>
-                </a:solidFill>
-                <a:effectLst/>
-                <a:latin typeface="+mn-lt"/>
-                <a:ea typeface="+mn-ea"/>
-                <a:cs typeface="+mn-cs"/>
-              </a:rPr>
               <a:t>production mode</a:t>
             </a:r>
-            <a:endParaRPr lang="en-US" sz="2800" kern="1200" dirty="0" smtClean="0">
-              <a:solidFill>
-                <a:schemeClr val="tx1"/>
-              </a:solidFill>
-              <a:effectLst/>
-              <a:latin typeface="+mn-lt"/>
-              <a:ea typeface="+mn-ea"/>
-              <a:cs typeface="+mn-cs"/>
-            </a:endParaRPr>
           </a:p>
         </p:txBody>
       </p:sp>
@@ -8387,8 +8171,11 @@
                 <a:ea typeface="+mn-ea"/>
                 <a:cs typeface="+mn-cs"/>
               </a:rPr>
-              <a:t>less </a:t>
-            </a:r>
+              <a:t>less is more, makes it easy to find </a:t>
+            </a:r>
+          </a:p>
+          <a:p>
+            <a:pPr lvl="1"/>
             <a:r>
               <a:rPr lang="en-US" sz="2800" kern="1200" dirty="0" smtClean="0">
                 <a:solidFill>
@@ -8399,7 +8186,31 @@
                 <a:ea typeface="+mn-ea"/>
                 <a:cs typeface="+mn-cs"/>
               </a:rPr>
-              <a:t>is more, makes it easy to find </a:t>
+              <a:t>need log file output, too, if </a:t>
+            </a:r>
+            <a:r>
+              <a:rPr lang="en-US" sz="2800" kern="1200" dirty="0" err="1" smtClean="0">
+                <a:solidFill>
+                  <a:schemeClr val="tx1"/>
+                </a:solidFill>
+                <a:effectLst/>
+                <a:latin typeface="+mn-lt"/>
+                <a:ea typeface="+mn-ea"/>
+                <a:cs typeface="+mn-cs"/>
+              </a:rPr>
+              <a:t>stdout</a:t>
+            </a:r>
+            <a:r>
+              <a:rPr lang="en-US" sz="2800" kern="1200" dirty="0" smtClean="0">
+                <a:solidFill>
+                  <a:schemeClr val="tx1"/>
+                </a:solidFill>
+                <a:effectLst/>
+                <a:latin typeface="+mn-lt"/>
+                <a:ea typeface="+mn-ea"/>
+                <a:cs typeface="+mn-cs"/>
+              </a:rPr>
+              <a:t> not available</a:t>
             </a:r>
           </a:p>
           <a:p>
@@ -8414,7 +8225,22 @@
                 <a:ea typeface="+mn-ea"/>
                 <a:cs typeface="+mn-cs"/>
               </a:rPr>
-              <a:t>need log file output, too, if </a:t>
+              <a:t>and optional html tags for web output</a:t>
+            </a:r>
+          </a:p>
+          <a:p>
+            <a:pPr lvl="1"/>
+            <a:r>
+              <a:rPr lang="en-US" sz="2800" kern="1200" dirty="0" smtClean="0">
+                <a:solidFill>
+                  <a:schemeClr val="tx1"/>
+                </a:solidFill>
+                <a:effectLst/>
+                <a:latin typeface="+mn-lt"/>
+                <a:ea typeface="+mn-ea"/>
+                <a:cs typeface="+mn-cs"/>
+              </a:rPr>
+              <a:t>maybe more than one at a time,  </a:t>
             </a:r>
             <a:r>
               <a:rPr lang="en-US" sz="2800" kern="1200" dirty="0" err="1" smtClean="0">
@@ -8426,6 +8252,30 @@
                 <a:ea typeface="+mn-ea"/>
                 <a:cs typeface="+mn-cs"/>
               </a:rPr>
+              <a:t>e.g</a:t>
+            </a:r>
+            <a:r>
+              <a:rPr lang="en-US" sz="2800" kern="1200" dirty="0" smtClean="0">
+                <a:solidFill>
+                  <a:schemeClr val="tx1"/>
+                </a:solidFill>
+                <a:effectLst/>
+                <a:latin typeface="+mn-lt"/>
+                <a:ea typeface="+mn-ea"/>
+                <a:cs typeface="+mn-cs"/>
+              </a:rPr>
+              <a:t>,  </a:t>
+            </a:r>
+            <a:r>
+              <a:rPr lang="en-US" sz="2800" kern="1200" dirty="0" err="1" smtClean="0">
+                <a:solidFill>
+                  <a:schemeClr val="tx1"/>
+                </a:solidFill>
+                <a:effectLst/>
+                <a:latin typeface="+mn-lt"/>
+                <a:ea typeface="+mn-ea"/>
+                <a:cs typeface="+mn-cs"/>
+              </a:rPr>
               <a:t>stdout</a:t>
             </a:r>
             <a:r>
@@ -8438,84 +8288,6 @@
                 <a:ea typeface="+mn-ea"/>
                 <a:cs typeface="+mn-cs"/>
               </a:rPr>
-              <a:t> not available</a:t>
-            </a:r>
-          </a:p>
-          <a:p>
-            <a:pPr lvl="1"/>
-            <a:r>
-              <a:rPr lang="en-US" sz="2800" kern="1200" dirty="0" smtClean="0">
-                <a:solidFill>
-                  <a:schemeClr val="tx1"/>
-                </a:solidFill>
-                <a:effectLst/>
-                <a:latin typeface="+mn-lt"/>
-                <a:ea typeface="+mn-ea"/>
-                <a:cs typeface="+mn-cs"/>
-              </a:rPr>
-              <a:t>and optional html tags for web output</a:t>
-            </a:r>
-          </a:p>
-          <a:p>
-            <a:pPr lvl="1"/>
-            <a:r>
-              <a:rPr lang="en-US" sz="2800" kern="1200" dirty="0" smtClean="0">
-                <a:solidFill>
-                  <a:schemeClr val="tx1"/>
-                </a:solidFill>
-                <a:effectLst/>
-                <a:latin typeface="+mn-lt"/>
-                <a:ea typeface="+mn-ea"/>
-                <a:cs typeface="+mn-cs"/>
-              </a:rPr>
-              <a:t>maybe more than one at a time,  </a:t>
-            </a:r>
-            <a:r>
-              <a:rPr lang="en-US" sz="2800" kern="1200" dirty="0" err="1" smtClean="0">
-                <a:solidFill>
-                  <a:schemeClr val="tx1"/>
-                </a:solidFill>
-                <a:effectLst/>
-                <a:latin typeface="+mn-lt"/>
-                <a:ea typeface="+mn-ea"/>
-                <a:cs typeface="+mn-cs"/>
-              </a:rPr>
-              <a:t>e.g</a:t>
-            </a:r>
-            <a:r>
-              <a:rPr lang="en-US" sz="2800" kern="1200" dirty="0" smtClean="0">
-                <a:solidFill>
-                  <a:schemeClr val="tx1"/>
-                </a:solidFill>
-                <a:effectLst/>
-                <a:latin typeface="+mn-lt"/>
-                <a:ea typeface="+mn-ea"/>
-                <a:cs typeface="+mn-cs"/>
-              </a:rPr>
-              <a:t>,  </a:t>
-            </a:r>
-            <a:r>
-              <a:rPr lang="en-US" sz="2800" kern="1200" dirty="0" err="1" smtClean="0">
-                <a:solidFill>
-                  <a:schemeClr val="tx1"/>
-                </a:solidFill>
-                <a:effectLst/>
-                <a:latin typeface="+mn-lt"/>
-                <a:ea typeface="+mn-ea"/>
-                <a:cs typeface="+mn-cs"/>
-              </a:rPr>
-              <a:t>stdout</a:t>
-            </a:r>
-            <a:r>
-              <a:rPr lang="en-US" sz="2800" kern="1200" dirty="0" smtClean="0">
-                <a:solidFill>
-                  <a:schemeClr val="tx1"/>
-                </a:solidFill>
-                <a:effectLst/>
-                <a:latin typeface="+mn-lt"/>
-                <a:ea typeface="+mn-ea"/>
-                <a:cs typeface="+mn-cs"/>
-              </a:rPr>
               <a:t> and file</a:t>
             </a:r>
           </a:p>
@@ -8531,11 +8303,6 @@
               </a:rPr>
               <a:t>&lt;code: looking at output&gt;</a:t>
             </a:r>
-            <a:endParaRPr lang="en-US" sz="2400" dirty="0" smtClean="0">
-              <a:solidFill>
-                <a:srgbClr val="00B050"/>
-              </a:solidFill>
-            </a:endParaRPr>
           </a:p>
         </p:txBody>
       </p:sp>
@@ -8688,11 +8455,7 @@
           <a:p>
             <a:r>
               <a:rPr lang="en-US" dirty="0" smtClean="0"/>
-              <a:t>Identifying instances by address or id?  Not useful to </a:t>
-            </a:r>
-            <a:r>
-              <a:rPr lang="en-US" dirty="0" smtClean="0"/>
-              <a:t>humans</a:t>
+              <a:t>Identifying instances by address or id?  Not useful to humans</a:t>
             </a:r>
           </a:p>
           <a:p>
@@ -9056,6 +8819,10 @@
           <a:bodyPr/>
           <a:lstStyle/>
           <a:p>
+            <a:r>
+              <a:rPr lang="en-US" dirty="0" smtClean="0"/>
+              <a:t>The Package</a:t>
+            </a:r>
             <a:endParaRPr lang="en-US" dirty="0"/>
           </a:p>
         </p:txBody>
@@ -9075,7 +8842,65 @@
           <a:bodyPr/>
           <a:lstStyle/>
           <a:p>
-            <a:endParaRPr lang="en-US"/>
+            <a:r>
+              <a:rPr lang="en-US" dirty="0" smtClean="0"/>
+              <a:t>One</a:t>
+            </a:r>
+            <a:r>
+              <a:rPr lang="en-US" baseline="0" dirty="0" smtClean="0"/>
+              <a:t> class</a:t>
+            </a:r>
+          </a:p>
+          <a:p>
+            <a:pPr lvl="1"/>
+            <a:r>
+              <a:rPr lang="en-US" dirty="0" smtClean="0"/>
+              <a:t>Functions to write</a:t>
+            </a:r>
+            <a:r>
+              <a:rPr lang="en-US" baseline="0" dirty="0" smtClean="0"/>
+              <a:t> traces</a:t>
+            </a:r>
+          </a:p>
+          <a:p>
+            <a:pPr lvl="0"/>
+            <a:r>
+              <a:rPr lang="en-US" baseline="0" dirty="0" smtClean="0"/>
+              <a:t>Decorators that use the functions</a:t>
+            </a:r>
+          </a:p>
+          <a:p>
+            <a:pPr lvl="0"/>
+            <a:r>
+              <a:rPr lang="en-US" baseline="0" dirty="0" smtClean="0"/>
+              <a:t>Singleton instance of the class</a:t>
+            </a:r>
+          </a:p>
+          <a:p>
+            <a:pPr lvl="0"/>
+            <a:endParaRPr lang="en-US" baseline="0" dirty="0" smtClean="0"/>
+          </a:p>
+          <a:p>
+            <a:pPr lvl="0"/>
+            <a:r>
+              <a:rPr lang="en-US" sz="2400" baseline="0" dirty="0" smtClean="0">
+                <a:solidFill>
+                  <a:srgbClr val="00B050"/>
+                </a:solidFill>
+              </a:rPr>
+              <a:t>&lt;code: imports&gt;</a:t>
+            </a:r>
+          </a:p>
+          <a:p>
+            <a:pPr lvl="0"/>
+            <a:r>
+              <a:rPr lang="en-US" sz="2400" baseline="0" dirty="0" smtClean="0">
+                <a:solidFill>
+                  <a:srgbClr val="00B050"/>
+                </a:solidFill>
+              </a:rPr>
+              <a:t>&lt;code: singleton&gt;</a:t>
+            </a:r>
           </a:p>
         </p:txBody>
       </p:sp>
@@ -9151,7 +8976,7 @@
     </p:spTree>
     <p:extLst>
       <p:ext uri="{BB962C8B-B14F-4D97-AF65-F5344CB8AC3E}">
-        <p14:creationId xmlns:p14="http://schemas.microsoft.com/office/powerpoint/2010/main" val="4203657145"/>
+        <p14:creationId xmlns:p14="http://schemas.microsoft.com/office/powerpoint/2010/main" val="1908140639"/>
       </p:ext>
     </p:extLst>
   </p:cSld>
@@ -9253,6 +9078,20 @@
                 <a:cs typeface="+mn-cs"/>
               </a:rPr>
               <a:t> notes</a:t>
+            </a:r>
+          </a:p>
+          <a:p>
+            <a:r>
+              <a:rPr lang="en-US" sz="3200" kern="1200" baseline="0" dirty="0" smtClean="0">
+                <a:solidFill>
+                  <a:schemeClr val="tx1"/>
+                </a:solidFill>
+                <a:effectLst/>
+                <a:latin typeface="+mn-lt"/>
+                <a:ea typeface="+mn-ea"/>
+                <a:cs typeface="+mn-cs"/>
+              </a:rPr>
+              <a:t>(Lessons learned over a few years)</a:t>
             </a:r>
             <a:endParaRPr lang="en-US" sz="3200" kern="1200" dirty="0" smtClean="0">
               <a:solidFill>
@@ -9389,7 +9228,7 @@
           <a:p>
             <a:r>
               <a:rPr lang="en-US" dirty="0" smtClean="0"/>
-              <a:t>The Package</a:t>
+              <a:t>Trace Functions</a:t>
             </a:r>
             <a:endParaRPr lang="en-US" dirty="0"/>
           </a:p>
@@ -9411,64 +9250,79 @@
           <a:lstStyle/>
           <a:p>
             <a:r>
+              <a:rPr lang="en-US" dirty="0" err="1" smtClean="0"/>
+              <a:t>ntrace</a:t>
+            </a:r>
+            <a:r>
               <a:rPr lang="en-US" dirty="0" smtClean="0"/>
-              <a:t>One</a:t>
+              <a:t>(priority,</a:t>
             </a:r>
             <a:r>
               <a:rPr lang="en-US" baseline="0" dirty="0" smtClean="0"/>
-              <a:t> class</a:t>
-            </a:r>
-          </a:p>
-          <a:p>
-            <a:pPr lvl="1"/>
+              <a:t> </a:t>
+            </a:r>
+            <a:r>
+              <a:rPr lang="en-US" baseline="0" dirty="0" err="1" smtClean="0"/>
+              <a:t>outputline</a:t>
+            </a:r>
             <a:r>
               <a:rPr lang="en-US" dirty="0" smtClean="0"/>
-              <a:t>Functions to write</a:t>
+              <a:t>)</a:t>
+            </a:r>
+          </a:p>
+          <a:p>
+            <a:r>
+              <a:rPr lang="en-US" baseline="0" dirty="0" err="1" smtClean="0"/>
+              <a:t>ntracef</a:t>
             </a:r>
             <a:r>
               <a:rPr lang="en-US" baseline="0" dirty="0" smtClean="0"/>
-              <a:t> traces</a:t>
-            </a:r>
-          </a:p>
-          <a:p>
-            <a:pPr lvl="0"/>
+              <a:t>(priority, </a:t>
+            </a:r>
+            <a:r>
+              <a:rPr lang="en-US" baseline="0" dirty="0" err="1" smtClean="0"/>
+              <a:t>facilityname</a:t>
+            </a:r>
             <a:r>
               <a:rPr lang="en-US" baseline="0" dirty="0" smtClean="0"/>
-              <a:t>Decorators that use the functions</a:t>
-            </a:r>
-          </a:p>
-          <a:p>
-            <a:pPr lvl="0"/>
+              <a:t>, </a:t>
+            </a:r>
+            <a:r>
+              <a:rPr lang="en-US" baseline="0" dirty="0" err="1" smtClean="0"/>
+              <a:t>outputline</a:t>
+            </a:r>
             <a:r>
               <a:rPr lang="en-US" baseline="0" dirty="0" smtClean="0"/>
-              <a:t>Singleton instance of the class</a:t>
-            </a:r>
-          </a:p>
-          <a:p>
-            <a:pPr lvl="0"/>
-            <a:endParaRPr lang="en-US" baseline="0" dirty="0" smtClean="0"/>
-          </a:p>
-          <a:p>
-            <a:pPr lvl="0"/>
-            <a:r>
-              <a:rPr lang="en-US" sz="2400" baseline="0" dirty="0" smtClean="0">
+              <a:t>)</a:t>
+            </a:r>
+          </a:p>
+          <a:p>
+            <a:endParaRPr lang="en-US" dirty="0" smtClean="0"/>
+          </a:p>
+          <a:p>
+            <a:r>
+              <a:rPr lang="en-US" dirty="0" smtClean="0"/>
+              <a:t>Instance of class to access these functions</a:t>
+            </a:r>
+            <a:endParaRPr lang="en-US" dirty="0"/>
+          </a:p>
+          <a:p>
+            <a:endParaRPr lang="en-US" dirty="0" smtClean="0"/>
+          </a:p>
+          <a:p>
+            <a:r>
+              <a:rPr lang="en-US" sz="2400" dirty="0" smtClean="0">
                 <a:solidFill>
                   <a:srgbClr val="00B050"/>
                 </a:solidFill>
               </a:rPr>
-              <a:t>&lt;code: imports&gt;</a:t>
-            </a:r>
-          </a:p>
-          <a:p>
-            <a:pPr lvl="0"/>
-            <a:r>
-              <a:rPr lang="en-US" sz="2400" baseline="0" dirty="0" smtClean="0">
-                <a:solidFill>
-                  <a:srgbClr val="00B050"/>
-                </a:solidFill>
-              </a:rPr>
-              <a:t>&lt;code: singleton&gt;</a:t>
-            </a:r>
+              <a:t>&lt;code: NTRC examples&gt;</a:t>
+            </a:r>
+            <a:endParaRPr lang="en-US" sz="2400" dirty="0">
+              <a:solidFill>
+                <a:srgbClr val="00B050"/>
+              </a:solidFill>
+            </a:endParaRPr>
           </a:p>
         </p:txBody>
       </p:sp>
@@ -9544,7 +9398,7 @@
     </p:spTree>
     <p:extLst>
       <p:ext uri="{BB962C8B-B14F-4D97-AF65-F5344CB8AC3E}">
-        <p14:creationId xmlns:p14="http://schemas.microsoft.com/office/powerpoint/2010/main" val="1908140639"/>
+        <p14:creationId xmlns:p14="http://schemas.microsoft.com/office/powerpoint/2010/main" val="1877482679"/>
       </p:ext>
     </p:extLst>
   </p:cSld>
@@ -9588,7 +9442,7 @@
           <a:p>
             <a:r>
               <a:rPr lang="en-US" dirty="0" smtClean="0"/>
-              <a:t>Trace Functions</a:t>
+              <a:t>Decorators</a:t>
             </a:r>
             <a:endParaRPr lang="en-US" dirty="0"/>
           </a:p>
@@ -9609,51 +9463,36 @@
           <a:bodyPr/>
           <a:lstStyle/>
           <a:p>
+            <a:r>
+              <a:rPr lang="en-US" dirty="0" smtClean="0"/>
+              <a:t>@</a:t>
+            </a:r>
             <a:r>
               <a:rPr lang="en-US" dirty="0" err="1" smtClean="0"/>
               <a:t>ntrace</a:t>
             </a:r>
+            <a:endParaRPr lang="en-US" dirty="0" smtClean="0"/>
+          </a:p>
+          <a:p>
             <a:r>
               <a:rPr lang="en-US" dirty="0" smtClean="0"/>
-              <a:t>(priority,</a:t>
-            </a:r>
-            <a:r>
-              <a:rPr lang="en-US" baseline="0" dirty="0" smtClean="0"/>
-              <a:t> </a:t>
-            </a:r>
-            <a:r>
-              <a:rPr lang="en-US" baseline="0" dirty="0" err="1" smtClean="0"/>
-              <a:t>outputline</a:t>
+              <a:t>@</a:t>
+            </a:r>
+            <a:r>
+              <a:rPr lang="en-US" dirty="0" err="1" smtClean="0"/>
+              <a:t>ntracef</a:t>
             </a:r>
             <a:r>
               <a:rPr lang="en-US" dirty="0" smtClean="0"/>
-              <a:t>)</a:t>
-            </a:r>
-          </a:p>
-          <a:p>
-            <a:r>
-              <a:rPr lang="en-US" baseline="0" dirty="0" err="1" smtClean="0"/>
-              <a:t>ntracef</a:t>
-            </a:r>
-            <a:r>
-              <a:rPr lang="en-US" baseline="0" dirty="0" smtClean="0"/>
-              <a:t>(priority, </a:t>
-            </a:r>
-            <a:r>
-              <a:rPr lang="en-US" baseline="0" dirty="0" err="1" smtClean="0"/>
+              <a:t>(</a:t>
+            </a:r>
+            <a:r>
+              <a:rPr lang="en-US" dirty="0" err="1" smtClean="0"/>
               <a:t>facilityname</a:t>
             </a:r>
             <a:r>
-              <a:rPr lang="en-US" baseline="0" dirty="0" smtClean="0"/>
-              <a:t>, </a:t>
-            </a:r>
-            <a:r>
-              <a:rPr lang="en-US" baseline="0" dirty="0" err="1" smtClean="0"/>
-              <a:t>outputline</a:t>
-            </a:r>
-            <a:r>
-              <a:rPr lang="en-US" baseline="0" dirty="0" smtClean="0"/>
-              <a:t>)</a:t>
+              <a:rPr lang="en-US" dirty="0" smtClean="0"/>
+              <a:t>, priority)</a:t>
             </a:r>
           </a:p>
           <a:p>
@@ -9666,7 +9505,15 @@
                   <a:srgbClr val="00B050"/>
                 </a:solidFill>
               </a:rPr>
-              <a:t>&lt;code: NTRC examples&gt;</a:t>
+              <a:t>&lt;code:</a:t>
+            </a:r>
+            <a:r>
+              <a:rPr lang="en-US" sz="2400" baseline="0" dirty="0" smtClean="0">
+                <a:solidFill>
+                  <a:srgbClr val="00B050"/>
+                </a:solidFill>
+              </a:rPr>
+              <a:t> decorator examples&gt;</a:t>
             </a:r>
             <a:endParaRPr lang="en-US" sz="2400" dirty="0">
               <a:solidFill>
@@ -9748,7 +9595,7 @@
     </p:spTree>
     <p:extLst>
       <p:ext uri="{BB962C8B-B14F-4D97-AF65-F5344CB8AC3E}">
-        <p14:creationId xmlns:p14="http://schemas.microsoft.com/office/powerpoint/2010/main" val="1877482679"/>
+        <p14:creationId xmlns:p14="http://schemas.microsoft.com/office/powerpoint/2010/main" val="3031580383"/>
       </p:ext>
     </p:extLst>
   </p:cSld>
@@ -9790,10 +9637,6 @@
           <a:bodyPr/>
           <a:lstStyle/>
           <a:p>
-            <a:r>
-              <a:rPr lang="en-US" dirty="0" smtClean="0"/>
-              <a:t>Decorators</a:t>
-            </a:r>
             <a:endParaRPr lang="en-US" dirty="0"/>
           </a:p>
         </p:txBody>
@@ -9813,63 +9656,7 @@
           <a:bodyPr/>
           <a:lstStyle/>
           <a:p>
-            <a:r>
-              <a:rPr lang="en-US" dirty="0" smtClean="0"/>
-              <a:t>@</a:t>
-            </a:r>
-            <a:r>
-              <a:rPr lang="en-US" dirty="0" err="1" smtClean="0"/>
-              <a:t>ntrace</a:t>
-            </a:r>
-            <a:endParaRPr lang="en-US" dirty="0" smtClean="0"/>
-          </a:p>
-          <a:p>
-            <a:r>
-              <a:rPr lang="en-US" dirty="0" smtClean="0"/>
-              <a:t>@</a:t>
-            </a:r>
-            <a:r>
-              <a:rPr lang="en-US" dirty="0" err="1" smtClean="0"/>
-              <a:t>ntracef</a:t>
-            </a:r>
-            <a:r>
-              <a:rPr lang="en-US" dirty="0" smtClean="0"/>
-              <a:t>(</a:t>
-            </a:r>
-            <a:r>
-              <a:rPr lang="en-US" dirty="0" err="1" smtClean="0"/>
-              <a:t>facilityname</a:t>
-            </a:r>
-            <a:r>
-              <a:rPr lang="en-US" dirty="0" smtClean="0"/>
-              <a:t>, priority)</a:t>
-            </a:r>
-          </a:p>
-          <a:p>
-            <a:endParaRPr lang="en-US" dirty="0" smtClean="0"/>
-          </a:p>
-          <a:p>
-            <a:r>
-              <a:rPr lang="en-US" sz="2400" dirty="0" smtClean="0">
-                <a:solidFill>
-                  <a:srgbClr val="00B050"/>
-                </a:solidFill>
-              </a:rPr>
-              <a:t>&lt;code:</a:t>
-            </a:r>
-            <a:r>
-              <a:rPr lang="en-US" sz="2400" baseline="0" dirty="0" smtClean="0">
-                <a:solidFill>
-                  <a:srgbClr val="00B050"/>
-                </a:solidFill>
-              </a:rPr>
-              <a:t> decorator examples&gt;</a:t>
-            </a:r>
-            <a:endParaRPr lang="en-US" sz="2400" dirty="0">
-              <a:solidFill>
-                <a:srgbClr val="00B050"/>
-              </a:solidFill>
-            </a:endParaRPr>
+            <a:endParaRPr lang="en-US"/>
           </a:p>
         </p:txBody>
       </p:sp>
@@ -9945,7 +9732,7 @@
     </p:spTree>
     <p:extLst>
       <p:ext uri="{BB962C8B-B14F-4D97-AF65-F5344CB8AC3E}">
-        <p14:creationId xmlns:p14="http://schemas.microsoft.com/office/powerpoint/2010/main" val="3031580383"/>
+        <p14:creationId xmlns:p14="http://schemas.microsoft.com/office/powerpoint/2010/main" val="4077899876"/>
       </p:ext>
     </p:extLst>
   </p:cSld>
@@ -9989,7 +9776,7 @@
           <a:p>
             <a:r>
               <a:rPr lang="en-US" dirty="0" smtClean="0"/>
-              <a:t>Instance to Use</a:t>
+              <a:t>Filtering on Priority,  Facility</a:t>
             </a:r>
             <a:endParaRPr lang="en-US" dirty="0"/>
           </a:p>
@@ -10010,11 +9797,42 @@
           <a:bodyPr/>
           <a:lstStyle/>
           <a:p>
-            <a:r>
-              <a:rPr lang="en-US" dirty="0" smtClean="0"/>
-              <a:t>NTRC</a:t>
-            </a:r>
-            <a:endParaRPr lang="en-US" dirty="0"/>
+            <a:pPr marL="342900" marR="0" lvl="0" indent="-342900" algn="l" defTabSz="914400" rtl="0" eaLnBrk="1" fontAlgn="auto" latinLnBrk="0" hangingPunct="1">
+              <a:lnSpc>
+                <a:spcPct val="100000"/>
+              </a:lnSpc>
+              <a:spcBef>
+                <a:spcPct val="20000"/>
+              </a:spcBef>
+              <a:spcAft>
+                <a:spcPts val="0"/>
+              </a:spcAft>
+              <a:buClrTx/>
+              <a:buSzTx/>
+              <a:buFont typeface="Arial" panose="020B0604020202020204" pitchFamily="34" charset="0"/>
+              <a:buChar char="•"/>
+              <a:tabLst/>
+              <a:defRPr/>
+            </a:pPr>
+            <a:r>
+              <a:rPr lang="en-US" sz="3200" kern="1200" smtClean="0">
+                <a:solidFill>
+                  <a:schemeClr val="tx1"/>
+                </a:solidFill>
+                <a:effectLst/>
+                <a:latin typeface="+mn-lt"/>
+                <a:ea typeface="+mn-ea"/>
+                <a:cs typeface="+mn-cs"/>
+              </a:rPr>
+              <a:t>Filtering makes listings short and to the point, when needed</a:t>
+            </a:r>
+          </a:p>
+          <a:p>
+            <a:pPr lvl="1"/>
+            <a:r>
+              <a:rPr lang="en-US" smtClean="0"/>
+              <a:t>On priority, facility name</a:t>
+            </a:r>
           </a:p>
         </p:txBody>
       </p:sp>
@@ -10090,7 +9908,7 @@
     </p:spTree>
     <p:extLst>
       <p:ext uri="{BB962C8B-B14F-4D97-AF65-F5344CB8AC3E}">
-        <p14:creationId xmlns:p14="http://schemas.microsoft.com/office/powerpoint/2010/main" val="2537635434"/>
+        <p14:creationId xmlns:p14="http://schemas.microsoft.com/office/powerpoint/2010/main" val="2671257923"/>
       </p:ext>
     </p:extLst>
   </p:cSld>
@@ -10132,6 +9950,14 @@
           <a:bodyPr/>
           <a:lstStyle/>
           <a:p>
+            <a:r>
+              <a:rPr lang="en-US" dirty="0" smtClean="0"/>
+              <a:t>Use</a:t>
+            </a:r>
+            <a:r>
+              <a:rPr lang="en-US" baseline="0" dirty="0" smtClean="0"/>
+              <a:t> for Regression Testing</a:t>
+            </a:r>
             <a:endParaRPr lang="en-US" dirty="0"/>
           </a:p>
         </p:txBody>
@@ -10151,7 +9977,83 @@
           <a:bodyPr/>
           <a:lstStyle/>
           <a:p>
-            <a:endParaRPr lang="en-US"/>
+            <a:r>
+              <a:rPr lang="en-US" sz="3200" kern="1200" dirty="0" smtClean="0">
+                <a:solidFill>
+                  <a:schemeClr val="tx1"/>
+                </a:solidFill>
+                <a:effectLst/>
+                <a:latin typeface="+mn-lt"/>
+                <a:ea typeface="+mn-ea"/>
+                <a:cs typeface="+mn-cs"/>
+              </a:rPr>
+              <a:t>Tests can be done with log files suitably sanitized</a:t>
+            </a:r>
+          </a:p>
+          <a:p>
+            <a:pPr lvl="1"/>
+            <a:r>
+              <a:rPr lang="en-US" sz="2800" kern="1200" dirty="0" smtClean="0">
+                <a:solidFill>
+                  <a:schemeClr val="tx1"/>
+                </a:solidFill>
+                <a:effectLst/>
+                <a:latin typeface="+mn-lt"/>
+                <a:ea typeface="+mn-ea"/>
+                <a:cs typeface="+mn-cs"/>
+              </a:rPr>
+              <a:t>Timestamps and other non-deterministic </a:t>
+            </a:r>
+            <a:r>
+              <a:rPr lang="en-US" sz="2800" kern="1200" dirty="0" smtClean="0">
+                <a:solidFill>
+                  <a:schemeClr val="tx1"/>
+                </a:solidFill>
+                <a:effectLst/>
+                <a:latin typeface="+mn-lt"/>
+                <a:ea typeface="+mn-ea"/>
+                <a:cs typeface="+mn-cs"/>
+              </a:rPr>
+              <a:t>items</a:t>
+            </a:r>
+          </a:p>
+          <a:p>
+            <a:pPr lvl="1"/>
+            <a:r>
+              <a:rPr lang="en-US" sz="2800" kern="1200" dirty="0" smtClean="0">
+                <a:solidFill>
+                  <a:schemeClr val="tx1"/>
+                </a:solidFill>
+                <a:effectLst/>
+                <a:latin typeface="+mn-lt"/>
+                <a:ea typeface="+mn-ea"/>
+                <a:cs typeface="+mn-cs"/>
+              </a:rPr>
+              <a:t>(Ordering tricky if multi-threaded or multiprocessing.  Sort first.)</a:t>
+            </a:r>
+            <a:endParaRPr lang="en-US" sz="2800" kern="1200" dirty="0" smtClean="0">
+              <a:solidFill>
+                <a:schemeClr val="tx1"/>
+              </a:solidFill>
+              <a:effectLst/>
+              <a:latin typeface="+mn-lt"/>
+              <a:ea typeface="+mn-ea"/>
+              <a:cs typeface="+mn-cs"/>
+            </a:endParaRPr>
+          </a:p>
+          <a:p>
+            <a:r>
+              <a:rPr lang="en-US" sz="3200" kern="1200" dirty="0" smtClean="0">
+                <a:solidFill>
+                  <a:schemeClr val="tx1"/>
+                </a:solidFill>
+                <a:effectLst/>
+                <a:latin typeface="+mn-lt"/>
+                <a:ea typeface="+mn-ea"/>
+                <a:cs typeface="+mn-cs"/>
+              </a:rPr>
+              <a:t>Possible with trace logs in some cases</a:t>
+            </a:r>
           </a:p>
         </p:txBody>
       </p:sp>
@@ -10227,7 +10129,7 @@
     </p:spTree>
     <p:extLst>
       <p:ext uri="{BB962C8B-B14F-4D97-AF65-F5344CB8AC3E}">
-        <p14:creationId xmlns:p14="http://schemas.microsoft.com/office/powerpoint/2010/main" val="4077899876"/>
+        <p14:creationId xmlns:p14="http://schemas.microsoft.com/office/powerpoint/2010/main" val="3691605327"/>
       </p:ext>
     </p:extLst>
   </p:cSld>
@@ -10269,6 +10171,10 @@
           <a:bodyPr/>
           <a:lstStyle/>
           <a:p>
+            <a:r>
+              <a:rPr lang="en-US" dirty="0" smtClean="0"/>
+              <a:t>Examples</a:t>
+            </a:r>
             <a:endParaRPr lang="en-US" dirty="0"/>
           </a:p>
         </p:txBody>
@@ -10288,7 +10194,22 @@
           <a:bodyPr/>
           <a:lstStyle/>
           <a:p>
-            <a:endParaRPr lang="en-US"/>
+            <a:r>
+              <a:rPr lang="en-US" dirty="0" smtClean="0"/>
+              <a:t>code in</a:t>
+            </a:r>
+            <a:endParaRPr lang="en-US" dirty="0"/>
+          </a:p>
+          <a:p>
+            <a:r>
+              <a:rPr lang="en-US" dirty="0" smtClean="0"/>
+              <a:t>trace</a:t>
+            </a:r>
+            <a:r>
+              <a:rPr lang="en-US" baseline="0" dirty="0" smtClean="0"/>
+              <a:t> lines out</a:t>
+            </a:r>
+            <a:endParaRPr lang="en-US" dirty="0" smtClean="0"/>
           </a:p>
         </p:txBody>
       </p:sp>
@@ -10364,7 +10285,7 @@
     </p:spTree>
     <p:extLst>
       <p:ext uri="{BB962C8B-B14F-4D97-AF65-F5344CB8AC3E}">
-        <p14:creationId xmlns:p14="http://schemas.microsoft.com/office/powerpoint/2010/main" val="2671257923"/>
+        <p14:creationId xmlns:p14="http://schemas.microsoft.com/office/powerpoint/2010/main" val="180966133"/>
       </p:ext>
     </p:extLst>
   </p:cSld>
@@ -10406,6 +10327,10 @@
           <a:bodyPr/>
           <a:lstStyle/>
           <a:p>
+            <a:r>
+              <a:rPr lang="en-US" dirty="0" smtClean="0"/>
+              <a:t>Multiprocessing</a:t>
+            </a:r>
             <a:endParaRPr lang="en-US" dirty="0"/>
           </a:p>
         </p:txBody>
@@ -10425,7 +10350,42 @@
           <a:bodyPr/>
           <a:lstStyle/>
           <a:p>
-            <a:endParaRPr lang="en-US"/>
+            <a:pPr marL="342900" marR="0" lvl="0" indent="-342900" algn="l" defTabSz="914400" rtl="0" eaLnBrk="1" fontAlgn="auto" latinLnBrk="0" hangingPunct="1">
+              <a:lnSpc>
+                <a:spcPct val="100000"/>
+              </a:lnSpc>
+              <a:spcBef>
+                <a:spcPct val="20000"/>
+              </a:spcBef>
+              <a:spcAft>
+                <a:spcPts val="0"/>
+              </a:spcAft>
+              <a:buClrTx/>
+              <a:buSzTx/>
+              <a:buFont typeface="Arial" panose="020B0604020202020204" pitchFamily="34" charset="0"/>
+              <a:buChar char="•"/>
+              <a:tabLst/>
+              <a:defRPr/>
+            </a:pPr>
+            <a:r>
+              <a:rPr lang="en-US" sz="3200" kern="1200" dirty="0" smtClean="0">
+                <a:solidFill>
+                  <a:schemeClr val="tx1"/>
+                </a:solidFill>
+                <a:effectLst/>
+                <a:latin typeface="+mn-lt"/>
+                <a:ea typeface="+mn-ea"/>
+                <a:cs typeface="+mn-cs"/>
+              </a:rPr>
+              <a:t>Multiprocessor-safe, or at least thread-safe, would be good</a:t>
+            </a:r>
+          </a:p>
+          <a:p>
+            <a:r>
+              <a:rPr lang="en-US" dirty="0" smtClean="0"/>
+              <a:t>Not yet</a:t>
+            </a:r>
+            <a:endParaRPr lang="en-US" dirty="0"/>
           </a:p>
         </p:txBody>
       </p:sp>
@@ -10501,7 +10461,7 @@
     </p:spTree>
     <p:extLst>
       <p:ext uri="{BB962C8B-B14F-4D97-AF65-F5344CB8AC3E}">
-        <p14:creationId xmlns:p14="http://schemas.microsoft.com/office/powerpoint/2010/main" val="4157105127"/>
+        <p14:creationId xmlns:p14="http://schemas.microsoft.com/office/powerpoint/2010/main" val="400251234"/>
       </p:ext>
     </p:extLst>
   </p:cSld>
@@ -10638,7 +10598,7 @@
     </p:spTree>
     <p:extLst>
       <p:ext uri="{BB962C8B-B14F-4D97-AF65-F5344CB8AC3E}">
-        <p14:creationId xmlns:p14="http://schemas.microsoft.com/office/powerpoint/2010/main" val="215359385"/>
+        <p14:creationId xmlns:p14="http://schemas.microsoft.com/office/powerpoint/2010/main" val="2544380923"/>
       </p:ext>
     </p:extLst>
   </p:cSld>
@@ -10680,6 +10640,10 @@
           <a:bodyPr/>
           <a:lstStyle/>
           <a:p>
+            <a:r>
+              <a:rPr lang="en-US" dirty="0" smtClean="0"/>
+              <a:t>Other Random Weirdness</a:t>
+            </a:r>
             <a:endParaRPr lang="en-US" dirty="0"/>
           </a:p>
         </p:txBody>
@@ -10699,7 +10663,46 @@
           <a:bodyPr/>
           <a:lstStyle/>
           <a:p>
-            <a:endParaRPr lang="en-US"/>
+            <a:r>
+              <a:rPr lang="en-US" sz="3200" kern="1200" dirty="0" smtClean="0">
+                <a:solidFill>
+                  <a:schemeClr val="tx1"/>
+                </a:solidFill>
+                <a:effectLst/>
+                <a:latin typeface="+mn-lt"/>
+                <a:ea typeface="+mn-ea"/>
+                <a:cs typeface="+mn-cs"/>
+              </a:rPr>
+              <a:t>Minimize opportunities for syntax errors</a:t>
+            </a:r>
+          </a:p>
+          <a:p>
+            <a:r>
+              <a:rPr lang="en-US" sz="3200" kern="1200" dirty="0" smtClean="0">
+                <a:solidFill>
+                  <a:schemeClr val="tx1"/>
+                </a:solidFill>
+                <a:effectLst/>
+                <a:latin typeface="+mn-lt"/>
+                <a:ea typeface="+mn-ea"/>
+                <a:cs typeface="+mn-cs"/>
+              </a:rPr>
+              <a:t>Commas at beginning of lines in argument lists</a:t>
+            </a:r>
+          </a:p>
+          <a:p>
+            <a:r>
+              <a:rPr lang="en-US" sz="3200" kern="1200" dirty="0" smtClean="0">
+                <a:solidFill>
+                  <a:schemeClr val="tx1"/>
+                </a:solidFill>
+                <a:effectLst/>
+                <a:latin typeface="+mn-lt"/>
+                <a:ea typeface="+mn-ea"/>
+                <a:cs typeface="+mn-cs"/>
+              </a:rPr>
+              <a:t>Consistent tabs and spacing, just as PEP-8 says</a:t>
+            </a:r>
           </a:p>
         </p:txBody>
       </p:sp>
@@ -10775,7 +10778,7 @@
     </p:spTree>
     <p:extLst>
       <p:ext uri="{BB962C8B-B14F-4D97-AF65-F5344CB8AC3E}">
-        <p14:creationId xmlns:p14="http://schemas.microsoft.com/office/powerpoint/2010/main" val="1488600338"/>
+        <p14:creationId xmlns:p14="http://schemas.microsoft.com/office/powerpoint/2010/main" val="1969869318"/>
       </p:ext>
     </p:extLst>
   </p:cSld>
@@ -10912,7 +10915,7 @@
     </p:spTree>
     <p:extLst>
       <p:ext uri="{BB962C8B-B14F-4D97-AF65-F5344CB8AC3E}">
-        <p14:creationId xmlns:p14="http://schemas.microsoft.com/office/powerpoint/2010/main" val="4062516808"/>
+        <p14:creationId xmlns:p14="http://schemas.microsoft.com/office/powerpoint/2010/main" val="2919167354"/>
       </p:ext>
     </p:extLst>
   </p:cSld>
@@ -11055,9 +11058,9 @@
             </a:r>
           </a:p>
           <a:p>
-            <a:pPr lvl="0"/>
-            <a:r>
-              <a:rPr lang="en-US" sz="3200" kern="1200" dirty="0" err="1" smtClean="0">
+            <a:pPr lvl="1"/>
+            <a:r>
+              <a:rPr lang="en-US" sz="2800" kern="1200" dirty="0" err="1" smtClean="0">
                 <a:solidFill>
                   <a:schemeClr val="tx1"/>
                 </a:solidFill>
@@ -11069,17 +11072,38 @@
               <a:t>CamelCase</a:t>
             </a:r>
             <a:r>
-              <a:rPr lang="en-US" sz="3200" kern="1200" dirty="0" smtClean="0">
-                <a:solidFill>
-                  <a:schemeClr val="tx1"/>
-                </a:solidFill>
-                <a:effectLst/>
-                <a:latin typeface="+mn-lt"/>
-                <a:ea typeface="+mn-ea"/>
-                <a:cs typeface="+mn-cs"/>
-              </a:rPr>
-              <a:t> is just a personal preference</a:t>
-            </a:r>
+              <a:rPr lang="en-US" sz="2800" kern="1200" dirty="0" smtClean="0">
+                <a:solidFill>
+                  <a:schemeClr val="tx1"/>
+                </a:solidFill>
+                <a:effectLst/>
+                <a:latin typeface="+mn-lt"/>
+                <a:ea typeface="+mn-ea"/>
+                <a:cs typeface="+mn-cs"/>
+              </a:rPr>
+              <a:t> is just a personal </a:t>
+            </a:r>
+            <a:r>
+              <a:rPr lang="en-US" sz="2800" kern="1200" dirty="0" smtClean="0">
+                <a:solidFill>
+                  <a:schemeClr val="tx1"/>
+                </a:solidFill>
+                <a:effectLst/>
+                <a:latin typeface="+mn-lt"/>
+                <a:ea typeface="+mn-ea"/>
+                <a:cs typeface="+mn-cs"/>
+              </a:rPr>
+              <a:t>preference BUT</a:t>
+            </a:r>
+            <a:endParaRPr lang="en-US" sz="2800" kern="1200" dirty="0" smtClean="0">
+              <a:solidFill>
+                <a:schemeClr val="tx1"/>
+              </a:solidFill>
+              <a:effectLst/>
+              <a:latin typeface="+mn-lt"/>
+              <a:ea typeface="+mn-ea"/>
+              <a:cs typeface="+mn-cs"/>
+            </a:endParaRPr>
           </a:p>
           <a:p>
             <a:pPr lvl="1"/>
@@ -11187,1603 +11211,6 @@
 </p:sld>
 </file>
 
-<file path=ppt/slides/slide40.xml><?xml version="1.0" encoding="utf-8"?>
-<p:sld xmlns:a="http://schemas.openxmlformats.org/drawingml/2006/main" xmlns:r="http://schemas.openxmlformats.org/officeDocument/2006/relationships" xmlns:p="http://schemas.openxmlformats.org/presentationml/2006/main">
-  <p:cSld>
-    <p:spTree>
-      <p:nvGrpSpPr>
-        <p:cNvPr id="1" name=""/>
-        <p:cNvGrpSpPr/>
-        <p:nvPr/>
-      </p:nvGrpSpPr>
-      <p:grpSpPr>
-        <a:xfrm>
-          <a:off x="0" y="0"/>
-          <a:ext cx="0" cy="0"/>
-          <a:chOff x="0" y="0"/>
-          <a:chExt cx="0" cy="0"/>
-        </a:xfrm>
-      </p:grpSpPr>
-      <p:sp>
-        <p:nvSpPr>
-          <p:cNvPr id="2" name="Title 1"/>
-          <p:cNvSpPr>
-            <a:spLocks noGrp="1"/>
-          </p:cNvSpPr>
-          <p:nvPr>
-            <p:ph type="title"/>
-          </p:nvPr>
-        </p:nvSpPr>
-        <p:spPr/>
-        <p:txBody>
-          <a:bodyPr/>
-          <a:lstStyle/>
-          <a:p>
-            <a:endParaRPr lang="en-US" dirty="0"/>
-          </a:p>
-        </p:txBody>
-      </p:sp>
-      <p:sp>
-        <p:nvSpPr>
-          <p:cNvPr id="3" name="Content Placeholder 2"/>
-          <p:cNvSpPr>
-            <a:spLocks noGrp="1"/>
-          </p:cNvSpPr>
-          <p:nvPr>
-            <p:ph idx="1"/>
-          </p:nvPr>
-        </p:nvSpPr>
-        <p:spPr/>
-        <p:txBody>
-          <a:bodyPr/>
-          <a:lstStyle/>
-          <a:p>
-            <a:endParaRPr lang="en-US"/>
-          </a:p>
-        </p:txBody>
-      </p:sp>
-      <p:sp>
-        <p:nvSpPr>
-          <p:cNvPr id="4" name="Date Placeholder 3"/>
-          <p:cNvSpPr>
-            <a:spLocks noGrp="1"/>
-          </p:cNvSpPr>
-          <p:nvPr>
-            <p:ph type="dt" sz="half" idx="10"/>
-          </p:nvPr>
-        </p:nvSpPr>
-        <p:spPr/>
-        <p:txBody>
-          <a:bodyPr/>
-          <a:lstStyle/>
-          <a:p>
-            <a:r>
-              <a:rPr lang="en-US" smtClean="0"/>
-              <a:t>2021-01-01</a:t>
-            </a:r>
-            <a:endParaRPr lang="en-US"/>
-          </a:p>
-        </p:txBody>
-      </p:sp>
-      <p:sp>
-        <p:nvSpPr>
-          <p:cNvPr id="5" name="Footer Placeholder 4"/>
-          <p:cNvSpPr>
-            <a:spLocks noGrp="1"/>
-          </p:cNvSpPr>
-          <p:nvPr>
-            <p:ph type="ftr" sz="quarter" idx="11"/>
-          </p:nvPr>
-        </p:nvSpPr>
-        <p:spPr/>
-        <p:txBody>
-          <a:bodyPr/>
-          <a:lstStyle/>
-          <a:p>
-            <a:r>
-              <a:rPr lang="en-US" smtClean="0"/>
-              <a:t>RBL - Boston Python</a:t>
-            </a:r>
-            <a:endParaRPr lang="en-US" dirty="0"/>
-          </a:p>
-        </p:txBody>
-      </p:sp>
-      <p:sp>
-        <p:nvSpPr>
-          <p:cNvPr id="6" name="Slide Number Placeholder 5"/>
-          <p:cNvSpPr>
-            <a:spLocks noGrp="1"/>
-          </p:cNvSpPr>
-          <p:nvPr>
-            <p:ph type="sldNum" sz="quarter" idx="12"/>
-          </p:nvPr>
-        </p:nvSpPr>
-        <p:spPr/>
-        <p:txBody>
-          <a:bodyPr/>
-          <a:lstStyle/>
-          <a:p>
-            <a:fld id="{4E5DAAAA-9FFA-4439-92E3-68E3EA8B0D1F}" type="slidenum">
-              <a:rPr lang="en-US" smtClean="0"/>
-              <a:t>40</a:t>
-            </a:fld>
-            <a:endParaRPr lang="en-US" dirty="0"/>
-          </a:p>
-        </p:txBody>
-      </p:sp>
-    </p:spTree>
-    <p:extLst>
-      <p:ext uri="{BB962C8B-B14F-4D97-AF65-F5344CB8AC3E}">
-        <p14:creationId xmlns:p14="http://schemas.microsoft.com/office/powerpoint/2010/main" val="3015143464"/>
-      </p:ext>
-    </p:extLst>
-  </p:cSld>
-  <p:clrMapOvr>
-    <a:masterClrMapping/>
-  </p:clrMapOvr>
-</p:sld>
-</file>
-
-<file path=ppt/slides/slide41.xml><?xml version="1.0" encoding="utf-8"?>
-<p:sld xmlns:a="http://schemas.openxmlformats.org/drawingml/2006/main" xmlns:r="http://schemas.openxmlformats.org/officeDocument/2006/relationships" xmlns:p="http://schemas.openxmlformats.org/presentationml/2006/main">
-  <p:cSld>
-    <p:spTree>
-      <p:nvGrpSpPr>
-        <p:cNvPr id="1" name=""/>
-        <p:cNvGrpSpPr/>
-        <p:nvPr/>
-      </p:nvGrpSpPr>
-      <p:grpSpPr>
-        <a:xfrm>
-          <a:off x="0" y="0"/>
-          <a:ext cx="0" cy="0"/>
-          <a:chOff x="0" y="0"/>
-          <a:chExt cx="0" cy="0"/>
-        </a:xfrm>
-      </p:grpSpPr>
-      <p:sp>
-        <p:nvSpPr>
-          <p:cNvPr id="2" name="Title 1"/>
-          <p:cNvSpPr>
-            <a:spLocks noGrp="1"/>
-          </p:cNvSpPr>
-          <p:nvPr>
-            <p:ph type="title"/>
-          </p:nvPr>
-        </p:nvSpPr>
-        <p:spPr/>
-        <p:txBody>
-          <a:bodyPr>
-            <a:normAutofit/>
-          </a:bodyPr>
-          <a:lstStyle/>
-          <a:p>
-            <a:r>
-              <a:rPr lang="en-US" dirty="0" smtClean="0"/>
-              <a:t>Filtering on Priority,  Facility</a:t>
-            </a:r>
-            <a:endParaRPr lang="en-US" dirty="0"/>
-          </a:p>
-        </p:txBody>
-      </p:sp>
-      <p:sp>
-        <p:nvSpPr>
-          <p:cNvPr id="3" name="Content Placeholder 2"/>
-          <p:cNvSpPr>
-            <a:spLocks noGrp="1"/>
-          </p:cNvSpPr>
-          <p:nvPr>
-            <p:ph idx="1"/>
-          </p:nvPr>
-        </p:nvSpPr>
-        <p:spPr/>
-        <p:txBody>
-          <a:bodyPr/>
-          <a:lstStyle/>
-          <a:p>
-            <a:pPr marL="342900" marR="0" lvl="0" indent="-342900" algn="l" defTabSz="914400" rtl="0" eaLnBrk="1" fontAlgn="auto" latinLnBrk="0" hangingPunct="1">
-              <a:lnSpc>
-                <a:spcPct val="100000"/>
-              </a:lnSpc>
-              <a:spcBef>
-                <a:spcPct val="20000"/>
-              </a:spcBef>
-              <a:spcAft>
-                <a:spcPts val="0"/>
-              </a:spcAft>
-              <a:buClrTx/>
-              <a:buSzTx/>
-              <a:buFont typeface="Arial" panose="020B0604020202020204" pitchFamily="34" charset="0"/>
-              <a:buChar char="•"/>
-              <a:tabLst/>
-              <a:defRPr/>
-            </a:pPr>
-            <a:r>
-              <a:rPr lang="en-US" sz="3200" kern="1200" dirty="0" smtClean="0">
-                <a:solidFill>
-                  <a:schemeClr val="tx1"/>
-                </a:solidFill>
-                <a:effectLst/>
-                <a:latin typeface="+mn-lt"/>
-                <a:ea typeface="+mn-ea"/>
-                <a:cs typeface="+mn-cs"/>
-              </a:rPr>
-              <a:t>Filtering makes listings short and to the point, when needed</a:t>
-            </a:r>
-          </a:p>
-          <a:p>
-            <a:pPr lvl="1"/>
-            <a:r>
-              <a:rPr lang="en-US" dirty="0" smtClean="0"/>
-              <a:t>On priority, facility name</a:t>
-            </a:r>
-            <a:endParaRPr lang="en-US" dirty="0"/>
-          </a:p>
-        </p:txBody>
-      </p:sp>
-      <p:sp>
-        <p:nvSpPr>
-          <p:cNvPr id="4" name="Date Placeholder 3"/>
-          <p:cNvSpPr>
-            <a:spLocks noGrp="1"/>
-          </p:cNvSpPr>
-          <p:nvPr>
-            <p:ph type="dt" sz="half" idx="10"/>
-          </p:nvPr>
-        </p:nvSpPr>
-        <p:spPr/>
-        <p:txBody>
-          <a:bodyPr/>
-          <a:lstStyle/>
-          <a:p>
-            <a:r>
-              <a:rPr lang="en-US" smtClean="0"/>
-              <a:t>2021-01-01</a:t>
-            </a:r>
-            <a:endParaRPr lang="en-US"/>
-          </a:p>
-        </p:txBody>
-      </p:sp>
-      <p:sp>
-        <p:nvSpPr>
-          <p:cNvPr id="5" name="Footer Placeholder 4"/>
-          <p:cNvSpPr>
-            <a:spLocks noGrp="1"/>
-          </p:cNvSpPr>
-          <p:nvPr>
-            <p:ph type="ftr" sz="quarter" idx="11"/>
-          </p:nvPr>
-        </p:nvSpPr>
-        <p:spPr/>
-        <p:txBody>
-          <a:bodyPr/>
-          <a:lstStyle/>
-          <a:p>
-            <a:r>
-              <a:rPr lang="en-US" smtClean="0"/>
-              <a:t>RBL - Boston Python</a:t>
-            </a:r>
-            <a:endParaRPr lang="en-US" dirty="0"/>
-          </a:p>
-        </p:txBody>
-      </p:sp>
-      <p:sp>
-        <p:nvSpPr>
-          <p:cNvPr id="6" name="Slide Number Placeholder 5"/>
-          <p:cNvSpPr>
-            <a:spLocks noGrp="1"/>
-          </p:cNvSpPr>
-          <p:nvPr>
-            <p:ph type="sldNum" sz="quarter" idx="12"/>
-          </p:nvPr>
-        </p:nvSpPr>
-        <p:spPr/>
-        <p:txBody>
-          <a:bodyPr/>
-          <a:lstStyle/>
-          <a:p>
-            <a:fld id="{4E5DAAAA-9FFA-4439-92E3-68E3EA8B0D1F}" type="slidenum">
-              <a:rPr lang="en-US" smtClean="0"/>
-              <a:t>41</a:t>
-            </a:fld>
-            <a:endParaRPr lang="en-US" dirty="0"/>
-          </a:p>
-        </p:txBody>
-      </p:sp>
-    </p:spTree>
-    <p:extLst>
-      <p:ext uri="{BB962C8B-B14F-4D97-AF65-F5344CB8AC3E}">
-        <p14:creationId xmlns:p14="http://schemas.microsoft.com/office/powerpoint/2010/main" val="3342437731"/>
-      </p:ext>
-    </p:extLst>
-  </p:cSld>
-  <p:clrMapOvr>
-    <a:masterClrMapping/>
-  </p:clrMapOvr>
-</p:sld>
-</file>
-
-<file path=ppt/slides/slide42.xml><?xml version="1.0" encoding="utf-8"?>
-<p:sld xmlns:a="http://schemas.openxmlformats.org/drawingml/2006/main" xmlns:r="http://schemas.openxmlformats.org/officeDocument/2006/relationships" xmlns:p="http://schemas.openxmlformats.org/presentationml/2006/main">
-  <p:cSld>
-    <p:spTree>
-      <p:nvGrpSpPr>
-        <p:cNvPr id="1" name=""/>
-        <p:cNvGrpSpPr/>
-        <p:nvPr/>
-      </p:nvGrpSpPr>
-      <p:grpSpPr>
-        <a:xfrm>
-          <a:off x="0" y="0"/>
-          <a:ext cx="0" cy="0"/>
-          <a:chOff x="0" y="0"/>
-          <a:chExt cx="0" cy="0"/>
-        </a:xfrm>
-      </p:grpSpPr>
-      <p:sp>
-        <p:nvSpPr>
-          <p:cNvPr id="2" name="Title 1"/>
-          <p:cNvSpPr>
-            <a:spLocks noGrp="1"/>
-          </p:cNvSpPr>
-          <p:nvPr>
-            <p:ph type="title"/>
-          </p:nvPr>
-        </p:nvSpPr>
-        <p:spPr/>
-        <p:txBody>
-          <a:bodyPr/>
-          <a:lstStyle/>
-          <a:p>
-            <a:r>
-              <a:rPr lang="en-US" dirty="0" smtClean="0"/>
-              <a:t>Use</a:t>
-            </a:r>
-            <a:r>
-              <a:rPr lang="en-US" baseline="0" dirty="0" smtClean="0"/>
-              <a:t> for Regression Testing</a:t>
-            </a:r>
-            <a:endParaRPr lang="en-US" dirty="0"/>
-          </a:p>
-        </p:txBody>
-      </p:sp>
-      <p:sp>
-        <p:nvSpPr>
-          <p:cNvPr id="3" name="Content Placeholder 2"/>
-          <p:cNvSpPr>
-            <a:spLocks noGrp="1"/>
-          </p:cNvSpPr>
-          <p:nvPr>
-            <p:ph idx="1"/>
-          </p:nvPr>
-        </p:nvSpPr>
-        <p:spPr/>
-        <p:txBody>
-          <a:bodyPr/>
-          <a:lstStyle/>
-          <a:p>
-            <a:r>
-              <a:rPr lang="en-US" sz="3200" kern="1200" dirty="0" smtClean="0">
-                <a:solidFill>
-                  <a:schemeClr val="tx1"/>
-                </a:solidFill>
-                <a:effectLst/>
-                <a:latin typeface="+mn-lt"/>
-                <a:ea typeface="+mn-ea"/>
-                <a:cs typeface="+mn-cs"/>
-              </a:rPr>
-              <a:t>Tests can be done with log files suitably sanitized</a:t>
-            </a:r>
-          </a:p>
-          <a:p>
-            <a:pPr lvl="1"/>
-            <a:r>
-              <a:rPr lang="en-US" sz="2800" kern="1200" dirty="0" smtClean="0">
-                <a:solidFill>
-                  <a:schemeClr val="tx1"/>
-                </a:solidFill>
-                <a:effectLst/>
-                <a:latin typeface="+mn-lt"/>
-                <a:ea typeface="+mn-ea"/>
-                <a:cs typeface="+mn-cs"/>
-              </a:rPr>
-              <a:t>Timestamps and other non-deterministic items</a:t>
-            </a:r>
-          </a:p>
-          <a:p>
-            <a:r>
-              <a:rPr lang="en-US" sz="3200" kern="1200" dirty="0" smtClean="0">
-                <a:solidFill>
-                  <a:schemeClr val="tx1"/>
-                </a:solidFill>
-                <a:effectLst/>
-                <a:latin typeface="+mn-lt"/>
-                <a:ea typeface="+mn-ea"/>
-                <a:cs typeface="+mn-cs"/>
-              </a:rPr>
-              <a:t>Possible with trace logs in some </a:t>
-            </a:r>
-            <a:r>
-              <a:rPr lang="en-US" sz="3200" kern="1200" dirty="0" smtClean="0">
-                <a:solidFill>
-                  <a:schemeClr val="tx1"/>
-                </a:solidFill>
-                <a:effectLst/>
-                <a:latin typeface="+mn-lt"/>
-                <a:ea typeface="+mn-ea"/>
-                <a:cs typeface="+mn-cs"/>
-              </a:rPr>
-              <a:t>cases</a:t>
-            </a:r>
-            <a:endParaRPr lang="en-US" sz="3200" kern="1200" dirty="0" smtClean="0">
-              <a:solidFill>
-                <a:schemeClr val="tx1"/>
-              </a:solidFill>
-              <a:effectLst/>
-              <a:latin typeface="+mn-lt"/>
-              <a:ea typeface="+mn-ea"/>
-              <a:cs typeface="+mn-cs"/>
-            </a:endParaRPr>
-          </a:p>
-        </p:txBody>
-      </p:sp>
-      <p:sp>
-        <p:nvSpPr>
-          <p:cNvPr id="4" name="Date Placeholder 3"/>
-          <p:cNvSpPr>
-            <a:spLocks noGrp="1"/>
-          </p:cNvSpPr>
-          <p:nvPr>
-            <p:ph type="dt" sz="half" idx="10"/>
-          </p:nvPr>
-        </p:nvSpPr>
-        <p:spPr/>
-        <p:txBody>
-          <a:bodyPr/>
-          <a:lstStyle/>
-          <a:p>
-            <a:r>
-              <a:rPr lang="en-US" smtClean="0"/>
-              <a:t>2021-01-01</a:t>
-            </a:r>
-            <a:endParaRPr lang="en-US"/>
-          </a:p>
-        </p:txBody>
-      </p:sp>
-      <p:sp>
-        <p:nvSpPr>
-          <p:cNvPr id="5" name="Footer Placeholder 4"/>
-          <p:cNvSpPr>
-            <a:spLocks noGrp="1"/>
-          </p:cNvSpPr>
-          <p:nvPr>
-            <p:ph type="ftr" sz="quarter" idx="11"/>
-          </p:nvPr>
-        </p:nvSpPr>
-        <p:spPr/>
-        <p:txBody>
-          <a:bodyPr/>
-          <a:lstStyle/>
-          <a:p>
-            <a:r>
-              <a:rPr lang="en-US" smtClean="0"/>
-              <a:t>RBL - Boston Python</a:t>
-            </a:r>
-            <a:endParaRPr lang="en-US" dirty="0"/>
-          </a:p>
-        </p:txBody>
-      </p:sp>
-      <p:sp>
-        <p:nvSpPr>
-          <p:cNvPr id="6" name="Slide Number Placeholder 5"/>
-          <p:cNvSpPr>
-            <a:spLocks noGrp="1"/>
-          </p:cNvSpPr>
-          <p:nvPr>
-            <p:ph type="sldNum" sz="quarter" idx="12"/>
-          </p:nvPr>
-        </p:nvSpPr>
-        <p:spPr/>
-        <p:txBody>
-          <a:bodyPr/>
-          <a:lstStyle/>
-          <a:p>
-            <a:fld id="{4E5DAAAA-9FFA-4439-92E3-68E3EA8B0D1F}" type="slidenum">
-              <a:rPr lang="en-US" smtClean="0"/>
-              <a:t>42</a:t>
-            </a:fld>
-            <a:endParaRPr lang="en-US" dirty="0"/>
-          </a:p>
-        </p:txBody>
-      </p:sp>
-    </p:spTree>
-    <p:extLst>
-      <p:ext uri="{BB962C8B-B14F-4D97-AF65-F5344CB8AC3E}">
-        <p14:creationId xmlns:p14="http://schemas.microsoft.com/office/powerpoint/2010/main" val="3691605327"/>
-      </p:ext>
-    </p:extLst>
-  </p:cSld>
-  <p:clrMapOvr>
-    <a:masterClrMapping/>
-  </p:clrMapOvr>
-</p:sld>
-</file>
-
-<file path=ppt/slides/slide43.xml><?xml version="1.0" encoding="utf-8"?>
-<p:sld xmlns:a="http://schemas.openxmlformats.org/drawingml/2006/main" xmlns:r="http://schemas.openxmlformats.org/officeDocument/2006/relationships" xmlns:p="http://schemas.openxmlformats.org/presentationml/2006/main">
-  <p:cSld>
-    <p:spTree>
-      <p:nvGrpSpPr>
-        <p:cNvPr id="1" name=""/>
-        <p:cNvGrpSpPr/>
-        <p:nvPr/>
-      </p:nvGrpSpPr>
-      <p:grpSpPr>
-        <a:xfrm>
-          <a:off x="0" y="0"/>
-          <a:ext cx="0" cy="0"/>
-          <a:chOff x="0" y="0"/>
-          <a:chExt cx="0" cy="0"/>
-        </a:xfrm>
-      </p:grpSpPr>
-      <p:sp>
-        <p:nvSpPr>
-          <p:cNvPr id="2" name="Title 1"/>
-          <p:cNvSpPr>
-            <a:spLocks noGrp="1"/>
-          </p:cNvSpPr>
-          <p:nvPr>
-            <p:ph type="title"/>
-          </p:nvPr>
-        </p:nvSpPr>
-        <p:spPr/>
-        <p:txBody>
-          <a:bodyPr/>
-          <a:lstStyle/>
-          <a:p>
-            <a:r>
-              <a:rPr lang="en-US" dirty="0" smtClean="0"/>
-              <a:t>Examples</a:t>
-            </a:r>
-            <a:endParaRPr lang="en-US" dirty="0"/>
-          </a:p>
-        </p:txBody>
-      </p:sp>
-      <p:sp>
-        <p:nvSpPr>
-          <p:cNvPr id="3" name="Content Placeholder 2"/>
-          <p:cNvSpPr>
-            <a:spLocks noGrp="1"/>
-          </p:cNvSpPr>
-          <p:nvPr>
-            <p:ph idx="1"/>
-          </p:nvPr>
-        </p:nvSpPr>
-        <p:spPr/>
-        <p:txBody>
-          <a:bodyPr/>
-          <a:lstStyle/>
-          <a:p>
-            <a:r>
-              <a:rPr lang="en-US" dirty="0" smtClean="0"/>
-              <a:t>code in</a:t>
-            </a:r>
-            <a:endParaRPr lang="en-US" dirty="0"/>
-          </a:p>
-          <a:p>
-            <a:r>
-              <a:rPr lang="en-US" dirty="0" smtClean="0"/>
-              <a:t>trace</a:t>
-            </a:r>
-            <a:r>
-              <a:rPr lang="en-US" baseline="0" dirty="0" smtClean="0"/>
-              <a:t> lines out</a:t>
-            </a:r>
-            <a:endParaRPr lang="en-US" dirty="0" smtClean="0"/>
-          </a:p>
-        </p:txBody>
-      </p:sp>
-      <p:sp>
-        <p:nvSpPr>
-          <p:cNvPr id="4" name="Date Placeholder 3"/>
-          <p:cNvSpPr>
-            <a:spLocks noGrp="1"/>
-          </p:cNvSpPr>
-          <p:nvPr>
-            <p:ph type="dt" sz="half" idx="10"/>
-          </p:nvPr>
-        </p:nvSpPr>
-        <p:spPr/>
-        <p:txBody>
-          <a:bodyPr/>
-          <a:lstStyle/>
-          <a:p>
-            <a:r>
-              <a:rPr lang="en-US" smtClean="0"/>
-              <a:t>2021-01-01</a:t>
-            </a:r>
-            <a:endParaRPr lang="en-US"/>
-          </a:p>
-        </p:txBody>
-      </p:sp>
-      <p:sp>
-        <p:nvSpPr>
-          <p:cNvPr id="5" name="Footer Placeholder 4"/>
-          <p:cNvSpPr>
-            <a:spLocks noGrp="1"/>
-          </p:cNvSpPr>
-          <p:nvPr>
-            <p:ph type="ftr" sz="quarter" idx="11"/>
-          </p:nvPr>
-        </p:nvSpPr>
-        <p:spPr/>
-        <p:txBody>
-          <a:bodyPr/>
-          <a:lstStyle/>
-          <a:p>
-            <a:r>
-              <a:rPr lang="en-US" smtClean="0"/>
-              <a:t>RBL - Boston Python</a:t>
-            </a:r>
-            <a:endParaRPr lang="en-US" dirty="0"/>
-          </a:p>
-        </p:txBody>
-      </p:sp>
-      <p:sp>
-        <p:nvSpPr>
-          <p:cNvPr id="6" name="Slide Number Placeholder 5"/>
-          <p:cNvSpPr>
-            <a:spLocks noGrp="1"/>
-          </p:cNvSpPr>
-          <p:nvPr>
-            <p:ph type="sldNum" sz="quarter" idx="12"/>
-          </p:nvPr>
-        </p:nvSpPr>
-        <p:spPr/>
-        <p:txBody>
-          <a:bodyPr/>
-          <a:lstStyle/>
-          <a:p>
-            <a:fld id="{4E5DAAAA-9FFA-4439-92E3-68E3EA8B0D1F}" type="slidenum">
-              <a:rPr lang="en-US" smtClean="0"/>
-              <a:t>43</a:t>
-            </a:fld>
-            <a:endParaRPr lang="en-US" dirty="0"/>
-          </a:p>
-        </p:txBody>
-      </p:sp>
-    </p:spTree>
-    <p:extLst>
-      <p:ext uri="{BB962C8B-B14F-4D97-AF65-F5344CB8AC3E}">
-        <p14:creationId xmlns:p14="http://schemas.microsoft.com/office/powerpoint/2010/main" val="180966133"/>
-      </p:ext>
-    </p:extLst>
-  </p:cSld>
-  <p:clrMapOvr>
-    <a:masterClrMapping/>
-  </p:clrMapOvr>
-</p:sld>
-</file>
-
-<file path=ppt/slides/slide44.xml><?xml version="1.0" encoding="utf-8"?>
-<p:sld xmlns:a="http://schemas.openxmlformats.org/drawingml/2006/main" xmlns:r="http://schemas.openxmlformats.org/officeDocument/2006/relationships" xmlns:p="http://schemas.openxmlformats.org/presentationml/2006/main">
-  <p:cSld>
-    <p:spTree>
-      <p:nvGrpSpPr>
-        <p:cNvPr id="1" name=""/>
-        <p:cNvGrpSpPr/>
-        <p:nvPr/>
-      </p:nvGrpSpPr>
-      <p:grpSpPr>
-        <a:xfrm>
-          <a:off x="0" y="0"/>
-          <a:ext cx="0" cy="0"/>
-          <a:chOff x="0" y="0"/>
-          <a:chExt cx="0" cy="0"/>
-        </a:xfrm>
-      </p:grpSpPr>
-      <p:sp>
-        <p:nvSpPr>
-          <p:cNvPr id="2" name="Title 1"/>
-          <p:cNvSpPr>
-            <a:spLocks noGrp="1"/>
-          </p:cNvSpPr>
-          <p:nvPr>
-            <p:ph type="title"/>
-          </p:nvPr>
-        </p:nvSpPr>
-        <p:spPr/>
-        <p:txBody>
-          <a:bodyPr/>
-          <a:lstStyle/>
-          <a:p>
-            <a:r>
-              <a:rPr lang="en-US" dirty="0" smtClean="0"/>
-              <a:t>Multiprocessing</a:t>
-            </a:r>
-            <a:endParaRPr lang="en-US" dirty="0"/>
-          </a:p>
-        </p:txBody>
-      </p:sp>
-      <p:sp>
-        <p:nvSpPr>
-          <p:cNvPr id="3" name="Content Placeholder 2"/>
-          <p:cNvSpPr>
-            <a:spLocks noGrp="1"/>
-          </p:cNvSpPr>
-          <p:nvPr>
-            <p:ph idx="1"/>
-          </p:nvPr>
-        </p:nvSpPr>
-        <p:spPr/>
-        <p:txBody>
-          <a:bodyPr/>
-          <a:lstStyle/>
-          <a:p>
-            <a:pPr marL="342900" marR="0" lvl="0" indent="-342900" algn="l" defTabSz="914400" rtl="0" eaLnBrk="1" fontAlgn="auto" latinLnBrk="0" hangingPunct="1">
-              <a:lnSpc>
-                <a:spcPct val="100000"/>
-              </a:lnSpc>
-              <a:spcBef>
-                <a:spcPct val="20000"/>
-              </a:spcBef>
-              <a:spcAft>
-                <a:spcPts val="0"/>
-              </a:spcAft>
-              <a:buClrTx/>
-              <a:buSzTx/>
-              <a:buFont typeface="Arial" panose="020B0604020202020204" pitchFamily="34" charset="0"/>
-              <a:buChar char="•"/>
-              <a:tabLst/>
-              <a:defRPr/>
-            </a:pPr>
-            <a:r>
-              <a:rPr lang="en-US" sz="3200" kern="1200" dirty="0" smtClean="0">
-                <a:solidFill>
-                  <a:schemeClr val="tx1"/>
-                </a:solidFill>
-                <a:effectLst/>
-                <a:latin typeface="+mn-lt"/>
-                <a:ea typeface="+mn-ea"/>
-                <a:cs typeface="+mn-cs"/>
-              </a:rPr>
-              <a:t>Multiprocessor-safe</a:t>
-            </a:r>
-            <a:r>
-              <a:rPr lang="en-US" sz="3200" kern="1200" dirty="0" smtClean="0">
-                <a:solidFill>
-                  <a:schemeClr val="tx1"/>
-                </a:solidFill>
-                <a:effectLst/>
-                <a:latin typeface="+mn-lt"/>
-                <a:ea typeface="+mn-ea"/>
-                <a:cs typeface="+mn-cs"/>
-              </a:rPr>
-              <a:t>, or at least thread-safe, would be good</a:t>
-            </a:r>
-          </a:p>
-          <a:p>
-            <a:r>
-              <a:rPr lang="en-US" dirty="0" smtClean="0"/>
-              <a:t>Not yet</a:t>
-            </a:r>
-            <a:endParaRPr lang="en-US" dirty="0"/>
-          </a:p>
-        </p:txBody>
-      </p:sp>
-      <p:sp>
-        <p:nvSpPr>
-          <p:cNvPr id="4" name="Date Placeholder 3"/>
-          <p:cNvSpPr>
-            <a:spLocks noGrp="1"/>
-          </p:cNvSpPr>
-          <p:nvPr>
-            <p:ph type="dt" sz="half" idx="10"/>
-          </p:nvPr>
-        </p:nvSpPr>
-        <p:spPr/>
-        <p:txBody>
-          <a:bodyPr/>
-          <a:lstStyle/>
-          <a:p>
-            <a:r>
-              <a:rPr lang="en-US" smtClean="0"/>
-              <a:t>2021-01-01</a:t>
-            </a:r>
-            <a:endParaRPr lang="en-US"/>
-          </a:p>
-        </p:txBody>
-      </p:sp>
-      <p:sp>
-        <p:nvSpPr>
-          <p:cNvPr id="5" name="Footer Placeholder 4"/>
-          <p:cNvSpPr>
-            <a:spLocks noGrp="1"/>
-          </p:cNvSpPr>
-          <p:nvPr>
-            <p:ph type="ftr" sz="quarter" idx="11"/>
-          </p:nvPr>
-        </p:nvSpPr>
-        <p:spPr/>
-        <p:txBody>
-          <a:bodyPr/>
-          <a:lstStyle/>
-          <a:p>
-            <a:r>
-              <a:rPr lang="en-US" smtClean="0"/>
-              <a:t>RBL - Boston Python</a:t>
-            </a:r>
-            <a:endParaRPr lang="en-US" dirty="0"/>
-          </a:p>
-        </p:txBody>
-      </p:sp>
-      <p:sp>
-        <p:nvSpPr>
-          <p:cNvPr id="6" name="Slide Number Placeholder 5"/>
-          <p:cNvSpPr>
-            <a:spLocks noGrp="1"/>
-          </p:cNvSpPr>
-          <p:nvPr>
-            <p:ph type="sldNum" sz="quarter" idx="12"/>
-          </p:nvPr>
-        </p:nvSpPr>
-        <p:spPr/>
-        <p:txBody>
-          <a:bodyPr/>
-          <a:lstStyle/>
-          <a:p>
-            <a:fld id="{4E5DAAAA-9FFA-4439-92E3-68E3EA8B0D1F}" type="slidenum">
-              <a:rPr lang="en-US" smtClean="0"/>
-              <a:t>44</a:t>
-            </a:fld>
-            <a:endParaRPr lang="en-US" dirty="0"/>
-          </a:p>
-        </p:txBody>
-      </p:sp>
-    </p:spTree>
-    <p:extLst>
-      <p:ext uri="{BB962C8B-B14F-4D97-AF65-F5344CB8AC3E}">
-        <p14:creationId xmlns:p14="http://schemas.microsoft.com/office/powerpoint/2010/main" val="400251234"/>
-      </p:ext>
-    </p:extLst>
-  </p:cSld>
-  <p:clrMapOvr>
-    <a:masterClrMapping/>
-  </p:clrMapOvr>
-</p:sld>
-</file>
-
-<file path=ppt/slides/slide45.xml><?xml version="1.0" encoding="utf-8"?>
-<p:sld xmlns:a="http://schemas.openxmlformats.org/drawingml/2006/main" xmlns:r="http://schemas.openxmlformats.org/officeDocument/2006/relationships" xmlns:p="http://schemas.openxmlformats.org/presentationml/2006/main">
-  <p:cSld>
-    <p:spTree>
-      <p:nvGrpSpPr>
-        <p:cNvPr id="1" name=""/>
-        <p:cNvGrpSpPr/>
-        <p:nvPr/>
-      </p:nvGrpSpPr>
-      <p:grpSpPr>
-        <a:xfrm>
-          <a:off x="0" y="0"/>
-          <a:ext cx="0" cy="0"/>
-          <a:chOff x="0" y="0"/>
-          <a:chExt cx="0" cy="0"/>
-        </a:xfrm>
-      </p:grpSpPr>
-      <p:sp>
-        <p:nvSpPr>
-          <p:cNvPr id="2" name="Title 1"/>
-          <p:cNvSpPr>
-            <a:spLocks noGrp="1"/>
-          </p:cNvSpPr>
-          <p:nvPr>
-            <p:ph type="title"/>
-          </p:nvPr>
-        </p:nvSpPr>
-        <p:spPr/>
-        <p:txBody>
-          <a:bodyPr/>
-          <a:lstStyle/>
-          <a:p>
-            <a:endParaRPr lang="en-US" dirty="0"/>
-          </a:p>
-        </p:txBody>
-      </p:sp>
-      <p:sp>
-        <p:nvSpPr>
-          <p:cNvPr id="3" name="Content Placeholder 2"/>
-          <p:cNvSpPr>
-            <a:spLocks noGrp="1"/>
-          </p:cNvSpPr>
-          <p:nvPr>
-            <p:ph idx="1"/>
-          </p:nvPr>
-        </p:nvSpPr>
-        <p:spPr/>
-        <p:txBody>
-          <a:bodyPr/>
-          <a:lstStyle/>
-          <a:p>
-            <a:endParaRPr lang="en-US"/>
-          </a:p>
-        </p:txBody>
-      </p:sp>
-      <p:sp>
-        <p:nvSpPr>
-          <p:cNvPr id="4" name="Date Placeholder 3"/>
-          <p:cNvSpPr>
-            <a:spLocks noGrp="1"/>
-          </p:cNvSpPr>
-          <p:nvPr>
-            <p:ph type="dt" sz="half" idx="10"/>
-          </p:nvPr>
-        </p:nvSpPr>
-        <p:spPr/>
-        <p:txBody>
-          <a:bodyPr/>
-          <a:lstStyle/>
-          <a:p>
-            <a:r>
-              <a:rPr lang="en-US" smtClean="0"/>
-              <a:t>2021-01-01</a:t>
-            </a:r>
-            <a:endParaRPr lang="en-US"/>
-          </a:p>
-        </p:txBody>
-      </p:sp>
-      <p:sp>
-        <p:nvSpPr>
-          <p:cNvPr id="5" name="Footer Placeholder 4"/>
-          <p:cNvSpPr>
-            <a:spLocks noGrp="1"/>
-          </p:cNvSpPr>
-          <p:nvPr>
-            <p:ph type="ftr" sz="quarter" idx="11"/>
-          </p:nvPr>
-        </p:nvSpPr>
-        <p:spPr/>
-        <p:txBody>
-          <a:bodyPr/>
-          <a:lstStyle/>
-          <a:p>
-            <a:r>
-              <a:rPr lang="en-US" smtClean="0"/>
-              <a:t>RBL - Boston Python</a:t>
-            </a:r>
-            <a:endParaRPr lang="en-US" dirty="0"/>
-          </a:p>
-        </p:txBody>
-      </p:sp>
-      <p:sp>
-        <p:nvSpPr>
-          <p:cNvPr id="6" name="Slide Number Placeholder 5"/>
-          <p:cNvSpPr>
-            <a:spLocks noGrp="1"/>
-          </p:cNvSpPr>
-          <p:nvPr>
-            <p:ph type="sldNum" sz="quarter" idx="12"/>
-          </p:nvPr>
-        </p:nvSpPr>
-        <p:spPr/>
-        <p:txBody>
-          <a:bodyPr/>
-          <a:lstStyle/>
-          <a:p>
-            <a:fld id="{4E5DAAAA-9FFA-4439-92E3-68E3EA8B0D1F}" type="slidenum">
-              <a:rPr lang="en-US" smtClean="0"/>
-              <a:t>45</a:t>
-            </a:fld>
-            <a:endParaRPr lang="en-US" dirty="0"/>
-          </a:p>
-        </p:txBody>
-      </p:sp>
-    </p:spTree>
-    <p:extLst>
-      <p:ext uri="{BB962C8B-B14F-4D97-AF65-F5344CB8AC3E}">
-        <p14:creationId xmlns:p14="http://schemas.microsoft.com/office/powerpoint/2010/main" val="2544380923"/>
-      </p:ext>
-    </p:extLst>
-  </p:cSld>
-  <p:clrMapOvr>
-    <a:masterClrMapping/>
-  </p:clrMapOvr>
-</p:sld>
-</file>
-
-<file path=ppt/slides/slide46.xml><?xml version="1.0" encoding="utf-8"?>
-<p:sld xmlns:a="http://schemas.openxmlformats.org/drawingml/2006/main" xmlns:r="http://schemas.openxmlformats.org/officeDocument/2006/relationships" xmlns:p="http://schemas.openxmlformats.org/presentationml/2006/main">
-  <p:cSld>
-    <p:spTree>
-      <p:nvGrpSpPr>
-        <p:cNvPr id="1" name=""/>
-        <p:cNvGrpSpPr/>
-        <p:nvPr/>
-      </p:nvGrpSpPr>
-      <p:grpSpPr>
-        <a:xfrm>
-          <a:off x="0" y="0"/>
-          <a:ext cx="0" cy="0"/>
-          <a:chOff x="0" y="0"/>
-          <a:chExt cx="0" cy="0"/>
-        </a:xfrm>
-      </p:grpSpPr>
-      <p:sp>
-        <p:nvSpPr>
-          <p:cNvPr id="2" name="Title 1"/>
-          <p:cNvSpPr>
-            <a:spLocks noGrp="1"/>
-          </p:cNvSpPr>
-          <p:nvPr>
-            <p:ph type="title"/>
-          </p:nvPr>
-        </p:nvSpPr>
-        <p:spPr/>
-        <p:txBody>
-          <a:bodyPr/>
-          <a:lstStyle/>
-          <a:p>
-            <a:endParaRPr lang="en-US" dirty="0"/>
-          </a:p>
-        </p:txBody>
-      </p:sp>
-      <p:sp>
-        <p:nvSpPr>
-          <p:cNvPr id="3" name="Content Placeholder 2"/>
-          <p:cNvSpPr>
-            <a:spLocks noGrp="1"/>
-          </p:cNvSpPr>
-          <p:nvPr>
-            <p:ph idx="1"/>
-          </p:nvPr>
-        </p:nvSpPr>
-        <p:spPr/>
-        <p:txBody>
-          <a:bodyPr/>
-          <a:lstStyle/>
-          <a:p>
-            <a:endParaRPr lang="en-US"/>
-          </a:p>
-        </p:txBody>
-      </p:sp>
-      <p:sp>
-        <p:nvSpPr>
-          <p:cNvPr id="4" name="Date Placeholder 3"/>
-          <p:cNvSpPr>
-            <a:spLocks noGrp="1"/>
-          </p:cNvSpPr>
-          <p:nvPr>
-            <p:ph type="dt" sz="half" idx="10"/>
-          </p:nvPr>
-        </p:nvSpPr>
-        <p:spPr/>
-        <p:txBody>
-          <a:bodyPr/>
-          <a:lstStyle/>
-          <a:p>
-            <a:r>
-              <a:rPr lang="en-US" smtClean="0"/>
-              <a:t>2021-01-01</a:t>
-            </a:r>
-            <a:endParaRPr lang="en-US"/>
-          </a:p>
-        </p:txBody>
-      </p:sp>
-      <p:sp>
-        <p:nvSpPr>
-          <p:cNvPr id="5" name="Footer Placeholder 4"/>
-          <p:cNvSpPr>
-            <a:spLocks noGrp="1"/>
-          </p:cNvSpPr>
-          <p:nvPr>
-            <p:ph type="ftr" sz="quarter" idx="11"/>
-          </p:nvPr>
-        </p:nvSpPr>
-        <p:spPr/>
-        <p:txBody>
-          <a:bodyPr/>
-          <a:lstStyle/>
-          <a:p>
-            <a:r>
-              <a:rPr lang="en-US" smtClean="0"/>
-              <a:t>RBL - Boston Python</a:t>
-            </a:r>
-            <a:endParaRPr lang="en-US" dirty="0"/>
-          </a:p>
-        </p:txBody>
-      </p:sp>
-      <p:sp>
-        <p:nvSpPr>
-          <p:cNvPr id="6" name="Slide Number Placeholder 5"/>
-          <p:cNvSpPr>
-            <a:spLocks noGrp="1"/>
-          </p:cNvSpPr>
-          <p:nvPr>
-            <p:ph type="sldNum" sz="quarter" idx="12"/>
-          </p:nvPr>
-        </p:nvSpPr>
-        <p:spPr/>
-        <p:txBody>
-          <a:bodyPr/>
-          <a:lstStyle/>
-          <a:p>
-            <a:fld id="{4E5DAAAA-9FFA-4439-92E3-68E3EA8B0D1F}" type="slidenum">
-              <a:rPr lang="en-US" smtClean="0"/>
-              <a:t>46</a:t>
-            </a:fld>
-            <a:endParaRPr lang="en-US" dirty="0"/>
-          </a:p>
-        </p:txBody>
-      </p:sp>
-    </p:spTree>
-    <p:extLst>
-      <p:ext uri="{BB962C8B-B14F-4D97-AF65-F5344CB8AC3E}">
-        <p14:creationId xmlns:p14="http://schemas.microsoft.com/office/powerpoint/2010/main" val="1969869318"/>
-      </p:ext>
-    </p:extLst>
-  </p:cSld>
-  <p:clrMapOvr>
-    <a:masterClrMapping/>
-  </p:clrMapOvr>
-</p:sld>
-</file>
-
-<file path=ppt/slides/slide47.xml><?xml version="1.0" encoding="utf-8"?>
-<p:sld xmlns:a="http://schemas.openxmlformats.org/drawingml/2006/main" xmlns:r="http://schemas.openxmlformats.org/officeDocument/2006/relationships" xmlns:p="http://schemas.openxmlformats.org/presentationml/2006/main">
-  <p:cSld>
-    <p:spTree>
-      <p:nvGrpSpPr>
-        <p:cNvPr id="1" name=""/>
-        <p:cNvGrpSpPr/>
-        <p:nvPr/>
-      </p:nvGrpSpPr>
-      <p:grpSpPr>
-        <a:xfrm>
-          <a:off x="0" y="0"/>
-          <a:ext cx="0" cy="0"/>
-          <a:chOff x="0" y="0"/>
-          <a:chExt cx="0" cy="0"/>
-        </a:xfrm>
-      </p:grpSpPr>
-      <p:sp>
-        <p:nvSpPr>
-          <p:cNvPr id="2" name="Title 1"/>
-          <p:cNvSpPr>
-            <a:spLocks noGrp="1"/>
-          </p:cNvSpPr>
-          <p:nvPr>
-            <p:ph type="title"/>
-          </p:nvPr>
-        </p:nvSpPr>
-        <p:spPr/>
-        <p:txBody>
-          <a:bodyPr/>
-          <a:lstStyle/>
-          <a:p>
-            <a:endParaRPr lang="en-US" dirty="0"/>
-          </a:p>
-        </p:txBody>
-      </p:sp>
-      <p:sp>
-        <p:nvSpPr>
-          <p:cNvPr id="3" name="Content Placeholder 2"/>
-          <p:cNvSpPr>
-            <a:spLocks noGrp="1"/>
-          </p:cNvSpPr>
-          <p:nvPr>
-            <p:ph idx="1"/>
-          </p:nvPr>
-        </p:nvSpPr>
-        <p:spPr/>
-        <p:txBody>
-          <a:bodyPr/>
-          <a:lstStyle/>
-          <a:p>
-            <a:endParaRPr lang="en-US"/>
-          </a:p>
-        </p:txBody>
-      </p:sp>
-      <p:sp>
-        <p:nvSpPr>
-          <p:cNvPr id="4" name="Date Placeholder 3"/>
-          <p:cNvSpPr>
-            <a:spLocks noGrp="1"/>
-          </p:cNvSpPr>
-          <p:nvPr>
-            <p:ph type="dt" sz="half" idx="10"/>
-          </p:nvPr>
-        </p:nvSpPr>
-        <p:spPr/>
-        <p:txBody>
-          <a:bodyPr/>
-          <a:lstStyle/>
-          <a:p>
-            <a:r>
-              <a:rPr lang="en-US" smtClean="0"/>
-              <a:t>2021-01-01</a:t>
-            </a:r>
-            <a:endParaRPr lang="en-US"/>
-          </a:p>
-        </p:txBody>
-      </p:sp>
-      <p:sp>
-        <p:nvSpPr>
-          <p:cNvPr id="5" name="Footer Placeholder 4"/>
-          <p:cNvSpPr>
-            <a:spLocks noGrp="1"/>
-          </p:cNvSpPr>
-          <p:nvPr>
-            <p:ph type="ftr" sz="quarter" idx="11"/>
-          </p:nvPr>
-        </p:nvSpPr>
-        <p:spPr/>
-        <p:txBody>
-          <a:bodyPr/>
-          <a:lstStyle/>
-          <a:p>
-            <a:r>
-              <a:rPr lang="en-US" smtClean="0"/>
-              <a:t>RBL - Boston Python</a:t>
-            </a:r>
-            <a:endParaRPr lang="en-US" dirty="0"/>
-          </a:p>
-        </p:txBody>
-      </p:sp>
-      <p:sp>
-        <p:nvSpPr>
-          <p:cNvPr id="6" name="Slide Number Placeholder 5"/>
-          <p:cNvSpPr>
-            <a:spLocks noGrp="1"/>
-          </p:cNvSpPr>
-          <p:nvPr>
-            <p:ph type="sldNum" sz="quarter" idx="12"/>
-          </p:nvPr>
-        </p:nvSpPr>
-        <p:spPr/>
-        <p:txBody>
-          <a:bodyPr/>
-          <a:lstStyle/>
-          <a:p>
-            <a:fld id="{4E5DAAAA-9FFA-4439-92E3-68E3EA8B0D1F}" type="slidenum">
-              <a:rPr lang="en-US" smtClean="0"/>
-              <a:t>47</a:t>
-            </a:fld>
-            <a:endParaRPr lang="en-US" dirty="0"/>
-          </a:p>
-        </p:txBody>
-      </p:sp>
-    </p:spTree>
-    <p:extLst>
-      <p:ext uri="{BB962C8B-B14F-4D97-AF65-F5344CB8AC3E}">
-        <p14:creationId xmlns:p14="http://schemas.microsoft.com/office/powerpoint/2010/main" val="2555888453"/>
-      </p:ext>
-    </p:extLst>
-  </p:cSld>
-  <p:clrMapOvr>
-    <a:masterClrMapping/>
-  </p:clrMapOvr>
-</p:sld>
-</file>
-
-<file path=ppt/slides/slide48.xml><?xml version="1.0" encoding="utf-8"?>
-<p:sld xmlns:a="http://schemas.openxmlformats.org/drawingml/2006/main" xmlns:r="http://schemas.openxmlformats.org/officeDocument/2006/relationships" xmlns:p="http://schemas.openxmlformats.org/presentationml/2006/main">
-  <p:cSld>
-    <p:spTree>
-      <p:nvGrpSpPr>
-        <p:cNvPr id="1" name=""/>
-        <p:cNvGrpSpPr/>
-        <p:nvPr/>
-      </p:nvGrpSpPr>
-      <p:grpSpPr>
-        <a:xfrm>
-          <a:off x="0" y="0"/>
-          <a:ext cx="0" cy="0"/>
-          <a:chOff x="0" y="0"/>
-          <a:chExt cx="0" cy="0"/>
-        </a:xfrm>
-      </p:grpSpPr>
-      <p:sp>
-        <p:nvSpPr>
-          <p:cNvPr id="2" name="Title 1"/>
-          <p:cNvSpPr>
-            <a:spLocks noGrp="1"/>
-          </p:cNvSpPr>
-          <p:nvPr>
-            <p:ph type="title"/>
-          </p:nvPr>
-        </p:nvSpPr>
-        <p:spPr/>
-        <p:txBody>
-          <a:bodyPr/>
-          <a:lstStyle/>
-          <a:p>
-            <a:endParaRPr lang="en-US" dirty="0"/>
-          </a:p>
-        </p:txBody>
-      </p:sp>
-      <p:sp>
-        <p:nvSpPr>
-          <p:cNvPr id="3" name="Content Placeholder 2"/>
-          <p:cNvSpPr>
-            <a:spLocks noGrp="1"/>
-          </p:cNvSpPr>
-          <p:nvPr>
-            <p:ph idx="1"/>
-          </p:nvPr>
-        </p:nvSpPr>
-        <p:spPr/>
-        <p:txBody>
-          <a:bodyPr/>
-          <a:lstStyle/>
-          <a:p>
-            <a:endParaRPr lang="en-US"/>
-          </a:p>
-        </p:txBody>
-      </p:sp>
-      <p:sp>
-        <p:nvSpPr>
-          <p:cNvPr id="4" name="Date Placeholder 3"/>
-          <p:cNvSpPr>
-            <a:spLocks noGrp="1"/>
-          </p:cNvSpPr>
-          <p:nvPr>
-            <p:ph type="dt" sz="half" idx="10"/>
-          </p:nvPr>
-        </p:nvSpPr>
-        <p:spPr/>
-        <p:txBody>
-          <a:bodyPr/>
-          <a:lstStyle/>
-          <a:p>
-            <a:r>
-              <a:rPr lang="en-US" smtClean="0"/>
-              <a:t>2021-01-01</a:t>
-            </a:r>
-            <a:endParaRPr lang="en-US"/>
-          </a:p>
-        </p:txBody>
-      </p:sp>
-      <p:sp>
-        <p:nvSpPr>
-          <p:cNvPr id="5" name="Footer Placeholder 4"/>
-          <p:cNvSpPr>
-            <a:spLocks noGrp="1"/>
-          </p:cNvSpPr>
-          <p:nvPr>
-            <p:ph type="ftr" sz="quarter" idx="11"/>
-          </p:nvPr>
-        </p:nvSpPr>
-        <p:spPr/>
-        <p:txBody>
-          <a:bodyPr/>
-          <a:lstStyle/>
-          <a:p>
-            <a:r>
-              <a:rPr lang="en-US" smtClean="0"/>
-              <a:t>RBL - Boston Python</a:t>
-            </a:r>
-            <a:endParaRPr lang="en-US" dirty="0"/>
-          </a:p>
-        </p:txBody>
-      </p:sp>
-      <p:sp>
-        <p:nvSpPr>
-          <p:cNvPr id="6" name="Slide Number Placeholder 5"/>
-          <p:cNvSpPr>
-            <a:spLocks noGrp="1"/>
-          </p:cNvSpPr>
-          <p:nvPr>
-            <p:ph type="sldNum" sz="quarter" idx="12"/>
-          </p:nvPr>
-        </p:nvSpPr>
-        <p:spPr/>
-        <p:txBody>
-          <a:bodyPr/>
-          <a:lstStyle/>
-          <a:p>
-            <a:fld id="{4E5DAAAA-9FFA-4439-92E3-68E3EA8B0D1F}" type="slidenum">
-              <a:rPr lang="en-US" smtClean="0"/>
-              <a:t>48</a:t>
-            </a:fld>
-            <a:endParaRPr lang="en-US" dirty="0"/>
-          </a:p>
-        </p:txBody>
-      </p:sp>
-    </p:spTree>
-    <p:extLst>
-      <p:ext uri="{BB962C8B-B14F-4D97-AF65-F5344CB8AC3E}">
-        <p14:creationId xmlns:p14="http://schemas.microsoft.com/office/powerpoint/2010/main" val="2188736830"/>
-      </p:ext>
-    </p:extLst>
-  </p:cSld>
-  <p:clrMapOvr>
-    <a:masterClrMapping/>
-  </p:clrMapOvr>
-</p:sld>
-</file>
-
-<file path=ppt/slides/slide49.xml><?xml version="1.0" encoding="utf-8"?>
-<p:sld xmlns:a="http://schemas.openxmlformats.org/drawingml/2006/main" xmlns:r="http://schemas.openxmlformats.org/officeDocument/2006/relationships" xmlns:p="http://schemas.openxmlformats.org/presentationml/2006/main">
-  <p:cSld>
-    <p:spTree>
-      <p:nvGrpSpPr>
-        <p:cNvPr id="1" name=""/>
-        <p:cNvGrpSpPr/>
-        <p:nvPr/>
-      </p:nvGrpSpPr>
-      <p:grpSpPr>
-        <a:xfrm>
-          <a:off x="0" y="0"/>
-          <a:ext cx="0" cy="0"/>
-          <a:chOff x="0" y="0"/>
-          <a:chExt cx="0" cy="0"/>
-        </a:xfrm>
-      </p:grpSpPr>
-      <p:sp>
-        <p:nvSpPr>
-          <p:cNvPr id="2" name="Title 1"/>
-          <p:cNvSpPr>
-            <a:spLocks noGrp="1"/>
-          </p:cNvSpPr>
-          <p:nvPr>
-            <p:ph type="title"/>
-          </p:nvPr>
-        </p:nvSpPr>
-        <p:spPr/>
-        <p:txBody>
-          <a:bodyPr/>
-          <a:lstStyle/>
-          <a:p>
-            <a:r>
-              <a:rPr lang="en-US" dirty="0" smtClean="0"/>
-              <a:t>Other Random Weirdness</a:t>
-            </a:r>
-            <a:endParaRPr lang="en-US" dirty="0"/>
-          </a:p>
-        </p:txBody>
-      </p:sp>
-      <p:sp>
-        <p:nvSpPr>
-          <p:cNvPr id="3" name="Content Placeholder 2"/>
-          <p:cNvSpPr>
-            <a:spLocks noGrp="1"/>
-          </p:cNvSpPr>
-          <p:nvPr>
-            <p:ph idx="1"/>
-          </p:nvPr>
-        </p:nvSpPr>
-        <p:spPr/>
-        <p:txBody>
-          <a:bodyPr/>
-          <a:lstStyle/>
-          <a:p>
-            <a:r>
-              <a:rPr lang="en-US" sz="3200" kern="1200" dirty="0" smtClean="0">
-                <a:solidFill>
-                  <a:schemeClr val="tx1"/>
-                </a:solidFill>
-                <a:effectLst/>
-                <a:latin typeface="+mn-lt"/>
-                <a:ea typeface="+mn-ea"/>
-                <a:cs typeface="+mn-cs"/>
-              </a:rPr>
-              <a:t>Minimize opportunities for syntax errors</a:t>
-            </a:r>
-          </a:p>
-          <a:p>
-            <a:r>
-              <a:rPr lang="en-US" sz="3200" kern="1200" dirty="0" smtClean="0">
-                <a:solidFill>
-                  <a:schemeClr val="tx1"/>
-                </a:solidFill>
-                <a:effectLst/>
-                <a:latin typeface="+mn-lt"/>
-                <a:ea typeface="+mn-ea"/>
-                <a:cs typeface="+mn-cs"/>
-              </a:rPr>
-              <a:t>Commas at beginning of lines in argument lists</a:t>
-            </a:r>
-          </a:p>
-          <a:p>
-            <a:r>
-              <a:rPr lang="en-US" sz="3200" kern="1200" dirty="0" smtClean="0">
-                <a:solidFill>
-                  <a:schemeClr val="tx1"/>
-                </a:solidFill>
-                <a:effectLst/>
-                <a:latin typeface="+mn-lt"/>
-                <a:ea typeface="+mn-ea"/>
-                <a:cs typeface="+mn-cs"/>
-              </a:rPr>
-              <a:t>Consistent tabs and spacing, just as PEP-8 says</a:t>
-            </a:r>
-          </a:p>
-          <a:p>
-            <a:endParaRPr lang="en-US" dirty="0" smtClean="0"/>
-          </a:p>
-        </p:txBody>
-      </p:sp>
-      <p:sp>
-        <p:nvSpPr>
-          <p:cNvPr id="4" name="Date Placeholder 3"/>
-          <p:cNvSpPr>
-            <a:spLocks noGrp="1"/>
-          </p:cNvSpPr>
-          <p:nvPr>
-            <p:ph type="dt" sz="half" idx="10"/>
-          </p:nvPr>
-        </p:nvSpPr>
-        <p:spPr/>
-        <p:txBody>
-          <a:bodyPr/>
-          <a:lstStyle/>
-          <a:p>
-            <a:r>
-              <a:rPr lang="en-US" smtClean="0"/>
-              <a:t>2021-01-01</a:t>
-            </a:r>
-            <a:endParaRPr lang="en-US"/>
-          </a:p>
-        </p:txBody>
-      </p:sp>
-      <p:sp>
-        <p:nvSpPr>
-          <p:cNvPr id="5" name="Footer Placeholder 4"/>
-          <p:cNvSpPr>
-            <a:spLocks noGrp="1"/>
-          </p:cNvSpPr>
-          <p:nvPr>
-            <p:ph type="ftr" sz="quarter" idx="11"/>
-          </p:nvPr>
-        </p:nvSpPr>
-        <p:spPr/>
-        <p:txBody>
-          <a:bodyPr/>
-          <a:lstStyle/>
-          <a:p>
-            <a:r>
-              <a:rPr lang="en-US" smtClean="0"/>
-              <a:t>RBL - Boston Python</a:t>
-            </a:r>
-            <a:endParaRPr lang="en-US" dirty="0"/>
-          </a:p>
-        </p:txBody>
-      </p:sp>
-      <p:sp>
-        <p:nvSpPr>
-          <p:cNvPr id="6" name="Slide Number Placeholder 5"/>
-          <p:cNvSpPr>
-            <a:spLocks noGrp="1"/>
-          </p:cNvSpPr>
-          <p:nvPr>
-            <p:ph type="sldNum" sz="quarter" idx="12"/>
-          </p:nvPr>
-        </p:nvSpPr>
-        <p:spPr/>
-        <p:txBody>
-          <a:bodyPr/>
-          <a:lstStyle/>
-          <a:p>
-            <a:fld id="{4E5DAAAA-9FFA-4439-92E3-68E3EA8B0D1F}" type="slidenum">
-              <a:rPr lang="en-US" smtClean="0"/>
-              <a:t>49</a:t>
-            </a:fld>
-            <a:endParaRPr lang="en-US" dirty="0"/>
-          </a:p>
-        </p:txBody>
-      </p:sp>
-    </p:spTree>
-    <p:extLst>
-      <p:ext uri="{BB962C8B-B14F-4D97-AF65-F5344CB8AC3E}">
-        <p14:creationId xmlns:p14="http://schemas.microsoft.com/office/powerpoint/2010/main" val="630806096"/>
-      </p:ext>
-    </p:extLst>
-  </p:cSld>
-  <p:clrMapOvr>
-    <a:masterClrMapping/>
-  </p:clrMapOvr>
-</p:sld>
-</file>
-
 <file path=ppt/slides/slide5.xml><?xml version="1.0" encoding="utf-8"?>
 <p:sld xmlns:a="http://schemas.openxmlformats.org/drawingml/2006/main" xmlns:r="http://schemas.openxmlformats.org/officeDocument/2006/relationships" xmlns:p="http://schemas.openxmlformats.org/presentationml/2006/main">
   <p:cSld>
@@ -12923,41 +11350,8 @@
                 <a:ea typeface="+mn-ea"/>
                 <a:cs typeface="+mn-cs"/>
               </a:rPr>
-              <a:t>If </a:t>
-            </a:r>
-            <a:r>
-              <a:rPr lang="en-US" sz="3200" kern="1200" dirty="0" smtClean="0">
-                <a:solidFill>
-                  <a:schemeClr val="tx1"/>
-                </a:solidFill>
-                <a:effectLst/>
-                <a:latin typeface="+mn-lt"/>
-                <a:ea typeface="+mn-ea"/>
-                <a:cs typeface="+mn-cs"/>
-              </a:rPr>
-              <a:t>I were building packages for distribution, I would reform my evil </a:t>
-            </a:r>
-            <a:r>
-              <a:rPr lang="en-US" sz="3200" kern="1200" dirty="0" smtClean="0">
-                <a:solidFill>
-                  <a:schemeClr val="tx1"/>
-                </a:solidFill>
-                <a:effectLst/>
-                <a:latin typeface="+mn-lt"/>
-                <a:ea typeface="+mn-ea"/>
-                <a:cs typeface="+mn-cs"/>
-              </a:rPr>
-              <a:t>ways</a:t>
-            </a:r>
-            <a:endParaRPr lang="en-US" sz="3200" kern="1200" dirty="0" smtClean="0">
-              <a:solidFill>
-                <a:schemeClr val="tx1"/>
-              </a:solidFill>
-              <a:effectLst/>
-              <a:latin typeface="+mn-lt"/>
-              <a:ea typeface="+mn-ea"/>
-              <a:cs typeface="+mn-cs"/>
-            </a:endParaRPr>
+              <a:t>If I were building packages for distribution, I might reform my evil ways</a:t>
+            </a:r>
           </a:p>
         </p:txBody>
       </p:sp>
@@ -13034,691 +11428,6 @@
     <p:extLst>
       <p:ext uri="{BB962C8B-B14F-4D97-AF65-F5344CB8AC3E}">
         <p14:creationId xmlns:p14="http://schemas.microsoft.com/office/powerpoint/2010/main" val="1853156086"/>
-      </p:ext>
-    </p:extLst>
-  </p:cSld>
-  <p:clrMapOvr>
-    <a:masterClrMapping/>
-  </p:clrMapOvr>
-</p:sld>
-</file>
-
-<file path=ppt/slides/slide50.xml><?xml version="1.0" encoding="utf-8"?>
-<p:sld xmlns:a="http://schemas.openxmlformats.org/drawingml/2006/main" xmlns:r="http://schemas.openxmlformats.org/officeDocument/2006/relationships" xmlns:p="http://schemas.openxmlformats.org/presentationml/2006/main">
-  <p:cSld>
-    <p:spTree>
-      <p:nvGrpSpPr>
-        <p:cNvPr id="1" name=""/>
-        <p:cNvGrpSpPr/>
-        <p:nvPr/>
-      </p:nvGrpSpPr>
-      <p:grpSpPr>
-        <a:xfrm>
-          <a:off x="0" y="0"/>
-          <a:ext cx="0" cy="0"/>
-          <a:chOff x="0" y="0"/>
-          <a:chExt cx="0" cy="0"/>
-        </a:xfrm>
-      </p:grpSpPr>
-      <p:sp>
-        <p:nvSpPr>
-          <p:cNvPr id="2" name="Title 1"/>
-          <p:cNvSpPr>
-            <a:spLocks noGrp="1"/>
-          </p:cNvSpPr>
-          <p:nvPr>
-            <p:ph type="title"/>
-          </p:nvPr>
-        </p:nvSpPr>
-        <p:spPr/>
-        <p:txBody>
-          <a:bodyPr/>
-          <a:lstStyle/>
-          <a:p>
-            <a:endParaRPr lang="en-US" dirty="0"/>
-          </a:p>
-        </p:txBody>
-      </p:sp>
-      <p:sp>
-        <p:nvSpPr>
-          <p:cNvPr id="3" name="Content Placeholder 2"/>
-          <p:cNvSpPr>
-            <a:spLocks noGrp="1"/>
-          </p:cNvSpPr>
-          <p:nvPr>
-            <p:ph idx="1"/>
-          </p:nvPr>
-        </p:nvSpPr>
-        <p:spPr/>
-        <p:txBody>
-          <a:bodyPr/>
-          <a:lstStyle/>
-          <a:p>
-            <a:endParaRPr lang="en-US"/>
-          </a:p>
-        </p:txBody>
-      </p:sp>
-      <p:sp>
-        <p:nvSpPr>
-          <p:cNvPr id="4" name="Date Placeholder 3"/>
-          <p:cNvSpPr>
-            <a:spLocks noGrp="1"/>
-          </p:cNvSpPr>
-          <p:nvPr>
-            <p:ph type="dt" sz="half" idx="10"/>
-          </p:nvPr>
-        </p:nvSpPr>
-        <p:spPr/>
-        <p:txBody>
-          <a:bodyPr/>
-          <a:lstStyle/>
-          <a:p>
-            <a:r>
-              <a:rPr lang="en-US" smtClean="0"/>
-              <a:t>2021-01-01</a:t>
-            </a:r>
-            <a:endParaRPr lang="en-US"/>
-          </a:p>
-        </p:txBody>
-      </p:sp>
-      <p:sp>
-        <p:nvSpPr>
-          <p:cNvPr id="5" name="Footer Placeholder 4"/>
-          <p:cNvSpPr>
-            <a:spLocks noGrp="1"/>
-          </p:cNvSpPr>
-          <p:nvPr>
-            <p:ph type="ftr" sz="quarter" idx="11"/>
-          </p:nvPr>
-        </p:nvSpPr>
-        <p:spPr/>
-        <p:txBody>
-          <a:bodyPr/>
-          <a:lstStyle/>
-          <a:p>
-            <a:r>
-              <a:rPr lang="en-US" smtClean="0"/>
-              <a:t>RBL - Boston Python</a:t>
-            </a:r>
-            <a:endParaRPr lang="en-US" dirty="0"/>
-          </a:p>
-        </p:txBody>
-      </p:sp>
-      <p:sp>
-        <p:nvSpPr>
-          <p:cNvPr id="6" name="Slide Number Placeholder 5"/>
-          <p:cNvSpPr>
-            <a:spLocks noGrp="1"/>
-          </p:cNvSpPr>
-          <p:nvPr>
-            <p:ph type="sldNum" sz="quarter" idx="12"/>
-          </p:nvPr>
-        </p:nvSpPr>
-        <p:spPr/>
-        <p:txBody>
-          <a:bodyPr/>
-          <a:lstStyle/>
-          <a:p>
-            <a:fld id="{4E5DAAAA-9FFA-4439-92E3-68E3EA8B0D1F}" type="slidenum">
-              <a:rPr lang="en-US" smtClean="0"/>
-              <a:t>50</a:t>
-            </a:fld>
-            <a:endParaRPr lang="en-US" dirty="0"/>
-          </a:p>
-        </p:txBody>
-      </p:sp>
-    </p:spTree>
-    <p:extLst>
-      <p:ext uri="{BB962C8B-B14F-4D97-AF65-F5344CB8AC3E}">
-        <p14:creationId xmlns:p14="http://schemas.microsoft.com/office/powerpoint/2010/main" val="2919167354"/>
-      </p:ext>
-    </p:extLst>
-  </p:cSld>
-  <p:clrMapOvr>
-    <a:masterClrMapping/>
-  </p:clrMapOvr>
-</p:sld>
-</file>
-
-<file path=ppt/slides/slide51.xml><?xml version="1.0" encoding="utf-8"?>
-<p:sld xmlns:a="http://schemas.openxmlformats.org/drawingml/2006/main" xmlns:r="http://schemas.openxmlformats.org/officeDocument/2006/relationships" xmlns:p="http://schemas.openxmlformats.org/presentationml/2006/main">
-  <p:cSld>
-    <p:spTree>
-      <p:nvGrpSpPr>
-        <p:cNvPr id="1" name=""/>
-        <p:cNvGrpSpPr/>
-        <p:nvPr/>
-      </p:nvGrpSpPr>
-      <p:grpSpPr>
-        <a:xfrm>
-          <a:off x="0" y="0"/>
-          <a:ext cx="0" cy="0"/>
-          <a:chOff x="0" y="0"/>
-          <a:chExt cx="0" cy="0"/>
-        </a:xfrm>
-      </p:grpSpPr>
-      <p:sp>
-        <p:nvSpPr>
-          <p:cNvPr id="2" name="Title 1"/>
-          <p:cNvSpPr>
-            <a:spLocks noGrp="1"/>
-          </p:cNvSpPr>
-          <p:nvPr>
-            <p:ph type="title"/>
-          </p:nvPr>
-        </p:nvSpPr>
-        <p:spPr/>
-        <p:txBody>
-          <a:bodyPr/>
-          <a:lstStyle/>
-          <a:p>
-            <a:endParaRPr lang="en-US" dirty="0"/>
-          </a:p>
-        </p:txBody>
-      </p:sp>
-      <p:sp>
-        <p:nvSpPr>
-          <p:cNvPr id="3" name="Content Placeholder 2"/>
-          <p:cNvSpPr>
-            <a:spLocks noGrp="1"/>
-          </p:cNvSpPr>
-          <p:nvPr>
-            <p:ph idx="1"/>
-          </p:nvPr>
-        </p:nvSpPr>
-        <p:spPr/>
-        <p:txBody>
-          <a:bodyPr/>
-          <a:lstStyle/>
-          <a:p>
-            <a:endParaRPr lang="en-US"/>
-          </a:p>
-        </p:txBody>
-      </p:sp>
-      <p:sp>
-        <p:nvSpPr>
-          <p:cNvPr id="4" name="Date Placeholder 3"/>
-          <p:cNvSpPr>
-            <a:spLocks noGrp="1"/>
-          </p:cNvSpPr>
-          <p:nvPr>
-            <p:ph type="dt" sz="half" idx="10"/>
-          </p:nvPr>
-        </p:nvSpPr>
-        <p:spPr/>
-        <p:txBody>
-          <a:bodyPr/>
-          <a:lstStyle/>
-          <a:p>
-            <a:r>
-              <a:rPr lang="en-US" smtClean="0"/>
-              <a:t>2021-01-01</a:t>
-            </a:r>
-            <a:endParaRPr lang="en-US"/>
-          </a:p>
-        </p:txBody>
-      </p:sp>
-      <p:sp>
-        <p:nvSpPr>
-          <p:cNvPr id="5" name="Footer Placeholder 4"/>
-          <p:cNvSpPr>
-            <a:spLocks noGrp="1"/>
-          </p:cNvSpPr>
-          <p:nvPr>
-            <p:ph type="ftr" sz="quarter" idx="11"/>
-          </p:nvPr>
-        </p:nvSpPr>
-        <p:spPr/>
-        <p:txBody>
-          <a:bodyPr/>
-          <a:lstStyle/>
-          <a:p>
-            <a:r>
-              <a:rPr lang="en-US" smtClean="0"/>
-              <a:t>RBL - Boston Python</a:t>
-            </a:r>
-            <a:endParaRPr lang="en-US" dirty="0"/>
-          </a:p>
-        </p:txBody>
-      </p:sp>
-      <p:sp>
-        <p:nvSpPr>
-          <p:cNvPr id="6" name="Slide Number Placeholder 5"/>
-          <p:cNvSpPr>
-            <a:spLocks noGrp="1"/>
-          </p:cNvSpPr>
-          <p:nvPr>
-            <p:ph type="sldNum" sz="quarter" idx="12"/>
-          </p:nvPr>
-        </p:nvSpPr>
-        <p:spPr/>
-        <p:txBody>
-          <a:bodyPr/>
-          <a:lstStyle/>
-          <a:p>
-            <a:fld id="{4E5DAAAA-9FFA-4439-92E3-68E3EA8B0D1F}" type="slidenum">
-              <a:rPr lang="en-US" smtClean="0"/>
-              <a:t>51</a:t>
-            </a:fld>
-            <a:endParaRPr lang="en-US" dirty="0"/>
-          </a:p>
-        </p:txBody>
-      </p:sp>
-    </p:spTree>
-    <p:extLst>
-      <p:ext uri="{BB962C8B-B14F-4D97-AF65-F5344CB8AC3E}">
-        <p14:creationId xmlns:p14="http://schemas.microsoft.com/office/powerpoint/2010/main" val="3859691682"/>
-      </p:ext>
-    </p:extLst>
-  </p:cSld>
-  <p:clrMapOvr>
-    <a:masterClrMapping/>
-  </p:clrMapOvr>
-</p:sld>
-</file>
-
-<file path=ppt/slides/slide52.xml><?xml version="1.0" encoding="utf-8"?>
-<p:sld xmlns:a="http://schemas.openxmlformats.org/drawingml/2006/main" xmlns:r="http://schemas.openxmlformats.org/officeDocument/2006/relationships" xmlns:p="http://schemas.openxmlformats.org/presentationml/2006/main">
-  <p:cSld>
-    <p:spTree>
-      <p:nvGrpSpPr>
-        <p:cNvPr id="1" name=""/>
-        <p:cNvGrpSpPr/>
-        <p:nvPr/>
-      </p:nvGrpSpPr>
-      <p:grpSpPr>
-        <a:xfrm>
-          <a:off x="0" y="0"/>
-          <a:ext cx="0" cy="0"/>
-          <a:chOff x="0" y="0"/>
-          <a:chExt cx="0" cy="0"/>
-        </a:xfrm>
-      </p:grpSpPr>
-      <p:sp>
-        <p:nvSpPr>
-          <p:cNvPr id="2" name="Title 1"/>
-          <p:cNvSpPr>
-            <a:spLocks noGrp="1"/>
-          </p:cNvSpPr>
-          <p:nvPr>
-            <p:ph type="title"/>
-          </p:nvPr>
-        </p:nvSpPr>
-        <p:spPr/>
-        <p:txBody>
-          <a:bodyPr/>
-          <a:lstStyle/>
-          <a:p>
-            <a:endParaRPr lang="en-US" dirty="0"/>
-          </a:p>
-        </p:txBody>
-      </p:sp>
-      <p:sp>
-        <p:nvSpPr>
-          <p:cNvPr id="3" name="Content Placeholder 2"/>
-          <p:cNvSpPr>
-            <a:spLocks noGrp="1"/>
-          </p:cNvSpPr>
-          <p:nvPr>
-            <p:ph idx="1"/>
-          </p:nvPr>
-        </p:nvSpPr>
-        <p:spPr/>
-        <p:txBody>
-          <a:bodyPr/>
-          <a:lstStyle/>
-          <a:p>
-            <a:endParaRPr lang="en-US"/>
-          </a:p>
-        </p:txBody>
-      </p:sp>
-      <p:sp>
-        <p:nvSpPr>
-          <p:cNvPr id="4" name="Date Placeholder 3"/>
-          <p:cNvSpPr>
-            <a:spLocks noGrp="1"/>
-          </p:cNvSpPr>
-          <p:nvPr>
-            <p:ph type="dt" sz="half" idx="10"/>
-          </p:nvPr>
-        </p:nvSpPr>
-        <p:spPr/>
-        <p:txBody>
-          <a:bodyPr/>
-          <a:lstStyle/>
-          <a:p>
-            <a:r>
-              <a:rPr lang="en-US" smtClean="0"/>
-              <a:t>2021-01-01</a:t>
-            </a:r>
-            <a:endParaRPr lang="en-US"/>
-          </a:p>
-        </p:txBody>
-      </p:sp>
-      <p:sp>
-        <p:nvSpPr>
-          <p:cNvPr id="5" name="Footer Placeholder 4"/>
-          <p:cNvSpPr>
-            <a:spLocks noGrp="1"/>
-          </p:cNvSpPr>
-          <p:nvPr>
-            <p:ph type="ftr" sz="quarter" idx="11"/>
-          </p:nvPr>
-        </p:nvSpPr>
-        <p:spPr/>
-        <p:txBody>
-          <a:bodyPr/>
-          <a:lstStyle/>
-          <a:p>
-            <a:r>
-              <a:rPr lang="en-US" smtClean="0"/>
-              <a:t>RBL - Boston Python</a:t>
-            </a:r>
-            <a:endParaRPr lang="en-US" dirty="0"/>
-          </a:p>
-        </p:txBody>
-      </p:sp>
-      <p:sp>
-        <p:nvSpPr>
-          <p:cNvPr id="6" name="Slide Number Placeholder 5"/>
-          <p:cNvSpPr>
-            <a:spLocks noGrp="1"/>
-          </p:cNvSpPr>
-          <p:nvPr>
-            <p:ph type="sldNum" sz="quarter" idx="12"/>
-          </p:nvPr>
-        </p:nvSpPr>
-        <p:spPr/>
-        <p:txBody>
-          <a:bodyPr/>
-          <a:lstStyle/>
-          <a:p>
-            <a:fld id="{4E5DAAAA-9FFA-4439-92E3-68E3EA8B0D1F}" type="slidenum">
-              <a:rPr lang="en-US" smtClean="0"/>
-              <a:t>52</a:t>
-            </a:fld>
-            <a:endParaRPr lang="en-US" dirty="0"/>
-          </a:p>
-        </p:txBody>
-      </p:sp>
-    </p:spTree>
-    <p:extLst>
-      <p:ext uri="{BB962C8B-B14F-4D97-AF65-F5344CB8AC3E}">
-        <p14:creationId xmlns:p14="http://schemas.microsoft.com/office/powerpoint/2010/main" val="873137246"/>
-      </p:ext>
-    </p:extLst>
-  </p:cSld>
-  <p:clrMapOvr>
-    <a:masterClrMapping/>
-  </p:clrMapOvr>
-</p:sld>
-</file>
-
-<file path=ppt/slides/slide53.xml><?xml version="1.0" encoding="utf-8"?>
-<p:sld xmlns:a="http://schemas.openxmlformats.org/drawingml/2006/main" xmlns:r="http://schemas.openxmlformats.org/officeDocument/2006/relationships" xmlns:p="http://schemas.openxmlformats.org/presentationml/2006/main">
-  <p:cSld>
-    <p:spTree>
-      <p:nvGrpSpPr>
-        <p:cNvPr id="1" name=""/>
-        <p:cNvGrpSpPr/>
-        <p:nvPr/>
-      </p:nvGrpSpPr>
-      <p:grpSpPr>
-        <a:xfrm>
-          <a:off x="0" y="0"/>
-          <a:ext cx="0" cy="0"/>
-          <a:chOff x="0" y="0"/>
-          <a:chExt cx="0" cy="0"/>
-        </a:xfrm>
-      </p:grpSpPr>
-      <p:sp>
-        <p:nvSpPr>
-          <p:cNvPr id="2" name="Title 1"/>
-          <p:cNvSpPr>
-            <a:spLocks noGrp="1"/>
-          </p:cNvSpPr>
-          <p:nvPr>
-            <p:ph type="title"/>
-          </p:nvPr>
-        </p:nvSpPr>
-        <p:spPr/>
-        <p:txBody>
-          <a:bodyPr/>
-          <a:lstStyle/>
-          <a:p>
-            <a:endParaRPr lang="en-US" dirty="0"/>
-          </a:p>
-        </p:txBody>
-      </p:sp>
-      <p:sp>
-        <p:nvSpPr>
-          <p:cNvPr id="3" name="Content Placeholder 2"/>
-          <p:cNvSpPr>
-            <a:spLocks noGrp="1"/>
-          </p:cNvSpPr>
-          <p:nvPr>
-            <p:ph idx="1"/>
-          </p:nvPr>
-        </p:nvSpPr>
-        <p:spPr/>
-        <p:txBody>
-          <a:bodyPr/>
-          <a:lstStyle/>
-          <a:p>
-            <a:endParaRPr lang="en-US"/>
-          </a:p>
-        </p:txBody>
-      </p:sp>
-      <p:sp>
-        <p:nvSpPr>
-          <p:cNvPr id="4" name="Date Placeholder 3"/>
-          <p:cNvSpPr>
-            <a:spLocks noGrp="1"/>
-          </p:cNvSpPr>
-          <p:nvPr>
-            <p:ph type="dt" sz="half" idx="10"/>
-          </p:nvPr>
-        </p:nvSpPr>
-        <p:spPr/>
-        <p:txBody>
-          <a:bodyPr/>
-          <a:lstStyle/>
-          <a:p>
-            <a:r>
-              <a:rPr lang="en-US" smtClean="0"/>
-              <a:t>2021-01-01</a:t>
-            </a:r>
-            <a:endParaRPr lang="en-US"/>
-          </a:p>
-        </p:txBody>
-      </p:sp>
-      <p:sp>
-        <p:nvSpPr>
-          <p:cNvPr id="5" name="Footer Placeholder 4"/>
-          <p:cNvSpPr>
-            <a:spLocks noGrp="1"/>
-          </p:cNvSpPr>
-          <p:nvPr>
-            <p:ph type="ftr" sz="quarter" idx="11"/>
-          </p:nvPr>
-        </p:nvSpPr>
-        <p:spPr/>
-        <p:txBody>
-          <a:bodyPr/>
-          <a:lstStyle/>
-          <a:p>
-            <a:r>
-              <a:rPr lang="en-US" smtClean="0"/>
-              <a:t>RBL - Boston Python</a:t>
-            </a:r>
-            <a:endParaRPr lang="en-US" dirty="0"/>
-          </a:p>
-        </p:txBody>
-      </p:sp>
-      <p:sp>
-        <p:nvSpPr>
-          <p:cNvPr id="6" name="Slide Number Placeholder 5"/>
-          <p:cNvSpPr>
-            <a:spLocks noGrp="1"/>
-          </p:cNvSpPr>
-          <p:nvPr>
-            <p:ph type="sldNum" sz="quarter" idx="12"/>
-          </p:nvPr>
-        </p:nvSpPr>
-        <p:spPr/>
-        <p:txBody>
-          <a:bodyPr/>
-          <a:lstStyle/>
-          <a:p>
-            <a:fld id="{4E5DAAAA-9FFA-4439-92E3-68E3EA8B0D1F}" type="slidenum">
-              <a:rPr lang="en-US" smtClean="0"/>
-              <a:t>53</a:t>
-            </a:fld>
-            <a:endParaRPr lang="en-US" dirty="0"/>
-          </a:p>
-        </p:txBody>
-      </p:sp>
-    </p:spTree>
-    <p:extLst>
-      <p:ext uri="{BB962C8B-B14F-4D97-AF65-F5344CB8AC3E}">
-        <p14:creationId xmlns:p14="http://schemas.microsoft.com/office/powerpoint/2010/main" val="2769191853"/>
-      </p:ext>
-    </p:extLst>
-  </p:cSld>
-  <p:clrMapOvr>
-    <a:masterClrMapping/>
-  </p:clrMapOvr>
-</p:sld>
-</file>
-
-<file path=ppt/slides/slide54.xml><?xml version="1.0" encoding="utf-8"?>
-<p:sld xmlns:a="http://schemas.openxmlformats.org/drawingml/2006/main" xmlns:r="http://schemas.openxmlformats.org/officeDocument/2006/relationships" xmlns:p="http://schemas.openxmlformats.org/presentationml/2006/main">
-  <p:cSld>
-    <p:spTree>
-      <p:nvGrpSpPr>
-        <p:cNvPr id="1" name=""/>
-        <p:cNvGrpSpPr/>
-        <p:nvPr/>
-      </p:nvGrpSpPr>
-      <p:grpSpPr>
-        <a:xfrm>
-          <a:off x="0" y="0"/>
-          <a:ext cx="0" cy="0"/>
-          <a:chOff x="0" y="0"/>
-          <a:chExt cx="0" cy="0"/>
-        </a:xfrm>
-      </p:grpSpPr>
-      <p:sp>
-        <p:nvSpPr>
-          <p:cNvPr id="2" name="Title 1"/>
-          <p:cNvSpPr>
-            <a:spLocks noGrp="1"/>
-          </p:cNvSpPr>
-          <p:nvPr>
-            <p:ph type="title"/>
-          </p:nvPr>
-        </p:nvSpPr>
-        <p:spPr/>
-        <p:txBody>
-          <a:bodyPr/>
-          <a:lstStyle/>
-          <a:p>
-            <a:endParaRPr lang="en-US" dirty="0"/>
-          </a:p>
-        </p:txBody>
-      </p:sp>
-      <p:sp>
-        <p:nvSpPr>
-          <p:cNvPr id="3" name="Content Placeholder 2"/>
-          <p:cNvSpPr>
-            <a:spLocks noGrp="1"/>
-          </p:cNvSpPr>
-          <p:nvPr>
-            <p:ph idx="1"/>
-          </p:nvPr>
-        </p:nvSpPr>
-        <p:spPr/>
-        <p:txBody>
-          <a:bodyPr/>
-          <a:lstStyle/>
-          <a:p>
-            <a:endParaRPr lang="en-US"/>
-          </a:p>
-        </p:txBody>
-      </p:sp>
-      <p:sp>
-        <p:nvSpPr>
-          <p:cNvPr id="4" name="Date Placeholder 3"/>
-          <p:cNvSpPr>
-            <a:spLocks noGrp="1"/>
-          </p:cNvSpPr>
-          <p:nvPr>
-            <p:ph type="dt" sz="half" idx="10"/>
-          </p:nvPr>
-        </p:nvSpPr>
-        <p:spPr/>
-        <p:txBody>
-          <a:bodyPr/>
-          <a:lstStyle/>
-          <a:p>
-            <a:r>
-              <a:rPr lang="en-US" smtClean="0"/>
-              <a:t>2021-01-01</a:t>
-            </a:r>
-            <a:endParaRPr lang="en-US"/>
-          </a:p>
-        </p:txBody>
-      </p:sp>
-      <p:sp>
-        <p:nvSpPr>
-          <p:cNvPr id="5" name="Footer Placeholder 4"/>
-          <p:cNvSpPr>
-            <a:spLocks noGrp="1"/>
-          </p:cNvSpPr>
-          <p:nvPr>
-            <p:ph type="ftr" sz="quarter" idx="11"/>
-          </p:nvPr>
-        </p:nvSpPr>
-        <p:spPr/>
-        <p:txBody>
-          <a:bodyPr/>
-          <a:lstStyle/>
-          <a:p>
-            <a:r>
-              <a:rPr lang="en-US" smtClean="0"/>
-              <a:t>RBL - Boston Python</a:t>
-            </a:r>
-            <a:endParaRPr lang="en-US" dirty="0"/>
-          </a:p>
-        </p:txBody>
-      </p:sp>
-      <p:sp>
-        <p:nvSpPr>
-          <p:cNvPr id="6" name="Slide Number Placeholder 5"/>
-          <p:cNvSpPr>
-            <a:spLocks noGrp="1"/>
-          </p:cNvSpPr>
-          <p:nvPr>
-            <p:ph type="sldNum" sz="quarter" idx="12"/>
-          </p:nvPr>
-        </p:nvSpPr>
-        <p:spPr/>
-        <p:txBody>
-          <a:bodyPr/>
-          <a:lstStyle/>
-          <a:p>
-            <a:fld id="{4E5DAAAA-9FFA-4439-92E3-68E3EA8B0D1F}" type="slidenum">
-              <a:rPr lang="en-US" smtClean="0"/>
-              <a:t>54</a:t>
-            </a:fld>
-            <a:endParaRPr lang="en-US" dirty="0"/>
-          </a:p>
-        </p:txBody>
-      </p:sp>
-    </p:spTree>
-    <p:extLst>
-      <p:ext uri="{BB962C8B-B14F-4D97-AF65-F5344CB8AC3E}">
-        <p14:creationId xmlns:p14="http://schemas.microsoft.com/office/powerpoint/2010/main" val="2593043557"/>
       </p:ext>
     </p:extLst>
   </p:cSld>
@@ -14073,7 +11782,31 @@
                 <a:ea typeface="+mn-ea"/>
                 <a:cs typeface="+mn-cs"/>
               </a:rPr>
-              <a:t>Use dictionaries to map from class and ID to instance pointers</a:t>
+              <a:t>Use dictionaries to map from (class and) ID-string</a:t>
+            </a:r>
+            <a:r>
+              <a:rPr lang="en-US" sz="3200" kern="1200" baseline="0" dirty="0" smtClean="0">
+                <a:solidFill>
+                  <a:schemeClr val="tx1"/>
+                </a:solidFill>
+                <a:effectLst/>
+                <a:latin typeface="+mn-lt"/>
+                <a:ea typeface="+mn-ea"/>
+                <a:cs typeface="+mn-cs"/>
+              </a:rPr>
+              <a:t> </a:t>
+            </a:r>
+            <a:r>
+              <a:rPr lang="en-US" sz="3200" kern="1200" dirty="0" smtClean="0">
+                <a:solidFill>
+                  <a:schemeClr val="tx1"/>
+                </a:solidFill>
+                <a:effectLst/>
+                <a:latin typeface="+mn-lt"/>
+                <a:ea typeface="+mn-ea"/>
+                <a:cs typeface="+mn-cs"/>
+              </a:rPr>
+              <a:t>to instance</a:t>
             </a:r>
           </a:p>
           <a:p>

--- a/docs/OfflineDebugging/A Dinosaur and a Python 02.pptx
+++ b/docs/OfflineDebugging/A Dinosaur and a Python 02.pptx
@@ -5,7 +5,7 @@
     <p:sldMasterId id="2147483648" r:id="rId1"/>
   </p:sldMasterIdLst>
   <p:notesMasterIdLst>
-    <p:notesMasterId r:id="rId41"/>
+    <p:notesMasterId r:id="rId37"/>
   </p:notesMasterIdLst>
   <p:sldIdLst>
     <p:sldId id="256" r:id="rId2"/>
@@ -14,39 +14,35 @@
     <p:sldId id="260" r:id="rId5"/>
     <p:sldId id="298" r:id="rId6"/>
     <p:sldId id="263" r:id="rId7"/>
-    <p:sldId id="299" r:id="rId8"/>
-    <p:sldId id="264" r:id="rId9"/>
-    <p:sldId id="294" r:id="rId10"/>
-    <p:sldId id="293" r:id="rId11"/>
-    <p:sldId id="265" r:id="rId12"/>
+    <p:sldId id="264" r:id="rId8"/>
+    <p:sldId id="294" r:id="rId9"/>
+    <p:sldId id="293" r:id="rId10"/>
+    <p:sldId id="265" r:id="rId11"/>
+    <p:sldId id="296" r:id="rId12"/>
     <p:sldId id="295" r:id="rId13"/>
-    <p:sldId id="296" r:id="rId14"/>
-    <p:sldId id="297" r:id="rId15"/>
-    <p:sldId id="261" r:id="rId16"/>
-    <p:sldId id="292" r:id="rId17"/>
-    <p:sldId id="271" r:id="rId18"/>
-    <p:sldId id="317" r:id="rId19"/>
-    <p:sldId id="318" r:id="rId20"/>
-    <p:sldId id="319" r:id="rId21"/>
-    <p:sldId id="272" r:id="rId22"/>
-    <p:sldId id="300" r:id="rId23"/>
-    <p:sldId id="302" r:id="rId24"/>
-    <p:sldId id="274" r:id="rId25"/>
-    <p:sldId id="301" r:id="rId26"/>
-    <p:sldId id="275" r:id="rId27"/>
-    <p:sldId id="291" r:id="rId28"/>
+    <p:sldId id="297" r:id="rId14"/>
+    <p:sldId id="261" r:id="rId15"/>
+    <p:sldId id="292" r:id="rId16"/>
+    <p:sldId id="271" r:id="rId17"/>
+    <p:sldId id="317" r:id="rId18"/>
+    <p:sldId id="318" r:id="rId19"/>
+    <p:sldId id="319" r:id="rId20"/>
+    <p:sldId id="272" r:id="rId21"/>
+    <p:sldId id="300" r:id="rId22"/>
+    <p:sldId id="302" r:id="rId23"/>
+    <p:sldId id="274" r:id="rId24"/>
+    <p:sldId id="301" r:id="rId25"/>
+    <p:sldId id="275" r:id="rId26"/>
+    <p:sldId id="291" r:id="rId27"/>
+    <p:sldId id="331" r:id="rId28"/>
     <p:sldId id="277" r:id="rId29"/>
     <p:sldId id="321" r:id="rId30"/>
     <p:sldId id="322" r:id="rId31"/>
     <p:sldId id="330" r:id="rId32"/>
-    <p:sldId id="323" r:id="rId33"/>
-    <p:sldId id="324" r:id="rId34"/>
-    <p:sldId id="279" r:id="rId35"/>
-    <p:sldId id="280" r:id="rId36"/>
-    <p:sldId id="276" r:id="rId37"/>
-    <p:sldId id="281" r:id="rId38"/>
-    <p:sldId id="282" r:id="rId39"/>
-    <p:sldId id="286" r:id="rId40"/>
+    <p:sldId id="324" r:id="rId33"/>
+    <p:sldId id="279" r:id="rId34"/>
+    <p:sldId id="276" r:id="rId35"/>
+    <p:sldId id="286" r:id="rId36"/>
   </p:sldIdLst>
   <p:sldSz cx="9144000" cy="6858000" type="screen4x3"/>
   <p:notesSz cx="6858000" cy="9144000"/>
@@ -230,7 +226,7 @@
           <a:p>
             <a:fld id="{34DABC08-5500-4080-81A3-D11EBECCC5B6}" type="datetimeFigureOut">
               <a:rPr lang="en-US" smtClean="0"/>
-              <a:t>2021-01-15</a:t>
+              <a:t>2021-01-19</a:t>
             </a:fld>
             <a:endParaRPr lang="en-US"/>
           </a:p>
@@ -573,6 +569,90 @@
     <p:extLst>
       <p:ext uri="{BB962C8B-B14F-4D97-AF65-F5344CB8AC3E}">
         <p14:creationId xmlns:p14="http://schemas.microsoft.com/office/powerpoint/2010/main" val="1802001345"/>
+      </p:ext>
+    </p:extLst>
+  </p:cSld>
+  <p:clrMapOvr>
+    <a:masterClrMapping/>
+  </p:clrMapOvr>
+</p:notes>
+</file>
+
+<file path=ppt/notesSlides/notesSlide2.xml><?xml version="1.0" encoding="utf-8"?>
+<p:notes xmlns:a="http://schemas.openxmlformats.org/drawingml/2006/main" xmlns:r="http://schemas.openxmlformats.org/officeDocument/2006/relationships" xmlns:p="http://schemas.openxmlformats.org/presentationml/2006/main">
+  <p:cSld>
+    <p:spTree>
+      <p:nvGrpSpPr>
+        <p:cNvPr id="1" name=""/>
+        <p:cNvGrpSpPr/>
+        <p:nvPr/>
+      </p:nvGrpSpPr>
+      <p:grpSpPr>
+        <a:xfrm>
+          <a:off x="0" y="0"/>
+          <a:ext cx="0" cy="0"/>
+          <a:chOff x="0" y="0"/>
+          <a:chExt cx="0" cy="0"/>
+        </a:xfrm>
+      </p:grpSpPr>
+      <p:sp>
+        <p:nvSpPr>
+          <p:cNvPr id="2" name="Slide Image Placeholder 1"/>
+          <p:cNvSpPr>
+            <a:spLocks noGrp="1" noRot="1" noChangeAspect="1"/>
+          </p:cNvSpPr>
+          <p:nvPr>
+            <p:ph type="sldImg"/>
+          </p:nvPr>
+        </p:nvSpPr>
+        <p:spPr/>
+      </p:sp>
+      <p:sp>
+        <p:nvSpPr>
+          <p:cNvPr id="3" name="Notes Placeholder 2"/>
+          <p:cNvSpPr>
+            <a:spLocks noGrp="1"/>
+          </p:cNvSpPr>
+          <p:nvPr>
+            <p:ph type="body" idx="1"/>
+          </p:nvPr>
+        </p:nvSpPr>
+        <p:spPr/>
+        <p:txBody>
+          <a:bodyPr/>
+          <a:lstStyle/>
+          <a:p>
+            <a:endParaRPr lang="en-US" dirty="0"/>
+          </a:p>
+        </p:txBody>
+      </p:sp>
+      <p:sp>
+        <p:nvSpPr>
+          <p:cNvPr id="4" name="Slide Number Placeholder 3"/>
+          <p:cNvSpPr>
+            <a:spLocks noGrp="1"/>
+          </p:cNvSpPr>
+          <p:nvPr>
+            <p:ph type="sldNum" sz="quarter" idx="10"/>
+          </p:nvPr>
+        </p:nvSpPr>
+        <p:spPr/>
+        <p:txBody>
+          <a:bodyPr/>
+          <a:lstStyle/>
+          <a:p>
+            <a:fld id="{E3C747D4-569D-4A36-9900-76CDCE968818}" type="slidenum">
+              <a:rPr lang="en-US" smtClean="0"/>
+              <a:t>27</a:t>
+            </a:fld>
+            <a:endParaRPr lang="en-US"/>
+          </a:p>
+        </p:txBody>
+      </p:sp>
+    </p:spTree>
+    <p:extLst>
+      <p:ext uri="{BB962C8B-B14F-4D97-AF65-F5344CB8AC3E}">
+        <p14:creationId xmlns:p14="http://schemas.microsoft.com/office/powerpoint/2010/main" val="2081727689"/>
       </p:ext>
     </p:extLst>
   </p:cSld>
@@ -3739,7 +3819,15 @@
           <a:p>
             <a:r>
               <a:rPr lang="en-US" dirty="0" smtClean="0"/>
-              <a:t>How a dinosaur codes in Python</a:t>
+              <a:t>How a </a:t>
+            </a:r>
+            <a:r>
+              <a:rPr lang="en-US" smtClean="0"/>
+              <a:t>dinosaur debugs </a:t>
+            </a:r>
+            <a:r>
+              <a:rPr lang="en-US" dirty="0" smtClean="0"/>
+              <a:t>in Python</a:t>
             </a:r>
             <a:endParaRPr lang="en-US" dirty="0"/>
           </a:p>
@@ -3969,16 +4057,21 @@
         </p:nvSpPr>
         <p:spPr/>
         <p:txBody>
-          <a:bodyPr/>
+          <a:bodyPr>
+            <a:normAutofit fontScale="90000"/>
+          </a:bodyPr>
           <a:lstStyle/>
           <a:p>
             <a:r>
               <a:rPr lang="en-US" dirty="0" smtClean="0"/>
-              <a:t>Interactive</a:t>
-            </a:r>
-            <a:r>
-              <a:rPr lang="en-US" baseline="0" dirty="0" smtClean="0"/>
-              <a:t> Debugging</a:t>
+              <a:t>Interactive Debugging </a:t>
+            </a:r>
+            <a:br>
+              <a:rPr lang="en-US" dirty="0" smtClean="0"/>
+            </a:br>
+            <a:r>
+              <a:rPr lang="en-US" dirty="0" smtClean="0"/>
+              <a:t>Might Not be Simple</a:t>
             </a:r>
             <a:endParaRPr lang="en-US" dirty="0"/>
           </a:p>
@@ -3996,64 +4089,117 @@
         </p:nvSpPr>
         <p:spPr/>
         <p:txBody>
-          <a:bodyPr/>
-          <a:lstStyle/>
-          <a:p>
-            <a:r>
-              <a:rPr lang="en-US" baseline="0" dirty="0" smtClean="0"/>
-              <a:t>Set some breakpoints, run, examine data</a:t>
-            </a:r>
-          </a:p>
-          <a:p>
-            <a:r>
-              <a:rPr lang="en-US" baseline="0" dirty="0" smtClean="0"/>
-              <a:t>Great for small-</a:t>
-            </a:r>
-            <a:r>
-              <a:rPr lang="en-US" baseline="0" dirty="0" err="1" smtClean="0"/>
-              <a:t>ish</a:t>
-            </a:r>
-            <a:r>
-              <a:rPr lang="en-US" baseline="0" dirty="0" smtClean="0"/>
-              <a:t> programs that can be run interactively</a:t>
-            </a:r>
-          </a:p>
-          <a:p>
-            <a:r>
-              <a:rPr lang="en-US" dirty="0" err="1" smtClean="0"/>
-              <a:t>pdb</a:t>
-            </a:r>
-            <a:r>
-              <a:rPr lang="en-US" dirty="0" smtClean="0"/>
-              <a:t>,</a:t>
-            </a:r>
-            <a:r>
-              <a:rPr lang="en-US" baseline="0" dirty="0" smtClean="0"/>
-              <a:t> </a:t>
-            </a:r>
-            <a:r>
-              <a:rPr lang="en-US" baseline="0" dirty="0" err="1" smtClean="0"/>
-              <a:t>pudb</a:t>
-            </a:r>
-            <a:r>
-              <a:rPr lang="en-US" baseline="0" dirty="0" smtClean="0"/>
-              <a:t>,</a:t>
-            </a:r>
-            <a:r>
-              <a:rPr lang="en-US" dirty="0" smtClean="0"/>
-              <a:t> a dozen others,</a:t>
-            </a:r>
-            <a:r>
-              <a:rPr lang="en-US" baseline="0" dirty="0" smtClean="0"/>
-              <a:t> etc.</a:t>
-            </a:r>
-          </a:p>
-          <a:p>
-            <a:r>
-              <a:rPr lang="en-US" dirty="0" smtClean="0"/>
-              <a:t>Breakpoints, stepping, data examination</a:t>
-            </a:r>
-            <a:endParaRPr lang="en-US" dirty="0"/>
+          <a:bodyPr>
+            <a:normAutofit/>
+          </a:bodyPr>
+          <a:lstStyle/>
+          <a:p>
+            <a:pPr lvl="0"/>
+            <a:r>
+              <a:rPr lang="en-US" sz="3200" kern="1200" dirty="0" smtClean="0">
+                <a:solidFill>
+                  <a:schemeClr val="tx1"/>
+                </a:solidFill>
+                <a:effectLst/>
+                <a:latin typeface="+mn-lt"/>
+                <a:ea typeface="+mn-ea"/>
+                <a:cs typeface="+mn-cs"/>
+              </a:rPr>
+              <a:t>Interactive debugging might not be eas</a:t>
+            </a:r>
+            <a:r>
+              <a:rPr lang="en-US" sz="3200" kern="1200" baseline="0" dirty="0" smtClean="0">
+                <a:solidFill>
+                  <a:schemeClr val="tx1"/>
+                </a:solidFill>
+                <a:effectLst/>
+                <a:latin typeface="+mn-lt"/>
+                <a:ea typeface="+mn-ea"/>
+                <a:cs typeface="+mn-cs"/>
+              </a:rPr>
+              <a:t>y to use</a:t>
+            </a:r>
+            <a:endParaRPr lang="en-US" sz="3200" kern="1200" dirty="0" smtClean="0">
+              <a:solidFill>
+                <a:schemeClr val="tx1"/>
+              </a:solidFill>
+              <a:effectLst/>
+              <a:latin typeface="+mn-lt"/>
+              <a:ea typeface="+mn-ea"/>
+              <a:cs typeface="+mn-cs"/>
+            </a:endParaRPr>
+          </a:p>
+          <a:p>
+            <a:pPr lvl="1"/>
+            <a:r>
+              <a:rPr lang="en-US" sz="2800" kern="1200" dirty="0" smtClean="0">
+                <a:solidFill>
+                  <a:schemeClr val="tx1"/>
+                </a:solidFill>
+                <a:effectLst/>
+                <a:latin typeface="+mn-lt"/>
+                <a:ea typeface="+mn-ea"/>
+                <a:cs typeface="+mn-cs"/>
+              </a:rPr>
+              <a:t>Lengthy</a:t>
+            </a:r>
+            <a:r>
+              <a:rPr lang="en-US" sz="2800" kern="1200" baseline="0" dirty="0" smtClean="0">
+                <a:solidFill>
+                  <a:schemeClr val="tx1"/>
+                </a:solidFill>
+                <a:effectLst/>
+                <a:latin typeface="+mn-lt"/>
+                <a:ea typeface="+mn-ea"/>
+                <a:cs typeface="+mn-cs"/>
+              </a:rPr>
+              <a:t> or complex setup</a:t>
+            </a:r>
+          </a:p>
+          <a:p>
+            <a:pPr lvl="2"/>
+            <a:r>
+              <a:rPr lang="en-US" sz="2400" kern="1200" baseline="0" dirty="0" smtClean="0">
+                <a:solidFill>
+                  <a:schemeClr val="tx1"/>
+                </a:solidFill>
+                <a:effectLst/>
+                <a:latin typeface="+mn-lt"/>
+                <a:ea typeface="+mn-ea"/>
+                <a:cs typeface="+mn-cs"/>
+              </a:rPr>
+              <a:t>Requires more patience than I have</a:t>
+            </a:r>
+          </a:p>
+          <a:p>
+            <a:pPr lvl="1"/>
+            <a:r>
+              <a:rPr lang="en-US" sz="2800" kern="1200" baseline="0" dirty="0" smtClean="0">
+                <a:solidFill>
+                  <a:schemeClr val="tx1"/>
+                </a:solidFill>
+                <a:effectLst/>
+                <a:latin typeface="+mn-lt"/>
+                <a:ea typeface="+mn-ea"/>
+                <a:cs typeface="+mn-cs"/>
+              </a:rPr>
+              <a:t>Detached process with no UI access</a:t>
+            </a:r>
+          </a:p>
+          <a:p>
+            <a:pPr lvl="1"/>
+            <a:r>
+              <a:rPr lang="en-US" sz="2800" kern="1200" dirty="0" smtClean="0">
+                <a:solidFill>
+                  <a:schemeClr val="tx1"/>
+                </a:solidFill>
+                <a:effectLst/>
+                <a:latin typeface="+mn-lt"/>
+                <a:ea typeface="+mn-ea"/>
+                <a:cs typeface="+mn-cs"/>
+              </a:rPr>
+              <a:t>Part of a web service</a:t>
+            </a:r>
           </a:p>
         </p:txBody>
       </p:sp>
@@ -4129,7 +4275,7 @@
     </p:spTree>
     <p:extLst>
       <p:ext uri="{BB962C8B-B14F-4D97-AF65-F5344CB8AC3E}">
-        <p14:creationId xmlns:p14="http://schemas.microsoft.com/office/powerpoint/2010/main" val="3934719971"/>
+        <p14:creationId xmlns:p14="http://schemas.microsoft.com/office/powerpoint/2010/main" val="1243722376"/>
       </p:ext>
     </p:extLst>
   </p:cSld>
@@ -4168,21 +4314,12 @@
         </p:nvSpPr>
         <p:spPr/>
         <p:txBody>
-          <a:bodyPr>
-            <a:normAutofit fontScale="90000"/>
-          </a:bodyPr>
+          <a:bodyPr/>
           <a:lstStyle/>
           <a:p>
             <a:r>
               <a:rPr lang="en-US" dirty="0" smtClean="0"/>
-              <a:t>Interactive Debugging </a:t>
-            </a:r>
-            <a:br>
-              <a:rPr lang="en-US" dirty="0" smtClean="0"/>
-            </a:br>
-            <a:r>
-              <a:rPr lang="en-US" dirty="0" smtClean="0"/>
-              <a:t>Might Not be Simple</a:t>
+              <a:t>Python trace Module?</a:t>
             </a:r>
             <a:endParaRPr lang="en-US" dirty="0"/>
           </a:p>
@@ -4200,9 +4337,7 @@
         </p:nvSpPr>
         <p:spPr/>
         <p:txBody>
-          <a:bodyPr>
-            <a:normAutofit/>
-          </a:bodyPr>
+          <a:bodyPr/>
           <a:lstStyle/>
           <a:p>
             <a:pPr lvl="0"/>
@@ -4216,21 +4351,60 @@
                 <a:ea typeface="+mn-ea"/>
                 <a:cs typeface="+mn-cs"/>
               </a:rPr>
-              <a:t>Interactive debugging might not be eas</a:t>
-            </a:r>
-            <a:r>
-              <a:rPr lang="en-US" sz="3200" kern="1200" baseline="0" dirty="0" smtClean="0">
-                <a:solidFill>
-                  <a:schemeClr val="tx1"/>
-                </a:solidFill>
-                <a:effectLst/>
-                <a:latin typeface="+mn-lt"/>
-                <a:ea typeface="+mn-ea"/>
-                <a:cs typeface="+mn-cs"/>
-              </a:rPr>
-              <a:t>y to use</a:t>
-            </a:r>
-            <a:endParaRPr lang="en-US" sz="3200" kern="1200" dirty="0" smtClean="0">
+              <a:t>The standard Python trace module doesn't fit my needs</a:t>
+            </a:r>
+          </a:p>
+          <a:p>
+            <a:pPr lvl="1"/>
+            <a:r>
+              <a:rPr lang="en-US" sz="2800" kern="1200" dirty="0" smtClean="0">
+                <a:solidFill>
+                  <a:schemeClr val="tx1"/>
+                </a:solidFill>
+                <a:effectLst/>
+                <a:latin typeface="+mn-lt"/>
+                <a:ea typeface="+mn-ea"/>
+                <a:cs typeface="+mn-cs"/>
+              </a:rPr>
+              <a:t>Tracks</a:t>
+            </a:r>
+            <a:r>
+              <a:rPr lang="en-US" sz="2800" kern="1200" baseline="0" dirty="0" smtClean="0">
+                <a:solidFill>
+                  <a:schemeClr val="tx1"/>
+                </a:solidFill>
+                <a:effectLst/>
+                <a:latin typeface="+mn-lt"/>
+                <a:ea typeface="+mn-ea"/>
+                <a:cs typeface="+mn-cs"/>
+              </a:rPr>
+              <a:t> </a:t>
+            </a:r>
+            <a:r>
+              <a:rPr lang="en-US" sz="2800" kern="1200" dirty="0" smtClean="0">
+                <a:solidFill>
+                  <a:schemeClr val="tx1"/>
+                </a:solidFill>
+                <a:effectLst/>
+                <a:latin typeface="+mn-lt"/>
+                <a:ea typeface="+mn-ea"/>
+                <a:cs typeface="+mn-cs"/>
+              </a:rPr>
+              <a:t>process, sequence of statements, not data</a:t>
+            </a:r>
+            <a:r>
+              <a:rPr lang="en-US" sz="2800" kern="1200" baseline="0" dirty="0" smtClean="0">
+                <a:solidFill>
+                  <a:schemeClr val="tx1"/>
+                </a:solidFill>
+                <a:effectLst/>
+                <a:latin typeface="+mn-lt"/>
+                <a:ea typeface="+mn-ea"/>
+                <a:cs typeface="+mn-cs"/>
+              </a:rPr>
+              <a:t> </a:t>
+            </a:r>
+            <a:endParaRPr lang="en-US" sz="2800" kern="1200" dirty="0" smtClean="0">
               <a:solidFill>
                 <a:schemeClr val="tx1"/>
               </a:solidFill>
@@ -4240,78 +4414,6 @@
               <a:cs typeface="+mn-cs"/>
             </a:endParaRPr>
           </a:p>
-          <a:p>
-            <a:pPr lvl="1"/>
-            <a:r>
-              <a:rPr lang="en-US" sz="2800" kern="1200" dirty="0" smtClean="0">
-                <a:solidFill>
-                  <a:schemeClr val="tx1"/>
-                </a:solidFill>
-                <a:effectLst/>
-                <a:latin typeface="+mn-lt"/>
-                <a:ea typeface="+mn-ea"/>
-                <a:cs typeface="+mn-cs"/>
-              </a:rPr>
-              <a:t>Lengthy</a:t>
-            </a:r>
-            <a:r>
-              <a:rPr lang="en-US" sz="2800" kern="1200" baseline="0" dirty="0" smtClean="0">
-                <a:solidFill>
-                  <a:schemeClr val="tx1"/>
-                </a:solidFill>
-                <a:effectLst/>
-                <a:latin typeface="+mn-lt"/>
-                <a:ea typeface="+mn-ea"/>
-                <a:cs typeface="+mn-cs"/>
-              </a:rPr>
-              <a:t> or complex setup</a:t>
-            </a:r>
-          </a:p>
-          <a:p>
-            <a:pPr lvl="2"/>
-            <a:r>
-              <a:rPr lang="en-US" sz="2400" kern="1200" baseline="0" dirty="0" smtClean="0">
-                <a:solidFill>
-                  <a:schemeClr val="tx1"/>
-                </a:solidFill>
-                <a:effectLst/>
-                <a:latin typeface="+mn-lt"/>
-                <a:ea typeface="+mn-ea"/>
-                <a:cs typeface="+mn-cs"/>
-              </a:rPr>
-              <a:t>Requires more patience than I have</a:t>
-            </a:r>
-          </a:p>
-          <a:p>
-            <a:pPr lvl="1"/>
-            <a:r>
-              <a:rPr lang="en-US" sz="2800" kern="1200" baseline="0" dirty="0" smtClean="0">
-                <a:solidFill>
-                  <a:schemeClr val="tx1"/>
-                </a:solidFill>
-                <a:effectLst/>
-                <a:latin typeface="+mn-lt"/>
-                <a:ea typeface="+mn-ea"/>
-                <a:cs typeface="+mn-cs"/>
-              </a:rPr>
-              <a:t>Detached process with no UI access</a:t>
-            </a:r>
-          </a:p>
-          <a:p>
-            <a:pPr lvl="1"/>
-            <a:r>
-              <a:rPr lang="en-US" sz="2800" kern="1200" dirty="0" smtClean="0">
-                <a:solidFill>
-                  <a:schemeClr val="tx1"/>
-                </a:solidFill>
-                <a:effectLst/>
-                <a:latin typeface="+mn-lt"/>
-                <a:ea typeface="+mn-ea"/>
-                <a:cs typeface="+mn-cs"/>
-              </a:rPr>
-              <a:t>Part of a web service</a:t>
-            </a:r>
-          </a:p>
         </p:txBody>
       </p:sp>
       <p:sp>
@@ -4386,7 +4488,7 @@
     </p:spTree>
     <p:extLst>
       <p:ext uri="{BB962C8B-B14F-4D97-AF65-F5344CB8AC3E}">
-        <p14:creationId xmlns:p14="http://schemas.microsoft.com/office/powerpoint/2010/main" val="1243722376"/>
+        <p14:creationId xmlns:p14="http://schemas.microsoft.com/office/powerpoint/2010/main" val="3552108553"/>
       </p:ext>
     </p:extLst>
   </p:cSld>
@@ -4600,7 +4702,7 @@
           <a:p>
             <a:r>
               <a:rPr lang="en-US" dirty="0" smtClean="0"/>
-              <a:t>Python trace Module?</a:t>
+              <a:t>A Modest Example Here</a:t>
             </a:r>
             <a:endParaRPr lang="en-US" dirty="0"/>
           </a:p>
@@ -4623,6 +4725,18 @@
           <a:p>
             <a:pPr lvl="0"/>
             <a:r>
+              <a:rPr lang="en-US" sz="3200" kern="1200" dirty="0" err="1" smtClean="0">
+                <a:solidFill>
+                  <a:schemeClr val="tx1"/>
+                </a:solidFill>
+                <a:effectLst/>
+                <a:latin typeface="+mn-lt"/>
+                <a:ea typeface="+mn-ea"/>
+                <a:cs typeface="+mn-cs"/>
+              </a:rPr>
+              <a:t>NewTrace</a:t>
+            </a:r>
+            <a:r>
               <a:rPr lang="en-US" sz="3200" kern="1200" dirty="0" smtClean="0">
                 <a:solidFill>
                   <a:schemeClr val="tx1"/>
@@ -4632,60 +4746,21 @@
                 <a:ea typeface="+mn-ea"/>
                 <a:cs typeface="+mn-cs"/>
               </a:rPr>
-              <a:t>The standard Python trace module doesn't fit my needs</a:t>
-            </a:r>
-          </a:p>
-          <a:p>
-            <a:pPr lvl="1"/>
-            <a:r>
-              <a:rPr lang="en-US" sz="2800" kern="1200" dirty="0" smtClean="0">
-                <a:solidFill>
-                  <a:schemeClr val="tx1"/>
-                </a:solidFill>
-                <a:effectLst/>
-                <a:latin typeface="+mn-lt"/>
-                <a:ea typeface="+mn-ea"/>
-                <a:cs typeface="+mn-cs"/>
-              </a:rPr>
-              <a:t>Tracks</a:t>
-            </a:r>
-            <a:r>
-              <a:rPr lang="en-US" sz="2800" kern="1200" baseline="0" dirty="0" smtClean="0">
-                <a:solidFill>
-                  <a:schemeClr val="tx1"/>
-                </a:solidFill>
-                <a:effectLst/>
-                <a:latin typeface="+mn-lt"/>
-                <a:ea typeface="+mn-ea"/>
-                <a:cs typeface="+mn-cs"/>
-              </a:rPr>
-              <a:t> </a:t>
-            </a:r>
-            <a:r>
-              <a:rPr lang="en-US" sz="2800" kern="1200" dirty="0" smtClean="0">
-                <a:solidFill>
-                  <a:schemeClr val="tx1"/>
-                </a:solidFill>
-                <a:effectLst/>
-                <a:latin typeface="+mn-lt"/>
-                <a:ea typeface="+mn-ea"/>
-                <a:cs typeface="+mn-cs"/>
-              </a:rPr>
-              <a:t>process, sequence of statements, not data</a:t>
-            </a:r>
-            <a:r>
-              <a:rPr lang="en-US" sz="2800" kern="1200" baseline="0" dirty="0" smtClean="0">
-                <a:solidFill>
-                  <a:schemeClr val="tx1"/>
-                </a:solidFill>
-                <a:effectLst/>
-                <a:latin typeface="+mn-lt"/>
-                <a:ea typeface="+mn-ea"/>
-                <a:cs typeface="+mn-cs"/>
-              </a:rPr>
-              <a:t> </a:t>
-            </a:r>
-            <a:endParaRPr lang="en-US" sz="2800" kern="1200" dirty="0" smtClean="0">
+              <a:t> area on github.com/</a:t>
+            </a:r>
+            <a:r>
+              <a:rPr lang="en-US" sz="3200" kern="1200" dirty="0" err="1" smtClean="0">
+                <a:solidFill>
+                  <a:schemeClr val="tx1"/>
+                </a:solidFill>
+                <a:effectLst/>
+                <a:latin typeface="+mn-lt"/>
+                <a:ea typeface="+mn-ea"/>
+                <a:cs typeface="+mn-cs"/>
+              </a:rPr>
+              <a:t>rblandau</a:t>
+            </a:r>
+            <a:endParaRPr lang="en-US" sz="3200" kern="1200" dirty="0" smtClean="0">
               <a:solidFill>
                 <a:schemeClr val="tx1"/>
               </a:solidFill>
@@ -4695,6 +4770,24 @@
               <a:cs typeface="+mn-cs"/>
             </a:endParaRPr>
           </a:p>
+          <a:p>
+            <a:r>
+              <a:rPr lang="en-US" dirty="0" smtClean="0"/>
+              <a:t>Like print() on </a:t>
+            </a:r>
+            <a:r>
+              <a:rPr lang="en-US" dirty="0" smtClean="0"/>
+              <a:t>steroids</a:t>
+            </a:r>
+            <a:endParaRPr lang="en-US" dirty="0" smtClean="0"/>
+          </a:p>
+          <a:p>
+            <a:r>
+              <a:rPr lang="en-US" dirty="0" smtClean="0"/>
+              <a:t>Plus other features from experience</a:t>
+            </a:r>
+            <a:endParaRPr lang="en-US" dirty="0"/>
+          </a:p>
         </p:txBody>
       </p:sp>
       <p:sp>
@@ -4769,7 +4862,7 @@
     </p:spTree>
     <p:extLst>
       <p:ext uri="{BB962C8B-B14F-4D97-AF65-F5344CB8AC3E}">
-        <p14:creationId xmlns:p14="http://schemas.microsoft.com/office/powerpoint/2010/main" val="3552108553"/>
+        <p14:creationId xmlns:p14="http://schemas.microsoft.com/office/powerpoint/2010/main" val="3050817168"/>
       </p:ext>
     </p:extLst>
   </p:cSld>
@@ -4813,7 +4906,11 @@
           <a:p>
             <a:r>
               <a:rPr lang="en-US" dirty="0" smtClean="0"/>
-              <a:t>A Modest Example Here</a:t>
+              <a:t>Ned is </a:t>
+            </a:r>
+            <a:r>
+              <a:rPr lang="en-US" dirty="0" smtClean="0"/>
+              <a:t>Holding His Nose</a:t>
             </a:r>
             <a:endParaRPr lang="en-US" dirty="0"/>
           </a:p>
@@ -4831,23 +4928,13 @@
         </p:nvSpPr>
         <p:spPr/>
         <p:txBody>
-          <a:bodyPr/>
+          <a:bodyPr>
+            <a:normAutofit/>
+          </a:bodyPr>
           <a:lstStyle/>
           <a:p>
             <a:pPr lvl="0"/>
             <a:r>
-              <a:rPr lang="en-US" sz="3200" kern="1200" dirty="0" err="1" smtClean="0">
-                <a:solidFill>
-                  <a:schemeClr val="tx1"/>
-                </a:solidFill>
-                <a:effectLst/>
-                <a:latin typeface="+mn-lt"/>
-                <a:ea typeface="+mn-ea"/>
-                <a:cs typeface="+mn-cs"/>
-              </a:rPr>
-              <a:t>NewTrace</a:t>
-            </a:r>
-            <a:r>
               <a:rPr lang="en-US" sz="3200" kern="1200" dirty="0" smtClean="0">
                 <a:solidFill>
                   <a:schemeClr val="tx1"/>
@@ -4857,19 +4944,149 @@
                 <a:ea typeface="+mn-ea"/>
                 <a:cs typeface="+mn-cs"/>
               </a:rPr>
-              <a:t> area on github.com/</a:t>
-            </a:r>
-            <a:r>
-              <a:rPr lang="en-US" sz="3200" kern="1200" dirty="0" err="1" smtClean="0">
-                <a:solidFill>
-                  <a:schemeClr val="tx1"/>
-                </a:solidFill>
-                <a:effectLst/>
-                <a:latin typeface="+mn-lt"/>
-                <a:ea typeface="+mn-ea"/>
-                <a:cs typeface="+mn-cs"/>
-              </a:rPr>
-              <a:t>rblandau</a:t>
+              <a:t>He saw my crude 2007-8 Python code</a:t>
+            </a:r>
+          </a:p>
+          <a:p>
+            <a:pPr lvl="0"/>
+            <a:r>
+              <a:rPr lang="en-US" sz="3200" kern="1200" dirty="0" smtClean="0">
+                <a:solidFill>
+                  <a:schemeClr val="tx1"/>
+                </a:solidFill>
+                <a:effectLst/>
+                <a:latin typeface="+mn-lt"/>
+                <a:ea typeface="+mn-ea"/>
+                <a:cs typeface="+mn-cs"/>
+              </a:rPr>
+              <a:t>Back then I was writing </a:t>
+            </a:r>
+            <a:r>
+              <a:rPr lang="en-US" dirty="0"/>
+              <a:t>"</a:t>
+            </a:r>
+            <a:r>
+              <a:rPr lang="en-US" sz="3200" kern="1200" dirty="0" smtClean="0">
+                <a:solidFill>
+                  <a:schemeClr val="tx1"/>
+                </a:solidFill>
+                <a:effectLst/>
+                <a:latin typeface="+mn-lt"/>
+                <a:ea typeface="+mn-ea"/>
+                <a:cs typeface="+mn-cs"/>
+              </a:rPr>
+              <a:t>C without</a:t>
+            </a:r>
+            <a:r>
+              <a:rPr lang="en-US" sz="3200" kern="1200" baseline="0" dirty="0" smtClean="0">
+                <a:solidFill>
+                  <a:schemeClr val="tx1"/>
+                </a:solidFill>
+                <a:effectLst/>
+                <a:latin typeface="+mn-lt"/>
+                <a:ea typeface="+mn-ea"/>
+                <a:cs typeface="+mn-cs"/>
+              </a:rPr>
+              <a:t> </a:t>
+            </a:r>
+            <a:r>
+              <a:rPr lang="en-US" sz="3200" kern="1200" dirty="0" smtClean="0">
+                <a:solidFill>
+                  <a:schemeClr val="tx1"/>
+                </a:solidFill>
+                <a:effectLst/>
+                <a:latin typeface="+mn-lt"/>
+                <a:ea typeface="+mn-ea"/>
+                <a:cs typeface="+mn-cs"/>
+              </a:rPr>
+              <a:t>braces"</a:t>
+            </a:r>
+          </a:p>
+          <a:p>
+            <a:pPr lvl="1"/>
+            <a:r>
+              <a:rPr lang="en-US" sz="2800" kern="1200" dirty="0" smtClean="0">
+                <a:solidFill>
+                  <a:schemeClr val="tx1"/>
+                </a:solidFill>
+                <a:effectLst/>
+                <a:latin typeface="+mn-lt"/>
+                <a:ea typeface="+mn-ea"/>
+                <a:cs typeface="+mn-cs"/>
+              </a:rPr>
+              <a:t>Decades of writing</a:t>
+            </a:r>
+            <a:r>
+              <a:rPr lang="en-US" sz="2800" kern="1200" baseline="0" dirty="0" smtClean="0">
+                <a:solidFill>
+                  <a:schemeClr val="tx1"/>
+                </a:solidFill>
+                <a:effectLst/>
+                <a:latin typeface="+mn-lt"/>
+                <a:ea typeface="+mn-ea"/>
+                <a:cs typeface="+mn-cs"/>
+              </a:rPr>
+              <a:t> </a:t>
+            </a:r>
+            <a:r>
+              <a:rPr lang="en-US" sz="2800" kern="1200" dirty="0" smtClean="0">
+                <a:solidFill>
+                  <a:schemeClr val="tx1"/>
+                </a:solidFill>
+                <a:effectLst/>
+                <a:latin typeface="+mn-lt"/>
+                <a:ea typeface="+mn-ea"/>
+                <a:cs typeface="+mn-cs"/>
+              </a:rPr>
+              <a:t>C, C++, Perl, Java, </a:t>
+            </a:r>
+            <a:r>
+              <a:rPr lang="en-US" sz="2800" kern="1200" dirty="0" err="1" smtClean="0">
+                <a:solidFill>
+                  <a:schemeClr val="tx1"/>
+                </a:solidFill>
+                <a:effectLst/>
+                <a:latin typeface="+mn-lt"/>
+                <a:ea typeface="+mn-ea"/>
+                <a:cs typeface="+mn-cs"/>
+              </a:rPr>
+              <a:t>sh</a:t>
+            </a:r>
+            <a:endParaRPr lang="en-US" sz="2800" kern="1200" dirty="0" smtClean="0">
+              <a:solidFill>
+                <a:schemeClr val="tx1"/>
+              </a:solidFill>
+              <a:effectLst/>
+              <a:latin typeface="+mn-lt"/>
+              <a:ea typeface="+mn-ea"/>
+              <a:cs typeface="+mn-cs"/>
+            </a:endParaRPr>
+          </a:p>
+          <a:p>
+            <a:pPr lvl="0"/>
+            <a:r>
+              <a:rPr lang="en-US" sz="3200" kern="1200" dirty="0" smtClean="0">
+                <a:solidFill>
+                  <a:schemeClr val="tx1"/>
+                </a:solidFill>
+                <a:effectLst/>
+                <a:latin typeface="+mn-lt"/>
+                <a:ea typeface="+mn-ea"/>
+                <a:cs typeface="+mn-cs"/>
+              </a:rPr>
+              <a:t>First crude Python </a:t>
+            </a:r>
+            <a:r>
+              <a:rPr lang="en-US" sz="3200" kern="1200" dirty="0" smtClean="0">
+                <a:solidFill>
+                  <a:schemeClr val="tx1"/>
+                </a:solidFill>
+                <a:effectLst/>
+                <a:latin typeface="+mn-lt"/>
+                <a:ea typeface="+mn-ea"/>
+                <a:cs typeface="+mn-cs"/>
+              </a:rPr>
+              <a:t>version</a:t>
             </a:r>
             <a:endParaRPr lang="en-US" sz="3200" kern="1200" dirty="0" smtClean="0">
               <a:solidFill>
@@ -4882,17 +5099,97 @@
             </a:endParaRPr>
           </a:p>
           <a:p>
-            <a:r>
-              <a:rPr lang="en-US" dirty="0" smtClean="0"/>
-              <a:t>Like print() on mega-steroids</a:t>
-            </a:r>
-          </a:p>
-          <a:p>
-            <a:r>
-              <a:rPr lang="en-US" dirty="0" smtClean="0"/>
-              <a:t>Plus other features from experience</a:t>
-            </a:r>
-            <a:endParaRPr lang="en-US" dirty="0"/>
+            <a:pPr lvl="1"/>
+            <a:r>
+              <a:rPr lang="en-US" sz="2800" kern="1200" dirty="0" smtClean="0">
+                <a:solidFill>
+                  <a:schemeClr val="tx1"/>
+                </a:solidFill>
+                <a:effectLst/>
+                <a:latin typeface="+mn-lt"/>
+                <a:ea typeface="+mn-ea"/>
+                <a:cs typeface="+mn-cs"/>
+              </a:rPr>
+              <a:t>Not even decorators</a:t>
+            </a:r>
+          </a:p>
+          <a:p>
+            <a:pPr lvl="1"/>
+            <a:r>
+              <a:rPr lang="en-US" sz="2800" kern="1200" dirty="0" smtClean="0">
+                <a:solidFill>
+                  <a:schemeClr val="tx1"/>
+                </a:solidFill>
+                <a:effectLst/>
+                <a:latin typeface="+mn-lt"/>
+                <a:ea typeface="+mn-ea"/>
+                <a:cs typeface="+mn-cs"/>
+              </a:rPr>
+              <a:t>Calls visible, and clumsy, all over the place</a:t>
+            </a:r>
+          </a:p>
+          <a:p>
+            <a:pPr lvl="0"/>
+            <a:r>
+              <a:rPr lang="en-US" sz="3200" i="1" kern="1200" dirty="0" smtClean="0">
+                <a:solidFill>
+                  <a:schemeClr val="tx1"/>
+                </a:solidFill>
+                <a:effectLst/>
+                <a:latin typeface="+mn-lt"/>
+                <a:ea typeface="+mn-ea"/>
+                <a:cs typeface="+mn-cs"/>
+              </a:rPr>
+              <a:t>Maybe</a:t>
+            </a:r>
+            <a:r>
+              <a:rPr lang="en-US" sz="3200" kern="1200" baseline="0" dirty="0" smtClean="0">
+                <a:solidFill>
+                  <a:schemeClr val="tx1"/>
+                </a:solidFill>
+                <a:effectLst/>
+                <a:latin typeface="+mn-lt"/>
+                <a:ea typeface="+mn-ea"/>
+                <a:cs typeface="+mn-cs"/>
+              </a:rPr>
+              <a:t> I l</a:t>
+            </a:r>
+            <a:r>
+              <a:rPr lang="en-US" sz="3200" kern="1200" dirty="0" smtClean="0">
+                <a:solidFill>
+                  <a:schemeClr val="tx1"/>
+                </a:solidFill>
+                <a:effectLst/>
+                <a:latin typeface="+mn-lt"/>
+                <a:ea typeface="+mn-ea"/>
+                <a:cs typeface="+mn-cs"/>
+              </a:rPr>
+              <a:t>earned a bit in a</a:t>
+            </a:r>
+            <a:r>
+              <a:rPr lang="en-US" sz="3200" kern="1200" baseline="0" dirty="0" smtClean="0">
+                <a:solidFill>
+                  <a:schemeClr val="tx1"/>
+                </a:solidFill>
+                <a:effectLst/>
+                <a:latin typeface="+mn-lt"/>
+                <a:ea typeface="+mn-ea"/>
+                <a:cs typeface="+mn-cs"/>
+              </a:rPr>
+              <a:t> </a:t>
+            </a:r>
+            <a:r>
+              <a:rPr lang="en-US" sz="3200" kern="1200" dirty="0" smtClean="0">
+                <a:solidFill>
+                  <a:schemeClr val="tx1"/>
+                </a:solidFill>
+                <a:effectLst/>
+                <a:latin typeface="+mn-lt"/>
+                <a:ea typeface="+mn-ea"/>
+                <a:cs typeface="+mn-cs"/>
+              </a:rPr>
+              <a:t>dozen years</a:t>
+            </a:r>
           </a:p>
         </p:txBody>
       </p:sp>
@@ -4968,7 +5265,7 @@
     </p:spTree>
     <p:extLst>
       <p:ext uri="{BB962C8B-B14F-4D97-AF65-F5344CB8AC3E}">
-        <p14:creationId xmlns:p14="http://schemas.microsoft.com/office/powerpoint/2010/main" val="3050817168"/>
+        <p14:creationId xmlns:p14="http://schemas.microsoft.com/office/powerpoint/2010/main" val="2787871945"/>
       </p:ext>
     </p:extLst>
   </p:cSld>
@@ -5012,7 +5309,11 @@
           <a:p>
             <a:r>
               <a:rPr lang="en-US" dirty="0" smtClean="0"/>
-              <a:t>Ned is holding his nose</a:t>
+              <a:t>Just Like</a:t>
+            </a:r>
+            <a:r>
+              <a:rPr lang="en-US" baseline="0" dirty="0" smtClean="0"/>
+              <a:t> the Standard Example</a:t>
             </a:r>
             <a:endParaRPr lang="en-US" dirty="0"/>
           </a:p>
@@ -5035,263 +5336,64 @@
           </a:bodyPr>
           <a:lstStyle/>
           <a:p>
-            <a:pPr lvl="0"/>
-            <a:r>
-              <a:rPr lang="en-US" sz="3200" kern="1200" dirty="0" smtClean="0">
-                <a:solidFill>
-                  <a:schemeClr val="tx1"/>
-                </a:solidFill>
-                <a:effectLst/>
-                <a:latin typeface="+mn-lt"/>
-                <a:ea typeface="+mn-ea"/>
-                <a:cs typeface="+mn-cs"/>
-              </a:rPr>
-              <a:t>He saw my crude 2007-8 Python code</a:t>
-            </a:r>
-          </a:p>
-          <a:p>
-            <a:pPr lvl="0"/>
-            <a:r>
-              <a:rPr lang="en-US" sz="3200" kern="1200" dirty="0" smtClean="0">
-                <a:solidFill>
-                  <a:schemeClr val="tx1"/>
-                </a:solidFill>
-                <a:effectLst/>
-                <a:latin typeface="+mn-lt"/>
-                <a:ea typeface="+mn-ea"/>
-                <a:cs typeface="+mn-cs"/>
-              </a:rPr>
-              <a:t>Back then I was writing </a:t>
-            </a:r>
-            <a:r>
-              <a:rPr lang="en-US" dirty="0"/>
-              <a:t>"</a:t>
-            </a:r>
-            <a:r>
-              <a:rPr lang="en-US" sz="3200" kern="1200" dirty="0" smtClean="0">
-                <a:solidFill>
-                  <a:schemeClr val="tx1"/>
-                </a:solidFill>
-                <a:effectLst/>
-                <a:latin typeface="+mn-lt"/>
-                <a:ea typeface="+mn-ea"/>
-                <a:cs typeface="+mn-cs"/>
-              </a:rPr>
-              <a:t>C without</a:t>
-            </a:r>
-            <a:r>
-              <a:rPr lang="en-US" sz="3200" kern="1200" baseline="0" dirty="0" smtClean="0">
-                <a:solidFill>
-                  <a:schemeClr val="tx1"/>
-                </a:solidFill>
-                <a:effectLst/>
-                <a:latin typeface="+mn-lt"/>
-                <a:ea typeface="+mn-ea"/>
-                <a:cs typeface="+mn-cs"/>
-              </a:rPr>
-              <a:t> </a:t>
-            </a:r>
-            <a:r>
-              <a:rPr lang="en-US" sz="3200" kern="1200" dirty="0" smtClean="0">
-                <a:solidFill>
-                  <a:schemeClr val="tx1"/>
-                </a:solidFill>
-                <a:effectLst/>
-                <a:latin typeface="+mn-lt"/>
-                <a:ea typeface="+mn-ea"/>
-                <a:cs typeface="+mn-cs"/>
-              </a:rPr>
-              <a:t>braces"</a:t>
-            </a:r>
-          </a:p>
-          <a:p>
-            <a:pPr lvl="1"/>
-            <a:r>
-              <a:rPr lang="en-US" sz="2800" kern="1200" dirty="0" smtClean="0">
-                <a:solidFill>
-                  <a:schemeClr val="tx1"/>
-                </a:solidFill>
-                <a:effectLst/>
-                <a:latin typeface="+mn-lt"/>
-                <a:ea typeface="+mn-ea"/>
-                <a:cs typeface="+mn-cs"/>
-              </a:rPr>
-              <a:t>Decades of writing</a:t>
-            </a:r>
-            <a:r>
-              <a:rPr lang="en-US" sz="2800" kern="1200" baseline="0" dirty="0" smtClean="0">
-                <a:solidFill>
-                  <a:schemeClr val="tx1"/>
-                </a:solidFill>
-                <a:effectLst/>
-                <a:latin typeface="+mn-lt"/>
-                <a:ea typeface="+mn-ea"/>
-                <a:cs typeface="+mn-cs"/>
-              </a:rPr>
-              <a:t> </a:t>
-            </a:r>
-            <a:r>
-              <a:rPr lang="en-US" sz="2800" kern="1200" dirty="0" smtClean="0">
-                <a:solidFill>
-                  <a:schemeClr val="tx1"/>
-                </a:solidFill>
-                <a:effectLst/>
-                <a:latin typeface="+mn-lt"/>
-                <a:ea typeface="+mn-ea"/>
-                <a:cs typeface="+mn-cs"/>
-              </a:rPr>
-              <a:t>C, C++, Perl, Java, </a:t>
-            </a:r>
-            <a:r>
-              <a:rPr lang="en-US" sz="2800" kern="1200" dirty="0" err="1" smtClean="0">
-                <a:solidFill>
-                  <a:schemeClr val="tx1"/>
-                </a:solidFill>
-                <a:effectLst/>
-                <a:latin typeface="+mn-lt"/>
-                <a:ea typeface="+mn-ea"/>
-                <a:cs typeface="+mn-cs"/>
-              </a:rPr>
-              <a:t>sh</a:t>
-            </a:r>
-            <a:endParaRPr lang="en-US" sz="2800" kern="1200" dirty="0" smtClean="0">
+            <a:r>
+              <a:rPr lang="en-US" dirty="0" smtClean="0"/>
+              <a:t>But</a:t>
+            </a:r>
+            <a:r>
+              <a:rPr lang="en-US" baseline="0" dirty="0" smtClean="0"/>
+              <a:t> does a little more</a:t>
+            </a:r>
+          </a:p>
+          <a:p>
+            <a:r>
+              <a:rPr lang="en-US" baseline="0" dirty="0" smtClean="0"/>
+              <a:t>Sample decorator: print function entry and exit, in every textbook</a:t>
+            </a:r>
+          </a:p>
+          <a:p>
+            <a:endParaRPr lang="en-US" dirty="0"/>
+          </a:p>
+          <a:p>
+            <a:r>
+              <a:rPr lang="en-US" sz="2400" baseline="0" dirty="0" smtClean="0">
+                <a:solidFill>
+                  <a:srgbClr val="00B050"/>
+                </a:solidFill>
+              </a:rPr>
+              <a:t>&lt;code: decorator</a:t>
+            </a:r>
+            <a:r>
+              <a:rPr lang="en-US" sz="2400" dirty="0" smtClean="0">
+                <a:solidFill>
+                  <a:srgbClr val="00B050"/>
+                </a:solidFill>
+              </a:rPr>
+              <a:t> example&gt;</a:t>
+            </a:r>
+            <a:endParaRPr lang="en-US" sz="2400" baseline="0" dirty="0" smtClean="0">
               <a:solidFill>
-                <a:schemeClr val="tx1"/>
+                <a:srgbClr val="00B050"/>
               </a:solidFill>
-              <a:effectLst/>
-              <a:latin typeface="+mn-lt"/>
-              <a:ea typeface="+mn-ea"/>
-              <a:cs typeface="+mn-cs"/>
             </a:endParaRPr>
           </a:p>
           <a:p>
-            <a:pPr lvl="0"/>
-            <a:r>
-              <a:rPr lang="en-US" sz="3200" kern="1200" dirty="0" smtClean="0">
-                <a:solidFill>
-                  <a:schemeClr val="tx1"/>
-                </a:solidFill>
-                <a:effectLst/>
-                <a:latin typeface="+mn-lt"/>
-                <a:ea typeface="+mn-ea"/>
-                <a:cs typeface="+mn-cs"/>
-              </a:rPr>
-              <a:t>First crude Python version of </a:t>
-            </a:r>
-            <a:r>
-              <a:rPr lang="en-US" sz="3200" kern="1200" dirty="0" err="1" smtClean="0">
-                <a:solidFill>
-                  <a:schemeClr val="tx1"/>
-                </a:solidFill>
-                <a:effectLst/>
-                <a:latin typeface="+mn-lt"/>
-                <a:ea typeface="+mn-ea"/>
-                <a:cs typeface="+mn-cs"/>
-              </a:rPr>
-              <a:t>NewTrace</a:t>
-            </a:r>
-            <a:endParaRPr lang="en-US" sz="3200" kern="1200" dirty="0" smtClean="0">
-              <a:solidFill>
-                <a:schemeClr val="tx1"/>
-              </a:solidFill>
-              <a:effectLst/>
-              <a:latin typeface="+mn-lt"/>
-              <a:ea typeface="+mn-ea"/>
-              <a:cs typeface="+mn-cs"/>
-            </a:endParaRPr>
-          </a:p>
-          <a:p>
-            <a:pPr lvl="1"/>
-            <a:r>
-              <a:rPr lang="en-US" sz="2800" kern="1200" dirty="0" smtClean="0">
-                <a:solidFill>
-                  <a:schemeClr val="tx1"/>
-                </a:solidFill>
-                <a:effectLst/>
-                <a:latin typeface="+mn-lt"/>
-                <a:ea typeface="+mn-ea"/>
-                <a:cs typeface="+mn-cs"/>
-              </a:rPr>
-              <a:t>Not even decorators</a:t>
-            </a:r>
-          </a:p>
-          <a:p>
-            <a:pPr lvl="1"/>
-            <a:r>
-              <a:rPr lang="en-US" sz="2800" kern="1200" dirty="0" smtClean="0">
-                <a:solidFill>
-                  <a:schemeClr val="tx1"/>
-                </a:solidFill>
-                <a:effectLst/>
-                <a:latin typeface="+mn-lt"/>
-                <a:ea typeface="+mn-ea"/>
-                <a:cs typeface="+mn-cs"/>
-              </a:rPr>
-              <a:t>Calls visible, and clumsy, all over the place</a:t>
-            </a:r>
-          </a:p>
-          <a:p>
-            <a:pPr lvl="0"/>
-            <a:r>
-              <a:rPr lang="en-US" sz="3200" kern="1200" dirty="0" smtClean="0">
-                <a:solidFill>
-                  <a:schemeClr val="tx1"/>
-                </a:solidFill>
-                <a:effectLst/>
-                <a:latin typeface="+mn-lt"/>
-                <a:ea typeface="+mn-ea"/>
-                <a:cs typeface="+mn-cs"/>
-              </a:rPr>
-              <a:t>Maybe</a:t>
-            </a:r>
-            <a:r>
-              <a:rPr lang="en-US" sz="3200" kern="1200" baseline="0" dirty="0" smtClean="0">
-                <a:solidFill>
-                  <a:schemeClr val="tx1"/>
-                </a:solidFill>
-                <a:effectLst/>
-                <a:latin typeface="+mn-lt"/>
-                <a:ea typeface="+mn-ea"/>
-                <a:cs typeface="+mn-cs"/>
-              </a:rPr>
-              <a:t> I l</a:t>
-            </a:r>
-            <a:r>
-              <a:rPr lang="en-US" sz="3200" kern="1200" dirty="0" smtClean="0">
-                <a:solidFill>
-                  <a:schemeClr val="tx1"/>
-                </a:solidFill>
-                <a:effectLst/>
-                <a:latin typeface="+mn-lt"/>
-                <a:ea typeface="+mn-ea"/>
-                <a:cs typeface="+mn-cs"/>
-              </a:rPr>
-              <a:t>earned a bit in a</a:t>
-            </a:r>
-            <a:r>
-              <a:rPr lang="en-US" sz="3200" kern="1200" baseline="0" dirty="0" smtClean="0">
-                <a:solidFill>
-                  <a:schemeClr val="tx1"/>
-                </a:solidFill>
-                <a:effectLst/>
-                <a:latin typeface="+mn-lt"/>
-                <a:ea typeface="+mn-ea"/>
-                <a:cs typeface="+mn-cs"/>
-              </a:rPr>
-              <a:t> </a:t>
-            </a:r>
-            <a:r>
-              <a:rPr lang="en-US" sz="3200" kern="1200" dirty="0" smtClean="0">
-                <a:solidFill>
-                  <a:schemeClr val="tx1"/>
-                </a:solidFill>
-                <a:effectLst/>
-                <a:latin typeface="+mn-lt"/>
-                <a:ea typeface="+mn-ea"/>
-                <a:cs typeface="+mn-cs"/>
-              </a:rPr>
-              <a:t>dozen years</a:t>
-            </a:r>
+            <a:pPr marL="0" indent="0">
+              <a:buNone/>
+            </a:pPr>
+            <a:endParaRPr lang="en-US" baseline="0" dirty="0" smtClean="0"/>
+          </a:p>
+          <a:p>
+            <a:pPr marL="342900" indent="-342900"/>
+            <a:r>
+              <a:rPr lang="en-US" dirty="0" smtClean="0"/>
+              <a:t>Very useful,</a:t>
+            </a:r>
+            <a:r>
+              <a:rPr lang="en-US" baseline="0" dirty="0" smtClean="0"/>
+              <a:t> but can be improved</a:t>
+            </a:r>
+            <a:endParaRPr lang="en-US" dirty="0" smtClean="0"/>
           </a:p>
         </p:txBody>
       </p:sp>
@@ -5367,7 +5469,7 @@
     </p:spTree>
     <p:extLst>
       <p:ext uri="{BB962C8B-B14F-4D97-AF65-F5344CB8AC3E}">
-        <p14:creationId xmlns:p14="http://schemas.microsoft.com/office/powerpoint/2010/main" val="2787871945"/>
+        <p14:creationId xmlns:p14="http://schemas.microsoft.com/office/powerpoint/2010/main" val="2699397898"/>
       </p:ext>
     </p:extLst>
   </p:cSld>
@@ -5411,11 +5513,7 @@
           <a:p>
             <a:r>
               <a:rPr lang="en-US" dirty="0" smtClean="0"/>
-              <a:t>Just Like</a:t>
-            </a:r>
-            <a:r>
-              <a:rPr lang="en-US" baseline="0" dirty="0" smtClean="0"/>
-              <a:t> the Standard Example</a:t>
+              <a:t>From Experience</a:t>
             </a:r>
             <a:endParaRPr lang="en-US" dirty="0"/>
           </a:p>
@@ -5438,64 +5536,112 @@
           </a:bodyPr>
           <a:lstStyle/>
           <a:p>
-            <a:r>
-              <a:rPr lang="en-US" dirty="0" smtClean="0"/>
-              <a:t>But</a:t>
-            </a:r>
-            <a:r>
-              <a:rPr lang="en-US" baseline="0" dirty="0" smtClean="0"/>
-              <a:t> does a little more</a:t>
-            </a:r>
-          </a:p>
-          <a:p>
-            <a:r>
-              <a:rPr lang="en-US" baseline="0" dirty="0" smtClean="0"/>
-              <a:t>Sample decorator: print function entry and exit, in every textbook</a:t>
-            </a:r>
-          </a:p>
-          <a:p>
-            <a:endParaRPr lang="en-US" dirty="0"/>
-          </a:p>
-          <a:p>
-            <a:r>
-              <a:rPr lang="en-US" sz="2400" baseline="0" dirty="0" smtClean="0">
-                <a:solidFill>
-                  <a:srgbClr val="00B050"/>
-                </a:solidFill>
-              </a:rPr>
-              <a:t>&lt;code: decorator</a:t>
-            </a:r>
-            <a:r>
-              <a:rPr lang="en-US" sz="2400" dirty="0" smtClean="0">
-                <a:solidFill>
-                  <a:srgbClr val="00B050"/>
-                </a:solidFill>
-              </a:rPr>
-              <a:t> example&gt;</a:t>
-            </a:r>
-            <a:endParaRPr lang="en-US" sz="2400" baseline="0" dirty="0" smtClean="0">
-              <a:solidFill>
-                <a:srgbClr val="00B050"/>
-              </a:solidFill>
-            </a:endParaRPr>
-          </a:p>
-          <a:p>
-            <a:pPr marL="0" indent="0">
-              <a:buNone/>
-            </a:pPr>
-            <a:endParaRPr lang="en-US" baseline="0" dirty="0" smtClean="0"/>
-          </a:p>
-          <a:p>
-            <a:pPr marL="342900" indent="-342900"/>
-            <a:r>
-              <a:rPr lang="en-US" dirty="0" smtClean="0"/>
-              <a:t>Very useful,</a:t>
-            </a:r>
-            <a:r>
-              <a:rPr lang="en-US" baseline="0" dirty="0" smtClean="0"/>
-              <a:t> but can be improved</a:t>
-            </a:r>
-            <a:endParaRPr lang="en-US" dirty="0" smtClean="0"/>
+            <a:pPr lvl="0"/>
+            <a:r>
+              <a:rPr lang="en-US" sz="3200" kern="1200" dirty="0" smtClean="0">
+                <a:solidFill>
+                  <a:schemeClr val="tx1"/>
+                </a:solidFill>
+                <a:effectLst/>
+                <a:latin typeface="+mn-lt"/>
+                <a:ea typeface="+mn-ea"/>
+                <a:cs typeface="+mn-cs"/>
+              </a:rPr>
+              <a:t>Important things to include, based on experience 1978-2019</a:t>
+            </a:r>
+          </a:p>
+          <a:p>
+            <a:pPr lvl="1"/>
+            <a:r>
+              <a:rPr lang="en-US" sz="2800" kern="1200" dirty="0" smtClean="0">
+                <a:solidFill>
+                  <a:schemeClr val="tx1"/>
+                </a:solidFill>
+                <a:effectLst/>
+                <a:latin typeface="+mn-lt"/>
+                <a:ea typeface="+mn-ea"/>
+                <a:cs typeface="+mn-cs"/>
+              </a:rPr>
+              <a:t>This trace facility written in PDP-11 assembler, C, C++, VB, Perl, Java, and finally Python.</a:t>
+            </a:r>
+          </a:p>
+          <a:p>
+            <a:pPr lvl="1"/>
+            <a:r>
+              <a:rPr lang="en-US" sz="2800" kern="1200" dirty="0" smtClean="0">
+                <a:solidFill>
+                  <a:schemeClr val="tx1"/>
+                </a:solidFill>
+                <a:effectLst/>
+                <a:latin typeface="+mn-lt"/>
+                <a:ea typeface="+mn-ea"/>
+                <a:cs typeface="+mn-cs"/>
+              </a:rPr>
+              <a:t>Originally written for</a:t>
+            </a:r>
+            <a:r>
+              <a:rPr lang="en-US" sz="2800" kern="1200" baseline="0" dirty="0" smtClean="0">
+                <a:solidFill>
+                  <a:schemeClr val="tx1"/>
+                </a:solidFill>
+                <a:effectLst/>
+                <a:latin typeface="+mn-lt"/>
+                <a:ea typeface="+mn-ea"/>
+                <a:cs typeface="+mn-cs"/>
+              </a:rPr>
+              <a:t> </a:t>
+            </a:r>
+            <a:r>
+              <a:rPr lang="en-US" sz="2800" kern="1200" dirty="0" smtClean="0">
+                <a:solidFill>
+                  <a:schemeClr val="tx1"/>
+                </a:solidFill>
+                <a:effectLst/>
+                <a:latin typeface="+mn-lt"/>
+                <a:ea typeface="+mn-ea"/>
+                <a:cs typeface="+mn-cs"/>
+              </a:rPr>
+              <a:t>a ten-process </a:t>
+            </a:r>
+            <a:r>
+              <a:rPr lang="en-US" sz="2800" kern="1200" dirty="0" err="1" smtClean="0">
+                <a:solidFill>
+                  <a:schemeClr val="tx1"/>
+                </a:solidFill>
+                <a:effectLst/>
+                <a:latin typeface="+mn-lt"/>
+                <a:ea typeface="+mn-ea"/>
+                <a:cs typeface="+mn-cs"/>
+              </a:rPr>
+              <a:t>comm</a:t>
+            </a:r>
+            <a:r>
+              <a:rPr lang="en-US" sz="2800" kern="1200" dirty="0" smtClean="0">
+                <a:solidFill>
+                  <a:schemeClr val="tx1"/>
+                </a:solidFill>
+                <a:effectLst/>
+                <a:latin typeface="+mn-lt"/>
+                <a:ea typeface="+mn-ea"/>
+                <a:cs typeface="+mn-cs"/>
+              </a:rPr>
+              <a:t> system.  </a:t>
+            </a:r>
+          </a:p>
+          <a:p>
+            <a:pPr lvl="1"/>
+            <a:r>
+              <a:rPr lang="en-US" sz="2800" kern="1200" dirty="0" smtClean="0">
+                <a:solidFill>
+                  <a:schemeClr val="tx1"/>
+                </a:solidFill>
+                <a:effectLst/>
+                <a:latin typeface="+mn-lt"/>
+                <a:ea typeface="+mn-ea"/>
+                <a:cs typeface="+mn-cs"/>
+              </a:rPr>
+              <a:t>Needed accurate timestamp, source facility name, location within facility, selected data items</a:t>
+            </a:r>
           </a:p>
         </p:txBody>
       </p:sp>
@@ -5571,7 +5717,7 @@
     </p:spTree>
     <p:extLst>
       <p:ext uri="{BB962C8B-B14F-4D97-AF65-F5344CB8AC3E}">
-        <p14:creationId xmlns:p14="http://schemas.microsoft.com/office/powerpoint/2010/main" val="2699397898"/>
+        <p14:creationId xmlns:p14="http://schemas.microsoft.com/office/powerpoint/2010/main" val="4255480821"/>
       </p:ext>
     </p:extLst>
   </p:cSld>
@@ -5615,7 +5761,15 @@
           <a:p>
             <a:r>
               <a:rPr lang="en-US" dirty="0" smtClean="0"/>
-              <a:t>From Experience</a:t>
+              <a:t>Features:</a:t>
+            </a:r>
+            <a:r>
+              <a:rPr lang="en-US" baseline="0" dirty="0" smtClean="0"/>
+              <a:t> </a:t>
+            </a:r>
+            <a:r>
+              <a:rPr lang="en-US" dirty="0" smtClean="0"/>
+              <a:t>Must Have</a:t>
             </a:r>
             <a:endParaRPr lang="en-US" dirty="0"/>
           </a:p>
@@ -5633,116 +5787,67 @@
         </p:nvSpPr>
         <p:spPr/>
         <p:txBody>
-          <a:bodyPr>
-            <a:normAutofit/>
-          </a:bodyPr>
-          <a:lstStyle/>
-          <a:p>
-            <a:pPr lvl="0"/>
-            <a:r>
-              <a:rPr lang="en-US" sz="3200" kern="1200" dirty="0" smtClean="0">
-                <a:solidFill>
-                  <a:schemeClr val="tx1"/>
-                </a:solidFill>
-                <a:effectLst/>
-                <a:latin typeface="+mn-lt"/>
-                <a:ea typeface="+mn-ea"/>
-                <a:cs typeface="+mn-cs"/>
-              </a:rPr>
-              <a:t>Important things to include, based on experience 1978-2019</a:t>
-            </a:r>
-          </a:p>
-          <a:p>
-            <a:pPr lvl="1"/>
-            <a:r>
-              <a:rPr lang="en-US" sz="2800" kern="1200" dirty="0" smtClean="0">
-                <a:solidFill>
-                  <a:schemeClr val="tx1"/>
-                </a:solidFill>
-                <a:effectLst/>
-                <a:latin typeface="+mn-lt"/>
-                <a:ea typeface="+mn-ea"/>
-                <a:cs typeface="+mn-cs"/>
-              </a:rPr>
-              <a:t>This trace facility written in PDP-11 assembler, C, C++, VB, Perl, Java, and finally Python.</a:t>
-            </a:r>
-          </a:p>
-          <a:p>
-            <a:pPr lvl="1"/>
-            <a:r>
-              <a:rPr lang="en-US" sz="2800" kern="1200" dirty="0" smtClean="0">
-                <a:solidFill>
-                  <a:schemeClr val="tx1"/>
-                </a:solidFill>
-                <a:effectLst/>
-                <a:latin typeface="+mn-lt"/>
-                <a:ea typeface="+mn-ea"/>
-                <a:cs typeface="+mn-cs"/>
-              </a:rPr>
-              <a:t>Originally written for</a:t>
-            </a:r>
-            <a:r>
-              <a:rPr lang="en-US" sz="2800" kern="1200" baseline="0" dirty="0" smtClean="0">
-                <a:solidFill>
-                  <a:schemeClr val="tx1"/>
-                </a:solidFill>
-                <a:effectLst/>
-                <a:latin typeface="+mn-lt"/>
-                <a:ea typeface="+mn-ea"/>
-                <a:cs typeface="+mn-cs"/>
-              </a:rPr>
-              <a:t> </a:t>
-            </a:r>
-            <a:r>
-              <a:rPr lang="en-US" sz="2800" kern="1200" dirty="0" smtClean="0">
-                <a:solidFill>
-                  <a:schemeClr val="tx1"/>
-                </a:solidFill>
-                <a:effectLst/>
-                <a:latin typeface="+mn-lt"/>
-                <a:ea typeface="+mn-ea"/>
-                <a:cs typeface="+mn-cs"/>
-              </a:rPr>
-              <a:t>a ten-process </a:t>
-            </a:r>
-            <a:r>
-              <a:rPr lang="en-US" sz="2800" kern="1200" dirty="0" err="1" smtClean="0">
-                <a:solidFill>
-                  <a:schemeClr val="tx1"/>
-                </a:solidFill>
-                <a:effectLst/>
-                <a:latin typeface="+mn-lt"/>
-                <a:ea typeface="+mn-ea"/>
-                <a:cs typeface="+mn-cs"/>
-              </a:rPr>
-              <a:t>comm</a:t>
-            </a:r>
-            <a:r>
-              <a:rPr lang="en-US" sz="2800" kern="1200" dirty="0" smtClean="0">
-                <a:solidFill>
-                  <a:schemeClr val="tx1"/>
-                </a:solidFill>
-                <a:effectLst/>
-                <a:latin typeface="+mn-lt"/>
-                <a:ea typeface="+mn-ea"/>
-                <a:cs typeface="+mn-cs"/>
-              </a:rPr>
-              <a:t> system.  </a:t>
-            </a:r>
-          </a:p>
-          <a:p>
-            <a:pPr lvl="1"/>
-            <a:r>
-              <a:rPr lang="en-US" sz="2800" kern="1200" dirty="0" smtClean="0">
-                <a:solidFill>
-                  <a:schemeClr val="tx1"/>
-                </a:solidFill>
-                <a:effectLst/>
-                <a:latin typeface="+mn-lt"/>
-                <a:ea typeface="+mn-ea"/>
-                <a:cs typeface="+mn-cs"/>
-              </a:rPr>
-              <a:t>Needed accurate timestamp, source facility name, location within facility, selected data items</a:t>
+          <a:bodyPr/>
+          <a:lstStyle/>
+          <a:p>
+            <a:r>
+              <a:rPr lang="en-US" dirty="0" smtClean="0"/>
+              <a:t>Time</a:t>
+            </a:r>
+          </a:p>
+          <a:p>
+            <a:r>
+              <a:rPr lang="en-US" dirty="0" smtClean="0"/>
+              <a:t>Source location</a:t>
+            </a:r>
+            <a:endParaRPr lang="en-US" dirty="0" smtClean="0"/>
+          </a:p>
+          <a:p>
+            <a:r>
+              <a:rPr lang="en-US" dirty="0" smtClean="0"/>
+              <a:t>Activity</a:t>
+            </a:r>
+          </a:p>
+          <a:p>
+            <a:r>
+              <a:rPr lang="en-US" dirty="0" smtClean="0"/>
+              <a:t>Data</a:t>
+            </a:r>
+            <a:r>
+              <a:rPr lang="en-US" baseline="0" dirty="0" smtClean="0"/>
+              <a:t> content</a:t>
+            </a:r>
+          </a:p>
+          <a:p>
+            <a:r>
+              <a:rPr lang="en-US" baseline="0" dirty="0" smtClean="0"/>
+              <a:t>File or </a:t>
+            </a:r>
+            <a:r>
+              <a:rPr lang="en-US" baseline="0" dirty="0" err="1" smtClean="0"/>
+              <a:t>stdout</a:t>
+            </a:r>
+            <a:r>
+              <a:rPr lang="en-US" baseline="0" dirty="0" smtClean="0"/>
+              <a:t>/</a:t>
+            </a:r>
+            <a:r>
+              <a:rPr lang="en-US" baseline="0" dirty="0" err="1" smtClean="0"/>
+              <a:t>stderr</a:t>
+            </a:r>
+            <a:r>
+              <a:rPr lang="en-US" baseline="0" dirty="0" smtClean="0"/>
+              <a:t> output</a:t>
+            </a:r>
+          </a:p>
+          <a:p>
+            <a:r>
+              <a:rPr lang="en-US" baseline="0" dirty="0" smtClean="0"/>
+              <a:t>Consistent </a:t>
+            </a:r>
+            <a:r>
+              <a:rPr lang="en-US" baseline="0" dirty="0" smtClean="0"/>
+              <a:t>format</a:t>
             </a:r>
           </a:p>
         </p:txBody>
@@ -5819,7 +5924,7 @@
     </p:spTree>
     <p:extLst>
       <p:ext uri="{BB962C8B-B14F-4D97-AF65-F5344CB8AC3E}">
-        <p14:creationId xmlns:p14="http://schemas.microsoft.com/office/powerpoint/2010/main" val="4255480821"/>
+        <p14:creationId xmlns:p14="http://schemas.microsoft.com/office/powerpoint/2010/main" val="97308904"/>
       </p:ext>
     </p:extLst>
   </p:cSld>
@@ -5863,78 +5968,36 @@
           <a:p>
             <a:r>
               <a:rPr lang="en-US" dirty="0" smtClean="0"/>
-              <a:t>Features:</a:t>
-            </a:r>
-            <a:r>
-              <a:rPr lang="en-US" baseline="0" dirty="0" smtClean="0"/>
-              <a:t> </a:t>
-            </a:r>
+              <a:t>Nice to Have</a:t>
+            </a:r>
+            <a:endParaRPr lang="en-US" dirty="0"/>
+          </a:p>
+        </p:txBody>
+      </p:sp>
+      <p:sp>
+        <p:nvSpPr>
+          <p:cNvPr id="3" name="Content Placeholder 2"/>
+          <p:cNvSpPr>
+            <a:spLocks noGrp="1"/>
+          </p:cNvSpPr>
+          <p:nvPr>
+            <p:ph idx="1"/>
+          </p:nvPr>
+        </p:nvSpPr>
+        <p:spPr/>
+        <p:txBody>
+          <a:bodyPr/>
+          <a:lstStyle/>
+          <a:p>
             <a:r>
               <a:rPr lang="en-US" dirty="0" smtClean="0"/>
-              <a:t>Must Have</a:t>
-            </a:r>
-            <a:endParaRPr lang="en-US" dirty="0"/>
-          </a:p>
-        </p:txBody>
-      </p:sp>
-      <p:sp>
-        <p:nvSpPr>
-          <p:cNvPr id="3" name="Content Placeholder 2"/>
-          <p:cNvSpPr>
-            <a:spLocks noGrp="1"/>
-          </p:cNvSpPr>
-          <p:nvPr>
-            <p:ph idx="1"/>
-          </p:nvPr>
-        </p:nvSpPr>
-        <p:spPr/>
-        <p:txBody>
-          <a:bodyPr/>
-          <a:lstStyle/>
+              <a:t>Priority</a:t>
+            </a:r>
+          </a:p>
           <a:p>
             <a:r>
               <a:rPr lang="en-US" dirty="0" smtClean="0"/>
-              <a:t>Time</a:t>
-            </a:r>
-          </a:p>
-          <a:p>
-            <a:r>
-              <a:rPr lang="en-US" dirty="0" smtClean="0"/>
-              <a:t>Location</a:t>
-            </a:r>
-          </a:p>
-          <a:p>
-            <a:r>
-              <a:rPr lang="en-US" dirty="0" smtClean="0"/>
-              <a:t>Activity</a:t>
-            </a:r>
-          </a:p>
-          <a:p>
-            <a:r>
-              <a:rPr lang="en-US" dirty="0" smtClean="0"/>
-              <a:t>Data</a:t>
-            </a:r>
-            <a:r>
-              <a:rPr lang="en-US" baseline="0" dirty="0" smtClean="0"/>
-              <a:t> content</a:t>
-            </a:r>
-          </a:p>
-          <a:p>
-            <a:r>
-              <a:rPr lang="en-US" baseline="0" dirty="0" smtClean="0"/>
-              <a:t>File or </a:t>
-            </a:r>
-            <a:r>
-              <a:rPr lang="en-US" baseline="0" dirty="0" err="1" smtClean="0"/>
-              <a:t>stdout</a:t>
-            </a:r>
-            <a:r>
-              <a:rPr lang="en-US" baseline="0" dirty="0" smtClean="0"/>
-              <a:t>/</a:t>
-            </a:r>
-            <a:r>
-              <a:rPr lang="en-US" baseline="0" dirty="0" err="1" smtClean="0"/>
-              <a:t>stderr</a:t>
+              <a:t>Text, HTML</a:t>
             </a:r>
             <a:r>
               <a:rPr lang="en-US" baseline="0" dirty="0" smtClean="0"/>
@@ -5944,9 +6007,9 @@
           <a:p>
             <a:r>
               <a:rPr lang="en-US" baseline="0" dirty="0" smtClean="0"/>
-              <a:t>Consistent format</a:t>
-            </a:r>
-            <a:endParaRPr lang="en-US" dirty="0"/>
+              <a:t>Thread-safe, multiprocessing-safe</a:t>
+            </a:r>
+            <a:endParaRPr lang="en-US" dirty="0" smtClean="0"/>
           </a:p>
         </p:txBody>
       </p:sp>
@@ -6022,7 +6085,7 @@
     </p:spTree>
     <p:extLst>
       <p:ext uri="{BB962C8B-B14F-4D97-AF65-F5344CB8AC3E}">
-        <p14:creationId xmlns:p14="http://schemas.microsoft.com/office/powerpoint/2010/main" val="97308904"/>
+        <p14:creationId xmlns:p14="http://schemas.microsoft.com/office/powerpoint/2010/main" val="365624875"/>
       </p:ext>
     </p:extLst>
   </p:cSld>
@@ -6066,7 +6129,7 @@
           <a:p>
             <a:r>
               <a:rPr lang="en-US" dirty="0" smtClean="0"/>
-              <a:t>Nice to Have</a:t>
+              <a:t>Management Needs</a:t>
             </a:r>
             <a:endParaRPr lang="en-US" dirty="0"/>
           </a:p>
@@ -6089,25 +6152,29 @@
           <a:p>
             <a:r>
               <a:rPr lang="en-US" dirty="0" smtClean="0"/>
-              <a:t>Priority</a:t>
-            </a:r>
-          </a:p>
-          <a:p>
-            <a:r>
-              <a:rPr lang="en-US" dirty="0" smtClean="0"/>
-              <a:t>Text, HTML</a:t>
+              <a:t>On/off</a:t>
             </a:r>
             <a:r>
               <a:rPr lang="en-US" baseline="0" dirty="0" smtClean="0"/>
-              <a:t> output</a:t>
-            </a:r>
-          </a:p>
-          <a:p>
+              <a:t> without editing </a:t>
+            </a:r>
             <a:r>
               <a:rPr lang="en-US" baseline="0" dirty="0" smtClean="0"/>
-              <a:t>Thread-safe, multiprocessing-safe</a:t>
-            </a:r>
-            <a:endParaRPr lang="en-US" dirty="0" smtClean="0"/>
+              <a:t>code</a:t>
+            </a:r>
+          </a:p>
+          <a:p>
+            <a:r>
+              <a:rPr lang="en-US" baseline="0" dirty="0" smtClean="0"/>
+              <a:t>Change output location</a:t>
+            </a:r>
+            <a:endParaRPr lang="en-US" baseline="0" dirty="0" smtClean="0"/>
+          </a:p>
+          <a:p>
+            <a:r>
+              <a:rPr lang="en-US" baseline="0" dirty="0" smtClean="0"/>
+              <a:t>Filter priority, location, activity</a:t>
+            </a:r>
           </a:p>
         </p:txBody>
       </p:sp>
@@ -6183,7 +6250,7 @@
     </p:spTree>
     <p:extLst>
       <p:ext uri="{BB962C8B-B14F-4D97-AF65-F5344CB8AC3E}">
-        <p14:creationId xmlns:p14="http://schemas.microsoft.com/office/powerpoint/2010/main" val="365624875"/>
+        <p14:creationId xmlns:p14="http://schemas.microsoft.com/office/powerpoint/2010/main" val="3668781952"/>
       </p:ext>
     </p:extLst>
   </p:cSld>
@@ -6232,7 +6299,21 @@
                 <a:latin typeface="Arial" panose="020B0604020202020204" pitchFamily="34" charset="0"/>
                 <a:cs typeface="Arial" panose="020B0604020202020204" pitchFamily="34" charset="0"/>
               </a:rPr>
-              <a:t>Who's a Dinosaur!?!</a:t>
+              <a:t>Who're</a:t>
+            </a:r>
+            <a:r>
+              <a:rPr lang="en-US" sz="3600" b="1" baseline="0" dirty="0" smtClean="0">
+                <a:latin typeface="Arial" panose="020B0604020202020204" pitchFamily="34" charset="0"/>
+                <a:cs typeface="Arial" panose="020B0604020202020204" pitchFamily="34" charset="0"/>
+              </a:rPr>
+              <a:t> You Calling</a:t>
+            </a:r>
+            <a:r>
+              <a:rPr lang="en-US" sz="3600" b="1" dirty="0" smtClean="0">
+                <a:latin typeface="Arial" panose="020B0604020202020204" pitchFamily="34" charset="0"/>
+                <a:cs typeface="Arial" panose="020B0604020202020204" pitchFamily="34" charset="0"/>
+              </a:rPr>
+              <a:t> a Dinosaur?!?!</a:t>
             </a:r>
             <a:endParaRPr lang="en-US" sz="3600" b="1" dirty="0">
               <a:latin typeface="Arial" panose="020B0604020202020204" pitchFamily="34" charset="0"/>
@@ -6440,6 +6521,18 @@
                 <a:cs typeface="+mn-cs"/>
               </a:rPr>
               <a:t>Jupyter</a:t>
+            </a:r>
+            <a:r>
+              <a:rPr lang="en-US" sz="2800" kern="1200" baseline="0" dirty="0" smtClean="0">
+                <a:solidFill>
+                  <a:schemeClr val="tx1"/>
+                </a:solidFill>
+                <a:effectLst/>
+                <a:latin typeface="+mn-lt"/>
+                <a:ea typeface="+mn-ea"/>
+                <a:cs typeface="+mn-cs"/>
+              </a:rPr>
+              <a:t>, ...</a:t>
             </a:r>
             <a:endParaRPr lang="en-US" sz="2800" kern="1200" dirty="0" smtClean="0">
               <a:solidFill>
@@ -6469,10 +6562,10 @@
           <a:lstStyle/>
           <a:p>
             <a:r>
-              <a:rPr lang="en-US" smtClean="0"/>
+              <a:rPr lang="en-US" dirty="0" smtClean="0"/>
               <a:t>2021-01-01</a:t>
             </a:r>
-            <a:endParaRPr lang="en-US"/>
+            <a:endParaRPr lang="en-US" dirty="0"/>
           </a:p>
         </p:txBody>
       </p:sp>
@@ -6492,7 +6585,7 @@
           <a:lstStyle/>
           <a:p>
             <a:r>
-              <a:rPr lang="en-US" smtClean="0"/>
+              <a:rPr lang="en-US" dirty="0" smtClean="0"/>
               <a:t>RBL - Boston Python</a:t>
             </a:r>
             <a:endParaRPr lang="en-US" dirty="0"/>
@@ -6571,12 +6664,22 @@
         </p:nvSpPr>
         <p:spPr/>
         <p:txBody>
-          <a:bodyPr/>
-          <a:lstStyle/>
-          <a:p>
-            <a:r>
-              <a:rPr lang="en-US" dirty="0" smtClean="0"/>
-              <a:t>Management Needs</a:t>
+          <a:bodyPr>
+            <a:normAutofit fontScale="90000"/>
+          </a:bodyPr>
+          <a:lstStyle/>
+          <a:p>
+            <a:r>
+              <a:rPr lang="en-US" sz="4400" kern="1200" dirty="0" smtClean="0">
+                <a:solidFill>
+                  <a:schemeClr val="tx1"/>
+                </a:solidFill>
+                <a:effectLst/>
+                <a:latin typeface="+mj-lt"/>
+                <a:ea typeface="+mj-ea"/>
+                <a:cs typeface="+mj-cs"/>
+              </a:rPr>
+              <a:t>Requirements That I Try to Meet</a:t>
             </a:r>
             <a:endParaRPr lang="en-US" dirty="0"/>
           </a:p>
@@ -6594,22 +6697,161 @@
         </p:nvSpPr>
         <p:spPr/>
         <p:txBody>
-          <a:bodyPr/>
-          <a:lstStyle/>
-          <a:p>
-            <a:r>
-              <a:rPr lang="en-US" dirty="0" smtClean="0"/>
-              <a:t>On/off</a:t>
-            </a:r>
-            <a:r>
-              <a:rPr lang="en-US" baseline="0" dirty="0" smtClean="0"/>
-              <a:t> without editing code</a:t>
-            </a:r>
-          </a:p>
-          <a:p>
-            <a:r>
-              <a:rPr lang="en-US" baseline="0" dirty="0" smtClean="0"/>
-              <a:t>Filter priority, location, activity</a:t>
+          <a:bodyPr>
+            <a:normAutofit/>
+          </a:bodyPr>
+          <a:lstStyle/>
+          <a:p>
+            <a:pPr lvl="0"/>
+            <a:r>
+              <a:rPr lang="en-US" sz="3200" kern="1200" dirty="0" smtClean="0">
+                <a:solidFill>
+                  <a:schemeClr val="tx1"/>
+                </a:solidFill>
+                <a:effectLst/>
+                <a:latin typeface="+mn-lt"/>
+                <a:ea typeface="+mn-ea"/>
+                <a:cs typeface="+mn-cs"/>
+              </a:rPr>
+              <a:t>Standard format</a:t>
+            </a:r>
+          </a:p>
+          <a:p>
+            <a:pPr lvl="1"/>
+            <a:r>
+              <a:rPr lang="en-US" sz="2800" kern="1200" dirty="0" smtClean="0">
+                <a:solidFill>
+                  <a:schemeClr val="tx1"/>
+                </a:solidFill>
+                <a:effectLst/>
+                <a:latin typeface="+mn-lt"/>
+                <a:ea typeface="+mn-ea"/>
+                <a:cs typeface="+mn-cs"/>
+              </a:rPr>
+              <a:t>Easy to scan, easy to sanitize</a:t>
+            </a:r>
+          </a:p>
+          <a:p>
+            <a:pPr lvl="0"/>
+            <a:r>
+              <a:rPr lang="en-US" sz="3200" kern="1200" dirty="0" smtClean="0">
+                <a:solidFill>
+                  <a:schemeClr val="tx1"/>
+                </a:solidFill>
+                <a:effectLst/>
+                <a:latin typeface="+mn-lt"/>
+                <a:ea typeface="+mn-ea"/>
+                <a:cs typeface="+mn-cs"/>
+              </a:rPr>
+              <a:t>Activity: Function enter and exit</a:t>
+            </a:r>
+          </a:p>
+          <a:p>
+            <a:pPr lvl="1"/>
+            <a:r>
+              <a:rPr lang="en-US" sz="2800" kern="1200" dirty="0" smtClean="0">
+                <a:solidFill>
+                  <a:schemeClr val="tx1"/>
+                </a:solidFill>
+                <a:effectLst/>
+                <a:latin typeface="+mn-lt"/>
+                <a:ea typeface="+mn-ea"/>
+                <a:cs typeface="+mn-cs"/>
+              </a:rPr>
+              <a:t>With arguments in and result value out</a:t>
+            </a:r>
+          </a:p>
+          <a:p>
+            <a:pPr lvl="1"/>
+            <a:r>
+              <a:rPr lang="en-US" sz="2800" kern="1200" dirty="0" smtClean="0">
+                <a:solidFill>
+                  <a:schemeClr val="tx1"/>
+                </a:solidFill>
+                <a:effectLst/>
+                <a:latin typeface="+mn-lt"/>
+                <a:ea typeface="+mn-ea"/>
+                <a:cs typeface="+mn-cs"/>
+              </a:rPr>
+              <a:t>Easily done with decorators</a:t>
+            </a:r>
+          </a:p>
+          <a:p>
+            <a:pPr lvl="0"/>
+            <a:r>
+              <a:rPr lang="en-US" sz="3200" kern="1200" dirty="0" smtClean="0">
+                <a:solidFill>
+                  <a:schemeClr val="tx1"/>
+                </a:solidFill>
+                <a:effectLst/>
+                <a:latin typeface="+mn-lt"/>
+                <a:ea typeface="+mn-ea"/>
+                <a:cs typeface="+mn-cs"/>
+              </a:rPr>
+              <a:t>Activity:</a:t>
+            </a:r>
+            <a:r>
+              <a:rPr lang="en-US" sz="3200" kern="1200" baseline="0" dirty="0" smtClean="0">
+                <a:solidFill>
+                  <a:schemeClr val="tx1"/>
+                </a:solidFill>
+                <a:effectLst/>
+                <a:latin typeface="+mn-lt"/>
+                <a:ea typeface="+mn-ea"/>
+                <a:cs typeface="+mn-cs"/>
+              </a:rPr>
+              <a:t> </a:t>
+            </a:r>
+            <a:r>
+              <a:rPr lang="en-US" sz="3200" kern="1200" dirty="0" smtClean="0">
+                <a:solidFill>
+                  <a:schemeClr val="tx1"/>
+                </a:solidFill>
+                <a:effectLst/>
+                <a:latin typeface="+mn-lt"/>
+                <a:ea typeface="+mn-ea"/>
+                <a:cs typeface="+mn-cs"/>
+              </a:rPr>
+              <a:t>Insert</a:t>
+            </a:r>
+            <a:r>
+              <a:rPr lang="en-US" sz="3200" kern="1200" baseline="0" dirty="0" smtClean="0">
+                <a:solidFill>
+                  <a:schemeClr val="tx1"/>
+                </a:solidFill>
+                <a:effectLst/>
+                <a:latin typeface="+mn-lt"/>
+                <a:ea typeface="+mn-ea"/>
+                <a:cs typeface="+mn-cs"/>
+              </a:rPr>
+              <a:t> at</a:t>
+            </a:r>
+            <a:r>
+              <a:rPr lang="en-US" sz="3200" kern="1200" dirty="0" smtClean="0">
+                <a:solidFill>
+                  <a:schemeClr val="tx1"/>
+                </a:solidFill>
+                <a:effectLst/>
+                <a:latin typeface="+mn-lt"/>
+                <a:ea typeface="+mn-ea"/>
+                <a:cs typeface="+mn-cs"/>
+              </a:rPr>
+              <a:t> any other points</a:t>
+            </a:r>
+          </a:p>
+          <a:p>
+            <a:pPr lvl="1"/>
+            <a:r>
+              <a:rPr lang="en-US" sz="2800" kern="1200" dirty="0" smtClean="0">
+                <a:solidFill>
+                  <a:schemeClr val="tx1"/>
+                </a:solidFill>
+                <a:effectLst/>
+                <a:latin typeface="+mn-lt"/>
+                <a:ea typeface="+mn-ea"/>
+                <a:cs typeface="+mn-cs"/>
+              </a:rPr>
+              <a:t>Think fancy print() calls</a:t>
             </a:r>
           </a:p>
         </p:txBody>
@@ -6686,7 +6928,7 @@
     </p:spTree>
     <p:extLst>
       <p:ext uri="{BB962C8B-B14F-4D97-AF65-F5344CB8AC3E}">
-        <p14:creationId xmlns:p14="http://schemas.microsoft.com/office/powerpoint/2010/main" val="3668781952"/>
+        <p14:creationId xmlns:p14="http://schemas.microsoft.com/office/powerpoint/2010/main" val="2684274098"/>
       </p:ext>
     </p:extLst>
   </p:cSld>
@@ -6725,22 +6967,12 @@
         </p:nvSpPr>
         <p:spPr/>
         <p:txBody>
-          <a:bodyPr>
-            <a:normAutofit fontScale="90000"/>
-          </a:bodyPr>
-          <a:lstStyle/>
-          <a:p>
-            <a:r>
-              <a:rPr lang="en-US" sz="4400" kern="1200" dirty="0" smtClean="0">
-                <a:solidFill>
-                  <a:schemeClr val="tx1"/>
-                </a:solidFill>
-                <a:effectLst/>
-                <a:latin typeface="+mj-lt"/>
-                <a:ea typeface="+mj-ea"/>
-                <a:cs typeface="+mj-cs"/>
-              </a:rPr>
-              <a:t>Requirements That I Try to Meet</a:t>
+          <a:bodyPr/>
+          <a:lstStyle/>
+          <a:p>
+            <a:r>
+              <a:rPr lang="en-US" dirty="0" smtClean="0"/>
+              <a:t>Requirements (cont'd)</a:t>
             </a:r>
             <a:endParaRPr lang="en-US" dirty="0"/>
           </a:p>
@@ -6758,9 +6990,7 @@
         </p:nvSpPr>
         <p:spPr/>
         <p:txBody>
-          <a:bodyPr>
-            <a:normAutofit/>
-          </a:bodyPr>
+          <a:bodyPr/>
           <a:lstStyle/>
           <a:p>
             <a:pPr lvl="0"/>
@@ -6774,7 +7004,7 @@
                 <a:ea typeface="+mn-ea"/>
                 <a:cs typeface="+mn-cs"/>
               </a:rPr>
-              <a:t>Standard format</a:t>
+              <a:t>Priorities for different levels of details </a:t>
             </a:r>
           </a:p>
           <a:p>
@@ -6789,131 +7019,46 @@
                 <a:ea typeface="+mn-ea"/>
                 <a:cs typeface="+mn-cs"/>
               </a:rPr>
-              <a:t>Easy to scan, easy to sanitize</a:t>
-            </a:r>
-          </a:p>
-          <a:p>
-            <a:pPr lvl="0"/>
-            <a:r>
-              <a:rPr lang="en-US" sz="3200" kern="1200" dirty="0" smtClean="0">
-                <a:solidFill>
-                  <a:schemeClr val="tx1"/>
-                </a:solidFill>
-                <a:effectLst/>
-                <a:latin typeface="+mn-lt"/>
-                <a:ea typeface="+mn-ea"/>
-                <a:cs typeface="+mn-cs"/>
-              </a:rPr>
-              <a:t>Activity: Function enter and exit</a:t>
-            </a:r>
-          </a:p>
-          <a:p>
-            <a:pPr lvl="1"/>
-            <a:r>
-              <a:rPr lang="en-US" sz="2800" kern="1200" dirty="0" smtClean="0">
-                <a:solidFill>
-                  <a:schemeClr val="tx1"/>
-                </a:solidFill>
-                <a:effectLst/>
-                <a:latin typeface="+mn-lt"/>
-                <a:ea typeface="+mn-ea"/>
-                <a:cs typeface="+mn-cs"/>
-              </a:rPr>
-              <a:t>With arguments in and result value out</a:t>
-            </a:r>
-          </a:p>
-          <a:p>
-            <a:pPr lvl="1"/>
-            <a:r>
-              <a:rPr lang="en-US" sz="2800" kern="1200" dirty="0" smtClean="0">
-                <a:solidFill>
-                  <a:schemeClr val="tx1"/>
-                </a:solidFill>
-                <a:effectLst/>
-                <a:latin typeface="+mn-lt"/>
-                <a:ea typeface="+mn-ea"/>
-                <a:cs typeface="+mn-cs"/>
-              </a:rPr>
-              <a:t>Easily done with decorators</a:t>
-            </a:r>
-          </a:p>
-          <a:p>
-            <a:pPr lvl="0"/>
-            <a:r>
-              <a:rPr lang="en-US" sz="3200" kern="1200" dirty="0" smtClean="0">
-                <a:solidFill>
-                  <a:schemeClr val="tx1"/>
-                </a:solidFill>
-                <a:effectLst/>
-                <a:latin typeface="+mn-lt"/>
-                <a:ea typeface="+mn-ea"/>
-                <a:cs typeface="+mn-cs"/>
-              </a:rPr>
-              <a:t>Activity:</a:t>
-            </a:r>
-            <a:r>
-              <a:rPr lang="en-US" sz="3200" kern="1200" baseline="0" dirty="0" smtClean="0">
-                <a:solidFill>
-                  <a:schemeClr val="tx1"/>
-                </a:solidFill>
-                <a:effectLst/>
-                <a:latin typeface="+mn-lt"/>
-                <a:ea typeface="+mn-ea"/>
-                <a:cs typeface="+mn-cs"/>
-              </a:rPr>
-              <a:t> </a:t>
-            </a:r>
-            <a:r>
-              <a:rPr lang="en-US" sz="3200" kern="1200" dirty="0" smtClean="0">
-                <a:solidFill>
-                  <a:schemeClr val="tx1"/>
-                </a:solidFill>
-                <a:effectLst/>
-                <a:latin typeface="+mn-lt"/>
-                <a:ea typeface="+mn-ea"/>
-                <a:cs typeface="+mn-cs"/>
-              </a:rPr>
-              <a:t>Insert</a:t>
-            </a:r>
-            <a:r>
-              <a:rPr lang="en-US" sz="3200" kern="1200" baseline="0" dirty="0" smtClean="0">
-                <a:solidFill>
-                  <a:schemeClr val="tx1"/>
-                </a:solidFill>
-                <a:effectLst/>
-                <a:latin typeface="+mn-lt"/>
-                <a:ea typeface="+mn-ea"/>
-                <a:cs typeface="+mn-cs"/>
-              </a:rPr>
-              <a:t> at</a:t>
-            </a:r>
-            <a:r>
-              <a:rPr lang="en-US" sz="3200" kern="1200" dirty="0" smtClean="0">
-                <a:solidFill>
-                  <a:schemeClr val="tx1"/>
-                </a:solidFill>
-                <a:effectLst/>
-                <a:latin typeface="+mn-lt"/>
-                <a:ea typeface="+mn-ea"/>
-                <a:cs typeface="+mn-cs"/>
-              </a:rPr>
-              <a:t> any other points</a:t>
-            </a:r>
-          </a:p>
-          <a:p>
-            <a:pPr lvl="1"/>
-            <a:r>
-              <a:rPr lang="en-US" sz="2800" kern="1200" dirty="0" smtClean="0">
-                <a:solidFill>
-                  <a:schemeClr val="tx1"/>
-                </a:solidFill>
-                <a:effectLst/>
-                <a:latin typeface="+mn-lt"/>
-                <a:ea typeface="+mn-ea"/>
-                <a:cs typeface="+mn-cs"/>
-              </a:rPr>
-              <a:t>Think fancy print() calls</a:t>
-            </a:r>
+              <a:t> e.g., function entry and exit, details inside complex logic, details in loops</a:t>
+            </a:r>
+          </a:p>
+          <a:p>
+            <a:r>
+              <a:rPr lang="en-US" dirty="0" smtClean="0"/>
+              <a:t>Options for output location and format</a:t>
+            </a:r>
+          </a:p>
+          <a:p>
+            <a:r>
+              <a:rPr lang="en-US" dirty="0" smtClean="0"/>
+              <a:t>Low performance impact</a:t>
+            </a:r>
+          </a:p>
+          <a:p>
+            <a:pPr marL="0" indent="0">
+              <a:buNone/>
+            </a:pPr>
+            <a:endParaRPr lang="en-US" b="0" dirty="0" smtClean="0"/>
+          </a:p>
+          <a:p>
+            <a:pPr marL="0" indent="0">
+              <a:buNone/>
+            </a:pPr>
+            <a:r>
+              <a:rPr lang="en-US" b="0" dirty="0" smtClean="0"/>
+              <a:t>and</a:t>
+            </a:r>
+          </a:p>
+          <a:p>
+            <a:r>
+              <a:rPr lang="en-US" b="1" dirty="0" smtClean="0"/>
+              <a:t>Manageable</a:t>
+            </a:r>
+            <a:r>
+              <a:rPr lang="en-US" b="1" baseline="0" dirty="0" smtClean="0"/>
+              <a:t> without editing code!</a:t>
+            </a:r>
+            <a:endParaRPr lang="en-US" b="1" dirty="0"/>
           </a:p>
         </p:txBody>
       </p:sp>
@@ -6989,7 +7134,7 @@
     </p:spTree>
     <p:extLst>
       <p:ext uri="{BB962C8B-B14F-4D97-AF65-F5344CB8AC3E}">
-        <p14:creationId xmlns:p14="http://schemas.microsoft.com/office/powerpoint/2010/main" val="2684274098"/>
+        <p14:creationId xmlns:p14="http://schemas.microsoft.com/office/powerpoint/2010/main" val="3116210897"/>
       </p:ext>
     </p:extLst>
   </p:cSld>
@@ -7033,7 +7178,7 @@
           <a:p>
             <a:r>
               <a:rPr lang="en-US" dirty="0" smtClean="0"/>
-              <a:t>Requirements (cont'd)</a:t>
+              <a:t>Timestamp</a:t>
             </a:r>
             <a:endParaRPr lang="en-US" dirty="0"/>
           </a:p>
@@ -7054,72 +7199,31 @@
           <a:bodyPr/>
           <a:lstStyle/>
           <a:p>
-            <a:pPr lvl="0"/>
-            <a:r>
-              <a:rPr lang="en-US" sz="3200" kern="1200" dirty="0" smtClean="0">
-                <a:solidFill>
-                  <a:schemeClr val="tx1"/>
-                </a:solidFill>
-                <a:effectLst/>
-                <a:latin typeface="+mn-lt"/>
-                <a:ea typeface="+mn-ea"/>
-                <a:cs typeface="+mn-cs"/>
-              </a:rPr>
-              <a:t>Priorities for different levels of details </a:t>
-            </a:r>
-          </a:p>
-          <a:p>
-            <a:pPr lvl="1"/>
-            <a:r>
-              <a:rPr lang="en-US" sz="2800" kern="1200" dirty="0" smtClean="0">
-                <a:solidFill>
-                  <a:schemeClr val="tx1"/>
-                </a:solidFill>
-                <a:effectLst/>
-                <a:latin typeface="+mn-lt"/>
-                <a:ea typeface="+mn-ea"/>
-                <a:cs typeface="+mn-cs"/>
-              </a:rPr>
-              <a:t> e.g., function entry and exit, details inside complex logic, details in loops</a:t>
-            </a:r>
-          </a:p>
-          <a:p>
-            <a:r>
-              <a:rPr lang="en-US" dirty="0" smtClean="0"/>
-              <a:t>Options for output location and format</a:t>
-            </a:r>
-          </a:p>
-          <a:p>
-            <a:r>
-              <a:rPr lang="en-US" dirty="0" smtClean="0"/>
-              <a:t>Low performance impact</a:t>
-            </a:r>
-          </a:p>
-          <a:p>
-            <a:pPr marL="0" indent="0">
-              <a:buNone/>
-            </a:pPr>
-            <a:endParaRPr lang="en-US" b="0" dirty="0" smtClean="0"/>
-          </a:p>
-          <a:p>
-            <a:pPr marL="0" indent="0">
-              <a:buNone/>
-            </a:pPr>
-            <a:r>
-              <a:rPr lang="en-US" b="0" dirty="0" smtClean="0"/>
-              <a:t>and</a:t>
-            </a:r>
-          </a:p>
-          <a:p>
-            <a:r>
-              <a:rPr lang="en-US" b="1" dirty="0" smtClean="0"/>
-              <a:t>Manageable</a:t>
-            </a:r>
-            <a:r>
-              <a:rPr lang="en-US" b="1" baseline="0" dirty="0" smtClean="0"/>
-              <a:t> without editing code!</a:t>
-            </a:r>
-            <a:endParaRPr lang="en-US" b="1" dirty="0"/>
+            <a:r>
+              <a:rPr lang="en-US" dirty="0" smtClean="0">
+                <a:effectLst/>
+              </a:rPr>
+              <a:t>Date and time, to second or millisecond</a:t>
+            </a:r>
+          </a:p>
+          <a:p>
+            <a:endParaRPr lang="en-US" dirty="0"/>
+          </a:p>
+          <a:p>
+            <a:r>
+              <a:rPr lang="en-US" sz="2400" dirty="0" smtClean="0">
+                <a:solidFill>
+                  <a:srgbClr val="00B050"/>
+                </a:solidFill>
+                <a:effectLst/>
+              </a:rPr>
+              <a:t>&lt;code: timestamp&gt;</a:t>
+            </a:r>
+          </a:p>
+          <a:p>
+            <a:endParaRPr lang="en-US" dirty="0" smtClean="0">
+              <a:effectLst/>
+            </a:endParaRPr>
           </a:p>
         </p:txBody>
       </p:sp>
@@ -7195,7 +7299,7 @@
     </p:spTree>
     <p:extLst>
       <p:ext uri="{BB962C8B-B14F-4D97-AF65-F5344CB8AC3E}">
-        <p14:creationId xmlns:p14="http://schemas.microsoft.com/office/powerpoint/2010/main" val="3116210897"/>
+        <p14:creationId xmlns:p14="http://schemas.microsoft.com/office/powerpoint/2010/main" val="927184767"/>
       </p:ext>
     </p:extLst>
   </p:cSld>
@@ -7239,7 +7343,11 @@
           <a:p>
             <a:r>
               <a:rPr lang="en-US" dirty="0" smtClean="0"/>
-              <a:t>Timestamp</a:t>
+              <a:t>Easy Control</a:t>
+            </a:r>
+            <a:r>
+              <a:rPr lang="en-US" baseline="0" dirty="0" smtClean="0"/>
+              <a:t> of Debug On/Off</a:t>
             </a:r>
             <a:endParaRPr lang="en-US" dirty="0"/>
           </a:p>
@@ -7257,34 +7365,264 @@
         </p:nvSpPr>
         <p:spPr/>
         <p:txBody>
-          <a:bodyPr/>
-          <a:lstStyle/>
-          <a:p>
-            <a:r>
-              <a:rPr lang="en-US" dirty="0" smtClean="0">
-                <a:effectLst/>
-              </a:rPr>
-              <a:t>Date and time, to second or millisecond</a:t>
-            </a:r>
-          </a:p>
-          <a:p>
-            <a:endParaRPr lang="en-US" dirty="0"/>
-          </a:p>
-          <a:p>
-            <a:r>
-              <a:rPr lang="en-US" sz="2400" dirty="0" smtClean="0">
+          <a:bodyPr>
+            <a:normAutofit/>
+          </a:bodyPr>
+          <a:lstStyle/>
+          <a:p>
+            <a:pPr lvl="0"/>
+            <a:r>
+              <a:rPr lang="en-US" sz="3200" kern="1200" dirty="0" smtClean="0">
+                <a:solidFill>
+                  <a:schemeClr val="tx1"/>
+                </a:solidFill>
+                <a:effectLst/>
+                <a:latin typeface="+mn-lt"/>
+                <a:ea typeface="+mn-ea"/>
+                <a:cs typeface="+mn-cs"/>
+              </a:rPr>
+              <a:t>Control with </a:t>
+            </a:r>
+            <a:r>
+              <a:rPr lang="en-US" sz="3200" b="1" kern="1200" dirty="0" smtClean="0">
+                <a:solidFill>
+                  <a:schemeClr val="tx1"/>
+                </a:solidFill>
+                <a:effectLst/>
+                <a:latin typeface="+mn-lt"/>
+                <a:ea typeface="+mn-ea"/>
+                <a:cs typeface="+mn-cs"/>
+              </a:rPr>
+              <a:t>environment variables</a:t>
+            </a:r>
+          </a:p>
+          <a:p>
+            <a:pPr lvl="1"/>
+            <a:r>
+              <a:rPr lang="en-US" sz="2800" kern="1200" dirty="0" smtClean="0">
+                <a:solidFill>
+                  <a:schemeClr val="tx1"/>
+                </a:solidFill>
+                <a:effectLst/>
+                <a:latin typeface="+mn-lt"/>
+                <a:ea typeface="+mn-ea"/>
+                <a:cs typeface="+mn-cs"/>
+              </a:rPr>
+              <a:t>Don't want to change the code for debug/</a:t>
+            </a:r>
+            <a:r>
+              <a:rPr lang="en-US" sz="2800" kern="1200" dirty="0" err="1" smtClean="0">
+                <a:solidFill>
+                  <a:schemeClr val="tx1"/>
+                </a:solidFill>
+                <a:effectLst/>
+                <a:latin typeface="+mn-lt"/>
+                <a:ea typeface="+mn-ea"/>
+                <a:cs typeface="+mn-cs"/>
+              </a:rPr>
+              <a:t>nondebug</a:t>
+            </a:r>
+            <a:r>
+              <a:rPr lang="en-US" sz="2800" kern="1200" dirty="0" smtClean="0">
+                <a:solidFill>
+                  <a:schemeClr val="tx1"/>
+                </a:solidFill>
+                <a:effectLst/>
+                <a:latin typeface="+mn-lt"/>
+                <a:ea typeface="+mn-ea"/>
+                <a:cs typeface="+mn-cs"/>
+              </a:rPr>
+              <a:t> versions.  </a:t>
+            </a:r>
+          </a:p>
+          <a:p>
+            <a:pPr lvl="1"/>
+            <a:r>
+              <a:rPr lang="en-US" sz="2800" kern="1200" dirty="0" smtClean="0">
+                <a:solidFill>
+                  <a:schemeClr val="tx1"/>
+                </a:solidFill>
+                <a:effectLst/>
+                <a:latin typeface="+mn-lt"/>
+                <a:ea typeface="+mn-ea"/>
+                <a:cs typeface="+mn-cs"/>
+              </a:rPr>
+              <a:t>Tracing should be permanently installed</a:t>
+            </a:r>
+          </a:p>
+          <a:p>
+            <a:pPr lvl="1"/>
+            <a:r>
+              <a:rPr lang="en-US" sz="2800" kern="1200" dirty="0" smtClean="0">
+                <a:solidFill>
+                  <a:schemeClr val="tx1"/>
+                </a:solidFill>
+                <a:effectLst/>
+                <a:latin typeface="+mn-lt"/>
+                <a:ea typeface="+mn-ea"/>
+                <a:cs typeface="+mn-cs"/>
+              </a:rPr>
+              <a:t>When</a:t>
+            </a:r>
+            <a:r>
+              <a:rPr lang="en-US" sz="2800" kern="1200" baseline="0" dirty="0" smtClean="0">
+                <a:solidFill>
+                  <a:schemeClr val="tx1"/>
+                </a:solidFill>
+                <a:effectLst/>
+                <a:latin typeface="+mn-lt"/>
+                <a:ea typeface="+mn-ea"/>
+                <a:cs typeface="+mn-cs"/>
+              </a:rPr>
+              <a:t> customer calls with a problem...</a:t>
+            </a:r>
+            <a:endParaRPr lang="en-US" sz="2800" kern="1200" dirty="0" smtClean="0">
+              <a:solidFill>
+                <a:schemeClr val="tx1"/>
+              </a:solidFill>
+              <a:effectLst/>
+              <a:latin typeface="+mn-lt"/>
+              <a:ea typeface="+mn-ea"/>
+              <a:cs typeface="+mn-cs"/>
+            </a:endParaRPr>
+          </a:p>
+          <a:p>
+            <a:pPr lvl="0"/>
+            <a:r>
+              <a:rPr lang="en-US" sz="3200" kern="1200" dirty="0" err="1" smtClean="0">
+                <a:solidFill>
+                  <a:schemeClr val="tx1"/>
+                </a:solidFill>
+                <a:effectLst/>
+                <a:latin typeface="+mn-lt"/>
+                <a:ea typeface="+mn-ea"/>
+                <a:cs typeface="+mn-cs"/>
+              </a:rPr>
+              <a:t>Envir</a:t>
+            </a:r>
+            <a:r>
+              <a:rPr lang="en-US" sz="3200" kern="1200" dirty="0" smtClean="0">
+                <a:solidFill>
+                  <a:schemeClr val="tx1"/>
+                </a:solidFill>
+                <a:effectLst/>
+                <a:latin typeface="+mn-lt"/>
+                <a:ea typeface="+mn-ea"/>
+                <a:cs typeface="+mn-cs"/>
+              </a:rPr>
+              <a:t> </a:t>
+            </a:r>
+            <a:r>
+              <a:rPr lang="en-US" sz="3200" kern="1200" dirty="0" err="1" smtClean="0">
+                <a:solidFill>
+                  <a:schemeClr val="tx1"/>
+                </a:solidFill>
+                <a:effectLst/>
+                <a:latin typeface="+mn-lt"/>
+                <a:ea typeface="+mn-ea"/>
+                <a:cs typeface="+mn-cs"/>
+              </a:rPr>
+              <a:t>vars</a:t>
+            </a:r>
+            <a:r>
+              <a:rPr lang="en-US" sz="3200" kern="1200" dirty="0" smtClean="0">
+                <a:solidFill>
+                  <a:schemeClr val="tx1"/>
+                </a:solidFill>
+                <a:effectLst/>
+                <a:latin typeface="+mn-lt"/>
+                <a:ea typeface="+mn-ea"/>
+                <a:cs typeface="+mn-cs"/>
+              </a:rPr>
+              <a:t> easy to sense</a:t>
+            </a:r>
+          </a:p>
+          <a:p>
+            <a:pPr lvl="0"/>
+            <a:r>
+              <a:rPr lang="en-US" kern="1200" dirty="0" smtClean="0">
+                <a:solidFill>
+                  <a:schemeClr val="tx1"/>
+                </a:solidFill>
+                <a:effectLst/>
+                <a:latin typeface="+mn-lt"/>
+                <a:ea typeface="+mn-ea"/>
+                <a:cs typeface="+mn-cs"/>
+              </a:rPr>
+              <a:t>(Restart</a:t>
+            </a:r>
+            <a:r>
+              <a:rPr lang="en-US" kern="1200" baseline="0" dirty="0" smtClean="0">
+                <a:solidFill>
+                  <a:schemeClr val="tx1"/>
+                </a:solidFill>
+                <a:effectLst/>
+                <a:latin typeface="+mn-lt"/>
+                <a:ea typeface="+mn-ea"/>
+                <a:cs typeface="+mn-cs"/>
+              </a:rPr>
+              <a:t> process when </a:t>
+            </a:r>
+            <a:r>
+              <a:rPr lang="en-US" kern="1200" baseline="0" dirty="0" err="1" smtClean="0">
+                <a:solidFill>
+                  <a:schemeClr val="tx1"/>
+                </a:solidFill>
+                <a:effectLst/>
+                <a:latin typeface="+mn-lt"/>
+                <a:ea typeface="+mn-ea"/>
+                <a:cs typeface="+mn-cs"/>
+              </a:rPr>
+              <a:t>params</a:t>
+            </a:r>
+            <a:r>
+              <a:rPr lang="en-US" kern="1200" baseline="0" dirty="0" smtClean="0">
+                <a:solidFill>
+                  <a:schemeClr val="tx1"/>
+                </a:solidFill>
+                <a:effectLst/>
+                <a:latin typeface="+mn-lt"/>
+                <a:ea typeface="+mn-ea"/>
+                <a:cs typeface="+mn-cs"/>
+              </a:rPr>
+              <a:t> change)</a:t>
+            </a:r>
+            <a:endParaRPr lang="en-US" kern="1200" dirty="0" smtClean="0">
+              <a:solidFill>
+                <a:schemeClr val="tx1"/>
+              </a:solidFill>
+              <a:effectLst/>
+              <a:latin typeface="+mn-lt"/>
+              <a:ea typeface="+mn-ea"/>
+              <a:cs typeface="+mn-cs"/>
+            </a:endParaRPr>
+          </a:p>
+          <a:p>
+            <a:pPr lvl="0"/>
+            <a:endParaRPr lang="en-US" sz="2400" kern="1200" dirty="0" smtClean="0">
+              <a:solidFill>
+                <a:schemeClr val="tx1"/>
+              </a:solidFill>
+              <a:effectLst/>
+              <a:latin typeface="+mn-lt"/>
+              <a:ea typeface="+mn-ea"/>
+              <a:cs typeface="+mn-cs"/>
+            </a:endParaRPr>
+          </a:p>
+          <a:p>
+            <a:pPr lvl="0"/>
+            <a:r>
+              <a:rPr lang="en-US" sz="2400" kern="1200" dirty="0" smtClean="0">
                 <a:solidFill>
                   <a:srgbClr val="00B050"/>
                 </a:solidFill>
                 <a:effectLst/>
-              </a:rPr>
-              <a:t>&lt;code: timestamp&gt;</a:t>
-            </a:r>
-          </a:p>
-          <a:p>
-            <a:endParaRPr lang="en-US" dirty="0" smtClean="0">
-              <a:effectLst/>
-            </a:endParaRPr>
+                <a:latin typeface="+mn-lt"/>
+                <a:ea typeface="+mn-ea"/>
+                <a:cs typeface="+mn-cs"/>
+              </a:rPr>
+              <a:t>&lt;code: environment variable control&gt;</a:t>
+            </a:r>
           </a:p>
         </p:txBody>
       </p:sp>
@@ -7360,7 +7698,7 @@
     </p:spTree>
     <p:extLst>
       <p:ext uri="{BB962C8B-B14F-4D97-AF65-F5344CB8AC3E}">
-        <p14:creationId xmlns:p14="http://schemas.microsoft.com/office/powerpoint/2010/main" val="927184767"/>
+        <p14:creationId xmlns:p14="http://schemas.microsoft.com/office/powerpoint/2010/main" val="1887016969"/>
       </p:ext>
     </p:extLst>
   </p:cSld>
@@ -7404,11 +7742,11 @@
           <a:p>
             <a:r>
               <a:rPr lang="en-US" dirty="0" smtClean="0"/>
-              <a:t>Easy Control</a:t>
+              <a:t>Leave the Debugging</a:t>
             </a:r>
             <a:r>
               <a:rPr lang="en-US" baseline="0" dirty="0" smtClean="0"/>
-              <a:t> of Debug On/Off</a:t>
+              <a:t> Code in</a:t>
             </a:r>
             <a:endParaRPr lang="en-US" dirty="0"/>
           </a:p>
@@ -7442,7 +7780,7 @@
                 <a:ea typeface="+mn-ea"/>
                 <a:cs typeface="+mn-cs"/>
               </a:rPr>
-              <a:t>Control with environment variables</a:t>
+              <a:t>Suppose a bug shows up in production?  </a:t>
             </a:r>
           </a:p>
           <a:p>
@@ -7457,19 +7795,7 @@
                 <a:ea typeface="+mn-ea"/>
                 <a:cs typeface="+mn-cs"/>
               </a:rPr>
-              <a:t>Don't want to change the code for debug/</a:t>
-            </a:r>
-            <a:r>
-              <a:rPr lang="en-US" sz="2800" kern="1200" dirty="0" err="1" smtClean="0">
-                <a:solidFill>
-                  <a:schemeClr val="tx1"/>
-                </a:solidFill>
-                <a:effectLst/>
-                <a:latin typeface="+mn-lt"/>
-                <a:ea typeface="+mn-ea"/>
-                <a:cs typeface="+mn-cs"/>
-              </a:rPr>
-              <a:t>nondebug</a:t>
+              <a:t>Just tell the customer to add a couple environment variables and restart the </a:t>
             </a:r>
             <a:r>
               <a:rPr lang="en-US" sz="2800" kern="1200" dirty="0" smtClean="0">
@@ -7481,49 +7807,7 @@
                 <a:ea typeface="+mn-ea"/>
                 <a:cs typeface="+mn-cs"/>
               </a:rPr>
-              <a:t> versions.  </a:t>
-            </a:r>
-          </a:p>
-          <a:p>
-            <a:pPr lvl="1"/>
-            <a:r>
-              <a:rPr lang="en-US" sz="2800" kern="1200" dirty="0" smtClean="0">
-                <a:solidFill>
-                  <a:schemeClr val="tx1"/>
-                </a:solidFill>
-                <a:effectLst/>
-                <a:latin typeface="+mn-lt"/>
-                <a:ea typeface="+mn-ea"/>
-                <a:cs typeface="+mn-cs"/>
-              </a:rPr>
-              <a:t>Tracing should be permanently installed</a:t>
-            </a:r>
-          </a:p>
-          <a:p>
-            <a:pPr lvl="1"/>
-            <a:r>
-              <a:rPr lang="en-US" sz="2800" kern="1200" dirty="0" smtClean="0">
-                <a:solidFill>
-                  <a:schemeClr val="tx1"/>
-                </a:solidFill>
-                <a:effectLst/>
-                <a:latin typeface="+mn-lt"/>
-                <a:ea typeface="+mn-ea"/>
-                <a:cs typeface="+mn-cs"/>
-              </a:rPr>
-              <a:t>When</a:t>
-            </a:r>
-            <a:r>
-              <a:rPr lang="en-US" sz="2800" kern="1200" baseline="0" dirty="0" smtClean="0">
-                <a:solidFill>
-                  <a:schemeClr val="tx1"/>
-                </a:solidFill>
-                <a:effectLst/>
-                <a:latin typeface="+mn-lt"/>
-                <a:ea typeface="+mn-ea"/>
-                <a:cs typeface="+mn-cs"/>
-              </a:rPr>
-              <a:t> customer calls with a problem...</a:t>
+              <a:t>application</a:t>
             </a:r>
             <a:endParaRPr lang="en-US" sz="2800" kern="1200" dirty="0" smtClean="0">
               <a:solidFill>
@@ -7536,118 +7820,31 @@
             </a:endParaRPr>
           </a:p>
           <a:p>
-            <a:pPr lvl="0"/>
-            <a:r>
-              <a:rPr lang="en-US" sz="3200" kern="1200" dirty="0" err="1" smtClean="0">
-                <a:solidFill>
-                  <a:schemeClr val="tx1"/>
-                </a:solidFill>
-                <a:effectLst/>
-                <a:latin typeface="+mn-lt"/>
-                <a:ea typeface="+mn-ea"/>
-                <a:cs typeface="+mn-cs"/>
-              </a:rPr>
-              <a:t>Envir</a:t>
-            </a:r>
-            <a:r>
-              <a:rPr lang="en-US" sz="3200" kern="1200" dirty="0" smtClean="0">
-                <a:solidFill>
-                  <a:schemeClr val="tx1"/>
-                </a:solidFill>
-                <a:effectLst/>
-                <a:latin typeface="+mn-lt"/>
-                <a:ea typeface="+mn-ea"/>
-                <a:cs typeface="+mn-cs"/>
-              </a:rPr>
-              <a:t> </a:t>
-            </a:r>
-            <a:r>
-              <a:rPr lang="en-US" sz="3200" kern="1200" dirty="0" err="1" smtClean="0">
-                <a:solidFill>
-                  <a:schemeClr val="tx1"/>
-                </a:solidFill>
-                <a:effectLst/>
-                <a:latin typeface="+mn-lt"/>
-                <a:ea typeface="+mn-ea"/>
-                <a:cs typeface="+mn-cs"/>
-              </a:rPr>
-              <a:t>vars</a:t>
-            </a:r>
-            <a:r>
-              <a:rPr lang="en-US" sz="3200" kern="1200" dirty="0" smtClean="0">
-                <a:solidFill>
-                  <a:schemeClr val="tx1"/>
-                </a:solidFill>
-                <a:effectLst/>
-                <a:latin typeface="+mn-lt"/>
-                <a:ea typeface="+mn-ea"/>
-                <a:cs typeface="+mn-cs"/>
-              </a:rPr>
-              <a:t> easy to sense</a:t>
-            </a:r>
-          </a:p>
-          <a:p>
-            <a:pPr lvl="0"/>
-            <a:r>
-              <a:rPr lang="en-US" kern="1200" dirty="0" smtClean="0">
-                <a:solidFill>
-                  <a:schemeClr val="tx1"/>
-                </a:solidFill>
-                <a:effectLst/>
-                <a:latin typeface="+mn-lt"/>
-                <a:ea typeface="+mn-ea"/>
-                <a:cs typeface="+mn-cs"/>
-              </a:rPr>
-              <a:t>(Restart</a:t>
-            </a:r>
-            <a:r>
-              <a:rPr lang="en-US" kern="1200" baseline="0" dirty="0" smtClean="0">
-                <a:solidFill>
-                  <a:schemeClr val="tx1"/>
-                </a:solidFill>
-                <a:effectLst/>
-                <a:latin typeface="+mn-lt"/>
-                <a:ea typeface="+mn-ea"/>
-                <a:cs typeface="+mn-cs"/>
-              </a:rPr>
-              <a:t> process when </a:t>
-            </a:r>
-            <a:r>
-              <a:rPr lang="en-US" kern="1200" baseline="0" dirty="0" err="1" smtClean="0">
-                <a:solidFill>
-                  <a:schemeClr val="tx1"/>
-                </a:solidFill>
-                <a:effectLst/>
-                <a:latin typeface="+mn-lt"/>
-                <a:ea typeface="+mn-ea"/>
-                <a:cs typeface="+mn-cs"/>
-              </a:rPr>
-              <a:t>params</a:t>
-            </a:r>
-            <a:r>
-              <a:rPr lang="en-US" kern="1200" baseline="0" dirty="0" smtClean="0">
-                <a:solidFill>
-                  <a:schemeClr val="tx1"/>
-                </a:solidFill>
-                <a:effectLst/>
-                <a:latin typeface="+mn-lt"/>
-                <a:ea typeface="+mn-ea"/>
-                <a:cs typeface="+mn-cs"/>
-              </a:rPr>
-              <a:t> change)</a:t>
-            </a:r>
-            <a:endParaRPr lang="en-US" kern="1200" dirty="0" smtClean="0">
-              <a:solidFill>
-                <a:schemeClr val="tx1"/>
-              </a:solidFill>
-              <a:effectLst/>
-              <a:latin typeface="+mn-lt"/>
-              <a:ea typeface="+mn-ea"/>
-              <a:cs typeface="+mn-cs"/>
-            </a:endParaRPr>
-          </a:p>
-          <a:p>
-            <a:pPr lvl="0"/>
+            <a:pPr lvl="2"/>
+            <a:r>
+              <a:rPr lang="en-US" sz="2400" kern="1200" dirty="0" smtClean="0">
+                <a:solidFill>
+                  <a:schemeClr val="tx1"/>
+                </a:solidFill>
+                <a:effectLst/>
+                <a:latin typeface="+mn-lt"/>
+                <a:ea typeface="+mn-ea"/>
+                <a:cs typeface="+mn-cs"/>
+              </a:rPr>
+              <a:t>Yes, we actually did </a:t>
+            </a:r>
+            <a:r>
+              <a:rPr lang="en-US" sz="2400" kern="1200" dirty="0" smtClean="0">
+                <a:solidFill>
+                  <a:schemeClr val="tx1"/>
+                </a:solidFill>
+                <a:effectLst/>
+                <a:latin typeface="+mn-lt"/>
+                <a:ea typeface="+mn-ea"/>
+                <a:cs typeface="+mn-cs"/>
+              </a:rPr>
+              <a:t>that</a:t>
+            </a:r>
             <a:endParaRPr lang="en-US" sz="2400" kern="1200" dirty="0" smtClean="0">
               <a:solidFill>
                 <a:schemeClr val="tx1"/>
@@ -7661,16 +7858,121 @@
           <a:p>
             <a:pPr lvl="0"/>
             <a:r>
-              <a:rPr lang="en-US" sz="2400" kern="1200" dirty="0" smtClean="0">
-                <a:solidFill>
-                  <a:srgbClr val="00B050"/>
-                </a:solidFill>
-                <a:effectLst/>
-                <a:latin typeface="+mn-lt"/>
-                <a:ea typeface="+mn-ea"/>
-                <a:cs typeface="+mn-cs"/>
-              </a:rPr>
-              <a:t>&lt;code: environment variable control&gt;</a:t>
+              <a:rPr lang="en-US" sz="3200" kern="1200" dirty="0" smtClean="0">
+                <a:solidFill>
+                  <a:schemeClr val="tx1"/>
+                </a:solidFill>
+                <a:effectLst/>
+                <a:latin typeface="+mn-lt"/>
+                <a:ea typeface="+mn-ea"/>
+                <a:cs typeface="+mn-cs"/>
+              </a:rPr>
+              <a:t>Us</a:t>
+            </a:r>
+            <a:r>
+              <a:rPr lang="en-US" sz="3200" kern="1200" baseline="0" dirty="0" smtClean="0">
+                <a:solidFill>
+                  <a:schemeClr val="tx1"/>
+                </a:solidFill>
+                <a:effectLst/>
+                <a:latin typeface="+mn-lt"/>
+                <a:ea typeface="+mn-ea"/>
+                <a:cs typeface="+mn-cs"/>
+              </a:rPr>
+              <a:t>e </a:t>
+            </a:r>
+            <a:r>
+              <a:rPr lang="en-US" sz="3200" kern="1200" dirty="0" err="1" smtClean="0">
+                <a:solidFill>
+                  <a:schemeClr val="tx1"/>
+                </a:solidFill>
+                <a:effectLst/>
+                <a:latin typeface="+mn-lt"/>
+                <a:ea typeface="+mn-ea"/>
+                <a:cs typeface="+mn-cs"/>
+              </a:rPr>
+              <a:t>env</a:t>
+            </a:r>
+            <a:r>
+              <a:rPr lang="en-US" sz="3200" kern="1200" dirty="0" smtClean="0">
+                <a:solidFill>
+                  <a:schemeClr val="tx1"/>
+                </a:solidFill>
+                <a:effectLst/>
+                <a:latin typeface="+mn-lt"/>
+                <a:ea typeface="+mn-ea"/>
+                <a:cs typeface="+mn-cs"/>
+              </a:rPr>
+              <a:t> </a:t>
+            </a:r>
+            <a:r>
+              <a:rPr lang="en-US" sz="3200" kern="1200" dirty="0" err="1" smtClean="0">
+                <a:solidFill>
+                  <a:schemeClr val="tx1"/>
+                </a:solidFill>
+                <a:effectLst/>
+                <a:latin typeface="+mn-lt"/>
+                <a:ea typeface="+mn-ea"/>
+                <a:cs typeface="+mn-cs"/>
+              </a:rPr>
+              <a:t>vars</a:t>
+            </a:r>
+            <a:r>
+              <a:rPr lang="en-US" sz="3200" kern="1200" dirty="0" smtClean="0">
+                <a:solidFill>
+                  <a:schemeClr val="tx1"/>
+                </a:solidFill>
+                <a:effectLst/>
+                <a:latin typeface="+mn-lt"/>
+                <a:ea typeface="+mn-ea"/>
+                <a:cs typeface="+mn-cs"/>
+              </a:rPr>
+              <a:t> to control </a:t>
+            </a:r>
+          </a:p>
+          <a:p>
+            <a:pPr lvl="1"/>
+            <a:r>
+              <a:rPr lang="en-US" sz="2800" kern="1200" dirty="0" smtClean="0">
+                <a:solidFill>
+                  <a:schemeClr val="tx1"/>
+                </a:solidFill>
+                <a:effectLst/>
+                <a:latin typeface="+mn-lt"/>
+                <a:ea typeface="+mn-ea"/>
+                <a:cs typeface="+mn-cs"/>
+              </a:rPr>
+              <a:t>priority, source filtering</a:t>
+            </a:r>
+          </a:p>
+          <a:p>
+            <a:pPr lvl="1"/>
+            <a:r>
+              <a:rPr lang="en-US" sz="2800" kern="1200" dirty="0" smtClean="0">
+                <a:solidFill>
+                  <a:schemeClr val="tx1"/>
+                </a:solidFill>
+                <a:effectLst/>
+                <a:latin typeface="+mn-lt"/>
+                <a:ea typeface="+mn-ea"/>
+                <a:cs typeface="+mn-cs"/>
+              </a:rPr>
+              <a:t>output file location, output syntax</a:t>
+            </a:r>
+          </a:p>
+          <a:p>
+            <a:pPr lvl="1"/>
+            <a:r>
+              <a:rPr lang="en-US" sz="2800" kern="1200" dirty="0" smtClean="0">
+                <a:solidFill>
+                  <a:schemeClr val="tx1"/>
+                </a:solidFill>
+                <a:effectLst/>
+                <a:latin typeface="+mn-lt"/>
+                <a:ea typeface="+mn-ea"/>
+                <a:cs typeface="+mn-cs"/>
+              </a:rPr>
+              <a:t>production mode</a:t>
             </a:r>
           </a:p>
         </p:txBody>
@@ -7747,7 +8049,7 @@
     </p:spTree>
     <p:extLst>
       <p:ext uri="{BB962C8B-B14F-4D97-AF65-F5344CB8AC3E}">
-        <p14:creationId xmlns:p14="http://schemas.microsoft.com/office/powerpoint/2010/main" val="1887016969"/>
+        <p14:creationId xmlns:p14="http://schemas.microsoft.com/office/powerpoint/2010/main" val="282592620"/>
       </p:ext>
     </p:extLst>
   </p:cSld>
@@ -7791,11 +8093,7 @@
           <a:p>
             <a:r>
               <a:rPr lang="en-US" dirty="0" smtClean="0"/>
-              <a:t>Leave the Debugging</a:t>
-            </a:r>
-            <a:r>
-              <a:rPr lang="en-US" baseline="0" dirty="0" smtClean="0"/>
-              <a:t> Code in</a:t>
+              <a:t>Output Where?</a:t>
             </a:r>
             <a:endParaRPr lang="en-US" dirty="0"/>
           </a:p>
@@ -7813,9 +8111,7 @@
         </p:nvSpPr>
         <p:spPr/>
         <p:txBody>
-          <a:bodyPr>
-            <a:normAutofit/>
-          </a:bodyPr>
+          <a:bodyPr/>
           <a:lstStyle/>
           <a:p>
             <a:pPr lvl="0"/>
@@ -7829,7 +8125,31 @@
                 <a:ea typeface="+mn-ea"/>
                 <a:cs typeface="+mn-cs"/>
               </a:rPr>
-              <a:t>Suppose a bug shows up in production?  </a:t>
+              <a:t>Send to </a:t>
+            </a:r>
+            <a:r>
+              <a:rPr lang="en-US" sz="3200" kern="1200" dirty="0" err="1" smtClean="0">
+                <a:solidFill>
+                  <a:schemeClr val="tx1"/>
+                </a:solidFill>
+                <a:effectLst/>
+                <a:latin typeface="+mn-lt"/>
+                <a:ea typeface="+mn-ea"/>
+                <a:cs typeface="+mn-cs"/>
+              </a:rPr>
+              <a:t>stdout</a:t>
+            </a:r>
+            <a:r>
+              <a:rPr lang="en-US" sz="3200" kern="1200" dirty="0" smtClean="0">
+                <a:solidFill>
+                  <a:schemeClr val="tx1"/>
+                </a:solidFill>
+                <a:effectLst/>
+                <a:latin typeface="+mn-lt"/>
+                <a:ea typeface="+mn-ea"/>
+                <a:cs typeface="+mn-cs"/>
+              </a:rPr>
+              <a:t> if possible</a:t>
             </a:r>
           </a:p>
           <a:p>
@@ -7844,97 +8164,7 @@
                 <a:ea typeface="+mn-ea"/>
                 <a:cs typeface="+mn-cs"/>
               </a:rPr>
-              <a:t>Just tell the customer to add a couple environment variables and restart the application.</a:t>
-            </a:r>
-          </a:p>
-          <a:p>
-            <a:pPr lvl="2"/>
-            <a:r>
-              <a:rPr lang="en-US" sz="2400" kern="1200" dirty="0" smtClean="0">
-                <a:solidFill>
-                  <a:schemeClr val="tx1"/>
-                </a:solidFill>
-                <a:effectLst/>
-                <a:latin typeface="+mn-lt"/>
-                <a:ea typeface="+mn-ea"/>
-                <a:cs typeface="+mn-cs"/>
-              </a:rPr>
-              <a:t>Yes, we actually did that.  </a:t>
-            </a:r>
-          </a:p>
-          <a:p>
-            <a:pPr lvl="0"/>
-            <a:r>
-              <a:rPr lang="en-US" sz="3200" kern="1200" dirty="0" smtClean="0">
-                <a:solidFill>
-                  <a:schemeClr val="tx1"/>
-                </a:solidFill>
-                <a:effectLst/>
-                <a:latin typeface="+mn-lt"/>
-                <a:ea typeface="+mn-ea"/>
-                <a:cs typeface="+mn-cs"/>
-              </a:rPr>
-              <a:t>Us</a:t>
-            </a:r>
-            <a:r>
-              <a:rPr lang="en-US" sz="3200" kern="1200" baseline="0" dirty="0" smtClean="0">
-                <a:solidFill>
-                  <a:schemeClr val="tx1"/>
-                </a:solidFill>
-                <a:effectLst/>
-                <a:latin typeface="+mn-lt"/>
-                <a:ea typeface="+mn-ea"/>
-                <a:cs typeface="+mn-cs"/>
-              </a:rPr>
-              <a:t>e </a:t>
-            </a:r>
-            <a:r>
-              <a:rPr lang="en-US" sz="3200" kern="1200" dirty="0" err="1" smtClean="0">
-                <a:solidFill>
-                  <a:schemeClr val="tx1"/>
-                </a:solidFill>
-                <a:effectLst/>
-                <a:latin typeface="+mn-lt"/>
-                <a:ea typeface="+mn-ea"/>
-                <a:cs typeface="+mn-cs"/>
-              </a:rPr>
-              <a:t>env</a:t>
-            </a:r>
-            <a:r>
-              <a:rPr lang="en-US" sz="3200" kern="1200" dirty="0" smtClean="0">
-                <a:solidFill>
-                  <a:schemeClr val="tx1"/>
-                </a:solidFill>
-                <a:effectLst/>
-                <a:latin typeface="+mn-lt"/>
-                <a:ea typeface="+mn-ea"/>
-                <a:cs typeface="+mn-cs"/>
-              </a:rPr>
-              <a:t> </a:t>
-            </a:r>
-            <a:r>
-              <a:rPr lang="en-US" sz="3200" kern="1200" dirty="0" err="1" smtClean="0">
-                <a:solidFill>
-                  <a:schemeClr val="tx1"/>
-                </a:solidFill>
-                <a:effectLst/>
-                <a:latin typeface="+mn-lt"/>
-                <a:ea typeface="+mn-ea"/>
-                <a:cs typeface="+mn-cs"/>
-              </a:rPr>
-              <a:t>vars</a:t>
-            </a:r>
-            <a:r>
-              <a:rPr lang="en-US" sz="3200" kern="1200" dirty="0" smtClean="0">
-                <a:solidFill>
-                  <a:schemeClr val="tx1"/>
-                </a:solidFill>
-                <a:effectLst/>
-                <a:latin typeface="+mn-lt"/>
-                <a:ea typeface="+mn-ea"/>
-                <a:cs typeface="+mn-cs"/>
-              </a:rPr>
-              <a:t> to control </a:t>
+              <a:t>less is more, makes it easy to find </a:t>
             </a:r>
           </a:p>
           <a:p>
@@ -7949,7 +8179,31 @@
                 <a:ea typeface="+mn-ea"/>
                 <a:cs typeface="+mn-cs"/>
               </a:rPr>
-              <a:t>priority, source filtering</a:t>
+              <a:t>need log file output, too, if </a:t>
+            </a:r>
+            <a:r>
+              <a:rPr lang="en-US" sz="2800" kern="1200" dirty="0" err="1" smtClean="0">
+                <a:solidFill>
+                  <a:schemeClr val="tx1"/>
+                </a:solidFill>
+                <a:effectLst/>
+                <a:latin typeface="+mn-lt"/>
+                <a:ea typeface="+mn-ea"/>
+                <a:cs typeface="+mn-cs"/>
+              </a:rPr>
+              <a:t>stdout</a:t>
+            </a:r>
+            <a:r>
+              <a:rPr lang="en-US" sz="2800" kern="1200" dirty="0" smtClean="0">
+                <a:solidFill>
+                  <a:schemeClr val="tx1"/>
+                </a:solidFill>
+                <a:effectLst/>
+                <a:latin typeface="+mn-lt"/>
+                <a:ea typeface="+mn-ea"/>
+                <a:cs typeface="+mn-cs"/>
+              </a:rPr>
+              <a:t> not available</a:t>
             </a:r>
           </a:p>
           <a:p>
@@ -7964,7 +8218,7 @@
                 <a:ea typeface="+mn-ea"/>
                 <a:cs typeface="+mn-cs"/>
               </a:rPr>
-              <a:t>output file location, output syntax</a:t>
+              <a:t>and optional html tags for web output</a:t>
             </a:r>
           </a:p>
           <a:p>
@@ -7979,7 +8233,68 @@
                 <a:ea typeface="+mn-ea"/>
                 <a:cs typeface="+mn-cs"/>
               </a:rPr>
-              <a:t>production mode</a:t>
+              <a:t>maybe more than one at a time,  </a:t>
+            </a:r>
+            <a:r>
+              <a:rPr lang="en-US" sz="2800" kern="1200" dirty="0" err="1" smtClean="0">
+                <a:solidFill>
+                  <a:schemeClr val="tx1"/>
+                </a:solidFill>
+                <a:effectLst/>
+                <a:latin typeface="+mn-lt"/>
+                <a:ea typeface="+mn-ea"/>
+                <a:cs typeface="+mn-cs"/>
+              </a:rPr>
+              <a:t>e.g</a:t>
+            </a:r>
+            <a:r>
+              <a:rPr lang="en-US" sz="2800" kern="1200" dirty="0" smtClean="0">
+                <a:solidFill>
+                  <a:schemeClr val="tx1"/>
+                </a:solidFill>
+                <a:effectLst/>
+                <a:latin typeface="+mn-lt"/>
+                <a:ea typeface="+mn-ea"/>
+                <a:cs typeface="+mn-cs"/>
+              </a:rPr>
+              <a:t>,  </a:t>
+            </a:r>
+            <a:r>
+              <a:rPr lang="en-US" sz="2800" kern="1200" dirty="0" err="1" smtClean="0">
+                <a:solidFill>
+                  <a:schemeClr val="tx1"/>
+                </a:solidFill>
+                <a:effectLst/>
+                <a:latin typeface="+mn-lt"/>
+                <a:ea typeface="+mn-ea"/>
+                <a:cs typeface="+mn-cs"/>
+              </a:rPr>
+              <a:t>stdout</a:t>
+            </a:r>
+            <a:r>
+              <a:rPr lang="en-US" sz="2800" kern="1200" dirty="0" smtClean="0">
+                <a:solidFill>
+                  <a:schemeClr val="tx1"/>
+                </a:solidFill>
+                <a:effectLst/>
+                <a:latin typeface="+mn-lt"/>
+                <a:ea typeface="+mn-ea"/>
+                <a:cs typeface="+mn-cs"/>
+              </a:rPr>
+              <a:t> and file</a:t>
+            </a:r>
+          </a:p>
+          <a:p>
+            <a:endParaRPr lang="en-US" dirty="0" smtClean="0"/>
+          </a:p>
+          <a:p>
+            <a:r>
+              <a:rPr lang="en-US" sz="2400" dirty="0" smtClean="0">
+                <a:solidFill>
+                  <a:srgbClr val="00B050"/>
+                </a:solidFill>
+              </a:rPr>
+              <a:t>&lt;code: looking at output&gt;</a:t>
             </a:r>
           </a:p>
         </p:txBody>
@@ -8056,7 +8371,7 @@
     </p:spTree>
     <p:extLst>
       <p:ext uri="{BB962C8B-B14F-4D97-AF65-F5344CB8AC3E}">
-        <p14:creationId xmlns:p14="http://schemas.microsoft.com/office/powerpoint/2010/main" val="282592620"/>
+        <p14:creationId xmlns:p14="http://schemas.microsoft.com/office/powerpoint/2010/main" val="4093681671"/>
       </p:ext>
     </p:extLst>
   </p:cSld>
@@ -8100,7 +8415,11 @@
           <a:p>
             <a:r>
               <a:rPr lang="en-US" dirty="0" smtClean="0"/>
-              <a:t>Output Where?</a:t>
+              <a:t>Identify Data, Not</a:t>
+            </a:r>
+            <a:r>
+              <a:rPr lang="en-US" baseline="0" dirty="0" smtClean="0"/>
+              <a:t> Just Location</a:t>
             </a:r>
             <a:endParaRPr lang="en-US" dirty="0"/>
           </a:p>
@@ -8121,174 +8440,15 @@
           <a:bodyPr/>
           <a:lstStyle/>
           <a:p>
-            <a:pPr lvl="0"/>
-            <a:r>
-              <a:rPr lang="en-US" sz="3200" kern="1200" dirty="0" smtClean="0">
-                <a:solidFill>
-                  <a:schemeClr val="tx1"/>
-                </a:solidFill>
-                <a:effectLst/>
-                <a:latin typeface="+mn-lt"/>
-                <a:ea typeface="+mn-ea"/>
-                <a:cs typeface="+mn-cs"/>
-              </a:rPr>
-              <a:t>Send to </a:t>
-            </a:r>
-            <a:r>
-              <a:rPr lang="en-US" sz="3200" kern="1200" dirty="0" err="1" smtClean="0">
-                <a:solidFill>
-                  <a:schemeClr val="tx1"/>
-                </a:solidFill>
-                <a:effectLst/>
-                <a:latin typeface="+mn-lt"/>
-                <a:ea typeface="+mn-ea"/>
-                <a:cs typeface="+mn-cs"/>
-              </a:rPr>
-              <a:t>stdout</a:t>
-            </a:r>
-            <a:r>
-              <a:rPr lang="en-US" sz="3200" kern="1200" dirty="0" smtClean="0">
-                <a:solidFill>
-                  <a:schemeClr val="tx1"/>
-                </a:solidFill>
-                <a:effectLst/>
-                <a:latin typeface="+mn-lt"/>
-                <a:ea typeface="+mn-ea"/>
-                <a:cs typeface="+mn-cs"/>
-              </a:rPr>
-              <a:t> if possible</a:t>
-            </a:r>
-          </a:p>
-          <a:p>
-            <a:pPr lvl="1"/>
-            <a:r>
-              <a:rPr lang="en-US" sz="2800" kern="1200" dirty="0" smtClean="0">
-                <a:solidFill>
-                  <a:schemeClr val="tx1"/>
-                </a:solidFill>
-                <a:effectLst/>
-                <a:latin typeface="+mn-lt"/>
-                <a:ea typeface="+mn-ea"/>
-                <a:cs typeface="+mn-cs"/>
-              </a:rPr>
-              <a:t>less is more, makes it easy to find </a:t>
-            </a:r>
-          </a:p>
-          <a:p>
-            <a:pPr lvl="1"/>
-            <a:r>
-              <a:rPr lang="en-US" sz="2800" kern="1200" dirty="0" smtClean="0">
-                <a:solidFill>
-                  <a:schemeClr val="tx1"/>
-                </a:solidFill>
-                <a:effectLst/>
-                <a:latin typeface="+mn-lt"/>
-                <a:ea typeface="+mn-ea"/>
-                <a:cs typeface="+mn-cs"/>
-              </a:rPr>
-              <a:t>need log file output, too, if </a:t>
-            </a:r>
-            <a:r>
-              <a:rPr lang="en-US" sz="2800" kern="1200" dirty="0" err="1" smtClean="0">
-                <a:solidFill>
-                  <a:schemeClr val="tx1"/>
-                </a:solidFill>
-                <a:effectLst/>
-                <a:latin typeface="+mn-lt"/>
-                <a:ea typeface="+mn-ea"/>
-                <a:cs typeface="+mn-cs"/>
-              </a:rPr>
-              <a:t>stdout</a:t>
-            </a:r>
-            <a:r>
-              <a:rPr lang="en-US" sz="2800" kern="1200" dirty="0" smtClean="0">
-                <a:solidFill>
-                  <a:schemeClr val="tx1"/>
-                </a:solidFill>
-                <a:effectLst/>
-                <a:latin typeface="+mn-lt"/>
-                <a:ea typeface="+mn-ea"/>
-                <a:cs typeface="+mn-cs"/>
-              </a:rPr>
-              <a:t> not available</a:t>
-            </a:r>
-          </a:p>
-          <a:p>
-            <a:pPr lvl="1"/>
-            <a:r>
-              <a:rPr lang="en-US" sz="2800" kern="1200" dirty="0" smtClean="0">
-                <a:solidFill>
-                  <a:schemeClr val="tx1"/>
-                </a:solidFill>
-                <a:effectLst/>
-                <a:latin typeface="+mn-lt"/>
-                <a:ea typeface="+mn-ea"/>
-                <a:cs typeface="+mn-cs"/>
-              </a:rPr>
-              <a:t>and optional html tags for web output</a:t>
-            </a:r>
-          </a:p>
-          <a:p>
-            <a:pPr lvl="1"/>
-            <a:r>
-              <a:rPr lang="en-US" sz="2800" kern="1200" dirty="0" smtClean="0">
-                <a:solidFill>
-                  <a:schemeClr val="tx1"/>
-                </a:solidFill>
-                <a:effectLst/>
-                <a:latin typeface="+mn-lt"/>
-                <a:ea typeface="+mn-ea"/>
-                <a:cs typeface="+mn-cs"/>
-              </a:rPr>
-              <a:t>maybe more than one at a time,  </a:t>
-            </a:r>
-            <a:r>
-              <a:rPr lang="en-US" sz="2800" kern="1200" dirty="0" err="1" smtClean="0">
-                <a:solidFill>
-                  <a:schemeClr val="tx1"/>
-                </a:solidFill>
-                <a:effectLst/>
-                <a:latin typeface="+mn-lt"/>
-                <a:ea typeface="+mn-ea"/>
-                <a:cs typeface="+mn-cs"/>
-              </a:rPr>
-              <a:t>e.g</a:t>
-            </a:r>
-            <a:r>
-              <a:rPr lang="en-US" sz="2800" kern="1200" dirty="0" smtClean="0">
-                <a:solidFill>
-                  <a:schemeClr val="tx1"/>
-                </a:solidFill>
-                <a:effectLst/>
-                <a:latin typeface="+mn-lt"/>
-                <a:ea typeface="+mn-ea"/>
-                <a:cs typeface="+mn-cs"/>
-              </a:rPr>
-              <a:t>,  </a:t>
-            </a:r>
-            <a:r>
-              <a:rPr lang="en-US" sz="2800" kern="1200" dirty="0" err="1" smtClean="0">
-                <a:solidFill>
-                  <a:schemeClr val="tx1"/>
-                </a:solidFill>
-                <a:effectLst/>
-                <a:latin typeface="+mn-lt"/>
-                <a:ea typeface="+mn-ea"/>
-                <a:cs typeface="+mn-cs"/>
-              </a:rPr>
-              <a:t>stdout</a:t>
-            </a:r>
-            <a:r>
-              <a:rPr lang="en-US" sz="2800" kern="1200" dirty="0" smtClean="0">
-                <a:solidFill>
-                  <a:schemeClr val="tx1"/>
-                </a:solidFill>
-                <a:effectLst/>
-                <a:latin typeface="+mn-lt"/>
-                <a:ea typeface="+mn-ea"/>
-                <a:cs typeface="+mn-cs"/>
-              </a:rPr>
-              <a:t> and file</a:t>
+            <a:r>
+              <a:rPr lang="en-US" dirty="0" smtClean="0"/>
+              <a:t>All class instances look alike</a:t>
+            </a:r>
+          </a:p>
+          <a:p>
+            <a:r>
+              <a:rPr lang="en-US" dirty="0" smtClean="0"/>
+              <a:t>Identifying instances by address or id?  Not useful to humans</a:t>
             </a:r>
           </a:p>
           <a:p>
@@ -8301,8 +8461,21 @@
                   <a:srgbClr val="00B050"/>
                 </a:solidFill>
               </a:rPr>
-              <a:t>&lt;code: looking at output&gt;</a:t>
-            </a:r>
+              <a:t>&lt;code: instance</a:t>
+            </a:r>
+            <a:r>
+              <a:rPr lang="en-US" sz="2400" baseline="0" dirty="0" smtClean="0">
+                <a:solidFill>
+                  <a:srgbClr val="00B050"/>
+                </a:solidFill>
+              </a:rPr>
+              <a:t> identifiers&gt;</a:t>
+            </a:r>
+            <a:endParaRPr lang="en-US" sz="2400" dirty="0">
+              <a:solidFill>
+                <a:srgbClr val="00B050"/>
+              </a:solidFill>
+            </a:endParaRPr>
           </a:p>
         </p:txBody>
       </p:sp>
@@ -8378,7 +8551,7 @@
     </p:spTree>
     <p:extLst>
       <p:ext uri="{BB962C8B-B14F-4D97-AF65-F5344CB8AC3E}">
-        <p14:creationId xmlns:p14="http://schemas.microsoft.com/office/powerpoint/2010/main" val="4093681671"/>
+        <p14:creationId xmlns:p14="http://schemas.microsoft.com/office/powerpoint/2010/main" val="3977547530"/>
       </p:ext>
     </p:extLst>
   </p:cSld>
@@ -8422,11 +8595,7 @@
           <a:p>
             <a:r>
               <a:rPr lang="en-US" dirty="0" smtClean="0"/>
-              <a:t>Identify Data, Not</a:t>
-            </a:r>
-            <a:r>
-              <a:rPr lang="en-US" baseline="0" dirty="0" smtClean="0"/>
-              <a:t> Just Location</a:t>
+              <a:t>Map IDs to Instances</a:t>
             </a:r>
             <a:endParaRPr lang="en-US" dirty="0"/>
           </a:p>
@@ -8447,42 +8616,148 @@
           <a:bodyPr/>
           <a:lstStyle/>
           <a:p>
-            <a:r>
-              <a:rPr lang="en-US" dirty="0" smtClean="0"/>
-              <a:t>All class instances look alike</a:t>
-            </a:r>
-          </a:p>
-          <a:p>
-            <a:r>
-              <a:rPr lang="en-US" dirty="0" smtClean="0"/>
-              <a:t>Identifying instances by address or id?  Not useful to humans</a:t>
-            </a:r>
-          </a:p>
-          <a:p>
-            <a:endParaRPr lang="en-US" dirty="0" smtClean="0"/>
-          </a:p>
-          <a:p>
-            <a:r>
-              <a:rPr lang="en-US" sz="2400" dirty="0" smtClean="0">
-                <a:solidFill>
-                  <a:srgbClr val="00B050"/>
-                </a:solidFill>
-              </a:rPr>
-              <a:t>&lt;code: instance</a:t>
-            </a:r>
-            <a:r>
-              <a:rPr lang="en-US" sz="2400" baseline="0" dirty="0" smtClean="0">
-                <a:solidFill>
-                  <a:srgbClr val="00B050"/>
-                </a:solidFill>
-              </a:rPr>
-              <a:t> identifiers&gt;</a:t>
-            </a:r>
-            <a:endParaRPr lang="en-US" sz="2400" dirty="0">
+            <a:pPr lvl="0"/>
+            <a:r>
+              <a:rPr lang="en-US" sz="3200" kern="1200" dirty="0" smtClean="0">
+                <a:solidFill>
+                  <a:schemeClr val="tx1"/>
+                </a:solidFill>
+                <a:effectLst/>
+                <a:latin typeface="+mn-lt"/>
+                <a:ea typeface="+mn-ea"/>
+                <a:cs typeface="+mn-cs"/>
+              </a:rPr>
+              <a:t>Store unique ID in each instance</a:t>
+            </a:r>
+          </a:p>
+          <a:p>
+            <a:pPr lvl="0"/>
+            <a:r>
+              <a:rPr lang="en-US" sz="3200" kern="1200" dirty="0" smtClean="0">
+                <a:solidFill>
+                  <a:schemeClr val="tx1"/>
+                </a:solidFill>
+                <a:effectLst/>
+                <a:latin typeface="+mn-lt"/>
+                <a:ea typeface="+mn-ea"/>
+                <a:cs typeface="+mn-cs"/>
+              </a:rPr>
+              <a:t>Always pass ID strings, rather than</a:t>
+            </a:r>
+            <a:r>
+              <a:rPr lang="en-US" sz="3200" kern="1200" baseline="0" dirty="0" smtClean="0">
+                <a:solidFill>
+                  <a:schemeClr val="tx1"/>
+                </a:solidFill>
+                <a:effectLst/>
+                <a:latin typeface="+mn-lt"/>
+                <a:ea typeface="+mn-ea"/>
+                <a:cs typeface="+mn-cs"/>
+              </a:rPr>
+              <a:t> instances (addresses), in argument lists</a:t>
+            </a:r>
+            <a:endParaRPr lang="en-US" sz="3200" kern="1200" dirty="0" smtClean="0">
               <a:solidFill>
-                <a:srgbClr val="00B050"/>
+                <a:schemeClr val="tx1"/>
               </a:solidFill>
+              <a:effectLst/>
+              <a:latin typeface="+mn-lt"/>
+              <a:ea typeface="+mn-ea"/>
+              <a:cs typeface="+mn-cs"/>
             </a:endParaRPr>
+          </a:p>
+          <a:p>
+            <a:pPr lvl="0"/>
+            <a:r>
+              <a:rPr lang="en-US" sz="3200" kern="1200" dirty="0" smtClean="0">
+                <a:solidFill>
+                  <a:schemeClr val="tx1"/>
+                </a:solidFill>
+                <a:effectLst/>
+                <a:latin typeface="+mn-lt"/>
+                <a:ea typeface="+mn-ea"/>
+                <a:cs typeface="+mn-cs"/>
+              </a:rPr>
+              <a:t>Use dictionaries to map from (class and) ID-string</a:t>
+            </a:r>
+            <a:r>
+              <a:rPr lang="en-US" sz="3200" kern="1200" baseline="0" dirty="0" smtClean="0">
+                <a:solidFill>
+                  <a:schemeClr val="tx1"/>
+                </a:solidFill>
+                <a:effectLst/>
+                <a:latin typeface="+mn-lt"/>
+                <a:ea typeface="+mn-ea"/>
+                <a:cs typeface="+mn-cs"/>
+              </a:rPr>
+              <a:t> </a:t>
+            </a:r>
+            <a:r>
+              <a:rPr lang="en-US" sz="3200" kern="1200" dirty="0" smtClean="0">
+                <a:solidFill>
+                  <a:schemeClr val="tx1"/>
+                </a:solidFill>
+                <a:effectLst/>
+                <a:latin typeface="+mn-lt"/>
+                <a:ea typeface="+mn-ea"/>
+                <a:cs typeface="+mn-cs"/>
+              </a:rPr>
+              <a:t>to instance</a:t>
+            </a:r>
+          </a:p>
+          <a:p>
+            <a:pPr lvl="1"/>
+            <a:r>
+              <a:rPr lang="en-US" sz="2800" kern="1200" dirty="0" smtClean="0">
+                <a:solidFill>
+                  <a:schemeClr val="tx1"/>
+                </a:solidFill>
+                <a:effectLst/>
+                <a:latin typeface="+mn-lt"/>
+                <a:ea typeface="+mn-ea"/>
+                <a:cs typeface="+mn-cs"/>
+              </a:rPr>
+              <a:t>Dictionary lookup is cheap</a:t>
+            </a:r>
+          </a:p>
+          <a:p>
+            <a:pPr lvl="1"/>
+            <a:r>
+              <a:rPr lang="en-US" sz="2800" kern="1200" dirty="0" smtClean="0">
+                <a:solidFill>
+                  <a:schemeClr val="tx1"/>
+                </a:solidFill>
+                <a:effectLst/>
+                <a:latin typeface="+mn-lt"/>
+                <a:ea typeface="+mn-ea"/>
+                <a:cs typeface="+mn-cs"/>
+              </a:rPr>
+              <a:t>Admittedly very different model from typical web application or </a:t>
+            </a:r>
+            <a:r>
+              <a:rPr lang="en-US" sz="2800" kern="1200" dirty="0" err="1" smtClean="0">
+                <a:solidFill>
+                  <a:schemeClr val="tx1"/>
+                </a:solidFill>
+                <a:effectLst/>
+                <a:latin typeface="+mn-lt"/>
+                <a:ea typeface="+mn-ea"/>
+                <a:cs typeface="+mn-cs"/>
+              </a:rPr>
+              <a:t>microservice</a:t>
+            </a:r>
+            <a:r>
+              <a:rPr lang="en-US" sz="2800" kern="1200" dirty="0" smtClean="0">
+                <a:solidFill>
+                  <a:schemeClr val="tx1"/>
+                </a:solidFill>
+                <a:effectLst/>
+                <a:latin typeface="+mn-lt"/>
+                <a:ea typeface="+mn-ea"/>
+                <a:cs typeface="+mn-cs"/>
+              </a:rPr>
+              <a:t> suite</a:t>
+            </a:r>
           </a:p>
         </p:txBody>
       </p:sp>
@@ -8558,7 +8833,7 @@
     </p:spTree>
     <p:extLst>
       <p:ext uri="{BB962C8B-B14F-4D97-AF65-F5344CB8AC3E}">
-        <p14:creationId xmlns:p14="http://schemas.microsoft.com/office/powerpoint/2010/main" val="3977547530"/>
+        <p14:creationId xmlns:p14="http://schemas.microsoft.com/office/powerpoint/2010/main" val="2515492778"/>
       </p:ext>
     </p:extLst>
   </p:cSld>
@@ -9020,7 +9295,7 @@
           <a:p>
             <a:r>
               <a:rPr lang="en-US" dirty="0" smtClean="0"/>
-              <a:t>What</a:t>
+              <a:t>Topics</a:t>
             </a:r>
             <a:endParaRPr lang="en-US" dirty="0"/>
           </a:p>
@@ -9637,6 +9912,10 @@
           <a:bodyPr/>
           <a:lstStyle/>
           <a:p>
+            <a:r>
+              <a:rPr lang="en-US" dirty="0" smtClean="0"/>
+              <a:t>Filtering on Priority,  Facility</a:t>
+            </a:r>
             <a:endParaRPr lang="en-US" dirty="0"/>
           </a:p>
         </p:txBody>
@@ -9656,7 +9935,70 @@
           <a:bodyPr/>
           <a:lstStyle/>
           <a:p>
-            <a:endParaRPr lang="en-US"/>
+            <a:pPr marL="342900" marR="0" lvl="0" indent="-342900" algn="l" defTabSz="914400" rtl="0" eaLnBrk="1" fontAlgn="auto" latinLnBrk="0" hangingPunct="1">
+              <a:lnSpc>
+                <a:spcPct val="100000"/>
+              </a:lnSpc>
+              <a:spcBef>
+                <a:spcPct val="20000"/>
+              </a:spcBef>
+              <a:spcAft>
+                <a:spcPts val="0"/>
+              </a:spcAft>
+              <a:buClrTx/>
+              <a:buSzTx/>
+              <a:buFont typeface="Arial" panose="020B0604020202020204" pitchFamily="34" charset="0"/>
+              <a:buChar char="•"/>
+              <a:tabLst/>
+              <a:defRPr/>
+            </a:pPr>
+            <a:r>
+              <a:rPr lang="en-US" sz="3200" kern="1200" dirty="0" smtClean="0">
+                <a:solidFill>
+                  <a:schemeClr val="tx1"/>
+                </a:solidFill>
+                <a:effectLst/>
+                <a:latin typeface="+mn-lt"/>
+                <a:ea typeface="+mn-ea"/>
+                <a:cs typeface="+mn-cs"/>
+              </a:rPr>
+              <a:t>Filtering makes listings short and to the point, when needed</a:t>
+            </a:r>
+          </a:p>
+          <a:p>
+            <a:pPr lvl="1"/>
+            <a:r>
+              <a:rPr lang="en-US" dirty="0" smtClean="0"/>
+              <a:t>On priority, facility </a:t>
+            </a:r>
+            <a:r>
+              <a:rPr lang="en-US" dirty="0" smtClean="0"/>
+              <a:t>name</a:t>
+            </a:r>
+          </a:p>
+          <a:p>
+            <a:pPr lvl="0"/>
+            <a:r>
+              <a:rPr lang="en-US" dirty="0" err="1" smtClean="0"/>
+              <a:t>Envir</a:t>
+            </a:r>
+            <a:r>
+              <a:rPr lang="en-US" dirty="0" smtClean="0"/>
+              <a:t> </a:t>
+            </a:r>
+            <a:r>
+              <a:rPr lang="en-US" dirty="0" err="1" smtClean="0"/>
+              <a:t>vars</a:t>
+            </a:r>
+            <a:r>
+              <a:rPr lang="en-US" dirty="0" smtClean="0"/>
+              <a:t> TRACE_LEVEL,</a:t>
+            </a:r>
+            <a:r>
+              <a:rPr lang="en-US" baseline="0" dirty="0" smtClean="0"/>
+              <a:t> TRACE_FACIL</a:t>
+            </a:r>
+            <a:endParaRPr lang="en-US" dirty="0" smtClean="0"/>
           </a:p>
         </p:txBody>
       </p:sp>
@@ -9732,7 +10074,7 @@
     </p:spTree>
     <p:extLst>
       <p:ext uri="{BB962C8B-B14F-4D97-AF65-F5344CB8AC3E}">
-        <p14:creationId xmlns:p14="http://schemas.microsoft.com/office/powerpoint/2010/main" val="4077899876"/>
+        <p14:creationId xmlns:p14="http://schemas.microsoft.com/office/powerpoint/2010/main" val="2671257923"/>
       </p:ext>
     </p:extLst>
   </p:cSld>
@@ -9776,7 +10118,15 @@
           <a:p>
             <a:r>
               <a:rPr lang="en-US" dirty="0" smtClean="0"/>
-              <a:t>Filtering on Priority,  Facility</a:t>
+              <a:t>Use</a:t>
+            </a:r>
+            <a:r>
+              <a:rPr lang="en-US" baseline="0" dirty="0" smtClean="0"/>
+              <a:t> for Regression </a:t>
+            </a:r>
+            <a:r>
+              <a:rPr lang="en-US" baseline="0" dirty="0" smtClean="0"/>
+              <a:t>Testing</a:t>
             </a:r>
             <a:endParaRPr lang="en-US" dirty="0"/>
           </a:p>
@@ -9797,42 +10147,71 @@
           <a:bodyPr/>
           <a:lstStyle/>
           <a:p>
-            <a:pPr marL="342900" marR="0" lvl="0" indent="-342900" algn="l" defTabSz="914400" rtl="0" eaLnBrk="1" fontAlgn="auto" latinLnBrk="0" hangingPunct="1">
-              <a:lnSpc>
-                <a:spcPct val="100000"/>
-              </a:lnSpc>
-              <a:spcBef>
-                <a:spcPct val="20000"/>
-              </a:spcBef>
-              <a:spcAft>
-                <a:spcPts val="0"/>
-              </a:spcAft>
-              <a:buClrTx/>
-              <a:buSzTx/>
-              <a:buFont typeface="Arial" panose="020B0604020202020204" pitchFamily="34" charset="0"/>
-              <a:buChar char="•"/>
-              <a:tabLst/>
-              <a:defRPr/>
-            </a:pPr>
-            <a:r>
-              <a:rPr lang="en-US" sz="3200" kern="1200" smtClean="0">
-                <a:solidFill>
-                  <a:schemeClr val="tx1"/>
-                </a:solidFill>
-                <a:effectLst/>
-                <a:latin typeface="+mn-lt"/>
-                <a:ea typeface="+mn-ea"/>
-                <a:cs typeface="+mn-cs"/>
-              </a:rPr>
-              <a:t>Filtering makes listings short and to the point, when needed</a:t>
+            <a:r>
+              <a:rPr lang="en-US" sz="3200" kern="1200" dirty="0" smtClean="0">
+                <a:solidFill>
+                  <a:schemeClr val="tx1"/>
+                </a:solidFill>
+                <a:effectLst/>
+                <a:latin typeface="+mn-lt"/>
+                <a:ea typeface="+mn-ea"/>
+                <a:cs typeface="+mn-cs"/>
+              </a:rPr>
+              <a:t>Tests can be done with log files suitably sanitized</a:t>
             </a:r>
           </a:p>
           <a:p>
             <a:pPr lvl="1"/>
             <a:r>
-              <a:rPr lang="en-US" smtClean="0"/>
-              <a:t>On priority, facility name</a:t>
-            </a:r>
+              <a:rPr lang="en-US" sz="2800" kern="1200" dirty="0" smtClean="0">
+                <a:solidFill>
+                  <a:schemeClr val="tx1"/>
+                </a:solidFill>
+                <a:effectLst/>
+                <a:latin typeface="+mn-lt"/>
+                <a:ea typeface="+mn-ea"/>
+                <a:cs typeface="+mn-cs"/>
+              </a:rPr>
+              <a:t>Timestamps and other non-deterministic items</a:t>
+            </a:r>
+          </a:p>
+          <a:p>
+            <a:pPr lvl="1"/>
+            <a:r>
+              <a:rPr lang="en-US" sz="2800" kern="1200" dirty="0" smtClean="0">
+                <a:solidFill>
+                  <a:schemeClr val="tx1"/>
+                </a:solidFill>
+                <a:effectLst/>
+                <a:latin typeface="+mn-lt"/>
+                <a:ea typeface="+mn-ea"/>
+                <a:cs typeface="+mn-cs"/>
+              </a:rPr>
+              <a:t>(Ordering tricky if multi-threaded or multiprocessing)</a:t>
+            </a:r>
+          </a:p>
+          <a:p>
+            <a:r>
+              <a:rPr lang="en-US" sz="3200" kern="1200" dirty="0" smtClean="0">
+                <a:solidFill>
+                  <a:schemeClr val="tx1"/>
+                </a:solidFill>
+                <a:effectLst/>
+                <a:latin typeface="+mn-lt"/>
+                <a:ea typeface="+mn-ea"/>
+                <a:cs typeface="+mn-cs"/>
+              </a:rPr>
+              <a:t>Possible with trace logs in some cases</a:t>
+            </a:r>
+            <a:endParaRPr lang="en-US" sz="3200" kern="1200" dirty="0" smtClean="0">
+              <a:solidFill>
+                <a:schemeClr val="tx1"/>
+              </a:solidFill>
+              <a:effectLst/>
+              <a:latin typeface="+mn-lt"/>
+              <a:ea typeface="+mn-ea"/>
+              <a:cs typeface="+mn-cs"/>
+            </a:endParaRPr>
           </a:p>
         </p:txBody>
       </p:sp>
@@ -9908,7 +10287,7 @@
     </p:spTree>
     <p:extLst>
       <p:ext uri="{BB962C8B-B14F-4D97-AF65-F5344CB8AC3E}">
-        <p14:creationId xmlns:p14="http://schemas.microsoft.com/office/powerpoint/2010/main" val="2671257923"/>
+        <p14:creationId xmlns:p14="http://schemas.microsoft.com/office/powerpoint/2010/main" val="3691605327"/>
       </p:ext>
     </p:extLst>
   </p:cSld>
@@ -9952,11 +10331,7 @@
           <a:p>
             <a:r>
               <a:rPr lang="en-US" dirty="0" smtClean="0"/>
-              <a:t>Use</a:t>
-            </a:r>
-            <a:r>
-              <a:rPr lang="en-US" baseline="0" dirty="0" smtClean="0"/>
-              <a:t> for Regression Testing</a:t>
+              <a:t>Multiprocessing</a:t>
             </a:r>
             <a:endParaRPr lang="en-US" dirty="0"/>
           </a:p>
@@ -9977,6 +10352,23 @@
           <a:bodyPr/>
           <a:lstStyle/>
           <a:p>
+            <a:pPr marL="342900" marR="0" lvl="0" indent="-342900" algn="l" defTabSz="914400" rtl="0" eaLnBrk="1" fontAlgn="auto" latinLnBrk="0" hangingPunct="1">
+              <a:lnSpc>
+                <a:spcPct val="100000"/>
+              </a:lnSpc>
+              <a:spcBef>
+                <a:spcPct val="20000"/>
+              </a:spcBef>
+              <a:spcAft>
+                <a:spcPts val="0"/>
+              </a:spcAft>
+              <a:buClrTx/>
+              <a:buSzTx/>
+              <a:buFont typeface="Arial" panose="020B0604020202020204" pitchFamily="34" charset="0"/>
+              <a:buChar char="•"/>
+              <a:tabLst/>
+              <a:defRPr/>
+            </a:pPr>
             <a:r>
               <a:rPr lang="en-US" sz="3200" kern="1200" dirty="0" smtClean="0">
                 <a:solidFill>
@@ -9987,73 +10379,15 @@
                 <a:ea typeface="+mn-ea"/>
                 <a:cs typeface="+mn-cs"/>
               </a:rPr>
-              <a:t>Tests can be done with log files suitably sanitized</a:t>
-            </a:r>
-          </a:p>
-          <a:p>
-            <a:pPr lvl="1"/>
-            <a:r>
-              <a:rPr lang="en-US" sz="2800" kern="1200" dirty="0" smtClean="0">
-                <a:solidFill>
-                  <a:schemeClr val="tx1"/>
-                </a:solidFill>
-                <a:effectLst/>
-                <a:latin typeface="+mn-lt"/>
-                <a:ea typeface="+mn-ea"/>
-                <a:cs typeface="+mn-cs"/>
-              </a:rPr>
-              <a:t>Timestamps and other non-deterministic </a:t>
-            </a:r>
-            <a:r>
-              <a:rPr lang="en-US" sz="2800" kern="1200" dirty="0" smtClean="0">
-                <a:solidFill>
-                  <a:schemeClr val="tx1"/>
-                </a:solidFill>
-                <a:effectLst/>
-                <a:latin typeface="+mn-lt"/>
-                <a:ea typeface="+mn-ea"/>
-                <a:cs typeface="+mn-cs"/>
-              </a:rPr>
-              <a:t>items</a:t>
-            </a:r>
-          </a:p>
-          <a:p>
-            <a:pPr lvl="1"/>
-            <a:r>
-              <a:rPr lang="en-US" sz="2800" kern="1200" dirty="0" smtClean="0">
-                <a:solidFill>
-                  <a:schemeClr val="tx1"/>
-                </a:solidFill>
-                <a:effectLst/>
-                <a:latin typeface="+mn-lt"/>
-                <a:ea typeface="+mn-ea"/>
-                <a:cs typeface="+mn-cs"/>
-              </a:rPr>
-              <a:t>(Ordering tricky if multi-threaded or multiprocessing.  Sort first.)</a:t>
-            </a:r>
-            <a:endParaRPr lang="en-US" sz="2800" kern="1200" dirty="0" smtClean="0">
-              <a:solidFill>
-                <a:schemeClr val="tx1"/>
-              </a:solidFill>
-              <a:effectLst/>
-              <a:latin typeface="+mn-lt"/>
-              <a:ea typeface="+mn-ea"/>
-              <a:cs typeface="+mn-cs"/>
-            </a:endParaRPr>
-          </a:p>
-          <a:p>
-            <a:r>
-              <a:rPr lang="en-US" sz="3200" kern="1200" dirty="0" smtClean="0">
-                <a:solidFill>
-                  <a:schemeClr val="tx1"/>
-                </a:solidFill>
-                <a:effectLst/>
-                <a:latin typeface="+mn-lt"/>
-                <a:ea typeface="+mn-ea"/>
-                <a:cs typeface="+mn-cs"/>
-              </a:rPr>
-              <a:t>Possible with trace logs in some cases</a:t>
-            </a:r>
+              <a:t>Multiprocessor-safe, or at least thread-safe, would be good</a:t>
+            </a:r>
+          </a:p>
+          <a:p>
+            <a:r>
+              <a:rPr lang="en-US" dirty="0" smtClean="0"/>
+              <a:t>Not yet</a:t>
+            </a:r>
+            <a:endParaRPr lang="en-US" dirty="0"/>
           </a:p>
         </p:txBody>
       </p:sp>
@@ -10129,7 +10463,7 @@
     </p:spTree>
     <p:extLst>
       <p:ext uri="{BB962C8B-B14F-4D97-AF65-F5344CB8AC3E}">
-        <p14:creationId xmlns:p14="http://schemas.microsoft.com/office/powerpoint/2010/main" val="3691605327"/>
+        <p14:creationId xmlns:p14="http://schemas.microsoft.com/office/powerpoint/2010/main" val="400251234"/>
       </p:ext>
     </p:extLst>
   </p:cSld>
@@ -10173,7 +10507,7 @@
           <a:p>
             <a:r>
               <a:rPr lang="en-US" dirty="0" smtClean="0"/>
-              <a:t>Examples</a:t>
+              <a:t>Contact</a:t>
             </a:r>
             <a:endParaRPr lang="en-US" dirty="0"/>
           </a:p>
@@ -10196,21 +10530,41 @@
           <a:p>
             <a:r>
               <a:rPr lang="en-US" dirty="0" smtClean="0"/>
-              <a:t>code in</a:t>
-            </a:r>
+              <a:t>github.com/</a:t>
+            </a:r>
+            <a:r>
+              <a:rPr lang="en-US" dirty="0" err="1" smtClean="0"/>
+              <a:t>rblandau</a:t>
+            </a:r>
+            <a:r>
+              <a:rPr lang="en-US" dirty="0" smtClean="0"/>
+              <a:t>/</a:t>
+            </a:r>
+            <a:r>
+              <a:rPr lang="en-US" dirty="0" err="1" smtClean="0"/>
+              <a:t>NewTrace</a:t>
+            </a:r>
+            <a:endParaRPr lang="en-US" dirty="0" smtClean="0"/>
+          </a:p>
+          <a:p>
+            <a:endParaRPr lang="en-US" dirty="0" smtClean="0"/>
+          </a:p>
+          <a:p>
+            <a:r>
+              <a:rPr lang="en-US" dirty="0" smtClean="0"/>
+              <a:t>email: </a:t>
+            </a:r>
+            <a:r>
+              <a:rPr lang="en-US" dirty="0" smtClean="0">
+                <a:hlinkClick r:id="rId2"/>
+              </a:rPr>
+              <a:t>landau@ricksoft.com</a:t>
+            </a:r>
+            <a:endParaRPr lang="en-US" dirty="0" smtClean="0"/>
+          </a:p>
+          <a:p>
             <a:endParaRPr lang="en-US" dirty="0"/>
           </a:p>
-          <a:p>
-            <a:r>
-              <a:rPr lang="en-US" dirty="0" smtClean="0"/>
-              <a:t>trace</a:t>
-            </a:r>
-            <a:r>
-              <a:rPr lang="en-US" baseline="0" dirty="0" smtClean="0"/>
-              <a:t> lines out</a:t>
-            </a:r>
-            <a:endParaRPr lang="en-US" dirty="0" smtClean="0"/>
-          </a:p>
         </p:txBody>
       </p:sp>
       <p:sp>
@@ -10277,636 +10631,6 @@
             <a:fld id="{4E5DAAAA-9FFA-4439-92E3-68E3EA8B0D1F}" type="slidenum">
               <a:rPr lang="en-US" smtClean="0"/>
               <a:t>35</a:t>
-            </a:fld>
-            <a:endParaRPr lang="en-US" dirty="0"/>
-          </a:p>
-        </p:txBody>
-      </p:sp>
-    </p:spTree>
-    <p:extLst>
-      <p:ext uri="{BB962C8B-B14F-4D97-AF65-F5344CB8AC3E}">
-        <p14:creationId xmlns:p14="http://schemas.microsoft.com/office/powerpoint/2010/main" val="180966133"/>
-      </p:ext>
-    </p:extLst>
-  </p:cSld>
-  <p:clrMapOvr>
-    <a:masterClrMapping/>
-  </p:clrMapOvr>
-</p:sld>
-</file>
-
-<file path=ppt/slides/slide36.xml><?xml version="1.0" encoding="utf-8"?>
-<p:sld xmlns:a="http://schemas.openxmlformats.org/drawingml/2006/main" xmlns:r="http://schemas.openxmlformats.org/officeDocument/2006/relationships" xmlns:p="http://schemas.openxmlformats.org/presentationml/2006/main">
-  <p:cSld>
-    <p:spTree>
-      <p:nvGrpSpPr>
-        <p:cNvPr id="1" name=""/>
-        <p:cNvGrpSpPr/>
-        <p:nvPr/>
-      </p:nvGrpSpPr>
-      <p:grpSpPr>
-        <a:xfrm>
-          <a:off x="0" y="0"/>
-          <a:ext cx="0" cy="0"/>
-          <a:chOff x="0" y="0"/>
-          <a:chExt cx="0" cy="0"/>
-        </a:xfrm>
-      </p:grpSpPr>
-      <p:sp>
-        <p:nvSpPr>
-          <p:cNvPr id="2" name="Title 1"/>
-          <p:cNvSpPr>
-            <a:spLocks noGrp="1"/>
-          </p:cNvSpPr>
-          <p:nvPr>
-            <p:ph type="title"/>
-          </p:nvPr>
-        </p:nvSpPr>
-        <p:spPr/>
-        <p:txBody>
-          <a:bodyPr/>
-          <a:lstStyle/>
-          <a:p>
-            <a:r>
-              <a:rPr lang="en-US" dirty="0" smtClean="0"/>
-              <a:t>Multiprocessing</a:t>
-            </a:r>
-            <a:endParaRPr lang="en-US" dirty="0"/>
-          </a:p>
-        </p:txBody>
-      </p:sp>
-      <p:sp>
-        <p:nvSpPr>
-          <p:cNvPr id="3" name="Content Placeholder 2"/>
-          <p:cNvSpPr>
-            <a:spLocks noGrp="1"/>
-          </p:cNvSpPr>
-          <p:nvPr>
-            <p:ph idx="1"/>
-          </p:nvPr>
-        </p:nvSpPr>
-        <p:spPr/>
-        <p:txBody>
-          <a:bodyPr/>
-          <a:lstStyle/>
-          <a:p>
-            <a:pPr marL="342900" marR="0" lvl="0" indent="-342900" algn="l" defTabSz="914400" rtl="0" eaLnBrk="1" fontAlgn="auto" latinLnBrk="0" hangingPunct="1">
-              <a:lnSpc>
-                <a:spcPct val="100000"/>
-              </a:lnSpc>
-              <a:spcBef>
-                <a:spcPct val="20000"/>
-              </a:spcBef>
-              <a:spcAft>
-                <a:spcPts val="0"/>
-              </a:spcAft>
-              <a:buClrTx/>
-              <a:buSzTx/>
-              <a:buFont typeface="Arial" panose="020B0604020202020204" pitchFamily="34" charset="0"/>
-              <a:buChar char="•"/>
-              <a:tabLst/>
-              <a:defRPr/>
-            </a:pPr>
-            <a:r>
-              <a:rPr lang="en-US" sz="3200" kern="1200" dirty="0" smtClean="0">
-                <a:solidFill>
-                  <a:schemeClr val="tx1"/>
-                </a:solidFill>
-                <a:effectLst/>
-                <a:latin typeface="+mn-lt"/>
-                <a:ea typeface="+mn-ea"/>
-                <a:cs typeface="+mn-cs"/>
-              </a:rPr>
-              <a:t>Multiprocessor-safe, or at least thread-safe, would be good</a:t>
-            </a:r>
-          </a:p>
-          <a:p>
-            <a:r>
-              <a:rPr lang="en-US" dirty="0" smtClean="0"/>
-              <a:t>Not yet</a:t>
-            </a:r>
-            <a:endParaRPr lang="en-US" dirty="0"/>
-          </a:p>
-        </p:txBody>
-      </p:sp>
-      <p:sp>
-        <p:nvSpPr>
-          <p:cNvPr id="4" name="Date Placeholder 3"/>
-          <p:cNvSpPr>
-            <a:spLocks noGrp="1"/>
-          </p:cNvSpPr>
-          <p:nvPr>
-            <p:ph type="dt" sz="half" idx="10"/>
-          </p:nvPr>
-        </p:nvSpPr>
-        <p:spPr/>
-        <p:txBody>
-          <a:bodyPr/>
-          <a:lstStyle/>
-          <a:p>
-            <a:r>
-              <a:rPr lang="en-US" smtClean="0"/>
-              <a:t>2021-01-01</a:t>
-            </a:r>
-            <a:endParaRPr lang="en-US"/>
-          </a:p>
-        </p:txBody>
-      </p:sp>
-      <p:sp>
-        <p:nvSpPr>
-          <p:cNvPr id="5" name="Footer Placeholder 4"/>
-          <p:cNvSpPr>
-            <a:spLocks noGrp="1"/>
-          </p:cNvSpPr>
-          <p:nvPr>
-            <p:ph type="ftr" sz="quarter" idx="11"/>
-          </p:nvPr>
-        </p:nvSpPr>
-        <p:spPr/>
-        <p:txBody>
-          <a:bodyPr/>
-          <a:lstStyle/>
-          <a:p>
-            <a:r>
-              <a:rPr lang="en-US" smtClean="0"/>
-              <a:t>RBL - Boston Python</a:t>
-            </a:r>
-            <a:endParaRPr lang="en-US" dirty="0"/>
-          </a:p>
-        </p:txBody>
-      </p:sp>
-      <p:sp>
-        <p:nvSpPr>
-          <p:cNvPr id="6" name="Slide Number Placeholder 5"/>
-          <p:cNvSpPr>
-            <a:spLocks noGrp="1"/>
-          </p:cNvSpPr>
-          <p:nvPr>
-            <p:ph type="sldNum" sz="quarter" idx="12"/>
-          </p:nvPr>
-        </p:nvSpPr>
-        <p:spPr/>
-        <p:txBody>
-          <a:bodyPr/>
-          <a:lstStyle/>
-          <a:p>
-            <a:fld id="{4E5DAAAA-9FFA-4439-92E3-68E3EA8B0D1F}" type="slidenum">
-              <a:rPr lang="en-US" smtClean="0"/>
-              <a:t>36</a:t>
-            </a:fld>
-            <a:endParaRPr lang="en-US" dirty="0"/>
-          </a:p>
-        </p:txBody>
-      </p:sp>
-    </p:spTree>
-    <p:extLst>
-      <p:ext uri="{BB962C8B-B14F-4D97-AF65-F5344CB8AC3E}">
-        <p14:creationId xmlns:p14="http://schemas.microsoft.com/office/powerpoint/2010/main" val="400251234"/>
-      </p:ext>
-    </p:extLst>
-  </p:cSld>
-  <p:clrMapOvr>
-    <a:masterClrMapping/>
-  </p:clrMapOvr>
-</p:sld>
-</file>
-
-<file path=ppt/slides/slide37.xml><?xml version="1.0" encoding="utf-8"?>
-<p:sld xmlns:a="http://schemas.openxmlformats.org/drawingml/2006/main" xmlns:r="http://schemas.openxmlformats.org/officeDocument/2006/relationships" xmlns:p="http://schemas.openxmlformats.org/presentationml/2006/main">
-  <p:cSld>
-    <p:spTree>
-      <p:nvGrpSpPr>
-        <p:cNvPr id="1" name=""/>
-        <p:cNvGrpSpPr/>
-        <p:nvPr/>
-      </p:nvGrpSpPr>
-      <p:grpSpPr>
-        <a:xfrm>
-          <a:off x="0" y="0"/>
-          <a:ext cx="0" cy="0"/>
-          <a:chOff x="0" y="0"/>
-          <a:chExt cx="0" cy="0"/>
-        </a:xfrm>
-      </p:grpSpPr>
-      <p:sp>
-        <p:nvSpPr>
-          <p:cNvPr id="2" name="Title 1"/>
-          <p:cNvSpPr>
-            <a:spLocks noGrp="1"/>
-          </p:cNvSpPr>
-          <p:nvPr>
-            <p:ph type="title"/>
-          </p:nvPr>
-        </p:nvSpPr>
-        <p:spPr/>
-        <p:txBody>
-          <a:bodyPr/>
-          <a:lstStyle/>
-          <a:p>
-            <a:endParaRPr lang="en-US" dirty="0"/>
-          </a:p>
-        </p:txBody>
-      </p:sp>
-      <p:sp>
-        <p:nvSpPr>
-          <p:cNvPr id="3" name="Content Placeholder 2"/>
-          <p:cNvSpPr>
-            <a:spLocks noGrp="1"/>
-          </p:cNvSpPr>
-          <p:nvPr>
-            <p:ph idx="1"/>
-          </p:nvPr>
-        </p:nvSpPr>
-        <p:spPr/>
-        <p:txBody>
-          <a:bodyPr/>
-          <a:lstStyle/>
-          <a:p>
-            <a:endParaRPr lang="en-US"/>
-          </a:p>
-        </p:txBody>
-      </p:sp>
-      <p:sp>
-        <p:nvSpPr>
-          <p:cNvPr id="4" name="Date Placeholder 3"/>
-          <p:cNvSpPr>
-            <a:spLocks noGrp="1"/>
-          </p:cNvSpPr>
-          <p:nvPr>
-            <p:ph type="dt" sz="half" idx="10"/>
-          </p:nvPr>
-        </p:nvSpPr>
-        <p:spPr/>
-        <p:txBody>
-          <a:bodyPr/>
-          <a:lstStyle/>
-          <a:p>
-            <a:r>
-              <a:rPr lang="en-US" smtClean="0"/>
-              <a:t>2021-01-01</a:t>
-            </a:r>
-            <a:endParaRPr lang="en-US"/>
-          </a:p>
-        </p:txBody>
-      </p:sp>
-      <p:sp>
-        <p:nvSpPr>
-          <p:cNvPr id="5" name="Footer Placeholder 4"/>
-          <p:cNvSpPr>
-            <a:spLocks noGrp="1"/>
-          </p:cNvSpPr>
-          <p:nvPr>
-            <p:ph type="ftr" sz="quarter" idx="11"/>
-          </p:nvPr>
-        </p:nvSpPr>
-        <p:spPr/>
-        <p:txBody>
-          <a:bodyPr/>
-          <a:lstStyle/>
-          <a:p>
-            <a:r>
-              <a:rPr lang="en-US" smtClean="0"/>
-              <a:t>RBL - Boston Python</a:t>
-            </a:r>
-            <a:endParaRPr lang="en-US" dirty="0"/>
-          </a:p>
-        </p:txBody>
-      </p:sp>
-      <p:sp>
-        <p:nvSpPr>
-          <p:cNvPr id="6" name="Slide Number Placeholder 5"/>
-          <p:cNvSpPr>
-            <a:spLocks noGrp="1"/>
-          </p:cNvSpPr>
-          <p:nvPr>
-            <p:ph type="sldNum" sz="quarter" idx="12"/>
-          </p:nvPr>
-        </p:nvSpPr>
-        <p:spPr/>
-        <p:txBody>
-          <a:bodyPr/>
-          <a:lstStyle/>
-          <a:p>
-            <a:fld id="{4E5DAAAA-9FFA-4439-92E3-68E3EA8B0D1F}" type="slidenum">
-              <a:rPr lang="en-US" smtClean="0"/>
-              <a:t>37</a:t>
-            </a:fld>
-            <a:endParaRPr lang="en-US" dirty="0"/>
-          </a:p>
-        </p:txBody>
-      </p:sp>
-    </p:spTree>
-    <p:extLst>
-      <p:ext uri="{BB962C8B-B14F-4D97-AF65-F5344CB8AC3E}">
-        <p14:creationId xmlns:p14="http://schemas.microsoft.com/office/powerpoint/2010/main" val="2544380923"/>
-      </p:ext>
-    </p:extLst>
-  </p:cSld>
-  <p:clrMapOvr>
-    <a:masterClrMapping/>
-  </p:clrMapOvr>
-</p:sld>
-</file>
-
-<file path=ppt/slides/slide38.xml><?xml version="1.0" encoding="utf-8"?>
-<p:sld xmlns:a="http://schemas.openxmlformats.org/drawingml/2006/main" xmlns:r="http://schemas.openxmlformats.org/officeDocument/2006/relationships" xmlns:p="http://schemas.openxmlformats.org/presentationml/2006/main">
-  <p:cSld>
-    <p:spTree>
-      <p:nvGrpSpPr>
-        <p:cNvPr id="1" name=""/>
-        <p:cNvGrpSpPr/>
-        <p:nvPr/>
-      </p:nvGrpSpPr>
-      <p:grpSpPr>
-        <a:xfrm>
-          <a:off x="0" y="0"/>
-          <a:ext cx="0" cy="0"/>
-          <a:chOff x="0" y="0"/>
-          <a:chExt cx="0" cy="0"/>
-        </a:xfrm>
-      </p:grpSpPr>
-      <p:sp>
-        <p:nvSpPr>
-          <p:cNvPr id="2" name="Title 1"/>
-          <p:cNvSpPr>
-            <a:spLocks noGrp="1"/>
-          </p:cNvSpPr>
-          <p:nvPr>
-            <p:ph type="title"/>
-          </p:nvPr>
-        </p:nvSpPr>
-        <p:spPr/>
-        <p:txBody>
-          <a:bodyPr/>
-          <a:lstStyle/>
-          <a:p>
-            <a:r>
-              <a:rPr lang="en-US" dirty="0" smtClean="0"/>
-              <a:t>Other Random Weirdness</a:t>
-            </a:r>
-            <a:endParaRPr lang="en-US" dirty="0"/>
-          </a:p>
-        </p:txBody>
-      </p:sp>
-      <p:sp>
-        <p:nvSpPr>
-          <p:cNvPr id="3" name="Content Placeholder 2"/>
-          <p:cNvSpPr>
-            <a:spLocks noGrp="1"/>
-          </p:cNvSpPr>
-          <p:nvPr>
-            <p:ph idx="1"/>
-          </p:nvPr>
-        </p:nvSpPr>
-        <p:spPr/>
-        <p:txBody>
-          <a:bodyPr/>
-          <a:lstStyle/>
-          <a:p>
-            <a:r>
-              <a:rPr lang="en-US" sz="3200" kern="1200" dirty="0" smtClean="0">
-                <a:solidFill>
-                  <a:schemeClr val="tx1"/>
-                </a:solidFill>
-                <a:effectLst/>
-                <a:latin typeface="+mn-lt"/>
-                <a:ea typeface="+mn-ea"/>
-                <a:cs typeface="+mn-cs"/>
-              </a:rPr>
-              <a:t>Minimize opportunities for syntax errors</a:t>
-            </a:r>
-          </a:p>
-          <a:p>
-            <a:r>
-              <a:rPr lang="en-US" sz="3200" kern="1200" dirty="0" smtClean="0">
-                <a:solidFill>
-                  <a:schemeClr val="tx1"/>
-                </a:solidFill>
-                <a:effectLst/>
-                <a:latin typeface="+mn-lt"/>
-                <a:ea typeface="+mn-ea"/>
-                <a:cs typeface="+mn-cs"/>
-              </a:rPr>
-              <a:t>Commas at beginning of lines in argument lists</a:t>
-            </a:r>
-          </a:p>
-          <a:p>
-            <a:r>
-              <a:rPr lang="en-US" sz="3200" kern="1200" dirty="0" smtClean="0">
-                <a:solidFill>
-                  <a:schemeClr val="tx1"/>
-                </a:solidFill>
-                <a:effectLst/>
-                <a:latin typeface="+mn-lt"/>
-                <a:ea typeface="+mn-ea"/>
-                <a:cs typeface="+mn-cs"/>
-              </a:rPr>
-              <a:t>Consistent tabs and spacing, just as PEP-8 says</a:t>
-            </a:r>
-          </a:p>
-        </p:txBody>
-      </p:sp>
-      <p:sp>
-        <p:nvSpPr>
-          <p:cNvPr id="4" name="Date Placeholder 3"/>
-          <p:cNvSpPr>
-            <a:spLocks noGrp="1"/>
-          </p:cNvSpPr>
-          <p:nvPr>
-            <p:ph type="dt" sz="half" idx="10"/>
-          </p:nvPr>
-        </p:nvSpPr>
-        <p:spPr/>
-        <p:txBody>
-          <a:bodyPr/>
-          <a:lstStyle/>
-          <a:p>
-            <a:r>
-              <a:rPr lang="en-US" smtClean="0"/>
-              <a:t>2021-01-01</a:t>
-            </a:r>
-            <a:endParaRPr lang="en-US"/>
-          </a:p>
-        </p:txBody>
-      </p:sp>
-      <p:sp>
-        <p:nvSpPr>
-          <p:cNvPr id="5" name="Footer Placeholder 4"/>
-          <p:cNvSpPr>
-            <a:spLocks noGrp="1"/>
-          </p:cNvSpPr>
-          <p:nvPr>
-            <p:ph type="ftr" sz="quarter" idx="11"/>
-          </p:nvPr>
-        </p:nvSpPr>
-        <p:spPr/>
-        <p:txBody>
-          <a:bodyPr/>
-          <a:lstStyle/>
-          <a:p>
-            <a:r>
-              <a:rPr lang="en-US" smtClean="0"/>
-              <a:t>RBL - Boston Python</a:t>
-            </a:r>
-            <a:endParaRPr lang="en-US" dirty="0"/>
-          </a:p>
-        </p:txBody>
-      </p:sp>
-      <p:sp>
-        <p:nvSpPr>
-          <p:cNvPr id="6" name="Slide Number Placeholder 5"/>
-          <p:cNvSpPr>
-            <a:spLocks noGrp="1"/>
-          </p:cNvSpPr>
-          <p:nvPr>
-            <p:ph type="sldNum" sz="quarter" idx="12"/>
-          </p:nvPr>
-        </p:nvSpPr>
-        <p:spPr/>
-        <p:txBody>
-          <a:bodyPr/>
-          <a:lstStyle/>
-          <a:p>
-            <a:fld id="{4E5DAAAA-9FFA-4439-92E3-68E3EA8B0D1F}" type="slidenum">
-              <a:rPr lang="en-US" smtClean="0"/>
-              <a:t>38</a:t>
-            </a:fld>
-            <a:endParaRPr lang="en-US" dirty="0"/>
-          </a:p>
-        </p:txBody>
-      </p:sp>
-    </p:spTree>
-    <p:extLst>
-      <p:ext uri="{BB962C8B-B14F-4D97-AF65-F5344CB8AC3E}">
-        <p14:creationId xmlns:p14="http://schemas.microsoft.com/office/powerpoint/2010/main" val="1969869318"/>
-      </p:ext>
-    </p:extLst>
-  </p:cSld>
-  <p:clrMapOvr>
-    <a:masterClrMapping/>
-  </p:clrMapOvr>
-</p:sld>
-</file>
-
-<file path=ppt/slides/slide39.xml><?xml version="1.0" encoding="utf-8"?>
-<p:sld xmlns:a="http://schemas.openxmlformats.org/drawingml/2006/main" xmlns:r="http://schemas.openxmlformats.org/officeDocument/2006/relationships" xmlns:p="http://schemas.openxmlformats.org/presentationml/2006/main">
-  <p:cSld>
-    <p:spTree>
-      <p:nvGrpSpPr>
-        <p:cNvPr id="1" name=""/>
-        <p:cNvGrpSpPr/>
-        <p:nvPr/>
-      </p:nvGrpSpPr>
-      <p:grpSpPr>
-        <a:xfrm>
-          <a:off x="0" y="0"/>
-          <a:ext cx="0" cy="0"/>
-          <a:chOff x="0" y="0"/>
-          <a:chExt cx="0" cy="0"/>
-        </a:xfrm>
-      </p:grpSpPr>
-      <p:sp>
-        <p:nvSpPr>
-          <p:cNvPr id="2" name="Title 1"/>
-          <p:cNvSpPr>
-            <a:spLocks noGrp="1"/>
-          </p:cNvSpPr>
-          <p:nvPr>
-            <p:ph type="title"/>
-          </p:nvPr>
-        </p:nvSpPr>
-        <p:spPr/>
-        <p:txBody>
-          <a:bodyPr/>
-          <a:lstStyle/>
-          <a:p>
-            <a:endParaRPr lang="en-US" dirty="0"/>
-          </a:p>
-        </p:txBody>
-      </p:sp>
-      <p:sp>
-        <p:nvSpPr>
-          <p:cNvPr id="3" name="Content Placeholder 2"/>
-          <p:cNvSpPr>
-            <a:spLocks noGrp="1"/>
-          </p:cNvSpPr>
-          <p:nvPr>
-            <p:ph idx="1"/>
-          </p:nvPr>
-        </p:nvSpPr>
-        <p:spPr/>
-        <p:txBody>
-          <a:bodyPr/>
-          <a:lstStyle/>
-          <a:p>
-            <a:endParaRPr lang="en-US"/>
-          </a:p>
-        </p:txBody>
-      </p:sp>
-      <p:sp>
-        <p:nvSpPr>
-          <p:cNvPr id="4" name="Date Placeholder 3"/>
-          <p:cNvSpPr>
-            <a:spLocks noGrp="1"/>
-          </p:cNvSpPr>
-          <p:nvPr>
-            <p:ph type="dt" sz="half" idx="10"/>
-          </p:nvPr>
-        </p:nvSpPr>
-        <p:spPr/>
-        <p:txBody>
-          <a:bodyPr/>
-          <a:lstStyle/>
-          <a:p>
-            <a:r>
-              <a:rPr lang="en-US" smtClean="0"/>
-              <a:t>2021-01-01</a:t>
-            </a:r>
-            <a:endParaRPr lang="en-US"/>
-          </a:p>
-        </p:txBody>
-      </p:sp>
-      <p:sp>
-        <p:nvSpPr>
-          <p:cNvPr id="5" name="Footer Placeholder 4"/>
-          <p:cNvSpPr>
-            <a:spLocks noGrp="1"/>
-          </p:cNvSpPr>
-          <p:nvPr>
-            <p:ph type="ftr" sz="quarter" idx="11"/>
-          </p:nvPr>
-        </p:nvSpPr>
-        <p:spPr/>
-        <p:txBody>
-          <a:bodyPr/>
-          <a:lstStyle/>
-          <a:p>
-            <a:r>
-              <a:rPr lang="en-US" smtClean="0"/>
-              <a:t>RBL - Boston Python</a:t>
-            </a:r>
-            <a:endParaRPr lang="en-US" dirty="0"/>
-          </a:p>
-        </p:txBody>
-      </p:sp>
-      <p:sp>
-        <p:nvSpPr>
-          <p:cNvPr id="6" name="Slide Number Placeholder 5"/>
-          <p:cNvSpPr>
-            <a:spLocks noGrp="1"/>
-          </p:cNvSpPr>
-          <p:nvPr>
-            <p:ph type="sldNum" sz="quarter" idx="12"/>
-          </p:nvPr>
-        </p:nvSpPr>
-        <p:spPr/>
-        <p:txBody>
-          <a:bodyPr/>
-          <a:lstStyle/>
-          <a:p>
-            <a:fld id="{4E5DAAAA-9FFA-4439-92E3-68E3EA8B0D1F}" type="slidenum">
-              <a:rPr lang="en-US" smtClean="0"/>
-              <a:t>39</a:t>
             </a:fld>
             <a:endParaRPr lang="en-US" dirty="0"/>
           </a:p>
@@ -11081,29 +10805,8 @@
                 <a:ea typeface="+mn-ea"/>
                 <a:cs typeface="+mn-cs"/>
               </a:rPr>
-              <a:t> is just a personal </a:t>
-            </a:r>
-            <a:r>
-              <a:rPr lang="en-US" sz="2800" kern="1200" dirty="0" smtClean="0">
-                <a:solidFill>
-                  <a:schemeClr val="tx1"/>
-                </a:solidFill>
-                <a:effectLst/>
-                <a:latin typeface="+mn-lt"/>
-                <a:ea typeface="+mn-ea"/>
-                <a:cs typeface="+mn-cs"/>
-              </a:rPr>
-              <a:t>preference BUT</a:t>
-            </a:r>
-            <a:endParaRPr lang="en-US" sz="2800" kern="1200" dirty="0" smtClean="0">
-              <a:solidFill>
-                <a:schemeClr val="tx1"/>
-              </a:solidFill>
-              <a:effectLst/>
-              <a:latin typeface="+mn-lt"/>
-              <a:ea typeface="+mn-ea"/>
-              <a:cs typeface="+mn-cs"/>
-            </a:endParaRPr>
+              <a:t> is just a personal preference BUT</a:t>
+            </a:r>
           </a:p>
           <a:p>
             <a:pPr lvl="1"/>
@@ -11266,7 +10969,9 @@
         </p:nvSpPr>
         <p:spPr/>
         <p:txBody>
-          <a:bodyPr/>
+          <a:bodyPr>
+            <a:normAutofit fontScale="92500" lnSpcReduction="10000"/>
+          </a:bodyPr>
           <a:lstStyle/>
           <a:p>
             <a:pPr lvl="0"/>
@@ -11350,8 +11055,81 @@
                 <a:ea typeface="+mn-ea"/>
                 <a:cs typeface="+mn-cs"/>
               </a:rPr>
-              <a:t>If I were building packages for distribution, I might reform my evil ways</a:t>
-            </a:r>
+              <a:t>If I were building packages for distribution, I</a:t>
+            </a:r>
+            <a:r>
+              <a:rPr lang="en-US" sz="3200" kern="1200" baseline="0" dirty="0" smtClean="0">
+                <a:solidFill>
+                  <a:schemeClr val="tx1"/>
+                </a:solidFill>
+                <a:effectLst/>
+                <a:latin typeface="+mn-lt"/>
+                <a:ea typeface="+mn-ea"/>
+                <a:cs typeface="+mn-cs"/>
+              </a:rPr>
+              <a:t> would</a:t>
+            </a:r>
+            <a:r>
+              <a:rPr lang="en-US" sz="3200" kern="1200" dirty="0" smtClean="0">
+                <a:solidFill>
+                  <a:schemeClr val="tx1"/>
+                </a:solidFill>
+                <a:effectLst/>
+                <a:latin typeface="+mn-lt"/>
+                <a:ea typeface="+mn-ea"/>
+                <a:cs typeface="+mn-cs"/>
+              </a:rPr>
+              <a:t> reform my evil ways</a:t>
+            </a:r>
+          </a:p>
+          <a:p>
+            <a:pPr lvl="0"/>
+            <a:endParaRPr lang="en-US" sz="3200" kern="1200" dirty="0" smtClean="0">
+              <a:solidFill>
+                <a:schemeClr val="tx1"/>
+              </a:solidFill>
+              <a:effectLst/>
+              <a:latin typeface="+mn-lt"/>
+              <a:ea typeface="+mn-ea"/>
+              <a:cs typeface="+mn-cs"/>
+            </a:endParaRPr>
+          </a:p>
+          <a:p>
+            <a:pPr marL="0" indent="0">
+              <a:buNone/>
+            </a:pPr>
+            <a:r>
+              <a:rPr lang="en-US" sz="2200" dirty="0" smtClean="0"/>
+              <a:t>"Any programmer who fails to comply with the standard</a:t>
+            </a:r>
+            <a:r>
+              <a:rPr lang="en-US" sz="2200" baseline="0" dirty="0" smtClean="0"/>
+              <a:t> naming, formatting or commenting conventions should be shot.  If it so happens that it is inconvenient to shoot him, then he is to be politely requested to recode his program in adherence to the above standard."</a:t>
+            </a:r>
+          </a:p>
+          <a:p>
+            <a:pPr marL="0" indent="0">
+              <a:buNone/>
+            </a:pPr>
+            <a:endParaRPr lang="en-US" sz="2600" baseline="0" dirty="0" smtClean="0"/>
+          </a:p>
+          <a:p>
+            <a:pPr marL="0" indent="0" algn="r">
+              <a:buNone/>
+            </a:pPr>
+            <a:r>
+              <a:rPr lang="en-US" sz="1900" i="1" baseline="0" dirty="0" smtClean="0"/>
+              <a:t>-- Mike </a:t>
+            </a:r>
+            <a:r>
+              <a:rPr lang="en-US" sz="1900" i="1" baseline="0" dirty="0" err="1" smtClean="0"/>
+              <a:t>Spier</a:t>
+            </a:r>
+            <a:r>
+              <a:rPr lang="en-US" sz="1900" i="1" baseline="0" dirty="0" smtClean="0"/>
+              <a:t>, Digital Equipment Corporation, 1971</a:t>
+            </a:r>
+            <a:endParaRPr lang="en-US" sz="1900" i="1" dirty="0"/>
           </a:p>
         </p:txBody>
       </p:sp>
@@ -11535,7 +11313,35 @@
                 <a:ea typeface="+mn-ea"/>
                 <a:cs typeface="+mn-cs"/>
               </a:rPr>
-              <a:t>My last project had only &lt;10 major classes but 10-50,000 instances of some classes</a:t>
+              <a:t>My last project had only </a:t>
+            </a:r>
+            <a:r>
+              <a:rPr lang="en-US" dirty="0" smtClean="0"/>
+              <a:t>~2</a:t>
+            </a:r>
+            <a:r>
+              <a:rPr lang="en-US" sz="3200" kern="1200" dirty="0" smtClean="0">
+                <a:solidFill>
+                  <a:schemeClr val="tx1"/>
+                </a:solidFill>
+                <a:effectLst/>
+                <a:latin typeface="+mn-lt"/>
+                <a:ea typeface="+mn-ea"/>
+                <a:cs typeface="+mn-cs"/>
+              </a:rPr>
+              <a:t>0 </a:t>
+            </a:r>
+            <a:r>
+              <a:rPr lang="en-US" sz="3200" kern="1200" dirty="0" smtClean="0">
+                <a:solidFill>
+                  <a:schemeClr val="tx1"/>
+                </a:solidFill>
+                <a:effectLst/>
+                <a:latin typeface="+mn-lt"/>
+                <a:ea typeface="+mn-ea"/>
+                <a:cs typeface="+mn-cs"/>
+              </a:rPr>
+              <a:t>major classes but 10-50,000 instances of some classes</a:t>
             </a:r>
           </a:p>
           <a:p>
@@ -11562,7 +11368,31 @@
                 <a:ea typeface="+mn-ea"/>
                 <a:cs typeface="+mn-cs"/>
               </a:rPr>
-              <a:t> package here displays IDs)</a:t>
+              <a:t> package here </a:t>
+            </a:r>
+            <a:r>
+              <a:rPr lang="en-US" sz="3200" kern="1200" baseline="0" dirty="0" smtClean="0">
+                <a:solidFill>
+                  <a:schemeClr val="tx1"/>
+                </a:solidFill>
+                <a:effectLst/>
+                <a:latin typeface="+mn-lt"/>
+                <a:ea typeface="+mn-ea"/>
+                <a:cs typeface="+mn-cs"/>
+              </a:rPr>
+              <a:t>displays IDs, instance names</a:t>
+            </a:r>
+            <a:r>
+              <a:rPr lang="en-US" sz="3200" kern="1200" baseline="0" dirty="0" smtClean="0">
+                <a:solidFill>
+                  <a:schemeClr val="tx1"/>
+                </a:solidFill>
+                <a:effectLst/>
+                <a:latin typeface="+mn-lt"/>
+                <a:ea typeface="+mn-ea"/>
+                <a:cs typeface="+mn-cs"/>
+              </a:rPr>
+              <a:t>)</a:t>
             </a:r>
             <a:endParaRPr lang="en-US" sz="3200" kern="1200" dirty="0" smtClean="0">
               <a:solidFill>
@@ -11699,7 +11529,7 @@
           <a:p>
             <a:r>
               <a:rPr lang="en-US" dirty="0" smtClean="0"/>
-              <a:t>Map IDs to Instances</a:t>
+              <a:t>Offline Debugging</a:t>
             </a:r>
             <a:endParaRPr lang="en-US" dirty="0"/>
           </a:p>
@@ -11722,145 +11552,19 @@
           <a:p>
             <a:pPr lvl="0"/>
             <a:r>
-              <a:rPr lang="en-US" sz="3200" kern="1200" dirty="0" smtClean="0">
-                <a:solidFill>
-                  <a:schemeClr val="tx1"/>
-                </a:solidFill>
-                <a:effectLst/>
-                <a:latin typeface="+mn-lt"/>
-                <a:ea typeface="+mn-ea"/>
-                <a:cs typeface="+mn-cs"/>
-              </a:rPr>
-              <a:t>Store unique ID in each instance</a:t>
+              <a:rPr lang="en-US" dirty="0" smtClean="0"/>
+              <a:t>Make a record of what a program does</a:t>
             </a:r>
           </a:p>
           <a:p>
             <a:pPr lvl="0"/>
             <a:r>
-              <a:rPr lang="en-US" sz="3200" kern="1200" dirty="0" smtClean="0">
-                <a:solidFill>
-                  <a:schemeClr val="tx1"/>
-                </a:solidFill>
-                <a:effectLst/>
-                <a:latin typeface="+mn-lt"/>
-                <a:ea typeface="+mn-ea"/>
-                <a:cs typeface="+mn-cs"/>
-              </a:rPr>
-              <a:t>Always pass ID strings, rather than</a:t>
-            </a:r>
-            <a:r>
-              <a:rPr lang="en-US" sz="3200" kern="1200" baseline="0" dirty="0" smtClean="0">
-                <a:solidFill>
-                  <a:schemeClr val="tx1"/>
-                </a:solidFill>
-                <a:effectLst/>
-                <a:latin typeface="+mn-lt"/>
-                <a:ea typeface="+mn-ea"/>
-                <a:cs typeface="+mn-cs"/>
-              </a:rPr>
-              <a:t> instances (addresses), in argument lists</a:t>
-            </a:r>
-            <a:endParaRPr lang="en-US" sz="3200" kern="1200" dirty="0" smtClean="0">
-              <a:solidFill>
-                <a:schemeClr val="tx1"/>
-              </a:solidFill>
-              <a:effectLst/>
-              <a:latin typeface="+mn-lt"/>
-              <a:ea typeface="+mn-ea"/>
-              <a:cs typeface="+mn-cs"/>
-            </a:endParaRPr>
-          </a:p>
-          <a:p>
-            <a:pPr lvl="0"/>
-            <a:r>
-              <a:rPr lang="en-US" sz="3200" kern="1200" dirty="0" smtClean="0">
-                <a:solidFill>
-                  <a:schemeClr val="tx1"/>
-                </a:solidFill>
-                <a:effectLst/>
-                <a:latin typeface="+mn-lt"/>
-                <a:ea typeface="+mn-ea"/>
-                <a:cs typeface="+mn-cs"/>
-              </a:rPr>
-              <a:t>Use dictionaries to map from (class and) ID-string</a:t>
-            </a:r>
-            <a:r>
-              <a:rPr lang="en-US" sz="3200" kern="1200" baseline="0" dirty="0" smtClean="0">
-                <a:solidFill>
-                  <a:schemeClr val="tx1"/>
-                </a:solidFill>
-                <a:effectLst/>
-                <a:latin typeface="+mn-lt"/>
-                <a:ea typeface="+mn-ea"/>
-                <a:cs typeface="+mn-cs"/>
-              </a:rPr>
-              <a:t> </a:t>
-            </a:r>
-            <a:r>
-              <a:rPr lang="en-US" sz="3200" kern="1200" dirty="0" smtClean="0">
-                <a:solidFill>
-                  <a:schemeClr val="tx1"/>
-                </a:solidFill>
-                <a:effectLst/>
-                <a:latin typeface="+mn-lt"/>
-                <a:ea typeface="+mn-ea"/>
-                <a:cs typeface="+mn-cs"/>
-              </a:rPr>
-              <a:t>to instance</a:t>
-            </a:r>
-          </a:p>
-          <a:p>
-            <a:pPr lvl="1"/>
-            <a:r>
-              <a:rPr lang="en-US" sz="2800" kern="1200" dirty="0" smtClean="0">
-                <a:solidFill>
-                  <a:schemeClr val="tx1"/>
-                </a:solidFill>
-                <a:effectLst/>
-                <a:latin typeface="+mn-lt"/>
-                <a:ea typeface="+mn-ea"/>
-                <a:cs typeface="+mn-cs"/>
-              </a:rPr>
-              <a:t>Dictionary lookup is cheap</a:t>
-            </a:r>
-          </a:p>
-          <a:p>
-            <a:pPr lvl="0"/>
-            <a:r>
-              <a:rPr lang="en-US" sz="3200" kern="1200" dirty="0" smtClean="0">
-                <a:solidFill>
-                  <a:schemeClr val="tx1"/>
-                </a:solidFill>
-                <a:effectLst/>
-                <a:latin typeface="+mn-lt"/>
-                <a:ea typeface="+mn-ea"/>
-                <a:cs typeface="+mn-cs"/>
-              </a:rPr>
-              <a:t>Admittedly very different model from typical web application or </a:t>
-            </a:r>
-            <a:r>
-              <a:rPr lang="en-US" sz="3200" kern="1200" dirty="0" err="1" smtClean="0">
-                <a:solidFill>
-                  <a:schemeClr val="tx1"/>
-                </a:solidFill>
-                <a:effectLst/>
-                <a:latin typeface="+mn-lt"/>
-                <a:ea typeface="+mn-ea"/>
-                <a:cs typeface="+mn-cs"/>
-              </a:rPr>
-              <a:t>microservice</a:t>
-            </a:r>
-            <a:r>
-              <a:rPr lang="en-US" sz="3200" kern="1200" dirty="0" smtClean="0">
-                <a:solidFill>
-                  <a:schemeClr val="tx1"/>
-                </a:solidFill>
-                <a:effectLst/>
-                <a:latin typeface="+mn-lt"/>
-                <a:ea typeface="+mn-ea"/>
-                <a:cs typeface="+mn-cs"/>
-              </a:rPr>
-              <a:t> suite</a:t>
+              <a:rPr lang="en-US" dirty="0" smtClean="0"/>
+              <a:t>Not interactive</a:t>
+            </a:r>
+            <a:r>
+              <a:rPr lang="en-US" baseline="0" dirty="0" smtClean="0"/>
+              <a:t> debugging step by step</a:t>
             </a:r>
           </a:p>
         </p:txBody>
@@ -11937,7 +11641,7 @@
     </p:spTree>
     <p:extLst>
       <p:ext uri="{BB962C8B-B14F-4D97-AF65-F5344CB8AC3E}">
-        <p14:creationId xmlns:p14="http://schemas.microsoft.com/office/powerpoint/2010/main" val="2067879789"/>
+        <p14:creationId xmlns:p14="http://schemas.microsoft.com/office/powerpoint/2010/main" val="3342569537"/>
       </p:ext>
     </p:extLst>
   </p:cSld>
@@ -11976,12 +11680,26 @@
         </p:nvSpPr>
         <p:spPr/>
         <p:txBody>
-          <a:bodyPr/>
-          <a:lstStyle/>
-          <a:p>
+          <a:bodyPr>
+            <a:normAutofit fontScale="90000"/>
+          </a:bodyPr>
+          <a:lstStyle/>
+          <a:p>
+            <a:pPr lvl="0"/>
             <a:r>
               <a:rPr lang="en-US" dirty="0" smtClean="0"/>
-              <a:t>Offline Debugging</a:t>
+              <a:t>New Program Doesn’t Do</a:t>
+            </a:r>
+            <a:br>
+              <a:rPr lang="en-US" dirty="0" smtClean="0"/>
+            </a:br>
+            <a:r>
+              <a:rPr lang="en-US" dirty="0" smtClean="0"/>
+              <a:t>What</a:t>
+            </a:r>
+            <a:r>
+              <a:rPr lang="en-US" baseline="0" dirty="0" smtClean="0"/>
+              <a:t> You Want It To Do?</a:t>
             </a:r>
             <a:endParaRPr lang="en-US" dirty="0"/>
           </a:p>
@@ -12002,22 +11720,21 @@
           <a:bodyPr/>
           <a:lstStyle/>
           <a:p>
-            <a:pPr lvl="0"/>
             <a:r>
               <a:rPr lang="en-US" dirty="0" smtClean="0"/>
-              <a:t>Make a record of what a program does</a:t>
-            </a:r>
-          </a:p>
-          <a:p>
-            <a:pPr lvl="0"/>
-            <a:r>
-              <a:rPr lang="en-US" dirty="0" smtClean="0"/>
-              <a:t>Not interactive</a:t>
+              <a:t>Sprinkle a few print()</a:t>
             </a:r>
             <a:r>
               <a:rPr lang="en-US" baseline="0" dirty="0" smtClean="0"/>
-              <a:t> debugging step by step</a:t>
-            </a:r>
+              <a:t> statements in to print the data at key locations, and run it again</a:t>
+            </a:r>
+          </a:p>
+          <a:p>
+            <a:r>
+              <a:rPr lang="en-US" baseline="0" dirty="0" smtClean="0"/>
+              <a:t>Stare at the output, wonder why it did what it did, and why in that order</a:t>
+            </a:r>
+            <a:endParaRPr lang="en-US" dirty="0"/>
           </a:p>
         </p:txBody>
       </p:sp>
@@ -12093,7 +11810,7 @@
     </p:spTree>
     <p:extLst>
       <p:ext uri="{BB962C8B-B14F-4D97-AF65-F5344CB8AC3E}">
-        <p14:creationId xmlns:p14="http://schemas.microsoft.com/office/powerpoint/2010/main" val="3342569537"/>
+        <p14:creationId xmlns:p14="http://schemas.microsoft.com/office/powerpoint/2010/main" val="507933991"/>
       </p:ext>
     </p:extLst>
   </p:cSld>
@@ -12132,59 +11849,89 @@
         </p:nvSpPr>
         <p:spPr/>
         <p:txBody>
-          <a:bodyPr>
-            <a:normAutofit fontScale="90000"/>
-          </a:bodyPr>
-          <a:lstStyle/>
-          <a:p>
-            <a:pPr lvl="0"/>
+          <a:bodyPr/>
+          <a:lstStyle/>
+          <a:p>
             <a:r>
               <a:rPr lang="en-US" dirty="0" smtClean="0"/>
-              <a:t>New Program Doesn’t Do</a:t>
-            </a:r>
-            <a:br>
+              <a:t>Interactive</a:t>
+            </a:r>
+            <a:r>
+              <a:rPr lang="en-US" baseline="0" dirty="0" smtClean="0"/>
+              <a:t> Debugging</a:t>
+            </a:r>
+            <a:endParaRPr lang="en-US" dirty="0"/>
+          </a:p>
+        </p:txBody>
+      </p:sp>
+      <p:sp>
+        <p:nvSpPr>
+          <p:cNvPr id="3" name="Content Placeholder 2"/>
+          <p:cNvSpPr>
+            <a:spLocks noGrp="1"/>
+          </p:cNvSpPr>
+          <p:nvPr>
+            <p:ph idx="1"/>
+          </p:nvPr>
+        </p:nvSpPr>
+        <p:spPr/>
+        <p:txBody>
+          <a:bodyPr/>
+          <a:lstStyle/>
+          <a:p>
+            <a:r>
+              <a:rPr lang="en-US" baseline="0" dirty="0" smtClean="0"/>
+              <a:t>Set some breakpoints, run, examine data</a:t>
+            </a:r>
+          </a:p>
+          <a:p>
+            <a:r>
+              <a:rPr lang="en-US" baseline="0" dirty="0" smtClean="0"/>
+              <a:t>Great for small-</a:t>
+            </a:r>
+            <a:r>
+              <a:rPr lang="en-US" baseline="0" dirty="0" err="1" smtClean="0"/>
+              <a:t>ish</a:t>
+            </a:r>
+            <a:r>
+              <a:rPr lang="en-US" baseline="0" dirty="0" smtClean="0"/>
+              <a:t> programs that can be run interactively</a:t>
+            </a:r>
+          </a:p>
+          <a:p>
+            <a:r>
+              <a:rPr lang="en-US" dirty="0" err="1" smtClean="0"/>
+              <a:t>pdb</a:t>
+            </a:r>
+            <a:r>
               <a:rPr lang="en-US" dirty="0" smtClean="0"/>
-            </a:br>
+              <a:t>,</a:t>
+            </a:r>
+            <a:r>
+              <a:rPr lang="en-US" baseline="0" dirty="0" smtClean="0"/>
+              <a:t> </a:t>
+            </a:r>
+            <a:r>
+              <a:rPr lang="en-US" baseline="0" dirty="0" err="1" smtClean="0"/>
+              <a:t>pudb</a:t>
+            </a:r>
+            <a:r>
+              <a:rPr lang="en-US" baseline="0" dirty="0" smtClean="0"/>
+              <a:t>,</a:t>
+            </a:r>
             <a:r>
               <a:rPr lang="en-US" dirty="0" smtClean="0"/>
-              <a:t>What</a:t>
+              <a:t> a dozen others,</a:t>
             </a:r>
             <a:r>
               <a:rPr lang="en-US" baseline="0" dirty="0" smtClean="0"/>
-              <a:t> You Want It To Do?</a:t>
-            </a:r>
-            <a:endParaRPr lang="en-US" dirty="0"/>
-          </a:p>
-        </p:txBody>
-      </p:sp>
-      <p:sp>
-        <p:nvSpPr>
-          <p:cNvPr id="3" name="Content Placeholder 2"/>
-          <p:cNvSpPr>
-            <a:spLocks noGrp="1"/>
-          </p:cNvSpPr>
-          <p:nvPr>
-            <p:ph idx="1"/>
-          </p:nvPr>
-        </p:nvSpPr>
-        <p:spPr/>
-        <p:txBody>
-          <a:bodyPr/>
-          <a:lstStyle/>
+              <a:t> etc.</a:t>
+            </a:r>
+          </a:p>
           <a:p>
             <a:r>
               <a:rPr lang="en-US" dirty="0" smtClean="0"/>
-              <a:t>Sprinkle a few print()</a:t>
-            </a:r>
-            <a:r>
-              <a:rPr lang="en-US" baseline="0" dirty="0" smtClean="0"/>
-              <a:t> statements in to print the data at key locations, and run it again</a:t>
-            </a:r>
-          </a:p>
-          <a:p>
-            <a:r>
-              <a:rPr lang="en-US" baseline="0" dirty="0" smtClean="0"/>
-              <a:t>Stare at the output, wonder why it did what it did, and why in that order</a:t>
+              <a:t>Breakpoints, stepping, data examination</a:t>
             </a:r>
             <a:endParaRPr lang="en-US" dirty="0"/>
           </a:p>
@@ -12262,7 +12009,7 @@
     </p:spTree>
     <p:extLst>
       <p:ext uri="{BB962C8B-B14F-4D97-AF65-F5344CB8AC3E}">
-        <p14:creationId xmlns:p14="http://schemas.microsoft.com/office/powerpoint/2010/main" val="507933991"/>
+        <p14:creationId xmlns:p14="http://schemas.microsoft.com/office/powerpoint/2010/main" val="3934719971"/>
       </p:ext>
     </p:extLst>
   </p:cSld>

--- a/docs/OfflineDebugging/A Dinosaur and a Python 02.pptx
+++ b/docs/OfflineDebugging/A Dinosaur and a Python 02.pptx
@@ -226,7 +226,7 @@
           <a:p>
             <a:fld id="{34DABC08-5500-4080-81A3-D11EBECCC5B6}" type="datetimeFigureOut">
               <a:rPr lang="en-US" smtClean="0"/>
-              <a:t>2021-01-19</a:t>
+              <a:t>2021-01-20</a:t>
             </a:fld>
             <a:endParaRPr lang="en-US"/>
           </a:p>
@@ -4566,8 +4566,64 @@
                 <a:ea typeface="+mn-ea"/>
                 <a:cs typeface="+mn-cs"/>
               </a:rPr>
-              <a:t>If you have an adequate method of tracing the flow and data of a program, reading a trace log might be easier and faster</a:t>
-            </a:r>
+              <a:t>Need an adequate method </a:t>
+            </a:r>
+            <a:r>
+              <a:rPr lang="en-US" dirty="0" smtClean="0"/>
+              <a:t>of watching what a program does/did</a:t>
+            </a:r>
+            <a:endParaRPr lang="en-US" sz="3200" kern="1200" dirty="0" smtClean="0">
+              <a:solidFill>
+                <a:schemeClr val="tx1"/>
+              </a:solidFill>
+              <a:effectLst/>
+              <a:latin typeface="+mn-lt"/>
+              <a:ea typeface="+mn-ea"/>
+              <a:cs typeface="+mn-cs"/>
+            </a:endParaRPr>
+          </a:p>
+          <a:p>
+            <a:pPr lvl="1"/>
+            <a:r>
+              <a:rPr lang="en-US" sz="2800" kern="1200" dirty="0" smtClean="0">
+                <a:solidFill>
+                  <a:schemeClr val="tx1"/>
+                </a:solidFill>
+                <a:effectLst/>
+                <a:latin typeface="+mn-lt"/>
+                <a:ea typeface="+mn-ea"/>
+                <a:cs typeface="+mn-cs"/>
+              </a:rPr>
+              <a:t>tracing the code flow and </a:t>
+            </a:r>
+          </a:p>
+          <a:p>
+            <a:pPr lvl="1"/>
+            <a:r>
+              <a:rPr lang="en-US" dirty="0" smtClean="0"/>
+              <a:t>tracing the </a:t>
+            </a:r>
+            <a:r>
+              <a:rPr lang="en-US" sz="2800" kern="1200" dirty="0" smtClean="0">
+                <a:solidFill>
+                  <a:schemeClr val="tx1"/>
+                </a:solidFill>
+                <a:effectLst/>
+                <a:latin typeface="+mn-lt"/>
+                <a:ea typeface="+mn-ea"/>
+                <a:cs typeface="+mn-cs"/>
+              </a:rPr>
+              <a:t>data progress</a:t>
+            </a:r>
+            <a:endParaRPr lang="en-US" sz="2400" kern="1200" dirty="0" smtClean="0">
+              <a:solidFill>
+                <a:schemeClr val="tx1"/>
+              </a:solidFill>
+              <a:effectLst/>
+              <a:latin typeface="+mn-lt"/>
+              <a:ea typeface="+mn-ea"/>
+              <a:cs typeface="+mn-cs"/>
+            </a:endParaRPr>
           </a:p>
           <a:p>
             <a:pPr lvl="0"/>
@@ -4625,7 +4681,7 @@
           <a:lstStyle/>
           <a:p>
             <a:r>
-              <a:rPr lang="en-US" smtClean="0"/>
+              <a:rPr lang="en-US" dirty="0" smtClean="0"/>
               <a:t>RBL - Boston Python</a:t>
             </a:r>
             <a:endParaRPr lang="en-US" dirty="0"/>
@@ -4773,13 +4829,8 @@
           <a:p>
             <a:r>
               <a:rPr lang="en-US" dirty="0" smtClean="0"/>
-              <a:t>Like print() on </a:t>
-            </a:r>
-            <a:r>
-              <a:rPr lang="en-US" dirty="0" smtClean="0"/>
-              <a:t>steroids</a:t>
-            </a:r>
-            <a:endParaRPr lang="en-US" dirty="0" smtClean="0"/>
+              <a:t>Like print() on steroids</a:t>
+            </a:r>
           </a:p>
           <a:p>
             <a:r>
@@ -4906,11 +4957,7 @@
           <a:p>
             <a:r>
               <a:rPr lang="en-US" dirty="0" smtClean="0"/>
-              <a:t>Ned is </a:t>
-            </a:r>
-            <a:r>
-              <a:rPr lang="en-US" dirty="0" smtClean="0"/>
-              <a:t>Holding His Nose</a:t>
+              <a:t>Ned is Holding His Nose</a:t>
             </a:r>
             <a:endParaRPr lang="en-US" dirty="0"/>
           </a:p>
@@ -5074,29 +5121,8 @@
                 <a:ea typeface="+mn-ea"/>
                 <a:cs typeface="+mn-cs"/>
               </a:rPr>
-              <a:t>First crude Python </a:t>
-            </a:r>
-            <a:r>
-              <a:rPr lang="en-US" sz="3200" kern="1200" dirty="0" smtClean="0">
-                <a:solidFill>
-                  <a:schemeClr val="tx1"/>
-                </a:solidFill>
-                <a:effectLst/>
-                <a:latin typeface="+mn-lt"/>
-                <a:ea typeface="+mn-ea"/>
-                <a:cs typeface="+mn-cs"/>
-              </a:rPr>
-              <a:t>version</a:t>
-            </a:r>
-            <a:endParaRPr lang="en-US" sz="3200" kern="1200" dirty="0" smtClean="0">
-              <a:solidFill>
-                <a:schemeClr val="tx1"/>
-              </a:solidFill>
-              <a:effectLst/>
-              <a:latin typeface="+mn-lt"/>
-              <a:ea typeface="+mn-ea"/>
-              <a:cs typeface="+mn-cs"/>
-            </a:endParaRPr>
+              <a:t>First crude Python version</a:t>
+            </a:r>
           </a:p>
           <a:p>
             <a:pPr lvl="1"/>
@@ -5562,7 +5588,7 @@
                 <a:ea typeface="+mn-ea"/>
                 <a:cs typeface="+mn-cs"/>
               </a:rPr>
-              <a:t>This trace facility written in PDP-11 assembler, C, C++, VB, Perl, Java, and finally Python.</a:t>
+              <a:t>This trace facility written in PDP-11 assembler, C, C++, VB, Perl, Java, and finally Python</a:t>
             </a:r>
           </a:p>
           <a:p>
@@ -5601,7 +5627,7 @@
                 <a:ea typeface="+mn-ea"/>
                 <a:cs typeface="+mn-cs"/>
               </a:rPr>
-              <a:t>a ten-process </a:t>
+              <a:t>a dozen-process </a:t>
             </a:r>
             <a:r>
               <a:rPr lang="en-US" sz="2800" kern="1200" dirty="0" err="1" smtClean="0">
@@ -5625,7 +5651,7 @@
                 <a:ea typeface="+mn-ea"/>
                 <a:cs typeface="+mn-cs"/>
               </a:rPr>
-              <a:t> system.  </a:t>
+              <a:t> system</a:t>
             </a:r>
           </a:p>
           <a:p>
@@ -5800,7 +5826,6 @@
               <a:rPr lang="en-US" dirty="0" smtClean="0"/>
               <a:t>Source location</a:t>
             </a:r>
-            <a:endParaRPr lang="en-US" dirty="0" smtClean="0"/>
           </a:p>
           <a:p>
             <a:r>
@@ -5821,6 +5846,12 @@
           <a:p>
             <a:r>
               <a:rPr lang="en-US" baseline="0" dirty="0" smtClean="0"/>
+              <a:t>Consistent format</a:t>
+            </a:r>
+          </a:p>
+          <a:p>
+            <a:r>
+              <a:rPr lang="en-US" baseline="0" dirty="0" smtClean="0"/>
               <a:t>File or </a:t>
             </a:r>
             <a:r>
@@ -5838,16 +5869,6 @@
             <a:r>
               <a:rPr lang="en-US" baseline="0" dirty="0" smtClean="0"/>
               <a:t> output</a:t>
-            </a:r>
-          </a:p>
-          <a:p>
-            <a:r>
-              <a:rPr lang="en-US" baseline="0" dirty="0" smtClean="0"/>
-              <a:t>Consistent </a:t>
-            </a:r>
-            <a:r>
-              <a:rPr lang="en-US" baseline="0" dirty="0" smtClean="0"/>
-              <a:t>format</a:t>
             </a:r>
           </a:p>
         </p:txBody>
@@ -6156,11 +6177,7 @@
             </a:r>
             <a:r>
               <a:rPr lang="en-US" baseline="0" dirty="0" smtClean="0"/>
-              <a:t> without editing </a:t>
-            </a:r>
-            <a:r>
-              <a:rPr lang="en-US" baseline="0" dirty="0" smtClean="0"/>
-              <a:t>code</a:t>
+              <a:t> without editing code</a:t>
             </a:r>
           </a:p>
           <a:p>
@@ -6168,12 +6185,11 @@
               <a:rPr lang="en-US" baseline="0" dirty="0" smtClean="0"/>
               <a:t>Change output location</a:t>
             </a:r>
-            <a:endParaRPr lang="en-US" baseline="0" dirty="0" smtClean="0"/>
           </a:p>
           <a:p>
             <a:r>
               <a:rPr lang="en-US" baseline="0" dirty="0" smtClean="0"/>
-              <a:t>Filter priority, location, activity</a:t>
+              <a:t>Filter by priority, location, activity</a:t>
             </a:r>
           </a:p>
         </p:txBody>
@@ -7019,7 +7035,31 @@
                 <a:ea typeface="+mn-ea"/>
                 <a:cs typeface="+mn-cs"/>
               </a:rPr>
-              <a:t> e.g., function entry and exit, details inside complex logic, details in loops</a:t>
+              <a:t> e.g., function entry and exit, details inside complex logic, </a:t>
+            </a:r>
+            <a:r>
+              <a:rPr lang="en-US" sz="2800" kern="1200" smtClean="0">
+                <a:solidFill>
+                  <a:schemeClr val="tx1"/>
+                </a:solidFill>
+                <a:effectLst/>
+                <a:latin typeface="+mn-lt"/>
+                <a:ea typeface="+mn-ea"/>
+                <a:cs typeface="+mn-cs"/>
+              </a:rPr>
+              <a:t>details inside </a:t>
+            </a:r>
+            <a:r>
+              <a:rPr lang="en-US" sz="2800" kern="1200" dirty="0" smtClean="0">
+                <a:solidFill>
+                  <a:schemeClr val="tx1"/>
+                </a:solidFill>
+                <a:effectLst/>
+                <a:latin typeface="+mn-lt"/>
+                <a:ea typeface="+mn-ea"/>
+                <a:cs typeface="+mn-cs"/>
+              </a:rPr>
+              <a:t>loops</a:t>
             </a:r>
           </a:p>
           <a:p>
@@ -7795,29 +7835,8 @@
                 <a:ea typeface="+mn-ea"/>
                 <a:cs typeface="+mn-cs"/>
               </a:rPr>
-              <a:t>Just tell the customer to add a couple environment variables and restart the </a:t>
-            </a:r>
-            <a:r>
-              <a:rPr lang="en-US" sz="2800" kern="1200" dirty="0" smtClean="0">
-                <a:solidFill>
-                  <a:schemeClr val="tx1"/>
-                </a:solidFill>
-                <a:effectLst/>
-                <a:latin typeface="+mn-lt"/>
-                <a:ea typeface="+mn-ea"/>
-                <a:cs typeface="+mn-cs"/>
-              </a:rPr>
-              <a:t>application</a:t>
-            </a:r>
-            <a:endParaRPr lang="en-US" sz="2800" kern="1200" dirty="0" smtClean="0">
-              <a:solidFill>
-                <a:schemeClr val="tx1"/>
-              </a:solidFill>
-              <a:effectLst/>
-              <a:latin typeface="+mn-lt"/>
-              <a:ea typeface="+mn-ea"/>
-              <a:cs typeface="+mn-cs"/>
-            </a:endParaRPr>
+              <a:t>Just tell the customer to add a couple environment variables and restart the application</a:t>
+            </a:r>
           </a:p>
           <a:p>
             <a:pPr lvl="2"/>
@@ -7831,29 +7850,8 @@
                 <a:ea typeface="+mn-ea"/>
                 <a:cs typeface="+mn-cs"/>
               </a:rPr>
-              <a:t>Yes, we actually did </a:t>
-            </a:r>
-            <a:r>
-              <a:rPr lang="en-US" sz="2400" kern="1200" dirty="0" smtClean="0">
-                <a:solidFill>
-                  <a:schemeClr val="tx1"/>
-                </a:solidFill>
-                <a:effectLst/>
-                <a:latin typeface="+mn-lt"/>
-                <a:ea typeface="+mn-ea"/>
-                <a:cs typeface="+mn-cs"/>
-              </a:rPr>
-              <a:t>that</a:t>
-            </a:r>
-            <a:endParaRPr lang="en-US" sz="2400" kern="1200" dirty="0" smtClean="0">
-              <a:solidFill>
-                <a:schemeClr val="tx1"/>
-              </a:solidFill>
-              <a:effectLst/>
-              <a:latin typeface="+mn-lt"/>
-              <a:ea typeface="+mn-ea"/>
-              <a:cs typeface="+mn-cs"/>
-            </a:endParaRPr>
+              <a:t>Yes, we actually did that</a:t>
+            </a:r>
           </a:p>
           <a:p>
             <a:pPr lvl="0"/>
@@ -8948,8 +8946,21 @@
                 <a:ea typeface="+mn-ea"/>
                 <a:cs typeface="+mn-cs"/>
               </a:rPr>
-              <a:t> eliminates most of it</a:t>
-            </a:r>
+              <a:t> eliminates most of </a:t>
+            </a:r>
+            <a:r>
+              <a:rPr lang="en-US" dirty="0" smtClean="0"/>
+              <a:t>the code</a:t>
+            </a:r>
+            <a:endParaRPr lang="en-US" sz="2800" kern="1200" dirty="0" smtClean="0">
+              <a:solidFill>
+                <a:schemeClr val="tx1"/>
+              </a:solidFill>
+              <a:effectLst/>
+              <a:latin typeface="+mn-lt"/>
+              <a:ea typeface="+mn-ea"/>
+              <a:cs typeface="+mn-cs"/>
+            </a:endParaRPr>
           </a:p>
           <a:p>
             <a:pPr lvl="1"/>
@@ -8975,8 +8986,52 @@
                 <a:ea typeface="+mn-ea"/>
                 <a:cs typeface="+mn-cs"/>
               </a:rPr>
-              <a:t> if you change production on/off</a:t>
-            </a:r>
+              <a:t> if you change production </a:t>
+            </a:r>
+            <a:r>
+              <a:rPr lang="en-US" sz="2800" kern="1200" baseline="0" dirty="0" smtClean="0">
+                <a:solidFill>
+                  <a:schemeClr val="tx1"/>
+                </a:solidFill>
+                <a:effectLst/>
+                <a:latin typeface="+mn-lt"/>
+                <a:ea typeface="+mn-ea"/>
+                <a:cs typeface="+mn-cs"/>
+              </a:rPr>
+              <a:t>on/off</a:t>
+            </a:r>
+            <a:endParaRPr lang="en-US" dirty="0"/>
+          </a:p>
+          <a:p>
+            <a:pPr lvl="1"/>
+            <a:endParaRPr lang="en-US" sz="2800" kern="1200" baseline="0" dirty="0" smtClean="0">
+              <a:solidFill>
+                <a:schemeClr val="tx1"/>
+              </a:solidFill>
+              <a:effectLst/>
+              <a:latin typeface="+mn-lt"/>
+              <a:ea typeface="+mn-ea"/>
+              <a:cs typeface="+mn-cs"/>
+            </a:endParaRPr>
+          </a:p>
+          <a:p>
+            <a:endParaRPr lang="en-US" sz="2800" dirty="0"/>
+          </a:p>
+          <a:p>
+            <a:r>
+              <a:rPr lang="en-US" sz="2400" dirty="0" smtClean="0">
+                <a:solidFill>
+                  <a:srgbClr val="00B050"/>
+                </a:solidFill>
+              </a:rPr>
+              <a:t>&lt;code: if production mode&gt;</a:t>
+            </a:r>
+            <a:endParaRPr lang="en-US" sz="2400" kern="1200" baseline="0" dirty="0" smtClean="0">
+              <a:solidFill>
+                <a:srgbClr val="00B050"/>
+              </a:solidFill>
+              <a:effectLst/>
+            </a:endParaRPr>
           </a:p>
         </p:txBody>
       </p:sp>
@@ -9148,8 +9203,28 @@
             <a:pPr lvl="0"/>
             <a:r>
               <a:rPr lang="en-US" baseline="0" dirty="0" smtClean="0"/>
-              <a:t>Singleton instance of the class</a:t>
-            </a:r>
+              <a:t>Singleton instance of the </a:t>
+            </a:r>
+            <a:r>
+              <a:rPr lang="en-US" baseline="0" dirty="0" smtClean="0"/>
+              <a:t>class</a:t>
+            </a:r>
+          </a:p>
+          <a:p>
+            <a:pPr lvl="1"/>
+            <a:r>
+              <a:rPr lang="en-US" dirty="0" smtClean="0"/>
+              <a:t>Read run </a:t>
+            </a:r>
+            <a:r>
+              <a:rPr lang="en-US" dirty="0" err="1" smtClean="0"/>
+              <a:t>params</a:t>
+            </a:r>
+            <a:r>
+              <a:rPr lang="en-US" dirty="0" smtClean="0"/>
+              <a:t> only once, at startup</a:t>
+            </a:r>
+            <a:endParaRPr lang="en-US" baseline="0" dirty="0" smtClean="0"/>
           </a:p>
           <a:p>
             <a:pPr lvl="0"/>
@@ -9969,11 +10044,7 @@
             <a:pPr lvl="1"/>
             <a:r>
               <a:rPr lang="en-US" dirty="0" smtClean="0"/>
-              <a:t>On priority, facility </a:t>
-            </a:r>
-            <a:r>
-              <a:rPr lang="en-US" dirty="0" smtClean="0"/>
-              <a:t>name</a:t>
+              <a:t>On priority, facility name</a:t>
             </a:r>
           </a:p>
           <a:p>
@@ -10122,11 +10193,7 @@
             </a:r>
             <a:r>
               <a:rPr lang="en-US" baseline="0" dirty="0" smtClean="0"/>
-              <a:t> for Regression </a:t>
-            </a:r>
-            <a:r>
-              <a:rPr lang="en-US" baseline="0" dirty="0" smtClean="0"/>
-              <a:t>Testing</a:t>
+              <a:t> for Regression Testing</a:t>
             </a:r>
             <a:endParaRPr lang="en-US" dirty="0"/>
           </a:p>
@@ -10203,15 +10270,6 @@
               </a:rPr>
               <a:t>Possible with trace logs in some cases</a:t>
             </a:r>
-            <a:endParaRPr lang="en-US" sz="3200" kern="1200" dirty="0" smtClean="0">
-              <a:solidFill>
-                <a:schemeClr val="tx1"/>
-              </a:solidFill>
-              <a:effectLst/>
-              <a:latin typeface="+mn-lt"/>
-              <a:ea typeface="+mn-ea"/>
-              <a:cs typeface="+mn-cs"/>
-            </a:endParaRPr>
           </a:p>
         </p:txBody>
       </p:sp>
@@ -10530,19 +10588,7 @@
           <a:p>
             <a:r>
               <a:rPr lang="en-US" dirty="0" smtClean="0"/>
-              <a:t>github.com/</a:t>
-            </a:r>
-            <a:r>
-              <a:rPr lang="en-US" dirty="0" err="1" smtClean="0"/>
-              <a:t>rblandau</a:t>
-            </a:r>
-            <a:r>
-              <a:rPr lang="en-US" dirty="0" smtClean="0"/>
-              <a:t>/</a:t>
-            </a:r>
-            <a:r>
-              <a:rPr lang="en-US" dirty="0" err="1" smtClean="0"/>
-              <a:t>NewTrace</a:t>
+              <a:t>www.github.com/rblandau/NewTrace</a:t>
             </a:r>
             <a:endParaRPr lang="en-US" dirty="0" smtClean="0"/>
           </a:p>
@@ -11329,8 +11375,11 @@
                 <a:ea typeface="+mn-ea"/>
                 <a:cs typeface="+mn-cs"/>
               </a:rPr>
-              <a:t>0 </a:t>
-            </a:r>
+              <a:t>0 major classes but 10-50,000 instances of some classes</a:t>
+            </a:r>
+          </a:p>
+          <a:p>
+            <a:pPr lvl="0"/>
             <a:r>
               <a:rPr lang="en-US" sz="3200" kern="1200" dirty="0" smtClean="0">
                 <a:solidFill>
@@ -11341,21 +11390,6 @@
                 <a:ea typeface="+mn-ea"/>
                 <a:cs typeface="+mn-cs"/>
               </a:rPr>
-              <a:t>major classes but 10-50,000 instances of some classes</a:t>
-            </a:r>
-          </a:p>
-          <a:p>
-            <a:pPr lvl="0"/>
-            <a:r>
-              <a:rPr lang="en-US" sz="3200" kern="1200" dirty="0" smtClean="0">
-                <a:solidFill>
-                  <a:schemeClr val="tx1"/>
-                </a:solidFill>
-                <a:effectLst/>
-                <a:latin typeface="+mn-lt"/>
-                <a:ea typeface="+mn-ea"/>
-                <a:cs typeface="+mn-cs"/>
-              </a:rPr>
               <a:t>(The debug</a:t>
             </a:r>
             <a:r>
@@ -11368,31 +11402,7 @@
                 <a:ea typeface="+mn-ea"/>
                 <a:cs typeface="+mn-cs"/>
               </a:rPr>
-              <a:t> package here </a:t>
-            </a:r>
-            <a:r>
-              <a:rPr lang="en-US" sz="3200" kern="1200" baseline="0" dirty="0" smtClean="0">
-                <a:solidFill>
-                  <a:schemeClr val="tx1"/>
-                </a:solidFill>
-                <a:effectLst/>
-                <a:latin typeface="+mn-lt"/>
-                <a:ea typeface="+mn-ea"/>
-                <a:cs typeface="+mn-cs"/>
-              </a:rPr>
-              <a:t>displays IDs, instance names</a:t>
-            </a:r>
-            <a:r>
-              <a:rPr lang="en-US" sz="3200" kern="1200" baseline="0" dirty="0" smtClean="0">
-                <a:solidFill>
-                  <a:schemeClr val="tx1"/>
-                </a:solidFill>
-                <a:effectLst/>
-                <a:latin typeface="+mn-lt"/>
-                <a:ea typeface="+mn-ea"/>
-                <a:cs typeface="+mn-cs"/>
-              </a:rPr>
-              <a:t>)</a:t>
+              <a:t> package here displays IDs, instance names)</a:t>
             </a:r>
             <a:endParaRPr lang="en-US" sz="3200" kern="1200" dirty="0" smtClean="0">
               <a:solidFill>

--- a/docs/OfflineDebugging/A Dinosaur and a Python 02.pptx
+++ b/docs/OfflineDebugging/A Dinosaur and a Python 02.pptx
@@ -5,44 +5,48 @@
     <p:sldMasterId id="2147483648" r:id="rId1"/>
   </p:sldMasterIdLst>
   <p:notesMasterIdLst>
-    <p:notesMasterId r:id="rId37"/>
+    <p:notesMasterId r:id="rId41"/>
   </p:notesMasterIdLst>
   <p:sldIdLst>
     <p:sldId id="256" r:id="rId2"/>
     <p:sldId id="257" r:id="rId3"/>
     <p:sldId id="258" r:id="rId4"/>
-    <p:sldId id="260" r:id="rId5"/>
-    <p:sldId id="298" r:id="rId6"/>
-    <p:sldId id="263" r:id="rId7"/>
-    <p:sldId id="264" r:id="rId8"/>
-    <p:sldId id="294" r:id="rId9"/>
-    <p:sldId id="293" r:id="rId10"/>
-    <p:sldId id="265" r:id="rId11"/>
-    <p:sldId id="296" r:id="rId12"/>
-    <p:sldId id="295" r:id="rId13"/>
-    <p:sldId id="297" r:id="rId14"/>
-    <p:sldId id="261" r:id="rId15"/>
-    <p:sldId id="292" r:id="rId16"/>
-    <p:sldId id="271" r:id="rId17"/>
-    <p:sldId id="317" r:id="rId18"/>
-    <p:sldId id="318" r:id="rId19"/>
-    <p:sldId id="319" r:id="rId20"/>
-    <p:sldId id="272" r:id="rId21"/>
-    <p:sldId id="300" r:id="rId22"/>
-    <p:sldId id="302" r:id="rId23"/>
-    <p:sldId id="274" r:id="rId24"/>
-    <p:sldId id="301" r:id="rId25"/>
-    <p:sldId id="275" r:id="rId26"/>
-    <p:sldId id="291" r:id="rId27"/>
-    <p:sldId id="331" r:id="rId28"/>
-    <p:sldId id="277" r:id="rId29"/>
-    <p:sldId id="321" r:id="rId30"/>
-    <p:sldId id="322" r:id="rId31"/>
-    <p:sldId id="330" r:id="rId32"/>
-    <p:sldId id="324" r:id="rId33"/>
-    <p:sldId id="279" r:id="rId34"/>
-    <p:sldId id="276" r:id="rId35"/>
-    <p:sldId id="286" r:id="rId36"/>
+    <p:sldId id="264" r:id="rId5"/>
+    <p:sldId id="294" r:id="rId6"/>
+    <p:sldId id="293" r:id="rId7"/>
+    <p:sldId id="265" r:id="rId8"/>
+    <p:sldId id="296" r:id="rId9"/>
+    <p:sldId id="295" r:id="rId10"/>
+    <p:sldId id="297" r:id="rId11"/>
+    <p:sldId id="261" r:id="rId12"/>
+    <p:sldId id="292" r:id="rId13"/>
+    <p:sldId id="271" r:id="rId14"/>
+    <p:sldId id="317" r:id="rId15"/>
+    <p:sldId id="318" r:id="rId16"/>
+    <p:sldId id="319" r:id="rId17"/>
+    <p:sldId id="272" r:id="rId18"/>
+    <p:sldId id="300" r:id="rId19"/>
+    <p:sldId id="302" r:id="rId20"/>
+    <p:sldId id="274" r:id="rId21"/>
+    <p:sldId id="301" r:id="rId22"/>
+    <p:sldId id="275" r:id="rId23"/>
+    <p:sldId id="291" r:id="rId24"/>
+    <p:sldId id="331" r:id="rId25"/>
+    <p:sldId id="277" r:id="rId26"/>
+    <p:sldId id="321" r:id="rId27"/>
+    <p:sldId id="332" r:id="rId28"/>
+    <p:sldId id="322" r:id="rId29"/>
+    <p:sldId id="330" r:id="rId30"/>
+    <p:sldId id="324" r:id="rId31"/>
+    <p:sldId id="333" r:id="rId32"/>
+    <p:sldId id="334" r:id="rId33"/>
+    <p:sldId id="335" r:id="rId34"/>
+    <p:sldId id="279" r:id="rId35"/>
+    <p:sldId id="276" r:id="rId36"/>
+    <p:sldId id="260" r:id="rId37"/>
+    <p:sldId id="298" r:id="rId38"/>
+    <p:sldId id="263" r:id="rId39"/>
+    <p:sldId id="286" r:id="rId40"/>
   </p:sldIdLst>
   <p:sldSz cx="9144000" cy="6858000" type="screen4x3"/>
   <p:notesSz cx="6858000" cy="9144000"/>
@@ -226,7 +230,7 @@
           <a:p>
             <a:fld id="{34DABC08-5500-4080-81A3-D11EBECCC5B6}" type="datetimeFigureOut">
               <a:rPr lang="en-US" smtClean="0"/>
-              <a:t>2021-01-20</a:t>
+              <a:t>2021-01-25</a:t>
             </a:fld>
             <a:endParaRPr lang="en-US"/>
           </a:p>
@@ -643,7 +647,91 @@
           <a:p>
             <a:fld id="{E3C747D4-569D-4A36-9900-76CDCE968818}" type="slidenum">
               <a:rPr lang="en-US" smtClean="0"/>
-              <a:t>27</a:t>
+              <a:t>8</a:t>
+            </a:fld>
+            <a:endParaRPr lang="en-US"/>
+          </a:p>
+        </p:txBody>
+      </p:sp>
+    </p:spTree>
+    <p:extLst>
+      <p:ext uri="{BB962C8B-B14F-4D97-AF65-F5344CB8AC3E}">
+        <p14:creationId xmlns:p14="http://schemas.microsoft.com/office/powerpoint/2010/main" val="1910353135"/>
+      </p:ext>
+    </p:extLst>
+  </p:cSld>
+  <p:clrMapOvr>
+    <a:masterClrMapping/>
+  </p:clrMapOvr>
+</p:notes>
+</file>
+
+<file path=ppt/notesSlides/notesSlide3.xml><?xml version="1.0" encoding="utf-8"?>
+<p:notes xmlns:a="http://schemas.openxmlformats.org/drawingml/2006/main" xmlns:r="http://schemas.openxmlformats.org/officeDocument/2006/relationships" xmlns:p="http://schemas.openxmlformats.org/presentationml/2006/main">
+  <p:cSld>
+    <p:spTree>
+      <p:nvGrpSpPr>
+        <p:cNvPr id="1" name=""/>
+        <p:cNvGrpSpPr/>
+        <p:nvPr/>
+      </p:nvGrpSpPr>
+      <p:grpSpPr>
+        <a:xfrm>
+          <a:off x="0" y="0"/>
+          <a:ext cx="0" cy="0"/>
+          <a:chOff x="0" y="0"/>
+          <a:chExt cx="0" cy="0"/>
+        </a:xfrm>
+      </p:grpSpPr>
+      <p:sp>
+        <p:nvSpPr>
+          <p:cNvPr id="2" name="Slide Image Placeholder 1"/>
+          <p:cNvSpPr>
+            <a:spLocks noGrp="1" noRot="1" noChangeAspect="1"/>
+          </p:cNvSpPr>
+          <p:nvPr>
+            <p:ph type="sldImg"/>
+          </p:nvPr>
+        </p:nvSpPr>
+        <p:spPr/>
+      </p:sp>
+      <p:sp>
+        <p:nvSpPr>
+          <p:cNvPr id="3" name="Notes Placeholder 2"/>
+          <p:cNvSpPr>
+            <a:spLocks noGrp="1"/>
+          </p:cNvSpPr>
+          <p:nvPr>
+            <p:ph type="body" idx="1"/>
+          </p:nvPr>
+        </p:nvSpPr>
+        <p:spPr/>
+        <p:txBody>
+          <a:bodyPr/>
+          <a:lstStyle/>
+          <a:p>
+            <a:endParaRPr lang="en-US" dirty="0"/>
+          </a:p>
+        </p:txBody>
+      </p:sp>
+      <p:sp>
+        <p:nvSpPr>
+          <p:cNvPr id="4" name="Slide Number Placeholder 3"/>
+          <p:cNvSpPr>
+            <a:spLocks noGrp="1"/>
+          </p:cNvSpPr>
+          <p:nvPr>
+            <p:ph type="sldNum" sz="quarter" idx="10"/>
+          </p:nvPr>
+        </p:nvSpPr>
+        <p:spPr/>
+        <p:txBody>
+          <a:bodyPr/>
+          <a:lstStyle/>
+          <a:p>
+            <a:fld id="{E3C747D4-569D-4A36-9900-76CDCE968818}" type="slidenum">
+              <a:rPr lang="en-US" smtClean="0"/>
+              <a:t>24</a:t>
             </a:fld>
             <a:endParaRPr lang="en-US"/>
           </a:p>
@@ -653,6 +741,90 @@
     <p:extLst>
       <p:ext uri="{BB962C8B-B14F-4D97-AF65-F5344CB8AC3E}">
         <p14:creationId xmlns:p14="http://schemas.microsoft.com/office/powerpoint/2010/main" val="2081727689"/>
+      </p:ext>
+    </p:extLst>
+  </p:cSld>
+  <p:clrMapOvr>
+    <a:masterClrMapping/>
+  </p:clrMapOvr>
+</p:notes>
+</file>
+
+<file path=ppt/notesSlides/notesSlide4.xml><?xml version="1.0" encoding="utf-8"?>
+<p:notes xmlns:a="http://schemas.openxmlformats.org/drawingml/2006/main" xmlns:r="http://schemas.openxmlformats.org/officeDocument/2006/relationships" xmlns:p="http://schemas.openxmlformats.org/presentationml/2006/main">
+  <p:cSld>
+    <p:spTree>
+      <p:nvGrpSpPr>
+        <p:cNvPr id="1" name=""/>
+        <p:cNvGrpSpPr/>
+        <p:nvPr/>
+      </p:nvGrpSpPr>
+      <p:grpSpPr>
+        <a:xfrm>
+          <a:off x="0" y="0"/>
+          <a:ext cx="0" cy="0"/>
+          <a:chOff x="0" y="0"/>
+          <a:chExt cx="0" cy="0"/>
+        </a:xfrm>
+      </p:grpSpPr>
+      <p:sp>
+        <p:nvSpPr>
+          <p:cNvPr id="2" name="Slide Image Placeholder 1"/>
+          <p:cNvSpPr>
+            <a:spLocks noGrp="1" noRot="1" noChangeAspect="1"/>
+          </p:cNvSpPr>
+          <p:nvPr>
+            <p:ph type="sldImg"/>
+          </p:nvPr>
+        </p:nvSpPr>
+        <p:spPr/>
+      </p:sp>
+      <p:sp>
+        <p:nvSpPr>
+          <p:cNvPr id="3" name="Notes Placeholder 2"/>
+          <p:cNvSpPr>
+            <a:spLocks noGrp="1"/>
+          </p:cNvSpPr>
+          <p:nvPr>
+            <p:ph type="body" idx="1"/>
+          </p:nvPr>
+        </p:nvSpPr>
+        <p:spPr/>
+        <p:txBody>
+          <a:bodyPr/>
+          <a:lstStyle/>
+          <a:p>
+            <a:endParaRPr lang="en-US" dirty="0"/>
+          </a:p>
+        </p:txBody>
+      </p:sp>
+      <p:sp>
+        <p:nvSpPr>
+          <p:cNvPr id="4" name="Slide Number Placeholder 3"/>
+          <p:cNvSpPr>
+            <a:spLocks noGrp="1"/>
+          </p:cNvSpPr>
+          <p:nvPr>
+            <p:ph type="sldNum" sz="quarter" idx="10"/>
+          </p:nvPr>
+        </p:nvSpPr>
+        <p:spPr/>
+        <p:txBody>
+          <a:bodyPr/>
+          <a:lstStyle/>
+          <a:p>
+            <a:fld id="{E3C747D4-569D-4A36-9900-76CDCE968818}" type="slidenum">
+              <a:rPr lang="en-US" smtClean="0"/>
+              <a:t>25</a:t>
+            </a:fld>
+            <a:endParaRPr lang="en-US"/>
+          </a:p>
+        </p:txBody>
+      </p:sp>
+    </p:spTree>
+    <p:extLst>
+      <p:ext uri="{BB962C8B-B14F-4D97-AF65-F5344CB8AC3E}">
+        <p14:creationId xmlns:p14="http://schemas.microsoft.com/office/powerpoint/2010/main" val="2824208565"/>
       </p:ext>
     </p:extLst>
   </p:cSld>
@@ -4057,21 +4229,12 @@
         </p:nvSpPr>
         <p:spPr/>
         <p:txBody>
-          <a:bodyPr>
-            <a:normAutofit fontScale="90000"/>
-          </a:bodyPr>
+          <a:bodyPr/>
           <a:lstStyle/>
           <a:p>
             <a:r>
               <a:rPr lang="en-US" dirty="0" smtClean="0"/>
-              <a:t>Interactive Debugging </a:t>
-            </a:r>
-            <a:br>
-              <a:rPr lang="en-US" dirty="0" smtClean="0"/>
-            </a:br>
-            <a:r>
-              <a:rPr lang="en-US" dirty="0" smtClean="0"/>
-              <a:t>Might Not be Simple</a:t>
+              <a:t>A Modest Example Here</a:t>
             </a:r>
             <a:endParaRPr lang="en-US" dirty="0"/>
           </a:p>
@@ -4089,13 +4252,23 @@
         </p:nvSpPr>
         <p:spPr/>
         <p:txBody>
-          <a:bodyPr>
-            <a:normAutofit/>
-          </a:bodyPr>
+          <a:bodyPr/>
           <a:lstStyle/>
           <a:p>
             <a:pPr lvl="0"/>
             <a:r>
+              <a:rPr lang="en-US" sz="3200" kern="1200" dirty="0" err="1" smtClean="0">
+                <a:solidFill>
+                  <a:schemeClr val="tx1"/>
+                </a:solidFill>
+                <a:effectLst/>
+                <a:latin typeface="+mn-lt"/>
+                <a:ea typeface="+mn-ea"/>
+                <a:cs typeface="+mn-cs"/>
+              </a:rPr>
+              <a:t>NewTrace</a:t>
+            </a:r>
+            <a:r>
               <a:rPr lang="en-US" sz="3200" kern="1200" dirty="0" smtClean="0">
                 <a:solidFill>
                   <a:schemeClr val="tx1"/>
@@ -4105,19 +4278,19 @@
                 <a:ea typeface="+mn-ea"/>
                 <a:cs typeface="+mn-cs"/>
               </a:rPr>
-              <a:t>Interactive debugging might not be eas</a:t>
-            </a:r>
-            <a:r>
-              <a:rPr lang="en-US" sz="3200" kern="1200" baseline="0" dirty="0" smtClean="0">
-                <a:solidFill>
-                  <a:schemeClr val="tx1"/>
-                </a:solidFill>
-                <a:effectLst/>
-                <a:latin typeface="+mn-lt"/>
-                <a:ea typeface="+mn-ea"/>
-                <a:cs typeface="+mn-cs"/>
-              </a:rPr>
-              <a:t>y to use</a:t>
+              <a:t> area on github.com/</a:t>
+            </a:r>
+            <a:r>
+              <a:rPr lang="en-US" sz="3200" kern="1200" dirty="0" err="1" smtClean="0">
+                <a:solidFill>
+                  <a:schemeClr val="tx1"/>
+                </a:solidFill>
+                <a:effectLst/>
+                <a:latin typeface="+mn-lt"/>
+                <a:ea typeface="+mn-ea"/>
+                <a:cs typeface="+mn-cs"/>
+              </a:rPr>
+              <a:t>rblandau</a:t>
             </a:r>
             <a:endParaRPr lang="en-US" sz="3200" kern="1200" dirty="0" smtClean="0">
               <a:solidFill>
@@ -4130,76 +4303,17 @@
             </a:endParaRPr>
           </a:p>
           <a:p>
-            <a:pPr lvl="1"/>
-            <a:r>
-              <a:rPr lang="en-US" sz="2800" kern="1200" dirty="0" smtClean="0">
-                <a:solidFill>
-                  <a:schemeClr val="tx1"/>
-                </a:solidFill>
-                <a:effectLst/>
-                <a:latin typeface="+mn-lt"/>
-                <a:ea typeface="+mn-ea"/>
-                <a:cs typeface="+mn-cs"/>
-              </a:rPr>
-              <a:t>Lengthy</a:t>
-            </a:r>
-            <a:r>
-              <a:rPr lang="en-US" sz="2800" kern="1200" baseline="0" dirty="0" smtClean="0">
-                <a:solidFill>
-                  <a:schemeClr val="tx1"/>
-                </a:solidFill>
-                <a:effectLst/>
-                <a:latin typeface="+mn-lt"/>
-                <a:ea typeface="+mn-ea"/>
-                <a:cs typeface="+mn-cs"/>
-              </a:rPr>
-              <a:t> or complex setup</a:t>
-            </a:r>
-          </a:p>
-          <a:p>
-            <a:pPr lvl="2"/>
-            <a:r>
-              <a:rPr lang="en-US" sz="2400" kern="1200" baseline="0" dirty="0" smtClean="0">
-                <a:solidFill>
-                  <a:schemeClr val="tx1"/>
-                </a:solidFill>
-                <a:effectLst/>
-                <a:latin typeface="+mn-lt"/>
-                <a:ea typeface="+mn-ea"/>
-                <a:cs typeface="+mn-cs"/>
-              </a:rPr>
-              <a:t>Requires more patience than I have</a:t>
-            </a:r>
-          </a:p>
-          <a:p>
-            <a:pPr lvl="1"/>
-            <a:r>
-              <a:rPr lang="en-US" sz="2800" kern="1200" baseline="0" dirty="0" smtClean="0">
-                <a:solidFill>
-                  <a:schemeClr val="tx1"/>
-                </a:solidFill>
-                <a:effectLst/>
-                <a:latin typeface="+mn-lt"/>
-                <a:ea typeface="+mn-ea"/>
-                <a:cs typeface="+mn-cs"/>
-              </a:rPr>
-              <a:t>Detached process with no UI access</a:t>
-            </a:r>
-          </a:p>
-          <a:p>
-            <a:pPr lvl="1"/>
-            <a:r>
-              <a:rPr lang="en-US" sz="2800" kern="1200" dirty="0" smtClean="0">
-                <a:solidFill>
-                  <a:schemeClr val="tx1"/>
-                </a:solidFill>
-                <a:effectLst/>
-                <a:latin typeface="+mn-lt"/>
-                <a:ea typeface="+mn-ea"/>
-                <a:cs typeface="+mn-cs"/>
-              </a:rPr>
-              <a:t>Part of a web service</a:t>
-            </a:r>
+            <a:r>
+              <a:rPr lang="en-US" dirty="0" smtClean="0"/>
+              <a:t>Like print() on steroids</a:t>
+            </a:r>
+          </a:p>
+          <a:p>
+            <a:r>
+              <a:rPr lang="en-US" dirty="0" smtClean="0"/>
+              <a:t>Plus other features from experience</a:t>
+            </a:r>
+            <a:endParaRPr lang="en-US" dirty="0"/>
           </a:p>
         </p:txBody>
       </p:sp>
@@ -4275,7 +4389,7 @@
     </p:spTree>
     <p:extLst>
       <p:ext uri="{BB962C8B-B14F-4D97-AF65-F5344CB8AC3E}">
-        <p14:creationId xmlns:p14="http://schemas.microsoft.com/office/powerpoint/2010/main" val="1243722376"/>
+        <p14:creationId xmlns:p14="http://schemas.microsoft.com/office/powerpoint/2010/main" val="3050817168"/>
       </p:ext>
     </p:extLst>
   </p:cSld>
@@ -4319,7 +4433,7 @@
           <a:p>
             <a:r>
               <a:rPr lang="en-US" dirty="0" smtClean="0"/>
-              <a:t>Python trace Module?</a:t>
+              <a:t>Ned is Holding His Nose</a:t>
             </a:r>
             <a:endParaRPr lang="en-US" dirty="0"/>
           </a:p>
@@ -4337,7 +4451,9 @@
         </p:nvSpPr>
         <p:spPr/>
         <p:txBody>
-          <a:bodyPr/>
+          <a:bodyPr>
+            <a:normAutofit/>
+          </a:bodyPr>
           <a:lstStyle/>
           <a:p>
             <a:pPr lvl="0"/>
@@ -4351,7 +4467,62 @@
                 <a:ea typeface="+mn-ea"/>
                 <a:cs typeface="+mn-cs"/>
               </a:rPr>
-              <a:t>The standard Python trace module doesn't fit my needs</a:t>
+              <a:t>He saw my crude 2007-8 Python code</a:t>
+            </a:r>
+          </a:p>
+          <a:p>
+            <a:pPr lvl="0"/>
+            <a:r>
+              <a:rPr lang="en-US" sz="3200" kern="1200" dirty="0" smtClean="0">
+                <a:solidFill>
+                  <a:schemeClr val="tx1"/>
+                </a:solidFill>
+                <a:effectLst/>
+                <a:latin typeface="+mn-lt"/>
+                <a:ea typeface="+mn-ea"/>
+                <a:cs typeface="+mn-cs"/>
+              </a:rPr>
+              <a:t>Back then I was writing </a:t>
+            </a:r>
+            <a:r>
+              <a:rPr lang="en-US" dirty="0"/>
+              <a:t>"</a:t>
+            </a:r>
+            <a:r>
+              <a:rPr lang="en-US" sz="3200" kern="1200" dirty="0" smtClean="0">
+                <a:solidFill>
+                  <a:schemeClr val="tx1"/>
+                </a:solidFill>
+                <a:effectLst/>
+                <a:latin typeface="+mn-lt"/>
+                <a:ea typeface="+mn-ea"/>
+                <a:cs typeface="+mn-cs"/>
+              </a:rPr>
+              <a:t>C without</a:t>
+            </a:r>
+            <a:r>
+              <a:rPr lang="en-US" sz="3200" kern="1200" baseline="0" dirty="0" smtClean="0">
+                <a:solidFill>
+                  <a:schemeClr val="tx1"/>
+                </a:solidFill>
+                <a:effectLst/>
+                <a:latin typeface="+mn-lt"/>
+                <a:ea typeface="+mn-ea"/>
+                <a:cs typeface="+mn-cs"/>
+              </a:rPr>
+              <a:t> </a:t>
+            </a:r>
+            <a:r>
+              <a:rPr lang="en-US" sz="3200" kern="1200" dirty="0" smtClean="0">
+                <a:solidFill>
+                  <a:schemeClr val="tx1"/>
+                </a:solidFill>
+                <a:effectLst/>
+                <a:latin typeface="+mn-lt"/>
+                <a:ea typeface="+mn-ea"/>
+                <a:cs typeface="+mn-cs"/>
+              </a:rPr>
+              <a:t>braces"</a:t>
             </a:r>
           </a:p>
           <a:p>
@@ -4366,7 +4537,7 @@
                 <a:ea typeface="+mn-ea"/>
                 <a:cs typeface="+mn-cs"/>
               </a:rPr>
-              <a:t>Tracks</a:t>
+              <a:t>Decades of writing</a:t>
             </a:r>
             <a:r>
               <a:rPr lang="en-US" sz="2800" kern="1200" baseline="0" dirty="0" smtClean="0">
@@ -4390,19 +4561,19 @@
                 <a:ea typeface="+mn-ea"/>
                 <a:cs typeface="+mn-cs"/>
               </a:rPr>
-              <a:t>process, sequence of statements, not data</a:t>
-            </a:r>
-            <a:r>
-              <a:rPr lang="en-US" sz="2800" kern="1200" baseline="0" dirty="0" smtClean="0">
-                <a:solidFill>
-                  <a:schemeClr val="tx1"/>
-                </a:solidFill>
-                <a:effectLst/>
-                <a:latin typeface="+mn-lt"/>
-                <a:ea typeface="+mn-ea"/>
-                <a:cs typeface="+mn-cs"/>
-              </a:rPr>
-              <a:t> </a:t>
+              <a:t>C, C++, Perl, Java, </a:t>
+            </a:r>
+            <a:r>
+              <a:rPr lang="en-US" sz="2800" kern="1200" dirty="0" err="1" smtClean="0">
+                <a:solidFill>
+                  <a:schemeClr val="tx1"/>
+                </a:solidFill>
+                <a:effectLst/>
+                <a:latin typeface="+mn-lt"/>
+                <a:ea typeface="+mn-ea"/>
+                <a:cs typeface="+mn-cs"/>
+              </a:rPr>
+              <a:t>sh</a:t>
             </a:r>
             <a:endParaRPr lang="en-US" sz="2800" kern="1200" dirty="0" smtClean="0">
               <a:solidFill>
@@ -4414,6 +4585,114 @@
               <a:cs typeface="+mn-cs"/>
             </a:endParaRPr>
           </a:p>
+          <a:p>
+            <a:pPr lvl="0"/>
+            <a:r>
+              <a:rPr lang="en-US" sz="3200" kern="1200" dirty="0" smtClean="0">
+                <a:solidFill>
+                  <a:schemeClr val="tx1"/>
+                </a:solidFill>
+                <a:effectLst/>
+                <a:latin typeface="+mn-lt"/>
+                <a:ea typeface="+mn-ea"/>
+                <a:cs typeface="+mn-cs"/>
+              </a:rPr>
+              <a:t>First crude Python version</a:t>
+            </a:r>
+          </a:p>
+          <a:p>
+            <a:pPr lvl="1"/>
+            <a:r>
+              <a:rPr lang="en-US" sz="2800" kern="1200" dirty="0" smtClean="0">
+                <a:solidFill>
+                  <a:schemeClr val="tx1"/>
+                </a:solidFill>
+                <a:effectLst/>
+                <a:latin typeface="+mn-lt"/>
+                <a:ea typeface="+mn-ea"/>
+                <a:cs typeface="+mn-cs"/>
+              </a:rPr>
+              <a:t>Not even decorators</a:t>
+            </a:r>
+          </a:p>
+          <a:p>
+            <a:pPr lvl="1"/>
+            <a:r>
+              <a:rPr lang="en-US" sz="2800" kern="1200" dirty="0" smtClean="0">
+                <a:solidFill>
+                  <a:schemeClr val="tx1"/>
+                </a:solidFill>
+                <a:effectLst/>
+                <a:latin typeface="+mn-lt"/>
+                <a:ea typeface="+mn-ea"/>
+                <a:cs typeface="+mn-cs"/>
+              </a:rPr>
+              <a:t>Calls visible, and clumsy, all over the place</a:t>
+            </a:r>
+          </a:p>
+          <a:p>
+            <a:pPr lvl="0"/>
+            <a:r>
+              <a:rPr lang="en-US" sz="3200" i="1" kern="1200" dirty="0" smtClean="0">
+                <a:solidFill>
+                  <a:schemeClr val="tx1"/>
+                </a:solidFill>
+                <a:effectLst/>
+                <a:latin typeface="+mn-lt"/>
+                <a:ea typeface="+mn-ea"/>
+                <a:cs typeface="+mn-cs"/>
+              </a:rPr>
+              <a:t>Maybe</a:t>
+            </a:r>
+            <a:r>
+              <a:rPr lang="en-US" sz="3200" kern="1200" baseline="0" dirty="0" smtClean="0">
+                <a:solidFill>
+                  <a:schemeClr val="tx1"/>
+                </a:solidFill>
+                <a:effectLst/>
+                <a:latin typeface="+mn-lt"/>
+                <a:ea typeface="+mn-ea"/>
+                <a:cs typeface="+mn-cs"/>
+              </a:rPr>
+              <a:t> I l</a:t>
+            </a:r>
+            <a:r>
+              <a:rPr lang="en-US" sz="3200" kern="1200" dirty="0" smtClean="0">
+                <a:solidFill>
+                  <a:schemeClr val="tx1"/>
+                </a:solidFill>
+                <a:effectLst/>
+                <a:latin typeface="+mn-lt"/>
+                <a:ea typeface="+mn-ea"/>
+                <a:cs typeface="+mn-cs"/>
+              </a:rPr>
+              <a:t>earned a bit in a</a:t>
+            </a:r>
+            <a:r>
+              <a:rPr lang="en-US" sz="3200" kern="1200" baseline="0" dirty="0" smtClean="0">
+                <a:solidFill>
+                  <a:schemeClr val="tx1"/>
+                </a:solidFill>
+                <a:effectLst/>
+                <a:latin typeface="+mn-lt"/>
+                <a:ea typeface="+mn-ea"/>
+                <a:cs typeface="+mn-cs"/>
+              </a:rPr>
+              <a:t> </a:t>
+            </a:r>
+            <a:r>
+              <a:rPr lang="en-US" sz="3200" kern="1200" dirty="0" smtClean="0">
+                <a:solidFill>
+                  <a:schemeClr val="tx1"/>
+                </a:solidFill>
+                <a:effectLst/>
+                <a:latin typeface="+mn-lt"/>
+                <a:ea typeface="+mn-ea"/>
+                <a:cs typeface="+mn-cs"/>
+              </a:rPr>
+              <a:t>dozen years</a:t>
+            </a:r>
+          </a:p>
         </p:txBody>
       </p:sp>
       <p:sp>
@@ -4488,7 +4767,7 @@
     </p:spTree>
     <p:extLst>
       <p:ext uri="{BB962C8B-B14F-4D97-AF65-F5344CB8AC3E}">
-        <p14:creationId xmlns:p14="http://schemas.microsoft.com/office/powerpoint/2010/main" val="3552108553"/>
+        <p14:creationId xmlns:p14="http://schemas.microsoft.com/office/powerpoint/2010/main" val="2787871945"/>
       </p:ext>
     </p:extLst>
   </p:cSld>
@@ -4532,7 +4811,11 @@
           <a:p>
             <a:r>
               <a:rPr lang="en-US" dirty="0" smtClean="0"/>
-              <a:t>Alternative</a:t>
+              <a:t>Just Like</a:t>
+            </a:r>
+            <a:r>
+              <a:rPr lang="en-US" baseline="0" dirty="0" smtClean="0"/>
+              <a:t> the Standard Example</a:t>
             </a:r>
             <a:endParaRPr lang="en-US" dirty="0"/>
           </a:p>
@@ -4555,90 +4838,64 @@
           </a:bodyPr>
           <a:lstStyle/>
           <a:p>
-            <a:pPr lvl="0"/>
-            <a:r>
-              <a:rPr lang="en-US" sz="3200" kern="1200" dirty="0" smtClean="0">
-                <a:solidFill>
-                  <a:schemeClr val="tx1"/>
-                </a:solidFill>
-                <a:effectLst/>
-                <a:latin typeface="+mn-lt"/>
-                <a:ea typeface="+mn-ea"/>
-                <a:cs typeface="+mn-cs"/>
-              </a:rPr>
-              <a:t>Need an adequate method </a:t>
-            </a:r>
             <a:r>
               <a:rPr lang="en-US" dirty="0" smtClean="0"/>
-              <a:t>of watching what a program does/did</a:t>
-            </a:r>
-            <a:endParaRPr lang="en-US" sz="3200" kern="1200" dirty="0" smtClean="0">
+              <a:t>But</a:t>
+            </a:r>
+            <a:r>
+              <a:rPr lang="en-US" baseline="0" dirty="0" smtClean="0"/>
+              <a:t> does a little more</a:t>
+            </a:r>
+          </a:p>
+          <a:p>
+            <a:r>
+              <a:rPr lang="en-US" baseline="0" dirty="0" smtClean="0"/>
+              <a:t>Sample decorator: print function entry and exit, in every textbook</a:t>
+            </a:r>
+          </a:p>
+          <a:p>
+            <a:endParaRPr lang="en-US" dirty="0"/>
+          </a:p>
+          <a:p>
+            <a:r>
+              <a:rPr lang="en-US" sz="2400" baseline="0" dirty="0" smtClean="0">
+                <a:solidFill>
+                  <a:srgbClr val="00B050"/>
+                </a:solidFill>
+              </a:rPr>
+              <a:t>&lt;code: decorator</a:t>
+            </a:r>
+            <a:r>
+              <a:rPr lang="en-US" sz="2400" dirty="0" smtClean="0">
+                <a:solidFill>
+                  <a:srgbClr val="00B050"/>
+                </a:solidFill>
+              </a:rPr>
+              <a:t> example&gt;</a:t>
+            </a:r>
+            <a:endParaRPr lang="en-US" sz="2400" baseline="0" dirty="0" smtClean="0">
               <a:solidFill>
-                <a:schemeClr val="tx1"/>
+                <a:srgbClr val="00B050"/>
               </a:solidFill>
-              <a:effectLst/>
-              <a:latin typeface="+mn-lt"/>
-              <a:ea typeface="+mn-ea"/>
-              <a:cs typeface="+mn-cs"/>
             </a:endParaRPr>
           </a:p>
           <a:p>
-            <a:pPr lvl="1"/>
-            <a:r>
-              <a:rPr lang="en-US" sz="2800" kern="1200" dirty="0" smtClean="0">
-                <a:solidFill>
-                  <a:schemeClr val="tx1"/>
-                </a:solidFill>
-                <a:effectLst/>
-                <a:latin typeface="+mn-lt"/>
-                <a:ea typeface="+mn-ea"/>
-                <a:cs typeface="+mn-cs"/>
-              </a:rPr>
-              <a:t>tracing the code flow and </a:t>
-            </a:r>
-          </a:p>
-          <a:p>
-            <a:pPr lvl="1"/>
+            <a:pPr marL="0" indent="0">
+              <a:buNone/>
+            </a:pPr>
+            <a:endParaRPr lang="en-US" baseline="0" dirty="0" smtClean="0"/>
+          </a:p>
+          <a:p>
+            <a:pPr marL="342900" indent="-342900"/>
             <a:r>
               <a:rPr lang="en-US" dirty="0" smtClean="0"/>
-              <a:t>tracing the </a:t>
-            </a:r>
-            <a:r>
-              <a:rPr lang="en-US" sz="2800" kern="1200" dirty="0" smtClean="0">
-                <a:solidFill>
-                  <a:schemeClr val="tx1"/>
-                </a:solidFill>
-                <a:effectLst/>
-                <a:latin typeface="+mn-lt"/>
-                <a:ea typeface="+mn-ea"/>
-                <a:cs typeface="+mn-cs"/>
-              </a:rPr>
-              <a:t>data progress</a:t>
-            </a:r>
-            <a:endParaRPr lang="en-US" sz="2400" kern="1200" dirty="0" smtClean="0">
-              <a:solidFill>
-                <a:schemeClr val="tx1"/>
-              </a:solidFill>
-              <a:effectLst/>
-              <a:latin typeface="+mn-lt"/>
-              <a:ea typeface="+mn-ea"/>
-              <a:cs typeface="+mn-cs"/>
-            </a:endParaRPr>
-          </a:p>
-          <a:p>
-            <a:pPr lvl="0"/>
-            <a:r>
-              <a:rPr lang="en-US" sz="3200" kern="1200" dirty="0" smtClean="0">
-                <a:solidFill>
-                  <a:schemeClr val="tx1"/>
-                </a:solidFill>
-                <a:effectLst/>
-                <a:latin typeface="+mn-lt"/>
-                <a:ea typeface="+mn-ea"/>
-                <a:cs typeface="+mn-cs"/>
-              </a:rPr>
-              <a:t>I can find a problem in a suitable trace log faster than I can setup breakpoints</a:t>
-            </a:r>
+              <a:t>Very useful,</a:t>
+            </a:r>
+            <a:r>
+              <a:rPr lang="en-US" baseline="0" dirty="0" smtClean="0"/>
+              <a:t> but can be improved</a:t>
+            </a:r>
+            <a:endParaRPr lang="en-US" dirty="0" smtClean="0"/>
           </a:p>
         </p:txBody>
       </p:sp>
@@ -4681,7 +4938,7 @@
           <a:lstStyle/>
           <a:p>
             <a:r>
-              <a:rPr lang="en-US" dirty="0" smtClean="0"/>
+              <a:rPr lang="en-US" smtClean="0"/>
               <a:t>RBL - Boston Python</a:t>
             </a:r>
             <a:endParaRPr lang="en-US" dirty="0"/>
@@ -4714,7 +4971,7 @@
     </p:spTree>
     <p:extLst>
       <p:ext uri="{BB962C8B-B14F-4D97-AF65-F5344CB8AC3E}">
-        <p14:creationId xmlns:p14="http://schemas.microsoft.com/office/powerpoint/2010/main" val="2887981812"/>
+        <p14:creationId xmlns:p14="http://schemas.microsoft.com/office/powerpoint/2010/main" val="2699397898"/>
       </p:ext>
     </p:extLst>
   </p:cSld>
@@ -4758,7 +5015,7 @@
           <a:p>
             <a:r>
               <a:rPr lang="en-US" dirty="0" smtClean="0"/>
-              <a:t>A Modest Example Here</a:t>
+              <a:t>From Experience</a:t>
             </a:r>
             <a:endParaRPr lang="en-US" dirty="0"/>
           </a:p>
@@ -4776,23 +5033,13 @@
         </p:nvSpPr>
         <p:spPr/>
         <p:txBody>
-          <a:bodyPr/>
+          <a:bodyPr>
+            <a:normAutofit/>
+          </a:bodyPr>
           <a:lstStyle/>
           <a:p>
             <a:pPr lvl="0"/>
             <a:r>
-              <a:rPr lang="en-US" sz="3200" kern="1200" dirty="0" err="1" smtClean="0">
-                <a:solidFill>
-                  <a:schemeClr val="tx1"/>
-                </a:solidFill>
-                <a:effectLst/>
-                <a:latin typeface="+mn-lt"/>
-                <a:ea typeface="+mn-ea"/>
-                <a:cs typeface="+mn-cs"/>
-              </a:rPr>
-              <a:t>NewTrace</a:t>
-            </a:r>
-            <a:r>
               <a:rPr lang="en-US" sz="3200" kern="1200" dirty="0" smtClean="0">
                 <a:solidFill>
                   <a:schemeClr val="tx1"/>
@@ -4802,42 +5049,101 @@
                 <a:ea typeface="+mn-ea"/>
                 <a:cs typeface="+mn-cs"/>
               </a:rPr>
-              <a:t> area on github.com/</a:t>
-            </a:r>
-            <a:r>
-              <a:rPr lang="en-US" sz="3200" kern="1200" dirty="0" err="1" smtClean="0">
-                <a:solidFill>
-                  <a:schemeClr val="tx1"/>
-                </a:solidFill>
-                <a:effectLst/>
-                <a:latin typeface="+mn-lt"/>
-                <a:ea typeface="+mn-ea"/>
-                <a:cs typeface="+mn-cs"/>
-              </a:rPr>
-              <a:t>rblandau</a:t>
-            </a:r>
-            <a:endParaRPr lang="en-US" sz="3200" kern="1200" dirty="0" smtClean="0">
-              <a:solidFill>
-                <a:schemeClr val="tx1"/>
-              </a:solidFill>
-              <a:effectLst/>
-              <a:latin typeface="+mn-lt"/>
-              <a:ea typeface="+mn-ea"/>
-              <a:cs typeface="+mn-cs"/>
-            </a:endParaRPr>
-          </a:p>
-          <a:p>
-            <a:r>
-              <a:rPr lang="en-US" dirty="0" smtClean="0"/>
-              <a:t>Like print() on steroids</a:t>
-            </a:r>
-          </a:p>
-          <a:p>
-            <a:r>
-              <a:rPr lang="en-US" dirty="0" smtClean="0"/>
-              <a:t>Plus other features from experience</a:t>
-            </a:r>
-            <a:endParaRPr lang="en-US" dirty="0"/>
+              <a:t>Important things to include, based on experience 1978-2019</a:t>
+            </a:r>
+          </a:p>
+          <a:p>
+            <a:pPr lvl="1"/>
+            <a:r>
+              <a:rPr lang="en-US" sz="2800" kern="1200" dirty="0" smtClean="0">
+                <a:solidFill>
+                  <a:schemeClr val="tx1"/>
+                </a:solidFill>
+                <a:effectLst/>
+                <a:latin typeface="+mn-lt"/>
+                <a:ea typeface="+mn-ea"/>
+                <a:cs typeface="+mn-cs"/>
+              </a:rPr>
+              <a:t>This trace facility written in PDP-11 assembler, C, C++, VB, Perl, Java, and finally Python</a:t>
+            </a:r>
+          </a:p>
+          <a:p>
+            <a:pPr lvl="1"/>
+            <a:r>
+              <a:rPr lang="en-US" sz="2800" kern="1200" dirty="0" smtClean="0">
+                <a:solidFill>
+                  <a:schemeClr val="tx1"/>
+                </a:solidFill>
+                <a:effectLst/>
+                <a:latin typeface="+mn-lt"/>
+                <a:ea typeface="+mn-ea"/>
+                <a:cs typeface="+mn-cs"/>
+              </a:rPr>
+              <a:t>Originally written for</a:t>
+            </a:r>
+            <a:r>
+              <a:rPr lang="en-US" sz="2800" kern="1200" baseline="0" dirty="0" smtClean="0">
+                <a:solidFill>
+                  <a:schemeClr val="tx1"/>
+                </a:solidFill>
+                <a:effectLst/>
+                <a:latin typeface="+mn-lt"/>
+                <a:ea typeface="+mn-ea"/>
+                <a:cs typeface="+mn-cs"/>
+              </a:rPr>
+              <a:t> </a:t>
+            </a:r>
+            <a:r>
+              <a:rPr lang="en-US" sz="2800" kern="1200" dirty="0" smtClean="0">
+                <a:solidFill>
+                  <a:schemeClr val="tx1"/>
+                </a:solidFill>
+                <a:effectLst/>
+                <a:latin typeface="+mn-lt"/>
+                <a:ea typeface="+mn-ea"/>
+                <a:cs typeface="+mn-cs"/>
+              </a:rPr>
+              <a:t>a dozen-process </a:t>
+            </a:r>
+            <a:r>
+              <a:rPr lang="en-US" sz="2800" kern="1200" dirty="0" err="1" smtClean="0">
+                <a:solidFill>
+                  <a:schemeClr val="tx1"/>
+                </a:solidFill>
+                <a:effectLst/>
+                <a:latin typeface="+mn-lt"/>
+                <a:ea typeface="+mn-ea"/>
+                <a:cs typeface="+mn-cs"/>
+              </a:rPr>
+              <a:t>comm</a:t>
+            </a:r>
+            <a:r>
+              <a:rPr lang="en-US" sz="2800" kern="1200" dirty="0" smtClean="0">
+                <a:solidFill>
+                  <a:schemeClr val="tx1"/>
+                </a:solidFill>
+                <a:effectLst/>
+                <a:latin typeface="+mn-lt"/>
+                <a:ea typeface="+mn-ea"/>
+                <a:cs typeface="+mn-cs"/>
+              </a:rPr>
+              <a:t> system</a:t>
+            </a:r>
+          </a:p>
+          <a:p>
+            <a:pPr lvl="1"/>
+            <a:r>
+              <a:rPr lang="en-US" sz="2800" kern="1200" dirty="0" smtClean="0">
+                <a:solidFill>
+                  <a:schemeClr val="tx1"/>
+                </a:solidFill>
+                <a:effectLst/>
+                <a:latin typeface="+mn-lt"/>
+                <a:ea typeface="+mn-ea"/>
+                <a:cs typeface="+mn-cs"/>
+              </a:rPr>
+              <a:t>Needed accurate timestamp, source facility name, location within facility, selected data items</a:t>
+            </a:r>
           </a:p>
         </p:txBody>
       </p:sp>
@@ -4913,7 +5219,7 @@
     </p:spTree>
     <p:extLst>
       <p:ext uri="{BB962C8B-B14F-4D97-AF65-F5344CB8AC3E}">
-        <p14:creationId xmlns:p14="http://schemas.microsoft.com/office/powerpoint/2010/main" val="3050817168"/>
+        <p14:creationId xmlns:p14="http://schemas.microsoft.com/office/powerpoint/2010/main" val="4255480821"/>
       </p:ext>
     </p:extLst>
   </p:cSld>
@@ -4957,7 +5263,15 @@
           <a:p>
             <a:r>
               <a:rPr lang="en-US" dirty="0" smtClean="0"/>
-              <a:t>Ned is Holding His Nose</a:t>
+              <a:t>Features:</a:t>
+            </a:r>
+            <a:r>
+              <a:rPr lang="en-US" baseline="0" dirty="0" smtClean="0"/>
+              <a:t> </a:t>
+            </a:r>
+            <a:r>
+              <a:rPr lang="en-US" dirty="0" smtClean="0"/>
+              <a:t>Must Have</a:t>
             </a:r>
             <a:endParaRPr lang="en-US" dirty="0"/>
           </a:p>
@@ -4975,246 +5289,62 @@
         </p:nvSpPr>
         <p:spPr/>
         <p:txBody>
-          <a:bodyPr>
-            <a:normAutofit/>
-          </a:bodyPr>
-          <a:lstStyle/>
-          <a:p>
-            <a:pPr lvl="0"/>
-            <a:r>
-              <a:rPr lang="en-US" sz="3200" kern="1200" dirty="0" smtClean="0">
-                <a:solidFill>
-                  <a:schemeClr val="tx1"/>
-                </a:solidFill>
-                <a:effectLst/>
-                <a:latin typeface="+mn-lt"/>
-                <a:ea typeface="+mn-ea"/>
-                <a:cs typeface="+mn-cs"/>
-              </a:rPr>
-              <a:t>He saw my crude 2007-8 Python code</a:t>
-            </a:r>
-          </a:p>
-          <a:p>
-            <a:pPr lvl="0"/>
-            <a:r>
-              <a:rPr lang="en-US" sz="3200" kern="1200" dirty="0" smtClean="0">
-                <a:solidFill>
-                  <a:schemeClr val="tx1"/>
-                </a:solidFill>
-                <a:effectLst/>
-                <a:latin typeface="+mn-lt"/>
-                <a:ea typeface="+mn-ea"/>
-                <a:cs typeface="+mn-cs"/>
-              </a:rPr>
-              <a:t>Back then I was writing </a:t>
-            </a:r>
-            <a:r>
-              <a:rPr lang="en-US" dirty="0"/>
-              <a:t>"</a:t>
-            </a:r>
-            <a:r>
-              <a:rPr lang="en-US" sz="3200" kern="1200" dirty="0" smtClean="0">
-                <a:solidFill>
-                  <a:schemeClr val="tx1"/>
-                </a:solidFill>
-                <a:effectLst/>
-                <a:latin typeface="+mn-lt"/>
-                <a:ea typeface="+mn-ea"/>
-                <a:cs typeface="+mn-cs"/>
-              </a:rPr>
-              <a:t>C without</a:t>
-            </a:r>
-            <a:r>
-              <a:rPr lang="en-US" sz="3200" kern="1200" baseline="0" dirty="0" smtClean="0">
-                <a:solidFill>
-                  <a:schemeClr val="tx1"/>
-                </a:solidFill>
-                <a:effectLst/>
-                <a:latin typeface="+mn-lt"/>
-                <a:ea typeface="+mn-ea"/>
-                <a:cs typeface="+mn-cs"/>
-              </a:rPr>
-              <a:t> </a:t>
-            </a:r>
-            <a:r>
-              <a:rPr lang="en-US" sz="3200" kern="1200" dirty="0" smtClean="0">
-                <a:solidFill>
-                  <a:schemeClr val="tx1"/>
-                </a:solidFill>
-                <a:effectLst/>
-                <a:latin typeface="+mn-lt"/>
-                <a:ea typeface="+mn-ea"/>
-                <a:cs typeface="+mn-cs"/>
-              </a:rPr>
-              <a:t>braces"</a:t>
-            </a:r>
-          </a:p>
-          <a:p>
-            <a:pPr lvl="1"/>
-            <a:r>
-              <a:rPr lang="en-US" sz="2800" kern="1200" dirty="0" smtClean="0">
-                <a:solidFill>
-                  <a:schemeClr val="tx1"/>
-                </a:solidFill>
-                <a:effectLst/>
-                <a:latin typeface="+mn-lt"/>
-                <a:ea typeface="+mn-ea"/>
-                <a:cs typeface="+mn-cs"/>
-              </a:rPr>
-              <a:t>Decades of writing</a:t>
-            </a:r>
-            <a:r>
-              <a:rPr lang="en-US" sz="2800" kern="1200" baseline="0" dirty="0" smtClean="0">
-                <a:solidFill>
-                  <a:schemeClr val="tx1"/>
-                </a:solidFill>
-                <a:effectLst/>
-                <a:latin typeface="+mn-lt"/>
-                <a:ea typeface="+mn-ea"/>
-                <a:cs typeface="+mn-cs"/>
-              </a:rPr>
-              <a:t> </a:t>
-            </a:r>
-            <a:r>
-              <a:rPr lang="en-US" sz="2800" kern="1200" dirty="0" smtClean="0">
-                <a:solidFill>
-                  <a:schemeClr val="tx1"/>
-                </a:solidFill>
-                <a:effectLst/>
-                <a:latin typeface="+mn-lt"/>
-                <a:ea typeface="+mn-ea"/>
-                <a:cs typeface="+mn-cs"/>
-              </a:rPr>
-              <a:t>C, C++, Perl, Java, </a:t>
-            </a:r>
-            <a:r>
-              <a:rPr lang="en-US" sz="2800" kern="1200" dirty="0" err="1" smtClean="0">
-                <a:solidFill>
-                  <a:schemeClr val="tx1"/>
-                </a:solidFill>
-                <a:effectLst/>
-                <a:latin typeface="+mn-lt"/>
-                <a:ea typeface="+mn-ea"/>
-                <a:cs typeface="+mn-cs"/>
-              </a:rPr>
-              <a:t>sh</a:t>
-            </a:r>
-            <a:endParaRPr lang="en-US" sz="2800" kern="1200" dirty="0" smtClean="0">
-              <a:solidFill>
-                <a:schemeClr val="tx1"/>
-              </a:solidFill>
-              <a:effectLst/>
-              <a:latin typeface="+mn-lt"/>
-              <a:ea typeface="+mn-ea"/>
-              <a:cs typeface="+mn-cs"/>
-            </a:endParaRPr>
-          </a:p>
-          <a:p>
-            <a:pPr lvl="0"/>
-            <a:r>
-              <a:rPr lang="en-US" sz="3200" kern="1200" dirty="0" smtClean="0">
-                <a:solidFill>
-                  <a:schemeClr val="tx1"/>
-                </a:solidFill>
-                <a:effectLst/>
-                <a:latin typeface="+mn-lt"/>
-                <a:ea typeface="+mn-ea"/>
-                <a:cs typeface="+mn-cs"/>
-              </a:rPr>
-              <a:t>First crude Python version</a:t>
-            </a:r>
-          </a:p>
-          <a:p>
-            <a:pPr lvl="1"/>
-            <a:r>
-              <a:rPr lang="en-US" sz="2800" kern="1200" dirty="0" smtClean="0">
-                <a:solidFill>
-                  <a:schemeClr val="tx1"/>
-                </a:solidFill>
-                <a:effectLst/>
-                <a:latin typeface="+mn-lt"/>
-                <a:ea typeface="+mn-ea"/>
-                <a:cs typeface="+mn-cs"/>
-              </a:rPr>
-              <a:t>Not even decorators</a:t>
-            </a:r>
-          </a:p>
-          <a:p>
-            <a:pPr lvl="1"/>
-            <a:r>
-              <a:rPr lang="en-US" sz="2800" kern="1200" dirty="0" smtClean="0">
-                <a:solidFill>
-                  <a:schemeClr val="tx1"/>
-                </a:solidFill>
-                <a:effectLst/>
-                <a:latin typeface="+mn-lt"/>
-                <a:ea typeface="+mn-ea"/>
-                <a:cs typeface="+mn-cs"/>
-              </a:rPr>
-              <a:t>Calls visible, and clumsy, all over the place</a:t>
-            </a:r>
-          </a:p>
-          <a:p>
-            <a:pPr lvl="0"/>
-            <a:r>
-              <a:rPr lang="en-US" sz="3200" i="1" kern="1200" dirty="0" smtClean="0">
-                <a:solidFill>
-                  <a:schemeClr val="tx1"/>
-                </a:solidFill>
-                <a:effectLst/>
-                <a:latin typeface="+mn-lt"/>
-                <a:ea typeface="+mn-ea"/>
-                <a:cs typeface="+mn-cs"/>
-              </a:rPr>
-              <a:t>Maybe</a:t>
-            </a:r>
-            <a:r>
-              <a:rPr lang="en-US" sz="3200" kern="1200" baseline="0" dirty="0" smtClean="0">
-                <a:solidFill>
-                  <a:schemeClr val="tx1"/>
-                </a:solidFill>
-                <a:effectLst/>
-                <a:latin typeface="+mn-lt"/>
-                <a:ea typeface="+mn-ea"/>
-                <a:cs typeface="+mn-cs"/>
-              </a:rPr>
-              <a:t> I l</a:t>
-            </a:r>
-            <a:r>
-              <a:rPr lang="en-US" sz="3200" kern="1200" dirty="0" smtClean="0">
-                <a:solidFill>
-                  <a:schemeClr val="tx1"/>
-                </a:solidFill>
-                <a:effectLst/>
-                <a:latin typeface="+mn-lt"/>
-                <a:ea typeface="+mn-ea"/>
-                <a:cs typeface="+mn-cs"/>
-              </a:rPr>
-              <a:t>earned a bit in a</a:t>
-            </a:r>
-            <a:r>
-              <a:rPr lang="en-US" sz="3200" kern="1200" baseline="0" dirty="0" smtClean="0">
-                <a:solidFill>
-                  <a:schemeClr val="tx1"/>
-                </a:solidFill>
-                <a:effectLst/>
-                <a:latin typeface="+mn-lt"/>
-                <a:ea typeface="+mn-ea"/>
-                <a:cs typeface="+mn-cs"/>
-              </a:rPr>
-              <a:t> </a:t>
-            </a:r>
-            <a:r>
-              <a:rPr lang="en-US" sz="3200" kern="1200" dirty="0" smtClean="0">
-                <a:solidFill>
-                  <a:schemeClr val="tx1"/>
-                </a:solidFill>
-                <a:effectLst/>
-                <a:latin typeface="+mn-lt"/>
-                <a:ea typeface="+mn-ea"/>
-                <a:cs typeface="+mn-cs"/>
-              </a:rPr>
-              <a:t>dozen years</a:t>
+          <a:bodyPr/>
+          <a:lstStyle/>
+          <a:p>
+            <a:r>
+              <a:rPr lang="en-US" dirty="0" smtClean="0"/>
+              <a:t>Time</a:t>
+            </a:r>
+          </a:p>
+          <a:p>
+            <a:r>
+              <a:rPr lang="en-US" dirty="0" smtClean="0"/>
+              <a:t>Source location</a:t>
+            </a:r>
+          </a:p>
+          <a:p>
+            <a:r>
+              <a:rPr lang="en-US" dirty="0" smtClean="0"/>
+              <a:t>Activity</a:t>
+            </a:r>
+          </a:p>
+          <a:p>
+            <a:r>
+              <a:rPr lang="en-US" dirty="0" smtClean="0"/>
+              <a:t>Data</a:t>
+            </a:r>
+            <a:r>
+              <a:rPr lang="en-US" baseline="0" dirty="0" smtClean="0"/>
+              <a:t> content</a:t>
+            </a:r>
+          </a:p>
+          <a:p>
+            <a:r>
+              <a:rPr lang="en-US" baseline="0" dirty="0" smtClean="0"/>
+              <a:t>Consistent format</a:t>
+            </a:r>
+          </a:p>
+          <a:p>
+            <a:r>
+              <a:rPr lang="en-US" baseline="0" dirty="0" smtClean="0"/>
+              <a:t>File or </a:t>
+            </a:r>
+            <a:r>
+              <a:rPr lang="en-US" baseline="0" dirty="0" err="1" smtClean="0"/>
+              <a:t>stdout</a:t>
+            </a:r>
+            <a:r>
+              <a:rPr lang="en-US" baseline="0" dirty="0" smtClean="0"/>
+              <a:t>/</a:t>
+            </a:r>
+            <a:r>
+              <a:rPr lang="en-US" baseline="0" dirty="0" err="1" smtClean="0"/>
+              <a:t>stderr</a:t>
+            </a:r>
+            <a:r>
+              <a:rPr lang="en-US" baseline="0" dirty="0" smtClean="0"/>
+              <a:t> output</a:t>
             </a:r>
           </a:p>
         </p:txBody>
@@ -5291,7 +5421,7 @@
     </p:spTree>
     <p:extLst>
       <p:ext uri="{BB962C8B-B14F-4D97-AF65-F5344CB8AC3E}">
-        <p14:creationId xmlns:p14="http://schemas.microsoft.com/office/powerpoint/2010/main" val="2787871945"/>
+        <p14:creationId xmlns:p14="http://schemas.microsoft.com/office/powerpoint/2010/main" val="97308904"/>
       </p:ext>
     </p:extLst>
   </p:cSld>
@@ -5335,89 +5465,46 @@
           <a:p>
             <a:r>
               <a:rPr lang="en-US" dirty="0" smtClean="0"/>
-              <a:t>Just Like</a:t>
+              <a:t>Nice to Have</a:t>
+            </a:r>
+            <a:endParaRPr lang="en-US" dirty="0"/>
+          </a:p>
+        </p:txBody>
+      </p:sp>
+      <p:sp>
+        <p:nvSpPr>
+          <p:cNvPr id="3" name="Content Placeholder 2"/>
+          <p:cNvSpPr>
+            <a:spLocks noGrp="1"/>
+          </p:cNvSpPr>
+          <p:nvPr>
+            <p:ph idx="1"/>
+          </p:nvPr>
+        </p:nvSpPr>
+        <p:spPr/>
+        <p:txBody>
+          <a:bodyPr/>
+          <a:lstStyle/>
+          <a:p>
+            <a:r>
+              <a:rPr lang="en-US" dirty="0" smtClean="0"/>
+              <a:t>Priority</a:t>
+            </a:r>
+          </a:p>
+          <a:p>
+            <a:r>
+              <a:rPr lang="en-US" dirty="0" smtClean="0"/>
+              <a:t>Text, HTML</a:t>
             </a:r>
             <a:r>
               <a:rPr lang="en-US" baseline="0" dirty="0" smtClean="0"/>
-              <a:t> the Standard Example</a:t>
-            </a:r>
-            <a:endParaRPr lang="en-US" dirty="0"/>
-          </a:p>
-        </p:txBody>
-      </p:sp>
-      <p:sp>
-        <p:nvSpPr>
-          <p:cNvPr id="3" name="Content Placeholder 2"/>
-          <p:cNvSpPr>
-            <a:spLocks noGrp="1"/>
-          </p:cNvSpPr>
-          <p:nvPr>
-            <p:ph idx="1"/>
-          </p:nvPr>
-        </p:nvSpPr>
-        <p:spPr/>
-        <p:txBody>
-          <a:bodyPr>
-            <a:normAutofit/>
-          </a:bodyPr>
-          <a:lstStyle/>
-          <a:p>
-            <a:r>
-              <a:rPr lang="en-US" dirty="0" smtClean="0"/>
-              <a:t>But</a:t>
-            </a:r>
+              <a:t> output</a:t>
+            </a:r>
+          </a:p>
+          <a:p>
             <a:r>
               <a:rPr lang="en-US" baseline="0" dirty="0" smtClean="0"/>
-              <a:t> does a little more</a:t>
-            </a:r>
-          </a:p>
-          <a:p>
-            <a:r>
-              <a:rPr lang="en-US" baseline="0" dirty="0" smtClean="0"/>
-              <a:t>Sample decorator: print function entry and exit, in every textbook</a:t>
-            </a:r>
-          </a:p>
-          <a:p>
-            <a:endParaRPr lang="en-US" dirty="0"/>
-          </a:p>
-          <a:p>
-            <a:r>
-              <a:rPr lang="en-US" sz="2400" baseline="0" dirty="0" smtClean="0">
-                <a:solidFill>
-                  <a:srgbClr val="00B050"/>
-                </a:solidFill>
-              </a:rPr>
-              <a:t>&lt;code: decorator</a:t>
-            </a:r>
-            <a:r>
-              <a:rPr lang="en-US" sz="2400" dirty="0" smtClean="0">
-                <a:solidFill>
-                  <a:srgbClr val="00B050"/>
-                </a:solidFill>
-              </a:rPr>
-              <a:t> example&gt;</a:t>
-            </a:r>
-            <a:endParaRPr lang="en-US" sz="2400" baseline="0" dirty="0" smtClean="0">
-              <a:solidFill>
-                <a:srgbClr val="00B050"/>
-              </a:solidFill>
-            </a:endParaRPr>
-          </a:p>
-          <a:p>
-            <a:pPr marL="0" indent="0">
-              <a:buNone/>
-            </a:pPr>
-            <a:endParaRPr lang="en-US" baseline="0" dirty="0" smtClean="0"/>
-          </a:p>
-          <a:p>
-            <a:pPr marL="342900" indent="-342900"/>
-            <a:r>
-              <a:rPr lang="en-US" dirty="0" smtClean="0"/>
-              <a:t>Very useful,</a:t>
-            </a:r>
-            <a:r>
-              <a:rPr lang="en-US" baseline="0" dirty="0" smtClean="0"/>
-              <a:t> but can be improved</a:t>
+              <a:t>Thread-safe, multiprocessing-safe</a:t>
             </a:r>
             <a:endParaRPr lang="en-US" dirty="0" smtClean="0"/>
           </a:p>
@@ -5495,7 +5582,7 @@
     </p:spTree>
     <p:extLst>
       <p:ext uri="{BB962C8B-B14F-4D97-AF65-F5344CB8AC3E}">
-        <p14:creationId xmlns:p14="http://schemas.microsoft.com/office/powerpoint/2010/main" val="2699397898"/>
+        <p14:creationId xmlns:p14="http://schemas.microsoft.com/office/powerpoint/2010/main" val="365624875"/>
       </p:ext>
     </p:extLst>
   </p:cSld>
@@ -5539,7 +5626,7 @@
           <a:p>
             <a:r>
               <a:rPr lang="en-US" dirty="0" smtClean="0"/>
-              <a:t>From Experience</a:t>
+              <a:t>Management Needs</a:t>
             </a:r>
             <a:endParaRPr lang="en-US" dirty="0"/>
           </a:p>
@@ -5557,116 +5644,28 @@
         </p:nvSpPr>
         <p:spPr/>
         <p:txBody>
-          <a:bodyPr>
-            <a:normAutofit/>
-          </a:bodyPr>
-          <a:lstStyle/>
-          <a:p>
-            <a:pPr lvl="0"/>
-            <a:r>
-              <a:rPr lang="en-US" sz="3200" kern="1200" dirty="0" smtClean="0">
-                <a:solidFill>
-                  <a:schemeClr val="tx1"/>
-                </a:solidFill>
-                <a:effectLst/>
-                <a:latin typeface="+mn-lt"/>
-                <a:ea typeface="+mn-ea"/>
-                <a:cs typeface="+mn-cs"/>
-              </a:rPr>
-              <a:t>Important things to include, based on experience 1978-2019</a:t>
-            </a:r>
-          </a:p>
-          <a:p>
-            <a:pPr lvl="1"/>
-            <a:r>
-              <a:rPr lang="en-US" sz="2800" kern="1200" dirty="0" smtClean="0">
-                <a:solidFill>
-                  <a:schemeClr val="tx1"/>
-                </a:solidFill>
-                <a:effectLst/>
-                <a:latin typeface="+mn-lt"/>
-                <a:ea typeface="+mn-ea"/>
-                <a:cs typeface="+mn-cs"/>
-              </a:rPr>
-              <a:t>This trace facility written in PDP-11 assembler, C, C++, VB, Perl, Java, and finally Python</a:t>
-            </a:r>
-          </a:p>
-          <a:p>
-            <a:pPr lvl="1"/>
-            <a:r>
-              <a:rPr lang="en-US" sz="2800" kern="1200" dirty="0" smtClean="0">
-                <a:solidFill>
-                  <a:schemeClr val="tx1"/>
-                </a:solidFill>
-                <a:effectLst/>
-                <a:latin typeface="+mn-lt"/>
-                <a:ea typeface="+mn-ea"/>
-                <a:cs typeface="+mn-cs"/>
-              </a:rPr>
-              <a:t>Originally written for</a:t>
-            </a:r>
-            <a:r>
-              <a:rPr lang="en-US" sz="2800" kern="1200" baseline="0" dirty="0" smtClean="0">
-                <a:solidFill>
-                  <a:schemeClr val="tx1"/>
-                </a:solidFill>
-                <a:effectLst/>
-                <a:latin typeface="+mn-lt"/>
-                <a:ea typeface="+mn-ea"/>
-                <a:cs typeface="+mn-cs"/>
-              </a:rPr>
-              <a:t> </a:t>
-            </a:r>
-            <a:r>
-              <a:rPr lang="en-US" sz="2800" kern="1200" dirty="0" smtClean="0">
-                <a:solidFill>
-                  <a:schemeClr val="tx1"/>
-                </a:solidFill>
-                <a:effectLst/>
-                <a:latin typeface="+mn-lt"/>
-                <a:ea typeface="+mn-ea"/>
-                <a:cs typeface="+mn-cs"/>
-              </a:rPr>
-              <a:t>a dozen-process </a:t>
-            </a:r>
-            <a:r>
-              <a:rPr lang="en-US" sz="2800" kern="1200" dirty="0" err="1" smtClean="0">
-                <a:solidFill>
-                  <a:schemeClr val="tx1"/>
-                </a:solidFill>
-                <a:effectLst/>
-                <a:latin typeface="+mn-lt"/>
-                <a:ea typeface="+mn-ea"/>
-                <a:cs typeface="+mn-cs"/>
-              </a:rPr>
-              <a:t>comm</a:t>
-            </a:r>
-            <a:r>
-              <a:rPr lang="en-US" sz="2800" kern="1200" dirty="0" smtClean="0">
-                <a:solidFill>
-                  <a:schemeClr val="tx1"/>
-                </a:solidFill>
-                <a:effectLst/>
-                <a:latin typeface="+mn-lt"/>
-                <a:ea typeface="+mn-ea"/>
-                <a:cs typeface="+mn-cs"/>
-              </a:rPr>
-              <a:t> system</a:t>
-            </a:r>
-          </a:p>
-          <a:p>
-            <a:pPr lvl="1"/>
-            <a:r>
-              <a:rPr lang="en-US" sz="2800" kern="1200" dirty="0" smtClean="0">
-                <a:solidFill>
-                  <a:schemeClr val="tx1"/>
-                </a:solidFill>
-                <a:effectLst/>
-                <a:latin typeface="+mn-lt"/>
-                <a:ea typeface="+mn-ea"/>
-                <a:cs typeface="+mn-cs"/>
-              </a:rPr>
-              <a:t>Needed accurate timestamp, source facility name, location within facility, selected data items</a:t>
+          <a:bodyPr/>
+          <a:lstStyle/>
+          <a:p>
+            <a:r>
+              <a:rPr lang="en-US" dirty="0" smtClean="0"/>
+              <a:t>On/off</a:t>
+            </a:r>
+            <a:r>
+              <a:rPr lang="en-US" baseline="0" dirty="0" smtClean="0"/>
+              <a:t> without editing code</a:t>
+            </a:r>
+          </a:p>
+          <a:p>
+            <a:r>
+              <a:rPr lang="en-US" baseline="0" dirty="0" smtClean="0"/>
+              <a:t>Change output location</a:t>
+            </a:r>
+          </a:p>
+          <a:p>
+            <a:r>
+              <a:rPr lang="en-US" baseline="0" dirty="0" smtClean="0"/>
+              <a:t>Filter by priority, location, activity</a:t>
             </a:r>
           </a:p>
         </p:txBody>
@@ -5743,7 +5742,7 @@
     </p:spTree>
     <p:extLst>
       <p:ext uri="{BB962C8B-B14F-4D97-AF65-F5344CB8AC3E}">
-        <p14:creationId xmlns:p14="http://schemas.microsoft.com/office/powerpoint/2010/main" val="4255480821"/>
+        <p14:creationId xmlns:p14="http://schemas.microsoft.com/office/powerpoint/2010/main" val="3668781952"/>
       </p:ext>
     </p:extLst>
   </p:cSld>
@@ -5782,93 +5781,203 @@
         </p:nvSpPr>
         <p:spPr/>
         <p:txBody>
-          <a:bodyPr/>
-          <a:lstStyle/>
-          <a:p>
-            <a:r>
-              <a:rPr lang="en-US" dirty="0" smtClean="0"/>
-              <a:t>Features:</a:t>
-            </a:r>
-            <a:r>
-              <a:rPr lang="en-US" baseline="0" dirty="0" smtClean="0"/>
+          <a:bodyPr>
+            <a:normAutofit fontScale="90000"/>
+          </a:bodyPr>
+          <a:lstStyle/>
+          <a:p>
+            <a:r>
+              <a:rPr lang="en-US" sz="4400" kern="1200" dirty="0" smtClean="0">
+                <a:solidFill>
+                  <a:schemeClr val="tx1"/>
+                </a:solidFill>
+                <a:effectLst/>
+                <a:latin typeface="+mj-lt"/>
+                <a:ea typeface="+mj-ea"/>
+                <a:cs typeface="+mj-cs"/>
+              </a:rPr>
+              <a:t>Requirements That I Try to Meet</a:t>
+            </a:r>
+            <a:endParaRPr lang="en-US" dirty="0"/>
+          </a:p>
+        </p:txBody>
+      </p:sp>
+      <p:sp>
+        <p:nvSpPr>
+          <p:cNvPr id="3" name="Content Placeholder 2"/>
+          <p:cNvSpPr>
+            <a:spLocks noGrp="1"/>
+          </p:cNvSpPr>
+          <p:nvPr>
+            <p:ph idx="1"/>
+          </p:nvPr>
+        </p:nvSpPr>
+        <p:spPr/>
+        <p:txBody>
+          <a:bodyPr>
+            <a:normAutofit/>
+          </a:bodyPr>
+          <a:lstStyle/>
+          <a:p>
+            <a:pPr lvl="0"/>
+            <a:r>
+              <a:rPr lang="en-US" sz="3200" kern="1200" dirty="0" smtClean="0">
+                <a:solidFill>
+                  <a:schemeClr val="tx1"/>
+                </a:solidFill>
+                <a:effectLst/>
+                <a:latin typeface="+mn-lt"/>
+                <a:ea typeface="+mn-ea"/>
+                <a:cs typeface="+mn-cs"/>
+              </a:rPr>
+              <a:t>Standard, compact format</a:t>
+            </a:r>
+            <a:endParaRPr lang="en-US" sz="3200" kern="1200" dirty="0" smtClean="0">
+              <a:solidFill>
+                <a:schemeClr val="tx1"/>
+              </a:solidFill>
+              <a:effectLst/>
+              <a:latin typeface="+mn-lt"/>
+              <a:ea typeface="+mn-ea"/>
+              <a:cs typeface="+mn-cs"/>
+            </a:endParaRPr>
+          </a:p>
+          <a:p>
+            <a:pPr lvl="1"/>
+            <a:r>
+              <a:rPr lang="en-US" sz="2800" kern="1200" dirty="0" smtClean="0">
+                <a:solidFill>
+                  <a:schemeClr val="tx1"/>
+                </a:solidFill>
+                <a:effectLst/>
+                <a:latin typeface="+mn-lt"/>
+                <a:ea typeface="+mn-ea"/>
+                <a:cs typeface="+mn-cs"/>
+              </a:rPr>
+              <a:t>Easy to scan, easy to sanitize</a:t>
+            </a:r>
+          </a:p>
+          <a:p>
+            <a:pPr lvl="0"/>
+            <a:r>
+              <a:rPr lang="en-US" sz="3200" kern="1200" dirty="0" smtClean="0">
+                <a:solidFill>
+                  <a:schemeClr val="tx1"/>
+                </a:solidFill>
+                <a:effectLst/>
+                <a:latin typeface="+mn-lt"/>
+                <a:ea typeface="+mn-ea"/>
+                <a:cs typeface="+mn-cs"/>
+              </a:rPr>
+              <a:t>Activity: Function enter and exit</a:t>
+            </a:r>
+          </a:p>
+          <a:p>
+            <a:pPr lvl="1"/>
+            <a:r>
+              <a:rPr lang="en-US" sz="2800" kern="1200" dirty="0" smtClean="0">
+                <a:solidFill>
+                  <a:schemeClr val="tx1"/>
+                </a:solidFill>
+                <a:effectLst/>
+                <a:latin typeface="+mn-lt"/>
+                <a:ea typeface="+mn-ea"/>
+                <a:cs typeface="+mn-cs"/>
+              </a:rPr>
+              <a:t>With arguments in and result value out</a:t>
+            </a:r>
+          </a:p>
+          <a:p>
+            <a:pPr lvl="1"/>
+            <a:r>
+              <a:rPr lang="en-US" sz="2800" kern="1200" dirty="0" smtClean="0">
+                <a:solidFill>
+                  <a:schemeClr val="tx1"/>
+                </a:solidFill>
+                <a:effectLst/>
+                <a:latin typeface="+mn-lt"/>
+                <a:ea typeface="+mn-ea"/>
+                <a:cs typeface="+mn-cs"/>
+              </a:rPr>
+              <a:t>Easily done with decorators</a:t>
+            </a:r>
+          </a:p>
+          <a:p>
+            <a:pPr lvl="0"/>
+            <a:r>
+              <a:rPr lang="en-US" sz="3200" kern="1200" dirty="0" smtClean="0">
+                <a:solidFill>
+                  <a:schemeClr val="tx1"/>
+                </a:solidFill>
+                <a:effectLst/>
+                <a:latin typeface="+mn-lt"/>
+                <a:ea typeface="+mn-ea"/>
+                <a:cs typeface="+mn-cs"/>
+              </a:rPr>
+              <a:t>Activity:</a:t>
+            </a:r>
+            <a:r>
+              <a:rPr lang="en-US" sz="3200" kern="1200" baseline="0" dirty="0" smtClean="0">
+                <a:solidFill>
+                  <a:schemeClr val="tx1"/>
+                </a:solidFill>
+                <a:effectLst/>
+                <a:latin typeface="+mn-lt"/>
+                <a:ea typeface="+mn-ea"/>
+                <a:cs typeface="+mn-cs"/>
+              </a:rPr>
               <a:t> </a:t>
             </a:r>
             <a:r>
-              <a:rPr lang="en-US" dirty="0" smtClean="0"/>
-              <a:t>Must Have</a:t>
-            </a:r>
-            <a:endParaRPr lang="en-US" dirty="0"/>
-          </a:p>
-        </p:txBody>
-      </p:sp>
-      <p:sp>
-        <p:nvSpPr>
-          <p:cNvPr id="3" name="Content Placeholder 2"/>
-          <p:cNvSpPr>
-            <a:spLocks noGrp="1"/>
-          </p:cNvSpPr>
-          <p:nvPr>
-            <p:ph idx="1"/>
-          </p:nvPr>
-        </p:nvSpPr>
-        <p:spPr/>
-        <p:txBody>
-          <a:bodyPr/>
-          <a:lstStyle/>
-          <a:p>
-            <a:r>
-              <a:rPr lang="en-US" dirty="0" smtClean="0"/>
-              <a:t>Time</a:t>
-            </a:r>
-          </a:p>
-          <a:p>
-            <a:r>
-              <a:rPr lang="en-US" dirty="0" smtClean="0"/>
-              <a:t>Source location</a:t>
-            </a:r>
-          </a:p>
-          <a:p>
-            <a:r>
-              <a:rPr lang="en-US" dirty="0" smtClean="0"/>
-              <a:t>Activity</a:t>
-            </a:r>
-          </a:p>
-          <a:p>
-            <a:r>
-              <a:rPr lang="en-US" dirty="0" smtClean="0"/>
-              <a:t>Data</a:t>
-            </a:r>
-            <a:r>
-              <a:rPr lang="en-US" baseline="0" dirty="0" smtClean="0"/>
-              <a:t> content</a:t>
-            </a:r>
-          </a:p>
-          <a:p>
-            <a:r>
-              <a:rPr lang="en-US" baseline="0" dirty="0" smtClean="0"/>
-              <a:t>Consistent format</a:t>
-            </a:r>
-          </a:p>
-          <a:p>
-            <a:r>
-              <a:rPr lang="en-US" baseline="0" dirty="0" smtClean="0"/>
-              <a:t>File or </a:t>
-            </a:r>
-            <a:r>
-              <a:rPr lang="en-US" baseline="0" dirty="0" err="1" smtClean="0"/>
-              <a:t>stdout</a:t>
-            </a:r>
-            <a:r>
-              <a:rPr lang="en-US" baseline="0" dirty="0" smtClean="0"/>
-              <a:t>/</a:t>
-            </a:r>
-            <a:r>
-              <a:rPr lang="en-US" baseline="0" dirty="0" err="1" smtClean="0"/>
-              <a:t>stderr</a:t>
-            </a:r>
-            <a:r>
-              <a:rPr lang="en-US" baseline="0" dirty="0" smtClean="0"/>
-              <a:t> output</a:t>
+              <a:rPr lang="en-US" sz="3200" kern="1200" dirty="0" smtClean="0">
+                <a:solidFill>
+                  <a:schemeClr val="tx1"/>
+                </a:solidFill>
+                <a:effectLst/>
+                <a:latin typeface="+mn-lt"/>
+                <a:ea typeface="+mn-ea"/>
+                <a:cs typeface="+mn-cs"/>
+              </a:rPr>
+              <a:t>Insert</a:t>
+            </a:r>
+            <a:r>
+              <a:rPr lang="en-US" sz="3200" kern="1200" baseline="0" dirty="0" smtClean="0">
+                <a:solidFill>
+                  <a:schemeClr val="tx1"/>
+                </a:solidFill>
+                <a:effectLst/>
+                <a:latin typeface="+mn-lt"/>
+                <a:ea typeface="+mn-ea"/>
+                <a:cs typeface="+mn-cs"/>
+              </a:rPr>
+              <a:t> at</a:t>
+            </a:r>
+            <a:r>
+              <a:rPr lang="en-US" sz="3200" kern="1200" dirty="0" smtClean="0">
+                <a:solidFill>
+                  <a:schemeClr val="tx1"/>
+                </a:solidFill>
+                <a:effectLst/>
+                <a:latin typeface="+mn-lt"/>
+                <a:ea typeface="+mn-ea"/>
+                <a:cs typeface="+mn-cs"/>
+              </a:rPr>
+              <a:t> any other points</a:t>
+            </a:r>
+          </a:p>
+          <a:p>
+            <a:pPr lvl="1"/>
+            <a:r>
+              <a:rPr lang="en-US" sz="2800" kern="1200" dirty="0" smtClean="0">
+                <a:solidFill>
+                  <a:schemeClr val="tx1"/>
+                </a:solidFill>
+                <a:effectLst/>
+                <a:latin typeface="+mn-lt"/>
+                <a:ea typeface="+mn-ea"/>
+                <a:cs typeface="+mn-cs"/>
+              </a:rPr>
+              <a:t>Think fancy print() calls</a:t>
             </a:r>
           </a:p>
         </p:txBody>
@@ -5945,7 +6054,7 @@
     </p:spTree>
     <p:extLst>
       <p:ext uri="{BB962C8B-B14F-4D97-AF65-F5344CB8AC3E}">
-        <p14:creationId xmlns:p14="http://schemas.microsoft.com/office/powerpoint/2010/main" val="97308904"/>
+        <p14:creationId xmlns:p14="http://schemas.microsoft.com/office/powerpoint/2010/main" val="2684274098"/>
       </p:ext>
     </p:extLst>
   </p:cSld>
@@ -5989,7 +6098,7 @@
           <a:p>
             <a:r>
               <a:rPr lang="en-US" dirty="0" smtClean="0"/>
-              <a:t>Nice to Have</a:t>
+              <a:t>Requirements (cont'd)</a:t>
             </a:r>
             <a:endParaRPr lang="en-US" dirty="0"/>
           </a:p>
@@ -6010,27 +6119,96 @@
           <a:bodyPr/>
           <a:lstStyle/>
           <a:p>
+            <a:pPr lvl="0"/>
+            <a:r>
+              <a:rPr lang="en-US" sz="3200" kern="1200" dirty="0" smtClean="0">
+                <a:solidFill>
+                  <a:schemeClr val="tx1"/>
+                </a:solidFill>
+                <a:effectLst/>
+                <a:latin typeface="+mn-lt"/>
+                <a:ea typeface="+mn-ea"/>
+                <a:cs typeface="+mn-cs"/>
+              </a:rPr>
+              <a:t>Priorities for different levels of details </a:t>
+            </a:r>
+          </a:p>
+          <a:p>
+            <a:pPr lvl="1"/>
+            <a:r>
+              <a:rPr lang="en-US" sz="2800" kern="1200" dirty="0" smtClean="0">
+                <a:solidFill>
+                  <a:schemeClr val="tx1"/>
+                </a:solidFill>
+                <a:effectLst/>
+                <a:latin typeface="+mn-lt"/>
+                <a:ea typeface="+mn-ea"/>
+                <a:cs typeface="+mn-cs"/>
+              </a:rPr>
+              <a:t> e.g., function entry and exit, details inside complex logic, </a:t>
+            </a:r>
+            <a:r>
+              <a:rPr lang="en-US" sz="2800" kern="1200" smtClean="0">
+                <a:solidFill>
+                  <a:schemeClr val="tx1"/>
+                </a:solidFill>
+                <a:effectLst/>
+                <a:latin typeface="+mn-lt"/>
+                <a:ea typeface="+mn-ea"/>
+                <a:cs typeface="+mn-cs"/>
+              </a:rPr>
+              <a:t>details inside </a:t>
+            </a:r>
+            <a:r>
+              <a:rPr lang="en-US" sz="2800" kern="1200" dirty="0" smtClean="0">
+                <a:solidFill>
+                  <a:schemeClr val="tx1"/>
+                </a:solidFill>
+                <a:effectLst/>
+                <a:latin typeface="+mn-lt"/>
+                <a:ea typeface="+mn-ea"/>
+                <a:cs typeface="+mn-cs"/>
+              </a:rPr>
+              <a:t>loops</a:t>
+            </a:r>
+          </a:p>
+          <a:p>
             <a:r>
               <a:rPr lang="en-US" dirty="0" smtClean="0"/>
-              <a:t>Priority</a:t>
+              <a:t>Options for output location and format</a:t>
             </a:r>
           </a:p>
           <a:p>
             <a:r>
               <a:rPr lang="en-US" dirty="0" smtClean="0"/>
-              <a:t>Text, HTML</a:t>
-            </a:r>
-            <a:r>
-              <a:rPr lang="en-US" baseline="0" dirty="0" smtClean="0"/>
-              <a:t> output</a:t>
-            </a:r>
-          </a:p>
-          <a:p>
-            <a:r>
-              <a:rPr lang="en-US" baseline="0" dirty="0" smtClean="0"/>
-              <a:t>Thread-safe, multiprocessing-safe</a:t>
-            </a:r>
-            <a:endParaRPr lang="en-US" dirty="0" smtClean="0"/>
+              <a:t>Low performance impact</a:t>
+            </a:r>
+          </a:p>
+          <a:p>
+            <a:pPr marL="0" indent="0">
+              <a:buNone/>
+            </a:pPr>
+            <a:endParaRPr lang="en-US" b="0" dirty="0" smtClean="0"/>
+          </a:p>
+          <a:p>
+            <a:pPr marL="0" indent="0">
+              <a:buNone/>
+            </a:pPr>
+            <a:r>
+              <a:rPr lang="en-US" b="0" dirty="0" smtClean="0"/>
+              <a:t>and</a:t>
+            </a:r>
+          </a:p>
+          <a:p>
+            <a:r>
+              <a:rPr lang="en-US" b="1" dirty="0" smtClean="0"/>
+              <a:t>Manageable</a:t>
+            </a:r>
+            <a:r>
+              <a:rPr lang="en-US" b="1" baseline="0" dirty="0" smtClean="0"/>
+              <a:t> without editing code!</a:t>
+            </a:r>
+            <a:endParaRPr lang="en-US" b="1" dirty="0"/>
           </a:p>
         </p:txBody>
       </p:sp>
@@ -6106,7 +6284,7 @@
     </p:spTree>
     <p:extLst>
       <p:ext uri="{BB962C8B-B14F-4D97-AF65-F5344CB8AC3E}">
-        <p14:creationId xmlns:p14="http://schemas.microsoft.com/office/powerpoint/2010/main" val="365624875"/>
+        <p14:creationId xmlns:p14="http://schemas.microsoft.com/office/powerpoint/2010/main" val="3116210897"/>
       </p:ext>
     </p:extLst>
   </p:cSld>
@@ -6150,7 +6328,7 @@
           <a:p>
             <a:r>
               <a:rPr lang="en-US" dirty="0" smtClean="0"/>
-              <a:t>Management Needs</a:t>
+              <a:t>Timestamp</a:t>
             </a:r>
             <a:endParaRPr lang="en-US" dirty="0"/>
           </a:p>
@@ -6172,25 +6350,30 @@
           <a:lstStyle/>
           <a:p>
             <a:r>
-              <a:rPr lang="en-US" dirty="0" smtClean="0"/>
-              <a:t>On/off</a:t>
-            </a:r>
-            <a:r>
-              <a:rPr lang="en-US" baseline="0" dirty="0" smtClean="0"/>
-              <a:t> without editing code</a:t>
-            </a:r>
-          </a:p>
-          <a:p>
-            <a:r>
-              <a:rPr lang="en-US" baseline="0" dirty="0" smtClean="0"/>
-              <a:t>Change output location</a:t>
-            </a:r>
-          </a:p>
-          <a:p>
-            <a:r>
-              <a:rPr lang="en-US" baseline="0" dirty="0" smtClean="0"/>
-              <a:t>Filter by priority, location, activity</a:t>
-            </a:r>
+              <a:rPr lang="en-US" dirty="0" smtClean="0">
+                <a:effectLst/>
+              </a:rPr>
+              <a:t>Date and time, to second or millisecond</a:t>
+            </a:r>
+          </a:p>
+          <a:p>
+            <a:endParaRPr lang="en-US" dirty="0"/>
+          </a:p>
+          <a:p>
+            <a:r>
+              <a:rPr lang="en-US" sz="2400" dirty="0" smtClean="0">
+                <a:solidFill>
+                  <a:srgbClr val="00B050"/>
+                </a:solidFill>
+                <a:effectLst/>
+              </a:rPr>
+              <a:t>&lt;code: timestamp&gt;</a:t>
+            </a:r>
+          </a:p>
+          <a:p>
+            <a:endParaRPr lang="en-US" dirty="0" smtClean="0">
+              <a:effectLst/>
+            </a:endParaRPr>
           </a:p>
         </p:txBody>
       </p:sp>
@@ -6266,7 +6449,7 @@
     </p:spTree>
     <p:extLst>
       <p:ext uri="{BB962C8B-B14F-4D97-AF65-F5344CB8AC3E}">
-        <p14:creationId xmlns:p14="http://schemas.microsoft.com/office/powerpoint/2010/main" val="3668781952"/>
+        <p14:creationId xmlns:p14="http://schemas.microsoft.com/office/powerpoint/2010/main" val="927184767"/>
       </p:ext>
     </p:extLst>
   </p:cSld>
@@ -6680,22 +6863,16 @@
         </p:nvSpPr>
         <p:spPr/>
         <p:txBody>
-          <a:bodyPr>
-            <a:normAutofit fontScale="90000"/>
-          </a:bodyPr>
-          <a:lstStyle/>
-          <a:p>
-            <a:r>
-              <a:rPr lang="en-US" sz="4400" kern="1200" dirty="0" smtClean="0">
-                <a:solidFill>
-                  <a:schemeClr val="tx1"/>
-                </a:solidFill>
-                <a:effectLst/>
-                <a:latin typeface="+mj-lt"/>
-                <a:ea typeface="+mj-ea"/>
-                <a:cs typeface="+mj-cs"/>
-              </a:rPr>
-              <a:t>Requirements That I Try to Meet</a:t>
+          <a:bodyPr/>
+          <a:lstStyle/>
+          <a:p>
+            <a:r>
+              <a:rPr lang="en-US" dirty="0" smtClean="0"/>
+              <a:t>Easy Control</a:t>
+            </a:r>
+            <a:r>
+              <a:rPr lang="en-US" baseline="0" dirty="0" smtClean="0"/>
+              <a:t> of Debug On/Off</a:t>
             </a:r>
             <a:endParaRPr lang="en-US" dirty="0"/>
           </a:p>
@@ -6729,7 +6906,19 @@
                 <a:ea typeface="+mn-ea"/>
                 <a:cs typeface="+mn-cs"/>
               </a:rPr>
-              <a:t>Standard format</a:t>
+              <a:t>Control with </a:t>
+            </a:r>
+            <a:r>
+              <a:rPr lang="en-US" sz="3200" b="1" kern="1200" dirty="0" smtClean="0">
+                <a:solidFill>
+                  <a:schemeClr val="tx1"/>
+                </a:solidFill>
+                <a:effectLst/>
+                <a:latin typeface="+mn-lt"/>
+                <a:ea typeface="+mn-ea"/>
+                <a:cs typeface="+mn-cs"/>
+              </a:rPr>
+              <a:t>environment variables</a:t>
             </a:r>
           </a:p>
           <a:p>
@@ -6744,12 +6933,99 @@
                 <a:ea typeface="+mn-ea"/>
                 <a:cs typeface="+mn-cs"/>
               </a:rPr>
-              <a:t>Easy to scan, easy to sanitize</a:t>
-            </a:r>
+              <a:t>Don't want to change the code for debug/</a:t>
+            </a:r>
+            <a:r>
+              <a:rPr lang="en-US" sz="2800" kern="1200" dirty="0" err="1" smtClean="0">
+                <a:solidFill>
+                  <a:schemeClr val="tx1"/>
+                </a:solidFill>
+                <a:effectLst/>
+                <a:latin typeface="+mn-lt"/>
+                <a:ea typeface="+mn-ea"/>
+                <a:cs typeface="+mn-cs"/>
+              </a:rPr>
+              <a:t>nondebug</a:t>
+            </a:r>
+            <a:r>
+              <a:rPr lang="en-US" sz="2800" kern="1200" dirty="0" smtClean="0">
+                <a:solidFill>
+                  <a:schemeClr val="tx1"/>
+                </a:solidFill>
+                <a:effectLst/>
+                <a:latin typeface="+mn-lt"/>
+                <a:ea typeface="+mn-ea"/>
+                <a:cs typeface="+mn-cs"/>
+              </a:rPr>
+              <a:t> versions.  </a:t>
+            </a:r>
+          </a:p>
+          <a:p>
+            <a:pPr lvl="1"/>
+            <a:r>
+              <a:rPr lang="en-US" sz="2800" kern="1200" dirty="0" smtClean="0">
+                <a:solidFill>
+                  <a:schemeClr val="tx1"/>
+                </a:solidFill>
+                <a:effectLst/>
+                <a:latin typeface="+mn-lt"/>
+                <a:ea typeface="+mn-ea"/>
+                <a:cs typeface="+mn-cs"/>
+              </a:rPr>
+              <a:t>Tracing should be permanently installed</a:t>
+            </a:r>
+          </a:p>
+          <a:p>
+            <a:pPr lvl="1"/>
+            <a:r>
+              <a:rPr lang="en-US" sz="2800" kern="1200" dirty="0" smtClean="0">
+                <a:solidFill>
+                  <a:schemeClr val="tx1"/>
+                </a:solidFill>
+                <a:effectLst/>
+                <a:latin typeface="+mn-lt"/>
+                <a:ea typeface="+mn-ea"/>
+                <a:cs typeface="+mn-cs"/>
+              </a:rPr>
+              <a:t>When</a:t>
+            </a:r>
+            <a:r>
+              <a:rPr lang="en-US" sz="2800" kern="1200" baseline="0" dirty="0" smtClean="0">
+                <a:solidFill>
+                  <a:schemeClr val="tx1"/>
+                </a:solidFill>
+                <a:effectLst/>
+                <a:latin typeface="+mn-lt"/>
+                <a:ea typeface="+mn-ea"/>
+                <a:cs typeface="+mn-cs"/>
+              </a:rPr>
+              <a:t> customer calls with a problem...</a:t>
+            </a:r>
+            <a:endParaRPr lang="en-US" sz="2800" kern="1200" dirty="0" smtClean="0">
+              <a:solidFill>
+                <a:schemeClr val="tx1"/>
+              </a:solidFill>
+              <a:effectLst/>
+              <a:latin typeface="+mn-lt"/>
+              <a:ea typeface="+mn-ea"/>
+              <a:cs typeface="+mn-cs"/>
+            </a:endParaRPr>
           </a:p>
           <a:p>
             <a:pPr lvl="0"/>
             <a:r>
+              <a:rPr lang="en-US" sz="3200" kern="1200" dirty="0" err="1" smtClean="0">
+                <a:solidFill>
+                  <a:schemeClr val="tx1"/>
+                </a:solidFill>
+                <a:effectLst/>
+                <a:latin typeface="+mn-lt"/>
+                <a:ea typeface="+mn-ea"/>
+                <a:cs typeface="+mn-cs"/>
+              </a:rPr>
+              <a:t>Envir</a:t>
+            </a:r>
+            <a:r>
               <a:rPr lang="en-US" sz="3200" kern="1200" dirty="0" smtClean="0">
                 <a:solidFill>
                   <a:schemeClr val="tx1"/>
@@ -6759,115 +7035,118 @@
                 <a:ea typeface="+mn-ea"/>
                 <a:cs typeface="+mn-cs"/>
               </a:rPr>
-              <a:t>Activity: Function enter and exit</a:t>
-            </a:r>
-          </a:p>
-          <a:p>
-            <a:pPr lvl="1"/>
-            <a:r>
-              <a:rPr lang="en-US" sz="2800" kern="1200" dirty="0" smtClean="0">
-                <a:solidFill>
-                  <a:schemeClr val="tx1"/>
-                </a:solidFill>
-                <a:effectLst/>
-                <a:latin typeface="+mn-lt"/>
-                <a:ea typeface="+mn-ea"/>
-                <a:cs typeface="+mn-cs"/>
-              </a:rPr>
-              <a:t>With arguments in and result value out</a:t>
-            </a:r>
-          </a:p>
-          <a:p>
-            <a:pPr lvl="1"/>
-            <a:r>
-              <a:rPr lang="en-US" sz="2800" kern="1200" dirty="0" smtClean="0">
-                <a:solidFill>
-                  <a:schemeClr val="tx1"/>
-                </a:solidFill>
-                <a:effectLst/>
-                <a:latin typeface="+mn-lt"/>
-                <a:ea typeface="+mn-ea"/>
-                <a:cs typeface="+mn-cs"/>
-              </a:rPr>
-              <a:t>Easily done with decorators</a:t>
+              <a:t> </a:t>
+            </a:r>
+            <a:r>
+              <a:rPr lang="en-US" sz="3200" kern="1200" dirty="0" err="1" smtClean="0">
+                <a:solidFill>
+                  <a:schemeClr val="tx1"/>
+                </a:solidFill>
+                <a:effectLst/>
+                <a:latin typeface="+mn-lt"/>
+                <a:ea typeface="+mn-ea"/>
+                <a:cs typeface="+mn-cs"/>
+              </a:rPr>
+              <a:t>vars</a:t>
+            </a:r>
+            <a:r>
+              <a:rPr lang="en-US" sz="3200" kern="1200" dirty="0" smtClean="0">
+                <a:solidFill>
+                  <a:schemeClr val="tx1"/>
+                </a:solidFill>
+                <a:effectLst/>
+                <a:latin typeface="+mn-lt"/>
+                <a:ea typeface="+mn-ea"/>
+                <a:cs typeface="+mn-cs"/>
+              </a:rPr>
+              <a:t> easy to sense</a:t>
             </a:r>
           </a:p>
           <a:p>
             <a:pPr lvl="0"/>
             <a:r>
-              <a:rPr lang="en-US" sz="3200" kern="1200" dirty="0" smtClean="0">
-                <a:solidFill>
-                  <a:schemeClr val="tx1"/>
-                </a:solidFill>
-                <a:effectLst/>
-                <a:latin typeface="+mn-lt"/>
-                <a:ea typeface="+mn-ea"/>
-                <a:cs typeface="+mn-cs"/>
-              </a:rPr>
-              <a:t>Activity:</a:t>
-            </a:r>
-            <a:r>
-              <a:rPr lang="en-US" sz="3200" kern="1200" baseline="0" dirty="0" smtClean="0">
-                <a:solidFill>
-                  <a:schemeClr val="tx1"/>
-                </a:solidFill>
-                <a:effectLst/>
-                <a:latin typeface="+mn-lt"/>
-                <a:ea typeface="+mn-ea"/>
-                <a:cs typeface="+mn-cs"/>
-              </a:rPr>
-              <a:t> </a:t>
-            </a:r>
-            <a:r>
-              <a:rPr lang="en-US" sz="3200" kern="1200" dirty="0" smtClean="0">
-                <a:solidFill>
-                  <a:schemeClr val="tx1"/>
-                </a:solidFill>
-                <a:effectLst/>
-                <a:latin typeface="+mn-lt"/>
-                <a:ea typeface="+mn-ea"/>
-                <a:cs typeface="+mn-cs"/>
-              </a:rPr>
-              <a:t>Insert</a:t>
-            </a:r>
-            <a:r>
-              <a:rPr lang="en-US" sz="3200" kern="1200" baseline="0" dirty="0" smtClean="0">
-                <a:solidFill>
-                  <a:schemeClr val="tx1"/>
-                </a:solidFill>
-                <a:effectLst/>
-                <a:latin typeface="+mn-lt"/>
-                <a:ea typeface="+mn-ea"/>
-                <a:cs typeface="+mn-cs"/>
-              </a:rPr>
-              <a:t> at</a:t>
-            </a:r>
-            <a:r>
-              <a:rPr lang="en-US" sz="3200" kern="1200" dirty="0" smtClean="0">
-                <a:solidFill>
-                  <a:schemeClr val="tx1"/>
-                </a:solidFill>
-                <a:effectLst/>
-                <a:latin typeface="+mn-lt"/>
-                <a:ea typeface="+mn-ea"/>
-                <a:cs typeface="+mn-cs"/>
-              </a:rPr>
-              <a:t> any other points</a:t>
-            </a:r>
-          </a:p>
-          <a:p>
-            <a:pPr lvl="1"/>
-            <a:r>
-              <a:rPr lang="en-US" sz="2800" kern="1200" dirty="0" smtClean="0">
-                <a:solidFill>
-                  <a:schemeClr val="tx1"/>
-                </a:solidFill>
-                <a:effectLst/>
-                <a:latin typeface="+mn-lt"/>
-                <a:ea typeface="+mn-ea"/>
-                <a:cs typeface="+mn-cs"/>
-              </a:rPr>
-              <a:t>Think fancy print() calls</a:t>
+              <a:rPr lang="en-US" kern="1200" dirty="0" smtClean="0">
+                <a:solidFill>
+                  <a:schemeClr val="tx1"/>
+                </a:solidFill>
+                <a:effectLst/>
+                <a:latin typeface="+mn-lt"/>
+                <a:ea typeface="+mn-ea"/>
+                <a:cs typeface="+mn-cs"/>
+              </a:rPr>
+              <a:t>(Restart</a:t>
+            </a:r>
+            <a:r>
+              <a:rPr lang="en-US" kern="1200" baseline="0" dirty="0" smtClean="0">
+                <a:solidFill>
+                  <a:schemeClr val="tx1"/>
+                </a:solidFill>
+                <a:effectLst/>
+                <a:latin typeface="+mn-lt"/>
+                <a:ea typeface="+mn-ea"/>
+                <a:cs typeface="+mn-cs"/>
+              </a:rPr>
+              <a:t> process when </a:t>
+            </a:r>
+            <a:r>
+              <a:rPr lang="en-US" kern="1200" baseline="0" dirty="0" err="1" smtClean="0">
+                <a:solidFill>
+                  <a:schemeClr val="tx1"/>
+                </a:solidFill>
+                <a:effectLst/>
+                <a:latin typeface="+mn-lt"/>
+                <a:ea typeface="+mn-ea"/>
+                <a:cs typeface="+mn-cs"/>
+              </a:rPr>
+              <a:t>params</a:t>
+            </a:r>
+            <a:r>
+              <a:rPr lang="en-US" kern="1200" baseline="0" dirty="0" smtClean="0">
+                <a:solidFill>
+                  <a:schemeClr val="tx1"/>
+                </a:solidFill>
+                <a:effectLst/>
+                <a:latin typeface="+mn-lt"/>
+                <a:ea typeface="+mn-ea"/>
+                <a:cs typeface="+mn-cs"/>
+              </a:rPr>
+              <a:t> change)</a:t>
+            </a:r>
+            <a:endParaRPr lang="en-US" kern="1200" dirty="0" smtClean="0">
+              <a:solidFill>
+                <a:schemeClr val="tx1"/>
+              </a:solidFill>
+              <a:effectLst/>
+              <a:latin typeface="+mn-lt"/>
+              <a:ea typeface="+mn-ea"/>
+              <a:cs typeface="+mn-cs"/>
+            </a:endParaRPr>
+          </a:p>
+          <a:p>
+            <a:pPr lvl="0"/>
+            <a:endParaRPr lang="en-US" sz="2400" kern="1200" dirty="0" smtClean="0">
+              <a:solidFill>
+                <a:schemeClr val="tx1"/>
+              </a:solidFill>
+              <a:effectLst/>
+              <a:latin typeface="+mn-lt"/>
+              <a:ea typeface="+mn-ea"/>
+              <a:cs typeface="+mn-cs"/>
+            </a:endParaRPr>
+          </a:p>
+          <a:p>
+            <a:pPr lvl="0"/>
+            <a:r>
+              <a:rPr lang="en-US" sz="2400" kern="1200" dirty="0" smtClean="0">
+                <a:solidFill>
+                  <a:srgbClr val="00B050"/>
+                </a:solidFill>
+                <a:effectLst/>
+                <a:latin typeface="+mn-lt"/>
+                <a:ea typeface="+mn-ea"/>
+                <a:cs typeface="+mn-cs"/>
+              </a:rPr>
+              <a:t>&lt;code: environment variable control&gt;</a:t>
             </a:r>
           </a:p>
         </p:txBody>
@@ -6944,7 +7223,7 @@
     </p:spTree>
     <p:extLst>
       <p:ext uri="{BB962C8B-B14F-4D97-AF65-F5344CB8AC3E}">
-        <p14:creationId xmlns:p14="http://schemas.microsoft.com/office/powerpoint/2010/main" val="2684274098"/>
+        <p14:creationId xmlns:p14="http://schemas.microsoft.com/office/powerpoint/2010/main" val="1887016969"/>
       </p:ext>
     </p:extLst>
   </p:cSld>
@@ -6988,7 +7267,11 @@
           <a:p>
             <a:r>
               <a:rPr lang="en-US" dirty="0" smtClean="0"/>
-              <a:t>Requirements (cont'd)</a:t>
+              <a:t>Leave the Debugging</a:t>
+            </a:r>
+            <a:r>
+              <a:rPr lang="en-US" baseline="0" dirty="0" smtClean="0"/>
+              <a:t> Code in</a:t>
             </a:r>
             <a:endParaRPr lang="en-US" dirty="0"/>
           </a:p>
@@ -7006,7 +7289,9 @@
         </p:nvSpPr>
         <p:spPr/>
         <p:txBody>
-          <a:bodyPr/>
+          <a:bodyPr>
+            <a:normAutofit/>
+          </a:bodyPr>
           <a:lstStyle/>
           <a:p>
             <a:pPr lvl="0"/>
@@ -7020,7 +7305,7 @@
                 <a:ea typeface="+mn-ea"/>
                 <a:cs typeface="+mn-cs"/>
               </a:rPr>
-              <a:t>Priorities for different levels of details </a:t>
+              <a:t>Suppose a bug shows up in production?  </a:t>
             </a:r>
           </a:p>
           <a:p>
@@ -7035,20 +7320,101 @@
                 <a:ea typeface="+mn-ea"/>
                 <a:cs typeface="+mn-cs"/>
               </a:rPr>
-              <a:t> e.g., function entry and exit, details inside complex logic, </a:t>
-            </a:r>
-            <a:r>
-              <a:rPr lang="en-US" sz="2800" kern="1200" smtClean="0">
-                <a:solidFill>
-                  <a:schemeClr val="tx1"/>
-                </a:solidFill>
-                <a:effectLst/>
-                <a:latin typeface="+mn-lt"/>
-                <a:ea typeface="+mn-ea"/>
-                <a:cs typeface="+mn-cs"/>
-              </a:rPr>
-              <a:t>details inside </a:t>
-            </a:r>
+              <a:t>Just tell the customer to add a couple environment variables and restart the application</a:t>
+            </a:r>
+          </a:p>
+          <a:p>
+            <a:pPr lvl="2"/>
+            <a:r>
+              <a:rPr lang="en-US" sz="2400" kern="1200" dirty="0" smtClean="0">
+                <a:solidFill>
+                  <a:schemeClr val="tx1"/>
+                </a:solidFill>
+                <a:effectLst/>
+                <a:latin typeface="+mn-lt"/>
+                <a:ea typeface="+mn-ea"/>
+                <a:cs typeface="+mn-cs"/>
+              </a:rPr>
+              <a:t>Yes, we actually did that</a:t>
+            </a:r>
+          </a:p>
+          <a:p>
+            <a:pPr lvl="0"/>
+            <a:r>
+              <a:rPr lang="en-US" sz="3200" kern="1200" dirty="0" smtClean="0">
+                <a:solidFill>
+                  <a:schemeClr val="tx1"/>
+                </a:solidFill>
+                <a:effectLst/>
+                <a:latin typeface="+mn-lt"/>
+                <a:ea typeface="+mn-ea"/>
+                <a:cs typeface="+mn-cs"/>
+              </a:rPr>
+              <a:t>Us</a:t>
+            </a:r>
+            <a:r>
+              <a:rPr lang="en-US" sz="3200" kern="1200" baseline="0" dirty="0" smtClean="0">
+                <a:solidFill>
+                  <a:schemeClr val="tx1"/>
+                </a:solidFill>
+                <a:effectLst/>
+                <a:latin typeface="+mn-lt"/>
+                <a:ea typeface="+mn-ea"/>
+                <a:cs typeface="+mn-cs"/>
+              </a:rPr>
+              <a:t>e </a:t>
+            </a:r>
+            <a:r>
+              <a:rPr lang="en-US" sz="3200" kern="1200" dirty="0" err="1" smtClean="0">
+                <a:solidFill>
+                  <a:schemeClr val="tx1"/>
+                </a:solidFill>
+                <a:effectLst/>
+                <a:latin typeface="+mn-lt"/>
+                <a:ea typeface="+mn-ea"/>
+                <a:cs typeface="+mn-cs"/>
+              </a:rPr>
+              <a:t>env</a:t>
+            </a:r>
+            <a:r>
+              <a:rPr lang="en-US" sz="3200" kern="1200" dirty="0" smtClean="0">
+                <a:solidFill>
+                  <a:schemeClr val="tx1"/>
+                </a:solidFill>
+                <a:effectLst/>
+                <a:latin typeface="+mn-lt"/>
+                <a:ea typeface="+mn-ea"/>
+                <a:cs typeface="+mn-cs"/>
+              </a:rPr>
+              <a:t> </a:t>
+            </a:r>
+            <a:r>
+              <a:rPr lang="en-US" sz="3200" kern="1200" dirty="0" err="1" smtClean="0">
+                <a:solidFill>
+                  <a:schemeClr val="tx1"/>
+                </a:solidFill>
+                <a:effectLst/>
+                <a:latin typeface="+mn-lt"/>
+                <a:ea typeface="+mn-ea"/>
+                <a:cs typeface="+mn-cs"/>
+              </a:rPr>
+              <a:t>vars</a:t>
+            </a:r>
+            <a:r>
+              <a:rPr lang="en-US" sz="3200" kern="1200" dirty="0" smtClean="0">
+                <a:solidFill>
+                  <a:schemeClr val="tx1"/>
+                </a:solidFill>
+                <a:effectLst/>
+                <a:latin typeface="+mn-lt"/>
+                <a:ea typeface="+mn-ea"/>
+                <a:cs typeface="+mn-cs"/>
+              </a:rPr>
+              <a:t> to control </a:t>
+            </a:r>
+          </a:p>
+          <a:p>
+            <a:pPr lvl="1"/>
             <a:r>
               <a:rPr lang="en-US" sz="2800" kern="1200" dirty="0" smtClean="0">
                 <a:solidFill>
@@ -7059,46 +7425,38 @@
                 <a:ea typeface="+mn-ea"/>
                 <a:cs typeface="+mn-cs"/>
               </a:rPr>
-              <a:t>loops</a:t>
-            </a:r>
-          </a:p>
-          <a:p>
-            <a:r>
-              <a:rPr lang="en-US" dirty="0" smtClean="0"/>
-              <a:t>Options for output location and format</a:t>
-            </a:r>
-          </a:p>
-          <a:p>
-            <a:r>
-              <a:rPr lang="en-US" dirty="0" smtClean="0"/>
-              <a:t>Low performance impact</a:t>
-            </a:r>
-          </a:p>
-          <a:p>
-            <a:pPr marL="0" indent="0">
-              <a:buNone/>
-            </a:pPr>
-            <a:endParaRPr lang="en-US" b="0" dirty="0" smtClean="0"/>
-          </a:p>
-          <a:p>
-            <a:pPr marL="0" indent="0">
-              <a:buNone/>
-            </a:pPr>
-            <a:r>
-              <a:rPr lang="en-US" b="0" dirty="0" smtClean="0"/>
-              <a:t>and</a:t>
-            </a:r>
-          </a:p>
-          <a:p>
-            <a:r>
-              <a:rPr lang="en-US" b="1" dirty="0" smtClean="0"/>
-              <a:t>Manageable</a:t>
-            </a:r>
-            <a:r>
-              <a:rPr lang="en-US" b="1" baseline="0" dirty="0" smtClean="0"/>
-              <a:t> without editing code!</a:t>
-            </a:r>
-            <a:endParaRPr lang="en-US" b="1" dirty="0"/>
+              <a:t>priority, source filtering</a:t>
+            </a:r>
+          </a:p>
+          <a:p>
+            <a:pPr lvl="1"/>
+            <a:r>
+              <a:rPr lang="en-US" sz="2800" kern="1200" dirty="0" smtClean="0">
+                <a:solidFill>
+                  <a:schemeClr val="tx1"/>
+                </a:solidFill>
+                <a:effectLst/>
+                <a:latin typeface="+mn-lt"/>
+                <a:ea typeface="+mn-ea"/>
+                <a:cs typeface="+mn-cs"/>
+              </a:rPr>
+              <a:t>output file location, output syntax</a:t>
+            </a:r>
+          </a:p>
+          <a:p>
+            <a:pPr lvl="1"/>
+            <a:r>
+              <a:rPr lang="en-US" sz="2800" kern="1200" dirty="0" smtClean="0">
+                <a:solidFill>
+                  <a:schemeClr val="tx1"/>
+                </a:solidFill>
+                <a:effectLst/>
+                <a:latin typeface="+mn-lt"/>
+                <a:ea typeface="+mn-ea"/>
+                <a:cs typeface="+mn-cs"/>
+              </a:rPr>
+              <a:t>production mode</a:t>
+            </a:r>
           </a:p>
         </p:txBody>
       </p:sp>
@@ -7174,7 +7532,7 @@
     </p:spTree>
     <p:extLst>
       <p:ext uri="{BB962C8B-B14F-4D97-AF65-F5344CB8AC3E}">
-        <p14:creationId xmlns:p14="http://schemas.microsoft.com/office/powerpoint/2010/main" val="3116210897"/>
+        <p14:creationId xmlns:p14="http://schemas.microsoft.com/office/powerpoint/2010/main" val="282592620"/>
       </p:ext>
     </p:extLst>
   </p:cSld>
@@ -7218,7 +7576,7 @@
           <a:p>
             <a:r>
               <a:rPr lang="en-US" dirty="0" smtClean="0"/>
-              <a:t>Timestamp</a:t>
+              <a:t>Output Where?</a:t>
             </a:r>
             <a:endParaRPr lang="en-US" dirty="0"/>
           </a:p>
@@ -7239,15 +7597,178 @@
           <a:bodyPr/>
           <a:lstStyle/>
           <a:p>
-            <a:r>
-              <a:rPr lang="en-US" dirty="0" smtClean="0">
-                <a:effectLst/>
-              </a:rPr>
-              <a:t>Date and time, to second or millisecond</a:t>
-            </a:r>
-          </a:p>
-          <a:p>
-            <a:endParaRPr lang="en-US" dirty="0"/>
+            <a:pPr lvl="0"/>
+            <a:r>
+              <a:rPr lang="en-US" sz="3200" kern="1200" dirty="0" smtClean="0">
+                <a:solidFill>
+                  <a:schemeClr val="tx1"/>
+                </a:solidFill>
+                <a:effectLst/>
+                <a:latin typeface="+mn-lt"/>
+                <a:ea typeface="+mn-ea"/>
+                <a:cs typeface="+mn-cs"/>
+              </a:rPr>
+              <a:t>Send to </a:t>
+            </a:r>
+            <a:r>
+              <a:rPr lang="en-US" sz="3200" kern="1200" dirty="0" err="1" smtClean="0">
+                <a:solidFill>
+                  <a:schemeClr val="tx1"/>
+                </a:solidFill>
+                <a:effectLst/>
+                <a:latin typeface="+mn-lt"/>
+                <a:ea typeface="+mn-ea"/>
+                <a:cs typeface="+mn-cs"/>
+              </a:rPr>
+              <a:t>stdout</a:t>
+            </a:r>
+            <a:r>
+              <a:rPr lang="en-US" sz="3200" kern="1200" dirty="0" smtClean="0">
+                <a:solidFill>
+                  <a:schemeClr val="tx1"/>
+                </a:solidFill>
+                <a:effectLst/>
+                <a:latin typeface="+mn-lt"/>
+                <a:ea typeface="+mn-ea"/>
+                <a:cs typeface="+mn-cs"/>
+              </a:rPr>
+              <a:t> if possible</a:t>
+            </a:r>
+          </a:p>
+          <a:p>
+            <a:pPr lvl="1"/>
+            <a:r>
+              <a:rPr lang="en-US" sz="2800" kern="1200" dirty="0" smtClean="0">
+                <a:solidFill>
+                  <a:schemeClr val="tx1"/>
+                </a:solidFill>
+                <a:effectLst/>
+                <a:latin typeface="+mn-lt"/>
+                <a:ea typeface="+mn-ea"/>
+                <a:cs typeface="+mn-cs"/>
+              </a:rPr>
+              <a:t>less is more, makes it easy to find </a:t>
+            </a:r>
+          </a:p>
+          <a:p>
+            <a:pPr lvl="1"/>
+            <a:r>
+              <a:rPr lang="en-US" sz="2800" kern="1200" dirty="0" smtClean="0">
+                <a:solidFill>
+                  <a:schemeClr val="tx1"/>
+                </a:solidFill>
+                <a:effectLst/>
+                <a:latin typeface="+mn-lt"/>
+                <a:ea typeface="+mn-ea"/>
+                <a:cs typeface="+mn-cs"/>
+              </a:rPr>
+              <a:t>need log file output, too, if </a:t>
+            </a:r>
+            <a:r>
+              <a:rPr lang="en-US" sz="2800" kern="1200" dirty="0" err="1" smtClean="0">
+                <a:solidFill>
+                  <a:schemeClr val="tx1"/>
+                </a:solidFill>
+                <a:effectLst/>
+                <a:latin typeface="+mn-lt"/>
+                <a:ea typeface="+mn-ea"/>
+                <a:cs typeface="+mn-cs"/>
+              </a:rPr>
+              <a:t>stdout</a:t>
+            </a:r>
+            <a:r>
+              <a:rPr lang="en-US" sz="2800" kern="1200" dirty="0" smtClean="0">
+                <a:solidFill>
+                  <a:schemeClr val="tx1"/>
+                </a:solidFill>
+                <a:effectLst/>
+                <a:latin typeface="+mn-lt"/>
+                <a:ea typeface="+mn-ea"/>
+                <a:cs typeface="+mn-cs"/>
+              </a:rPr>
+              <a:t> not available</a:t>
+            </a:r>
+          </a:p>
+          <a:p>
+            <a:pPr lvl="1"/>
+            <a:r>
+              <a:rPr lang="en-US" sz="2800" kern="1200" dirty="0" smtClean="0">
+                <a:solidFill>
+                  <a:schemeClr val="tx1"/>
+                </a:solidFill>
+                <a:effectLst/>
+                <a:latin typeface="+mn-lt"/>
+                <a:ea typeface="+mn-ea"/>
+                <a:cs typeface="+mn-cs"/>
+              </a:rPr>
+              <a:t>and optional html tags for web output</a:t>
+            </a:r>
+          </a:p>
+          <a:p>
+            <a:pPr lvl="1"/>
+            <a:r>
+              <a:rPr lang="en-US" sz="2800" kern="1200" dirty="0" smtClean="0">
+                <a:solidFill>
+                  <a:schemeClr val="tx1"/>
+                </a:solidFill>
+                <a:effectLst/>
+                <a:latin typeface="+mn-lt"/>
+                <a:ea typeface="+mn-ea"/>
+                <a:cs typeface="+mn-cs"/>
+              </a:rPr>
+              <a:t>maybe more than one at a time,  </a:t>
+            </a:r>
+            <a:r>
+              <a:rPr lang="en-US" sz="2800" kern="1200" dirty="0" err="1" smtClean="0">
+                <a:solidFill>
+                  <a:schemeClr val="tx1"/>
+                </a:solidFill>
+                <a:effectLst/>
+                <a:latin typeface="+mn-lt"/>
+                <a:ea typeface="+mn-ea"/>
+                <a:cs typeface="+mn-cs"/>
+              </a:rPr>
+              <a:t>e.g</a:t>
+            </a:r>
+            <a:r>
+              <a:rPr lang="en-US" sz="2800" kern="1200" dirty="0" smtClean="0">
+                <a:solidFill>
+                  <a:schemeClr val="tx1"/>
+                </a:solidFill>
+                <a:effectLst/>
+                <a:latin typeface="+mn-lt"/>
+                <a:ea typeface="+mn-ea"/>
+                <a:cs typeface="+mn-cs"/>
+              </a:rPr>
+              <a:t>,  </a:t>
+            </a:r>
+            <a:r>
+              <a:rPr lang="en-US" sz="2800" kern="1200" dirty="0" err="1" smtClean="0">
+                <a:solidFill>
+                  <a:schemeClr val="tx1"/>
+                </a:solidFill>
+                <a:effectLst/>
+                <a:latin typeface="+mn-lt"/>
+                <a:ea typeface="+mn-ea"/>
+                <a:cs typeface="+mn-cs"/>
+              </a:rPr>
+              <a:t>stdout</a:t>
+            </a:r>
+            <a:r>
+              <a:rPr lang="en-US" sz="2800" kern="1200" dirty="0" smtClean="0">
+                <a:solidFill>
+                  <a:schemeClr val="tx1"/>
+                </a:solidFill>
+                <a:effectLst/>
+                <a:latin typeface="+mn-lt"/>
+                <a:ea typeface="+mn-ea"/>
+                <a:cs typeface="+mn-cs"/>
+              </a:rPr>
+              <a:t> and file</a:t>
+            </a:r>
+          </a:p>
+          <a:p>
+            <a:endParaRPr lang="en-US" dirty="0" smtClean="0"/>
           </a:p>
           <a:p>
             <a:r>
@@ -7255,15 +7776,9 @@
                 <a:solidFill>
                   <a:srgbClr val="00B050"/>
                 </a:solidFill>
-                <a:effectLst/>
-              </a:rPr>
-              <a:t>&lt;code: timestamp&gt;</a:t>
-            </a:r>
-          </a:p>
-          <a:p>
-            <a:endParaRPr lang="en-US" dirty="0" smtClean="0">
-              <a:effectLst/>
-            </a:endParaRPr>
+              </a:rPr>
+              <a:t>&lt;code: looking at output&gt;</a:t>
+            </a:r>
           </a:p>
         </p:txBody>
       </p:sp>
@@ -7339,7 +7854,7 @@
     </p:spTree>
     <p:extLst>
       <p:ext uri="{BB962C8B-B14F-4D97-AF65-F5344CB8AC3E}">
-        <p14:creationId xmlns:p14="http://schemas.microsoft.com/office/powerpoint/2010/main" val="927184767"/>
+        <p14:creationId xmlns:p14="http://schemas.microsoft.com/office/powerpoint/2010/main" val="4093681671"/>
       </p:ext>
     </p:extLst>
   </p:cSld>
@@ -7383,11 +7898,11 @@
           <a:p>
             <a:r>
               <a:rPr lang="en-US" dirty="0" smtClean="0"/>
-              <a:t>Easy Control</a:t>
+              <a:t>Identify Data, Not</a:t>
             </a:r>
             <a:r>
               <a:rPr lang="en-US" baseline="0" dirty="0" smtClean="0"/>
-              <a:t> of Debug On/Off</a:t>
+              <a:t> Just Location</a:t>
             </a:r>
             <a:endParaRPr lang="en-US" dirty="0"/>
           </a:p>
@@ -7405,264 +7920,45 @@
         </p:nvSpPr>
         <p:spPr/>
         <p:txBody>
-          <a:bodyPr>
-            <a:normAutofit/>
-          </a:bodyPr>
-          <a:lstStyle/>
-          <a:p>
-            <a:pPr lvl="0"/>
-            <a:r>
-              <a:rPr lang="en-US" sz="3200" kern="1200" dirty="0" smtClean="0">
-                <a:solidFill>
-                  <a:schemeClr val="tx1"/>
-                </a:solidFill>
-                <a:effectLst/>
-                <a:latin typeface="+mn-lt"/>
-                <a:ea typeface="+mn-ea"/>
-                <a:cs typeface="+mn-cs"/>
-              </a:rPr>
-              <a:t>Control with </a:t>
-            </a:r>
-            <a:r>
-              <a:rPr lang="en-US" sz="3200" b="1" kern="1200" dirty="0" smtClean="0">
-                <a:solidFill>
-                  <a:schemeClr val="tx1"/>
-                </a:solidFill>
-                <a:effectLst/>
-                <a:latin typeface="+mn-lt"/>
-                <a:ea typeface="+mn-ea"/>
-                <a:cs typeface="+mn-cs"/>
-              </a:rPr>
-              <a:t>environment variables</a:t>
-            </a:r>
-          </a:p>
-          <a:p>
-            <a:pPr lvl="1"/>
-            <a:r>
-              <a:rPr lang="en-US" sz="2800" kern="1200" dirty="0" smtClean="0">
-                <a:solidFill>
-                  <a:schemeClr val="tx1"/>
-                </a:solidFill>
-                <a:effectLst/>
-                <a:latin typeface="+mn-lt"/>
-                <a:ea typeface="+mn-ea"/>
-                <a:cs typeface="+mn-cs"/>
-              </a:rPr>
-              <a:t>Don't want to change the code for debug/</a:t>
-            </a:r>
-            <a:r>
-              <a:rPr lang="en-US" sz="2800" kern="1200" dirty="0" err="1" smtClean="0">
-                <a:solidFill>
-                  <a:schemeClr val="tx1"/>
-                </a:solidFill>
-                <a:effectLst/>
-                <a:latin typeface="+mn-lt"/>
-                <a:ea typeface="+mn-ea"/>
-                <a:cs typeface="+mn-cs"/>
-              </a:rPr>
-              <a:t>nondebug</a:t>
-            </a:r>
-            <a:r>
-              <a:rPr lang="en-US" sz="2800" kern="1200" dirty="0" smtClean="0">
-                <a:solidFill>
-                  <a:schemeClr val="tx1"/>
-                </a:solidFill>
-                <a:effectLst/>
-                <a:latin typeface="+mn-lt"/>
-                <a:ea typeface="+mn-ea"/>
-                <a:cs typeface="+mn-cs"/>
-              </a:rPr>
-              <a:t> versions.  </a:t>
-            </a:r>
-          </a:p>
-          <a:p>
-            <a:pPr lvl="1"/>
-            <a:r>
-              <a:rPr lang="en-US" sz="2800" kern="1200" dirty="0" smtClean="0">
-                <a:solidFill>
-                  <a:schemeClr val="tx1"/>
-                </a:solidFill>
-                <a:effectLst/>
-                <a:latin typeface="+mn-lt"/>
-                <a:ea typeface="+mn-ea"/>
-                <a:cs typeface="+mn-cs"/>
-              </a:rPr>
-              <a:t>Tracing should be permanently installed</a:t>
-            </a:r>
-          </a:p>
-          <a:p>
-            <a:pPr lvl="1"/>
-            <a:r>
-              <a:rPr lang="en-US" sz="2800" kern="1200" dirty="0" smtClean="0">
-                <a:solidFill>
-                  <a:schemeClr val="tx1"/>
-                </a:solidFill>
-                <a:effectLst/>
-                <a:latin typeface="+mn-lt"/>
-                <a:ea typeface="+mn-ea"/>
-                <a:cs typeface="+mn-cs"/>
-              </a:rPr>
-              <a:t>When</a:t>
-            </a:r>
-            <a:r>
-              <a:rPr lang="en-US" sz="2800" kern="1200" baseline="0" dirty="0" smtClean="0">
-                <a:solidFill>
-                  <a:schemeClr val="tx1"/>
-                </a:solidFill>
-                <a:effectLst/>
-                <a:latin typeface="+mn-lt"/>
-                <a:ea typeface="+mn-ea"/>
-                <a:cs typeface="+mn-cs"/>
-              </a:rPr>
-              <a:t> customer calls with a problem...</a:t>
-            </a:r>
-            <a:endParaRPr lang="en-US" sz="2800" kern="1200" dirty="0" smtClean="0">
+          <a:bodyPr/>
+          <a:lstStyle/>
+          <a:p>
+            <a:r>
+              <a:rPr lang="en-US" dirty="0" smtClean="0"/>
+              <a:t>All class instances look alike</a:t>
+            </a:r>
+          </a:p>
+          <a:p>
+            <a:r>
+              <a:rPr lang="en-US" dirty="0" smtClean="0"/>
+              <a:t>Identifying instances by address or id?  Not useful to humans</a:t>
+            </a:r>
+          </a:p>
+          <a:p>
+            <a:endParaRPr lang="en-US" dirty="0" smtClean="0"/>
+          </a:p>
+          <a:p>
+            <a:r>
+              <a:rPr lang="en-US" sz="2400" dirty="0" smtClean="0">
+                <a:solidFill>
+                  <a:srgbClr val="00B050"/>
+                </a:solidFill>
+              </a:rPr>
+              <a:t>&lt;code: instance</a:t>
+            </a:r>
+            <a:r>
+              <a:rPr lang="en-US" sz="2400" baseline="0" dirty="0" smtClean="0">
+                <a:solidFill>
+                  <a:srgbClr val="00B050"/>
+                </a:solidFill>
+              </a:rPr>
+              <a:t> identifiers&gt;</a:t>
+            </a:r>
+            <a:endParaRPr lang="en-US" sz="2400" dirty="0">
               <a:solidFill>
-                <a:schemeClr val="tx1"/>
+                <a:srgbClr val="00B050"/>
               </a:solidFill>
-              <a:effectLst/>
-              <a:latin typeface="+mn-lt"/>
-              <a:ea typeface="+mn-ea"/>
-              <a:cs typeface="+mn-cs"/>
             </a:endParaRPr>
-          </a:p>
-          <a:p>
-            <a:pPr lvl="0"/>
-            <a:r>
-              <a:rPr lang="en-US" sz="3200" kern="1200" dirty="0" err="1" smtClean="0">
-                <a:solidFill>
-                  <a:schemeClr val="tx1"/>
-                </a:solidFill>
-                <a:effectLst/>
-                <a:latin typeface="+mn-lt"/>
-                <a:ea typeface="+mn-ea"/>
-                <a:cs typeface="+mn-cs"/>
-              </a:rPr>
-              <a:t>Envir</a:t>
-            </a:r>
-            <a:r>
-              <a:rPr lang="en-US" sz="3200" kern="1200" dirty="0" smtClean="0">
-                <a:solidFill>
-                  <a:schemeClr val="tx1"/>
-                </a:solidFill>
-                <a:effectLst/>
-                <a:latin typeface="+mn-lt"/>
-                <a:ea typeface="+mn-ea"/>
-                <a:cs typeface="+mn-cs"/>
-              </a:rPr>
-              <a:t> </a:t>
-            </a:r>
-            <a:r>
-              <a:rPr lang="en-US" sz="3200" kern="1200" dirty="0" err="1" smtClean="0">
-                <a:solidFill>
-                  <a:schemeClr val="tx1"/>
-                </a:solidFill>
-                <a:effectLst/>
-                <a:latin typeface="+mn-lt"/>
-                <a:ea typeface="+mn-ea"/>
-                <a:cs typeface="+mn-cs"/>
-              </a:rPr>
-              <a:t>vars</a:t>
-            </a:r>
-            <a:r>
-              <a:rPr lang="en-US" sz="3200" kern="1200" dirty="0" smtClean="0">
-                <a:solidFill>
-                  <a:schemeClr val="tx1"/>
-                </a:solidFill>
-                <a:effectLst/>
-                <a:latin typeface="+mn-lt"/>
-                <a:ea typeface="+mn-ea"/>
-                <a:cs typeface="+mn-cs"/>
-              </a:rPr>
-              <a:t> easy to sense</a:t>
-            </a:r>
-          </a:p>
-          <a:p>
-            <a:pPr lvl="0"/>
-            <a:r>
-              <a:rPr lang="en-US" kern="1200" dirty="0" smtClean="0">
-                <a:solidFill>
-                  <a:schemeClr val="tx1"/>
-                </a:solidFill>
-                <a:effectLst/>
-                <a:latin typeface="+mn-lt"/>
-                <a:ea typeface="+mn-ea"/>
-                <a:cs typeface="+mn-cs"/>
-              </a:rPr>
-              <a:t>(Restart</a:t>
-            </a:r>
-            <a:r>
-              <a:rPr lang="en-US" kern="1200" baseline="0" dirty="0" smtClean="0">
-                <a:solidFill>
-                  <a:schemeClr val="tx1"/>
-                </a:solidFill>
-                <a:effectLst/>
-                <a:latin typeface="+mn-lt"/>
-                <a:ea typeface="+mn-ea"/>
-                <a:cs typeface="+mn-cs"/>
-              </a:rPr>
-              <a:t> process when </a:t>
-            </a:r>
-            <a:r>
-              <a:rPr lang="en-US" kern="1200" baseline="0" dirty="0" err="1" smtClean="0">
-                <a:solidFill>
-                  <a:schemeClr val="tx1"/>
-                </a:solidFill>
-                <a:effectLst/>
-                <a:latin typeface="+mn-lt"/>
-                <a:ea typeface="+mn-ea"/>
-                <a:cs typeface="+mn-cs"/>
-              </a:rPr>
-              <a:t>params</a:t>
-            </a:r>
-            <a:r>
-              <a:rPr lang="en-US" kern="1200" baseline="0" dirty="0" smtClean="0">
-                <a:solidFill>
-                  <a:schemeClr val="tx1"/>
-                </a:solidFill>
-                <a:effectLst/>
-                <a:latin typeface="+mn-lt"/>
-                <a:ea typeface="+mn-ea"/>
-                <a:cs typeface="+mn-cs"/>
-              </a:rPr>
-              <a:t> change)</a:t>
-            </a:r>
-            <a:endParaRPr lang="en-US" kern="1200" dirty="0" smtClean="0">
-              <a:solidFill>
-                <a:schemeClr val="tx1"/>
-              </a:solidFill>
-              <a:effectLst/>
-              <a:latin typeface="+mn-lt"/>
-              <a:ea typeface="+mn-ea"/>
-              <a:cs typeface="+mn-cs"/>
-            </a:endParaRPr>
-          </a:p>
-          <a:p>
-            <a:pPr lvl="0"/>
-            <a:endParaRPr lang="en-US" sz="2400" kern="1200" dirty="0" smtClean="0">
-              <a:solidFill>
-                <a:schemeClr val="tx1"/>
-              </a:solidFill>
-              <a:effectLst/>
-              <a:latin typeface="+mn-lt"/>
-              <a:ea typeface="+mn-ea"/>
-              <a:cs typeface="+mn-cs"/>
-            </a:endParaRPr>
-          </a:p>
-          <a:p>
-            <a:pPr lvl="0"/>
-            <a:r>
-              <a:rPr lang="en-US" sz="2400" kern="1200" dirty="0" smtClean="0">
-                <a:solidFill>
-                  <a:srgbClr val="00B050"/>
-                </a:solidFill>
-                <a:effectLst/>
-                <a:latin typeface="+mn-lt"/>
-                <a:ea typeface="+mn-ea"/>
-                <a:cs typeface="+mn-cs"/>
-              </a:rPr>
-              <a:t>&lt;code: environment variable control&gt;</a:t>
-            </a:r>
           </a:p>
         </p:txBody>
       </p:sp>
@@ -7738,7 +8034,7 @@
     </p:spTree>
     <p:extLst>
       <p:ext uri="{BB962C8B-B14F-4D97-AF65-F5344CB8AC3E}">
-        <p14:creationId xmlns:p14="http://schemas.microsoft.com/office/powerpoint/2010/main" val="1887016969"/>
+        <p14:creationId xmlns:p14="http://schemas.microsoft.com/office/powerpoint/2010/main" val="3977547530"/>
       </p:ext>
     </p:extLst>
   </p:cSld>
@@ -7782,11 +8078,7 @@
           <a:p>
             <a:r>
               <a:rPr lang="en-US" dirty="0" smtClean="0"/>
-              <a:t>Leave the Debugging</a:t>
-            </a:r>
-            <a:r>
-              <a:rPr lang="en-US" baseline="0" dirty="0" smtClean="0"/>
-              <a:t> Code in</a:t>
+              <a:t>Map IDs to Instances</a:t>
             </a:r>
             <a:endParaRPr lang="en-US" dirty="0"/>
           </a:p>
@@ -7804,9 +8096,7 @@
         </p:nvSpPr>
         <p:spPr/>
         <p:txBody>
-          <a:bodyPr>
-            <a:normAutofit/>
-          </a:bodyPr>
+          <a:bodyPr/>
           <a:lstStyle/>
           <a:p>
             <a:pPr lvl="0"/>
@@ -7820,7 +8110,82 @@
                 <a:ea typeface="+mn-ea"/>
                 <a:cs typeface="+mn-cs"/>
               </a:rPr>
-              <a:t>Suppose a bug shows up in production?  </a:t>
+              <a:t>Store unique ID in each instance</a:t>
+            </a:r>
+          </a:p>
+          <a:p>
+            <a:pPr lvl="0"/>
+            <a:r>
+              <a:rPr lang="en-US" sz="3200" kern="1200" dirty="0" smtClean="0">
+                <a:solidFill>
+                  <a:schemeClr val="tx1"/>
+                </a:solidFill>
+                <a:effectLst/>
+                <a:latin typeface="+mn-lt"/>
+                <a:ea typeface="+mn-ea"/>
+                <a:cs typeface="+mn-cs"/>
+              </a:rPr>
+              <a:t>Always pass ID strings, rather than</a:t>
+            </a:r>
+            <a:r>
+              <a:rPr lang="en-US" sz="3200" kern="1200" baseline="0" dirty="0" smtClean="0">
+                <a:solidFill>
+                  <a:schemeClr val="tx1"/>
+                </a:solidFill>
+                <a:effectLst/>
+                <a:latin typeface="+mn-lt"/>
+                <a:ea typeface="+mn-ea"/>
+                <a:cs typeface="+mn-cs"/>
+              </a:rPr>
+              <a:t> instances (addresses), in argument lists</a:t>
+            </a:r>
+            <a:endParaRPr lang="en-US" sz="3200" kern="1200" dirty="0" smtClean="0">
+              <a:solidFill>
+                <a:schemeClr val="tx1"/>
+              </a:solidFill>
+              <a:effectLst/>
+              <a:latin typeface="+mn-lt"/>
+              <a:ea typeface="+mn-ea"/>
+              <a:cs typeface="+mn-cs"/>
+            </a:endParaRPr>
+          </a:p>
+          <a:p>
+            <a:pPr lvl="0"/>
+            <a:r>
+              <a:rPr lang="en-US" sz="3200" kern="1200" dirty="0" smtClean="0">
+                <a:solidFill>
+                  <a:schemeClr val="tx1"/>
+                </a:solidFill>
+                <a:effectLst/>
+                <a:latin typeface="+mn-lt"/>
+                <a:ea typeface="+mn-ea"/>
+                <a:cs typeface="+mn-cs"/>
+              </a:rPr>
+              <a:t>Use dictionaries to map from (class and) ID-string</a:t>
+            </a:r>
+            <a:r>
+              <a:rPr lang="en-US" sz="3200" kern="1200" baseline="0" dirty="0" smtClean="0">
+                <a:solidFill>
+                  <a:schemeClr val="tx1"/>
+                </a:solidFill>
+                <a:effectLst/>
+                <a:latin typeface="+mn-lt"/>
+                <a:ea typeface="+mn-ea"/>
+                <a:cs typeface="+mn-cs"/>
+              </a:rPr>
+              <a:t> </a:t>
+            </a:r>
+            <a:r>
+              <a:rPr lang="en-US" sz="3200" kern="1200" dirty="0" smtClean="0">
+                <a:solidFill>
+                  <a:schemeClr val="tx1"/>
+                </a:solidFill>
+                <a:effectLst/>
+                <a:latin typeface="+mn-lt"/>
+                <a:ea typeface="+mn-ea"/>
+                <a:cs typeface="+mn-cs"/>
+              </a:rPr>
+              <a:t>to instance</a:t>
             </a:r>
           </a:p>
           <a:p>
@@ -7835,97 +8200,7 @@
                 <a:ea typeface="+mn-ea"/>
                 <a:cs typeface="+mn-cs"/>
               </a:rPr>
-              <a:t>Just tell the customer to add a couple environment variables and restart the application</a:t>
-            </a:r>
-          </a:p>
-          <a:p>
-            <a:pPr lvl="2"/>
-            <a:r>
-              <a:rPr lang="en-US" sz="2400" kern="1200" dirty="0" smtClean="0">
-                <a:solidFill>
-                  <a:schemeClr val="tx1"/>
-                </a:solidFill>
-                <a:effectLst/>
-                <a:latin typeface="+mn-lt"/>
-                <a:ea typeface="+mn-ea"/>
-                <a:cs typeface="+mn-cs"/>
-              </a:rPr>
-              <a:t>Yes, we actually did that</a:t>
-            </a:r>
-          </a:p>
-          <a:p>
-            <a:pPr lvl="0"/>
-            <a:r>
-              <a:rPr lang="en-US" sz="3200" kern="1200" dirty="0" smtClean="0">
-                <a:solidFill>
-                  <a:schemeClr val="tx1"/>
-                </a:solidFill>
-                <a:effectLst/>
-                <a:latin typeface="+mn-lt"/>
-                <a:ea typeface="+mn-ea"/>
-                <a:cs typeface="+mn-cs"/>
-              </a:rPr>
-              <a:t>Us</a:t>
-            </a:r>
-            <a:r>
-              <a:rPr lang="en-US" sz="3200" kern="1200" baseline="0" dirty="0" smtClean="0">
-                <a:solidFill>
-                  <a:schemeClr val="tx1"/>
-                </a:solidFill>
-                <a:effectLst/>
-                <a:latin typeface="+mn-lt"/>
-                <a:ea typeface="+mn-ea"/>
-                <a:cs typeface="+mn-cs"/>
-              </a:rPr>
-              <a:t>e </a:t>
-            </a:r>
-            <a:r>
-              <a:rPr lang="en-US" sz="3200" kern="1200" dirty="0" err="1" smtClean="0">
-                <a:solidFill>
-                  <a:schemeClr val="tx1"/>
-                </a:solidFill>
-                <a:effectLst/>
-                <a:latin typeface="+mn-lt"/>
-                <a:ea typeface="+mn-ea"/>
-                <a:cs typeface="+mn-cs"/>
-              </a:rPr>
-              <a:t>env</a:t>
-            </a:r>
-            <a:r>
-              <a:rPr lang="en-US" sz="3200" kern="1200" dirty="0" smtClean="0">
-                <a:solidFill>
-                  <a:schemeClr val="tx1"/>
-                </a:solidFill>
-                <a:effectLst/>
-                <a:latin typeface="+mn-lt"/>
-                <a:ea typeface="+mn-ea"/>
-                <a:cs typeface="+mn-cs"/>
-              </a:rPr>
-              <a:t> </a:t>
-            </a:r>
-            <a:r>
-              <a:rPr lang="en-US" sz="3200" kern="1200" dirty="0" err="1" smtClean="0">
-                <a:solidFill>
-                  <a:schemeClr val="tx1"/>
-                </a:solidFill>
-                <a:effectLst/>
-                <a:latin typeface="+mn-lt"/>
-                <a:ea typeface="+mn-ea"/>
-                <a:cs typeface="+mn-cs"/>
-              </a:rPr>
-              <a:t>vars</a:t>
-            </a:r>
-            <a:r>
-              <a:rPr lang="en-US" sz="3200" kern="1200" dirty="0" smtClean="0">
-                <a:solidFill>
-                  <a:schemeClr val="tx1"/>
-                </a:solidFill>
-                <a:effectLst/>
-                <a:latin typeface="+mn-lt"/>
-                <a:ea typeface="+mn-ea"/>
-                <a:cs typeface="+mn-cs"/>
-              </a:rPr>
-              <a:t> to control </a:t>
+              <a:t>Dictionary lookup is cheap</a:t>
             </a:r>
           </a:p>
           <a:p>
@@ -7940,11 +8215,20 @@
                 <a:ea typeface="+mn-ea"/>
                 <a:cs typeface="+mn-cs"/>
               </a:rPr>
-              <a:t>priority, source filtering</a:t>
-            </a:r>
-          </a:p>
-          <a:p>
-            <a:pPr lvl="1"/>
+              <a:t>Admittedly very different model from typical web application or </a:t>
+            </a:r>
+            <a:r>
+              <a:rPr lang="en-US" sz="2800" kern="1200" dirty="0" err="1" smtClean="0">
+                <a:solidFill>
+                  <a:schemeClr val="tx1"/>
+                </a:solidFill>
+                <a:effectLst/>
+                <a:latin typeface="+mn-lt"/>
+                <a:ea typeface="+mn-ea"/>
+                <a:cs typeface="+mn-cs"/>
+              </a:rPr>
+              <a:t>microservice</a:t>
+            </a:r>
             <a:r>
               <a:rPr lang="en-US" sz="2800" kern="1200" dirty="0" smtClean="0">
                 <a:solidFill>
@@ -7955,22 +8239,7 @@
                 <a:ea typeface="+mn-ea"/>
                 <a:cs typeface="+mn-cs"/>
               </a:rPr>
-              <a:t>output file location, output syntax</a:t>
-            </a:r>
-          </a:p>
-          <a:p>
-            <a:pPr lvl="1"/>
-            <a:r>
-              <a:rPr lang="en-US" sz="2800" kern="1200" dirty="0" smtClean="0">
-                <a:solidFill>
-                  <a:schemeClr val="tx1"/>
-                </a:solidFill>
-                <a:effectLst/>
-                <a:latin typeface="+mn-lt"/>
-                <a:ea typeface="+mn-ea"/>
-                <a:cs typeface="+mn-cs"/>
-              </a:rPr>
-              <a:t>production mode</a:t>
+              <a:t> suite</a:t>
             </a:r>
           </a:p>
         </p:txBody>
@@ -8047,7 +8316,7 @@
     </p:spTree>
     <p:extLst>
       <p:ext uri="{BB962C8B-B14F-4D97-AF65-F5344CB8AC3E}">
-        <p14:creationId xmlns:p14="http://schemas.microsoft.com/office/powerpoint/2010/main" val="282592620"/>
+        <p14:creationId xmlns:p14="http://schemas.microsoft.com/office/powerpoint/2010/main" val="2515492778"/>
       </p:ext>
     </p:extLst>
   </p:cSld>
@@ -8091,7 +8360,7 @@
           <a:p>
             <a:r>
               <a:rPr lang="en-US" dirty="0" smtClean="0"/>
-              <a:t>Output Where?</a:t>
+              <a:t>Low Performance Impact</a:t>
             </a:r>
             <a:endParaRPr lang="en-US" dirty="0"/>
           </a:p>
@@ -8123,31 +8392,7 @@
                 <a:ea typeface="+mn-ea"/>
                 <a:cs typeface="+mn-cs"/>
               </a:rPr>
-              <a:t>Send to </a:t>
-            </a:r>
-            <a:r>
-              <a:rPr lang="en-US" sz="3200" kern="1200" dirty="0" err="1" smtClean="0">
-                <a:solidFill>
-                  <a:schemeClr val="tx1"/>
-                </a:solidFill>
-                <a:effectLst/>
-                <a:latin typeface="+mn-lt"/>
-                <a:ea typeface="+mn-ea"/>
-                <a:cs typeface="+mn-cs"/>
-              </a:rPr>
-              <a:t>stdout</a:t>
-            </a:r>
-            <a:r>
-              <a:rPr lang="en-US" sz="3200" kern="1200" dirty="0" smtClean="0">
-                <a:solidFill>
-                  <a:schemeClr val="tx1"/>
-                </a:solidFill>
-                <a:effectLst/>
-                <a:latin typeface="+mn-lt"/>
-                <a:ea typeface="+mn-ea"/>
-                <a:cs typeface="+mn-cs"/>
-              </a:rPr>
-              <a:t> if possible</a:t>
+              <a:t>Low impact on performance without editing the source code</a:t>
             </a:r>
           </a:p>
           <a:p>
@@ -8162,8 +8407,87 @@
                 <a:ea typeface="+mn-ea"/>
                 <a:cs typeface="+mn-cs"/>
               </a:rPr>
-              <a:t>less is more, makes it easy to find </a:t>
-            </a:r>
+              <a:t>Environ </a:t>
+            </a:r>
+            <a:r>
+              <a:rPr lang="en-US" sz="2800" kern="1200" dirty="0" err="1" smtClean="0">
+                <a:solidFill>
+                  <a:schemeClr val="tx1"/>
+                </a:solidFill>
+                <a:effectLst/>
+                <a:latin typeface="+mn-lt"/>
+                <a:ea typeface="+mn-ea"/>
+                <a:cs typeface="+mn-cs"/>
+              </a:rPr>
+              <a:t>var</a:t>
+            </a:r>
+            <a:r>
+              <a:rPr lang="en-US" sz="2800" kern="1200" dirty="0" smtClean="0">
+                <a:solidFill>
+                  <a:schemeClr val="tx1"/>
+                </a:solidFill>
+                <a:effectLst/>
+                <a:latin typeface="+mn-lt"/>
+                <a:ea typeface="+mn-ea"/>
+                <a:cs typeface="+mn-cs"/>
+              </a:rPr>
+              <a:t> eliminates </a:t>
+            </a:r>
+            <a:r>
+              <a:rPr lang="en-US" sz="2800" kern="1200" dirty="0" smtClean="0">
+                <a:solidFill>
+                  <a:schemeClr val="tx1"/>
+                </a:solidFill>
+                <a:effectLst/>
+                <a:latin typeface="+mn-lt"/>
+                <a:ea typeface="+mn-ea"/>
+                <a:cs typeface="+mn-cs"/>
+              </a:rPr>
+              <a:t>almost all </a:t>
+            </a:r>
+            <a:r>
+              <a:rPr lang="en-US" dirty="0" smtClean="0"/>
+              <a:t>code</a:t>
+            </a:r>
+          </a:p>
+          <a:p>
+            <a:pPr lvl="2"/>
+            <a:r>
+              <a:rPr lang="en-US" sz="2400" kern="1200" dirty="0" smtClean="0">
+                <a:solidFill>
+                  <a:schemeClr val="tx1"/>
+                </a:solidFill>
+                <a:effectLst/>
+                <a:latin typeface="+mn-lt"/>
+                <a:ea typeface="+mn-ea"/>
+                <a:cs typeface="+mn-cs"/>
+              </a:rPr>
+              <a:t>Null decorators</a:t>
+            </a:r>
+          </a:p>
+          <a:p>
+            <a:pPr lvl="2"/>
+            <a:r>
+              <a:rPr lang="en-US" dirty="0" smtClean="0"/>
+              <a:t>Almost-null direct </a:t>
+            </a:r>
+            <a:r>
+              <a:rPr lang="en-US" dirty="0" err="1" smtClean="0"/>
+              <a:t>ntrace</a:t>
+            </a:r>
+            <a:r>
+              <a:rPr lang="en-US" dirty="0" smtClean="0"/>
+              <a:t> calls</a:t>
+            </a:r>
+            <a:endParaRPr lang="en-US" sz="2400" kern="1200" dirty="0" smtClean="0">
+              <a:solidFill>
+                <a:schemeClr val="tx1"/>
+              </a:solidFill>
+              <a:effectLst/>
+              <a:latin typeface="+mn-lt"/>
+              <a:ea typeface="+mn-ea"/>
+              <a:cs typeface="+mn-cs"/>
+            </a:endParaRPr>
           </a:p>
           <a:p>
             <a:pPr lvl="1"/>
@@ -8177,113 +8501,36 @@
                 <a:ea typeface="+mn-ea"/>
                 <a:cs typeface="+mn-cs"/>
               </a:rPr>
-              <a:t>need log file output, too, if </a:t>
-            </a:r>
-            <a:r>
-              <a:rPr lang="en-US" sz="2800" kern="1200" dirty="0" err="1" smtClean="0">
-                <a:solidFill>
-                  <a:schemeClr val="tx1"/>
-                </a:solidFill>
-                <a:effectLst/>
-                <a:latin typeface="+mn-lt"/>
-                <a:ea typeface="+mn-ea"/>
-                <a:cs typeface="+mn-cs"/>
-              </a:rPr>
-              <a:t>stdout</a:t>
-            </a:r>
-            <a:r>
-              <a:rPr lang="en-US" sz="2800" kern="1200" dirty="0" smtClean="0">
-                <a:solidFill>
-                  <a:schemeClr val="tx1"/>
-                </a:solidFill>
-                <a:effectLst/>
-                <a:latin typeface="+mn-lt"/>
-                <a:ea typeface="+mn-ea"/>
-                <a:cs typeface="+mn-cs"/>
-              </a:rPr>
-              <a:t> not available</a:t>
-            </a:r>
+              <a:t>Recompile</a:t>
+            </a:r>
+            <a:r>
+              <a:rPr lang="en-US" sz="2800" kern="1200" baseline="0" dirty="0" smtClean="0">
+                <a:solidFill>
+                  <a:schemeClr val="tx1"/>
+                </a:solidFill>
+                <a:effectLst/>
+                <a:latin typeface="+mn-lt"/>
+                <a:ea typeface="+mn-ea"/>
+                <a:cs typeface="+mn-cs"/>
+              </a:rPr>
+              <a:t> if you change production on/off</a:t>
+            </a:r>
+            <a:endParaRPr lang="en-US" dirty="0"/>
           </a:p>
           <a:p>
             <a:pPr lvl="1"/>
-            <a:r>
-              <a:rPr lang="en-US" sz="2800" kern="1200" dirty="0" smtClean="0">
-                <a:solidFill>
-                  <a:schemeClr val="tx1"/>
-                </a:solidFill>
-                <a:effectLst/>
-                <a:latin typeface="+mn-lt"/>
-                <a:ea typeface="+mn-ea"/>
-                <a:cs typeface="+mn-cs"/>
-              </a:rPr>
-              <a:t>and optional html tags for web output</a:t>
-            </a:r>
-          </a:p>
-          <a:p>
-            <a:pPr lvl="1"/>
-            <a:r>
-              <a:rPr lang="en-US" sz="2800" kern="1200" dirty="0" smtClean="0">
-                <a:solidFill>
-                  <a:schemeClr val="tx1"/>
-                </a:solidFill>
-                <a:effectLst/>
-                <a:latin typeface="+mn-lt"/>
-                <a:ea typeface="+mn-ea"/>
-                <a:cs typeface="+mn-cs"/>
-              </a:rPr>
-              <a:t>maybe more than one at a time,  </a:t>
-            </a:r>
-            <a:r>
-              <a:rPr lang="en-US" sz="2800" kern="1200" dirty="0" err="1" smtClean="0">
-                <a:solidFill>
-                  <a:schemeClr val="tx1"/>
-                </a:solidFill>
-                <a:effectLst/>
-                <a:latin typeface="+mn-lt"/>
-                <a:ea typeface="+mn-ea"/>
-                <a:cs typeface="+mn-cs"/>
-              </a:rPr>
-              <a:t>e.g</a:t>
-            </a:r>
-            <a:r>
-              <a:rPr lang="en-US" sz="2800" kern="1200" dirty="0" smtClean="0">
-                <a:solidFill>
-                  <a:schemeClr val="tx1"/>
-                </a:solidFill>
-                <a:effectLst/>
-                <a:latin typeface="+mn-lt"/>
-                <a:ea typeface="+mn-ea"/>
-                <a:cs typeface="+mn-cs"/>
-              </a:rPr>
-              <a:t>,  </a:t>
-            </a:r>
-            <a:r>
-              <a:rPr lang="en-US" sz="2800" kern="1200" dirty="0" err="1" smtClean="0">
-                <a:solidFill>
-                  <a:schemeClr val="tx1"/>
-                </a:solidFill>
-                <a:effectLst/>
-                <a:latin typeface="+mn-lt"/>
-                <a:ea typeface="+mn-ea"/>
-                <a:cs typeface="+mn-cs"/>
-              </a:rPr>
-              <a:t>stdout</a:t>
-            </a:r>
-            <a:r>
-              <a:rPr lang="en-US" sz="2800" kern="1200" dirty="0" smtClean="0">
-                <a:solidFill>
-                  <a:schemeClr val="tx1"/>
-                </a:solidFill>
-                <a:effectLst/>
-                <a:latin typeface="+mn-lt"/>
-                <a:ea typeface="+mn-ea"/>
-                <a:cs typeface="+mn-cs"/>
-              </a:rPr>
-              <a:t> and file</a:t>
-            </a:r>
-          </a:p>
-          <a:p>
-            <a:endParaRPr lang="en-US" dirty="0" smtClean="0"/>
+            <a:endParaRPr lang="en-US" sz="2800" kern="1200" baseline="0" dirty="0" smtClean="0">
+              <a:solidFill>
+                <a:schemeClr val="tx1"/>
+              </a:solidFill>
+              <a:effectLst/>
+              <a:latin typeface="+mn-lt"/>
+              <a:ea typeface="+mn-ea"/>
+              <a:cs typeface="+mn-cs"/>
+            </a:endParaRPr>
+          </a:p>
+          <a:p>
+            <a:endParaRPr lang="en-US" sz="2800" dirty="0"/>
           </a:p>
           <a:p>
             <a:r>
@@ -8292,8 +8539,14 @@
                   <a:srgbClr val="00B050"/>
                 </a:solidFill>
               </a:rPr>
-              <a:t>&lt;code: looking at output&gt;</a:t>
-            </a:r>
+              <a:t>&lt;code: if production mode&gt;</a:t>
+            </a:r>
+            <a:endParaRPr lang="en-US" sz="2400" kern="1200" baseline="0" dirty="0" smtClean="0">
+              <a:solidFill>
+                <a:srgbClr val="00B050"/>
+              </a:solidFill>
+              <a:effectLst/>
+            </a:endParaRPr>
           </a:p>
         </p:txBody>
       </p:sp>
@@ -8369,7 +8622,7 @@
     </p:spTree>
     <p:extLst>
       <p:ext uri="{BB962C8B-B14F-4D97-AF65-F5344CB8AC3E}">
-        <p14:creationId xmlns:p14="http://schemas.microsoft.com/office/powerpoint/2010/main" val="4093681671"/>
+        <p14:creationId xmlns:p14="http://schemas.microsoft.com/office/powerpoint/2010/main" val="4110990006"/>
       </p:ext>
     </p:extLst>
   </p:cSld>
@@ -8413,67 +8666,102 @@
           <a:p>
             <a:r>
               <a:rPr lang="en-US" dirty="0" smtClean="0"/>
-              <a:t>Identify Data, Not</a:t>
+              <a:t>The Package</a:t>
+            </a:r>
+            <a:endParaRPr lang="en-US" dirty="0"/>
+          </a:p>
+        </p:txBody>
+      </p:sp>
+      <p:sp>
+        <p:nvSpPr>
+          <p:cNvPr id="3" name="Content Placeholder 2"/>
+          <p:cNvSpPr>
+            <a:spLocks noGrp="1"/>
+          </p:cNvSpPr>
+          <p:nvPr>
+            <p:ph idx="1"/>
+          </p:nvPr>
+        </p:nvSpPr>
+        <p:spPr/>
+        <p:txBody>
+          <a:bodyPr/>
+          <a:lstStyle/>
+          <a:p>
+            <a:r>
+              <a:rPr lang="en-US" dirty="0" smtClean="0"/>
+              <a:t>One</a:t>
             </a:r>
             <a:r>
               <a:rPr lang="en-US" baseline="0" dirty="0" smtClean="0"/>
-              <a:t> Just Location</a:t>
-            </a:r>
-            <a:endParaRPr lang="en-US" dirty="0"/>
-          </a:p>
-        </p:txBody>
-      </p:sp>
-      <p:sp>
-        <p:nvSpPr>
-          <p:cNvPr id="3" name="Content Placeholder 2"/>
-          <p:cNvSpPr>
-            <a:spLocks noGrp="1"/>
-          </p:cNvSpPr>
-          <p:nvPr>
-            <p:ph idx="1"/>
-          </p:nvPr>
-        </p:nvSpPr>
-        <p:spPr/>
-        <p:txBody>
-          <a:bodyPr/>
-          <a:lstStyle/>
-          <a:p>
+              <a:t> class</a:t>
+            </a:r>
+          </a:p>
+          <a:p>
+            <a:pPr lvl="1"/>
             <a:r>
               <a:rPr lang="en-US" dirty="0" smtClean="0"/>
-              <a:t>All class instances look alike</a:t>
-            </a:r>
-          </a:p>
-          <a:p>
+              <a:t>Functions to write</a:t>
+            </a:r>
+            <a:r>
+              <a:rPr lang="en-US" baseline="0" dirty="0" smtClean="0"/>
+              <a:t> traces</a:t>
+            </a:r>
+          </a:p>
+          <a:p>
+            <a:pPr lvl="0"/>
+            <a:r>
+              <a:rPr lang="en-US" baseline="0" dirty="0" smtClean="0"/>
+              <a:t>Decorators that use the functions</a:t>
+            </a:r>
+          </a:p>
+          <a:p>
+            <a:pPr lvl="0"/>
+            <a:r>
+              <a:rPr lang="en-US" baseline="0" dirty="0" smtClean="0"/>
+              <a:t>Singleton instance of the class</a:t>
+            </a:r>
+          </a:p>
+          <a:p>
+            <a:pPr lvl="1"/>
             <a:r>
               <a:rPr lang="en-US" dirty="0" smtClean="0"/>
-              <a:t>Identifying instances by address or id?  Not useful to humans</a:t>
-            </a:r>
-          </a:p>
-          <a:p>
-            <a:endParaRPr lang="en-US" dirty="0" smtClean="0"/>
-          </a:p>
-          <a:p>
-            <a:r>
-              <a:rPr lang="en-US" sz="2400" dirty="0" smtClean="0">
+              <a:t>Read run </a:t>
+            </a:r>
+            <a:r>
+              <a:rPr lang="en-US" dirty="0" err="1" smtClean="0"/>
+              <a:t>params</a:t>
+            </a:r>
+            <a:r>
+              <a:rPr lang="en-US" dirty="0" smtClean="0"/>
+              <a:t> only once, at startup</a:t>
+            </a:r>
+            <a:endParaRPr lang="en-US" baseline="0" dirty="0" smtClean="0"/>
+          </a:p>
+          <a:p>
+            <a:pPr lvl="0"/>
+            <a:endParaRPr lang="en-US" baseline="0" dirty="0" smtClean="0"/>
+          </a:p>
+          <a:p>
+            <a:pPr lvl="0"/>
+            <a:r>
+              <a:rPr lang="en-US" sz="2400" baseline="0" dirty="0" smtClean="0">
                 <a:solidFill>
                   <a:srgbClr val="00B050"/>
                 </a:solidFill>
               </a:rPr>
-              <a:t>&lt;code: instance</a:t>
-            </a:r>
+              <a:t>&lt;code: imports&gt;</a:t>
+            </a:r>
+          </a:p>
+          <a:p>
+            <a:pPr lvl="0"/>
             <a:r>
               <a:rPr lang="en-US" sz="2400" baseline="0" dirty="0" smtClean="0">
                 <a:solidFill>
                   <a:srgbClr val="00B050"/>
                 </a:solidFill>
               </a:rPr>
-              <a:t> identifiers&gt;</a:t>
-            </a:r>
-            <a:endParaRPr lang="en-US" sz="2400" dirty="0">
-              <a:solidFill>
-                <a:srgbClr val="00B050"/>
-              </a:solidFill>
-            </a:endParaRPr>
+              <a:t>&lt;code: singleton&gt;</a:t>
+            </a:r>
           </a:p>
         </p:txBody>
       </p:sp>
@@ -8549,7 +8837,7 @@
     </p:spTree>
     <p:extLst>
       <p:ext uri="{BB962C8B-B14F-4D97-AF65-F5344CB8AC3E}">
-        <p14:creationId xmlns:p14="http://schemas.microsoft.com/office/powerpoint/2010/main" val="3977547530"/>
+        <p14:creationId xmlns:p14="http://schemas.microsoft.com/office/powerpoint/2010/main" val="1908140639"/>
       </p:ext>
     </p:extLst>
   </p:cSld>
@@ -8593,7 +8881,7 @@
           <a:p>
             <a:r>
               <a:rPr lang="en-US" dirty="0" smtClean="0"/>
-              <a:t>Map IDs to Instances</a:t>
+              <a:t>Why Singleton?</a:t>
             </a:r>
             <a:endParaRPr lang="en-US" dirty="0"/>
           </a:p>
@@ -8614,148 +8902,44 @@
           <a:bodyPr/>
           <a:lstStyle/>
           <a:p>
-            <a:pPr lvl="0"/>
-            <a:r>
-              <a:rPr lang="en-US" sz="3200" kern="1200" dirty="0" smtClean="0">
-                <a:solidFill>
-                  <a:schemeClr val="tx1"/>
-                </a:solidFill>
-                <a:effectLst/>
-                <a:latin typeface="+mn-lt"/>
-                <a:ea typeface="+mn-ea"/>
-                <a:cs typeface="+mn-cs"/>
-              </a:rPr>
-              <a:t>Store unique ID in each instance</a:t>
-            </a:r>
-          </a:p>
-          <a:p>
-            <a:pPr lvl="0"/>
-            <a:r>
-              <a:rPr lang="en-US" sz="3200" kern="1200" dirty="0" smtClean="0">
-                <a:solidFill>
-                  <a:schemeClr val="tx1"/>
-                </a:solidFill>
-                <a:effectLst/>
-                <a:latin typeface="+mn-lt"/>
-                <a:ea typeface="+mn-ea"/>
-                <a:cs typeface="+mn-cs"/>
-              </a:rPr>
-              <a:t>Always pass ID strings, rather than</a:t>
-            </a:r>
-            <a:r>
-              <a:rPr lang="en-US" sz="3200" kern="1200" baseline="0" dirty="0" smtClean="0">
-                <a:solidFill>
-                  <a:schemeClr val="tx1"/>
-                </a:solidFill>
-                <a:effectLst/>
-                <a:latin typeface="+mn-lt"/>
-                <a:ea typeface="+mn-ea"/>
-                <a:cs typeface="+mn-cs"/>
-              </a:rPr>
-              <a:t> instances (addresses), in argument lists</a:t>
-            </a:r>
-            <a:endParaRPr lang="en-US" sz="3200" kern="1200" dirty="0" smtClean="0">
-              <a:solidFill>
-                <a:schemeClr val="tx1"/>
-              </a:solidFill>
-              <a:effectLst/>
-              <a:latin typeface="+mn-lt"/>
-              <a:ea typeface="+mn-ea"/>
-              <a:cs typeface="+mn-cs"/>
-            </a:endParaRPr>
-          </a:p>
-          <a:p>
-            <a:pPr lvl="0"/>
-            <a:r>
-              <a:rPr lang="en-US" sz="3200" kern="1200" dirty="0" smtClean="0">
-                <a:solidFill>
-                  <a:schemeClr val="tx1"/>
-                </a:solidFill>
-                <a:effectLst/>
-                <a:latin typeface="+mn-lt"/>
-                <a:ea typeface="+mn-ea"/>
-                <a:cs typeface="+mn-cs"/>
-              </a:rPr>
-              <a:t>Use dictionaries to map from (class and) ID-string</a:t>
-            </a:r>
-            <a:r>
-              <a:rPr lang="en-US" sz="3200" kern="1200" baseline="0" dirty="0" smtClean="0">
-                <a:solidFill>
-                  <a:schemeClr val="tx1"/>
-                </a:solidFill>
-                <a:effectLst/>
-                <a:latin typeface="+mn-lt"/>
-                <a:ea typeface="+mn-ea"/>
-                <a:cs typeface="+mn-cs"/>
-              </a:rPr>
+            <a:r>
+              <a:rPr lang="en-US" dirty="0" smtClean="0"/>
+              <a:t>Efficiency</a:t>
+            </a:r>
+          </a:p>
+          <a:p>
+            <a:pPr lvl="1"/>
+            <a:r>
+              <a:rPr lang="en-US" dirty="0" smtClean="0"/>
+              <a:t>Evaluate conditional code at compile time</a:t>
+            </a:r>
+          </a:p>
+          <a:p>
+            <a:pPr lvl="1"/>
+            <a:r>
+              <a:rPr lang="en-US" dirty="0" smtClean="0"/>
+              <a:t>Assess requirements</a:t>
+            </a:r>
+            <a:r>
+              <a:rPr lang="en-US" baseline="0" dirty="0" smtClean="0"/>
               <a:t> </a:t>
             </a:r>
             <a:r>
-              <a:rPr lang="en-US" sz="3200" kern="1200" dirty="0" smtClean="0">
-                <a:solidFill>
-                  <a:schemeClr val="tx1"/>
-                </a:solidFill>
-                <a:effectLst/>
-                <a:latin typeface="+mn-lt"/>
-                <a:ea typeface="+mn-ea"/>
-                <a:cs typeface="+mn-cs"/>
-              </a:rPr>
-              <a:t>to instance</a:t>
-            </a:r>
-          </a:p>
-          <a:p>
-            <a:pPr lvl="1"/>
-            <a:r>
-              <a:rPr lang="en-US" sz="2800" kern="1200" dirty="0" smtClean="0">
-                <a:solidFill>
-                  <a:schemeClr val="tx1"/>
-                </a:solidFill>
-                <a:effectLst/>
-                <a:latin typeface="+mn-lt"/>
-                <a:ea typeface="+mn-ea"/>
-                <a:cs typeface="+mn-cs"/>
-              </a:rPr>
-              <a:t>Dictionary lookup is cheap</a:t>
-            </a:r>
-          </a:p>
-          <a:p>
-            <a:pPr lvl="1"/>
-            <a:r>
-              <a:rPr lang="en-US" sz="2800" kern="1200" dirty="0" smtClean="0">
-                <a:solidFill>
-                  <a:schemeClr val="tx1"/>
-                </a:solidFill>
-                <a:effectLst/>
-                <a:latin typeface="+mn-lt"/>
-                <a:ea typeface="+mn-ea"/>
-                <a:cs typeface="+mn-cs"/>
-              </a:rPr>
-              <a:t>Admittedly very different model from typical web application or </a:t>
-            </a:r>
-            <a:r>
-              <a:rPr lang="en-US" sz="2800" kern="1200" dirty="0" err="1" smtClean="0">
-                <a:solidFill>
-                  <a:schemeClr val="tx1"/>
-                </a:solidFill>
-                <a:effectLst/>
-                <a:latin typeface="+mn-lt"/>
-                <a:ea typeface="+mn-ea"/>
-                <a:cs typeface="+mn-cs"/>
-              </a:rPr>
-              <a:t>microservice</a:t>
-            </a:r>
-            <a:r>
-              <a:rPr lang="en-US" sz="2800" kern="1200" dirty="0" smtClean="0">
-                <a:solidFill>
-                  <a:schemeClr val="tx1"/>
-                </a:solidFill>
-                <a:effectLst/>
-                <a:latin typeface="+mn-lt"/>
-                <a:ea typeface="+mn-ea"/>
-                <a:cs typeface="+mn-cs"/>
-              </a:rPr>
-              <a:t> suite</a:t>
-            </a:r>
+              <a:rPr lang="en-US" dirty="0" smtClean="0"/>
+              <a:t>at startup</a:t>
+            </a:r>
+          </a:p>
+          <a:p>
+            <a:pPr lvl="2"/>
+            <a:r>
+              <a:rPr lang="en-US" dirty="0" smtClean="0"/>
+              <a:t>Read environment</a:t>
+            </a:r>
+            <a:r>
+              <a:rPr lang="en-US" baseline="0" dirty="0" smtClean="0"/>
+              <a:t> variables once</a:t>
+            </a:r>
+            <a:endParaRPr lang="en-US" dirty="0"/>
           </a:p>
         </p:txBody>
       </p:sp>
@@ -8831,7 +9015,7 @@
     </p:spTree>
     <p:extLst>
       <p:ext uri="{BB962C8B-B14F-4D97-AF65-F5344CB8AC3E}">
-        <p14:creationId xmlns:p14="http://schemas.microsoft.com/office/powerpoint/2010/main" val="2515492778"/>
+        <p14:creationId xmlns:p14="http://schemas.microsoft.com/office/powerpoint/2010/main" val="144515002"/>
       </p:ext>
     </p:extLst>
   </p:cSld>
@@ -8875,7 +9059,7 @@
           <a:p>
             <a:r>
               <a:rPr lang="en-US" dirty="0" smtClean="0"/>
-              <a:t>Low Performance Impact</a:t>
+              <a:t>Trace Functions</a:t>
             </a:r>
             <a:endParaRPr lang="en-US" dirty="0"/>
           </a:p>
@@ -8896,126 +9080,65 @@
           <a:bodyPr/>
           <a:lstStyle/>
           <a:p>
-            <a:pPr lvl="0"/>
-            <a:r>
-              <a:rPr lang="en-US" sz="3200" kern="1200" dirty="0" smtClean="0">
-                <a:solidFill>
-                  <a:schemeClr val="tx1"/>
-                </a:solidFill>
-                <a:effectLst/>
-                <a:latin typeface="+mn-lt"/>
-                <a:ea typeface="+mn-ea"/>
-                <a:cs typeface="+mn-cs"/>
-              </a:rPr>
-              <a:t>Low impact on performance without editing the source code</a:t>
-            </a:r>
-          </a:p>
-          <a:p>
-            <a:pPr lvl="1"/>
-            <a:r>
-              <a:rPr lang="en-US" sz="2800" kern="1200" dirty="0" smtClean="0">
-                <a:solidFill>
-                  <a:schemeClr val="tx1"/>
-                </a:solidFill>
-                <a:effectLst/>
-                <a:latin typeface="+mn-lt"/>
-                <a:ea typeface="+mn-ea"/>
-                <a:cs typeface="+mn-cs"/>
-              </a:rPr>
-              <a:t>Environ </a:t>
-            </a:r>
-            <a:r>
-              <a:rPr lang="en-US" sz="2800" kern="1200" dirty="0" err="1" smtClean="0">
-                <a:solidFill>
-                  <a:schemeClr val="tx1"/>
-                </a:solidFill>
-                <a:effectLst/>
-                <a:latin typeface="+mn-lt"/>
-                <a:ea typeface="+mn-ea"/>
-                <a:cs typeface="+mn-cs"/>
-              </a:rPr>
-              <a:t>var</a:t>
-            </a:r>
-            <a:r>
-              <a:rPr lang="en-US" sz="2800" kern="1200" dirty="0" smtClean="0">
-                <a:solidFill>
-                  <a:schemeClr val="tx1"/>
-                </a:solidFill>
-                <a:effectLst/>
-                <a:latin typeface="+mn-lt"/>
-                <a:ea typeface="+mn-ea"/>
-                <a:cs typeface="+mn-cs"/>
-              </a:rPr>
-              <a:t> eliminates most of </a:t>
+            <a:r>
+              <a:rPr lang="en-US" dirty="0" err="1" smtClean="0"/>
+              <a:t>ntrace</a:t>
             </a:r>
             <a:r>
               <a:rPr lang="en-US" dirty="0" smtClean="0"/>
-              <a:t>the code</a:t>
-            </a:r>
-            <a:endParaRPr lang="en-US" sz="2800" kern="1200" dirty="0" smtClean="0">
-              <a:solidFill>
-                <a:schemeClr val="tx1"/>
-              </a:solidFill>
-              <a:effectLst/>
-              <a:latin typeface="+mn-lt"/>
-              <a:ea typeface="+mn-ea"/>
-              <a:cs typeface="+mn-cs"/>
-            </a:endParaRPr>
-          </a:p>
-          <a:p>
-            <a:pPr lvl="1"/>
-            <a:r>
-              <a:rPr lang="en-US" sz="2800" kern="1200" dirty="0" smtClean="0">
-                <a:solidFill>
-                  <a:schemeClr val="tx1"/>
-                </a:solidFill>
-                <a:effectLst/>
-                <a:latin typeface="+mn-lt"/>
-                <a:ea typeface="+mn-ea"/>
-                <a:cs typeface="+mn-cs"/>
-              </a:rPr>
-              <a:t>Recompile</a:t>
-            </a:r>
-            <a:r>
-              <a:rPr lang="en-US" sz="2800" kern="1200" baseline="0" dirty="0" smtClean="0">
-                <a:solidFill>
-                  <a:schemeClr val="tx1"/>
-                </a:solidFill>
-                <a:effectLst/>
-                <a:latin typeface="+mn-lt"/>
-                <a:ea typeface="+mn-ea"/>
-                <a:cs typeface="+mn-cs"/>
-              </a:rPr>
-              <a:t> if you change production </a:t>
-            </a:r>
-            <a:r>
-              <a:rPr lang="en-US" sz="2800" kern="1200" baseline="0" dirty="0" smtClean="0">
-                <a:solidFill>
-                  <a:schemeClr val="tx1"/>
-                </a:solidFill>
-                <a:effectLst/>
-                <a:latin typeface="+mn-lt"/>
-                <a:ea typeface="+mn-ea"/>
-                <a:cs typeface="+mn-cs"/>
-              </a:rPr>
-              <a:t>on/off</a:t>
+              <a:t>(priority,</a:t>
+            </a:r>
+            <a:r>
+              <a:rPr lang="en-US" baseline="0" dirty="0" smtClean="0"/>
+              <a:t> </a:t>
+            </a:r>
+            <a:r>
+              <a:rPr lang="en-US" baseline="0" dirty="0" err="1" smtClean="0"/>
+              <a:t>outputline</a:t>
+            </a:r>
+            <a:r>
+              <a:rPr lang="en-US" dirty="0" smtClean="0"/>
+              <a:t>)</a:t>
+            </a:r>
+          </a:p>
+          <a:p>
+            <a:r>
+              <a:rPr lang="en-US" baseline="0" dirty="0" err="1" smtClean="0"/>
+              <a:t>ntracef</a:t>
+            </a:r>
+            <a:r>
+              <a:rPr lang="en-US" baseline="0" dirty="0" smtClean="0"/>
+              <a:t>(priority, </a:t>
+            </a:r>
+            <a:r>
+              <a:rPr lang="en-US" baseline="0" dirty="0" err="1" smtClean="0"/>
+              <a:t>facilityname</a:t>
+            </a:r>
+            <a:r>
+              <a:rPr lang="en-US" baseline="0" dirty="0" smtClean="0"/>
+              <a:t>, </a:t>
+            </a:r>
+            <a:r>
+              <a:rPr lang="en-US" baseline="0" dirty="0" err="1" smtClean="0"/>
+              <a:t>outputline</a:t>
+            </a:r>
+            <a:r>
+              <a:rPr lang="en-US" baseline="0" dirty="0" smtClean="0"/>
+              <a:t>)</a:t>
+            </a:r>
+          </a:p>
+          <a:p>
+            <a:endParaRPr lang="en-US" dirty="0" smtClean="0"/>
+          </a:p>
+          <a:p>
+            <a:r>
+              <a:rPr lang="en-US" dirty="0" smtClean="0"/>
+              <a:t>Instance of class to access these functions</a:t>
             </a:r>
             <a:endParaRPr lang="en-US" dirty="0"/>
           </a:p>
           <a:p>
-            <a:pPr lvl="1"/>
-            <a:endParaRPr lang="en-US" sz="2800" kern="1200" baseline="0" dirty="0" smtClean="0">
-              <a:solidFill>
-                <a:schemeClr val="tx1"/>
-              </a:solidFill>
-              <a:effectLst/>
-              <a:latin typeface="+mn-lt"/>
-              <a:ea typeface="+mn-ea"/>
-              <a:cs typeface="+mn-cs"/>
-            </a:endParaRPr>
-          </a:p>
-          <a:p>
-            <a:endParaRPr lang="en-US" sz="2800" dirty="0"/>
+            <a:endParaRPr lang="en-US" dirty="0" smtClean="0"/>
           </a:p>
           <a:p>
             <a:r>
@@ -9024,13 +9147,12 @@
                   <a:srgbClr val="00B050"/>
                 </a:solidFill>
               </a:rPr>
-              <a:t>&lt;code: if production mode&gt;</a:t>
-            </a:r>
-            <a:endParaRPr lang="en-US" sz="2400" kern="1200" baseline="0" dirty="0" smtClean="0">
+              <a:t>&lt;code: NTRC examples&gt;</a:t>
+            </a:r>
+            <a:endParaRPr lang="en-US" sz="2400" dirty="0">
               <a:solidFill>
                 <a:srgbClr val="00B050"/>
               </a:solidFill>
-              <a:effectLst/>
             </a:endParaRPr>
           </a:p>
         </p:txBody>
@@ -9107,7 +9229,7 @@
     </p:spTree>
     <p:extLst>
       <p:ext uri="{BB962C8B-B14F-4D97-AF65-F5344CB8AC3E}">
-        <p14:creationId xmlns:p14="http://schemas.microsoft.com/office/powerpoint/2010/main" val="4110990006"/>
+        <p14:creationId xmlns:p14="http://schemas.microsoft.com/office/powerpoint/2010/main" val="1877482679"/>
       </p:ext>
     </p:extLst>
   </p:cSld>
@@ -9151,7 +9273,7 @@
           <a:p>
             <a:r>
               <a:rPr lang="en-US" dirty="0" smtClean="0"/>
-              <a:t>The Package</a:t>
+              <a:t>Decorators</a:t>
             </a:r>
             <a:endParaRPr lang="en-US" dirty="0"/>
           </a:p>
@@ -9174,83 +9296,61 @@
           <a:p>
             <a:r>
               <a:rPr lang="en-US" dirty="0" smtClean="0"/>
-              <a:t>One</a:t>
-            </a:r>
-            <a:r>
-              <a:rPr lang="en-US" baseline="0" dirty="0" smtClean="0"/>
-              <a:t> class</a:t>
-            </a:r>
-          </a:p>
-          <a:p>
-            <a:pPr lvl="1"/>
+              <a:t>@</a:t>
+            </a:r>
+            <a:r>
+              <a:rPr lang="en-US" dirty="0" err="1" smtClean="0"/>
+              <a:t>ntrace</a:t>
+            </a:r>
+            <a:endParaRPr lang="en-US" dirty="0" smtClean="0"/>
+          </a:p>
+          <a:p>
             <a:r>
               <a:rPr lang="en-US" dirty="0" smtClean="0"/>
-              <a:t>Functions to write</a:t>
-            </a:r>
-            <a:r>
-              <a:rPr lang="en-US" baseline="0" dirty="0" smtClean="0"/>
-              <a:t> traces</a:t>
-            </a:r>
-          </a:p>
-          <a:p>
-            <a:pPr lvl="0"/>
-            <a:r>
-              <a:rPr lang="en-US" baseline="0" dirty="0" smtClean="0"/>
-              <a:t>Decorators that use the functions</a:t>
-            </a:r>
-          </a:p>
-          <a:p>
-            <a:pPr lvl="0"/>
-            <a:r>
-              <a:rPr lang="en-US" baseline="0" dirty="0" smtClean="0"/>
-              <a:t>Singleton instance of the </a:t>
-            </a:r>
-            <a:r>
-              <a:rPr lang="en-US" baseline="0" dirty="0" smtClean="0"/>
-              <a:t>class</a:t>
-            </a:r>
-          </a:p>
-          <a:p>
-            <a:pPr lvl="1"/>
+              <a:t>@</a:t>
+            </a:r>
+            <a:r>
+              <a:rPr lang="en-US" dirty="0" err="1" smtClean="0"/>
+              <a:t>ntracef</a:t>
+            </a:r>
             <a:r>
               <a:rPr lang="en-US" dirty="0" smtClean="0"/>
-              <a:t>Read run </a:t>
+              <a:t>(</a:t>
             </a:r>
             <a:r>
               <a:rPr lang="en-US" dirty="0" err="1" smtClean="0"/>
-              <a:t>params</a:t>
+              <a:t>facilityname</a:t>
             </a:r>
             <a:r>
               <a:rPr lang="en-US" dirty="0" smtClean="0"/>
-              <a:t> only once, at startup</a:t>
-            </a:r>
-            <a:endParaRPr lang="en-US" baseline="0" dirty="0" smtClean="0"/>
-          </a:p>
-          <a:p>
-            <a:pPr lvl="0"/>
-            <a:endParaRPr lang="en-US" baseline="0" dirty="0" smtClean="0"/>
-          </a:p>
-          <a:p>
-            <a:pPr lvl="0"/>
+              <a:t>, priority)</a:t>
+            </a:r>
+          </a:p>
+          <a:p>
+            <a:endParaRPr lang="en-US" dirty="0" smtClean="0"/>
+          </a:p>
+          <a:p>
+            <a:r>
+              <a:rPr lang="en-US" sz="2400" dirty="0" smtClean="0">
+                <a:solidFill>
+                  <a:srgbClr val="00B050"/>
+                </a:solidFill>
+              </a:rPr>
+              <a:t>&lt;code:</a:t>
+            </a:r>
             <a:r>
               <a:rPr lang="en-US" sz="2400" baseline="0" dirty="0" smtClean="0">
                 <a:solidFill>
                   <a:srgbClr val="00B050"/>
                 </a:solidFill>
               </a:rPr>
-              <a:t>&lt;code: imports&gt;</a:t>
-            </a:r>
-          </a:p>
-          <a:p>
-            <a:pPr lvl="0"/>
-            <a:r>
-              <a:rPr lang="en-US" sz="2400" baseline="0" dirty="0" smtClean="0">
-                <a:solidFill>
-                  <a:srgbClr val="00B050"/>
-                </a:solidFill>
-              </a:rPr>
-              <a:t>&lt;code: singleton&gt;</a:t>
-            </a:r>
+              <a:t> decorator examples&gt;</a:t>
+            </a:r>
+            <a:endParaRPr lang="en-US" sz="2400" dirty="0">
+              <a:solidFill>
+                <a:srgbClr val="00B050"/>
+              </a:solidFill>
+            </a:endParaRPr>
           </a:p>
         </p:txBody>
       </p:sp>
@@ -9326,7 +9426,7 @@
     </p:spTree>
     <p:extLst>
       <p:ext uri="{BB962C8B-B14F-4D97-AF65-F5344CB8AC3E}">
-        <p14:creationId xmlns:p14="http://schemas.microsoft.com/office/powerpoint/2010/main" val="1908140639"/>
+        <p14:creationId xmlns:p14="http://schemas.microsoft.com/office/powerpoint/2010/main" val="3031580383"/>
       </p:ext>
     </p:extLst>
   </p:cSld>
@@ -9578,7 +9678,7 @@
           <a:p>
             <a:r>
               <a:rPr lang="en-US" dirty="0" smtClean="0"/>
-              <a:t>Trace Functions</a:t>
+              <a:t>Filtering on Priority,  Facility</a:t>
             </a:r>
             <a:endParaRPr lang="en-US" dirty="0"/>
           </a:p>
@@ -9599,80 +9699,69 @@
           <a:bodyPr/>
           <a:lstStyle/>
           <a:p>
+            <a:pPr marL="342900" marR="0" lvl="0" indent="-342900" algn="l" defTabSz="914400" rtl="0" eaLnBrk="1" fontAlgn="auto" latinLnBrk="0" hangingPunct="1">
+              <a:lnSpc>
+                <a:spcPct val="100000"/>
+              </a:lnSpc>
+              <a:spcBef>
+                <a:spcPct val="20000"/>
+              </a:spcBef>
+              <a:spcAft>
+                <a:spcPts val="0"/>
+              </a:spcAft>
+              <a:buClrTx/>
+              <a:buSzTx/>
+              <a:buFont typeface="Arial" panose="020B0604020202020204" pitchFamily="34" charset="0"/>
+              <a:buChar char="•"/>
+              <a:tabLst/>
+              <a:defRPr/>
+            </a:pPr>
+            <a:r>
+              <a:rPr lang="en-US" sz="3200" kern="1200" dirty="0" smtClean="0">
+                <a:solidFill>
+                  <a:schemeClr val="tx1"/>
+                </a:solidFill>
+                <a:effectLst/>
+                <a:latin typeface="+mn-lt"/>
+                <a:ea typeface="+mn-ea"/>
+                <a:cs typeface="+mn-cs"/>
+              </a:rPr>
+              <a:t>Filtering makes listings short and to the point, when needed</a:t>
+            </a:r>
+          </a:p>
+          <a:p>
+            <a:pPr lvl="1"/>
+            <a:r>
+              <a:rPr lang="en-US" dirty="0" smtClean="0"/>
+              <a:t>On priority, facility name</a:t>
+            </a:r>
+          </a:p>
+          <a:p>
+            <a:pPr lvl="0"/>
             <a:r>
               <a:rPr lang="en-US" dirty="0" err="1" smtClean="0"/>
-              <a:t>ntrace</a:t>
+              <a:t>Envir</a:t>
             </a:r>
             <a:r>
               <a:rPr lang="en-US" dirty="0" smtClean="0"/>
-              <a:t>(priority,</a:t>
+              <a:t> </a:t>
+            </a:r>
+            <a:r>
+              <a:rPr lang="en-US" dirty="0" err="1" smtClean="0"/>
+              <a:t>vars</a:t>
+            </a:r>
+            <a:r>
+              <a:rPr lang="en-US" dirty="0" smtClean="0"/>
+              <a:t> TRACE_LEVEL,</a:t>
             </a:r>
             <a:r>
               <a:rPr lang="en-US" baseline="0" dirty="0" smtClean="0"/>
               <a:t> </a:t>
             </a:r>
             <a:r>
-              <a:rPr lang="en-US" baseline="0" dirty="0" err="1" smtClean="0"/>
-              <a:t>outputline</a:t>
-            </a:r>
-            <a:r>
-              <a:rPr lang="en-US" dirty="0" smtClean="0"/>
-              <a:t>)</a:t>
-            </a:r>
-          </a:p>
-          <a:p>
-            <a:r>
-              <a:rPr lang="en-US" baseline="0" dirty="0" err="1" smtClean="0"/>
-              <a:t>ntracef</a:t>
-            </a:r>
-            <a:r>
               <a:rPr lang="en-US" baseline="0" dirty="0" smtClean="0"/>
-              <a:t>(priority, </a:t>
-            </a:r>
-            <a:r>
-              <a:rPr lang="en-US" baseline="0" dirty="0" err="1" smtClean="0"/>
-              <a:t>facilityname</a:t>
-            </a:r>
-            <a:r>
-              <a:rPr lang="en-US" baseline="0" dirty="0" smtClean="0"/>
-              <a:t>, </a:t>
-            </a:r>
-            <a:r>
-              <a:rPr lang="en-US" baseline="0" dirty="0" err="1" smtClean="0"/>
-              <a:t>outputline</a:t>
-            </a:r>
-            <a:r>
-              <a:rPr lang="en-US" baseline="0" dirty="0" smtClean="0"/>
-              <a:t>)</a:t>
-            </a:r>
-          </a:p>
-          <a:p>
-            <a:endParaRPr lang="en-US" dirty="0" smtClean="0"/>
-          </a:p>
-          <a:p>
-            <a:r>
-              <a:rPr lang="en-US" dirty="0" smtClean="0"/>
-              <a:t>Instance of class to access these functions</a:t>
-            </a:r>
-            <a:endParaRPr lang="en-US" dirty="0"/>
-          </a:p>
-          <a:p>
-            <a:endParaRPr lang="en-US" dirty="0" smtClean="0"/>
-          </a:p>
-          <a:p>
-            <a:r>
-              <a:rPr lang="en-US" sz="2400" dirty="0" smtClean="0">
-                <a:solidFill>
-                  <a:srgbClr val="00B050"/>
-                </a:solidFill>
-              </a:rPr>
-              <a:t>&lt;code: NTRC examples&gt;</a:t>
-            </a:r>
-            <a:endParaRPr lang="en-US" sz="2400" dirty="0">
-              <a:solidFill>
-                <a:srgbClr val="00B050"/>
-              </a:solidFill>
-            </a:endParaRPr>
+              <a:t>TRACE_FACIL</a:t>
+            </a:r>
           </a:p>
         </p:txBody>
       </p:sp>
@@ -9748,7 +9837,7 @@
     </p:spTree>
     <p:extLst>
       <p:ext uri="{BB962C8B-B14F-4D97-AF65-F5344CB8AC3E}">
-        <p14:creationId xmlns:p14="http://schemas.microsoft.com/office/powerpoint/2010/main" val="1877482679"/>
+        <p14:creationId xmlns:p14="http://schemas.microsoft.com/office/powerpoint/2010/main" val="2671257923"/>
       </p:ext>
     </p:extLst>
   </p:cSld>
@@ -9792,7 +9881,11 @@
           <a:p>
             <a:r>
               <a:rPr lang="en-US" dirty="0" smtClean="0"/>
-              <a:t>Decorators</a:t>
+              <a:t>Filter by Level</a:t>
+            </a:r>
+            <a:r>
+              <a:rPr lang="en-US" baseline="0" dirty="0" smtClean="0"/>
+              <a:t> of Detail</a:t>
             </a:r>
             <a:endParaRPr lang="en-US" dirty="0"/>
           </a:p>
@@ -9815,61 +9908,84 @@
           <a:p>
             <a:r>
               <a:rPr lang="en-US" dirty="0" smtClean="0"/>
-              <a:t>@</a:t>
-            </a:r>
-            <a:r>
-              <a:rPr lang="en-US" dirty="0" err="1" smtClean="0"/>
-              <a:t>ntrace</a:t>
-            </a:r>
-            <a:endParaRPr lang="en-US" dirty="0" smtClean="0"/>
-          </a:p>
-          <a:p>
+              <a:t>TRACE_LEVEL</a:t>
+            </a:r>
+            <a:r>
+              <a:rPr lang="en-US" baseline="0" dirty="0" smtClean="0"/>
+              <a:t> environment variable</a:t>
+            </a:r>
+          </a:p>
+          <a:p>
+            <a:pPr lvl="1"/>
             <a:r>
               <a:rPr lang="en-US" dirty="0" smtClean="0"/>
-              <a:t>@</a:t>
-            </a:r>
-            <a:r>
-              <a:rPr lang="en-US" dirty="0" err="1" smtClean="0"/>
-              <a:t>ntracef</a:t>
-            </a:r>
+              <a:t>0 always prints (even in production mode)</a:t>
+            </a:r>
+          </a:p>
+          <a:p>
+            <a:pPr lvl="1"/>
             <a:r>
               <a:rPr lang="en-US" dirty="0" smtClean="0"/>
-              <a:t>(</a:t>
-            </a:r>
-            <a:r>
-              <a:rPr lang="en-US" dirty="0" err="1" smtClean="0"/>
-              <a:t>facilityname</a:t>
-            </a:r>
+              <a:t>1 for enter/exit function</a:t>
+            </a:r>
+          </a:p>
+          <a:p>
+            <a:pPr lvl="1"/>
             <a:r>
               <a:rPr lang="en-US" dirty="0" smtClean="0"/>
-              <a:t>, priority)</a:t>
-            </a:r>
-          </a:p>
-          <a:p>
-            <a:endParaRPr lang="en-US" dirty="0" smtClean="0"/>
-          </a:p>
-          <a:p>
+              <a:t>3</a:t>
+            </a:r>
+            <a:r>
+              <a:rPr lang="en-US" baseline="0" dirty="0" smtClean="0"/>
+              <a:t> for most data details</a:t>
+            </a:r>
+          </a:p>
+          <a:p>
+            <a:pPr lvl="1"/>
+            <a:r>
+              <a:rPr lang="en-US" baseline="0" dirty="0" smtClean="0"/>
+              <a:t>5 for excruciatingly detailed details</a:t>
+            </a:r>
+          </a:p>
+          <a:p>
+            <a:pPr lvl="1"/>
+            <a:endParaRPr lang="en-US" baseline="0" dirty="0" smtClean="0"/>
+          </a:p>
+          <a:p>
+            <a:pPr lvl="0"/>
             <a:r>
               <a:rPr lang="en-US" sz="2400" dirty="0" smtClean="0">
-                <a:solidFill>
-                  <a:srgbClr val="00B050"/>
-                </a:solidFill>
-              </a:rPr>
-              <a:t>&lt;code:</a:t>
-            </a:r>
-            <a:r>
-              <a:rPr lang="en-US" sz="2400" baseline="0" dirty="0" smtClean="0">
-                <a:solidFill>
-                  <a:srgbClr val="00B050"/>
-                </a:solidFill>
-              </a:rPr>
-              <a:t> decorator examples&gt;</a:t>
-            </a:r>
-            <a:endParaRPr lang="en-US" sz="2400" dirty="0">
-              <a:solidFill>
-                <a:srgbClr val="00B050"/>
-              </a:solidFill>
-            </a:endParaRPr>
+                <a:latin typeface="Courier New" panose="02070309020205020404" pitchFamily="49" charset="0"/>
+                <a:cs typeface="Courier New" panose="02070309020205020404" pitchFamily="49" charset="0"/>
+              </a:rPr>
+              <a:t>export TRACE_LEVEL=3</a:t>
+            </a:r>
+            <a:br>
+              <a:rPr lang="en-US" sz="2400" dirty="0" smtClean="0">
+                <a:latin typeface="Courier New" panose="02070309020205020404" pitchFamily="49" charset="0"/>
+                <a:cs typeface="Courier New" panose="02070309020205020404" pitchFamily="49" charset="0"/>
+              </a:rPr>
+            </a:br>
+            <a:r>
+              <a:rPr lang="en-US" sz="2400" dirty="0" smtClean="0">
+                <a:latin typeface="Courier New" panose="02070309020205020404" pitchFamily="49" charset="0"/>
+                <a:cs typeface="Courier New" panose="02070309020205020404" pitchFamily="49" charset="0"/>
+              </a:rPr>
+              <a:t>python ...</a:t>
+            </a:r>
+            <a:br>
+              <a:rPr lang="en-US" sz="2400" dirty="0" smtClean="0">
+                <a:latin typeface="Courier New" panose="02070309020205020404" pitchFamily="49" charset="0"/>
+                <a:cs typeface="Courier New" panose="02070309020205020404" pitchFamily="49" charset="0"/>
+              </a:rPr>
+            </a:br>
+            <a:r>
+              <a:rPr lang="en-US" sz="2400" dirty="0" smtClean="0">
+                <a:latin typeface="Courier New" panose="02070309020205020404" pitchFamily="49" charset="0"/>
+                <a:cs typeface="Courier New" panose="02070309020205020404" pitchFamily="49" charset="0"/>
+              </a:rPr>
+              <a:t>unset TRACE_LEVEL</a:t>
+            </a:r>
           </a:p>
         </p:txBody>
       </p:sp>
@@ -9945,7 +10061,7 @@
     </p:spTree>
     <p:extLst>
       <p:ext uri="{BB962C8B-B14F-4D97-AF65-F5344CB8AC3E}">
-        <p14:creationId xmlns:p14="http://schemas.microsoft.com/office/powerpoint/2010/main" val="3031580383"/>
+        <p14:creationId xmlns:p14="http://schemas.microsoft.com/office/powerpoint/2010/main" val="282780097"/>
       </p:ext>
     </p:extLst>
   </p:cSld>
@@ -9989,7 +10105,19 @@
           <a:p>
             <a:r>
               <a:rPr lang="en-US" dirty="0" smtClean="0"/>
-              <a:t>Filtering on Priority,  Facility</a:t>
+              <a:t>Filter</a:t>
+            </a:r>
+            <a:r>
+              <a:rPr lang="en-US" baseline="0" dirty="0" smtClean="0"/>
+              <a:t> by </a:t>
+            </a:r>
+            <a:r>
+              <a:rPr lang="en-US" dirty="0" smtClean="0"/>
+              <a:t>Facility</a:t>
+            </a:r>
+            <a:r>
+              <a:rPr lang="en-US" baseline="0" dirty="0" smtClean="0"/>
+              <a:t> Names</a:t>
             </a:r>
             <a:endParaRPr lang="en-US" dirty="0"/>
           </a:p>
@@ -10009,6 +10137,48 @@
         <p:txBody>
           <a:bodyPr/>
           <a:lstStyle/>
+          <a:p>
+            <a:r>
+              <a:rPr lang="en-US" dirty="0" smtClean="0"/>
+              <a:t>TRACE_FACIL</a:t>
+            </a:r>
+            <a:r>
+              <a:rPr lang="en-US" baseline="0" dirty="0" smtClean="0"/>
+              <a:t> environment variable</a:t>
+            </a:r>
+          </a:p>
+          <a:p>
+            <a:pPr lvl="1"/>
+            <a:r>
+              <a:rPr lang="en-US" baseline="0" dirty="0" smtClean="0"/>
+              <a:t>ALL, NONE, +, -</a:t>
+            </a:r>
+          </a:p>
+          <a:p>
+            <a:pPr lvl="2"/>
+            <a:r>
+              <a:rPr lang="en-US" dirty="0" smtClean="0"/>
+              <a:t>ALL-FOO-BAR</a:t>
+            </a:r>
+          </a:p>
+          <a:p>
+            <a:pPr lvl="2"/>
+            <a:r>
+              <a:rPr lang="en-US" dirty="0" smtClean="0"/>
+              <a:t>NONE+FOO+BAR</a:t>
+            </a:r>
+          </a:p>
+          <a:p>
+            <a:pPr lvl="2"/>
+            <a:r>
+              <a:rPr lang="en-US" dirty="0" smtClean="0"/>
+              <a:t>Unnamed trace lines always print</a:t>
+            </a:r>
+          </a:p>
+          <a:p>
+            <a:pPr lvl="2"/>
+            <a:endParaRPr lang="en-US" dirty="0" smtClean="0"/>
+          </a:p>
           <a:p>
             <a:pPr marL="342900" marR="0" lvl="0" indent="-342900" algn="l" defTabSz="914400" rtl="0" eaLnBrk="1" fontAlgn="auto" latinLnBrk="0" hangingPunct="1">
               <a:lnSpc>
@@ -10028,47 +10198,77 @@
               <a:defRPr/>
             </a:pPr>
             <a:r>
-              <a:rPr lang="en-US" sz="3200" kern="1200" dirty="0" smtClean="0">
-                <a:solidFill>
-                  <a:schemeClr val="tx1"/>
-                </a:solidFill>
-                <a:effectLst/>
-                <a:latin typeface="+mn-lt"/>
-                <a:ea typeface="+mn-ea"/>
-                <a:cs typeface="+mn-cs"/>
-              </a:rPr>
-              <a:t>Filtering makes listings short and to the point, when needed</a:t>
-            </a:r>
-          </a:p>
-          <a:p>
-            <a:pPr lvl="1"/>
-            <a:r>
-              <a:rPr lang="en-US" dirty="0" smtClean="0"/>
-              <a:t>On priority, facility name</a:t>
-            </a:r>
+              <a:rPr lang="en-US" sz="2400" kern="1200" dirty="0" smtClean="0">
+                <a:solidFill>
+                  <a:schemeClr val="tx1"/>
+                </a:solidFill>
+                <a:effectLst/>
+                <a:latin typeface="Courier New" panose="02070309020205020404" pitchFamily="49" charset="0"/>
+                <a:cs typeface="Courier New" panose="02070309020205020404" pitchFamily="49" charset="0"/>
+              </a:rPr>
+              <a:t>export TRACE_FACIL=NONE+FOO</a:t>
+            </a:r>
+            <a:br>
+              <a:rPr lang="en-US" sz="2400" kern="1200" dirty="0" smtClean="0">
+                <a:solidFill>
+                  <a:schemeClr val="tx1"/>
+                </a:solidFill>
+                <a:effectLst/>
+                <a:latin typeface="Courier New" panose="02070309020205020404" pitchFamily="49" charset="0"/>
+                <a:cs typeface="Courier New" panose="02070309020205020404" pitchFamily="49" charset="0"/>
+              </a:rPr>
+            </a:br>
+            <a:r>
+              <a:rPr lang="en-US" sz="2400" kern="1200" dirty="0" smtClean="0">
+                <a:solidFill>
+                  <a:schemeClr val="tx1"/>
+                </a:solidFill>
+                <a:effectLst/>
+                <a:latin typeface="Courier New" panose="02070309020205020404" pitchFamily="49" charset="0"/>
+                <a:cs typeface="Courier New" panose="02070309020205020404" pitchFamily="49" charset="0"/>
+              </a:rPr>
+              <a:t>python ...</a:t>
+            </a:r>
+            <a:br>
+              <a:rPr lang="en-US" sz="2400" kern="1200" dirty="0" smtClean="0">
+                <a:solidFill>
+                  <a:schemeClr val="tx1"/>
+                </a:solidFill>
+                <a:effectLst/>
+                <a:latin typeface="Courier New" panose="02070309020205020404" pitchFamily="49" charset="0"/>
+                <a:cs typeface="Courier New" panose="02070309020205020404" pitchFamily="49" charset="0"/>
+              </a:rPr>
+            </a:br>
+            <a:r>
+              <a:rPr lang="en-US" sz="2400" kern="1200" dirty="0" smtClean="0">
+                <a:solidFill>
+                  <a:schemeClr val="tx1"/>
+                </a:solidFill>
+                <a:effectLst/>
+                <a:latin typeface="Courier New" panose="02070309020205020404" pitchFamily="49" charset="0"/>
+                <a:cs typeface="Courier New" panose="02070309020205020404" pitchFamily="49" charset="0"/>
+              </a:rPr>
+              <a:t>unset</a:t>
+            </a:r>
+            <a:r>
+              <a:rPr lang="en-US" sz="2400" kern="1200" baseline="0" dirty="0" smtClean="0">
+                <a:solidFill>
+                  <a:schemeClr val="tx1"/>
+                </a:solidFill>
+                <a:effectLst/>
+                <a:latin typeface="Courier New" panose="02070309020205020404" pitchFamily="49" charset="0"/>
+                <a:cs typeface="Courier New" panose="02070309020205020404" pitchFamily="49" charset="0"/>
+              </a:rPr>
+              <a:t> TRACE_FACIL</a:t>
+            </a:r>
+            <a:endParaRPr lang="en-US" sz="2400" dirty="0" smtClean="0">
+              <a:effectLst/>
+              <a:latin typeface="Courier New" panose="02070309020205020404" pitchFamily="49" charset="0"/>
+              <a:cs typeface="Courier New" panose="02070309020205020404" pitchFamily="49" charset="0"/>
+            </a:endParaRPr>
           </a:p>
           <a:p>
             <a:pPr lvl="0"/>
-            <a:r>
-              <a:rPr lang="en-US" dirty="0" err="1" smtClean="0"/>
-              <a:t>Envir</a:t>
-            </a:r>
-            <a:r>
-              <a:rPr lang="en-US" dirty="0" smtClean="0"/>
-              <a:t> </a:t>
-            </a:r>
-            <a:r>
-              <a:rPr lang="en-US" dirty="0" err="1" smtClean="0"/>
-              <a:t>vars</a:t>
-            </a:r>
-            <a:r>
-              <a:rPr lang="en-US" dirty="0" smtClean="0"/>
-              <a:t> TRACE_LEVEL,</a:t>
-            </a:r>
-            <a:r>
-              <a:rPr lang="en-US" baseline="0" dirty="0" smtClean="0"/>
-              <a:t> TRACE_FACIL</a:t>
-            </a:r>
             <a:endParaRPr lang="en-US" dirty="0" smtClean="0"/>
           </a:p>
         </p:txBody>
@@ -10145,7 +10345,7 @@
     </p:spTree>
     <p:extLst>
       <p:ext uri="{BB962C8B-B14F-4D97-AF65-F5344CB8AC3E}">
-        <p14:creationId xmlns:p14="http://schemas.microsoft.com/office/powerpoint/2010/main" val="2671257923"/>
+        <p14:creationId xmlns:p14="http://schemas.microsoft.com/office/powerpoint/2010/main" val="2837176964"/>
       </p:ext>
     </p:extLst>
   </p:cSld>
@@ -10189,11 +10389,7 @@
           <a:p>
             <a:r>
               <a:rPr lang="en-US" dirty="0" smtClean="0"/>
-              <a:t>Use</a:t>
-            </a:r>
-            <a:r>
-              <a:rPr lang="en-US" baseline="0" dirty="0" smtClean="0"/>
-              <a:t> for Regression Testing</a:t>
+              <a:t>Other Tidbits</a:t>
             </a:r>
             <a:endParaRPr lang="en-US" dirty="0"/>
           </a:p>
@@ -10214,62 +10410,7 @@
           <a:bodyPr/>
           <a:lstStyle/>
           <a:p>
-            <a:r>
-              <a:rPr lang="en-US" sz="3200" kern="1200" dirty="0" smtClean="0">
-                <a:solidFill>
-                  <a:schemeClr val="tx1"/>
-                </a:solidFill>
-                <a:effectLst/>
-                <a:latin typeface="+mn-lt"/>
-                <a:ea typeface="+mn-ea"/>
-                <a:cs typeface="+mn-cs"/>
-              </a:rPr>
-              <a:t>Tests can be done with log files suitably sanitized</a:t>
-            </a:r>
-          </a:p>
-          <a:p>
-            <a:pPr lvl="1"/>
-            <a:r>
-              <a:rPr lang="en-US" sz="2800" kern="1200" dirty="0" smtClean="0">
-                <a:solidFill>
-                  <a:schemeClr val="tx1"/>
-                </a:solidFill>
-                <a:effectLst/>
-                <a:latin typeface="+mn-lt"/>
-                <a:ea typeface="+mn-ea"/>
-                <a:cs typeface="+mn-cs"/>
-              </a:rPr>
-              <a:t>Timestamps and other non-deterministic items</a:t>
-            </a:r>
-          </a:p>
-          <a:p>
-            <a:pPr lvl="1"/>
-            <a:r>
-              <a:rPr lang="en-US" sz="2800" kern="1200" dirty="0" smtClean="0">
-                <a:solidFill>
-                  <a:schemeClr val="tx1"/>
-                </a:solidFill>
-                <a:effectLst/>
-                <a:latin typeface="+mn-lt"/>
-                <a:ea typeface="+mn-ea"/>
-                <a:cs typeface="+mn-cs"/>
-              </a:rPr>
-              <a:t>(Ordering tricky if multi-threaded or multiprocessing)</a:t>
-            </a:r>
-          </a:p>
-          <a:p>
-            <a:r>
-              <a:rPr lang="en-US" sz="3200" kern="1200" dirty="0" smtClean="0">
-                <a:solidFill>
-                  <a:schemeClr val="tx1"/>
-                </a:solidFill>
-                <a:effectLst/>
-                <a:latin typeface="+mn-lt"/>
-                <a:ea typeface="+mn-ea"/>
-                <a:cs typeface="+mn-cs"/>
-              </a:rPr>
-              <a:t>Possible with trace logs in some cases</a:t>
-            </a:r>
+            <a:endParaRPr lang="en-US"/>
           </a:p>
         </p:txBody>
       </p:sp>
@@ -10345,7 +10486,7 @@
     </p:spTree>
     <p:extLst>
       <p:ext uri="{BB962C8B-B14F-4D97-AF65-F5344CB8AC3E}">
-        <p14:creationId xmlns:p14="http://schemas.microsoft.com/office/powerpoint/2010/main" val="3691605327"/>
+        <p14:creationId xmlns:p14="http://schemas.microsoft.com/office/powerpoint/2010/main" val="3139874563"/>
       </p:ext>
     </p:extLst>
   </p:cSld>
@@ -10389,7 +10530,11 @@
           <a:p>
             <a:r>
               <a:rPr lang="en-US" dirty="0" smtClean="0"/>
-              <a:t>Multiprocessing</a:t>
+              <a:t>Use</a:t>
+            </a:r>
+            <a:r>
+              <a:rPr lang="en-US" baseline="0" dirty="0" smtClean="0"/>
+              <a:t> for Regression Testing</a:t>
             </a:r>
             <a:endParaRPr lang="en-US" dirty="0"/>
           </a:p>
@@ -10410,23 +10555,6 @@
           <a:bodyPr/>
           <a:lstStyle/>
           <a:p>
-            <a:pPr marL="342900" marR="0" lvl="0" indent="-342900" algn="l" defTabSz="914400" rtl="0" eaLnBrk="1" fontAlgn="auto" latinLnBrk="0" hangingPunct="1">
-              <a:lnSpc>
-                <a:spcPct val="100000"/>
-              </a:lnSpc>
-              <a:spcBef>
-                <a:spcPct val="20000"/>
-              </a:spcBef>
-              <a:spcAft>
-                <a:spcPts val="0"/>
-              </a:spcAft>
-              <a:buClrTx/>
-              <a:buSzTx/>
-              <a:buFont typeface="Arial" panose="020B0604020202020204" pitchFamily="34" charset="0"/>
-              <a:buChar char="•"/>
-              <a:tabLst/>
-              <a:defRPr/>
-            </a:pPr>
             <a:r>
               <a:rPr lang="en-US" sz="3200" kern="1200" dirty="0" smtClean="0">
                 <a:solidFill>
@@ -10437,15 +10565,76 @@
                 <a:ea typeface="+mn-ea"/>
                 <a:cs typeface="+mn-cs"/>
               </a:rPr>
-              <a:t>Multiprocessor-safe, or at least thread-safe, would be good</a:t>
-            </a:r>
-          </a:p>
-          <a:p>
-            <a:r>
-              <a:rPr lang="en-US" dirty="0" smtClean="0"/>
-              <a:t>Not yet</a:t>
-            </a:r>
-            <a:endParaRPr lang="en-US" dirty="0"/>
+              <a:t>Tests can be done with log files suitably sanitized</a:t>
+            </a:r>
+          </a:p>
+          <a:p>
+            <a:pPr lvl="1"/>
+            <a:r>
+              <a:rPr lang="en-US" sz="2800" kern="1200" dirty="0" smtClean="0">
+                <a:solidFill>
+                  <a:schemeClr val="tx1"/>
+                </a:solidFill>
+                <a:effectLst/>
+                <a:latin typeface="+mn-lt"/>
+                <a:ea typeface="+mn-ea"/>
+                <a:cs typeface="+mn-cs"/>
+              </a:rPr>
+              <a:t>Timestamps and other non-deterministic items</a:t>
+            </a:r>
+          </a:p>
+          <a:p>
+            <a:pPr lvl="1"/>
+            <a:r>
+              <a:rPr lang="en-US" sz="2800" kern="1200" dirty="0" smtClean="0">
+                <a:solidFill>
+                  <a:schemeClr val="tx1"/>
+                </a:solidFill>
+                <a:effectLst/>
+                <a:latin typeface="+mn-lt"/>
+                <a:ea typeface="+mn-ea"/>
+                <a:cs typeface="+mn-cs"/>
+              </a:rPr>
+              <a:t>(Ordering tricky if multi-threaded or multiprocessing)</a:t>
+            </a:r>
+          </a:p>
+          <a:p>
+            <a:r>
+              <a:rPr lang="en-US" sz="3200" kern="1200" dirty="0" smtClean="0">
+                <a:solidFill>
+                  <a:schemeClr val="tx1"/>
+                </a:solidFill>
+                <a:effectLst/>
+                <a:latin typeface="+mn-lt"/>
+                <a:ea typeface="+mn-ea"/>
+                <a:cs typeface="+mn-cs"/>
+              </a:rPr>
+              <a:t>Possible with trace </a:t>
+            </a:r>
+            <a:r>
+              <a:rPr lang="en-US" sz="3200" kern="1200" dirty="0" smtClean="0">
+                <a:solidFill>
+                  <a:schemeClr val="tx1"/>
+                </a:solidFill>
+                <a:effectLst/>
+                <a:latin typeface="+mn-lt"/>
+                <a:ea typeface="+mn-ea"/>
+                <a:cs typeface="+mn-cs"/>
+              </a:rPr>
+              <a:t>files in </a:t>
+            </a:r>
+            <a:r>
+              <a:rPr lang="en-US" sz="3200" kern="1200" dirty="0" smtClean="0">
+                <a:solidFill>
+                  <a:schemeClr val="tx1"/>
+                </a:solidFill>
+                <a:effectLst/>
+                <a:latin typeface="+mn-lt"/>
+                <a:ea typeface="+mn-ea"/>
+                <a:cs typeface="+mn-cs"/>
+              </a:rPr>
+              <a:t>some cases</a:t>
+            </a:r>
           </a:p>
         </p:txBody>
       </p:sp>
@@ -10521,7 +10710,7 @@
     </p:spTree>
     <p:extLst>
       <p:ext uri="{BB962C8B-B14F-4D97-AF65-F5344CB8AC3E}">
-        <p14:creationId xmlns:p14="http://schemas.microsoft.com/office/powerpoint/2010/main" val="400251234"/>
+        <p14:creationId xmlns:p14="http://schemas.microsoft.com/office/powerpoint/2010/main" val="3691605327"/>
       </p:ext>
     </p:extLst>
   </p:cSld>
@@ -10565,6 +10754,992 @@
           <a:p>
             <a:r>
               <a:rPr lang="en-US" dirty="0" smtClean="0"/>
+              <a:t>Multiprocessing</a:t>
+            </a:r>
+            <a:endParaRPr lang="en-US" dirty="0"/>
+          </a:p>
+        </p:txBody>
+      </p:sp>
+      <p:sp>
+        <p:nvSpPr>
+          <p:cNvPr id="3" name="Content Placeholder 2"/>
+          <p:cNvSpPr>
+            <a:spLocks noGrp="1"/>
+          </p:cNvSpPr>
+          <p:nvPr>
+            <p:ph idx="1"/>
+          </p:nvPr>
+        </p:nvSpPr>
+        <p:spPr/>
+        <p:txBody>
+          <a:bodyPr/>
+          <a:lstStyle/>
+          <a:p>
+            <a:pPr marL="342900" marR="0" lvl="0" indent="-342900" algn="l" defTabSz="914400" rtl="0" eaLnBrk="1" fontAlgn="auto" latinLnBrk="0" hangingPunct="1">
+              <a:lnSpc>
+                <a:spcPct val="100000"/>
+              </a:lnSpc>
+              <a:spcBef>
+                <a:spcPct val="20000"/>
+              </a:spcBef>
+              <a:spcAft>
+                <a:spcPts val="0"/>
+              </a:spcAft>
+              <a:buClrTx/>
+              <a:buSzTx/>
+              <a:buFont typeface="Arial" panose="020B0604020202020204" pitchFamily="34" charset="0"/>
+              <a:buChar char="•"/>
+              <a:tabLst/>
+              <a:defRPr/>
+            </a:pPr>
+            <a:r>
+              <a:rPr lang="en-US" sz="3200" kern="1200" dirty="0" smtClean="0">
+                <a:solidFill>
+                  <a:schemeClr val="tx1"/>
+                </a:solidFill>
+                <a:effectLst/>
+                <a:latin typeface="+mn-lt"/>
+                <a:ea typeface="+mn-ea"/>
+                <a:cs typeface="+mn-cs"/>
+              </a:rPr>
+              <a:t>Multiprocessor-safe, or at least thread-safe, would be good</a:t>
+            </a:r>
+          </a:p>
+          <a:p>
+            <a:r>
+              <a:rPr lang="en-US" dirty="0" smtClean="0"/>
+              <a:t>Not yet</a:t>
+            </a:r>
+            <a:endParaRPr lang="en-US" dirty="0"/>
+          </a:p>
+        </p:txBody>
+      </p:sp>
+      <p:sp>
+        <p:nvSpPr>
+          <p:cNvPr id="4" name="Date Placeholder 3"/>
+          <p:cNvSpPr>
+            <a:spLocks noGrp="1"/>
+          </p:cNvSpPr>
+          <p:nvPr>
+            <p:ph type="dt" sz="half" idx="10"/>
+          </p:nvPr>
+        </p:nvSpPr>
+        <p:spPr/>
+        <p:txBody>
+          <a:bodyPr/>
+          <a:lstStyle/>
+          <a:p>
+            <a:r>
+              <a:rPr lang="en-US" smtClean="0"/>
+              <a:t>2021-01-01</a:t>
+            </a:r>
+            <a:endParaRPr lang="en-US"/>
+          </a:p>
+        </p:txBody>
+      </p:sp>
+      <p:sp>
+        <p:nvSpPr>
+          <p:cNvPr id="5" name="Footer Placeholder 4"/>
+          <p:cNvSpPr>
+            <a:spLocks noGrp="1"/>
+          </p:cNvSpPr>
+          <p:nvPr>
+            <p:ph type="ftr" sz="quarter" idx="11"/>
+          </p:nvPr>
+        </p:nvSpPr>
+        <p:spPr/>
+        <p:txBody>
+          <a:bodyPr/>
+          <a:lstStyle/>
+          <a:p>
+            <a:r>
+              <a:rPr lang="en-US" smtClean="0"/>
+              <a:t>RBL - Boston Python</a:t>
+            </a:r>
+            <a:endParaRPr lang="en-US" dirty="0"/>
+          </a:p>
+        </p:txBody>
+      </p:sp>
+      <p:sp>
+        <p:nvSpPr>
+          <p:cNvPr id="6" name="Slide Number Placeholder 5"/>
+          <p:cNvSpPr>
+            <a:spLocks noGrp="1"/>
+          </p:cNvSpPr>
+          <p:nvPr>
+            <p:ph type="sldNum" sz="quarter" idx="12"/>
+          </p:nvPr>
+        </p:nvSpPr>
+        <p:spPr/>
+        <p:txBody>
+          <a:bodyPr/>
+          <a:lstStyle/>
+          <a:p>
+            <a:fld id="{4E5DAAAA-9FFA-4439-92E3-68E3EA8B0D1F}" type="slidenum">
+              <a:rPr lang="en-US" smtClean="0"/>
+              <a:t>35</a:t>
+            </a:fld>
+            <a:endParaRPr lang="en-US" dirty="0"/>
+          </a:p>
+        </p:txBody>
+      </p:sp>
+    </p:spTree>
+    <p:extLst>
+      <p:ext uri="{BB962C8B-B14F-4D97-AF65-F5344CB8AC3E}">
+        <p14:creationId xmlns:p14="http://schemas.microsoft.com/office/powerpoint/2010/main" val="400251234"/>
+      </p:ext>
+    </p:extLst>
+  </p:cSld>
+  <p:clrMapOvr>
+    <a:masterClrMapping/>
+  </p:clrMapOvr>
+</p:sld>
+</file>
+
+<file path=ppt/slides/slide36.xml><?xml version="1.0" encoding="utf-8"?>
+<p:sld xmlns:a="http://schemas.openxmlformats.org/drawingml/2006/main" xmlns:r="http://schemas.openxmlformats.org/officeDocument/2006/relationships" xmlns:p="http://schemas.openxmlformats.org/presentationml/2006/main">
+  <p:cSld>
+    <p:spTree>
+      <p:nvGrpSpPr>
+        <p:cNvPr id="1" name=""/>
+        <p:cNvGrpSpPr/>
+        <p:nvPr/>
+      </p:nvGrpSpPr>
+      <p:grpSpPr>
+        <a:xfrm>
+          <a:off x="0" y="0"/>
+          <a:ext cx="0" cy="0"/>
+          <a:chOff x="0" y="0"/>
+          <a:chExt cx="0" cy="0"/>
+        </a:xfrm>
+      </p:grpSpPr>
+      <p:sp>
+        <p:nvSpPr>
+          <p:cNvPr id="2" name="Title 1"/>
+          <p:cNvSpPr>
+            <a:spLocks noGrp="1"/>
+          </p:cNvSpPr>
+          <p:nvPr>
+            <p:ph type="title"/>
+          </p:nvPr>
+        </p:nvSpPr>
+        <p:spPr/>
+        <p:txBody>
+          <a:bodyPr/>
+          <a:lstStyle/>
+          <a:p>
+            <a:r>
+              <a:rPr lang="en-US" dirty="0" smtClean="0"/>
+              <a:t>Use Meaningful</a:t>
+            </a:r>
+            <a:r>
+              <a:rPr lang="en-US" baseline="0" dirty="0" smtClean="0"/>
+              <a:t> Names</a:t>
+            </a:r>
+            <a:endParaRPr lang="en-US" dirty="0"/>
+          </a:p>
+        </p:txBody>
+      </p:sp>
+      <p:sp>
+        <p:nvSpPr>
+          <p:cNvPr id="3" name="Content Placeholder 2"/>
+          <p:cNvSpPr>
+            <a:spLocks noGrp="1"/>
+          </p:cNvSpPr>
+          <p:nvPr>
+            <p:ph idx="1"/>
+          </p:nvPr>
+        </p:nvSpPr>
+        <p:spPr/>
+        <p:txBody>
+          <a:bodyPr>
+            <a:normAutofit/>
+          </a:bodyPr>
+          <a:lstStyle/>
+          <a:p>
+            <a:pPr lvl="0"/>
+            <a:r>
+              <a:rPr lang="en-US" sz="3200" kern="1200" dirty="0" smtClean="0">
+                <a:solidFill>
+                  <a:schemeClr val="tx1"/>
+                </a:solidFill>
+                <a:effectLst/>
+                <a:latin typeface="+mn-lt"/>
+                <a:ea typeface="+mn-ea"/>
+                <a:cs typeface="+mn-cs"/>
+              </a:rPr>
+              <a:t>The type of the data should be obvious</a:t>
+            </a:r>
+          </a:p>
+          <a:p>
+            <a:pPr lvl="1"/>
+            <a:r>
+              <a:rPr lang="en-US" sz="2800" kern="1200" dirty="0" smtClean="0">
+                <a:solidFill>
+                  <a:schemeClr val="tx1"/>
+                </a:solidFill>
+                <a:effectLst/>
+                <a:latin typeface="+mn-lt"/>
+                <a:ea typeface="+mn-ea"/>
+                <a:cs typeface="+mn-cs"/>
+              </a:rPr>
+              <a:t>It prevents a lot of runtime errors</a:t>
+            </a:r>
+          </a:p>
+          <a:p>
+            <a:pPr lvl="0"/>
+            <a:r>
+              <a:rPr lang="en-US" sz="3200" kern="1200" dirty="0" smtClean="0">
+                <a:solidFill>
+                  <a:schemeClr val="tx1"/>
+                </a:solidFill>
+                <a:effectLst/>
+                <a:latin typeface="+mn-lt"/>
+                <a:ea typeface="+mn-ea"/>
+                <a:cs typeface="+mn-cs"/>
+              </a:rPr>
+              <a:t>I use "Hungarian naming" because (dinosaur!) I grew up with it</a:t>
+            </a:r>
+          </a:p>
+          <a:p>
+            <a:pPr lvl="1"/>
+            <a:r>
+              <a:rPr lang="en-US" sz="2800" kern="1200" dirty="0" err="1" smtClean="0">
+                <a:solidFill>
+                  <a:schemeClr val="tx1"/>
+                </a:solidFill>
+                <a:effectLst/>
+                <a:latin typeface="+mn-lt"/>
+                <a:ea typeface="+mn-ea"/>
+                <a:cs typeface="+mn-cs"/>
+              </a:rPr>
+              <a:t>CamelCase</a:t>
+            </a:r>
+            <a:r>
+              <a:rPr lang="en-US" sz="2800" kern="1200" dirty="0" smtClean="0">
+                <a:solidFill>
+                  <a:schemeClr val="tx1"/>
+                </a:solidFill>
+                <a:effectLst/>
+                <a:latin typeface="+mn-lt"/>
+                <a:ea typeface="+mn-ea"/>
+                <a:cs typeface="+mn-cs"/>
+              </a:rPr>
+              <a:t> with ugly prefixes for datatypes </a:t>
+            </a:r>
+          </a:p>
+          <a:p>
+            <a:pPr lvl="1"/>
+            <a:r>
+              <a:rPr lang="en-US" sz="2800" kern="1200" dirty="0" err="1" smtClean="0">
+                <a:solidFill>
+                  <a:schemeClr val="tx1"/>
+                </a:solidFill>
+                <a:effectLst/>
+                <a:latin typeface="+mn-lt"/>
+                <a:ea typeface="+mn-ea"/>
+                <a:cs typeface="+mn-cs"/>
+              </a:rPr>
+              <a:t>CamelCase</a:t>
+            </a:r>
+            <a:r>
+              <a:rPr lang="en-US" sz="2800" kern="1200" dirty="0" smtClean="0">
+                <a:solidFill>
+                  <a:schemeClr val="tx1"/>
+                </a:solidFill>
+                <a:effectLst/>
+                <a:latin typeface="+mn-lt"/>
+                <a:ea typeface="+mn-ea"/>
+                <a:cs typeface="+mn-cs"/>
+              </a:rPr>
+              <a:t> is just a personal preference BUT</a:t>
+            </a:r>
+          </a:p>
+          <a:p>
+            <a:pPr lvl="1"/>
+            <a:r>
+              <a:rPr lang="en-US" sz="2800" kern="1200" dirty="0" smtClean="0">
+                <a:solidFill>
+                  <a:schemeClr val="tx1"/>
+                </a:solidFill>
+                <a:effectLst/>
+                <a:latin typeface="+mn-lt"/>
+                <a:ea typeface="+mn-ea"/>
+                <a:cs typeface="+mn-cs"/>
+              </a:rPr>
+              <a:t>Datatype at the beginning of the name of data (or a function) is useful</a:t>
+            </a:r>
+          </a:p>
+        </p:txBody>
+      </p:sp>
+      <p:sp>
+        <p:nvSpPr>
+          <p:cNvPr id="4" name="Date Placeholder 3"/>
+          <p:cNvSpPr>
+            <a:spLocks noGrp="1"/>
+          </p:cNvSpPr>
+          <p:nvPr>
+            <p:ph type="dt" sz="half" idx="10"/>
+          </p:nvPr>
+        </p:nvSpPr>
+        <p:spPr/>
+        <p:txBody>
+          <a:bodyPr/>
+          <a:lstStyle/>
+          <a:p>
+            <a:r>
+              <a:rPr lang="en-US" smtClean="0"/>
+              <a:t>2021-01-01</a:t>
+            </a:r>
+            <a:endParaRPr lang="en-US"/>
+          </a:p>
+        </p:txBody>
+      </p:sp>
+      <p:sp>
+        <p:nvSpPr>
+          <p:cNvPr id="5" name="Footer Placeholder 4"/>
+          <p:cNvSpPr>
+            <a:spLocks noGrp="1"/>
+          </p:cNvSpPr>
+          <p:nvPr>
+            <p:ph type="ftr" sz="quarter" idx="11"/>
+          </p:nvPr>
+        </p:nvSpPr>
+        <p:spPr/>
+        <p:txBody>
+          <a:bodyPr/>
+          <a:lstStyle/>
+          <a:p>
+            <a:r>
+              <a:rPr lang="en-US" smtClean="0"/>
+              <a:t>RBL - Boston Python</a:t>
+            </a:r>
+            <a:endParaRPr lang="en-US" dirty="0"/>
+          </a:p>
+        </p:txBody>
+      </p:sp>
+      <p:sp>
+        <p:nvSpPr>
+          <p:cNvPr id="6" name="Slide Number Placeholder 5"/>
+          <p:cNvSpPr>
+            <a:spLocks noGrp="1"/>
+          </p:cNvSpPr>
+          <p:nvPr>
+            <p:ph type="sldNum" sz="quarter" idx="12"/>
+          </p:nvPr>
+        </p:nvSpPr>
+        <p:spPr/>
+        <p:txBody>
+          <a:bodyPr/>
+          <a:lstStyle/>
+          <a:p>
+            <a:fld id="{4E5DAAAA-9FFA-4439-92E3-68E3EA8B0D1F}" type="slidenum">
+              <a:rPr lang="en-US" smtClean="0"/>
+              <a:t>36</a:t>
+            </a:fld>
+            <a:endParaRPr lang="en-US" dirty="0"/>
+          </a:p>
+        </p:txBody>
+      </p:sp>
+    </p:spTree>
+    <p:extLst>
+      <p:ext uri="{BB962C8B-B14F-4D97-AF65-F5344CB8AC3E}">
+        <p14:creationId xmlns:p14="http://schemas.microsoft.com/office/powerpoint/2010/main" val="867037978"/>
+      </p:ext>
+    </p:extLst>
+  </p:cSld>
+  <p:clrMapOvr>
+    <a:masterClrMapping/>
+  </p:clrMapOvr>
+  <p:timing>
+    <p:tnLst>
+      <p:par>
+        <p:cTn id="1" dur="indefinite" restart="never" nodeType="tmRoot"/>
+      </p:par>
+    </p:tnLst>
+  </p:timing>
+</p:sld>
+</file>
+
+<file path=ppt/slides/slide37.xml><?xml version="1.0" encoding="utf-8"?>
+<p:sld xmlns:a="http://schemas.openxmlformats.org/drawingml/2006/main" xmlns:r="http://schemas.openxmlformats.org/officeDocument/2006/relationships" xmlns:p="http://schemas.openxmlformats.org/presentationml/2006/main">
+  <p:cSld>
+    <p:spTree>
+      <p:nvGrpSpPr>
+        <p:cNvPr id="1" name=""/>
+        <p:cNvGrpSpPr/>
+        <p:nvPr/>
+      </p:nvGrpSpPr>
+      <p:grpSpPr>
+        <a:xfrm>
+          <a:off x="0" y="0"/>
+          <a:ext cx="0" cy="0"/>
+          <a:chOff x="0" y="0"/>
+          <a:chExt cx="0" cy="0"/>
+        </a:xfrm>
+      </p:grpSpPr>
+      <p:sp>
+        <p:nvSpPr>
+          <p:cNvPr id="2" name="Title 1"/>
+          <p:cNvSpPr>
+            <a:spLocks noGrp="1"/>
+          </p:cNvSpPr>
+          <p:nvPr>
+            <p:ph type="title"/>
+          </p:nvPr>
+        </p:nvSpPr>
+        <p:spPr/>
+        <p:txBody>
+          <a:bodyPr/>
+          <a:lstStyle/>
+          <a:p>
+            <a:pPr marL="0" lvl="0" indent="0">
+              <a:buNone/>
+            </a:pPr>
+            <a:r>
+              <a:rPr lang="en-US" dirty="0" smtClean="0"/>
+              <a:t>Sort of Apology</a:t>
+            </a:r>
+            <a:endParaRPr lang="en-US" dirty="0"/>
+          </a:p>
+        </p:txBody>
+      </p:sp>
+      <p:sp>
+        <p:nvSpPr>
+          <p:cNvPr id="3" name="Content Placeholder 2"/>
+          <p:cNvSpPr>
+            <a:spLocks noGrp="1"/>
+          </p:cNvSpPr>
+          <p:nvPr>
+            <p:ph idx="1"/>
+          </p:nvPr>
+        </p:nvSpPr>
+        <p:spPr/>
+        <p:txBody>
+          <a:bodyPr>
+            <a:normAutofit fontScale="92500" lnSpcReduction="10000"/>
+          </a:bodyPr>
+          <a:lstStyle/>
+          <a:p>
+            <a:pPr lvl="0"/>
+            <a:r>
+              <a:rPr lang="en-US" sz="3200" kern="1200" dirty="0" smtClean="0">
+                <a:solidFill>
+                  <a:schemeClr val="tx1"/>
+                </a:solidFill>
+                <a:effectLst/>
+                <a:latin typeface="+mn-lt"/>
+                <a:ea typeface="+mn-ea"/>
+                <a:cs typeface="+mn-cs"/>
+              </a:rPr>
+              <a:t>Not PEP-8, sorry </a:t>
+            </a:r>
+          </a:p>
+          <a:p>
+            <a:pPr lvl="1"/>
+            <a:r>
+              <a:rPr lang="en-US" sz="2800" kern="1200" dirty="0" smtClean="0">
+                <a:solidFill>
+                  <a:schemeClr val="tx1"/>
+                </a:solidFill>
+                <a:effectLst/>
+                <a:latin typeface="+mn-lt"/>
+                <a:ea typeface="+mn-ea"/>
+                <a:cs typeface="+mn-cs"/>
+              </a:rPr>
+              <a:t>But you can embed type in a pep8 name, too </a:t>
+            </a:r>
+          </a:p>
+          <a:p>
+            <a:pPr lvl="2"/>
+            <a:r>
+              <a:rPr lang="en-US" sz="2400" kern="1200" dirty="0" err="1" smtClean="0">
+                <a:solidFill>
+                  <a:schemeClr val="tx1"/>
+                </a:solidFill>
+                <a:effectLst/>
+                <a:latin typeface="+mn-lt"/>
+                <a:ea typeface="+mn-ea"/>
+                <a:cs typeface="+mn-cs"/>
+              </a:rPr>
+              <a:t>foo_list</a:t>
+            </a:r>
+            <a:r>
+              <a:rPr lang="en-US" sz="2400" kern="1200" dirty="0" smtClean="0">
+                <a:solidFill>
+                  <a:schemeClr val="tx1"/>
+                </a:solidFill>
+                <a:effectLst/>
+                <a:latin typeface="+mn-lt"/>
+                <a:ea typeface="+mn-ea"/>
+                <a:cs typeface="+mn-cs"/>
+              </a:rPr>
+              <a:t> or </a:t>
+            </a:r>
+            <a:r>
+              <a:rPr lang="en-US" sz="2400" kern="1200" dirty="0" err="1" smtClean="0">
+                <a:solidFill>
+                  <a:schemeClr val="tx1"/>
+                </a:solidFill>
+                <a:effectLst/>
+                <a:latin typeface="+mn-lt"/>
+                <a:ea typeface="+mn-ea"/>
+                <a:cs typeface="+mn-cs"/>
+              </a:rPr>
+              <a:t>list_foo</a:t>
+            </a:r>
+            <a:endParaRPr lang="en-US" dirty="0" smtClean="0"/>
+          </a:p>
+          <a:p>
+            <a:pPr lvl="0"/>
+            <a:r>
+              <a:rPr lang="en-US" sz="3200" kern="1200" dirty="0" smtClean="0">
+                <a:solidFill>
+                  <a:schemeClr val="tx1"/>
+                </a:solidFill>
+                <a:effectLst/>
+                <a:latin typeface="+mn-lt"/>
+                <a:ea typeface="+mn-ea"/>
+                <a:cs typeface="+mn-cs"/>
+              </a:rPr>
+              <a:t>If I were building packages for distribution, I</a:t>
+            </a:r>
+            <a:r>
+              <a:rPr lang="en-US" sz="3200" kern="1200" baseline="0" dirty="0" smtClean="0">
+                <a:solidFill>
+                  <a:schemeClr val="tx1"/>
+                </a:solidFill>
+                <a:effectLst/>
+                <a:latin typeface="+mn-lt"/>
+                <a:ea typeface="+mn-ea"/>
+                <a:cs typeface="+mn-cs"/>
+              </a:rPr>
+              <a:t> would</a:t>
+            </a:r>
+            <a:r>
+              <a:rPr lang="en-US" sz="3200" kern="1200" dirty="0" smtClean="0">
+                <a:solidFill>
+                  <a:schemeClr val="tx1"/>
+                </a:solidFill>
+                <a:effectLst/>
+                <a:latin typeface="+mn-lt"/>
+                <a:ea typeface="+mn-ea"/>
+                <a:cs typeface="+mn-cs"/>
+              </a:rPr>
+              <a:t> reform my evil ways</a:t>
+            </a:r>
+          </a:p>
+          <a:p>
+            <a:pPr lvl="0"/>
+            <a:endParaRPr lang="en-US" sz="3200" kern="1200" dirty="0" smtClean="0">
+              <a:solidFill>
+                <a:schemeClr val="tx1"/>
+              </a:solidFill>
+              <a:effectLst/>
+              <a:latin typeface="+mn-lt"/>
+              <a:ea typeface="+mn-ea"/>
+              <a:cs typeface="+mn-cs"/>
+            </a:endParaRPr>
+          </a:p>
+          <a:p>
+            <a:pPr marL="0" indent="0">
+              <a:buNone/>
+            </a:pPr>
+            <a:r>
+              <a:rPr lang="en-US" sz="2200" dirty="0" smtClean="0"/>
+              <a:t>"Any programmer who fails to comply with the standard</a:t>
+            </a:r>
+            <a:r>
+              <a:rPr lang="en-US" sz="2200" baseline="0" dirty="0" smtClean="0"/>
+              <a:t> naming, formatting or commenting conventions should be shot.  If it so happens that it is inconvenient to shoot him, then he is to be politely requested to recode his program in adherence to the above standard."</a:t>
+            </a:r>
+          </a:p>
+          <a:p>
+            <a:pPr marL="0" indent="0">
+              <a:buNone/>
+            </a:pPr>
+            <a:endParaRPr lang="en-US" sz="2600" baseline="0" dirty="0" smtClean="0"/>
+          </a:p>
+          <a:p>
+            <a:pPr marL="0" indent="0" algn="r">
+              <a:buNone/>
+            </a:pPr>
+            <a:r>
+              <a:rPr lang="en-US" sz="1900" i="1" baseline="0" dirty="0" smtClean="0"/>
+              <a:t>-- Mike </a:t>
+            </a:r>
+            <a:r>
+              <a:rPr lang="en-US" sz="1900" i="1" baseline="0" dirty="0" err="1" smtClean="0"/>
+              <a:t>Spier</a:t>
+            </a:r>
+            <a:r>
+              <a:rPr lang="en-US" sz="1900" i="1" baseline="0" dirty="0" smtClean="0"/>
+              <a:t>, Digital Equipment Corporation, 1971</a:t>
+            </a:r>
+            <a:endParaRPr lang="en-US" sz="1900" i="1" dirty="0"/>
+          </a:p>
+        </p:txBody>
+      </p:sp>
+      <p:sp>
+        <p:nvSpPr>
+          <p:cNvPr id="4" name="Date Placeholder 3"/>
+          <p:cNvSpPr>
+            <a:spLocks noGrp="1"/>
+          </p:cNvSpPr>
+          <p:nvPr>
+            <p:ph type="dt" sz="half" idx="10"/>
+          </p:nvPr>
+        </p:nvSpPr>
+        <p:spPr/>
+        <p:txBody>
+          <a:bodyPr/>
+          <a:lstStyle/>
+          <a:p>
+            <a:r>
+              <a:rPr lang="en-US" smtClean="0"/>
+              <a:t>2021-01-01</a:t>
+            </a:r>
+            <a:endParaRPr lang="en-US"/>
+          </a:p>
+        </p:txBody>
+      </p:sp>
+      <p:sp>
+        <p:nvSpPr>
+          <p:cNvPr id="5" name="Footer Placeholder 4"/>
+          <p:cNvSpPr>
+            <a:spLocks noGrp="1"/>
+          </p:cNvSpPr>
+          <p:nvPr>
+            <p:ph type="ftr" sz="quarter" idx="11"/>
+          </p:nvPr>
+        </p:nvSpPr>
+        <p:spPr/>
+        <p:txBody>
+          <a:bodyPr/>
+          <a:lstStyle/>
+          <a:p>
+            <a:r>
+              <a:rPr lang="en-US" smtClean="0"/>
+              <a:t>RBL - Boston Python</a:t>
+            </a:r>
+            <a:endParaRPr lang="en-US" dirty="0"/>
+          </a:p>
+        </p:txBody>
+      </p:sp>
+      <p:sp>
+        <p:nvSpPr>
+          <p:cNvPr id="6" name="Slide Number Placeholder 5"/>
+          <p:cNvSpPr>
+            <a:spLocks noGrp="1"/>
+          </p:cNvSpPr>
+          <p:nvPr>
+            <p:ph type="sldNum" sz="quarter" idx="12"/>
+          </p:nvPr>
+        </p:nvSpPr>
+        <p:spPr/>
+        <p:txBody>
+          <a:bodyPr/>
+          <a:lstStyle/>
+          <a:p>
+            <a:fld id="{4E5DAAAA-9FFA-4439-92E3-68E3EA8B0D1F}" type="slidenum">
+              <a:rPr lang="en-US" smtClean="0"/>
+              <a:t>37</a:t>
+            </a:fld>
+            <a:endParaRPr lang="en-US" dirty="0"/>
+          </a:p>
+        </p:txBody>
+      </p:sp>
+    </p:spTree>
+    <p:extLst>
+      <p:ext uri="{BB962C8B-B14F-4D97-AF65-F5344CB8AC3E}">
+        <p14:creationId xmlns:p14="http://schemas.microsoft.com/office/powerpoint/2010/main" val="1853156086"/>
+      </p:ext>
+    </p:extLst>
+  </p:cSld>
+  <p:clrMapOvr>
+    <a:masterClrMapping/>
+  </p:clrMapOvr>
+</p:sld>
+</file>
+
+<file path=ppt/slides/slide38.xml><?xml version="1.0" encoding="utf-8"?>
+<p:sld xmlns:a="http://schemas.openxmlformats.org/drawingml/2006/main" xmlns:r="http://schemas.openxmlformats.org/officeDocument/2006/relationships" xmlns:p="http://schemas.openxmlformats.org/presentationml/2006/main">
+  <p:cSld>
+    <p:spTree>
+      <p:nvGrpSpPr>
+        <p:cNvPr id="1" name=""/>
+        <p:cNvGrpSpPr/>
+        <p:nvPr/>
+      </p:nvGrpSpPr>
+      <p:grpSpPr>
+        <a:xfrm>
+          <a:off x="0" y="0"/>
+          <a:ext cx="0" cy="0"/>
+          <a:chOff x="0" y="0"/>
+          <a:chExt cx="0" cy="0"/>
+        </a:xfrm>
+      </p:grpSpPr>
+      <p:sp>
+        <p:nvSpPr>
+          <p:cNvPr id="2" name="Title 1"/>
+          <p:cNvSpPr>
+            <a:spLocks noGrp="1"/>
+          </p:cNvSpPr>
+          <p:nvPr>
+            <p:ph type="title"/>
+          </p:nvPr>
+        </p:nvSpPr>
+        <p:spPr/>
+        <p:txBody>
+          <a:bodyPr/>
+          <a:lstStyle/>
+          <a:p>
+            <a:r>
+              <a:rPr lang="en-US" dirty="0" smtClean="0"/>
+              <a:t>Meaningful Data Contents, Too</a:t>
+            </a:r>
+            <a:endParaRPr lang="en-US" dirty="0"/>
+          </a:p>
+        </p:txBody>
+      </p:sp>
+      <p:sp>
+        <p:nvSpPr>
+          <p:cNvPr id="3" name="Content Placeholder 2"/>
+          <p:cNvSpPr>
+            <a:spLocks noGrp="1"/>
+          </p:cNvSpPr>
+          <p:nvPr>
+            <p:ph idx="1"/>
+          </p:nvPr>
+        </p:nvSpPr>
+        <p:spPr/>
+        <p:txBody>
+          <a:bodyPr>
+            <a:normAutofit/>
+          </a:bodyPr>
+          <a:lstStyle/>
+          <a:p>
+            <a:pPr lvl="0"/>
+            <a:r>
+              <a:rPr lang="en-US" sz="3200" kern="1200" dirty="0" smtClean="0">
+                <a:solidFill>
+                  <a:schemeClr val="tx1"/>
+                </a:solidFill>
+                <a:effectLst/>
+                <a:latin typeface="+mn-lt"/>
+                <a:ea typeface="+mn-ea"/>
+                <a:cs typeface="+mn-cs"/>
+              </a:rPr>
+              <a:t>If you have lots of class instances, addresses are not useful to humans</a:t>
+            </a:r>
+          </a:p>
+          <a:p>
+            <a:pPr lvl="1"/>
+            <a:r>
+              <a:rPr lang="en-US" sz="2800" kern="1200" dirty="0" smtClean="0">
+                <a:solidFill>
+                  <a:schemeClr val="tx1"/>
+                </a:solidFill>
+                <a:effectLst/>
+                <a:latin typeface="+mn-lt"/>
+                <a:ea typeface="+mn-ea"/>
+                <a:cs typeface="+mn-cs"/>
+              </a:rPr>
+              <a:t>Assign readable IDs in instances</a:t>
+            </a:r>
+          </a:p>
+          <a:p>
+            <a:pPr lvl="0"/>
+            <a:r>
+              <a:rPr lang="en-US" sz="3200" kern="1200" dirty="0" smtClean="0">
+                <a:solidFill>
+                  <a:schemeClr val="tx1"/>
+                </a:solidFill>
+                <a:effectLst/>
+                <a:latin typeface="+mn-lt"/>
+                <a:ea typeface="+mn-ea"/>
+                <a:cs typeface="+mn-cs"/>
+              </a:rPr>
+              <a:t>My last project had only </a:t>
+            </a:r>
+            <a:r>
+              <a:rPr lang="en-US" dirty="0" smtClean="0"/>
+              <a:t>~2</a:t>
+            </a:r>
+            <a:r>
+              <a:rPr lang="en-US" sz="3200" kern="1200" dirty="0" smtClean="0">
+                <a:solidFill>
+                  <a:schemeClr val="tx1"/>
+                </a:solidFill>
+                <a:effectLst/>
+                <a:latin typeface="+mn-lt"/>
+                <a:ea typeface="+mn-ea"/>
+                <a:cs typeface="+mn-cs"/>
+              </a:rPr>
+              <a:t>0 major classes but 10-50,000 instances of some classes</a:t>
+            </a:r>
+          </a:p>
+          <a:p>
+            <a:pPr lvl="0"/>
+            <a:r>
+              <a:rPr lang="en-US" sz="3200" kern="1200" dirty="0" smtClean="0">
+                <a:solidFill>
+                  <a:schemeClr val="tx1"/>
+                </a:solidFill>
+                <a:effectLst/>
+                <a:latin typeface="+mn-lt"/>
+                <a:ea typeface="+mn-ea"/>
+                <a:cs typeface="+mn-cs"/>
+              </a:rPr>
+              <a:t>(The debug</a:t>
+            </a:r>
+            <a:r>
+              <a:rPr lang="en-US" sz="3200" kern="1200" baseline="0" dirty="0" smtClean="0">
+                <a:solidFill>
+                  <a:schemeClr val="tx1"/>
+                </a:solidFill>
+                <a:effectLst/>
+                <a:latin typeface="+mn-lt"/>
+                <a:ea typeface="+mn-ea"/>
+                <a:cs typeface="+mn-cs"/>
+              </a:rPr>
+              <a:t> package here displays IDs, instance names)</a:t>
+            </a:r>
+            <a:endParaRPr lang="en-US" sz="3200" kern="1200" dirty="0" smtClean="0">
+              <a:solidFill>
+                <a:schemeClr val="tx1"/>
+              </a:solidFill>
+              <a:effectLst/>
+              <a:latin typeface="+mn-lt"/>
+              <a:ea typeface="+mn-ea"/>
+              <a:cs typeface="+mn-cs"/>
+            </a:endParaRPr>
+          </a:p>
+        </p:txBody>
+      </p:sp>
+      <p:sp>
+        <p:nvSpPr>
+          <p:cNvPr id="4" name="Date Placeholder 3"/>
+          <p:cNvSpPr>
+            <a:spLocks noGrp="1"/>
+          </p:cNvSpPr>
+          <p:nvPr>
+            <p:ph type="dt" sz="half" idx="10"/>
+          </p:nvPr>
+        </p:nvSpPr>
+        <p:spPr/>
+        <p:txBody>
+          <a:bodyPr/>
+          <a:lstStyle/>
+          <a:p>
+            <a:r>
+              <a:rPr lang="en-US" smtClean="0"/>
+              <a:t>2021-01-01</a:t>
+            </a:r>
+            <a:endParaRPr lang="en-US"/>
+          </a:p>
+        </p:txBody>
+      </p:sp>
+      <p:sp>
+        <p:nvSpPr>
+          <p:cNvPr id="5" name="Footer Placeholder 4"/>
+          <p:cNvSpPr>
+            <a:spLocks noGrp="1"/>
+          </p:cNvSpPr>
+          <p:nvPr>
+            <p:ph type="ftr" sz="quarter" idx="11"/>
+          </p:nvPr>
+        </p:nvSpPr>
+        <p:spPr/>
+        <p:txBody>
+          <a:bodyPr/>
+          <a:lstStyle/>
+          <a:p>
+            <a:r>
+              <a:rPr lang="en-US" smtClean="0"/>
+              <a:t>RBL - Boston Python</a:t>
+            </a:r>
+            <a:endParaRPr lang="en-US" dirty="0"/>
+          </a:p>
+        </p:txBody>
+      </p:sp>
+      <p:sp>
+        <p:nvSpPr>
+          <p:cNvPr id="6" name="Slide Number Placeholder 5"/>
+          <p:cNvSpPr>
+            <a:spLocks noGrp="1"/>
+          </p:cNvSpPr>
+          <p:nvPr>
+            <p:ph type="sldNum" sz="quarter" idx="12"/>
+          </p:nvPr>
+        </p:nvSpPr>
+        <p:spPr/>
+        <p:txBody>
+          <a:bodyPr/>
+          <a:lstStyle/>
+          <a:p>
+            <a:fld id="{4E5DAAAA-9FFA-4439-92E3-68E3EA8B0D1F}" type="slidenum">
+              <a:rPr lang="en-US" smtClean="0"/>
+              <a:t>38</a:t>
+            </a:fld>
+            <a:endParaRPr lang="en-US" dirty="0"/>
+          </a:p>
+        </p:txBody>
+      </p:sp>
+    </p:spTree>
+    <p:extLst>
+      <p:ext uri="{BB962C8B-B14F-4D97-AF65-F5344CB8AC3E}">
+        <p14:creationId xmlns:p14="http://schemas.microsoft.com/office/powerpoint/2010/main" val="2100915525"/>
+      </p:ext>
+    </p:extLst>
+  </p:cSld>
+  <p:clrMapOvr>
+    <a:masterClrMapping/>
+  </p:clrMapOvr>
+  <p:timing>
+    <p:tnLst>
+      <p:par>
+        <p:cTn id="1" dur="indefinite" restart="never" nodeType="tmRoot"/>
+      </p:par>
+    </p:tnLst>
+  </p:timing>
+</p:sld>
+</file>
+
+<file path=ppt/slides/slide39.xml><?xml version="1.0" encoding="utf-8"?>
+<p:sld xmlns:a="http://schemas.openxmlformats.org/drawingml/2006/main" xmlns:r="http://schemas.openxmlformats.org/officeDocument/2006/relationships" xmlns:p="http://schemas.openxmlformats.org/presentationml/2006/main">
+  <p:cSld>
+    <p:spTree>
+      <p:nvGrpSpPr>
+        <p:cNvPr id="1" name=""/>
+        <p:cNvGrpSpPr/>
+        <p:nvPr/>
+      </p:nvGrpSpPr>
+      <p:grpSpPr>
+        <a:xfrm>
+          <a:off x="0" y="0"/>
+          <a:ext cx="0" cy="0"/>
+          <a:chOff x="0" y="0"/>
+          <a:chExt cx="0" cy="0"/>
+        </a:xfrm>
+      </p:grpSpPr>
+      <p:sp>
+        <p:nvSpPr>
+          <p:cNvPr id="2" name="Title 1"/>
+          <p:cNvSpPr>
+            <a:spLocks noGrp="1"/>
+          </p:cNvSpPr>
+          <p:nvPr>
+            <p:ph type="title"/>
+          </p:nvPr>
+        </p:nvSpPr>
+        <p:spPr/>
+        <p:txBody>
+          <a:bodyPr/>
+          <a:lstStyle/>
+          <a:p>
+            <a:r>
+              <a:rPr lang="en-US" dirty="0" smtClean="0"/>
               <a:t>Contact</a:t>
             </a:r>
             <a:endParaRPr lang="en-US" dirty="0"/>
@@ -10590,7 +11765,6 @@
               <a:rPr lang="en-US" dirty="0" smtClean="0"/>
               <a:t>www.github.com/rblandau/NewTrace</a:t>
             </a:r>
-            <a:endParaRPr lang="en-US" dirty="0" smtClean="0"/>
           </a:p>
           <a:p>
             <a:endParaRPr lang="en-US" dirty="0" smtClean="0"/>
@@ -10676,7 +11850,7 @@
           <a:p>
             <a:fld id="{4E5DAAAA-9FFA-4439-92E3-68E3EA8B0D1F}" type="slidenum">
               <a:rPr lang="en-US" smtClean="0"/>
-              <a:t>35</a:t>
+              <a:t>39</a:t>
             </a:fld>
             <a:endParaRPr lang="en-US" dirty="0"/>
           </a:p>
@@ -10729,144 +11903,58 @@
           <a:p>
             <a:r>
               <a:rPr lang="en-US" dirty="0" smtClean="0"/>
-              <a:t>Use Meaningful</a:t>
+              <a:t>Offline Debugging</a:t>
+            </a:r>
+            <a:endParaRPr lang="en-US" dirty="0"/>
+          </a:p>
+        </p:txBody>
+      </p:sp>
+      <p:sp>
+        <p:nvSpPr>
+          <p:cNvPr id="3" name="Content Placeholder 2"/>
+          <p:cNvSpPr>
+            <a:spLocks noGrp="1"/>
+          </p:cNvSpPr>
+          <p:nvPr>
+            <p:ph idx="1"/>
+          </p:nvPr>
+        </p:nvSpPr>
+        <p:spPr/>
+        <p:txBody>
+          <a:bodyPr/>
+          <a:lstStyle/>
+          <a:p>
+            <a:pPr lvl="0"/>
+            <a:r>
+              <a:rPr lang="en-US" dirty="0" smtClean="0"/>
+              <a:t>Make a record of what a program </a:t>
+            </a:r>
+            <a:r>
+              <a:rPr lang="en-US" dirty="0" smtClean="0"/>
+              <a:t>does</a:t>
+            </a:r>
+          </a:p>
+          <a:p>
+            <a:pPr lvl="1"/>
+            <a:r>
+              <a:rPr lang="en-US" b="1" dirty="0" smtClean="0"/>
+              <a:t>Not</a:t>
+            </a:r>
+            <a:r>
+              <a:rPr lang="en-US" dirty="0" smtClean="0"/>
+              <a:t> intended as a permanent record to replace activity or auditing log</a:t>
+            </a:r>
+            <a:endParaRPr lang="en-US" dirty="0" smtClean="0"/>
+          </a:p>
+          <a:p>
+            <a:pPr lvl="0"/>
+            <a:r>
+              <a:rPr lang="en-US" dirty="0" smtClean="0"/>
+              <a:t>Not interactive</a:t>
             </a:r>
             <a:r>
               <a:rPr lang="en-US" baseline="0" dirty="0" smtClean="0"/>
-              <a:t> Names</a:t>
-            </a:r>
-            <a:endParaRPr lang="en-US" dirty="0"/>
-          </a:p>
-        </p:txBody>
-      </p:sp>
-      <p:sp>
-        <p:nvSpPr>
-          <p:cNvPr id="3" name="Content Placeholder 2"/>
-          <p:cNvSpPr>
-            <a:spLocks noGrp="1"/>
-          </p:cNvSpPr>
-          <p:nvPr>
-            <p:ph idx="1"/>
-          </p:nvPr>
-        </p:nvSpPr>
-        <p:spPr/>
-        <p:txBody>
-          <a:bodyPr>
-            <a:normAutofit/>
-          </a:bodyPr>
-          <a:lstStyle/>
-          <a:p>
-            <a:pPr lvl="0"/>
-            <a:r>
-              <a:rPr lang="en-US" sz="3200" kern="1200" dirty="0" smtClean="0">
-                <a:solidFill>
-                  <a:schemeClr val="tx1"/>
-                </a:solidFill>
-                <a:effectLst/>
-                <a:latin typeface="+mn-lt"/>
-                <a:ea typeface="+mn-ea"/>
-                <a:cs typeface="+mn-cs"/>
-              </a:rPr>
-              <a:t>The type of the data should be obvious</a:t>
-            </a:r>
-          </a:p>
-          <a:p>
-            <a:pPr lvl="1"/>
-            <a:r>
-              <a:rPr lang="en-US" sz="2800" kern="1200" dirty="0" smtClean="0">
-                <a:solidFill>
-                  <a:schemeClr val="tx1"/>
-                </a:solidFill>
-                <a:effectLst/>
-                <a:latin typeface="+mn-lt"/>
-                <a:ea typeface="+mn-ea"/>
-                <a:cs typeface="+mn-cs"/>
-              </a:rPr>
-              <a:t>It prevents a lot of runtime errors</a:t>
-            </a:r>
-          </a:p>
-          <a:p>
-            <a:pPr lvl="0"/>
-            <a:r>
-              <a:rPr lang="en-US" sz="3200" kern="1200" dirty="0" smtClean="0">
-                <a:solidFill>
-                  <a:schemeClr val="tx1"/>
-                </a:solidFill>
-                <a:effectLst/>
-                <a:latin typeface="+mn-lt"/>
-                <a:ea typeface="+mn-ea"/>
-                <a:cs typeface="+mn-cs"/>
-              </a:rPr>
-              <a:t>I use "Hungarian naming" because (dinosaur!) I grew up with it</a:t>
-            </a:r>
-          </a:p>
-          <a:p>
-            <a:pPr lvl="1"/>
-            <a:r>
-              <a:rPr lang="en-US" sz="2800" kern="1200" dirty="0" err="1" smtClean="0">
-                <a:solidFill>
-                  <a:schemeClr val="tx1"/>
-                </a:solidFill>
-                <a:effectLst/>
-                <a:latin typeface="+mn-lt"/>
-                <a:ea typeface="+mn-ea"/>
-                <a:cs typeface="+mn-cs"/>
-              </a:rPr>
-              <a:t>CamelCase</a:t>
-            </a:r>
-            <a:r>
-              <a:rPr lang="en-US" sz="2800" kern="1200" dirty="0" smtClean="0">
-                <a:solidFill>
-                  <a:schemeClr val="tx1"/>
-                </a:solidFill>
-                <a:effectLst/>
-                <a:latin typeface="+mn-lt"/>
-                <a:ea typeface="+mn-ea"/>
-                <a:cs typeface="+mn-cs"/>
-              </a:rPr>
-              <a:t> with ugly prefixes for datatypes </a:t>
-            </a:r>
-          </a:p>
-          <a:p>
-            <a:pPr lvl="1"/>
-            <a:r>
-              <a:rPr lang="en-US" sz="2800" kern="1200" dirty="0" err="1" smtClean="0">
-                <a:solidFill>
-                  <a:schemeClr val="tx1"/>
-                </a:solidFill>
-                <a:effectLst/>
-                <a:latin typeface="+mn-lt"/>
-                <a:ea typeface="+mn-ea"/>
-                <a:cs typeface="+mn-cs"/>
-              </a:rPr>
-              <a:t>CamelCase</a:t>
-            </a:r>
-            <a:r>
-              <a:rPr lang="en-US" sz="2800" kern="1200" dirty="0" smtClean="0">
-                <a:solidFill>
-                  <a:schemeClr val="tx1"/>
-                </a:solidFill>
-                <a:effectLst/>
-                <a:latin typeface="+mn-lt"/>
-                <a:ea typeface="+mn-ea"/>
-                <a:cs typeface="+mn-cs"/>
-              </a:rPr>
-              <a:t> is just a personal preference BUT</a:t>
-            </a:r>
-          </a:p>
-          <a:p>
-            <a:pPr lvl="1"/>
-            <a:r>
-              <a:rPr lang="en-US" sz="2800" kern="1200" dirty="0" smtClean="0">
-                <a:solidFill>
-                  <a:schemeClr val="tx1"/>
-                </a:solidFill>
-                <a:effectLst/>
-                <a:latin typeface="+mn-lt"/>
-                <a:ea typeface="+mn-ea"/>
-                <a:cs typeface="+mn-cs"/>
-              </a:rPr>
-              <a:t>Datatype at the beginning of the name of data (or a function) is useful</a:t>
+              <a:t> debugging step by step</a:t>
             </a:r>
           </a:p>
         </p:txBody>
@@ -10943,20 +12031,13 @@
     </p:spTree>
     <p:extLst>
       <p:ext uri="{BB962C8B-B14F-4D97-AF65-F5344CB8AC3E}">
-        <p14:creationId xmlns:p14="http://schemas.microsoft.com/office/powerpoint/2010/main" val="867037978"/>
+        <p14:creationId xmlns:p14="http://schemas.microsoft.com/office/powerpoint/2010/main" val="3342569537"/>
       </p:ext>
     </p:extLst>
   </p:cSld>
   <p:clrMapOvr>
     <a:masterClrMapping/>
   </p:clrMapOvr>
-  <p:timing>
-    <p:tnLst>
-      <p:par>
-        <p:cTn id="1" dur="indefinite" restart="never" nodeType="tmRoot"/>
-      </p:par>
-    </p:tnLst>
-  </p:timing>
 </p:sld>
 </file>
 
@@ -10989,15 +12070,26 @@
         </p:nvSpPr>
         <p:spPr/>
         <p:txBody>
-          <a:bodyPr/>
-          <a:lstStyle/>
-          <a:p>
-            <a:pPr marL="0" lvl="0" indent="0">
-              <a:buNone/>
-            </a:pPr>
+          <a:bodyPr>
+            <a:normAutofit fontScale="90000"/>
+          </a:bodyPr>
+          <a:lstStyle/>
+          <a:p>
+            <a:pPr lvl="0"/>
             <a:r>
               <a:rPr lang="en-US" dirty="0" smtClean="0"/>
-              <a:t>Sort of Apology</a:t>
+              <a:t>New Program Doesn’t Do</a:t>
+            </a:r>
+            <a:br>
+              <a:rPr lang="en-US" dirty="0" smtClean="0"/>
+            </a:br>
+            <a:r>
+              <a:rPr lang="en-US" dirty="0" smtClean="0"/>
+              <a:t>What</a:t>
+            </a:r>
+            <a:r>
+              <a:rPr lang="en-US" baseline="0" dirty="0" smtClean="0"/>
+              <a:t> You Want It To Do?</a:t>
             </a:r>
             <a:endParaRPr lang="en-US" dirty="0"/>
           </a:p>
@@ -11015,167 +12107,32 @@
         </p:nvSpPr>
         <p:spPr/>
         <p:txBody>
-          <a:bodyPr>
-            <a:normAutofit fontScale="92500" lnSpcReduction="10000"/>
-          </a:bodyPr>
-          <a:lstStyle/>
-          <a:p>
-            <a:pPr lvl="0"/>
-            <a:r>
-              <a:rPr lang="en-US" sz="3200" kern="1200" dirty="0" smtClean="0">
-                <a:solidFill>
-                  <a:schemeClr val="tx1"/>
-                </a:solidFill>
-                <a:effectLst/>
-                <a:latin typeface="+mn-lt"/>
-                <a:ea typeface="+mn-ea"/>
-                <a:cs typeface="+mn-cs"/>
-              </a:rPr>
-              <a:t>Not PEP-8, sorry </a:t>
-            </a:r>
-          </a:p>
-          <a:p>
-            <a:pPr lvl="1"/>
-            <a:r>
-              <a:rPr lang="en-US" sz="2800" kern="1200" dirty="0" smtClean="0">
-                <a:solidFill>
-                  <a:schemeClr val="tx1"/>
-                </a:solidFill>
-                <a:effectLst/>
-                <a:latin typeface="+mn-lt"/>
-                <a:ea typeface="+mn-ea"/>
-                <a:cs typeface="+mn-cs"/>
-              </a:rPr>
-              <a:t>But you can embed type in a pep8 name, too </a:t>
-            </a:r>
-          </a:p>
-          <a:p>
-            <a:pPr lvl="2"/>
-            <a:r>
-              <a:rPr lang="en-US" sz="2400" kern="1200" dirty="0" err="1" smtClean="0">
-                <a:solidFill>
-                  <a:schemeClr val="tx1"/>
-                </a:solidFill>
-                <a:effectLst/>
-                <a:latin typeface="+mn-lt"/>
-                <a:ea typeface="+mn-ea"/>
-                <a:cs typeface="+mn-cs"/>
-              </a:rPr>
-              <a:t>foo_list</a:t>
-            </a:r>
-            <a:r>
-              <a:rPr lang="en-US" sz="2400" kern="1200" dirty="0" smtClean="0">
-                <a:solidFill>
-                  <a:schemeClr val="tx1"/>
-                </a:solidFill>
-                <a:effectLst/>
-                <a:latin typeface="+mn-lt"/>
-                <a:ea typeface="+mn-ea"/>
-                <a:cs typeface="+mn-cs"/>
-              </a:rPr>
-              <a:t> or </a:t>
-            </a:r>
-            <a:r>
-              <a:rPr lang="en-US" sz="2400" kern="1200" dirty="0" err="1" smtClean="0">
-                <a:solidFill>
-                  <a:schemeClr val="tx1"/>
-                </a:solidFill>
-                <a:effectLst/>
-                <a:latin typeface="+mn-lt"/>
-                <a:ea typeface="+mn-ea"/>
-                <a:cs typeface="+mn-cs"/>
-              </a:rPr>
-              <a:t>list_foo</a:t>
-            </a:r>
-            <a:endParaRPr lang="en-US" dirty="0" smtClean="0"/>
-          </a:p>
-          <a:p>
-            <a:pPr lvl="0"/>
-            <a:r>
-              <a:rPr lang="en-US" sz="3200" kern="1200" dirty="0" smtClean="0">
-                <a:solidFill>
-                  <a:schemeClr val="tx1"/>
-                </a:solidFill>
-                <a:effectLst/>
-                <a:latin typeface="+mn-lt"/>
-                <a:ea typeface="+mn-ea"/>
-                <a:cs typeface="+mn-cs"/>
-              </a:rPr>
-              <a:t>If I were building packages for distribution, I</a:t>
-            </a:r>
-            <a:r>
-              <a:rPr lang="en-US" sz="3200" kern="1200" baseline="0" dirty="0" smtClean="0">
-                <a:solidFill>
-                  <a:schemeClr val="tx1"/>
-                </a:solidFill>
-                <a:effectLst/>
-                <a:latin typeface="+mn-lt"/>
-                <a:ea typeface="+mn-ea"/>
-                <a:cs typeface="+mn-cs"/>
-              </a:rPr>
-              <a:t> would</a:t>
-            </a:r>
-            <a:r>
-              <a:rPr lang="en-US" sz="3200" kern="1200" dirty="0" smtClean="0">
-                <a:solidFill>
-                  <a:schemeClr val="tx1"/>
-                </a:solidFill>
-                <a:effectLst/>
-                <a:latin typeface="+mn-lt"/>
-                <a:ea typeface="+mn-ea"/>
-                <a:cs typeface="+mn-cs"/>
-              </a:rPr>
-              <a:t> reform my evil ways</a:t>
-            </a:r>
-          </a:p>
-          <a:p>
-            <a:pPr lvl="0"/>
-            <a:endParaRPr lang="en-US" sz="3200" kern="1200" dirty="0" smtClean="0">
-              <a:solidFill>
-                <a:schemeClr val="tx1"/>
-              </a:solidFill>
-              <a:effectLst/>
-              <a:latin typeface="+mn-lt"/>
-              <a:ea typeface="+mn-ea"/>
-              <a:cs typeface="+mn-cs"/>
-            </a:endParaRPr>
-          </a:p>
-          <a:p>
-            <a:pPr marL="0" indent="0">
-              <a:buNone/>
-            </a:pPr>
-            <a:r>
-              <a:rPr lang="en-US" sz="2200" dirty="0" smtClean="0"/>
-              <a:t>"Any programmer who fails to comply with the standard</a:t>
-            </a:r>
-            <a:r>
-              <a:rPr lang="en-US" sz="2200" baseline="0" dirty="0" smtClean="0"/>
-              <a:t> naming, formatting or commenting conventions should be shot.  If it so happens that it is inconvenient to shoot him, then he is to be politely requested to recode his program in adherence to the above standard."</a:t>
-            </a:r>
-          </a:p>
-          <a:p>
-            <a:pPr marL="0" indent="0">
-              <a:buNone/>
-            </a:pPr>
-            <a:endParaRPr lang="en-US" sz="2600" baseline="0" dirty="0" smtClean="0"/>
-          </a:p>
-          <a:p>
-            <a:pPr marL="0" indent="0" algn="r">
-              <a:buNone/>
-            </a:pPr>
-            <a:r>
-              <a:rPr lang="en-US" sz="1900" i="1" baseline="0" dirty="0" smtClean="0"/>
-              <a:t>-- Mike </a:t>
-            </a:r>
-            <a:r>
-              <a:rPr lang="en-US" sz="1900" i="1" baseline="0" dirty="0" err="1" smtClean="0"/>
-              <a:t>Spier</a:t>
-            </a:r>
-            <a:r>
-              <a:rPr lang="en-US" sz="1900" i="1" baseline="0" dirty="0" smtClean="0"/>
-              <a:t>, Digital Equipment Corporation, 1971</a:t>
-            </a:r>
-            <a:endParaRPr lang="en-US" sz="1900" i="1" dirty="0"/>
+          <a:bodyPr/>
+          <a:lstStyle/>
+          <a:p>
+            <a:r>
+              <a:rPr lang="en-US" dirty="0" smtClean="0"/>
+              <a:t>Sprinkle a few print()</a:t>
+            </a:r>
+            <a:r>
+              <a:rPr lang="en-US" baseline="0" dirty="0" smtClean="0"/>
+              <a:t> statements in to print the data at key locations, and run it again</a:t>
+            </a:r>
+          </a:p>
+          <a:p>
+            <a:r>
+              <a:rPr lang="en-US" baseline="0" dirty="0" smtClean="0"/>
+              <a:t>Stare at the output, wonder why it did what it did, and why </a:t>
+            </a:r>
+            <a:r>
+              <a:rPr lang="en-US" baseline="0" dirty="0" smtClean="0"/>
+              <a:t>it did it in </a:t>
+            </a:r>
+            <a:r>
+              <a:rPr lang="en-US" baseline="0" dirty="0" smtClean="0"/>
+              <a:t>that order</a:t>
+            </a:r>
+            <a:endParaRPr lang="en-US" dirty="0"/>
           </a:p>
         </p:txBody>
       </p:sp>
@@ -11251,7 +12208,7 @@
     </p:spTree>
     <p:extLst>
       <p:ext uri="{BB962C8B-B14F-4D97-AF65-F5344CB8AC3E}">
-        <p14:creationId xmlns:p14="http://schemas.microsoft.com/office/powerpoint/2010/main" val="1853156086"/>
+        <p14:creationId xmlns:p14="http://schemas.microsoft.com/office/powerpoint/2010/main" val="507933991"/>
       </p:ext>
     </p:extLst>
   </p:cSld>
@@ -11295,7 +12252,11 @@
           <a:p>
             <a:r>
               <a:rPr lang="en-US" dirty="0" smtClean="0"/>
-              <a:t>Meaningful Data Contents, Too</a:t>
+              <a:t>Interactive</a:t>
+            </a:r>
+            <a:r>
+              <a:rPr lang="en-US" baseline="0" dirty="0" smtClean="0"/>
+              <a:t> Debugging</a:t>
             </a:r>
             <a:endParaRPr lang="en-US" dirty="0"/>
           </a:p>
@@ -11313,106 +12274,64 @@
         </p:nvSpPr>
         <p:spPr/>
         <p:txBody>
-          <a:bodyPr>
-            <a:normAutofit/>
-          </a:bodyPr>
-          <a:lstStyle/>
-          <a:p>
-            <a:pPr lvl="0"/>
-            <a:r>
-              <a:rPr lang="en-US" sz="3200" kern="1200" dirty="0" smtClean="0">
-                <a:solidFill>
-                  <a:schemeClr val="tx1"/>
-                </a:solidFill>
-                <a:effectLst/>
-                <a:latin typeface="+mn-lt"/>
-                <a:ea typeface="+mn-ea"/>
-                <a:cs typeface="+mn-cs"/>
-              </a:rPr>
-              <a:t>If you have lots of class instances, addresses are not useful to humans</a:t>
-            </a:r>
-          </a:p>
-          <a:p>
-            <a:pPr lvl="1"/>
-            <a:r>
-              <a:rPr lang="en-US" sz="2800" kern="1200" dirty="0" smtClean="0">
-                <a:solidFill>
-                  <a:schemeClr val="tx1"/>
-                </a:solidFill>
-                <a:effectLst/>
-                <a:latin typeface="+mn-lt"/>
-                <a:ea typeface="+mn-ea"/>
-                <a:cs typeface="+mn-cs"/>
-              </a:rPr>
-              <a:t>Assign readable IDs in instances</a:t>
-            </a:r>
-          </a:p>
-          <a:p>
-            <a:pPr lvl="0"/>
-            <a:r>
-              <a:rPr lang="en-US" sz="3200" kern="1200" dirty="0" smtClean="0">
-                <a:solidFill>
-                  <a:schemeClr val="tx1"/>
-                </a:solidFill>
-                <a:effectLst/>
-                <a:latin typeface="+mn-lt"/>
-                <a:ea typeface="+mn-ea"/>
-                <a:cs typeface="+mn-cs"/>
-              </a:rPr>
-              <a:t>My last project had only </a:t>
+          <a:bodyPr/>
+          <a:lstStyle/>
+          <a:p>
+            <a:r>
+              <a:rPr lang="en-US" baseline="0" dirty="0" smtClean="0"/>
+              <a:t>Set some breakpoints, run, examine data</a:t>
+            </a:r>
+          </a:p>
+          <a:p>
+            <a:r>
+              <a:rPr lang="en-US" baseline="0" dirty="0" smtClean="0"/>
+              <a:t>Great for small-</a:t>
+            </a:r>
+            <a:r>
+              <a:rPr lang="en-US" baseline="0" dirty="0" err="1" smtClean="0"/>
+              <a:t>ish</a:t>
+            </a:r>
+            <a:r>
+              <a:rPr lang="en-US" baseline="0" dirty="0" smtClean="0"/>
+              <a:t> programs that can be run interactively</a:t>
+            </a:r>
+          </a:p>
+          <a:p>
+            <a:r>
+              <a:rPr lang="en-US" dirty="0" err="1" smtClean="0"/>
+              <a:t>pdb</a:t>
             </a:r>
             <a:r>
               <a:rPr lang="en-US" dirty="0" smtClean="0"/>
-              <a:t>~2</a:t>
-            </a:r>
-            <a:r>
-              <a:rPr lang="en-US" sz="3200" kern="1200" dirty="0" smtClean="0">
-                <a:solidFill>
-                  <a:schemeClr val="tx1"/>
-                </a:solidFill>
-                <a:effectLst/>
-                <a:latin typeface="+mn-lt"/>
-                <a:ea typeface="+mn-ea"/>
-                <a:cs typeface="+mn-cs"/>
-              </a:rPr>
-              <a:t>0 major classes but 10-50,000 instances of some classes</a:t>
-            </a:r>
-          </a:p>
-          <a:p>
-            <a:pPr lvl="0"/>
-            <a:r>
-              <a:rPr lang="en-US" sz="3200" kern="1200" dirty="0" smtClean="0">
-                <a:solidFill>
-                  <a:schemeClr val="tx1"/>
-                </a:solidFill>
-                <a:effectLst/>
-                <a:latin typeface="+mn-lt"/>
-                <a:ea typeface="+mn-ea"/>
-                <a:cs typeface="+mn-cs"/>
-              </a:rPr>
-              <a:t>(The debug</a:t>
-            </a:r>
-            <a:r>
-              <a:rPr lang="en-US" sz="3200" kern="1200" baseline="0" dirty="0" smtClean="0">
-                <a:solidFill>
-                  <a:schemeClr val="tx1"/>
-                </a:solidFill>
-                <a:effectLst/>
-                <a:latin typeface="+mn-lt"/>
-                <a:ea typeface="+mn-ea"/>
-                <a:cs typeface="+mn-cs"/>
-              </a:rPr>
-              <a:t> package here displays IDs, instance names)</a:t>
-            </a:r>
-            <a:endParaRPr lang="en-US" sz="3200" kern="1200" dirty="0" smtClean="0">
-              <a:solidFill>
-                <a:schemeClr val="tx1"/>
-              </a:solidFill>
-              <a:effectLst/>
-              <a:latin typeface="+mn-lt"/>
-              <a:ea typeface="+mn-ea"/>
-              <a:cs typeface="+mn-cs"/>
-            </a:endParaRPr>
+              <a:t>,</a:t>
+            </a:r>
+            <a:r>
+              <a:rPr lang="en-US" baseline="0" dirty="0" smtClean="0"/>
+              <a:t> </a:t>
+            </a:r>
+            <a:r>
+              <a:rPr lang="en-US" baseline="0" dirty="0" err="1" smtClean="0"/>
+              <a:t>pudb</a:t>
+            </a:r>
+            <a:r>
+              <a:rPr lang="en-US" baseline="0" dirty="0" smtClean="0"/>
+              <a:t>,</a:t>
+            </a:r>
+            <a:r>
+              <a:rPr lang="en-US" dirty="0" smtClean="0"/>
+              <a:t> a dozen others,</a:t>
+            </a:r>
+            <a:r>
+              <a:rPr lang="en-US" baseline="0" dirty="0" smtClean="0"/>
+              <a:t> etc.</a:t>
+            </a:r>
+          </a:p>
+          <a:p>
+            <a:r>
+              <a:rPr lang="en-US" dirty="0" smtClean="0"/>
+              <a:t>Breakpoints, stepping, data examination</a:t>
+            </a:r>
+            <a:endParaRPr lang="en-US" dirty="0"/>
           </a:p>
         </p:txBody>
       </p:sp>
@@ -11488,20 +12407,13 @@
     </p:spTree>
     <p:extLst>
       <p:ext uri="{BB962C8B-B14F-4D97-AF65-F5344CB8AC3E}">
-        <p14:creationId xmlns:p14="http://schemas.microsoft.com/office/powerpoint/2010/main" val="2100915525"/>
+        <p14:creationId xmlns:p14="http://schemas.microsoft.com/office/powerpoint/2010/main" val="3934719971"/>
       </p:ext>
     </p:extLst>
   </p:cSld>
   <p:clrMapOvr>
     <a:masterClrMapping/>
   </p:clrMapOvr>
-  <p:timing>
-    <p:tnLst>
-      <p:par>
-        <p:cTn id="1" dur="indefinite" restart="never" nodeType="tmRoot"/>
-      </p:par>
-    </p:tnLst>
-  </p:timing>
 </p:sld>
 </file>
 
@@ -11534,12 +12446,21 @@
         </p:nvSpPr>
         <p:spPr/>
         <p:txBody>
-          <a:bodyPr/>
+          <a:bodyPr>
+            <a:normAutofit fontScale="90000"/>
+          </a:bodyPr>
           <a:lstStyle/>
           <a:p>
             <a:r>
               <a:rPr lang="en-US" dirty="0" smtClean="0"/>
-              <a:t>Offline Debugging</a:t>
+              <a:t>Interactive Debugging </a:t>
+            </a:r>
+            <a:br>
+              <a:rPr lang="en-US" dirty="0" smtClean="0"/>
+            </a:br>
+            <a:r>
+              <a:rPr lang="en-US" dirty="0" smtClean="0"/>
+              <a:t>Might Not be Simple</a:t>
             </a:r>
             <a:endParaRPr lang="en-US" dirty="0"/>
           </a:p>
@@ -11557,24 +12478,144 @@
         </p:nvSpPr>
         <p:spPr/>
         <p:txBody>
-          <a:bodyPr/>
+          <a:bodyPr>
+            <a:normAutofit/>
+          </a:bodyPr>
           <a:lstStyle/>
           <a:p>
             <a:pPr lvl="0"/>
             <a:r>
-              <a:rPr lang="en-US" dirty="0" smtClean="0"/>
-              <a:t>Make a record of what a program does</a:t>
-            </a:r>
-          </a:p>
-          <a:p>
-            <a:pPr lvl="0"/>
-            <a:r>
-              <a:rPr lang="en-US" dirty="0" smtClean="0"/>
-              <a:t>Not interactive</a:t>
-            </a:r>
-            <a:r>
-              <a:rPr lang="en-US" baseline="0" dirty="0" smtClean="0"/>
-              <a:t> debugging step by step</a:t>
+              <a:rPr lang="en-US" sz="3200" kern="1200" dirty="0" smtClean="0">
+                <a:solidFill>
+                  <a:schemeClr val="tx1"/>
+                </a:solidFill>
+                <a:effectLst/>
+                <a:latin typeface="+mn-lt"/>
+                <a:ea typeface="+mn-ea"/>
+                <a:cs typeface="+mn-cs"/>
+              </a:rPr>
+              <a:t>Interactive debugging might not be eas</a:t>
+            </a:r>
+            <a:r>
+              <a:rPr lang="en-US" sz="3200" kern="1200" baseline="0" dirty="0" smtClean="0">
+                <a:solidFill>
+                  <a:schemeClr val="tx1"/>
+                </a:solidFill>
+                <a:effectLst/>
+                <a:latin typeface="+mn-lt"/>
+                <a:ea typeface="+mn-ea"/>
+                <a:cs typeface="+mn-cs"/>
+              </a:rPr>
+              <a:t>y to use</a:t>
+            </a:r>
+            <a:endParaRPr lang="en-US" sz="3200" kern="1200" dirty="0" smtClean="0">
+              <a:solidFill>
+                <a:schemeClr val="tx1"/>
+              </a:solidFill>
+              <a:effectLst/>
+              <a:latin typeface="+mn-lt"/>
+              <a:ea typeface="+mn-ea"/>
+              <a:cs typeface="+mn-cs"/>
+            </a:endParaRPr>
+          </a:p>
+          <a:p>
+            <a:pPr lvl="1"/>
+            <a:r>
+              <a:rPr lang="en-US" sz="2800" kern="1200" dirty="0" smtClean="0">
+                <a:solidFill>
+                  <a:schemeClr val="tx1"/>
+                </a:solidFill>
+                <a:effectLst/>
+                <a:latin typeface="+mn-lt"/>
+                <a:ea typeface="+mn-ea"/>
+                <a:cs typeface="+mn-cs"/>
+              </a:rPr>
+              <a:t>Lengthy</a:t>
+            </a:r>
+            <a:r>
+              <a:rPr lang="en-US" sz="2800" kern="1200" baseline="0" dirty="0" smtClean="0">
+                <a:solidFill>
+                  <a:schemeClr val="tx1"/>
+                </a:solidFill>
+                <a:effectLst/>
+                <a:latin typeface="+mn-lt"/>
+                <a:ea typeface="+mn-ea"/>
+                <a:cs typeface="+mn-cs"/>
+              </a:rPr>
+              <a:t> or complex setup</a:t>
+            </a:r>
+          </a:p>
+          <a:p>
+            <a:pPr lvl="2"/>
+            <a:r>
+              <a:rPr lang="en-US" sz="2400" kern="1200" baseline="0" dirty="0" smtClean="0">
+                <a:solidFill>
+                  <a:schemeClr val="tx1"/>
+                </a:solidFill>
+                <a:effectLst/>
+                <a:latin typeface="+mn-lt"/>
+                <a:ea typeface="+mn-ea"/>
+                <a:cs typeface="+mn-cs"/>
+              </a:rPr>
+              <a:t>Requires more patience than I </a:t>
+            </a:r>
+            <a:r>
+              <a:rPr lang="en-US" sz="2400" kern="1200" baseline="0" dirty="0" smtClean="0">
+                <a:solidFill>
+                  <a:schemeClr val="tx1"/>
+                </a:solidFill>
+                <a:effectLst/>
+                <a:latin typeface="+mn-lt"/>
+                <a:ea typeface="+mn-ea"/>
+                <a:cs typeface="+mn-cs"/>
+              </a:rPr>
+              <a:t>have</a:t>
+            </a:r>
+          </a:p>
+          <a:p>
+            <a:pPr lvl="1"/>
+            <a:r>
+              <a:rPr lang="en-US" sz="2800" dirty="0" smtClean="0"/>
+              <a:t>Long run time</a:t>
+            </a:r>
+            <a:endParaRPr lang="en-US" sz="2800" kern="1200" baseline="0" dirty="0" smtClean="0">
+              <a:solidFill>
+                <a:schemeClr val="tx1"/>
+              </a:solidFill>
+              <a:effectLst/>
+              <a:latin typeface="+mn-lt"/>
+              <a:ea typeface="+mn-ea"/>
+              <a:cs typeface="+mn-cs"/>
+            </a:endParaRPr>
+          </a:p>
+          <a:p>
+            <a:pPr lvl="1"/>
+            <a:r>
+              <a:rPr lang="en-US" sz="2800" kern="1200" baseline="0" dirty="0" smtClean="0">
+                <a:solidFill>
+                  <a:schemeClr val="tx1"/>
+                </a:solidFill>
+                <a:effectLst/>
+                <a:latin typeface="+mn-lt"/>
+                <a:ea typeface="+mn-ea"/>
+                <a:cs typeface="+mn-cs"/>
+              </a:rPr>
+              <a:t>Detached process with no UI access</a:t>
+            </a:r>
+          </a:p>
+          <a:p>
+            <a:pPr lvl="1"/>
+            <a:r>
+              <a:rPr lang="en-US" sz="2800" kern="1200" dirty="0" smtClean="0">
+                <a:solidFill>
+                  <a:schemeClr val="tx1"/>
+                </a:solidFill>
+                <a:effectLst/>
+                <a:latin typeface="+mn-lt"/>
+                <a:ea typeface="+mn-ea"/>
+                <a:cs typeface="+mn-cs"/>
+              </a:rPr>
+              <a:t>Part of a web service</a:t>
             </a:r>
           </a:p>
         </p:txBody>
@@ -11651,7 +12692,7 @@
     </p:spTree>
     <p:extLst>
       <p:ext uri="{BB962C8B-B14F-4D97-AF65-F5344CB8AC3E}">
-        <p14:creationId xmlns:p14="http://schemas.microsoft.com/office/powerpoint/2010/main" val="3342569537"/>
+        <p14:creationId xmlns:p14="http://schemas.microsoft.com/office/powerpoint/2010/main" val="1243722376"/>
       </p:ext>
     </p:extLst>
   </p:cSld>
@@ -11690,61 +12731,204 @@
         </p:nvSpPr>
         <p:spPr/>
         <p:txBody>
-          <a:bodyPr>
-            <a:normAutofit fontScale="90000"/>
-          </a:bodyPr>
+          <a:bodyPr/>
+          <a:lstStyle/>
+          <a:p>
+            <a:r>
+              <a:rPr lang="en-US" dirty="0" smtClean="0"/>
+              <a:t>Python trace Module?</a:t>
+            </a:r>
+            <a:endParaRPr lang="en-US" dirty="0"/>
+          </a:p>
+        </p:txBody>
+      </p:sp>
+      <p:sp>
+        <p:nvSpPr>
+          <p:cNvPr id="3" name="Content Placeholder 2"/>
+          <p:cNvSpPr>
+            <a:spLocks noGrp="1"/>
+          </p:cNvSpPr>
+          <p:nvPr>
+            <p:ph idx="1"/>
+          </p:nvPr>
+        </p:nvSpPr>
+        <p:spPr/>
+        <p:txBody>
+          <a:bodyPr/>
           <a:lstStyle/>
           <a:p>
             <a:pPr lvl="0"/>
             <a:r>
-              <a:rPr lang="en-US" dirty="0" smtClean="0"/>
-              <a:t>New Program Doesn’t Do</a:t>
-            </a:r>
-            <a:br>
-              <a:rPr lang="en-US" dirty="0" smtClean="0"/>
-            </a:br>
-            <a:r>
-              <a:rPr lang="en-US" dirty="0" smtClean="0"/>
-              <a:t>What</a:t>
-            </a:r>
-            <a:r>
-              <a:rPr lang="en-US" baseline="0" dirty="0" smtClean="0"/>
-              <a:t> You Want It To Do?</a:t>
-            </a:r>
-            <a:endParaRPr lang="en-US" dirty="0"/>
-          </a:p>
-        </p:txBody>
-      </p:sp>
-      <p:sp>
-        <p:nvSpPr>
-          <p:cNvPr id="3" name="Content Placeholder 2"/>
-          <p:cNvSpPr>
-            <a:spLocks noGrp="1"/>
-          </p:cNvSpPr>
-          <p:nvPr>
-            <p:ph idx="1"/>
-          </p:nvPr>
-        </p:nvSpPr>
-        <p:spPr/>
-        <p:txBody>
-          <a:bodyPr/>
-          <a:lstStyle/>
-          <a:p>
-            <a:r>
-              <a:rPr lang="en-US" dirty="0" smtClean="0"/>
-              <a:t>Sprinkle a few print()</a:t>
-            </a:r>
-            <a:r>
-              <a:rPr lang="en-US" baseline="0" dirty="0" smtClean="0"/>
-              <a:t> statements in to print the data at key locations, and run it again</a:t>
-            </a:r>
-          </a:p>
-          <a:p>
-            <a:r>
-              <a:rPr lang="en-US" baseline="0" dirty="0" smtClean="0"/>
-              <a:t>Stare at the output, wonder why it did what it did, and why in that order</a:t>
-            </a:r>
-            <a:endParaRPr lang="en-US" dirty="0"/>
+              <a:rPr lang="en-US" sz="3200" kern="1200" dirty="0" smtClean="0">
+                <a:solidFill>
+                  <a:schemeClr val="tx1"/>
+                </a:solidFill>
+                <a:effectLst/>
+                <a:latin typeface="+mn-lt"/>
+                <a:ea typeface="+mn-ea"/>
+                <a:cs typeface="+mn-cs"/>
+              </a:rPr>
+              <a:t>The standard Python trace module doesn't fit my needs</a:t>
+            </a:r>
+          </a:p>
+          <a:p>
+            <a:pPr lvl="1"/>
+            <a:r>
+              <a:rPr lang="en-US" sz="2800" kern="1200" dirty="0" smtClean="0">
+                <a:solidFill>
+                  <a:schemeClr val="tx1"/>
+                </a:solidFill>
+                <a:effectLst/>
+                <a:latin typeface="+mn-lt"/>
+                <a:ea typeface="+mn-ea"/>
+                <a:cs typeface="+mn-cs"/>
+              </a:rPr>
+              <a:t>Tracks</a:t>
+            </a:r>
+            <a:r>
+              <a:rPr lang="en-US" sz="2800" kern="1200" baseline="0" dirty="0" smtClean="0">
+                <a:solidFill>
+                  <a:schemeClr val="tx1"/>
+                </a:solidFill>
+                <a:effectLst/>
+                <a:latin typeface="+mn-lt"/>
+                <a:ea typeface="+mn-ea"/>
+                <a:cs typeface="+mn-cs"/>
+              </a:rPr>
+              <a:t> </a:t>
+            </a:r>
+            <a:r>
+              <a:rPr lang="en-US" sz="2800" kern="1200" dirty="0" smtClean="0">
+                <a:solidFill>
+                  <a:schemeClr val="tx1"/>
+                </a:solidFill>
+                <a:effectLst/>
+                <a:latin typeface="+mn-lt"/>
+                <a:ea typeface="+mn-ea"/>
+                <a:cs typeface="+mn-cs"/>
+              </a:rPr>
+              <a:t>process, sequence of statements, not data</a:t>
+            </a:r>
+            <a:r>
+              <a:rPr lang="en-US" sz="2800" kern="1200" baseline="0" dirty="0" smtClean="0">
+                <a:solidFill>
+                  <a:schemeClr val="tx1"/>
+                </a:solidFill>
+                <a:effectLst/>
+                <a:latin typeface="+mn-lt"/>
+                <a:ea typeface="+mn-ea"/>
+                <a:cs typeface="+mn-cs"/>
+              </a:rPr>
+              <a:t> </a:t>
+            </a:r>
+            <a:endParaRPr lang="en-US" sz="2800" kern="1200" baseline="0" dirty="0" smtClean="0">
+              <a:solidFill>
+                <a:schemeClr val="tx1"/>
+              </a:solidFill>
+              <a:effectLst/>
+              <a:latin typeface="+mn-lt"/>
+              <a:ea typeface="+mn-ea"/>
+              <a:cs typeface="+mn-cs"/>
+            </a:endParaRPr>
+          </a:p>
+          <a:p>
+            <a:pPr lvl="0"/>
+            <a:r>
+              <a:rPr lang="en-US" sz="3200" kern="1200" dirty="0" smtClean="0">
+                <a:solidFill>
+                  <a:schemeClr val="tx1"/>
+                </a:solidFill>
+                <a:effectLst/>
+                <a:latin typeface="+mn-lt"/>
+                <a:ea typeface="+mn-ea"/>
+                <a:cs typeface="+mn-cs"/>
+              </a:rPr>
+              <a:t>Sam</a:t>
+            </a:r>
+            <a:r>
+              <a:rPr lang="en-US" sz="3200" kern="1200" baseline="0" dirty="0" smtClean="0">
+                <a:solidFill>
+                  <a:schemeClr val="tx1"/>
+                </a:solidFill>
+                <a:effectLst/>
+                <a:latin typeface="+mn-lt"/>
+                <a:ea typeface="+mn-ea"/>
+                <a:cs typeface="+mn-cs"/>
+              </a:rPr>
+              <a:t>e for </a:t>
+            </a:r>
+            <a:r>
+              <a:rPr lang="en-US" sz="3200" kern="1200" baseline="0" dirty="0" err="1" smtClean="0">
+                <a:solidFill>
+                  <a:schemeClr val="tx1"/>
+                </a:solidFill>
+                <a:effectLst/>
+                <a:latin typeface="+mn-lt"/>
+                <a:ea typeface="+mn-ea"/>
+                <a:cs typeface="+mn-cs"/>
+              </a:rPr>
+              <a:t>PySnooper</a:t>
+            </a:r>
+            <a:endParaRPr lang="en-US" sz="3200" kern="1200" baseline="0" dirty="0" smtClean="0">
+              <a:solidFill>
+                <a:schemeClr val="tx1"/>
+              </a:solidFill>
+              <a:effectLst/>
+              <a:latin typeface="+mn-lt"/>
+              <a:ea typeface="+mn-ea"/>
+              <a:cs typeface="+mn-cs"/>
+            </a:endParaRPr>
+          </a:p>
+          <a:p>
+            <a:pPr lvl="1"/>
+            <a:r>
+              <a:rPr lang="en-US" sz="2800" kern="1200" baseline="0" dirty="0" smtClean="0">
+                <a:solidFill>
+                  <a:schemeClr val="tx1"/>
+                </a:solidFill>
+                <a:effectLst/>
+                <a:latin typeface="+mn-lt"/>
+                <a:ea typeface="+mn-ea"/>
+                <a:cs typeface="+mn-cs"/>
+              </a:rPr>
+              <a:t>Statements plus data</a:t>
+            </a:r>
+          </a:p>
+          <a:p>
+            <a:pPr lvl="1"/>
+            <a:r>
+              <a:rPr lang="en-US" sz="2800" kern="1200" dirty="0" smtClean="0">
+                <a:solidFill>
+                  <a:schemeClr val="tx1"/>
+                </a:solidFill>
+                <a:effectLst/>
+                <a:latin typeface="+mn-lt"/>
+                <a:ea typeface="+mn-ea"/>
+                <a:cs typeface="+mn-cs"/>
+              </a:rPr>
+              <a:t>Way too detailed</a:t>
+            </a:r>
+            <a:r>
+              <a:rPr lang="en-US" sz="2800" kern="1200" baseline="0" dirty="0" smtClean="0">
+                <a:solidFill>
+                  <a:schemeClr val="tx1"/>
+                </a:solidFill>
+                <a:effectLst/>
+                <a:latin typeface="+mn-lt"/>
+                <a:ea typeface="+mn-ea"/>
+                <a:cs typeface="+mn-cs"/>
+              </a:rPr>
+              <a:t> for my needs</a:t>
+            </a:r>
+            <a:endParaRPr lang="en-US" sz="2800" kern="1200" dirty="0" smtClean="0">
+              <a:solidFill>
+                <a:schemeClr val="tx1"/>
+              </a:solidFill>
+              <a:effectLst/>
+              <a:latin typeface="+mn-lt"/>
+              <a:ea typeface="+mn-ea"/>
+              <a:cs typeface="+mn-cs"/>
+            </a:endParaRPr>
           </a:p>
         </p:txBody>
       </p:sp>
@@ -11820,7 +13004,7 @@
     </p:spTree>
     <p:extLst>
       <p:ext uri="{BB962C8B-B14F-4D97-AF65-F5344CB8AC3E}">
-        <p14:creationId xmlns:p14="http://schemas.microsoft.com/office/powerpoint/2010/main" val="507933991"/>
+        <p14:creationId xmlns:p14="http://schemas.microsoft.com/office/powerpoint/2010/main" val="3552108553"/>
       </p:ext>
     </p:extLst>
   </p:cSld>
@@ -11864,11 +13048,7 @@
           <a:p>
             <a:r>
               <a:rPr lang="en-US" dirty="0" smtClean="0"/>
-              <a:t>Interactive</a:t>
-            </a:r>
-            <a:r>
-              <a:rPr lang="en-US" baseline="0" dirty="0" smtClean="0"/>
-              <a:t> Debugging</a:t>
+              <a:t>Alternative</a:t>
             </a:r>
             <a:endParaRPr lang="en-US" dirty="0"/>
           </a:p>
@@ -11886,107 +13066,159 @@
         </p:nvSpPr>
         <p:spPr/>
         <p:txBody>
-          <a:bodyPr/>
-          <a:lstStyle/>
-          <a:p>
-            <a:r>
-              <a:rPr lang="en-US" baseline="0" dirty="0" smtClean="0"/>
-              <a:t>Set some breakpoints, run, examine data</a:t>
-            </a:r>
-          </a:p>
-          <a:p>
-            <a:r>
-              <a:rPr lang="en-US" baseline="0" dirty="0" smtClean="0"/>
-              <a:t>Great for small-</a:t>
-            </a:r>
-            <a:r>
-              <a:rPr lang="en-US" baseline="0" dirty="0" err="1" smtClean="0"/>
-              <a:t>ish</a:t>
-            </a:r>
-            <a:r>
-              <a:rPr lang="en-US" baseline="0" dirty="0" smtClean="0"/>
-              <a:t> programs that can be run interactively</a:t>
-            </a:r>
-          </a:p>
-          <a:p>
-            <a:r>
-              <a:rPr lang="en-US" dirty="0" err="1" smtClean="0"/>
-              <a:t>pdb</a:t>
+          <a:bodyPr>
+            <a:normAutofit/>
+          </a:bodyPr>
+          <a:lstStyle/>
+          <a:p>
+            <a:pPr lvl="0"/>
+            <a:r>
+              <a:rPr lang="en-US" sz="3200" kern="1200" dirty="0" smtClean="0">
+                <a:solidFill>
+                  <a:schemeClr val="tx1"/>
+                </a:solidFill>
+                <a:effectLst/>
+                <a:latin typeface="+mn-lt"/>
+                <a:ea typeface="+mn-ea"/>
+                <a:cs typeface="+mn-cs"/>
+              </a:rPr>
+              <a:t>Need an adequate method </a:t>
             </a:r>
             <a:r>
               <a:rPr lang="en-US" dirty="0" smtClean="0"/>
-              <a:t>,</a:t>
-            </a:r>
-            <a:r>
-              <a:rPr lang="en-US" baseline="0" dirty="0" smtClean="0"/>
-              <a:t> </a:t>
-            </a:r>
-            <a:r>
-              <a:rPr lang="en-US" baseline="0" dirty="0" err="1" smtClean="0"/>
-              <a:t>pudb</a:t>
-            </a:r>
-            <a:r>
-              <a:rPr lang="en-US" baseline="0" dirty="0" smtClean="0"/>
-              <a:t>,</a:t>
-            </a:r>
+              <a:t>of watching what a program does/did</a:t>
+            </a:r>
+            <a:endParaRPr lang="en-US" sz="3200" kern="1200" dirty="0" smtClean="0">
+              <a:solidFill>
+                <a:schemeClr val="tx1"/>
+              </a:solidFill>
+              <a:effectLst/>
+              <a:latin typeface="+mn-lt"/>
+              <a:ea typeface="+mn-ea"/>
+              <a:cs typeface="+mn-cs"/>
+            </a:endParaRPr>
+          </a:p>
+          <a:p>
+            <a:pPr lvl="1"/>
+            <a:r>
+              <a:rPr lang="en-US" sz="2800" kern="1200" dirty="0" smtClean="0">
+                <a:solidFill>
+                  <a:schemeClr val="tx1"/>
+                </a:solidFill>
+                <a:effectLst/>
+                <a:latin typeface="+mn-lt"/>
+                <a:ea typeface="+mn-ea"/>
+                <a:cs typeface="+mn-cs"/>
+              </a:rPr>
+              <a:t>tracing the code flow </a:t>
+            </a:r>
+            <a:r>
+              <a:rPr lang="en-US" sz="2800" kern="1200" dirty="0" smtClean="0">
+                <a:solidFill>
+                  <a:schemeClr val="tx1"/>
+                </a:solidFill>
+                <a:effectLst/>
+                <a:latin typeface="+mn-lt"/>
+                <a:ea typeface="+mn-ea"/>
+                <a:cs typeface="+mn-cs"/>
+              </a:rPr>
+              <a:t>(squint not detail) and </a:t>
+            </a:r>
+            <a:endParaRPr lang="en-US" sz="2800" kern="1200" dirty="0" smtClean="0">
+              <a:solidFill>
+                <a:schemeClr val="tx1"/>
+              </a:solidFill>
+              <a:effectLst/>
+              <a:latin typeface="+mn-lt"/>
+              <a:ea typeface="+mn-ea"/>
+              <a:cs typeface="+mn-cs"/>
+            </a:endParaRPr>
+          </a:p>
+          <a:p>
+            <a:pPr lvl="1"/>
             <a:r>
               <a:rPr lang="en-US" dirty="0" smtClean="0"/>
-              <a:t> a dozen others,</a:t>
-            </a:r>
-            <a:r>
-              <a:rPr lang="en-US" baseline="0" dirty="0" smtClean="0"/>
-              <a:t> etc.</a:t>
-            </a:r>
-          </a:p>
+              <a:t>tracing the </a:t>
+            </a:r>
+            <a:r>
+              <a:rPr lang="en-US" sz="2800" kern="1200" dirty="0" smtClean="0">
+                <a:solidFill>
+                  <a:schemeClr val="tx1"/>
+                </a:solidFill>
+                <a:effectLst/>
+                <a:latin typeface="+mn-lt"/>
+                <a:ea typeface="+mn-ea"/>
+                <a:cs typeface="+mn-cs"/>
+              </a:rPr>
+              <a:t>data progress</a:t>
+            </a:r>
+            <a:endParaRPr lang="en-US" sz="2400" kern="1200" dirty="0" smtClean="0">
+              <a:solidFill>
+                <a:schemeClr val="tx1"/>
+              </a:solidFill>
+              <a:effectLst/>
+              <a:latin typeface="+mn-lt"/>
+              <a:ea typeface="+mn-ea"/>
+              <a:cs typeface="+mn-cs"/>
+            </a:endParaRPr>
+          </a:p>
+          <a:p>
+            <a:pPr lvl="0"/>
+            <a:r>
+              <a:rPr lang="en-US" sz="3200" kern="1200" dirty="0" smtClean="0">
+                <a:solidFill>
+                  <a:schemeClr val="tx1"/>
+                </a:solidFill>
+                <a:effectLst/>
+                <a:latin typeface="+mn-lt"/>
+                <a:ea typeface="+mn-ea"/>
+                <a:cs typeface="+mn-cs"/>
+              </a:rPr>
+              <a:t>I can find a problem in a suitable trace log faster than I can setup breakpoints</a:t>
+            </a:r>
+          </a:p>
+        </p:txBody>
+      </p:sp>
+      <p:sp>
+        <p:nvSpPr>
+          <p:cNvPr id="4" name="Date Placeholder 3"/>
+          <p:cNvSpPr>
+            <a:spLocks noGrp="1"/>
+          </p:cNvSpPr>
+          <p:nvPr>
+            <p:ph type="dt" sz="half" idx="10"/>
+          </p:nvPr>
+        </p:nvSpPr>
+        <p:spPr/>
+        <p:txBody>
+          <a:bodyPr/>
+          <a:lstStyle/>
+          <a:p>
+            <a:r>
+              <a:rPr lang="en-US" smtClean="0"/>
+              <a:t>2021-01-01</a:t>
+            </a:r>
+            <a:endParaRPr lang="en-US"/>
+          </a:p>
+        </p:txBody>
+      </p:sp>
+      <p:sp>
+        <p:nvSpPr>
+          <p:cNvPr id="5" name="Footer Placeholder 4"/>
+          <p:cNvSpPr>
+            <a:spLocks noGrp="1"/>
+          </p:cNvSpPr>
+          <p:nvPr>
+            <p:ph type="ftr" sz="quarter" idx="11"/>
+          </p:nvPr>
+        </p:nvSpPr>
+        <p:spPr/>
+        <p:txBody>
+          <a:bodyPr/>
+          <a:lstStyle/>
           <a:p>
             <a:r>
               <a:rPr lang="en-US" dirty="0" smtClean="0"/>
-              <a:t>Breakpoints, stepping, data examination</a:t>
-            </a:r>
-            <a:endParaRPr lang="en-US" dirty="0"/>
-          </a:p>
-        </p:txBody>
-      </p:sp>
-      <p:sp>
-        <p:nvSpPr>
-          <p:cNvPr id="4" name="Date Placeholder 3"/>
-          <p:cNvSpPr>
-            <a:spLocks noGrp="1"/>
-          </p:cNvSpPr>
-          <p:nvPr>
-            <p:ph type="dt" sz="half" idx="10"/>
-          </p:nvPr>
-        </p:nvSpPr>
-        <p:spPr/>
-        <p:txBody>
-          <a:bodyPr/>
-          <a:lstStyle/>
-          <a:p>
-            <a:r>
-              <a:rPr lang="en-US" smtClean="0"/>
-              <a:t>2021-01-01</a:t>
-            </a:r>
-            <a:endParaRPr lang="en-US"/>
-          </a:p>
-        </p:txBody>
-      </p:sp>
-      <p:sp>
-        <p:nvSpPr>
-          <p:cNvPr id="5" name="Footer Placeholder 4"/>
-          <p:cNvSpPr>
-            <a:spLocks noGrp="1"/>
-          </p:cNvSpPr>
-          <p:nvPr>
-            <p:ph type="ftr" sz="quarter" idx="11"/>
-          </p:nvPr>
-        </p:nvSpPr>
-        <p:spPr/>
-        <p:txBody>
-          <a:bodyPr/>
-          <a:lstStyle/>
-          <a:p>
-            <a:r>
-              <a:rPr lang="en-US" smtClean="0"/>
               <a:t>RBL - Boston Python</a:t>
             </a:r>
             <a:endParaRPr lang="en-US" dirty="0"/>
@@ -12019,7 +13251,7 @@
     </p:spTree>
     <p:extLst>
       <p:ext uri="{BB962C8B-B14F-4D97-AF65-F5344CB8AC3E}">
-        <p14:creationId xmlns:p14="http://schemas.microsoft.com/office/powerpoint/2010/main" val="3934719971"/>
+        <p14:creationId xmlns:p14="http://schemas.microsoft.com/office/powerpoint/2010/main" val="2887981812"/>
       </p:ext>
     </p:extLst>
   </p:cSld>

--- a/docs/OfflineDebugging/A Dinosaur and a Python 02.pptx
+++ b/docs/OfflineDebugging/A Dinosaur and a Python 02.pptx
@@ -40,13 +40,13 @@
     <p:sldId id="324" r:id="rId31"/>
     <p:sldId id="333" r:id="rId32"/>
     <p:sldId id="334" r:id="rId33"/>
-    <p:sldId id="335" r:id="rId34"/>
-    <p:sldId id="279" r:id="rId35"/>
-    <p:sldId id="276" r:id="rId36"/>
-    <p:sldId id="260" r:id="rId37"/>
-    <p:sldId id="298" r:id="rId38"/>
-    <p:sldId id="263" r:id="rId39"/>
-    <p:sldId id="286" r:id="rId40"/>
+    <p:sldId id="286" r:id="rId34"/>
+    <p:sldId id="335" r:id="rId35"/>
+    <p:sldId id="279" r:id="rId36"/>
+    <p:sldId id="276" r:id="rId37"/>
+    <p:sldId id="260" r:id="rId38"/>
+    <p:sldId id="298" r:id="rId39"/>
+    <p:sldId id="263" r:id="rId40"/>
   </p:sldIdLst>
   <p:sldSz cx="9144000" cy="6858000" type="screen4x3"/>
   <p:notesSz cx="6858000" cy="9144000"/>
@@ -145,6 +145,22 @@
       </a:defRPr>
     </a:lvl9pPr>
   </p:defaultTextStyle>
+  <p:extLst>
+    <p:ext uri="{EFAFB233-063F-42B5-8137-9DF3F51BA10A}">
+      <p15:sldGuideLst xmlns:p15="http://schemas.microsoft.com/office/powerpoint/2012/main">
+        <p15:guide id="1" orient="horz" pos="2160">
+          <p15:clr>
+            <a:srgbClr val="A4A3A4"/>
+          </p15:clr>
+        </p15:guide>
+        <p15:guide id="2" pos="2880">
+          <p15:clr>
+            <a:srgbClr val="A4A3A4"/>
+          </p15:clr>
+        </p15:guide>
+      </p15:sldGuideLst>
+    </p:ext>
+  </p:extLst>
 </p:presentation>
 </file>
 
@@ -230,7 +246,7 @@
           <a:p>
             <a:fld id="{34DABC08-5500-4080-81A3-D11EBECCC5B6}" type="datetimeFigureOut">
               <a:rPr lang="en-US" smtClean="0"/>
-              <a:t>2021-01-25</a:t>
+              <a:t>2021-01-29</a:t>
             </a:fld>
             <a:endParaRPr lang="en-US"/>
           </a:p>
@@ -294,38 +310,37 @@
           <a:p>
             <a:pPr lvl="0"/>
             <a:r>
-              <a:rPr lang="en-US" smtClean="0"/>
+              <a:rPr lang="en-US"/>
               <a:t>Click to edit Master text styles</a:t>
             </a:r>
           </a:p>
           <a:p>
             <a:pPr lvl="1"/>
             <a:r>
-              <a:rPr lang="en-US" smtClean="0"/>
+              <a:rPr lang="en-US"/>
               <a:t>Second level</a:t>
             </a:r>
           </a:p>
           <a:p>
             <a:pPr lvl="2"/>
             <a:r>
-              <a:rPr lang="en-US" smtClean="0"/>
+              <a:rPr lang="en-US"/>
               <a:t>Third level</a:t>
             </a:r>
           </a:p>
           <a:p>
             <a:pPr lvl="3"/>
             <a:r>
-              <a:rPr lang="en-US" smtClean="0"/>
+              <a:rPr lang="en-US"/>
               <a:t>Fourth level</a:t>
             </a:r>
           </a:p>
           <a:p>
             <a:pPr lvl="4"/>
             <a:r>
-              <a:rPr lang="en-US" smtClean="0"/>
+              <a:rPr lang="en-US"/>
               <a:t>Fifth level</a:t>
             </a:r>
-            <a:endParaRPr lang="en-US"/>
           </a:p>
         </p:txBody>
       </p:sp>
@@ -542,7 +557,7 @@
           <a:bodyPr/>
           <a:lstStyle/>
           <a:p>
-            <a:endParaRPr lang="en-US" dirty="0" smtClean="0"/>
+            <a:endParaRPr lang="en-US" dirty="0"/>
           </a:p>
         </p:txBody>
       </p:sp>
@@ -872,10 +887,9 @@
           <a:lstStyle/>
           <a:p>
             <a:r>
-              <a:rPr lang="en-US" smtClean="0"/>
+              <a:rPr lang="en-US"/>
               <a:t>Click to edit Master title style</a:t>
             </a:r>
-            <a:endParaRPr lang="en-US"/>
           </a:p>
         </p:txBody>
       </p:sp>
@@ -991,10 +1005,9 @@
           </a:lstStyle>
           <a:p>
             <a:r>
-              <a:rPr lang="en-US" smtClean="0"/>
+              <a:rPr lang="en-US"/>
               <a:t>Click to edit Master subtitle style</a:t>
             </a:r>
-            <a:endParaRPr lang="en-US"/>
           </a:p>
         </p:txBody>
       </p:sp>
@@ -1014,10 +1027,9 @@
           <a:lstStyle/>
           <a:p>
             <a:r>
-              <a:rPr lang="en-US" smtClean="0"/>
+              <a:rPr lang="en-US"/>
               <a:t>2021-01-01</a:t>
             </a:r>
-            <a:endParaRPr lang="en-US"/>
           </a:p>
         </p:txBody>
       </p:sp>
@@ -1037,10 +1049,9 @@
           <a:lstStyle/>
           <a:p>
             <a:r>
-              <a:rPr lang="en-US" smtClean="0"/>
+              <a:rPr lang="en-US"/>
               <a:t>RBL - Boston Python</a:t>
             </a:r>
-            <a:endParaRPr lang="en-US"/>
           </a:p>
         </p:txBody>
       </p:sp>
@@ -1113,10 +1124,9 @@
           <a:lstStyle/>
           <a:p>
             <a:r>
-              <a:rPr lang="en-US" smtClean="0"/>
+              <a:rPr lang="en-US"/>
               <a:t>Click to edit Master title style</a:t>
             </a:r>
-            <a:endParaRPr lang="en-US"/>
           </a:p>
         </p:txBody>
       </p:sp>
@@ -1137,38 +1147,37 @@
           <a:p>
             <a:pPr lvl="0"/>
             <a:r>
-              <a:rPr lang="en-US" smtClean="0"/>
+              <a:rPr lang="en-US"/>
               <a:t>Click to edit Master text styles</a:t>
             </a:r>
           </a:p>
           <a:p>
             <a:pPr lvl="1"/>
             <a:r>
-              <a:rPr lang="en-US" smtClean="0"/>
+              <a:rPr lang="en-US"/>
               <a:t>Second level</a:t>
             </a:r>
           </a:p>
           <a:p>
             <a:pPr lvl="2"/>
             <a:r>
-              <a:rPr lang="en-US" smtClean="0"/>
+              <a:rPr lang="en-US"/>
               <a:t>Third level</a:t>
             </a:r>
           </a:p>
           <a:p>
             <a:pPr lvl="3"/>
             <a:r>
-              <a:rPr lang="en-US" smtClean="0"/>
+              <a:rPr lang="en-US"/>
               <a:t>Fourth level</a:t>
             </a:r>
           </a:p>
           <a:p>
             <a:pPr lvl="4"/>
             <a:r>
-              <a:rPr lang="en-US" smtClean="0"/>
+              <a:rPr lang="en-US"/>
               <a:t>Fifth level</a:t>
             </a:r>
-            <a:endParaRPr lang="en-US"/>
           </a:p>
         </p:txBody>
       </p:sp>
@@ -1188,10 +1197,9 @@
           <a:lstStyle/>
           <a:p>
             <a:r>
-              <a:rPr lang="en-US" smtClean="0"/>
+              <a:rPr lang="en-US"/>
               <a:t>2021-01-01</a:t>
             </a:r>
-            <a:endParaRPr lang="en-US"/>
           </a:p>
         </p:txBody>
       </p:sp>
@@ -1211,10 +1219,9 @@
           <a:lstStyle/>
           <a:p>
             <a:r>
-              <a:rPr lang="en-US" smtClean="0"/>
+              <a:rPr lang="en-US"/>
               <a:t>RBL - Boston Python</a:t>
             </a:r>
-            <a:endParaRPr lang="en-US"/>
           </a:p>
         </p:txBody>
       </p:sp>
@@ -1292,10 +1299,9 @@
           <a:lstStyle/>
           <a:p>
             <a:r>
-              <a:rPr lang="en-US" smtClean="0"/>
+              <a:rPr lang="en-US"/>
               <a:t>Click to edit Master title style</a:t>
             </a:r>
-            <a:endParaRPr lang="en-US"/>
           </a:p>
         </p:txBody>
       </p:sp>
@@ -1321,38 +1327,37 @@
           <a:p>
             <a:pPr lvl="0"/>
             <a:r>
-              <a:rPr lang="en-US" smtClean="0"/>
+              <a:rPr lang="en-US"/>
               <a:t>Click to edit Master text styles</a:t>
             </a:r>
           </a:p>
           <a:p>
             <a:pPr lvl="1"/>
             <a:r>
-              <a:rPr lang="en-US" smtClean="0"/>
+              <a:rPr lang="en-US"/>
               <a:t>Second level</a:t>
             </a:r>
           </a:p>
           <a:p>
             <a:pPr lvl="2"/>
             <a:r>
-              <a:rPr lang="en-US" smtClean="0"/>
+              <a:rPr lang="en-US"/>
               <a:t>Third level</a:t>
             </a:r>
           </a:p>
           <a:p>
             <a:pPr lvl="3"/>
             <a:r>
-              <a:rPr lang="en-US" smtClean="0"/>
+              <a:rPr lang="en-US"/>
               <a:t>Fourth level</a:t>
             </a:r>
           </a:p>
           <a:p>
             <a:pPr lvl="4"/>
             <a:r>
-              <a:rPr lang="en-US" smtClean="0"/>
+              <a:rPr lang="en-US"/>
               <a:t>Fifth level</a:t>
             </a:r>
-            <a:endParaRPr lang="en-US"/>
           </a:p>
         </p:txBody>
       </p:sp>
@@ -1372,10 +1377,9 @@
           <a:lstStyle/>
           <a:p>
             <a:r>
-              <a:rPr lang="en-US" smtClean="0"/>
+              <a:rPr lang="en-US"/>
               <a:t>2021-01-01</a:t>
             </a:r>
-            <a:endParaRPr lang="en-US"/>
           </a:p>
         </p:txBody>
       </p:sp>
@@ -1395,10 +1399,9 @@
           <a:lstStyle/>
           <a:p>
             <a:r>
-              <a:rPr lang="en-US" smtClean="0"/>
+              <a:rPr lang="en-US"/>
               <a:t>RBL - Boston Python</a:t>
             </a:r>
-            <a:endParaRPr lang="en-US"/>
           </a:p>
         </p:txBody>
       </p:sp>
@@ -1482,10 +1485,9 @@
           </a:lstStyle>
           <a:p>
             <a:r>
-              <a:rPr lang="en-US" dirty="0" smtClean="0"/>
+              <a:rPr lang="en-US" dirty="0"/>
               <a:t>Click to edit Master title style</a:t>
             </a:r>
-            <a:endParaRPr lang="en-US" dirty="0"/>
           </a:p>
         </p:txBody>
       </p:sp>
@@ -1511,38 +1513,37 @@
           <a:p>
             <a:pPr lvl="0"/>
             <a:r>
-              <a:rPr lang="en-US" dirty="0" smtClean="0"/>
+              <a:rPr lang="en-US" dirty="0"/>
               <a:t>Click to edit Master text styles</a:t>
             </a:r>
           </a:p>
           <a:p>
             <a:pPr lvl="1"/>
             <a:r>
-              <a:rPr lang="en-US" dirty="0" smtClean="0"/>
+              <a:rPr lang="en-US" dirty="0"/>
               <a:t>Second level</a:t>
             </a:r>
           </a:p>
           <a:p>
             <a:pPr lvl="2"/>
             <a:r>
-              <a:rPr lang="en-US" dirty="0" smtClean="0"/>
+              <a:rPr lang="en-US" dirty="0"/>
               <a:t>Third level</a:t>
             </a:r>
           </a:p>
           <a:p>
             <a:pPr lvl="3"/>
             <a:r>
-              <a:rPr lang="en-US" dirty="0" smtClean="0"/>
+              <a:rPr lang="en-US" dirty="0"/>
               <a:t>Fourth level</a:t>
             </a:r>
           </a:p>
           <a:p>
             <a:pPr lvl="4"/>
             <a:r>
-              <a:rPr lang="en-US" dirty="0" smtClean="0"/>
+              <a:rPr lang="en-US" dirty="0"/>
               <a:t>Fifth level</a:t>
             </a:r>
-            <a:endParaRPr lang="en-US" dirty="0"/>
           </a:p>
         </p:txBody>
       </p:sp>
@@ -1562,10 +1563,9 @@
           <a:lstStyle/>
           <a:p>
             <a:r>
-              <a:rPr lang="en-US" smtClean="0"/>
+              <a:rPr lang="en-US"/>
               <a:t>2021-01-01</a:t>
             </a:r>
-            <a:endParaRPr lang="en-US"/>
           </a:p>
         </p:txBody>
       </p:sp>
@@ -1590,10 +1590,9 @@
           <a:lstStyle/>
           <a:p>
             <a:r>
-              <a:rPr lang="en-US" dirty="0" smtClean="0"/>
+              <a:rPr lang="en-US" dirty="0"/>
               <a:t>RBL - Boston Python</a:t>
             </a:r>
-            <a:endParaRPr lang="en-US" dirty="0"/>
           </a:p>
         </p:txBody>
       </p:sp>
@@ -1715,10 +1714,9 @@
           </a:lstStyle>
           <a:p>
             <a:r>
-              <a:rPr lang="en-US" smtClean="0"/>
+              <a:rPr lang="en-US"/>
               <a:t>Click to edit Master title style</a:t>
             </a:r>
-            <a:endParaRPr lang="en-US"/>
           </a:p>
         </p:txBody>
       </p:sp>
@@ -1835,7 +1833,7 @@
           <a:p>
             <a:pPr lvl="0"/>
             <a:r>
-              <a:rPr lang="en-US" smtClean="0"/>
+              <a:rPr lang="en-US"/>
               <a:t>Click to edit Master text styles</a:t>
             </a:r>
           </a:p>
@@ -1857,10 +1855,9 @@
           <a:lstStyle/>
           <a:p>
             <a:r>
-              <a:rPr lang="en-US" smtClean="0"/>
+              <a:rPr lang="en-US"/>
               <a:t>2021-01-01</a:t>
             </a:r>
-            <a:endParaRPr lang="en-US"/>
           </a:p>
         </p:txBody>
       </p:sp>
@@ -1880,10 +1877,9 @@
           <a:lstStyle/>
           <a:p>
             <a:r>
-              <a:rPr lang="en-US" smtClean="0"/>
+              <a:rPr lang="en-US"/>
               <a:t>RBL - Boston Python</a:t>
             </a:r>
-            <a:endParaRPr lang="en-US"/>
           </a:p>
         </p:txBody>
       </p:sp>
@@ -1956,10 +1952,9 @@
           <a:lstStyle/>
           <a:p>
             <a:r>
-              <a:rPr lang="en-US" smtClean="0"/>
+              <a:rPr lang="en-US"/>
               <a:t>Click to edit Master title style</a:t>
             </a:r>
-            <a:endParaRPr lang="en-US"/>
           </a:p>
         </p:txBody>
       </p:sp>
@@ -2013,38 +2008,37 @@
           <a:p>
             <a:pPr lvl="0"/>
             <a:r>
-              <a:rPr lang="en-US" smtClean="0"/>
+              <a:rPr lang="en-US"/>
               <a:t>Click to edit Master text styles</a:t>
             </a:r>
           </a:p>
           <a:p>
             <a:pPr lvl="1"/>
             <a:r>
-              <a:rPr lang="en-US" smtClean="0"/>
+              <a:rPr lang="en-US"/>
               <a:t>Second level</a:t>
             </a:r>
           </a:p>
           <a:p>
             <a:pPr lvl="2"/>
             <a:r>
-              <a:rPr lang="en-US" smtClean="0"/>
+              <a:rPr lang="en-US"/>
               <a:t>Third level</a:t>
             </a:r>
           </a:p>
           <a:p>
             <a:pPr lvl="3"/>
             <a:r>
-              <a:rPr lang="en-US" smtClean="0"/>
+              <a:rPr lang="en-US"/>
               <a:t>Fourth level</a:t>
             </a:r>
           </a:p>
           <a:p>
             <a:pPr lvl="4"/>
             <a:r>
-              <a:rPr lang="en-US" smtClean="0"/>
+              <a:rPr lang="en-US"/>
               <a:t>Fifth level</a:t>
             </a:r>
-            <a:endParaRPr lang="en-US"/>
           </a:p>
         </p:txBody>
       </p:sp>
@@ -2098,38 +2092,37 @@
           <a:p>
             <a:pPr lvl="0"/>
             <a:r>
-              <a:rPr lang="en-US" smtClean="0"/>
+              <a:rPr lang="en-US"/>
               <a:t>Click to edit Master text styles</a:t>
             </a:r>
           </a:p>
           <a:p>
             <a:pPr lvl="1"/>
             <a:r>
-              <a:rPr lang="en-US" smtClean="0"/>
+              <a:rPr lang="en-US"/>
               <a:t>Second level</a:t>
             </a:r>
           </a:p>
           <a:p>
             <a:pPr lvl="2"/>
             <a:r>
-              <a:rPr lang="en-US" smtClean="0"/>
+              <a:rPr lang="en-US"/>
               <a:t>Third level</a:t>
             </a:r>
           </a:p>
           <a:p>
             <a:pPr lvl="3"/>
             <a:r>
-              <a:rPr lang="en-US" smtClean="0"/>
+              <a:rPr lang="en-US"/>
               <a:t>Fourth level</a:t>
             </a:r>
           </a:p>
           <a:p>
             <a:pPr lvl="4"/>
             <a:r>
-              <a:rPr lang="en-US" smtClean="0"/>
+              <a:rPr lang="en-US"/>
               <a:t>Fifth level</a:t>
             </a:r>
-            <a:endParaRPr lang="en-US"/>
           </a:p>
         </p:txBody>
       </p:sp>
@@ -2149,10 +2142,9 @@
           <a:lstStyle/>
           <a:p>
             <a:r>
-              <a:rPr lang="en-US" smtClean="0"/>
+              <a:rPr lang="en-US"/>
               <a:t>2021-01-01</a:t>
             </a:r>
-            <a:endParaRPr lang="en-US"/>
           </a:p>
         </p:txBody>
       </p:sp>
@@ -2172,10 +2164,9 @@
           <a:lstStyle/>
           <a:p>
             <a:r>
-              <a:rPr lang="en-US" smtClean="0"/>
+              <a:rPr lang="en-US"/>
               <a:t>RBL - Boston Python</a:t>
             </a:r>
-            <a:endParaRPr lang="en-US"/>
           </a:p>
         </p:txBody>
       </p:sp>
@@ -2252,10 +2243,9 @@
           </a:lstStyle>
           <a:p>
             <a:r>
-              <a:rPr lang="en-US" smtClean="0"/>
+              <a:rPr lang="en-US"/>
               <a:t>Click to edit Master title style</a:t>
             </a:r>
-            <a:endParaRPr lang="en-US"/>
           </a:p>
         </p:txBody>
       </p:sp>
@@ -2318,7 +2308,7 @@
           <a:p>
             <a:pPr lvl="0"/>
             <a:r>
-              <a:rPr lang="en-US" smtClean="0"/>
+              <a:rPr lang="en-US"/>
               <a:t>Click to edit Master text styles</a:t>
             </a:r>
           </a:p>
@@ -2374,38 +2364,37 @@
           <a:p>
             <a:pPr lvl="0"/>
             <a:r>
-              <a:rPr lang="en-US" smtClean="0"/>
+              <a:rPr lang="en-US"/>
               <a:t>Click to edit Master text styles</a:t>
             </a:r>
           </a:p>
           <a:p>
             <a:pPr lvl="1"/>
             <a:r>
-              <a:rPr lang="en-US" smtClean="0"/>
+              <a:rPr lang="en-US"/>
               <a:t>Second level</a:t>
             </a:r>
           </a:p>
           <a:p>
             <a:pPr lvl="2"/>
             <a:r>
-              <a:rPr lang="en-US" smtClean="0"/>
+              <a:rPr lang="en-US"/>
               <a:t>Third level</a:t>
             </a:r>
           </a:p>
           <a:p>
             <a:pPr lvl="3"/>
             <a:r>
-              <a:rPr lang="en-US" smtClean="0"/>
+              <a:rPr lang="en-US"/>
               <a:t>Fourth level</a:t>
             </a:r>
           </a:p>
           <a:p>
             <a:pPr lvl="4"/>
             <a:r>
-              <a:rPr lang="en-US" smtClean="0"/>
+              <a:rPr lang="en-US"/>
               <a:t>Fifth level</a:t>
             </a:r>
-            <a:endParaRPr lang="en-US"/>
           </a:p>
         </p:txBody>
       </p:sp>
@@ -2468,7 +2457,7 @@
           <a:p>
             <a:pPr lvl="0"/>
             <a:r>
-              <a:rPr lang="en-US" smtClean="0"/>
+              <a:rPr lang="en-US"/>
               <a:t>Click to edit Master text styles</a:t>
             </a:r>
           </a:p>
@@ -2524,38 +2513,37 @@
           <a:p>
             <a:pPr lvl="0"/>
             <a:r>
-              <a:rPr lang="en-US" smtClean="0"/>
+              <a:rPr lang="en-US"/>
               <a:t>Click to edit Master text styles</a:t>
             </a:r>
           </a:p>
           <a:p>
             <a:pPr lvl="1"/>
             <a:r>
-              <a:rPr lang="en-US" smtClean="0"/>
+              <a:rPr lang="en-US"/>
               <a:t>Second level</a:t>
             </a:r>
           </a:p>
           <a:p>
             <a:pPr lvl="2"/>
             <a:r>
-              <a:rPr lang="en-US" smtClean="0"/>
+              <a:rPr lang="en-US"/>
               <a:t>Third level</a:t>
             </a:r>
           </a:p>
           <a:p>
             <a:pPr lvl="3"/>
             <a:r>
-              <a:rPr lang="en-US" smtClean="0"/>
+              <a:rPr lang="en-US"/>
               <a:t>Fourth level</a:t>
             </a:r>
           </a:p>
           <a:p>
             <a:pPr lvl="4"/>
             <a:r>
-              <a:rPr lang="en-US" smtClean="0"/>
+              <a:rPr lang="en-US"/>
               <a:t>Fifth level</a:t>
             </a:r>
-            <a:endParaRPr lang="en-US"/>
           </a:p>
         </p:txBody>
       </p:sp>
@@ -2575,10 +2563,9 @@
           <a:lstStyle/>
           <a:p>
             <a:r>
-              <a:rPr lang="en-US" smtClean="0"/>
+              <a:rPr lang="en-US"/>
               <a:t>2021-01-01</a:t>
             </a:r>
-            <a:endParaRPr lang="en-US"/>
           </a:p>
         </p:txBody>
       </p:sp>
@@ -2598,10 +2585,9 @@
           <a:lstStyle/>
           <a:p>
             <a:r>
-              <a:rPr lang="en-US" smtClean="0"/>
+              <a:rPr lang="en-US"/>
               <a:t>RBL - Boston Python</a:t>
             </a:r>
-            <a:endParaRPr lang="en-US"/>
           </a:p>
         </p:txBody>
       </p:sp>
@@ -2674,10 +2660,9 @@
           <a:lstStyle/>
           <a:p>
             <a:r>
-              <a:rPr lang="en-US" smtClean="0"/>
+              <a:rPr lang="en-US"/>
               <a:t>Click to edit Master title style</a:t>
             </a:r>
-            <a:endParaRPr lang="en-US"/>
           </a:p>
         </p:txBody>
       </p:sp>
@@ -2697,10 +2682,9 @@
           <a:lstStyle/>
           <a:p>
             <a:r>
-              <a:rPr lang="en-US" smtClean="0"/>
+              <a:rPr lang="en-US"/>
               <a:t>2021-01-01</a:t>
             </a:r>
-            <a:endParaRPr lang="en-US"/>
           </a:p>
         </p:txBody>
       </p:sp>
@@ -2720,10 +2704,9 @@
           <a:lstStyle/>
           <a:p>
             <a:r>
-              <a:rPr lang="en-US" smtClean="0"/>
+              <a:rPr lang="en-US"/>
               <a:t>RBL - Boston Python</a:t>
             </a:r>
-            <a:endParaRPr lang="en-US"/>
           </a:p>
         </p:txBody>
       </p:sp>
@@ -2796,10 +2779,9 @@
           <a:lstStyle/>
           <a:p>
             <a:r>
-              <a:rPr lang="en-US" smtClean="0"/>
+              <a:rPr lang="en-US"/>
               <a:t>2021-01-01</a:t>
             </a:r>
-            <a:endParaRPr lang="en-US"/>
           </a:p>
         </p:txBody>
       </p:sp>
@@ -2819,10 +2801,9 @@
           <a:lstStyle/>
           <a:p>
             <a:r>
-              <a:rPr lang="en-US" smtClean="0"/>
+              <a:rPr lang="en-US"/>
               <a:t>RBL - Boston Python</a:t>
             </a:r>
-            <a:endParaRPr lang="en-US"/>
           </a:p>
         </p:txBody>
       </p:sp>
@@ -2904,10 +2885,9 @@
           </a:lstStyle>
           <a:p>
             <a:r>
-              <a:rPr lang="en-US" smtClean="0"/>
+              <a:rPr lang="en-US"/>
               <a:t>Click to edit Master title style</a:t>
             </a:r>
-            <a:endParaRPr lang="en-US"/>
           </a:p>
         </p:txBody>
       </p:sp>
@@ -2961,38 +2941,37 @@
           <a:p>
             <a:pPr lvl="0"/>
             <a:r>
-              <a:rPr lang="en-US" smtClean="0"/>
+              <a:rPr lang="en-US"/>
               <a:t>Click to edit Master text styles</a:t>
             </a:r>
           </a:p>
           <a:p>
             <a:pPr lvl="1"/>
             <a:r>
-              <a:rPr lang="en-US" smtClean="0"/>
+              <a:rPr lang="en-US"/>
               <a:t>Second level</a:t>
             </a:r>
           </a:p>
           <a:p>
             <a:pPr lvl="2"/>
             <a:r>
-              <a:rPr lang="en-US" smtClean="0"/>
+              <a:rPr lang="en-US"/>
               <a:t>Third level</a:t>
             </a:r>
           </a:p>
           <a:p>
             <a:pPr lvl="3"/>
             <a:r>
-              <a:rPr lang="en-US" smtClean="0"/>
+              <a:rPr lang="en-US"/>
               <a:t>Fourth level</a:t>
             </a:r>
           </a:p>
           <a:p>
             <a:pPr lvl="4"/>
             <a:r>
-              <a:rPr lang="en-US" smtClean="0"/>
+              <a:rPr lang="en-US"/>
               <a:t>Fifth level</a:t>
             </a:r>
-            <a:endParaRPr lang="en-US"/>
           </a:p>
         </p:txBody>
       </p:sp>
@@ -3055,7 +3034,7 @@
           <a:p>
             <a:pPr lvl="0"/>
             <a:r>
-              <a:rPr lang="en-US" smtClean="0"/>
+              <a:rPr lang="en-US"/>
               <a:t>Click to edit Master text styles</a:t>
             </a:r>
           </a:p>
@@ -3077,10 +3056,9 @@
           <a:lstStyle/>
           <a:p>
             <a:r>
-              <a:rPr lang="en-US" smtClean="0"/>
+              <a:rPr lang="en-US"/>
               <a:t>2021-01-01</a:t>
             </a:r>
-            <a:endParaRPr lang="en-US"/>
           </a:p>
         </p:txBody>
       </p:sp>
@@ -3100,10 +3078,9 @@
           <a:lstStyle/>
           <a:p>
             <a:r>
-              <a:rPr lang="en-US" smtClean="0"/>
+              <a:rPr lang="en-US"/>
               <a:t>RBL - Boston Python</a:t>
             </a:r>
-            <a:endParaRPr lang="en-US"/>
           </a:p>
         </p:txBody>
       </p:sp>
@@ -3185,10 +3162,9 @@
           </a:lstStyle>
           <a:p>
             <a:r>
-              <a:rPr lang="en-US" smtClean="0"/>
+              <a:rPr lang="en-US"/>
               <a:t>Click to edit Master title style</a:t>
             </a:r>
-            <a:endParaRPr lang="en-US"/>
           </a:p>
         </p:txBody>
       </p:sp>
@@ -3312,7 +3288,7 @@
           <a:p>
             <a:pPr lvl="0"/>
             <a:r>
-              <a:rPr lang="en-US" smtClean="0"/>
+              <a:rPr lang="en-US"/>
               <a:t>Click to edit Master text styles</a:t>
             </a:r>
           </a:p>
@@ -3334,10 +3310,9 @@
           <a:lstStyle/>
           <a:p>
             <a:r>
-              <a:rPr lang="en-US" smtClean="0"/>
+              <a:rPr lang="en-US"/>
               <a:t>2021-01-01</a:t>
             </a:r>
-            <a:endParaRPr lang="en-US"/>
           </a:p>
         </p:txBody>
       </p:sp>
@@ -3357,10 +3332,9 @@
           <a:lstStyle/>
           <a:p>
             <a:r>
-              <a:rPr lang="en-US" smtClean="0"/>
+              <a:rPr lang="en-US"/>
               <a:t>RBL - Boston Python</a:t>
             </a:r>
-            <a:endParaRPr lang="en-US"/>
           </a:p>
         </p:txBody>
       </p:sp>
@@ -3448,10 +3422,9 @@
           <a:lstStyle/>
           <a:p>
             <a:r>
-              <a:rPr lang="en-US" smtClean="0"/>
+              <a:rPr lang="en-US"/>
               <a:t>Click to edit Master title style</a:t>
             </a:r>
-            <a:endParaRPr lang="en-US"/>
           </a:p>
         </p:txBody>
       </p:sp>
@@ -3482,38 +3455,37 @@
           <a:p>
             <a:pPr lvl="0"/>
             <a:r>
-              <a:rPr lang="en-US" smtClean="0"/>
+              <a:rPr lang="en-US"/>
               <a:t>Click to edit Master text styles</a:t>
             </a:r>
           </a:p>
           <a:p>
             <a:pPr lvl="1"/>
             <a:r>
-              <a:rPr lang="en-US" smtClean="0"/>
+              <a:rPr lang="en-US"/>
               <a:t>Second level</a:t>
             </a:r>
           </a:p>
           <a:p>
             <a:pPr lvl="2"/>
             <a:r>
-              <a:rPr lang="en-US" smtClean="0"/>
+              <a:rPr lang="en-US"/>
               <a:t>Third level</a:t>
             </a:r>
           </a:p>
           <a:p>
             <a:pPr lvl="3"/>
             <a:r>
-              <a:rPr lang="en-US" smtClean="0"/>
+              <a:rPr lang="en-US"/>
               <a:t>Fourth level</a:t>
             </a:r>
           </a:p>
           <a:p>
             <a:pPr lvl="4"/>
             <a:r>
-              <a:rPr lang="en-US" smtClean="0"/>
+              <a:rPr lang="en-US"/>
               <a:t>Fifth level</a:t>
             </a:r>
-            <a:endParaRPr lang="en-US"/>
           </a:p>
         </p:txBody>
       </p:sp>
@@ -3551,10 +3523,9 @@
           </a:lstStyle>
           <a:p>
             <a:r>
-              <a:rPr lang="en-US" smtClean="0"/>
+              <a:rPr lang="en-US"/>
               <a:t>2021-01-01</a:t>
             </a:r>
-            <a:endParaRPr lang="en-US"/>
           </a:p>
         </p:txBody>
       </p:sp>
@@ -3592,10 +3563,9 @@
           </a:lstStyle>
           <a:p>
             <a:r>
-              <a:rPr lang="en-US" smtClean="0"/>
+              <a:rPr lang="en-US"/>
               <a:t>RBL - Boston Python</a:t>
             </a:r>
-            <a:endParaRPr lang="en-US"/>
           </a:p>
         </p:txBody>
       </p:sp>
@@ -3953,17 +3923,16 @@
           <a:lstStyle/>
           <a:p>
             <a:r>
-              <a:rPr lang="en-US" b="1" dirty="0" smtClean="0"/>
+              <a:rPr lang="en-US" b="1" dirty="0"/>
               <a:t>A Dinosaur and a Python</a:t>
             </a:r>
             <a:br>
-              <a:rPr lang="en-US" b="1" dirty="0" smtClean="0"/>
+              <a:rPr lang="en-US" b="1" dirty="0"/>
             </a:br>
             <a:r>
-              <a:rPr lang="en-US" b="1" dirty="0" smtClean="0"/>
+              <a:rPr lang="en-US" b="1" dirty="0"/>
               <a:t>Walk into a Bar. . . </a:t>
             </a:r>
-            <a:endParaRPr lang="en-US" b="1" dirty="0"/>
           </a:p>
         </p:txBody>
       </p:sp>
@@ -3990,18 +3959,17 @@
           <a:lstStyle/>
           <a:p>
             <a:r>
-              <a:rPr lang="en-US" dirty="0" smtClean="0"/>
+              <a:rPr lang="en-US" dirty="0"/>
               <a:t>How a </a:t>
             </a:r>
             <a:r>
-              <a:rPr lang="en-US" smtClean="0"/>
+              <a:rPr lang="en-US"/>
               <a:t>dinosaur debugs </a:t>
             </a:r>
             <a:r>
-              <a:rPr lang="en-US" dirty="0" smtClean="0"/>
+              <a:rPr lang="en-US" dirty="0"/>
               <a:t>in Python</a:t>
             </a:r>
-            <a:endParaRPr lang="en-US" dirty="0"/>
           </a:p>
         </p:txBody>
       </p:sp>
@@ -4028,26 +3996,21 @@
           <a:lstStyle/>
           <a:p>
             <a:r>
-              <a:rPr lang="en-US" dirty="0" smtClean="0"/>
+              <a:rPr lang="en-US" dirty="0"/>
               <a:t>Richard Landau</a:t>
             </a:r>
           </a:p>
           <a:p>
             <a:r>
-              <a:rPr lang="en-US" dirty="0" smtClean="0"/>
+              <a:rPr lang="en-US" dirty="0"/>
               <a:t>Retired Software Engineer</a:t>
             </a:r>
           </a:p>
           <a:p>
             <a:r>
               <a:rPr lang="en-US" dirty="0"/>
-              <a:t> </a:t>
-            </a:r>
-            <a:r>
-              <a:rPr lang="en-US" dirty="0" smtClean="0"/>
-              <a:t>&amp; Boston Python junkie</a:t>
-            </a:r>
-            <a:endParaRPr lang="en-US" dirty="0"/>
+              <a:t> &amp; Boston Python junkie</a:t>
+            </a:r>
           </a:p>
         </p:txBody>
       </p:sp>
@@ -4067,10 +4030,9 @@
           <a:lstStyle/>
           <a:p>
             <a:r>
-              <a:rPr lang="en-US" smtClean="0"/>
+              <a:rPr lang="en-US"/>
               <a:t>2021-01-01</a:t>
             </a:r>
-            <a:endParaRPr lang="en-US"/>
           </a:p>
         </p:txBody>
       </p:sp>
@@ -4090,10 +4052,9 @@
           <a:lstStyle/>
           <a:p>
             <a:r>
-              <a:rPr lang="en-US" smtClean="0"/>
+              <a:rPr lang="en-US"/>
               <a:t>RBL - Boston Python</a:t>
             </a:r>
-            <a:endParaRPr lang="en-US"/>
           </a:p>
         </p:txBody>
       </p:sp>
@@ -4190,13 +4151,6 @@
   <p:clrMapOvr>
     <a:masterClrMapping/>
   </p:clrMapOvr>
-  <p:timing>
-    <p:tnLst>
-      <p:par>
-        <p:cTn id="1" dur="indefinite" restart="never" nodeType="tmRoot"/>
-      </p:par>
-    </p:tnLst>
-  </p:timing>
 </p:sld>
 </file>
 
@@ -4233,10 +4187,9 @@
           <a:lstStyle/>
           <a:p>
             <a:r>
-              <a:rPr lang="en-US" dirty="0" smtClean="0"/>
+              <a:rPr lang="en-US" dirty="0"/>
               <a:t>A Modest Example Here</a:t>
             </a:r>
-            <a:endParaRPr lang="en-US" dirty="0"/>
           </a:p>
         </p:txBody>
       </p:sp>
@@ -4257,7 +4210,7 @@
           <a:p>
             <a:pPr lvl="0"/>
             <a:r>
-              <a:rPr lang="en-US" sz="3200" kern="1200" dirty="0" err="1" smtClean="0">
+              <a:rPr lang="en-US" sz="3200" kern="1200" dirty="0" err="1">
                 <a:solidFill>
                   <a:schemeClr val="tx1"/>
                 </a:solidFill>
@@ -4269,7 +4222,7 @@
               <a:t>NewTrace</a:t>
             </a:r>
             <a:r>
-              <a:rPr lang="en-US" sz="3200" kern="1200" dirty="0" smtClean="0">
+              <a:rPr lang="en-US" sz="3200" kern="1200" dirty="0">
                 <a:solidFill>
                   <a:schemeClr val="tx1"/>
                 </a:solidFill>
@@ -4281,7 +4234,7 @@
               <a:t> area on github.com/</a:t>
             </a:r>
             <a:r>
-              <a:rPr lang="en-US" sz="3200" kern="1200" dirty="0" err="1" smtClean="0">
+              <a:rPr lang="en-US" sz="3200" kern="1200" dirty="0" err="1">
                 <a:solidFill>
                   <a:schemeClr val="tx1"/>
                 </a:solidFill>
@@ -4292,7 +4245,7 @@
               </a:rPr>
               <a:t>rblandau</a:t>
             </a:r>
-            <a:endParaRPr lang="en-US" sz="3200" kern="1200" dirty="0" smtClean="0">
+            <a:endParaRPr lang="en-US" sz="3200" kern="1200" dirty="0">
               <a:solidFill>
                 <a:schemeClr val="tx1"/>
               </a:solidFill>
@@ -4304,16 +4257,15 @@
           </a:p>
           <a:p>
             <a:r>
-              <a:rPr lang="en-US" dirty="0" smtClean="0"/>
+              <a:rPr lang="en-US" dirty="0"/>
               <a:t>Like print() on steroids</a:t>
             </a:r>
           </a:p>
           <a:p>
             <a:r>
-              <a:rPr lang="en-US" dirty="0" smtClean="0"/>
+              <a:rPr lang="en-US" dirty="0"/>
               <a:t>Plus other features from experience</a:t>
             </a:r>
-            <a:endParaRPr lang="en-US" dirty="0"/>
           </a:p>
         </p:txBody>
       </p:sp>
@@ -4333,10 +4285,9 @@
           <a:lstStyle/>
           <a:p>
             <a:r>
-              <a:rPr lang="en-US" smtClean="0"/>
+              <a:rPr lang="en-US"/>
               <a:t>2021-01-01</a:t>
             </a:r>
-            <a:endParaRPr lang="en-US"/>
           </a:p>
         </p:txBody>
       </p:sp>
@@ -4356,7 +4307,7 @@
           <a:lstStyle/>
           <a:p>
             <a:r>
-              <a:rPr lang="en-US" smtClean="0"/>
+              <a:rPr lang="en-US"/>
               <a:t>RBL - Boston Python</a:t>
             </a:r>
             <a:endParaRPr lang="en-US" dirty="0"/>
@@ -4432,10 +4383,9 @@
           <a:lstStyle/>
           <a:p>
             <a:r>
-              <a:rPr lang="en-US" dirty="0" smtClean="0"/>
+              <a:rPr lang="en-US" dirty="0"/>
               <a:t>Ned is Holding His Nose</a:t>
             </a:r>
-            <a:endParaRPr lang="en-US" dirty="0"/>
           </a:p>
         </p:txBody>
       </p:sp>
@@ -4458,7 +4408,7 @@
           <a:p>
             <a:pPr lvl="0"/>
             <a:r>
-              <a:rPr lang="en-US" sz="3200" kern="1200" dirty="0" smtClean="0">
+              <a:rPr lang="en-US" sz="3200" kern="1200" dirty="0">
                 <a:solidFill>
                   <a:schemeClr val="tx1"/>
                 </a:solidFill>
@@ -4473,7 +4423,7 @@
           <a:p>
             <a:pPr lvl="0"/>
             <a:r>
-              <a:rPr lang="en-US" sz="3200" kern="1200" dirty="0" smtClean="0">
+              <a:rPr lang="en-US" sz="3200" kern="1200" dirty="0">
                 <a:solidFill>
                   <a:schemeClr val="tx1"/>
                 </a:solidFill>
@@ -4489,7 +4439,7 @@
               <a:t>"</a:t>
             </a:r>
             <a:r>
-              <a:rPr lang="en-US" sz="3200" kern="1200" dirty="0" smtClean="0">
+              <a:rPr lang="en-US" sz="3200" kern="1200" dirty="0">
                 <a:solidFill>
                   <a:schemeClr val="tx1"/>
                 </a:solidFill>
@@ -4501,7 +4451,7 @@
               <a:t>C without</a:t>
             </a:r>
             <a:r>
-              <a:rPr lang="en-US" sz="3200" kern="1200" baseline="0" dirty="0" smtClean="0">
+              <a:rPr lang="en-US" sz="3200" kern="1200" baseline="0" dirty="0">
                 <a:solidFill>
                   <a:schemeClr val="tx1"/>
                 </a:solidFill>
@@ -4513,7 +4463,7 @@
               <a:t> </a:t>
             </a:r>
             <a:r>
-              <a:rPr lang="en-US" sz="3200" kern="1200" dirty="0" smtClean="0">
+              <a:rPr lang="en-US" sz="3200" kern="1200" dirty="0">
                 <a:solidFill>
                   <a:schemeClr val="tx1"/>
                 </a:solidFill>
@@ -4528,7 +4478,7 @@
           <a:p>
             <a:pPr lvl="1"/>
             <a:r>
-              <a:rPr lang="en-US" sz="2800" kern="1200" dirty="0" smtClean="0">
+              <a:rPr lang="en-US" sz="2800" kern="1200" dirty="0">
                 <a:solidFill>
                   <a:schemeClr val="tx1"/>
                 </a:solidFill>
@@ -4540,7 +4490,7 @@
               <a:t>Decades of writing</a:t>
             </a:r>
             <a:r>
-              <a:rPr lang="en-US" sz="2800" kern="1200" baseline="0" dirty="0" smtClean="0">
+              <a:rPr lang="en-US" sz="2800" kern="1200" baseline="0" dirty="0">
                 <a:solidFill>
                   <a:schemeClr val="tx1"/>
                 </a:solidFill>
@@ -4552,7 +4502,7 @@
               <a:t> </a:t>
             </a:r>
             <a:r>
-              <a:rPr lang="en-US" sz="2800" kern="1200" dirty="0" smtClean="0">
+              <a:rPr lang="en-US" sz="2800" kern="1200" dirty="0">
                 <a:solidFill>
                   <a:schemeClr val="tx1"/>
                 </a:solidFill>
@@ -4564,7 +4514,7 @@
               <a:t>C, C++, Perl, Java, </a:t>
             </a:r>
             <a:r>
-              <a:rPr lang="en-US" sz="2800" kern="1200" dirty="0" err="1" smtClean="0">
+              <a:rPr lang="en-US" sz="2800" kern="1200" dirty="0" err="1">
                 <a:solidFill>
                   <a:schemeClr val="tx1"/>
                 </a:solidFill>
@@ -4575,7 +4525,7 @@
               </a:rPr>
               <a:t>sh</a:t>
             </a:r>
-            <a:endParaRPr lang="en-US" sz="2800" kern="1200" dirty="0" smtClean="0">
+            <a:endParaRPr lang="en-US" sz="2800" kern="1200" dirty="0">
               <a:solidFill>
                 <a:schemeClr val="tx1"/>
               </a:solidFill>
@@ -4588,7 +4538,7 @@
           <a:p>
             <a:pPr lvl="0"/>
             <a:r>
-              <a:rPr lang="en-US" sz="3200" kern="1200" dirty="0" smtClean="0">
+              <a:rPr lang="en-US" sz="3200" kern="1200" dirty="0">
                 <a:solidFill>
                   <a:schemeClr val="tx1"/>
                 </a:solidFill>
@@ -4603,7 +4553,7 @@
           <a:p>
             <a:pPr lvl="1"/>
             <a:r>
-              <a:rPr lang="en-US" sz="2800" kern="1200" dirty="0" smtClean="0">
+              <a:rPr lang="en-US" sz="2800" kern="1200" dirty="0">
                 <a:solidFill>
                   <a:schemeClr val="tx1"/>
                 </a:solidFill>
@@ -4618,7 +4568,7 @@
           <a:p>
             <a:pPr lvl="1"/>
             <a:r>
-              <a:rPr lang="en-US" sz="2800" kern="1200" dirty="0" smtClean="0">
+              <a:rPr lang="en-US" sz="2800" kern="1200" dirty="0">
                 <a:solidFill>
                   <a:schemeClr val="tx1"/>
                 </a:solidFill>
@@ -4633,7 +4583,7 @@
           <a:p>
             <a:pPr lvl="0"/>
             <a:r>
-              <a:rPr lang="en-US" sz="3200" i="1" kern="1200" dirty="0" smtClean="0">
+              <a:rPr lang="en-US" sz="3200" i="1" kern="1200" dirty="0">
                 <a:solidFill>
                   <a:schemeClr val="tx1"/>
                 </a:solidFill>
@@ -4645,7 +4595,7 @@
               <a:t>Maybe</a:t>
             </a:r>
             <a:r>
-              <a:rPr lang="en-US" sz="3200" kern="1200" baseline="0" dirty="0" smtClean="0">
+              <a:rPr lang="en-US" sz="3200" kern="1200" baseline="0" dirty="0">
                 <a:solidFill>
                   <a:schemeClr val="tx1"/>
                 </a:solidFill>
@@ -4657,7 +4607,7 @@
               <a:t> I l</a:t>
             </a:r>
             <a:r>
-              <a:rPr lang="en-US" sz="3200" kern="1200" dirty="0" smtClean="0">
+              <a:rPr lang="en-US" sz="3200" kern="1200" dirty="0">
                 <a:solidFill>
                   <a:schemeClr val="tx1"/>
                 </a:solidFill>
@@ -4669,7 +4619,7 @@
               <a:t>earned a bit in a</a:t>
             </a:r>
             <a:r>
-              <a:rPr lang="en-US" sz="3200" kern="1200" baseline="0" dirty="0" smtClean="0">
+              <a:rPr lang="en-US" sz="3200" kern="1200" baseline="0" dirty="0">
                 <a:solidFill>
                   <a:schemeClr val="tx1"/>
                 </a:solidFill>
@@ -4681,7 +4631,7 @@
               <a:t> </a:t>
             </a:r>
             <a:r>
-              <a:rPr lang="en-US" sz="3200" kern="1200" dirty="0" smtClean="0">
+              <a:rPr lang="en-US" sz="3200" kern="1200" dirty="0">
                 <a:solidFill>
                   <a:schemeClr val="tx1"/>
                 </a:solidFill>
@@ -4711,10 +4661,9 @@
           <a:lstStyle/>
           <a:p>
             <a:r>
-              <a:rPr lang="en-US" smtClean="0"/>
+              <a:rPr lang="en-US"/>
               <a:t>2021-01-01</a:t>
             </a:r>
-            <a:endParaRPr lang="en-US"/>
           </a:p>
         </p:txBody>
       </p:sp>
@@ -4734,7 +4683,7 @@
           <a:lstStyle/>
           <a:p>
             <a:r>
-              <a:rPr lang="en-US" smtClean="0"/>
+              <a:rPr lang="en-US"/>
               <a:t>RBL - Boston Python</a:t>
             </a:r>
             <a:endParaRPr lang="en-US" dirty="0"/>
@@ -4810,11 +4759,11 @@
           <a:lstStyle/>
           <a:p>
             <a:r>
-              <a:rPr lang="en-US" dirty="0" smtClean="0"/>
+              <a:rPr lang="en-US" dirty="0"/>
               <a:t>Just Like</a:t>
             </a:r>
             <a:r>
-              <a:rPr lang="en-US" baseline="0" dirty="0" smtClean="0"/>
+              <a:rPr lang="en-US" baseline="0" dirty="0"/>
               <a:t> the Standard Example</a:t>
             </a:r>
             <a:endParaRPr lang="en-US" dirty="0"/>
@@ -4839,17 +4788,17 @@
           <a:lstStyle/>
           <a:p>
             <a:r>
-              <a:rPr lang="en-US" dirty="0" smtClean="0"/>
+              <a:rPr lang="en-US" dirty="0"/>
               <a:t>But</a:t>
             </a:r>
             <a:r>
-              <a:rPr lang="en-US" baseline="0" dirty="0" smtClean="0"/>
+              <a:rPr lang="en-US" baseline="0" dirty="0"/>
               <a:t> does a little more</a:t>
             </a:r>
           </a:p>
           <a:p>
             <a:r>
-              <a:rPr lang="en-US" baseline="0" dirty="0" smtClean="0"/>
+              <a:rPr lang="en-US" baseline="0" dirty="0"/>
               <a:t>Sample decorator: print function entry and exit, in every textbook</a:t>
             </a:r>
           </a:p>
@@ -4858,7 +4807,7 @@
           </a:p>
           <a:p>
             <a:r>
-              <a:rPr lang="en-US" sz="2400" baseline="0" dirty="0" smtClean="0">
+              <a:rPr lang="en-US" sz="2400" baseline="0" dirty="0">
                 <a:solidFill>
                   <a:srgbClr val="00B050"/>
                 </a:solidFill>
@@ -4866,14 +4815,14 @@
               <a:t>&lt;code: decorator</a:t>
             </a:r>
             <a:r>
-              <a:rPr lang="en-US" sz="2400" dirty="0" smtClean="0">
+              <a:rPr lang="en-US" sz="2400" dirty="0">
                 <a:solidFill>
                   <a:srgbClr val="00B050"/>
                 </a:solidFill>
               </a:rPr>
               <a:t> example&gt;</a:t>
             </a:r>
-            <a:endParaRPr lang="en-US" sz="2400" baseline="0" dirty="0" smtClean="0">
+            <a:endParaRPr lang="en-US" sz="2400" baseline="0" dirty="0">
               <a:solidFill>
                 <a:srgbClr val="00B050"/>
               </a:solidFill>
@@ -4883,19 +4832,19 @@
             <a:pPr marL="0" indent="0">
               <a:buNone/>
             </a:pPr>
-            <a:endParaRPr lang="en-US" baseline="0" dirty="0" smtClean="0"/>
+            <a:endParaRPr lang="en-US" baseline="0" dirty="0"/>
           </a:p>
           <a:p>
             <a:pPr marL="342900" indent="-342900"/>
             <a:r>
-              <a:rPr lang="en-US" dirty="0" smtClean="0"/>
+              <a:rPr lang="en-US" dirty="0"/>
               <a:t>Very useful,</a:t>
             </a:r>
             <a:r>
-              <a:rPr lang="en-US" baseline="0" dirty="0" smtClean="0"/>
+              <a:rPr lang="en-US" baseline="0" dirty="0"/>
               <a:t> but can be improved</a:t>
             </a:r>
-            <a:endParaRPr lang="en-US" dirty="0" smtClean="0"/>
+            <a:endParaRPr lang="en-US" dirty="0"/>
           </a:p>
         </p:txBody>
       </p:sp>
@@ -4915,10 +4864,9 @@
           <a:lstStyle/>
           <a:p>
             <a:r>
-              <a:rPr lang="en-US" smtClean="0"/>
+              <a:rPr lang="en-US"/>
               <a:t>2021-01-01</a:t>
             </a:r>
-            <a:endParaRPr lang="en-US"/>
           </a:p>
         </p:txBody>
       </p:sp>
@@ -4938,7 +4886,7 @@
           <a:lstStyle/>
           <a:p>
             <a:r>
-              <a:rPr lang="en-US" smtClean="0"/>
+              <a:rPr lang="en-US"/>
               <a:t>RBL - Boston Python</a:t>
             </a:r>
             <a:endParaRPr lang="en-US" dirty="0"/>
@@ -5014,10 +4962,9 @@
           <a:lstStyle/>
           <a:p>
             <a:r>
-              <a:rPr lang="en-US" dirty="0" smtClean="0"/>
+              <a:rPr lang="en-US" dirty="0"/>
               <a:t>From Experience</a:t>
             </a:r>
-            <a:endParaRPr lang="en-US" dirty="0"/>
           </a:p>
         </p:txBody>
       </p:sp>
@@ -5040,7 +4987,7 @@
           <a:p>
             <a:pPr lvl="0"/>
             <a:r>
-              <a:rPr lang="en-US" sz="3200" kern="1200" dirty="0" smtClean="0">
+              <a:rPr lang="en-US" sz="3200" kern="1200" dirty="0">
                 <a:solidFill>
                   <a:schemeClr val="tx1"/>
                 </a:solidFill>
@@ -5055,7 +5002,7 @@
           <a:p>
             <a:pPr lvl="1"/>
             <a:r>
-              <a:rPr lang="en-US" sz="2800" kern="1200" dirty="0" smtClean="0">
+              <a:rPr lang="en-US" sz="2800" kern="1200" dirty="0">
                 <a:solidFill>
                   <a:schemeClr val="tx1"/>
                 </a:solidFill>
@@ -5070,7 +5017,7 @@
           <a:p>
             <a:pPr lvl="1"/>
             <a:r>
-              <a:rPr lang="en-US" sz="2800" kern="1200" dirty="0" smtClean="0">
+              <a:rPr lang="en-US" sz="2800" kern="1200" dirty="0">
                 <a:solidFill>
                   <a:schemeClr val="tx1"/>
                 </a:solidFill>
@@ -5082,7 +5029,7 @@
               <a:t>Originally written for</a:t>
             </a:r>
             <a:r>
-              <a:rPr lang="en-US" sz="2800" kern="1200" baseline="0" dirty="0" smtClean="0">
+              <a:rPr lang="en-US" sz="2800" kern="1200" baseline="0" dirty="0">
                 <a:solidFill>
                   <a:schemeClr val="tx1"/>
                 </a:solidFill>
@@ -5094,7 +5041,7 @@
               <a:t> </a:t>
             </a:r>
             <a:r>
-              <a:rPr lang="en-US" sz="2800" kern="1200" dirty="0" smtClean="0">
+              <a:rPr lang="en-US" sz="2800" kern="1200" dirty="0">
                 <a:solidFill>
                   <a:schemeClr val="tx1"/>
                 </a:solidFill>
@@ -5106,7 +5053,7 @@
               <a:t>a dozen-process </a:t>
             </a:r>
             <a:r>
-              <a:rPr lang="en-US" sz="2800" kern="1200" dirty="0" err="1" smtClean="0">
+              <a:rPr lang="en-US" sz="2800" kern="1200" dirty="0" err="1">
                 <a:solidFill>
                   <a:schemeClr val="tx1"/>
                 </a:solidFill>
@@ -5118,7 +5065,7 @@
               <a:t>comm</a:t>
             </a:r>
             <a:r>
-              <a:rPr lang="en-US" sz="2800" kern="1200" dirty="0" smtClean="0">
+              <a:rPr lang="en-US" sz="2800" kern="1200" dirty="0">
                 <a:solidFill>
                   <a:schemeClr val="tx1"/>
                 </a:solidFill>
@@ -5133,7 +5080,7 @@
           <a:p>
             <a:pPr lvl="1"/>
             <a:r>
-              <a:rPr lang="en-US" sz="2800" kern="1200" dirty="0" smtClean="0">
+              <a:rPr lang="en-US" sz="2800" kern="1200" dirty="0">
                 <a:solidFill>
                   <a:schemeClr val="tx1"/>
                 </a:solidFill>
@@ -5163,10 +5110,9 @@
           <a:lstStyle/>
           <a:p>
             <a:r>
-              <a:rPr lang="en-US" smtClean="0"/>
+              <a:rPr lang="en-US"/>
               <a:t>2021-01-01</a:t>
             </a:r>
-            <a:endParaRPr lang="en-US"/>
           </a:p>
         </p:txBody>
       </p:sp>
@@ -5186,7 +5132,7 @@
           <a:lstStyle/>
           <a:p>
             <a:r>
-              <a:rPr lang="en-US" smtClean="0"/>
+              <a:rPr lang="en-US"/>
               <a:t>RBL - Boston Python</a:t>
             </a:r>
             <a:endParaRPr lang="en-US" dirty="0"/>
@@ -5262,18 +5208,17 @@
           <a:lstStyle/>
           <a:p>
             <a:r>
-              <a:rPr lang="en-US" dirty="0" smtClean="0"/>
+              <a:rPr lang="en-US" dirty="0"/>
               <a:t>Features:</a:t>
             </a:r>
             <a:r>
-              <a:rPr lang="en-US" baseline="0" dirty="0" smtClean="0"/>
+              <a:rPr lang="en-US" baseline="0" dirty="0"/>
               <a:t> </a:t>
             </a:r>
             <a:r>
-              <a:rPr lang="en-US" dirty="0" smtClean="0"/>
+              <a:rPr lang="en-US" dirty="0"/>
               <a:t>Must Have</a:t>
             </a:r>
-            <a:endParaRPr lang="en-US" dirty="0"/>
           </a:p>
         </p:txBody>
       </p:sp>
@@ -5293,57 +5238,57 @@
           <a:lstStyle/>
           <a:p>
             <a:r>
-              <a:rPr lang="en-US" dirty="0" smtClean="0"/>
+              <a:rPr lang="en-US" dirty="0"/>
               <a:t>Time</a:t>
             </a:r>
           </a:p>
           <a:p>
             <a:r>
-              <a:rPr lang="en-US" dirty="0" smtClean="0"/>
+              <a:rPr lang="en-US" dirty="0"/>
               <a:t>Source location</a:t>
             </a:r>
           </a:p>
           <a:p>
             <a:r>
-              <a:rPr lang="en-US" dirty="0" smtClean="0"/>
+              <a:rPr lang="en-US" dirty="0"/>
               <a:t>Activity</a:t>
             </a:r>
           </a:p>
           <a:p>
             <a:r>
-              <a:rPr lang="en-US" dirty="0" smtClean="0"/>
+              <a:rPr lang="en-US" dirty="0"/>
               <a:t>Data</a:t>
             </a:r>
             <a:r>
-              <a:rPr lang="en-US" baseline="0" dirty="0" smtClean="0"/>
+              <a:rPr lang="en-US" baseline="0" dirty="0"/>
               <a:t> content</a:t>
             </a:r>
           </a:p>
           <a:p>
             <a:r>
-              <a:rPr lang="en-US" baseline="0" dirty="0" smtClean="0"/>
+              <a:rPr lang="en-US" baseline="0" dirty="0"/>
               <a:t>Consistent format</a:t>
             </a:r>
           </a:p>
           <a:p>
             <a:r>
-              <a:rPr lang="en-US" baseline="0" dirty="0" smtClean="0"/>
+              <a:rPr lang="en-US" baseline="0" dirty="0"/>
               <a:t>File or </a:t>
             </a:r>
             <a:r>
-              <a:rPr lang="en-US" baseline="0" dirty="0" err="1" smtClean="0"/>
+              <a:rPr lang="en-US" baseline="0" dirty="0" err="1"/>
               <a:t>stdout</a:t>
             </a:r>
             <a:r>
-              <a:rPr lang="en-US" baseline="0" dirty="0" smtClean="0"/>
+              <a:rPr lang="en-US" baseline="0" dirty="0"/>
               <a:t>/</a:t>
             </a:r>
             <a:r>
-              <a:rPr lang="en-US" baseline="0" dirty="0" err="1" smtClean="0"/>
+              <a:rPr lang="en-US" baseline="0" dirty="0" err="1"/>
               <a:t>stderr</a:t>
             </a:r>
             <a:r>
-              <a:rPr lang="en-US" baseline="0" dirty="0" smtClean="0"/>
+              <a:rPr lang="en-US" baseline="0" dirty="0"/>
               <a:t> output</a:t>
             </a:r>
           </a:p>
@@ -5365,10 +5310,9 @@
           <a:lstStyle/>
           <a:p>
             <a:r>
-              <a:rPr lang="en-US" smtClean="0"/>
+              <a:rPr lang="en-US"/>
               <a:t>2021-01-01</a:t>
             </a:r>
-            <a:endParaRPr lang="en-US"/>
           </a:p>
         </p:txBody>
       </p:sp>
@@ -5388,7 +5332,7 @@
           <a:lstStyle/>
           <a:p>
             <a:r>
-              <a:rPr lang="en-US" smtClean="0"/>
+              <a:rPr lang="en-US"/>
               <a:t>RBL - Boston Python</a:t>
             </a:r>
             <a:endParaRPr lang="en-US" dirty="0"/>
@@ -5464,54 +5408,53 @@
           <a:lstStyle/>
           <a:p>
             <a:r>
-              <a:rPr lang="en-US" dirty="0" smtClean="0"/>
+              <a:rPr lang="en-US" dirty="0"/>
               <a:t>Nice to Have</a:t>
             </a:r>
+          </a:p>
+        </p:txBody>
+      </p:sp>
+      <p:sp>
+        <p:nvSpPr>
+          <p:cNvPr id="3" name="Content Placeholder 2"/>
+          <p:cNvSpPr>
+            <a:spLocks noGrp="1"/>
+          </p:cNvSpPr>
+          <p:nvPr>
+            <p:ph idx="1"/>
+          </p:nvPr>
+        </p:nvSpPr>
+        <p:spPr/>
+        <p:txBody>
+          <a:bodyPr/>
+          <a:lstStyle/>
+          <a:p>
+            <a:r>
+              <a:rPr lang="en-US" dirty="0"/>
+              <a:t>Priority</a:t>
+            </a:r>
+          </a:p>
+          <a:p>
+            <a:r>
+              <a:rPr lang="en-US" dirty="0"/>
+              <a:t>Text, HTML</a:t>
+            </a:r>
+            <a:r>
+              <a:rPr lang="en-US" baseline="0" dirty="0"/>
+              <a:t> output</a:t>
+            </a:r>
+          </a:p>
+          <a:p>
+            <a:r>
+              <a:rPr lang="en-US" baseline="0" dirty="0"/>
+              <a:t>Thread-safe, multiprocessing-safe</a:t>
+            </a:r>
             <a:endParaRPr lang="en-US" dirty="0"/>
           </a:p>
         </p:txBody>
       </p:sp>
       <p:sp>
         <p:nvSpPr>
-          <p:cNvPr id="3" name="Content Placeholder 2"/>
-          <p:cNvSpPr>
-            <a:spLocks noGrp="1"/>
-          </p:cNvSpPr>
-          <p:nvPr>
-            <p:ph idx="1"/>
-          </p:nvPr>
-        </p:nvSpPr>
-        <p:spPr/>
-        <p:txBody>
-          <a:bodyPr/>
-          <a:lstStyle/>
-          <a:p>
-            <a:r>
-              <a:rPr lang="en-US" dirty="0" smtClean="0"/>
-              <a:t>Priority</a:t>
-            </a:r>
-          </a:p>
-          <a:p>
-            <a:r>
-              <a:rPr lang="en-US" dirty="0" smtClean="0"/>
-              <a:t>Text, HTML</a:t>
-            </a:r>
-            <a:r>
-              <a:rPr lang="en-US" baseline="0" dirty="0" smtClean="0"/>
-              <a:t> output</a:t>
-            </a:r>
-          </a:p>
-          <a:p>
-            <a:r>
-              <a:rPr lang="en-US" baseline="0" dirty="0" smtClean="0"/>
-              <a:t>Thread-safe, multiprocessing-safe</a:t>
-            </a:r>
-            <a:endParaRPr lang="en-US" dirty="0" smtClean="0"/>
-          </a:p>
-        </p:txBody>
-      </p:sp>
-      <p:sp>
-        <p:nvSpPr>
           <p:cNvPr id="4" name="Date Placeholder 3"/>
           <p:cNvSpPr>
             <a:spLocks noGrp="1"/>
@@ -5526,10 +5469,9 @@
           <a:lstStyle/>
           <a:p>
             <a:r>
-              <a:rPr lang="en-US" smtClean="0"/>
+              <a:rPr lang="en-US"/>
               <a:t>2021-01-01</a:t>
             </a:r>
-            <a:endParaRPr lang="en-US"/>
           </a:p>
         </p:txBody>
       </p:sp>
@@ -5549,7 +5491,7 @@
           <a:lstStyle/>
           <a:p>
             <a:r>
-              <a:rPr lang="en-US" smtClean="0"/>
+              <a:rPr lang="en-US"/>
               <a:t>RBL - Boston Python</a:t>
             </a:r>
             <a:endParaRPr lang="en-US" dirty="0"/>
@@ -5625,10 +5567,9 @@
           <a:lstStyle/>
           <a:p>
             <a:r>
-              <a:rPr lang="en-US" dirty="0" smtClean="0"/>
+              <a:rPr lang="en-US" dirty="0"/>
               <a:t>Management Needs</a:t>
             </a:r>
-            <a:endParaRPr lang="en-US" dirty="0"/>
           </a:p>
         </p:txBody>
       </p:sp>
@@ -5648,23 +5589,23 @@
           <a:lstStyle/>
           <a:p>
             <a:r>
-              <a:rPr lang="en-US" dirty="0" smtClean="0"/>
+              <a:rPr lang="en-US" dirty="0"/>
               <a:t>On/off</a:t>
             </a:r>
             <a:r>
-              <a:rPr lang="en-US" baseline="0" dirty="0" smtClean="0"/>
+              <a:rPr lang="en-US" baseline="0" dirty="0"/>
               <a:t> without editing code</a:t>
             </a:r>
           </a:p>
           <a:p>
             <a:r>
-              <a:rPr lang="en-US" baseline="0" dirty="0" smtClean="0"/>
+              <a:rPr lang="en-US" baseline="0" dirty="0"/>
               <a:t>Change output location</a:t>
             </a:r>
           </a:p>
           <a:p>
             <a:r>
-              <a:rPr lang="en-US" baseline="0" dirty="0" smtClean="0"/>
+              <a:rPr lang="en-US" baseline="0" dirty="0"/>
               <a:t>Filter by priority, location, activity</a:t>
             </a:r>
           </a:p>
@@ -5686,10 +5627,9 @@
           <a:lstStyle/>
           <a:p>
             <a:r>
-              <a:rPr lang="en-US" smtClean="0"/>
+              <a:rPr lang="en-US"/>
               <a:t>2021-01-01</a:t>
             </a:r>
-            <a:endParaRPr lang="en-US"/>
           </a:p>
         </p:txBody>
       </p:sp>
@@ -5709,7 +5649,7 @@
           <a:lstStyle/>
           <a:p>
             <a:r>
-              <a:rPr lang="en-US" smtClean="0"/>
+              <a:rPr lang="en-US"/>
               <a:t>RBL - Boston Python</a:t>
             </a:r>
             <a:endParaRPr lang="en-US" dirty="0"/>
@@ -5787,7 +5727,7 @@
           <a:lstStyle/>
           <a:p>
             <a:r>
-              <a:rPr lang="en-US" sz="4400" kern="1200" dirty="0" smtClean="0">
+              <a:rPr lang="en-US" sz="4400" kern="1200" dirty="0">
                 <a:solidFill>
                   <a:schemeClr val="tx1"/>
                 </a:solidFill>
@@ -5821,7 +5761,7 @@
           <a:p>
             <a:pPr lvl="0"/>
             <a:r>
-              <a:rPr lang="en-US" sz="3200" kern="1200" dirty="0" smtClean="0">
+              <a:rPr lang="en-US" sz="3200" kern="1200" dirty="0">
                 <a:solidFill>
                   <a:schemeClr val="tx1"/>
                 </a:solidFill>
@@ -5832,20 +5772,11 @@
               </a:rPr>
               <a:t>Standard, compact format</a:t>
             </a:r>
-            <a:endParaRPr lang="en-US" sz="3200" kern="1200" dirty="0" smtClean="0">
-              <a:solidFill>
-                <a:schemeClr val="tx1"/>
-              </a:solidFill>
-              <a:effectLst/>
-              <a:latin typeface="+mn-lt"/>
-              <a:ea typeface="+mn-ea"/>
-              <a:cs typeface="+mn-cs"/>
-            </a:endParaRPr>
           </a:p>
           <a:p>
             <a:pPr lvl="1"/>
             <a:r>
-              <a:rPr lang="en-US" sz="2800" kern="1200" dirty="0" smtClean="0">
+              <a:rPr lang="en-US" sz="2800" kern="1200" dirty="0">
                 <a:solidFill>
                   <a:schemeClr val="tx1"/>
                 </a:solidFill>
@@ -5860,7 +5791,7 @@
           <a:p>
             <a:pPr lvl="0"/>
             <a:r>
-              <a:rPr lang="en-US" sz="3200" kern="1200" dirty="0" smtClean="0">
+              <a:rPr lang="en-US" sz="3200" kern="1200" dirty="0">
                 <a:solidFill>
                   <a:schemeClr val="tx1"/>
                 </a:solidFill>
@@ -5875,7 +5806,7 @@
           <a:p>
             <a:pPr lvl="1"/>
             <a:r>
-              <a:rPr lang="en-US" sz="2800" kern="1200" dirty="0" smtClean="0">
+              <a:rPr lang="en-US" sz="2800" kern="1200" dirty="0">
                 <a:solidFill>
                   <a:schemeClr val="tx1"/>
                 </a:solidFill>
@@ -5890,7 +5821,7 @@
           <a:p>
             <a:pPr lvl="1"/>
             <a:r>
-              <a:rPr lang="en-US" sz="2800" kern="1200" dirty="0" smtClean="0">
+              <a:rPr lang="en-US" sz="2800" kern="1200" dirty="0">
                 <a:solidFill>
                   <a:schemeClr val="tx1"/>
                 </a:solidFill>
@@ -5905,7 +5836,7 @@
           <a:p>
             <a:pPr lvl="0"/>
             <a:r>
-              <a:rPr lang="en-US" sz="3200" kern="1200" dirty="0" smtClean="0">
+              <a:rPr lang="en-US" sz="3200" kern="1200" dirty="0">
                 <a:solidFill>
                   <a:schemeClr val="tx1"/>
                 </a:solidFill>
@@ -5917,7 +5848,7 @@
               <a:t>Activity:</a:t>
             </a:r>
             <a:r>
-              <a:rPr lang="en-US" sz="3200" kern="1200" baseline="0" dirty="0" smtClean="0">
+              <a:rPr lang="en-US" sz="3200" kern="1200" baseline="0" dirty="0">
                 <a:solidFill>
                   <a:schemeClr val="tx1"/>
                 </a:solidFill>
@@ -5929,7 +5860,7 @@
               <a:t> </a:t>
             </a:r>
             <a:r>
-              <a:rPr lang="en-US" sz="3200" kern="1200" dirty="0" smtClean="0">
+              <a:rPr lang="en-US" sz="3200" kern="1200" dirty="0">
                 <a:solidFill>
                   <a:schemeClr val="tx1"/>
                 </a:solidFill>
@@ -5941,7 +5872,7 @@
               <a:t>Insert</a:t>
             </a:r>
             <a:r>
-              <a:rPr lang="en-US" sz="3200" kern="1200" baseline="0" dirty="0" smtClean="0">
+              <a:rPr lang="en-US" sz="3200" kern="1200" baseline="0" dirty="0">
                 <a:solidFill>
                   <a:schemeClr val="tx1"/>
                 </a:solidFill>
@@ -5953,7 +5884,7 @@
               <a:t> at</a:t>
             </a:r>
             <a:r>
-              <a:rPr lang="en-US" sz="3200" kern="1200" dirty="0" smtClean="0">
+              <a:rPr lang="en-US" sz="3200" kern="1200" dirty="0">
                 <a:solidFill>
                   <a:schemeClr val="tx1"/>
                 </a:solidFill>
@@ -5968,7 +5899,7 @@
           <a:p>
             <a:pPr lvl="1"/>
             <a:r>
-              <a:rPr lang="en-US" sz="2800" kern="1200" dirty="0" smtClean="0">
+              <a:rPr lang="en-US" sz="2800" kern="1200" dirty="0">
                 <a:solidFill>
                   <a:schemeClr val="tx1"/>
                 </a:solidFill>
@@ -5998,10 +5929,9 @@
           <a:lstStyle/>
           <a:p>
             <a:r>
-              <a:rPr lang="en-US" smtClean="0"/>
+              <a:rPr lang="en-US"/>
               <a:t>2021-01-01</a:t>
             </a:r>
-            <a:endParaRPr lang="en-US"/>
           </a:p>
         </p:txBody>
       </p:sp>
@@ -6021,7 +5951,7 @@
           <a:lstStyle/>
           <a:p>
             <a:r>
-              <a:rPr lang="en-US" smtClean="0"/>
+              <a:rPr lang="en-US"/>
               <a:t>RBL - Boston Python</a:t>
             </a:r>
             <a:endParaRPr lang="en-US" dirty="0"/>
@@ -6097,10 +6027,9 @@
           <a:lstStyle/>
           <a:p>
             <a:r>
-              <a:rPr lang="en-US" dirty="0" smtClean="0"/>
+              <a:rPr lang="en-US" dirty="0"/>
               <a:t>Requirements (cont'd)</a:t>
             </a:r>
-            <a:endParaRPr lang="en-US" dirty="0"/>
           </a:p>
         </p:txBody>
       </p:sp>
@@ -6121,7 +6050,7 @@
           <a:p>
             <a:pPr lvl="0"/>
             <a:r>
-              <a:rPr lang="en-US" sz="3200" kern="1200" dirty="0" smtClean="0">
+              <a:rPr lang="en-US" sz="3200" kern="1200" dirty="0">
                 <a:solidFill>
                   <a:schemeClr val="tx1"/>
                 </a:solidFill>
@@ -6136,7 +6065,7 @@
           <a:p>
             <a:pPr lvl="1"/>
             <a:r>
-              <a:rPr lang="en-US" sz="2800" kern="1200" dirty="0" smtClean="0">
+              <a:rPr lang="en-US" sz="2800" kern="1200" dirty="0">
                 <a:solidFill>
                   <a:schemeClr val="tx1"/>
                 </a:solidFill>
@@ -6148,7 +6077,7 @@
               <a:t> e.g., function entry and exit, details inside complex logic, </a:t>
             </a:r>
             <a:r>
-              <a:rPr lang="en-US" sz="2800" kern="1200" smtClean="0">
+              <a:rPr lang="en-US" sz="2800" kern="1200">
                 <a:solidFill>
                   <a:schemeClr val="tx1"/>
                 </a:solidFill>
@@ -6160,7 +6089,7 @@
               <a:t>details inside </a:t>
             </a:r>
             <a:r>
-              <a:rPr lang="en-US" sz="2800" kern="1200" dirty="0" smtClean="0">
+              <a:rPr lang="en-US" sz="2800" kern="1200" dirty="0">
                 <a:solidFill>
                   <a:schemeClr val="tx1"/>
                 </a:solidFill>
@@ -6174,13 +6103,13 @@
           </a:p>
           <a:p>
             <a:r>
-              <a:rPr lang="en-US" dirty="0" smtClean="0"/>
+              <a:rPr lang="en-US" dirty="0"/>
               <a:t>Options for output location and format</a:t>
             </a:r>
           </a:p>
           <a:p>
             <a:r>
-              <a:rPr lang="en-US" dirty="0" smtClean="0"/>
+              <a:rPr lang="en-US" dirty="0"/>
               <a:t>Low performance impact</a:t>
             </a:r>
           </a:p>
@@ -6188,24 +6117,24 @@
             <a:pPr marL="0" indent="0">
               <a:buNone/>
             </a:pPr>
-            <a:endParaRPr lang="en-US" b="0" dirty="0" smtClean="0"/>
+            <a:endParaRPr lang="en-US" b="0" dirty="0"/>
           </a:p>
           <a:p>
             <a:pPr marL="0" indent="0">
               <a:buNone/>
             </a:pPr>
             <a:r>
-              <a:rPr lang="en-US" b="0" dirty="0" smtClean="0"/>
+              <a:rPr lang="en-US" b="0" dirty="0"/>
               <a:t>and</a:t>
             </a:r>
           </a:p>
           <a:p>
             <a:r>
-              <a:rPr lang="en-US" b="1" dirty="0" smtClean="0"/>
+              <a:rPr lang="en-US" b="1" dirty="0"/>
               <a:t>Manageable</a:t>
             </a:r>
             <a:r>
-              <a:rPr lang="en-US" b="1" baseline="0" dirty="0" smtClean="0"/>
+              <a:rPr lang="en-US" b="1" baseline="0" dirty="0"/>
               <a:t> without editing code!</a:t>
             </a:r>
             <a:endParaRPr lang="en-US" b="1" dirty="0"/>
@@ -6228,10 +6157,9 @@
           <a:lstStyle/>
           <a:p>
             <a:r>
-              <a:rPr lang="en-US" smtClean="0"/>
+              <a:rPr lang="en-US"/>
               <a:t>2021-01-01</a:t>
             </a:r>
-            <a:endParaRPr lang="en-US"/>
           </a:p>
         </p:txBody>
       </p:sp>
@@ -6251,7 +6179,7 @@
           <a:lstStyle/>
           <a:p>
             <a:r>
-              <a:rPr lang="en-US" smtClean="0"/>
+              <a:rPr lang="en-US"/>
               <a:t>RBL - Boston Python</a:t>
             </a:r>
             <a:endParaRPr lang="en-US" dirty="0"/>
@@ -6327,41 +6255,40 @@
           <a:lstStyle/>
           <a:p>
             <a:r>
-              <a:rPr lang="en-US" dirty="0" smtClean="0"/>
+              <a:rPr lang="en-US" dirty="0"/>
               <a:t>Timestamp</a:t>
             </a:r>
+          </a:p>
+        </p:txBody>
+      </p:sp>
+      <p:sp>
+        <p:nvSpPr>
+          <p:cNvPr id="3" name="Content Placeholder 2"/>
+          <p:cNvSpPr>
+            <a:spLocks noGrp="1"/>
+          </p:cNvSpPr>
+          <p:nvPr>
+            <p:ph idx="1"/>
+          </p:nvPr>
+        </p:nvSpPr>
+        <p:spPr/>
+        <p:txBody>
+          <a:bodyPr/>
+          <a:lstStyle/>
+          <a:p>
+            <a:r>
+              <a:rPr lang="en-US" dirty="0">
+                <a:effectLst/>
+              </a:rPr>
+              <a:t>Date and time, to second or millisecond</a:t>
+            </a:r>
+          </a:p>
+          <a:p>
             <a:endParaRPr lang="en-US" dirty="0"/>
           </a:p>
-        </p:txBody>
-      </p:sp>
-      <p:sp>
-        <p:nvSpPr>
-          <p:cNvPr id="3" name="Content Placeholder 2"/>
-          <p:cNvSpPr>
-            <a:spLocks noGrp="1"/>
-          </p:cNvSpPr>
-          <p:nvPr>
-            <p:ph idx="1"/>
-          </p:nvPr>
-        </p:nvSpPr>
-        <p:spPr/>
-        <p:txBody>
-          <a:bodyPr/>
-          <a:lstStyle/>
-          <a:p>
-            <a:r>
-              <a:rPr lang="en-US" dirty="0" smtClean="0">
-                <a:effectLst/>
-              </a:rPr>
-              <a:t>Date and time, to second or millisecond</a:t>
-            </a:r>
-          </a:p>
-          <a:p>
-            <a:endParaRPr lang="en-US" dirty="0"/>
-          </a:p>
-          <a:p>
-            <a:r>
-              <a:rPr lang="en-US" sz="2400" dirty="0" smtClean="0">
+          <a:p>
+            <a:r>
+              <a:rPr lang="en-US" sz="2400" dirty="0">
                 <a:solidFill>
                   <a:srgbClr val="00B050"/>
                 </a:solidFill>
@@ -6371,7 +6298,7 @@
             </a:r>
           </a:p>
           <a:p>
-            <a:endParaRPr lang="en-US" dirty="0" smtClean="0">
+            <a:endParaRPr lang="en-US" dirty="0">
               <a:effectLst/>
             </a:endParaRPr>
           </a:p>
@@ -6393,10 +6320,9 @@
           <a:lstStyle/>
           <a:p>
             <a:r>
-              <a:rPr lang="en-US" smtClean="0"/>
+              <a:rPr lang="en-US"/>
               <a:t>2021-01-01</a:t>
             </a:r>
-            <a:endParaRPr lang="en-US"/>
           </a:p>
         </p:txBody>
       </p:sp>
@@ -6416,7 +6342,7 @@
           <a:lstStyle/>
           <a:p>
             <a:r>
-              <a:rPr lang="en-US" smtClean="0"/>
+              <a:rPr lang="en-US"/>
               <a:t>RBL - Boston Python</a:t>
             </a:r>
             <a:endParaRPr lang="en-US" dirty="0"/>
@@ -6494,30 +6420,26 @@
           <a:lstStyle/>
           <a:p>
             <a:r>
-              <a:rPr lang="en-US" sz="3600" b="1" dirty="0" smtClean="0">
+              <a:rPr lang="en-US" sz="3600" b="1" dirty="0">
                 <a:latin typeface="Arial" panose="020B0604020202020204" pitchFamily="34" charset="0"/>
                 <a:cs typeface="Arial" panose="020B0604020202020204" pitchFamily="34" charset="0"/>
               </a:rPr>
               <a:t>Who're</a:t>
             </a:r>
             <a:r>
-              <a:rPr lang="en-US" sz="3600" b="1" baseline="0" dirty="0" smtClean="0">
+              <a:rPr lang="en-US" sz="3600" b="1" baseline="0" dirty="0">
                 <a:latin typeface="Arial" panose="020B0604020202020204" pitchFamily="34" charset="0"/>
                 <a:cs typeface="Arial" panose="020B0604020202020204" pitchFamily="34" charset="0"/>
               </a:rPr>
               <a:t> You Calling</a:t>
             </a:r>
             <a:r>
-              <a:rPr lang="en-US" sz="3600" b="1" dirty="0" smtClean="0">
+              <a:rPr lang="en-US" sz="3600" b="1" dirty="0">
                 <a:latin typeface="Arial" panose="020B0604020202020204" pitchFamily="34" charset="0"/>
                 <a:cs typeface="Arial" panose="020B0604020202020204" pitchFamily="34" charset="0"/>
               </a:rPr>
               <a:t> a Dinosaur?!?!</a:t>
             </a:r>
-            <a:endParaRPr lang="en-US" sz="3600" b="1" dirty="0">
-              <a:latin typeface="Arial" panose="020B0604020202020204" pitchFamily="34" charset="0"/>
-              <a:cs typeface="Arial" panose="020B0604020202020204" pitchFamily="34" charset="0"/>
-            </a:endParaRPr>
           </a:p>
         </p:txBody>
       </p:sp>
@@ -6544,7 +6466,7 @@
           <a:lstStyle/>
           <a:p>
             <a:r>
-              <a:rPr lang="en-US" sz="3200" kern="1200" dirty="0" smtClean="0">
+              <a:rPr lang="en-US" sz="3200" kern="1200" dirty="0">
                 <a:solidFill>
                   <a:schemeClr val="tx1"/>
                 </a:solidFill>
@@ -6559,7 +6481,7 @@
           <a:p>
             <a:pPr lvl="1"/>
             <a:r>
-              <a:rPr lang="en-US" sz="2800" kern="1200" dirty="0" smtClean="0">
+              <a:rPr lang="en-US" sz="2800" kern="1200" dirty="0">
                 <a:solidFill>
                   <a:schemeClr val="tx1"/>
                 </a:solidFill>
@@ -6573,7 +6495,7 @@
           </a:p>
           <a:p>
             <a:r>
-              <a:rPr lang="en-US" sz="3200" kern="1200" dirty="0" smtClean="0">
+              <a:rPr lang="en-US" sz="3200" kern="1200" dirty="0">
                 <a:solidFill>
                   <a:schemeClr val="tx1"/>
                 </a:solidFill>
@@ -6587,7 +6509,7 @@
           </a:p>
           <a:p>
             <a:r>
-              <a:rPr lang="en-US" sz="3200" kern="1200" dirty="0" smtClean="0">
+              <a:rPr lang="en-US" sz="3200" kern="1200" dirty="0">
                 <a:solidFill>
                   <a:schemeClr val="tx1"/>
                 </a:solidFill>
@@ -6599,7 +6521,7 @@
               <a:t>Python is</a:t>
             </a:r>
             <a:r>
-              <a:rPr lang="en-US" sz="3200" kern="1200" baseline="0" dirty="0" smtClean="0">
+              <a:rPr lang="en-US" sz="3200" kern="1200" baseline="0" dirty="0">
                 <a:solidFill>
                   <a:schemeClr val="tx1"/>
                 </a:solidFill>
@@ -6611,7 +6533,7 @@
               <a:t> #1</a:t>
             </a:r>
             <a:r>
-              <a:rPr lang="en-US" sz="3200" kern="1200" dirty="0" smtClean="0">
+              <a:rPr lang="en-US" sz="3200" kern="1200" dirty="0">
                 <a:solidFill>
                   <a:schemeClr val="tx1"/>
                 </a:solidFill>
@@ -6623,7 +6545,7 @@
               <a:t>, prefer</a:t>
             </a:r>
             <a:r>
-              <a:rPr lang="en-US" sz="3200" kern="1200" baseline="0" dirty="0" smtClean="0">
+              <a:rPr lang="en-US" sz="3200" kern="1200" baseline="0" dirty="0">
                 <a:solidFill>
                   <a:schemeClr val="tx1"/>
                 </a:solidFill>
@@ -6635,7 +6557,7 @@
               <a:t> it to </a:t>
             </a:r>
             <a:r>
-              <a:rPr lang="en-US" sz="3200" kern="1200" dirty="0" smtClean="0">
+              <a:rPr lang="en-US" sz="3200" kern="1200" dirty="0">
                 <a:solidFill>
                   <a:schemeClr val="tx1"/>
                 </a:solidFill>
@@ -6647,7 +6569,7 @@
               <a:t>any</a:t>
             </a:r>
             <a:r>
-              <a:rPr lang="en-US" sz="3200" kern="1200" baseline="0" dirty="0" smtClean="0">
+              <a:rPr lang="en-US" sz="3200" kern="1200" baseline="0" dirty="0">
                 <a:solidFill>
                   <a:schemeClr val="tx1"/>
                 </a:solidFill>
@@ -6659,7 +6581,7 @@
               <a:t> of</a:t>
             </a:r>
             <a:r>
-              <a:rPr lang="en-US" sz="3200" kern="1200" dirty="0" smtClean="0">
+              <a:rPr lang="en-US" sz="3200" kern="1200" dirty="0">
                 <a:solidFill>
                   <a:schemeClr val="tx1"/>
                 </a:solidFill>
@@ -6674,7 +6596,7 @@
           <a:p>
             <a:pPr lvl="1"/>
             <a:r>
-              <a:rPr lang="en-US" sz="2800" kern="1200" dirty="0" smtClean="0">
+              <a:rPr lang="en-US" sz="2800" kern="1200" dirty="0">
                 <a:solidFill>
                   <a:schemeClr val="tx1"/>
                 </a:solidFill>
@@ -6686,7 +6608,7 @@
               <a:t>Concise, expressive, astonishing libraries, </a:t>
             </a:r>
             <a:r>
-              <a:rPr lang="en-US" sz="2800" kern="1200" dirty="0" err="1" smtClean="0">
+              <a:rPr lang="en-US" sz="2800" kern="1200" dirty="0" err="1">
                 <a:solidFill>
                   <a:schemeClr val="tx1"/>
                 </a:solidFill>
@@ -6698,7 +6620,7 @@
               <a:t>iPython</a:t>
             </a:r>
             <a:r>
-              <a:rPr lang="en-US" sz="2800" kern="1200" baseline="0" dirty="0" smtClean="0">
+              <a:rPr lang="en-US" sz="2800" kern="1200" baseline="0" dirty="0">
                 <a:solidFill>
                   <a:schemeClr val="tx1"/>
                 </a:solidFill>
@@ -6710,7 +6632,7 @@
               <a:t>/</a:t>
             </a:r>
             <a:r>
-              <a:rPr lang="en-US" sz="2800" kern="1200" baseline="0" dirty="0" err="1" smtClean="0">
+              <a:rPr lang="en-US" sz="2800" kern="1200" baseline="0" dirty="0" err="1">
                 <a:solidFill>
                   <a:schemeClr val="tx1"/>
                 </a:solidFill>
@@ -6722,7 +6644,7 @@
               <a:t>Jupyter</a:t>
             </a:r>
             <a:r>
-              <a:rPr lang="en-US" sz="2800" kern="1200" baseline="0" dirty="0" smtClean="0">
+              <a:rPr lang="en-US" sz="2800" kern="1200" baseline="0" dirty="0">
                 <a:solidFill>
                   <a:schemeClr val="tx1"/>
                 </a:solidFill>
@@ -6733,7 +6655,7 @@
               </a:rPr>
               <a:t>, ...</a:t>
             </a:r>
-            <a:endParaRPr lang="en-US" sz="2800" kern="1200" dirty="0" smtClean="0">
+            <a:endParaRPr lang="en-US" sz="2800" kern="1200" dirty="0">
               <a:solidFill>
                 <a:schemeClr val="tx1"/>
               </a:solidFill>
@@ -6761,10 +6683,9 @@
           <a:lstStyle/>
           <a:p>
             <a:r>
-              <a:rPr lang="en-US" dirty="0" smtClean="0"/>
+              <a:rPr lang="en-US" dirty="0"/>
               <a:t>2021-01-01</a:t>
             </a:r>
-            <a:endParaRPr lang="en-US" dirty="0"/>
           </a:p>
         </p:txBody>
       </p:sp>
@@ -6784,10 +6705,9 @@
           <a:lstStyle/>
           <a:p>
             <a:r>
-              <a:rPr lang="en-US" dirty="0" smtClean="0"/>
+              <a:rPr lang="en-US" dirty="0"/>
               <a:t>RBL - Boston Python</a:t>
             </a:r>
-            <a:endParaRPr lang="en-US" dirty="0"/>
           </a:p>
         </p:txBody>
       </p:sp>
@@ -6824,13 +6744,6 @@
   <p:clrMapOvr>
     <a:masterClrMapping/>
   </p:clrMapOvr>
-  <p:timing>
-    <p:tnLst>
-      <p:par>
-        <p:cTn id="1" dur="indefinite" restart="never" nodeType="tmRoot"/>
-      </p:par>
-    </p:tnLst>
-  </p:timing>
 </p:sld>
 </file>
 
@@ -6867,11 +6780,11 @@
           <a:lstStyle/>
           <a:p>
             <a:r>
-              <a:rPr lang="en-US" dirty="0" smtClean="0"/>
+              <a:rPr lang="en-US" dirty="0"/>
               <a:t>Easy Control</a:t>
             </a:r>
             <a:r>
-              <a:rPr lang="en-US" baseline="0" dirty="0" smtClean="0"/>
+              <a:rPr lang="en-US" baseline="0" dirty="0"/>
               <a:t> of Debug On/Off</a:t>
             </a:r>
             <a:endParaRPr lang="en-US" dirty="0"/>
@@ -6897,7 +6810,7 @@
           <a:p>
             <a:pPr lvl="0"/>
             <a:r>
-              <a:rPr lang="en-US" sz="3200" kern="1200" dirty="0" smtClean="0">
+              <a:rPr lang="en-US" sz="3200" kern="1200" dirty="0">
                 <a:solidFill>
                   <a:schemeClr val="tx1"/>
                 </a:solidFill>
@@ -6909,7 +6822,7 @@
               <a:t>Control with </a:t>
             </a:r>
             <a:r>
-              <a:rPr lang="en-US" sz="3200" b="1" kern="1200" dirty="0" smtClean="0">
+              <a:rPr lang="en-US" sz="3200" b="1" kern="1200" dirty="0">
                 <a:solidFill>
                   <a:schemeClr val="tx1"/>
                 </a:solidFill>
@@ -6924,7 +6837,7 @@
           <a:p>
             <a:pPr lvl="1"/>
             <a:r>
-              <a:rPr lang="en-US" sz="2800" kern="1200" dirty="0" smtClean="0">
+              <a:rPr lang="en-US" sz="2800" kern="1200" dirty="0">
                 <a:solidFill>
                   <a:schemeClr val="tx1"/>
                 </a:solidFill>
@@ -6936,7 +6849,7 @@
               <a:t>Don't want to change the code for debug/</a:t>
             </a:r>
             <a:r>
-              <a:rPr lang="en-US" sz="2800" kern="1200" dirty="0" err="1" smtClean="0">
+              <a:rPr lang="en-US" sz="2800" kern="1200" dirty="0" err="1">
                 <a:solidFill>
                   <a:schemeClr val="tx1"/>
                 </a:solidFill>
@@ -6948,7 +6861,7 @@
               <a:t>nondebug</a:t>
             </a:r>
             <a:r>
-              <a:rPr lang="en-US" sz="2800" kern="1200" dirty="0" smtClean="0">
+              <a:rPr lang="en-US" sz="2800" kern="1200" dirty="0">
                 <a:solidFill>
                   <a:schemeClr val="tx1"/>
                 </a:solidFill>
@@ -6963,7 +6876,7 @@
           <a:p>
             <a:pPr lvl="1"/>
             <a:r>
-              <a:rPr lang="en-US" sz="2800" kern="1200" dirty="0" smtClean="0">
+              <a:rPr lang="en-US" sz="2800" kern="1200" dirty="0">
                 <a:solidFill>
                   <a:schemeClr val="tx1"/>
                 </a:solidFill>
@@ -6978,7 +6891,7 @@
           <a:p>
             <a:pPr lvl="1"/>
             <a:r>
-              <a:rPr lang="en-US" sz="2800" kern="1200" dirty="0" smtClean="0">
+              <a:rPr lang="en-US" sz="2800" kern="1200" dirty="0">
                 <a:solidFill>
                   <a:schemeClr val="tx1"/>
                 </a:solidFill>
@@ -6990,7 +6903,7 @@
               <a:t>When</a:t>
             </a:r>
             <a:r>
-              <a:rPr lang="en-US" sz="2800" kern="1200" baseline="0" dirty="0" smtClean="0">
+              <a:rPr lang="en-US" sz="2800" kern="1200" baseline="0" dirty="0">
                 <a:solidFill>
                   <a:schemeClr val="tx1"/>
                 </a:solidFill>
@@ -7001,7 +6914,7 @@
               </a:rPr>
               <a:t> customer calls with a problem...</a:t>
             </a:r>
-            <a:endParaRPr lang="en-US" sz="2800" kern="1200" dirty="0" smtClean="0">
+            <a:endParaRPr lang="en-US" sz="2800" kern="1200" dirty="0">
               <a:solidFill>
                 <a:schemeClr val="tx1"/>
               </a:solidFill>
@@ -7014,7 +6927,7 @@
           <a:p>
             <a:pPr lvl="0"/>
             <a:r>
-              <a:rPr lang="en-US" sz="3200" kern="1200" dirty="0" err="1" smtClean="0">
+              <a:rPr lang="en-US" sz="3200" kern="1200" dirty="0" err="1">
                 <a:solidFill>
                   <a:schemeClr val="tx1"/>
                 </a:solidFill>
@@ -7026,7 +6939,7 @@
               <a:t>Envir</a:t>
             </a:r>
             <a:r>
-              <a:rPr lang="en-US" sz="3200" kern="1200" dirty="0" smtClean="0">
+              <a:rPr lang="en-US" sz="3200" kern="1200" dirty="0">
                 <a:solidFill>
                   <a:schemeClr val="tx1"/>
                 </a:solidFill>
@@ -7038,7 +6951,7 @@
               <a:t> </a:t>
             </a:r>
             <a:r>
-              <a:rPr lang="en-US" sz="3200" kern="1200" dirty="0" err="1" smtClean="0">
+              <a:rPr lang="en-US" sz="3200" kern="1200" dirty="0" err="1">
                 <a:solidFill>
                   <a:schemeClr val="tx1"/>
                 </a:solidFill>
@@ -7050,7 +6963,7 @@
               <a:t>vars</a:t>
             </a:r>
             <a:r>
-              <a:rPr lang="en-US" sz="3200" kern="1200" dirty="0" smtClean="0">
+              <a:rPr lang="en-US" sz="3200" kern="1200" dirty="0">
                 <a:solidFill>
                   <a:schemeClr val="tx1"/>
                 </a:solidFill>
@@ -7065,7 +6978,7 @@
           <a:p>
             <a:pPr lvl="0"/>
             <a:r>
-              <a:rPr lang="en-US" kern="1200" dirty="0" smtClean="0">
+              <a:rPr lang="en-US" kern="1200" dirty="0">
                 <a:solidFill>
                   <a:schemeClr val="tx1"/>
                 </a:solidFill>
@@ -7077,7 +6990,7 @@
               <a:t>(Restart</a:t>
             </a:r>
             <a:r>
-              <a:rPr lang="en-US" kern="1200" baseline="0" dirty="0" smtClean="0">
+              <a:rPr lang="en-US" kern="1200" baseline="0" dirty="0">
                 <a:solidFill>
                   <a:schemeClr val="tx1"/>
                 </a:solidFill>
@@ -7089,7 +7002,7 @@
               <a:t> process when </a:t>
             </a:r>
             <a:r>
-              <a:rPr lang="en-US" kern="1200" baseline="0" dirty="0" err="1" smtClean="0">
+              <a:rPr lang="en-US" kern="1200" baseline="0" dirty="0" err="1">
                 <a:solidFill>
                   <a:schemeClr val="tx1"/>
                 </a:solidFill>
@@ -7101,7 +7014,7 @@
               <a:t>params</a:t>
             </a:r>
             <a:r>
-              <a:rPr lang="en-US" kern="1200" baseline="0" dirty="0" smtClean="0">
+              <a:rPr lang="en-US" kern="1200" baseline="0" dirty="0">
                 <a:solidFill>
                   <a:schemeClr val="tx1"/>
                 </a:solidFill>
@@ -7112,7 +7025,7 @@
               </a:rPr>
               <a:t> change)</a:t>
             </a:r>
-            <a:endParaRPr lang="en-US" kern="1200" dirty="0" smtClean="0">
+            <a:endParaRPr lang="en-US" kern="1200" dirty="0">
               <a:solidFill>
                 <a:schemeClr val="tx1"/>
               </a:solidFill>
@@ -7124,7 +7037,7 @@
           </a:p>
           <a:p>
             <a:pPr lvl="0"/>
-            <a:endParaRPr lang="en-US" sz="2400" kern="1200" dirty="0" smtClean="0">
+            <a:endParaRPr lang="en-US" sz="2400" kern="1200" dirty="0">
               <a:solidFill>
                 <a:schemeClr val="tx1"/>
               </a:solidFill>
@@ -7137,7 +7050,7 @@
           <a:p>
             <a:pPr lvl="0"/>
             <a:r>
-              <a:rPr lang="en-US" sz="2400" kern="1200" dirty="0" smtClean="0">
+              <a:rPr lang="en-US" sz="2400" kern="1200" dirty="0">
                 <a:solidFill>
                   <a:srgbClr val="00B050"/>
                 </a:solidFill>
@@ -7167,10 +7080,9 @@
           <a:lstStyle/>
           <a:p>
             <a:r>
-              <a:rPr lang="en-US" smtClean="0"/>
+              <a:rPr lang="en-US"/>
               <a:t>2021-01-01</a:t>
             </a:r>
-            <a:endParaRPr lang="en-US"/>
           </a:p>
         </p:txBody>
       </p:sp>
@@ -7190,7 +7102,7 @@
           <a:lstStyle/>
           <a:p>
             <a:r>
-              <a:rPr lang="en-US" smtClean="0"/>
+              <a:rPr lang="en-US"/>
               <a:t>RBL - Boston Python</a:t>
             </a:r>
             <a:endParaRPr lang="en-US" dirty="0"/>
@@ -7266,11 +7178,11 @@
           <a:lstStyle/>
           <a:p>
             <a:r>
-              <a:rPr lang="en-US" dirty="0" smtClean="0"/>
+              <a:rPr lang="en-US" dirty="0"/>
               <a:t>Leave the Debugging</a:t>
             </a:r>
             <a:r>
-              <a:rPr lang="en-US" baseline="0" dirty="0" smtClean="0"/>
+              <a:rPr lang="en-US" baseline="0" dirty="0"/>
               <a:t> Code in</a:t>
             </a:r>
             <a:endParaRPr lang="en-US" dirty="0"/>
@@ -7296,7 +7208,7 @@
           <a:p>
             <a:pPr lvl="0"/>
             <a:r>
-              <a:rPr lang="en-US" sz="3200" kern="1200" dirty="0" smtClean="0">
+              <a:rPr lang="en-US" sz="3200" kern="1200" dirty="0">
                 <a:solidFill>
                   <a:schemeClr val="tx1"/>
                 </a:solidFill>
@@ -7311,7 +7223,7 @@
           <a:p>
             <a:pPr lvl="1"/>
             <a:r>
-              <a:rPr lang="en-US" sz="2800" kern="1200" dirty="0" smtClean="0">
+              <a:rPr lang="en-US" sz="2800" kern="1200" dirty="0">
                 <a:solidFill>
                   <a:schemeClr val="tx1"/>
                 </a:solidFill>
@@ -7326,7 +7238,7 @@
           <a:p>
             <a:pPr lvl="2"/>
             <a:r>
-              <a:rPr lang="en-US" sz="2400" kern="1200" dirty="0" smtClean="0">
+              <a:rPr lang="en-US" sz="2400" kern="1200" dirty="0">
                 <a:solidFill>
                   <a:schemeClr val="tx1"/>
                 </a:solidFill>
@@ -7341,7 +7253,7 @@
           <a:p>
             <a:pPr lvl="0"/>
             <a:r>
-              <a:rPr lang="en-US" sz="3200" kern="1200" dirty="0" smtClean="0">
+              <a:rPr lang="en-US" sz="3200" kern="1200" dirty="0">
                 <a:solidFill>
                   <a:schemeClr val="tx1"/>
                 </a:solidFill>
@@ -7353,7 +7265,7 @@
               <a:t>Us</a:t>
             </a:r>
             <a:r>
-              <a:rPr lang="en-US" sz="3200" kern="1200" baseline="0" dirty="0" smtClean="0">
+              <a:rPr lang="en-US" sz="3200" kern="1200" baseline="0" dirty="0">
                 <a:solidFill>
                   <a:schemeClr val="tx1"/>
                 </a:solidFill>
@@ -7365,7 +7277,7 @@
               <a:t>e </a:t>
             </a:r>
             <a:r>
-              <a:rPr lang="en-US" sz="3200" kern="1200" dirty="0" err="1" smtClean="0">
+              <a:rPr lang="en-US" sz="3200" kern="1200" dirty="0" err="1">
                 <a:solidFill>
                   <a:schemeClr val="tx1"/>
                 </a:solidFill>
@@ -7377,7 +7289,7 @@
               <a:t>env</a:t>
             </a:r>
             <a:r>
-              <a:rPr lang="en-US" sz="3200" kern="1200" dirty="0" smtClean="0">
+              <a:rPr lang="en-US" sz="3200" kern="1200" dirty="0">
                 <a:solidFill>
                   <a:schemeClr val="tx1"/>
                 </a:solidFill>
@@ -7389,7 +7301,7 @@
               <a:t> </a:t>
             </a:r>
             <a:r>
-              <a:rPr lang="en-US" sz="3200" kern="1200" dirty="0" err="1" smtClean="0">
+              <a:rPr lang="en-US" sz="3200" kern="1200" dirty="0" err="1">
                 <a:solidFill>
                   <a:schemeClr val="tx1"/>
                 </a:solidFill>
@@ -7401,7 +7313,7 @@
               <a:t>vars</a:t>
             </a:r>
             <a:r>
-              <a:rPr lang="en-US" sz="3200" kern="1200" dirty="0" smtClean="0">
+              <a:rPr lang="en-US" sz="3200" kern="1200" dirty="0">
                 <a:solidFill>
                   <a:schemeClr val="tx1"/>
                 </a:solidFill>
@@ -7416,7 +7328,7 @@
           <a:p>
             <a:pPr lvl="1"/>
             <a:r>
-              <a:rPr lang="en-US" sz="2800" kern="1200" dirty="0" smtClean="0">
+              <a:rPr lang="en-US" sz="2800" kern="1200" dirty="0">
                 <a:solidFill>
                   <a:schemeClr val="tx1"/>
                 </a:solidFill>
@@ -7431,7 +7343,7 @@
           <a:p>
             <a:pPr lvl="1"/>
             <a:r>
-              <a:rPr lang="en-US" sz="2800" kern="1200" dirty="0" smtClean="0">
+              <a:rPr lang="en-US" sz="2800" kern="1200" dirty="0">
                 <a:solidFill>
                   <a:schemeClr val="tx1"/>
                 </a:solidFill>
@@ -7446,7 +7358,7 @@
           <a:p>
             <a:pPr lvl="1"/>
             <a:r>
-              <a:rPr lang="en-US" sz="2800" kern="1200" dirty="0" smtClean="0">
+              <a:rPr lang="en-US" sz="2800" kern="1200" dirty="0">
                 <a:solidFill>
                   <a:schemeClr val="tx1"/>
                 </a:solidFill>
@@ -7476,10 +7388,9 @@
           <a:lstStyle/>
           <a:p>
             <a:r>
-              <a:rPr lang="en-US" smtClean="0"/>
+              <a:rPr lang="en-US"/>
               <a:t>2021-01-01</a:t>
             </a:r>
-            <a:endParaRPr lang="en-US"/>
           </a:p>
         </p:txBody>
       </p:sp>
@@ -7499,7 +7410,7 @@
           <a:lstStyle/>
           <a:p>
             <a:r>
-              <a:rPr lang="en-US" smtClean="0"/>
+              <a:rPr lang="en-US"/>
               <a:t>RBL - Boston Python</a:t>
             </a:r>
             <a:endParaRPr lang="en-US" dirty="0"/>
@@ -7575,204 +7486,203 @@
           <a:lstStyle/>
           <a:p>
             <a:r>
-              <a:rPr lang="en-US" dirty="0" smtClean="0"/>
+              <a:rPr lang="en-US" dirty="0"/>
               <a:t>Output Where?</a:t>
             </a:r>
+          </a:p>
+        </p:txBody>
+      </p:sp>
+      <p:sp>
+        <p:nvSpPr>
+          <p:cNvPr id="3" name="Content Placeholder 2"/>
+          <p:cNvSpPr>
+            <a:spLocks noGrp="1"/>
+          </p:cNvSpPr>
+          <p:nvPr>
+            <p:ph idx="1"/>
+          </p:nvPr>
+        </p:nvSpPr>
+        <p:spPr/>
+        <p:txBody>
+          <a:bodyPr/>
+          <a:lstStyle/>
+          <a:p>
+            <a:pPr lvl="0"/>
+            <a:r>
+              <a:rPr lang="en-US" sz="3200" kern="1200" dirty="0">
+                <a:solidFill>
+                  <a:schemeClr val="tx1"/>
+                </a:solidFill>
+                <a:effectLst/>
+                <a:latin typeface="+mn-lt"/>
+                <a:ea typeface="+mn-ea"/>
+                <a:cs typeface="+mn-cs"/>
+              </a:rPr>
+              <a:t>Send to </a:t>
+            </a:r>
+            <a:r>
+              <a:rPr lang="en-US" sz="3200" kern="1200" dirty="0" err="1">
+                <a:solidFill>
+                  <a:schemeClr val="tx1"/>
+                </a:solidFill>
+                <a:effectLst/>
+                <a:latin typeface="+mn-lt"/>
+                <a:ea typeface="+mn-ea"/>
+                <a:cs typeface="+mn-cs"/>
+              </a:rPr>
+              <a:t>stdout</a:t>
+            </a:r>
+            <a:r>
+              <a:rPr lang="en-US" sz="3200" kern="1200" dirty="0">
+                <a:solidFill>
+                  <a:schemeClr val="tx1"/>
+                </a:solidFill>
+                <a:effectLst/>
+                <a:latin typeface="+mn-lt"/>
+                <a:ea typeface="+mn-ea"/>
+                <a:cs typeface="+mn-cs"/>
+              </a:rPr>
+              <a:t> if possible</a:t>
+            </a:r>
+          </a:p>
+          <a:p>
+            <a:pPr lvl="1"/>
+            <a:r>
+              <a:rPr lang="en-US" sz="2800" kern="1200" dirty="0">
+                <a:solidFill>
+                  <a:schemeClr val="tx1"/>
+                </a:solidFill>
+                <a:effectLst/>
+                <a:latin typeface="+mn-lt"/>
+                <a:ea typeface="+mn-ea"/>
+                <a:cs typeface="+mn-cs"/>
+              </a:rPr>
+              <a:t>less is more, makes it easy to find </a:t>
+            </a:r>
+          </a:p>
+          <a:p>
+            <a:pPr lvl="1"/>
+            <a:r>
+              <a:rPr lang="en-US" sz="2800" kern="1200" dirty="0">
+                <a:solidFill>
+                  <a:schemeClr val="tx1"/>
+                </a:solidFill>
+                <a:effectLst/>
+                <a:latin typeface="+mn-lt"/>
+                <a:ea typeface="+mn-ea"/>
+                <a:cs typeface="+mn-cs"/>
+              </a:rPr>
+              <a:t>need log file output, too, if </a:t>
+            </a:r>
+            <a:r>
+              <a:rPr lang="en-US" sz="2800" kern="1200" dirty="0" err="1">
+                <a:solidFill>
+                  <a:schemeClr val="tx1"/>
+                </a:solidFill>
+                <a:effectLst/>
+                <a:latin typeface="+mn-lt"/>
+                <a:ea typeface="+mn-ea"/>
+                <a:cs typeface="+mn-cs"/>
+              </a:rPr>
+              <a:t>stdout</a:t>
+            </a:r>
+            <a:r>
+              <a:rPr lang="en-US" sz="2800" kern="1200" dirty="0">
+                <a:solidFill>
+                  <a:schemeClr val="tx1"/>
+                </a:solidFill>
+                <a:effectLst/>
+                <a:latin typeface="+mn-lt"/>
+                <a:ea typeface="+mn-ea"/>
+                <a:cs typeface="+mn-cs"/>
+              </a:rPr>
+              <a:t> not available</a:t>
+            </a:r>
+          </a:p>
+          <a:p>
+            <a:pPr lvl="1"/>
+            <a:r>
+              <a:rPr lang="en-US" sz="2800" kern="1200" dirty="0">
+                <a:solidFill>
+                  <a:schemeClr val="tx1"/>
+                </a:solidFill>
+                <a:effectLst/>
+                <a:latin typeface="+mn-lt"/>
+                <a:ea typeface="+mn-ea"/>
+                <a:cs typeface="+mn-cs"/>
+              </a:rPr>
+              <a:t>and optional html tags for web output</a:t>
+            </a:r>
+          </a:p>
+          <a:p>
+            <a:pPr lvl="1"/>
+            <a:r>
+              <a:rPr lang="en-US" sz="2800" kern="1200" dirty="0">
+                <a:solidFill>
+                  <a:schemeClr val="tx1"/>
+                </a:solidFill>
+                <a:effectLst/>
+                <a:latin typeface="+mn-lt"/>
+                <a:ea typeface="+mn-ea"/>
+                <a:cs typeface="+mn-cs"/>
+              </a:rPr>
+              <a:t>maybe more than one at a time,  </a:t>
+            </a:r>
+            <a:r>
+              <a:rPr lang="en-US" sz="2800" kern="1200" dirty="0" err="1">
+                <a:solidFill>
+                  <a:schemeClr val="tx1"/>
+                </a:solidFill>
+                <a:effectLst/>
+                <a:latin typeface="+mn-lt"/>
+                <a:ea typeface="+mn-ea"/>
+                <a:cs typeface="+mn-cs"/>
+              </a:rPr>
+              <a:t>e.g</a:t>
+            </a:r>
+            <a:r>
+              <a:rPr lang="en-US" sz="2800" kern="1200" dirty="0">
+                <a:solidFill>
+                  <a:schemeClr val="tx1"/>
+                </a:solidFill>
+                <a:effectLst/>
+                <a:latin typeface="+mn-lt"/>
+                <a:ea typeface="+mn-ea"/>
+                <a:cs typeface="+mn-cs"/>
+              </a:rPr>
+              <a:t>,  </a:t>
+            </a:r>
+            <a:r>
+              <a:rPr lang="en-US" sz="2800" kern="1200" dirty="0" err="1">
+                <a:solidFill>
+                  <a:schemeClr val="tx1"/>
+                </a:solidFill>
+                <a:effectLst/>
+                <a:latin typeface="+mn-lt"/>
+                <a:ea typeface="+mn-ea"/>
+                <a:cs typeface="+mn-cs"/>
+              </a:rPr>
+              <a:t>stdout</a:t>
+            </a:r>
+            <a:r>
+              <a:rPr lang="en-US" sz="2800" kern="1200" dirty="0">
+                <a:solidFill>
+                  <a:schemeClr val="tx1"/>
+                </a:solidFill>
+                <a:effectLst/>
+                <a:latin typeface="+mn-lt"/>
+                <a:ea typeface="+mn-ea"/>
+                <a:cs typeface="+mn-cs"/>
+              </a:rPr>
+              <a:t> and file</a:t>
+            </a:r>
+          </a:p>
+          <a:p>
             <a:endParaRPr lang="en-US" dirty="0"/>
           </a:p>
-        </p:txBody>
-      </p:sp>
-      <p:sp>
-        <p:nvSpPr>
-          <p:cNvPr id="3" name="Content Placeholder 2"/>
-          <p:cNvSpPr>
-            <a:spLocks noGrp="1"/>
-          </p:cNvSpPr>
-          <p:nvPr>
-            <p:ph idx="1"/>
-          </p:nvPr>
-        </p:nvSpPr>
-        <p:spPr/>
-        <p:txBody>
-          <a:bodyPr/>
-          <a:lstStyle/>
-          <a:p>
-            <a:pPr lvl="0"/>
-            <a:r>
-              <a:rPr lang="en-US" sz="3200" kern="1200" dirty="0" smtClean="0">
-                <a:solidFill>
-                  <a:schemeClr val="tx1"/>
-                </a:solidFill>
-                <a:effectLst/>
-                <a:latin typeface="+mn-lt"/>
-                <a:ea typeface="+mn-ea"/>
-                <a:cs typeface="+mn-cs"/>
-              </a:rPr>
-              <a:t>Send to </a:t>
-            </a:r>
-            <a:r>
-              <a:rPr lang="en-US" sz="3200" kern="1200" dirty="0" err="1" smtClean="0">
-                <a:solidFill>
-                  <a:schemeClr val="tx1"/>
-                </a:solidFill>
-                <a:effectLst/>
-                <a:latin typeface="+mn-lt"/>
-                <a:ea typeface="+mn-ea"/>
-                <a:cs typeface="+mn-cs"/>
-              </a:rPr>
-              <a:t>stdout</a:t>
-            </a:r>
-            <a:r>
-              <a:rPr lang="en-US" sz="3200" kern="1200" dirty="0" smtClean="0">
-                <a:solidFill>
-                  <a:schemeClr val="tx1"/>
-                </a:solidFill>
-                <a:effectLst/>
-                <a:latin typeface="+mn-lt"/>
-                <a:ea typeface="+mn-ea"/>
-                <a:cs typeface="+mn-cs"/>
-              </a:rPr>
-              <a:t> if possible</a:t>
-            </a:r>
-          </a:p>
-          <a:p>
-            <a:pPr lvl="1"/>
-            <a:r>
-              <a:rPr lang="en-US" sz="2800" kern="1200" dirty="0" smtClean="0">
-                <a:solidFill>
-                  <a:schemeClr val="tx1"/>
-                </a:solidFill>
-                <a:effectLst/>
-                <a:latin typeface="+mn-lt"/>
-                <a:ea typeface="+mn-ea"/>
-                <a:cs typeface="+mn-cs"/>
-              </a:rPr>
-              <a:t>less is more, makes it easy to find </a:t>
-            </a:r>
-          </a:p>
-          <a:p>
-            <a:pPr lvl="1"/>
-            <a:r>
-              <a:rPr lang="en-US" sz="2800" kern="1200" dirty="0" smtClean="0">
-                <a:solidFill>
-                  <a:schemeClr val="tx1"/>
-                </a:solidFill>
-                <a:effectLst/>
-                <a:latin typeface="+mn-lt"/>
-                <a:ea typeface="+mn-ea"/>
-                <a:cs typeface="+mn-cs"/>
-              </a:rPr>
-              <a:t>need log file output, too, if </a:t>
-            </a:r>
-            <a:r>
-              <a:rPr lang="en-US" sz="2800" kern="1200" dirty="0" err="1" smtClean="0">
-                <a:solidFill>
-                  <a:schemeClr val="tx1"/>
-                </a:solidFill>
-                <a:effectLst/>
-                <a:latin typeface="+mn-lt"/>
-                <a:ea typeface="+mn-ea"/>
-                <a:cs typeface="+mn-cs"/>
-              </a:rPr>
-              <a:t>stdout</a:t>
-            </a:r>
-            <a:r>
-              <a:rPr lang="en-US" sz="2800" kern="1200" dirty="0" smtClean="0">
-                <a:solidFill>
-                  <a:schemeClr val="tx1"/>
-                </a:solidFill>
-                <a:effectLst/>
-                <a:latin typeface="+mn-lt"/>
-                <a:ea typeface="+mn-ea"/>
-                <a:cs typeface="+mn-cs"/>
-              </a:rPr>
-              <a:t> not available</a:t>
-            </a:r>
-          </a:p>
-          <a:p>
-            <a:pPr lvl="1"/>
-            <a:r>
-              <a:rPr lang="en-US" sz="2800" kern="1200" dirty="0" smtClean="0">
-                <a:solidFill>
-                  <a:schemeClr val="tx1"/>
-                </a:solidFill>
-                <a:effectLst/>
-                <a:latin typeface="+mn-lt"/>
-                <a:ea typeface="+mn-ea"/>
-                <a:cs typeface="+mn-cs"/>
-              </a:rPr>
-              <a:t>and optional html tags for web output</a:t>
-            </a:r>
-          </a:p>
-          <a:p>
-            <a:pPr lvl="1"/>
-            <a:r>
-              <a:rPr lang="en-US" sz="2800" kern="1200" dirty="0" smtClean="0">
-                <a:solidFill>
-                  <a:schemeClr val="tx1"/>
-                </a:solidFill>
-                <a:effectLst/>
-                <a:latin typeface="+mn-lt"/>
-                <a:ea typeface="+mn-ea"/>
-                <a:cs typeface="+mn-cs"/>
-              </a:rPr>
-              <a:t>maybe more than one at a time,  </a:t>
-            </a:r>
-            <a:r>
-              <a:rPr lang="en-US" sz="2800" kern="1200" dirty="0" err="1" smtClean="0">
-                <a:solidFill>
-                  <a:schemeClr val="tx1"/>
-                </a:solidFill>
-                <a:effectLst/>
-                <a:latin typeface="+mn-lt"/>
-                <a:ea typeface="+mn-ea"/>
-                <a:cs typeface="+mn-cs"/>
-              </a:rPr>
-              <a:t>e.g</a:t>
-            </a:r>
-            <a:r>
-              <a:rPr lang="en-US" sz="2800" kern="1200" dirty="0" smtClean="0">
-                <a:solidFill>
-                  <a:schemeClr val="tx1"/>
-                </a:solidFill>
-                <a:effectLst/>
-                <a:latin typeface="+mn-lt"/>
-                <a:ea typeface="+mn-ea"/>
-                <a:cs typeface="+mn-cs"/>
-              </a:rPr>
-              <a:t>,  </a:t>
-            </a:r>
-            <a:r>
-              <a:rPr lang="en-US" sz="2800" kern="1200" dirty="0" err="1" smtClean="0">
-                <a:solidFill>
-                  <a:schemeClr val="tx1"/>
-                </a:solidFill>
-                <a:effectLst/>
-                <a:latin typeface="+mn-lt"/>
-                <a:ea typeface="+mn-ea"/>
-                <a:cs typeface="+mn-cs"/>
-              </a:rPr>
-              <a:t>stdout</a:t>
-            </a:r>
-            <a:r>
-              <a:rPr lang="en-US" sz="2800" kern="1200" dirty="0" smtClean="0">
-                <a:solidFill>
-                  <a:schemeClr val="tx1"/>
-                </a:solidFill>
-                <a:effectLst/>
-                <a:latin typeface="+mn-lt"/>
-                <a:ea typeface="+mn-ea"/>
-                <a:cs typeface="+mn-cs"/>
-              </a:rPr>
-              <a:t> and file</a:t>
-            </a:r>
-          </a:p>
-          <a:p>
-            <a:endParaRPr lang="en-US" dirty="0" smtClean="0"/>
-          </a:p>
-          <a:p>
-            <a:r>
-              <a:rPr lang="en-US" sz="2400" dirty="0" smtClean="0">
+          <a:p>
+            <a:r>
+              <a:rPr lang="en-US" sz="2400" dirty="0">
                 <a:solidFill>
                   <a:srgbClr val="00B050"/>
                 </a:solidFill>
@@ -7798,10 +7708,9 @@
           <a:lstStyle/>
           <a:p>
             <a:r>
-              <a:rPr lang="en-US" smtClean="0"/>
+              <a:rPr lang="en-US"/>
               <a:t>2021-01-01</a:t>
             </a:r>
-            <a:endParaRPr lang="en-US"/>
           </a:p>
         </p:txBody>
       </p:sp>
@@ -7821,7 +7730,7 @@
           <a:lstStyle/>
           <a:p>
             <a:r>
-              <a:rPr lang="en-US" smtClean="0"/>
+              <a:rPr lang="en-US"/>
               <a:t>RBL - Boston Python</a:t>
             </a:r>
             <a:endParaRPr lang="en-US" dirty="0"/>
@@ -7897,11 +7806,11 @@
           <a:lstStyle/>
           <a:p>
             <a:r>
-              <a:rPr lang="en-US" dirty="0" smtClean="0"/>
+              <a:rPr lang="en-US" dirty="0"/>
               <a:t>Identify Data, Not</a:t>
             </a:r>
             <a:r>
-              <a:rPr lang="en-US" baseline="0" dirty="0" smtClean="0"/>
+              <a:rPr lang="en-US" baseline="0" dirty="0"/>
               <a:t> Just Location</a:t>
             </a:r>
             <a:endParaRPr lang="en-US" dirty="0"/>
@@ -7924,22 +7833,22 @@
           <a:lstStyle/>
           <a:p>
             <a:r>
-              <a:rPr lang="en-US" dirty="0" smtClean="0"/>
+              <a:rPr lang="en-US" dirty="0"/>
               <a:t>All class instances look alike</a:t>
             </a:r>
           </a:p>
           <a:p>
             <a:r>
-              <a:rPr lang="en-US" dirty="0" smtClean="0"/>
+              <a:rPr lang="en-US" dirty="0"/>
               <a:t>Identifying instances by address or id?  Not useful to humans</a:t>
             </a:r>
           </a:p>
           <a:p>
-            <a:endParaRPr lang="en-US" dirty="0" smtClean="0"/>
-          </a:p>
-          <a:p>
-            <a:r>
-              <a:rPr lang="en-US" sz="2400" dirty="0" smtClean="0">
+            <a:endParaRPr lang="en-US" dirty="0"/>
+          </a:p>
+          <a:p>
+            <a:r>
+              <a:rPr lang="en-US" sz="2400" dirty="0">
                 <a:solidFill>
                   <a:srgbClr val="00B050"/>
                 </a:solidFill>
@@ -7947,7 +7856,7 @@
               <a:t>&lt;code: instance</a:t>
             </a:r>
             <a:r>
-              <a:rPr lang="en-US" sz="2400" baseline="0" dirty="0" smtClean="0">
+              <a:rPr lang="en-US" sz="2400" baseline="0" dirty="0">
                 <a:solidFill>
                   <a:srgbClr val="00B050"/>
                 </a:solidFill>
@@ -7978,10 +7887,9 @@
           <a:lstStyle/>
           <a:p>
             <a:r>
-              <a:rPr lang="en-US" smtClean="0"/>
+              <a:rPr lang="en-US"/>
               <a:t>2021-01-01</a:t>
             </a:r>
-            <a:endParaRPr lang="en-US"/>
           </a:p>
         </p:txBody>
       </p:sp>
@@ -8001,7 +7909,7 @@
           <a:lstStyle/>
           <a:p>
             <a:r>
-              <a:rPr lang="en-US" smtClean="0"/>
+              <a:rPr lang="en-US"/>
               <a:t>RBL - Boston Python</a:t>
             </a:r>
             <a:endParaRPr lang="en-US" dirty="0"/>
@@ -8077,10 +7985,9 @@
           <a:lstStyle/>
           <a:p>
             <a:r>
-              <a:rPr lang="en-US" dirty="0" smtClean="0"/>
+              <a:rPr lang="en-US" dirty="0"/>
               <a:t>Map IDs to Instances</a:t>
             </a:r>
-            <a:endParaRPr lang="en-US" dirty="0"/>
           </a:p>
         </p:txBody>
       </p:sp>
@@ -8101,7 +8008,7 @@
           <a:p>
             <a:pPr lvl="0"/>
             <a:r>
-              <a:rPr lang="en-US" sz="3200" kern="1200" dirty="0" smtClean="0">
+              <a:rPr lang="en-US" sz="3200" kern="1200" dirty="0">
                 <a:solidFill>
                   <a:schemeClr val="tx1"/>
                 </a:solidFill>
@@ -8116,7 +8023,7 @@
           <a:p>
             <a:pPr lvl="0"/>
             <a:r>
-              <a:rPr lang="en-US" sz="3200" kern="1200" dirty="0" smtClean="0">
+              <a:rPr lang="en-US" sz="3200" kern="1200" dirty="0">
                 <a:solidFill>
                   <a:schemeClr val="tx1"/>
                 </a:solidFill>
@@ -8128,7 +8035,7 @@
               <a:t>Always pass ID strings, rather than</a:t>
             </a:r>
             <a:r>
-              <a:rPr lang="en-US" sz="3200" kern="1200" baseline="0" dirty="0" smtClean="0">
+              <a:rPr lang="en-US" sz="3200" kern="1200" baseline="0" dirty="0">
                 <a:solidFill>
                   <a:schemeClr val="tx1"/>
                 </a:solidFill>
@@ -8139,7 +8046,7 @@
               </a:rPr>
               <a:t> instances (addresses), in argument lists</a:t>
             </a:r>
-            <a:endParaRPr lang="en-US" sz="3200" kern="1200" dirty="0" smtClean="0">
+            <a:endParaRPr lang="en-US" sz="3200" kern="1200" dirty="0">
               <a:solidFill>
                 <a:schemeClr val="tx1"/>
               </a:solidFill>
@@ -8152,7 +8059,7 @@
           <a:p>
             <a:pPr lvl="0"/>
             <a:r>
-              <a:rPr lang="en-US" sz="3200" kern="1200" dirty="0" smtClean="0">
+              <a:rPr lang="en-US" sz="3200" kern="1200" dirty="0">
                 <a:solidFill>
                   <a:schemeClr val="tx1"/>
                 </a:solidFill>
@@ -8164,7 +8071,7 @@
               <a:t>Use dictionaries to map from (class and) ID-string</a:t>
             </a:r>
             <a:r>
-              <a:rPr lang="en-US" sz="3200" kern="1200" baseline="0" dirty="0" smtClean="0">
+              <a:rPr lang="en-US" sz="3200" kern="1200" baseline="0" dirty="0">
                 <a:solidFill>
                   <a:schemeClr val="tx1"/>
                 </a:solidFill>
@@ -8176,7 +8083,7 @@
               <a:t> </a:t>
             </a:r>
             <a:r>
-              <a:rPr lang="en-US" sz="3200" kern="1200" dirty="0" smtClean="0">
+              <a:rPr lang="en-US" sz="3200" kern="1200" dirty="0">
                 <a:solidFill>
                   <a:schemeClr val="tx1"/>
                 </a:solidFill>
@@ -8191,7 +8098,7 @@
           <a:p>
             <a:pPr lvl="1"/>
             <a:r>
-              <a:rPr lang="en-US" sz="2800" kern="1200" dirty="0" smtClean="0">
+              <a:rPr lang="en-US" sz="2800" kern="1200" dirty="0">
                 <a:solidFill>
                   <a:schemeClr val="tx1"/>
                 </a:solidFill>
@@ -8206,7 +8113,7 @@
           <a:p>
             <a:pPr lvl="1"/>
             <a:r>
-              <a:rPr lang="en-US" sz="2800" kern="1200" dirty="0" smtClean="0">
+              <a:rPr lang="en-US" sz="2800" kern="1200" dirty="0">
                 <a:solidFill>
                   <a:schemeClr val="tx1"/>
                 </a:solidFill>
@@ -8218,7 +8125,7 @@
               <a:t>Admittedly very different model from typical web application or </a:t>
             </a:r>
             <a:r>
-              <a:rPr lang="en-US" sz="2800" kern="1200" dirty="0" err="1" smtClean="0">
+              <a:rPr lang="en-US" sz="2800" kern="1200" dirty="0" err="1">
                 <a:solidFill>
                   <a:schemeClr val="tx1"/>
                 </a:solidFill>
@@ -8230,7 +8137,7 @@
               <a:t>microservice</a:t>
             </a:r>
             <a:r>
-              <a:rPr lang="en-US" sz="2800" kern="1200" dirty="0" smtClean="0">
+              <a:rPr lang="en-US" sz="2800" kern="1200" dirty="0">
                 <a:solidFill>
                   <a:schemeClr val="tx1"/>
                 </a:solidFill>
@@ -8260,10 +8167,9 @@
           <a:lstStyle/>
           <a:p>
             <a:r>
-              <a:rPr lang="en-US" smtClean="0"/>
+              <a:rPr lang="en-US"/>
               <a:t>2021-01-01</a:t>
             </a:r>
-            <a:endParaRPr lang="en-US"/>
           </a:p>
         </p:txBody>
       </p:sp>
@@ -8283,7 +8189,7 @@
           <a:lstStyle/>
           <a:p>
             <a:r>
-              <a:rPr lang="en-US" smtClean="0"/>
+              <a:rPr lang="en-US"/>
               <a:t>RBL - Boston Python</a:t>
             </a:r>
             <a:endParaRPr lang="en-US" dirty="0"/>
@@ -8359,10 +8265,9 @@
           <a:lstStyle/>
           <a:p>
             <a:r>
-              <a:rPr lang="en-US" dirty="0" smtClean="0"/>
+              <a:rPr lang="en-US" dirty="0"/>
               <a:t>Low Performance Impact</a:t>
             </a:r>
-            <a:endParaRPr lang="en-US" dirty="0"/>
           </a:p>
         </p:txBody>
       </p:sp>
@@ -8383,7 +8288,7 @@
           <a:p>
             <a:pPr lvl="0"/>
             <a:r>
-              <a:rPr lang="en-US" sz="3200" kern="1200" dirty="0" smtClean="0">
+              <a:rPr lang="en-US" sz="3200" kern="1200" dirty="0">
                 <a:solidFill>
                   <a:schemeClr val="tx1"/>
                 </a:solidFill>
@@ -8398,7 +8303,7 @@
           <a:p>
             <a:pPr lvl="1"/>
             <a:r>
-              <a:rPr lang="en-US" sz="2800" kern="1200" dirty="0" smtClean="0">
+              <a:rPr lang="en-US" sz="2800" kern="1200" dirty="0">
                 <a:solidFill>
                   <a:schemeClr val="tx1"/>
                 </a:solidFill>
@@ -8410,7 +8315,7 @@
               <a:t>Environ </a:t>
             </a:r>
             <a:r>
-              <a:rPr lang="en-US" sz="2800" kern="1200" dirty="0" err="1" smtClean="0">
+              <a:rPr lang="en-US" sz="2800" kern="1200" dirty="0" err="1">
                 <a:solidFill>
                   <a:schemeClr val="tx1"/>
                 </a:solidFill>
@@ -8422,38 +8327,26 @@
               <a:t>var</a:t>
             </a:r>
             <a:r>
-              <a:rPr lang="en-US" sz="2800" kern="1200" dirty="0" smtClean="0">
-                <a:solidFill>
-                  <a:schemeClr val="tx1"/>
-                </a:solidFill>
-                <a:effectLst/>
-                <a:latin typeface="+mn-lt"/>
-                <a:ea typeface="+mn-ea"/>
-                <a:cs typeface="+mn-cs"/>
-              </a:rPr>
-              <a:t> eliminates </a:t>
-            </a:r>
-            <a:r>
-              <a:rPr lang="en-US" sz="2800" kern="1200" dirty="0" smtClean="0">
-                <a:solidFill>
-                  <a:schemeClr val="tx1"/>
-                </a:solidFill>
-                <a:effectLst/>
-                <a:latin typeface="+mn-lt"/>
-                <a:ea typeface="+mn-ea"/>
-                <a:cs typeface="+mn-cs"/>
-              </a:rPr>
-              <a:t>almost all </a:t>
-            </a:r>
-            <a:r>
-              <a:rPr lang="en-US" dirty="0" smtClean="0"/>
+              <a:rPr lang="en-US" sz="2800" kern="1200" dirty="0">
+                <a:solidFill>
+                  <a:schemeClr val="tx1"/>
+                </a:solidFill>
+                <a:effectLst/>
+                <a:latin typeface="+mn-lt"/>
+                <a:ea typeface="+mn-ea"/>
+                <a:cs typeface="+mn-cs"/>
+              </a:rPr>
+              <a:t> eliminates almost all </a:t>
+            </a:r>
+            <a:r>
+              <a:rPr lang="en-US" dirty="0"/>
               <a:t>code</a:t>
             </a:r>
           </a:p>
           <a:p>
             <a:pPr lvl="2"/>
             <a:r>
-              <a:rPr lang="en-US" sz="2400" kern="1200" dirty="0" smtClean="0">
+              <a:rPr lang="en-US" sz="2400" kern="1200" dirty="0">
                 <a:solidFill>
                   <a:schemeClr val="tx1"/>
                 </a:solidFill>
@@ -8468,18 +8361,18 @@
           <a:p>
             <a:pPr lvl="2"/>
             <a:r>
-              <a:rPr lang="en-US" dirty="0" smtClean="0"/>
+              <a:rPr lang="en-US" dirty="0"/>
               <a:t>Almost-null direct </a:t>
             </a:r>
             <a:r>
-              <a:rPr lang="en-US" dirty="0" err="1" smtClean="0"/>
+              <a:rPr lang="en-US" dirty="0" err="1"/>
               <a:t>ntrace</a:t>
             </a:r>
             <a:r>
-              <a:rPr lang="en-US" dirty="0" smtClean="0"/>
+              <a:rPr lang="en-US" dirty="0"/>
               <a:t> calls</a:t>
             </a:r>
-            <a:endParaRPr lang="en-US" sz="2400" kern="1200" dirty="0" smtClean="0">
+            <a:endParaRPr lang="en-US" sz="2400" kern="1200" dirty="0">
               <a:solidFill>
                 <a:schemeClr val="tx1"/>
               </a:solidFill>
@@ -8492,7 +8385,7 @@
           <a:p>
             <a:pPr lvl="1"/>
             <a:r>
-              <a:rPr lang="en-US" sz="2800" kern="1200" dirty="0" smtClean="0">
+              <a:rPr lang="en-US" sz="2800" kern="1200" dirty="0">
                 <a:solidFill>
                   <a:schemeClr val="tx1"/>
                 </a:solidFill>
@@ -8504,7 +8397,7 @@
               <a:t>Recompile</a:t>
             </a:r>
             <a:r>
-              <a:rPr lang="en-US" sz="2800" kern="1200" baseline="0" dirty="0" smtClean="0">
+              <a:rPr lang="en-US" sz="2800" kern="1200" baseline="0" dirty="0">
                 <a:solidFill>
                   <a:schemeClr val="tx1"/>
                 </a:solidFill>
@@ -8519,7 +8412,7 @@
           </a:p>
           <a:p>
             <a:pPr lvl="1"/>
-            <a:endParaRPr lang="en-US" sz="2800" kern="1200" baseline="0" dirty="0" smtClean="0">
+            <a:endParaRPr lang="en-US" sz="2800" kern="1200" baseline="0" dirty="0">
               <a:solidFill>
                 <a:schemeClr val="tx1"/>
               </a:solidFill>
@@ -8534,14 +8427,14 @@
           </a:p>
           <a:p>
             <a:r>
-              <a:rPr lang="en-US" sz="2400" dirty="0" smtClean="0">
+              <a:rPr lang="en-US" sz="2400" dirty="0">
                 <a:solidFill>
                   <a:srgbClr val="00B050"/>
                 </a:solidFill>
               </a:rPr>
               <a:t>&lt;code: if production mode&gt;</a:t>
             </a:r>
-            <a:endParaRPr lang="en-US" sz="2400" kern="1200" baseline="0" dirty="0" smtClean="0">
+            <a:endParaRPr lang="en-US" sz="2400" kern="1200" baseline="0" dirty="0">
               <a:solidFill>
                 <a:srgbClr val="00B050"/>
               </a:solidFill>
@@ -8566,10 +8459,9 @@
           <a:lstStyle/>
           <a:p>
             <a:r>
-              <a:rPr lang="en-US" smtClean="0"/>
+              <a:rPr lang="en-US"/>
               <a:t>2021-01-01</a:t>
             </a:r>
-            <a:endParaRPr lang="en-US"/>
           </a:p>
         </p:txBody>
       </p:sp>
@@ -8589,7 +8481,7 @@
           <a:lstStyle/>
           <a:p>
             <a:r>
-              <a:rPr lang="en-US" smtClean="0"/>
+              <a:rPr lang="en-US"/>
               <a:t>RBL - Boston Python</a:t>
             </a:r>
             <a:endParaRPr lang="en-US" dirty="0"/>
@@ -8665,10 +8557,9 @@
           <a:lstStyle/>
           <a:p>
             <a:r>
-              <a:rPr lang="en-US" dirty="0" smtClean="0"/>
+              <a:rPr lang="en-US" dirty="0"/>
               <a:t>The Package</a:t>
             </a:r>
-            <a:endParaRPr lang="en-US" dirty="0"/>
           </a:p>
         </p:txBody>
       </p:sp>
@@ -8688,63 +8579,63 @@
           <a:lstStyle/>
           <a:p>
             <a:r>
-              <a:rPr lang="en-US" dirty="0" smtClean="0"/>
+              <a:rPr lang="en-US" dirty="0"/>
               <a:t>One</a:t>
             </a:r>
             <a:r>
-              <a:rPr lang="en-US" baseline="0" dirty="0" smtClean="0"/>
+              <a:rPr lang="en-US" baseline="0" dirty="0"/>
               <a:t> class</a:t>
             </a:r>
           </a:p>
           <a:p>
             <a:pPr lvl="1"/>
             <a:r>
-              <a:rPr lang="en-US" dirty="0" smtClean="0"/>
+              <a:rPr lang="en-US" dirty="0"/>
               <a:t>Functions to write</a:t>
             </a:r>
             <a:r>
-              <a:rPr lang="en-US" baseline="0" dirty="0" smtClean="0"/>
+              <a:rPr lang="en-US" baseline="0" dirty="0"/>
               <a:t> traces</a:t>
             </a:r>
           </a:p>
           <a:p>
             <a:pPr lvl="0"/>
             <a:r>
-              <a:rPr lang="en-US" baseline="0" dirty="0" smtClean="0"/>
+              <a:rPr lang="en-US" baseline="0" dirty="0"/>
               <a:t>Decorators that use the functions</a:t>
             </a:r>
           </a:p>
           <a:p>
             <a:pPr lvl="0"/>
             <a:r>
-              <a:rPr lang="en-US" baseline="0" dirty="0" smtClean="0"/>
+              <a:rPr lang="en-US" baseline="0" dirty="0"/>
               <a:t>Singleton instance of the class</a:t>
             </a:r>
           </a:p>
           <a:p>
             <a:pPr lvl="1"/>
             <a:r>
-              <a:rPr lang="en-US" dirty="0" smtClean="0"/>
+              <a:rPr lang="en-US" dirty="0"/>
               <a:t>Read run </a:t>
             </a:r>
             <a:r>
-              <a:rPr lang="en-US" dirty="0" err="1" smtClean="0"/>
+              <a:rPr lang="en-US" dirty="0" err="1"/>
               <a:t>params</a:t>
             </a:r>
             <a:r>
-              <a:rPr lang="en-US" dirty="0" smtClean="0"/>
+              <a:rPr lang="en-US" dirty="0"/>
               <a:t> only once, at startup</a:t>
             </a:r>
-            <a:endParaRPr lang="en-US" baseline="0" dirty="0" smtClean="0"/>
+            <a:endParaRPr lang="en-US" baseline="0" dirty="0"/>
           </a:p>
           <a:p>
             <a:pPr lvl="0"/>
-            <a:endParaRPr lang="en-US" baseline="0" dirty="0" smtClean="0"/>
+            <a:endParaRPr lang="en-US" baseline="0" dirty="0"/>
           </a:p>
           <a:p>
             <a:pPr lvl="0"/>
             <a:r>
-              <a:rPr lang="en-US" sz="2400" baseline="0" dirty="0" smtClean="0">
+              <a:rPr lang="en-US" sz="2400" baseline="0" dirty="0">
                 <a:solidFill>
                   <a:srgbClr val="00B050"/>
                 </a:solidFill>
@@ -8755,7 +8646,7 @@
           <a:p>
             <a:pPr lvl="0"/>
             <a:r>
-              <a:rPr lang="en-US" sz="2400" baseline="0" dirty="0" smtClean="0">
+              <a:rPr lang="en-US" sz="2400" baseline="0" dirty="0">
                 <a:solidFill>
                   <a:srgbClr val="00B050"/>
                 </a:solidFill>
@@ -8781,10 +8672,9 @@
           <a:lstStyle/>
           <a:p>
             <a:r>
-              <a:rPr lang="en-US" smtClean="0"/>
+              <a:rPr lang="en-US"/>
               <a:t>2021-01-01</a:t>
             </a:r>
-            <a:endParaRPr lang="en-US"/>
           </a:p>
         </p:txBody>
       </p:sp>
@@ -8804,7 +8694,7 @@
           <a:lstStyle/>
           <a:p>
             <a:r>
-              <a:rPr lang="en-US" smtClean="0"/>
+              <a:rPr lang="en-US"/>
               <a:t>RBL - Boston Python</a:t>
             </a:r>
             <a:endParaRPr lang="en-US" dirty="0"/>
@@ -8880,71 +8770,70 @@
           <a:lstStyle/>
           <a:p>
             <a:r>
-              <a:rPr lang="en-US" dirty="0" smtClean="0"/>
+              <a:rPr lang="en-US" dirty="0"/>
               <a:t>Why Singleton?</a:t>
             </a:r>
+          </a:p>
+        </p:txBody>
+      </p:sp>
+      <p:sp>
+        <p:nvSpPr>
+          <p:cNvPr id="3" name="Content Placeholder 2"/>
+          <p:cNvSpPr>
+            <a:spLocks noGrp="1"/>
+          </p:cNvSpPr>
+          <p:nvPr>
+            <p:ph idx="1"/>
+          </p:nvPr>
+        </p:nvSpPr>
+        <p:spPr/>
+        <p:txBody>
+          <a:bodyPr/>
+          <a:lstStyle/>
+          <a:p>
+            <a:r>
+              <a:rPr lang="en-US" dirty="0"/>
+              <a:t>Efficiency</a:t>
+            </a:r>
+          </a:p>
+          <a:p>
+            <a:pPr lvl="1"/>
+            <a:r>
+              <a:rPr lang="en-US" dirty="0"/>
+              <a:t>Evaluate conditional code at compile time</a:t>
+            </a:r>
+          </a:p>
+          <a:p>
+            <a:pPr lvl="1"/>
+            <a:r>
+              <a:rPr lang="en-US" dirty="0"/>
+              <a:t>Assess requirements</a:t>
+            </a:r>
+            <a:r>
+              <a:rPr lang="en-US" baseline="0" dirty="0"/>
+              <a:t> </a:t>
+            </a:r>
+            <a:r>
+              <a:rPr lang="en-US" dirty="0"/>
+              <a:t>at startup</a:t>
+            </a:r>
+          </a:p>
+          <a:p>
+            <a:pPr lvl="2"/>
+            <a:r>
+              <a:rPr lang="en-US" dirty="0"/>
+              <a:t>Read environment</a:t>
+            </a:r>
+            <a:r>
+              <a:rPr lang="en-US" baseline="0" dirty="0"/>
+              <a:t> variables once</a:t>
+            </a:r>
             <a:endParaRPr lang="en-US" dirty="0"/>
           </a:p>
         </p:txBody>
       </p:sp>
       <p:sp>
         <p:nvSpPr>
-          <p:cNvPr id="3" name="Content Placeholder 2"/>
-          <p:cNvSpPr>
-            <a:spLocks noGrp="1"/>
-          </p:cNvSpPr>
-          <p:nvPr>
-            <p:ph idx="1"/>
-          </p:nvPr>
-        </p:nvSpPr>
-        <p:spPr/>
-        <p:txBody>
-          <a:bodyPr/>
-          <a:lstStyle/>
-          <a:p>
-            <a:r>
-              <a:rPr lang="en-US" dirty="0" smtClean="0"/>
-              <a:t>Efficiency</a:t>
-            </a:r>
-          </a:p>
-          <a:p>
-            <a:pPr lvl="1"/>
-            <a:r>
-              <a:rPr lang="en-US" dirty="0" smtClean="0"/>
-              <a:t>Evaluate conditional code at compile time</a:t>
-            </a:r>
-          </a:p>
-          <a:p>
-            <a:pPr lvl="1"/>
-            <a:r>
-              <a:rPr lang="en-US" dirty="0" smtClean="0"/>
-              <a:t>Assess requirements</a:t>
-            </a:r>
-            <a:r>
-              <a:rPr lang="en-US" baseline="0" dirty="0" smtClean="0"/>
-              <a:t> </a:t>
-            </a:r>
-            <a:r>
-              <a:rPr lang="en-US" dirty="0" smtClean="0"/>
-              <a:t>at startup</a:t>
-            </a:r>
-          </a:p>
-          <a:p>
-            <a:pPr lvl="2"/>
-            <a:r>
-              <a:rPr lang="en-US" dirty="0" smtClean="0"/>
-              <a:t>Read environment</a:t>
-            </a:r>
-            <a:r>
-              <a:rPr lang="en-US" baseline="0" dirty="0" smtClean="0"/>
-              <a:t> variables once</a:t>
-            </a:r>
-            <a:endParaRPr lang="en-US" dirty="0"/>
-          </a:p>
-        </p:txBody>
-      </p:sp>
-      <p:sp>
-        <p:nvSpPr>
           <p:cNvPr id="4" name="Date Placeholder 3"/>
           <p:cNvSpPr>
             <a:spLocks noGrp="1"/>
@@ -8959,10 +8848,9 @@
           <a:lstStyle/>
           <a:p>
             <a:r>
-              <a:rPr lang="en-US" smtClean="0"/>
+              <a:rPr lang="en-US"/>
               <a:t>2021-01-01</a:t>
             </a:r>
-            <a:endParaRPr lang="en-US"/>
           </a:p>
         </p:txBody>
       </p:sp>
@@ -8982,7 +8870,7 @@
           <a:lstStyle/>
           <a:p>
             <a:r>
-              <a:rPr lang="en-US" smtClean="0"/>
+              <a:rPr lang="en-US"/>
               <a:t>RBL - Boston Python</a:t>
             </a:r>
             <a:endParaRPr lang="en-US" dirty="0"/>
@@ -9058,102 +8946,95 @@
           <a:lstStyle/>
           <a:p>
             <a:r>
-              <a:rPr lang="en-US" dirty="0" smtClean="0"/>
+              <a:rPr lang="en-US" dirty="0"/>
               <a:t>Trace Functions</a:t>
             </a:r>
+          </a:p>
+        </p:txBody>
+      </p:sp>
+      <p:sp>
+        <p:nvSpPr>
+          <p:cNvPr id="3" name="Content Placeholder 2"/>
+          <p:cNvSpPr>
+            <a:spLocks noGrp="1"/>
+          </p:cNvSpPr>
+          <p:nvPr>
+            <p:ph idx="1"/>
+          </p:nvPr>
+        </p:nvSpPr>
+        <p:spPr/>
+        <p:txBody>
+          <a:bodyPr/>
+          <a:lstStyle/>
+          <a:p>
+            <a:r>
+              <a:rPr lang="en-US" dirty="0" err="1"/>
+              <a:t>ntrace</a:t>
+            </a:r>
+            <a:r>
+              <a:rPr lang="en-US" dirty="0"/>
+              <a:t>(priority,</a:t>
+            </a:r>
+            <a:r>
+              <a:rPr lang="en-US" baseline="0" dirty="0"/>
+              <a:t> </a:t>
+            </a:r>
+            <a:r>
+              <a:rPr lang="en-US" baseline="0" dirty="0" err="1"/>
+              <a:t>outputline</a:t>
+            </a:r>
+            <a:r>
+              <a:rPr lang="en-US" dirty="0"/>
+              <a:t>)</a:t>
+            </a:r>
+          </a:p>
+          <a:p>
+            <a:r>
+              <a:rPr lang="en-US" baseline="0" dirty="0" err="1"/>
+              <a:t>ntracef</a:t>
+            </a:r>
+            <a:r>
+              <a:rPr lang="en-US" baseline="0" dirty="0"/>
+              <a:t>(priority, </a:t>
+            </a:r>
+            <a:r>
+              <a:rPr lang="en-US" baseline="0" dirty="0" err="1"/>
+              <a:t>facilityname</a:t>
+            </a:r>
+            <a:r>
+              <a:rPr lang="en-US" baseline="0" dirty="0"/>
+              <a:t>, </a:t>
+            </a:r>
+            <a:r>
+              <a:rPr lang="en-US" baseline="0" dirty="0" err="1"/>
+              <a:t>outputline</a:t>
+            </a:r>
+            <a:r>
+              <a:rPr lang="en-US" baseline="0" dirty="0"/>
+              <a:t>)</a:t>
+            </a:r>
+          </a:p>
+          <a:p>
             <a:endParaRPr lang="en-US" dirty="0"/>
           </a:p>
-        </p:txBody>
-      </p:sp>
-      <p:sp>
-        <p:nvSpPr>
-          <p:cNvPr id="3" name="Content Placeholder 2"/>
-          <p:cNvSpPr>
-            <a:spLocks noGrp="1"/>
-          </p:cNvSpPr>
-          <p:nvPr>
-            <p:ph idx="1"/>
-          </p:nvPr>
-        </p:nvSpPr>
-        <p:spPr/>
-        <p:txBody>
-          <a:bodyPr/>
-          <a:lstStyle/>
-          <a:p>
-            <a:r>
-              <a:rPr lang="en-US" dirty="0" err="1" smtClean="0"/>
-              <a:t>ntrace</a:t>
-            </a:r>
-            <a:r>
-              <a:rPr lang="en-US" dirty="0" smtClean="0"/>
-              <a:t>(priority,</a:t>
-            </a:r>
-            <a:r>
-              <a:rPr lang="en-US" baseline="0" dirty="0" smtClean="0"/>
-              <a:t> </a:t>
-            </a:r>
-            <a:r>
-              <a:rPr lang="en-US" baseline="0" dirty="0" err="1" smtClean="0"/>
-              <a:t>outputline</a:t>
-            </a:r>
-            <a:r>
-              <a:rPr lang="en-US" dirty="0" smtClean="0"/>
-              <a:t>)</a:t>
-            </a:r>
-          </a:p>
-          <a:p>
-            <a:r>
-              <a:rPr lang="en-US" baseline="0" dirty="0" err="1" smtClean="0"/>
-              <a:t>ntracef</a:t>
-            </a:r>
-            <a:r>
-              <a:rPr lang="en-US" baseline="0" dirty="0" smtClean="0"/>
-              <a:t>(priority, </a:t>
-            </a:r>
-            <a:r>
-              <a:rPr lang="en-US" baseline="0" dirty="0" err="1" smtClean="0"/>
-              <a:t>facilityname</a:t>
-            </a:r>
-            <a:r>
-              <a:rPr lang="en-US" baseline="0" dirty="0" smtClean="0"/>
-              <a:t>, </a:t>
-            </a:r>
-            <a:r>
-              <a:rPr lang="en-US" baseline="0" dirty="0" err="1" smtClean="0"/>
-              <a:t>outputline</a:t>
-            </a:r>
-            <a:r>
-              <a:rPr lang="en-US" baseline="0" dirty="0" smtClean="0"/>
-              <a:t>)</a:t>
-            </a:r>
-          </a:p>
-          <a:p>
-            <a:endParaRPr lang="en-US" dirty="0" smtClean="0"/>
-          </a:p>
-          <a:p>
-            <a:r>
-              <a:rPr lang="en-US" dirty="0" smtClean="0"/>
+          <a:p>
+            <a:r>
+              <a:rPr lang="en-US" dirty="0"/>
               <a:t>Instance of class to access these functions</a:t>
             </a:r>
+          </a:p>
+          <a:p>
             <a:endParaRPr lang="en-US" dirty="0"/>
           </a:p>
           <a:p>
-            <a:endParaRPr lang="en-US" dirty="0" smtClean="0"/>
-          </a:p>
-          <a:p>
-            <a:r>
-              <a:rPr lang="en-US" sz="2400" dirty="0" smtClean="0">
+            <a:r>
+              <a:rPr lang="en-US" sz="2400" dirty="0">
                 <a:solidFill>
                   <a:srgbClr val="00B050"/>
                 </a:solidFill>
               </a:rPr>
               <a:t>&lt;code: NTRC examples&gt;</a:t>
             </a:r>
-            <a:endParaRPr lang="en-US" sz="2400" dirty="0">
-              <a:solidFill>
-                <a:srgbClr val="00B050"/>
-              </a:solidFill>
-            </a:endParaRPr>
           </a:p>
         </p:txBody>
       </p:sp>
@@ -9173,10 +9054,9 @@
           <a:lstStyle/>
           <a:p>
             <a:r>
-              <a:rPr lang="en-US" smtClean="0"/>
+              <a:rPr lang="en-US"/>
               <a:t>2021-01-01</a:t>
             </a:r>
-            <a:endParaRPr lang="en-US"/>
           </a:p>
         </p:txBody>
       </p:sp>
@@ -9196,7 +9076,7 @@
           <a:lstStyle/>
           <a:p>
             <a:r>
-              <a:rPr lang="en-US" smtClean="0"/>
+              <a:rPr lang="en-US"/>
               <a:t>RBL - Boston Python</a:t>
             </a:r>
             <a:endParaRPr lang="en-US" dirty="0"/>
@@ -9272,66 +9152,65 @@
           <a:lstStyle/>
           <a:p>
             <a:r>
-              <a:rPr lang="en-US" dirty="0" smtClean="0"/>
+              <a:rPr lang="en-US" dirty="0"/>
               <a:t>Decorators</a:t>
             </a:r>
+          </a:p>
+        </p:txBody>
+      </p:sp>
+      <p:sp>
+        <p:nvSpPr>
+          <p:cNvPr id="3" name="Content Placeholder 2"/>
+          <p:cNvSpPr>
+            <a:spLocks noGrp="1"/>
+          </p:cNvSpPr>
+          <p:nvPr>
+            <p:ph idx="1"/>
+          </p:nvPr>
+        </p:nvSpPr>
+        <p:spPr/>
+        <p:txBody>
+          <a:bodyPr/>
+          <a:lstStyle/>
+          <a:p>
+            <a:r>
+              <a:rPr lang="en-US" dirty="0"/>
+              <a:t>@</a:t>
+            </a:r>
+            <a:r>
+              <a:rPr lang="en-US" dirty="0" err="1"/>
+              <a:t>ntrace</a:t>
+            </a:r>
             <a:endParaRPr lang="en-US" dirty="0"/>
           </a:p>
-        </p:txBody>
-      </p:sp>
-      <p:sp>
-        <p:nvSpPr>
-          <p:cNvPr id="3" name="Content Placeholder 2"/>
-          <p:cNvSpPr>
-            <a:spLocks noGrp="1"/>
-          </p:cNvSpPr>
-          <p:nvPr>
-            <p:ph idx="1"/>
-          </p:nvPr>
-        </p:nvSpPr>
-        <p:spPr/>
-        <p:txBody>
-          <a:bodyPr/>
-          <a:lstStyle/>
-          <a:p>
-            <a:r>
-              <a:rPr lang="en-US" dirty="0" smtClean="0"/>
+          <a:p>
+            <a:r>
+              <a:rPr lang="en-US" dirty="0"/>
               <a:t>@</a:t>
             </a:r>
             <a:r>
-              <a:rPr lang="en-US" dirty="0" err="1" smtClean="0"/>
-              <a:t>ntrace</a:t>
-            </a:r>
-            <a:endParaRPr lang="en-US" dirty="0" smtClean="0"/>
-          </a:p>
-          <a:p>
-            <a:r>
-              <a:rPr lang="en-US" dirty="0" smtClean="0"/>
-              <a:t>@</a:t>
-            </a:r>
-            <a:r>
-              <a:rPr lang="en-US" dirty="0" err="1" smtClean="0"/>
+              <a:rPr lang="en-US" dirty="0" err="1"/>
               <a:t>ntracef</a:t>
             </a:r>
             <a:r>
-              <a:rPr lang="en-US" dirty="0" smtClean="0"/>
+              <a:rPr lang="en-US" dirty="0"/>
               <a:t>(</a:t>
             </a:r>
             <a:r>
-              <a:rPr lang="en-US" dirty="0" err="1" smtClean="0"/>
+              <a:rPr lang="en-US" dirty="0" err="1"/>
               <a:t>facilityname</a:t>
             </a:r>
             <a:r>
-              <a:rPr lang="en-US" dirty="0" smtClean="0"/>
+              <a:rPr lang="en-US" dirty="0"/>
               <a:t>, priority)</a:t>
             </a:r>
           </a:p>
           <a:p>
-            <a:endParaRPr lang="en-US" dirty="0" smtClean="0"/>
-          </a:p>
-          <a:p>
-            <a:r>
-              <a:rPr lang="en-US" sz="2400" dirty="0" smtClean="0">
+            <a:endParaRPr lang="en-US" dirty="0"/>
+          </a:p>
+          <a:p>
+            <a:r>
+              <a:rPr lang="en-US" sz="2400" dirty="0">
                 <a:solidFill>
                   <a:srgbClr val="00B050"/>
                 </a:solidFill>
@@ -9339,7 +9218,7 @@
               <a:t>&lt;code:</a:t>
             </a:r>
             <a:r>
-              <a:rPr lang="en-US" sz="2400" baseline="0" dirty="0" smtClean="0">
+              <a:rPr lang="en-US" sz="2400" baseline="0" dirty="0">
                 <a:solidFill>
                   <a:srgbClr val="00B050"/>
                 </a:solidFill>
@@ -9370,10 +9249,9 @@
           <a:lstStyle/>
           <a:p>
             <a:r>
-              <a:rPr lang="en-US" smtClean="0"/>
+              <a:rPr lang="en-US"/>
               <a:t>2021-01-01</a:t>
             </a:r>
-            <a:endParaRPr lang="en-US"/>
           </a:p>
         </p:txBody>
       </p:sp>
@@ -9393,7 +9271,7 @@
           <a:lstStyle/>
           <a:p>
             <a:r>
-              <a:rPr lang="en-US" smtClean="0"/>
+              <a:rPr lang="en-US"/>
               <a:t>RBL - Boston Python</a:t>
             </a:r>
             <a:endParaRPr lang="en-US" dirty="0"/>
@@ -9469,10 +9347,9 @@
           <a:lstStyle/>
           <a:p>
             <a:r>
-              <a:rPr lang="en-US" dirty="0" smtClean="0"/>
+              <a:rPr lang="en-US" dirty="0"/>
               <a:t>Topics</a:t>
             </a:r>
-            <a:endParaRPr lang="en-US" dirty="0"/>
           </a:p>
         </p:txBody>
       </p:sp>
@@ -9492,7 +9369,7 @@
           <a:lstStyle/>
           <a:p>
             <a:r>
-              <a:rPr lang="en-US" sz="3200" kern="1200" dirty="0" smtClean="0">
+              <a:rPr lang="en-US" sz="3200" kern="1200" dirty="0">
                 <a:solidFill>
                   <a:schemeClr val="tx1"/>
                 </a:solidFill>
@@ -9506,7 +9383,33 @@
           </a:p>
           <a:p>
             <a:r>
-              <a:rPr lang="en-US" sz="3200" kern="1200" dirty="0" smtClean="0">
+              <a:rPr lang="en-US" sz="3200" kern="1200" baseline="0">
+                <a:solidFill>
+                  <a:schemeClr val="tx1"/>
+                </a:solidFill>
+                <a:effectLst/>
+                <a:latin typeface="+mn-lt"/>
+                <a:ea typeface="+mn-ea"/>
+                <a:cs typeface="+mn-cs"/>
+              </a:rPr>
+              <a:t>Lessons </a:t>
+            </a:r>
+            <a:r>
+              <a:rPr lang="en-US" sz="3200" kern="1200" baseline="0" dirty="0">
+                <a:solidFill>
+                  <a:schemeClr val="tx1"/>
+                </a:solidFill>
+                <a:effectLst/>
+                <a:latin typeface="+mn-lt"/>
+                <a:ea typeface="+mn-ea"/>
+                <a:cs typeface="+mn-cs"/>
+              </a:rPr>
+              <a:t>learned over a few years</a:t>
+            </a:r>
+          </a:p>
+          <a:p>
+            <a:r>
+              <a:rPr lang="en-US" sz="3200" kern="1200" dirty="0">
                 <a:solidFill>
                   <a:schemeClr val="tx1"/>
                 </a:solidFill>
@@ -9518,7 +9421,7 @@
               <a:t>Incidental stylistic</a:t>
             </a:r>
             <a:r>
-              <a:rPr lang="en-US" sz="3200" kern="1200" baseline="0" dirty="0" smtClean="0">
+              <a:rPr lang="en-US" sz="3200" kern="1200" baseline="0" dirty="0">
                 <a:solidFill>
                   <a:schemeClr val="tx1"/>
                 </a:solidFill>
@@ -9530,29 +9433,6 @@
               <a:t> notes</a:t>
             </a:r>
           </a:p>
-          <a:p>
-            <a:r>
-              <a:rPr lang="en-US" sz="3200" kern="1200" baseline="0" dirty="0" smtClean="0">
-                <a:solidFill>
-                  <a:schemeClr val="tx1"/>
-                </a:solidFill>
-                <a:effectLst/>
-                <a:latin typeface="+mn-lt"/>
-                <a:ea typeface="+mn-ea"/>
-                <a:cs typeface="+mn-cs"/>
-              </a:rPr>
-              <a:t>(Lessons learned over a few years)</a:t>
-            </a:r>
-            <a:endParaRPr lang="en-US" sz="3200" kern="1200" dirty="0" smtClean="0">
-              <a:solidFill>
-                <a:schemeClr val="tx1"/>
-              </a:solidFill>
-              <a:effectLst/>
-              <a:latin typeface="+mn-lt"/>
-              <a:ea typeface="+mn-ea"/>
-              <a:cs typeface="+mn-cs"/>
-            </a:endParaRPr>
-          </a:p>
         </p:txBody>
       </p:sp>
       <p:sp>
@@ -9571,10 +9451,9 @@
           <a:lstStyle/>
           <a:p>
             <a:r>
-              <a:rPr lang="en-US" smtClean="0"/>
+              <a:rPr lang="en-US"/>
               <a:t>2021-01-01</a:t>
             </a:r>
-            <a:endParaRPr lang="en-US"/>
           </a:p>
         </p:txBody>
       </p:sp>
@@ -9594,7 +9473,7 @@
           <a:lstStyle/>
           <a:p>
             <a:r>
-              <a:rPr lang="en-US" smtClean="0"/>
+              <a:rPr lang="en-US"/>
               <a:t>RBL - Boston Python</a:t>
             </a:r>
             <a:endParaRPr lang="en-US" dirty="0"/>
@@ -9634,13 +9513,6 @@
   <p:clrMapOvr>
     <a:masterClrMapping/>
   </p:clrMapOvr>
-  <p:timing>
-    <p:tnLst>
-      <p:par>
-        <p:cTn id="1" dur="indefinite" restart="never" nodeType="tmRoot"/>
-      </p:par>
-    </p:tnLst>
-  </p:timing>
 </p:sld>
 </file>
 
@@ -9677,10 +9549,9 @@
           <a:lstStyle/>
           <a:p>
             <a:r>
-              <a:rPr lang="en-US" dirty="0" smtClean="0"/>
+              <a:rPr lang="en-US" dirty="0"/>
               <a:t>Filtering on Priority,  Facility</a:t>
             </a:r>
-            <a:endParaRPr lang="en-US" dirty="0"/>
           </a:p>
         </p:txBody>
       </p:sp>
@@ -9717,7 +9588,7 @@
               <a:defRPr/>
             </a:pPr>
             <a:r>
-              <a:rPr lang="en-US" sz="3200" kern="1200" dirty="0" smtClean="0">
+              <a:rPr lang="en-US" sz="3200" kern="1200" dirty="0">
                 <a:solidFill>
                   <a:schemeClr val="tx1"/>
                 </a:solidFill>
@@ -9732,35 +9603,31 @@
           <a:p>
             <a:pPr lvl="1"/>
             <a:r>
-              <a:rPr lang="en-US" dirty="0" smtClean="0"/>
+              <a:rPr lang="en-US" dirty="0"/>
               <a:t>On priority, facility name</a:t>
             </a:r>
           </a:p>
           <a:p>
             <a:pPr lvl="0"/>
             <a:r>
-              <a:rPr lang="en-US" dirty="0" err="1" smtClean="0"/>
+              <a:rPr lang="en-US" dirty="0" err="1"/>
               <a:t>Envir</a:t>
             </a:r>
             <a:r>
-              <a:rPr lang="en-US" dirty="0" smtClean="0"/>
+              <a:rPr lang="en-US" dirty="0"/>
               <a:t> </a:t>
             </a:r>
             <a:r>
-              <a:rPr lang="en-US" dirty="0" err="1" smtClean="0"/>
+              <a:rPr lang="en-US" dirty="0" err="1"/>
               <a:t>vars</a:t>
             </a:r>
             <a:r>
-              <a:rPr lang="en-US" dirty="0" smtClean="0"/>
+              <a:rPr lang="en-US" dirty="0"/>
               <a:t> TRACE_LEVEL,</a:t>
             </a:r>
             <a:r>
-              <a:rPr lang="en-US" baseline="0" dirty="0" smtClean="0"/>
-              <a:t> </a:t>
-            </a:r>
-            <a:r>
-              <a:rPr lang="en-US" baseline="0" dirty="0" smtClean="0"/>
-              <a:t>TRACE_FACIL</a:t>
+              <a:rPr lang="en-US" baseline="0" dirty="0"/>
+              <a:t> TRACE_FACIL</a:t>
             </a:r>
           </a:p>
         </p:txBody>
@@ -9781,10 +9648,9 @@
           <a:lstStyle/>
           <a:p>
             <a:r>
-              <a:rPr lang="en-US" smtClean="0"/>
+              <a:rPr lang="en-US"/>
               <a:t>2021-01-01</a:t>
             </a:r>
-            <a:endParaRPr lang="en-US"/>
           </a:p>
         </p:txBody>
       </p:sp>
@@ -9804,7 +9670,7 @@
           <a:lstStyle/>
           <a:p>
             <a:r>
-              <a:rPr lang="en-US" smtClean="0"/>
+              <a:rPr lang="en-US"/>
               <a:t>RBL - Boston Python</a:t>
             </a:r>
             <a:endParaRPr lang="en-US" dirty="0"/>
@@ -9880,11 +9746,11 @@
           <a:lstStyle/>
           <a:p>
             <a:r>
-              <a:rPr lang="en-US" dirty="0" smtClean="0"/>
+              <a:rPr lang="en-US" dirty="0"/>
               <a:t>Filter by Level</a:t>
             </a:r>
             <a:r>
-              <a:rPr lang="en-US" baseline="0" dirty="0" smtClean="0"/>
+              <a:rPr lang="en-US" baseline="0" dirty="0"/>
               <a:t> of Detail</a:t>
             </a:r>
             <a:endParaRPr lang="en-US" dirty="0"/>
@@ -9907,80 +9773,80 @@
           <a:lstStyle/>
           <a:p>
             <a:r>
-              <a:rPr lang="en-US" dirty="0" smtClean="0"/>
+              <a:rPr lang="en-US" dirty="0"/>
               <a:t>TRACE_LEVEL</a:t>
             </a:r>
             <a:r>
-              <a:rPr lang="en-US" baseline="0" dirty="0" smtClean="0"/>
+              <a:rPr lang="en-US" baseline="0" dirty="0"/>
               <a:t> environment variable</a:t>
             </a:r>
           </a:p>
           <a:p>
             <a:pPr lvl="1"/>
             <a:r>
-              <a:rPr lang="en-US" dirty="0" smtClean="0"/>
+              <a:rPr lang="en-US" dirty="0"/>
               <a:t>0 always prints (even in production mode)</a:t>
             </a:r>
           </a:p>
           <a:p>
             <a:pPr lvl="1"/>
             <a:r>
-              <a:rPr lang="en-US" dirty="0" smtClean="0"/>
+              <a:rPr lang="en-US" dirty="0"/>
               <a:t>1 for enter/exit function</a:t>
             </a:r>
           </a:p>
           <a:p>
             <a:pPr lvl="1"/>
             <a:r>
-              <a:rPr lang="en-US" dirty="0" smtClean="0"/>
+              <a:rPr lang="en-US" dirty="0"/>
               <a:t>3</a:t>
             </a:r>
             <a:r>
-              <a:rPr lang="en-US" baseline="0" dirty="0" smtClean="0"/>
+              <a:rPr lang="en-US" baseline="0" dirty="0"/>
               <a:t> for most data details</a:t>
             </a:r>
           </a:p>
           <a:p>
             <a:pPr lvl="1"/>
             <a:r>
-              <a:rPr lang="en-US" baseline="0" dirty="0" smtClean="0"/>
+              <a:rPr lang="en-US" baseline="0" dirty="0"/>
               <a:t>5 for excruciatingly detailed details</a:t>
             </a:r>
           </a:p>
           <a:p>
             <a:pPr lvl="1"/>
-            <a:endParaRPr lang="en-US" baseline="0" dirty="0" smtClean="0"/>
+            <a:endParaRPr lang="en-US" baseline="0" dirty="0"/>
           </a:p>
           <a:p>
             <a:pPr lvl="0"/>
             <a:r>
-              <a:rPr lang="en-US" sz="2400" dirty="0" smtClean="0">
+              <a:rPr lang="en-US" sz="2400" dirty="0">
                 <a:latin typeface="Courier New" panose="02070309020205020404" pitchFamily="49" charset="0"/>
                 <a:cs typeface="Courier New" panose="02070309020205020404" pitchFamily="49" charset="0"/>
               </a:rPr>
               <a:t>export TRACE_LEVEL=3</a:t>
             </a:r>
             <a:br>
-              <a:rPr lang="en-US" sz="2400" dirty="0" smtClean="0">
+              <a:rPr lang="en-US" sz="2400" dirty="0">
                 <a:latin typeface="Courier New" panose="02070309020205020404" pitchFamily="49" charset="0"/>
                 <a:cs typeface="Courier New" panose="02070309020205020404" pitchFamily="49" charset="0"/>
               </a:rPr>
             </a:br>
             <a:r>
-              <a:rPr lang="en-US" sz="2400" dirty="0" smtClean="0">
+              <a:rPr lang="en-US" sz="2400" dirty="0">
                 <a:latin typeface="Courier New" panose="02070309020205020404" pitchFamily="49" charset="0"/>
                 <a:cs typeface="Courier New" panose="02070309020205020404" pitchFamily="49" charset="0"/>
               </a:rPr>
               <a:t>python ...</a:t>
             </a:r>
             <a:br>
-              <a:rPr lang="en-US" sz="2400" dirty="0" smtClean="0">
+              <a:rPr lang="en-US" sz="2400" dirty="0">
                 <a:latin typeface="Courier New" panose="02070309020205020404" pitchFamily="49" charset="0"/>
                 <a:cs typeface="Courier New" panose="02070309020205020404" pitchFamily="49" charset="0"/>
               </a:rPr>
             </a:br>
             <a:r>
-              <a:rPr lang="en-US" sz="2400" dirty="0" smtClean="0">
+              <a:rPr lang="en-US" sz="2400" dirty="0">
                 <a:latin typeface="Courier New" panose="02070309020205020404" pitchFamily="49" charset="0"/>
                 <a:cs typeface="Courier New" panose="02070309020205020404" pitchFamily="49" charset="0"/>
               </a:rPr>
@@ -10005,10 +9871,9 @@
           <a:lstStyle/>
           <a:p>
             <a:r>
-              <a:rPr lang="en-US" smtClean="0"/>
+              <a:rPr lang="en-US"/>
               <a:t>2021-01-01</a:t>
             </a:r>
-            <a:endParaRPr lang="en-US"/>
           </a:p>
         </p:txBody>
       </p:sp>
@@ -10028,7 +9893,7 @@
           <a:lstStyle/>
           <a:p>
             <a:r>
-              <a:rPr lang="en-US" smtClean="0"/>
+              <a:rPr lang="en-US"/>
               <a:t>RBL - Boston Python</a:t>
             </a:r>
             <a:endParaRPr lang="en-US" dirty="0"/>
@@ -10104,19 +9969,19 @@
           <a:lstStyle/>
           <a:p>
             <a:r>
-              <a:rPr lang="en-US" dirty="0" smtClean="0"/>
+              <a:rPr lang="en-US" dirty="0"/>
               <a:t>Filter</a:t>
             </a:r>
             <a:r>
-              <a:rPr lang="en-US" baseline="0" dirty="0" smtClean="0"/>
+              <a:rPr lang="en-US" baseline="0" dirty="0"/>
               <a:t> by </a:t>
             </a:r>
             <a:r>
-              <a:rPr lang="en-US" dirty="0" smtClean="0"/>
+              <a:rPr lang="en-US" dirty="0"/>
               <a:t>Facility</a:t>
             </a:r>
             <a:r>
-              <a:rPr lang="en-US" baseline="0" dirty="0" smtClean="0"/>
+              <a:rPr lang="en-US" baseline="0" dirty="0"/>
               <a:t> Names</a:t>
             </a:r>
             <a:endParaRPr lang="en-US" dirty="0"/>
@@ -10139,45 +10004,45 @@
           <a:lstStyle/>
           <a:p>
             <a:r>
-              <a:rPr lang="en-US" dirty="0" smtClean="0"/>
+              <a:rPr lang="en-US" dirty="0"/>
               <a:t>TRACE_FACIL</a:t>
             </a:r>
             <a:r>
-              <a:rPr lang="en-US" baseline="0" dirty="0" smtClean="0"/>
+              <a:rPr lang="en-US" baseline="0" dirty="0"/>
               <a:t> environment variable</a:t>
             </a:r>
           </a:p>
           <a:p>
             <a:pPr lvl="1"/>
             <a:r>
-              <a:rPr lang="en-US" baseline="0" dirty="0" smtClean="0"/>
+              <a:rPr lang="en-US" baseline="0" dirty="0"/>
               <a:t>ALL, NONE, +, -</a:t>
             </a:r>
           </a:p>
           <a:p>
             <a:pPr lvl="2"/>
             <a:r>
-              <a:rPr lang="en-US" dirty="0" smtClean="0"/>
+              <a:rPr lang="en-US" dirty="0"/>
               <a:t>ALL-FOO-BAR</a:t>
             </a:r>
           </a:p>
           <a:p>
             <a:pPr lvl="2"/>
             <a:r>
-              <a:rPr lang="en-US" dirty="0" smtClean="0"/>
+              <a:rPr lang="en-US" dirty="0"/>
               <a:t>NONE+FOO+BAR</a:t>
             </a:r>
           </a:p>
           <a:p>
             <a:pPr lvl="2"/>
             <a:r>
-              <a:rPr lang="en-US" dirty="0" smtClean="0"/>
+              <a:rPr lang="en-US" dirty="0"/>
               <a:t>Unnamed trace lines always print</a:t>
             </a:r>
           </a:p>
           <a:p>
             <a:pPr lvl="2"/>
-            <a:endParaRPr lang="en-US" dirty="0" smtClean="0"/>
+            <a:endParaRPr lang="en-US" dirty="0"/>
           </a:p>
           <a:p>
             <a:pPr marL="342900" marR="0" lvl="0" indent="-342900" algn="l" defTabSz="914400" rtl="0" eaLnBrk="1" fontAlgn="auto" latinLnBrk="0" hangingPunct="1">
@@ -10198,7 +10063,7 @@
               <a:defRPr/>
             </a:pPr>
             <a:r>
-              <a:rPr lang="en-US" sz="2400" kern="1200" dirty="0" smtClean="0">
+              <a:rPr lang="en-US" sz="2400" kern="1200" dirty="0">
                 <a:solidFill>
                   <a:schemeClr val="tx1"/>
                 </a:solidFill>
@@ -10209,7 +10074,7 @@
               <a:t>export TRACE_FACIL=NONE+FOO</a:t>
             </a:r>
             <a:br>
-              <a:rPr lang="en-US" sz="2400" kern="1200" dirty="0" smtClean="0">
+              <a:rPr lang="en-US" sz="2400" kern="1200" dirty="0">
                 <a:solidFill>
                   <a:schemeClr val="tx1"/>
                 </a:solidFill>
@@ -10219,7 +10084,7 @@
               </a:rPr>
             </a:br>
             <a:r>
-              <a:rPr lang="en-US" sz="2400" kern="1200" dirty="0" smtClean="0">
+              <a:rPr lang="en-US" sz="2400" kern="1200" dirty="0">
                 <a:solidFill>
                   <a:schemeClr val="tx1"/>
                 </a:solidFill>
@@ -10230,7 +10095,7 @@
               <a:t>python ...</a:t>
             </a:r>
             <a:br>
-              <a:rPr lang="en-US" sz="2400" kern="1200" dirty="0" smtClean="0">
+              <a:rPr lang="en-US" sz="2400" kern="1200" dirty="0">
                 <a:solidFill>
                   <a:schemeClr val="tx1"/>
                 </a:solidFill>
@@ -10240,7 +10105,7 @@
               </a:rPr>
             </a:br>
             <a:r>
-              <a:rPr lang="en-US" sz="2400" kern="1200" dirty="0" smtClean="0">
+              <a:rPr lang="en-US" sz="2400" kern="1200" dirty="0">
                 <a:solidFill>
                   <a:schemeClr val="tx1"/>
                 </a:solidFill>
@@ -10251,7 +10116,7 @@
               <a:t>unset</a:t>
             </a:r>
             <a:r>
-              <a:rPr lang="en-US" sz="2400" kern="1200" baseline="0" dirty="0" smtClean="0">
+              <a:rPr lang="en-US" sz="2400" kern="1200" baseline="0" dirty="0">
                 <a:solidFill>
                   <a:schemeClr val="tx1"/>
                 </a:solidFill>
@@ -10261,7 +10126,7 @@
               </a:rPr>
               <a:t> TRACE_FACIL</a:t>
             </a:r>
-            <a:endParaRPr lang="en-US" sz="2400" dirty="0" smtClean="0">
+            <a:endParaRPr lang="en-US" sz="2400" dirty="0">
               <a:effectLst/>
               <a:latin typeface="Courier New" panose="02070309020205020404" pitchFamily="49" charset="0"/>
               <a:cs typeface="Courier New" panose="02070309020205020404" pitchFamily="49" charset="0"/>
@@ -10269,7 +10134,7 @@
           </a:p>
           <a:p>
             <a:pPr lvl="0"/>
-            <a:endParaRPr lang="en-US" dirty="0" smtClean="0"/>
+            <a:endParaRPr lang="en-US" dirty="0"/>
           </a:p>
         </p:txBody>
       </p:sp>
@@ -10289,10 +10154,9 @@
           <a:lstStyle/>
           <a:p>
             <a:r>
-              <a:rPr lang="en-US" smtClean="0"/>
+              <a:rPr lang="en-US"/>
               <a:t>2021-01-01</a:t>
             </a:r>
-            <a:endParaRPr lang="en-US"/>
           </a:p>
         </p:txBody>
       </p:sp>
@@ -10312,7 +10176,7 @@
           <a:lstStyle/>
           <a:p>
             <a:r>
-              <a:rPr lang="en-US" smtClean="0"/>
+              <a:rPr lang="en-US"/>
               <a:t>RBL - Boston Python</a:t>
             </a:r>
             <a:endParaRPr lang="en-US" dirty="0"/>
@@ -10388,29 +10252,50 @@
           <a:lstStyle/>
           <a:p>
             <a:r>
-              <a:rPr lang="en-US" dirty="0" smtClean="0"/>
-              <a:t>Other Tidbits</a:t>
-            </a:r>
+              <a:rPr lang="en-US" dirty="0"/>
+              <a:t>Contact</a:t>
+            </a:r>
+          </a:p>
+        </p:txBody>
+      </p:sp>
+      <p:sp>
+        <p:nvSpPr>
+          <p:cNvPr id="3" name="Content Placeholder 2"/>
+          <p:cNvSpPr>
+            <a:spLocks noGrp="1"/>
+          </p:cNvSpPr>
+          <p:nvPr>
+            <p:ph idx="1"/>
+          </p:nvPr>
+        </p:nvSpPr>
+        <p:spPr/>
+        <p:txBody>
+          <a:bodyPr/>
+          <a:lstStyle/>
+          <a:p>
+            <a:r>
+              <a:rPr lang="en-US" dirty="0"/>
+              <a:t>www.github.com/rblandau/NewTrace</a:t>
+            </a:r>
+          </a:p>
+          <a:p>
             <a:endParaRPr lang="en-US" dirty="0"/>
           </a:p>
-        </p:txBody>
-      </p:sp>
-      <p:sp>
-        <p:nvSpPr>
-          <p:cNvPr id="3" name="Content Placeholder 2"/>
-          <p:cNvSpPr>
-            <a:spLocks noGrp="1"/>
-          </p:cNvSpPr>
-          <p:nvPr>
-            <p:ph idx="1"/>
-          </p:nvPr>
-        </p:nvSpPr>
-        <p:spPr/>
-        <p:txBody>
-          <a:bodyPr/>
-          <a:lstStyle/>
-          <a:p>
-            <a:endParaRPr lang="en-US"/>
+          <a:p>
+            <a:r>
+              <a:rPr lang="en-US" dirty="0"/>
+              <a:t>email: </a:t>
+            </a:r>
+            <a:r>
+              <a:rPr lang="en-US" dirty="0">
+                <a:hlinkClick r:id="rId2"/>
+              </a:rPr>
+              <a:t>landau@ricksoft.com</a:t>
+            </a:r>
+            <a:endParaRPr lang="en-US" dirty="0"/>
+          </a:p>
+          <a:p>
+            <a:endParaRPr lang="en-US" dirty="0"/>
           </a:p>
         </p:txBody>
       </p:sp>
@@ -10430,10 +10315,9 @@
           <a:lstStyle/>
           <a:p>
             <a:r>
-              <a:rPr lang="en-US" smtClean="0"/>
+              <a:rPr lang="en-US"/>
               <a:t>2021-01-01</a:t>
             </a:r>
-            <a:endParaRPr lang="en-US"/>
           </a:p>
         </p:txBody>
       </p:sp>
@@ -10453,7 +10337,7 @@
           <a:lstStyle/>
           <a:p>
             <a:r>
-              <a:rPr lang="en-US" smtClean="0"/>
+              <a:rPr lang="en-US"/>
               <a:t>RBL - Boston Python</a:t>
             </a:r>
             <a:endParaRPr lang="en-US" dirty="0"/>
@@ -10486,7 +10370,7 @@
     </p:spTree>
     <p:extLst>
       <p:ext uri="{BB962C8B-B14F-4D97-AF65-F5344CB8AC3E}">
-        <p14:creationId xmlns:p14="http://schemas.microsoft.com/office/powerpoint/2010/main" val="3139874563"/>
+        <p14:creationId xmlns:p14="http://schemas.microsoft.com/office/powerpoint/2010/main" val="2919167354"/>
       </p:ext>
     </p:extLst>
   </p:cSld>
@@ -10529,14 +10413,9 @@
           <a:lstStyle/>
           <a:p>
             <a:r>
-              <a:rPr lang="en-US" dirty="0" smtClean="0"/>
-              <a:t>Use</a:t>
-            </a:r>
-            <a:r>
-              <a:rPr lang="en-US" baseline="0" dirty="0" smtClean="0"/>
-              <a:t> for Regression Testing</a:t>
-            </a:r>
-            <a:endParaRPr lang="en-US" dirty="0"/>
+              <a:rPr lang="en-US" dirty="0"/>
+              <a:t>Other Tidbits</a:t>
+            </a:r>
           </a:p>
         </p:txBody>
       </p:sp>
@@ -10555,86 +10434,7 @@
           <a:bodyPr/>
           <a:lstStyle/>
           <a:p>
-            <a:r>
-              <a:rPr lang="en-US" sz="3200" kern="1200" dirty="0" smtClean="0">
-                <a:solidFill>
-                  <a:schemeClr val="tx1"/>
-                </a:solidFill>
-                <a:effectLst/>
-                <a:latin typeface="+mn-lt"/>
-                <a:ea typeface="+mn-ea"/>
-                <a:cs typeface="+mn-cs"/>
-              </a:rPr>
-              <a:t>Tests can be done with log files suitably sanitized</a:t>
-            </a:r>
-          </a:p>
-          <a:p>
-            <a:pPr lvl="1"/>
-            <a:r>
-              <a:rPr lang="en-US" sz="2800" kern="1200" dirty="0" smtClean="0">
-                <a:solidFill>
-                  <a:schemeClr val="tx1"/>
-                </a:solidFill>
-                <a:effectLst/>
-                <a:latin typeface="+mn-lt"/>
-                <a:ea typeface="+mn-ea"/>
-                <a:cs typeface="+mn-cs"/>
-              </a:rPr>
-              <a:t>Timestamps and other non-deterministic items</a:t>
-            </a:r>
-          </a:p>
-          <a:p>
-            <a:pPr lvl="1"/>
-            <a:r>
-              <a:rPr lang="en-US" sz="2800" kern="1200" dirty="0" smtClean="0">
-                <a:solidFill>
-                  <a:schemeClr val="tx1"/>
-                </a:solidFill>
-                <a:effectLst/>
-                <a:latin typeface="+mn-lt"/>
-                <a:ea typeface="+mn-ea"/>
-                <a:cs typeface="+mn-cs"/>
-              </a:rPr>
-              <a:t>(Ordering tricky if multi-threaded or multiprocessing)</a:t>
-            </a:r>
-          </a:p>
-          <a:p>
-            <a:r>
-              <a:rPr lang="en-US" sz="3200" kern="1200" dirty="0" smtClean="0">
-                <a:solidFill>
-                  <a:schemeClr val="tx1"/>
-                </a:solidFill>
-                <a:effectLst/>
-                <a:latin typeface="+mn-lt"/>
-                <a:ea typeface="+mn-ea"/>
-                <a:cs typeface="+mn-cs"/>
-              </a:rPr>
-              <a:t>Possible with trace </a:t>
-            </a:r>
-            <a:r>
-              <a:rPr lang="en-US" sz="3200" kern="1200" dirty="0" smtClean="0">
-                <a:solidFill>
-                  <a:schemeClr val="tx1"/>
-                </a:solidFill>
-                <a:effectLst/>
-                <a:latin typeface="+mn-lt"/>
-                <a:ea typeface="+mn-ea"/>
-                <a:cs typeface="+mn-cs"/>
-              </a:rPr>
-              <a:t>files in </a:t>
-            </a:r>
-            <a:r>
-              <a:rPr lang="en-US" sz="3200" kern="1200" dirty="0" smtClean="0">
-                <a:solidFill>
-                  <a:schemeClr val="tx1"/>
-                </a:solidFill>
-                <a:effectLst/>
-                <a:latin typeface="+mn-lt"/>
-                <a:ea typeface="+mn-ea"/>
-                <a:cs typeface="+mn-cs"/>
-              </a:rPr>
-              <a:t>some cases</a:t>
-            </a:r>
+            <a:endParaRPr lang="en-US"/>
           </a:p>
         </p:txBody>
       </p:sp>
@@ -10654,10 +10454,9 @@
           <a:lstStyle/>
           <a:p>
             <a:r>
-              <a:rPr lang="en-US" smtClean="0"/>
+              <a:rPr lang="en-US"/>
               <a:t>2021-01-01</a:t>
             </a:r>
-            <a:endParaRPr lang="en-US"/>
           </a:p>
         </p:txBody>
       </p:sp>
@@ -10677,7 +10476,7 @@
           <a:lstStyle/>
           <a:p>
             <a:r>
-              <a:rPr lang="en-US" smtClean="0"/>
+              <a:rPr lang="en-US"/>
               <a:t>RBL - Boston Python</a:t>
             </a:r>
             <a:endParaRPr lang="en-US" dirty="0"/>
@@ -10710,7 +10509,7 @@
     </p:spTree>
     <p:extLst>
       <p:ext uri="{BB962C8B-B14F-4D97-AF65-F5344CB8AC3E}">
-        <p14:creationId xmlns:p14="http://schemas.microsoft.com/office/powerpoint/2010/main" val="3691605327"/>
+        <p14:creationId xmlns:p14="http://schemas.microsoft.com/office/powerpoint/2010/main" val="3139874563"/>
       </p:ext>
     </p:extLst>
   </p:cSld>
@@ -10753,8 +10552,12 @@
           <a:lstStyle/>
           <a:p>
             <a:r>
-              <a:rPr lang="en-US" dirty="0" smtClean="0"/>
-              <a:t>Multiprocessing</a:t>
+              <a:rPr lang="en-US" dirty="0"/>
+              <a:t>Use</a:t>
+            </a:r>
+            <a:r>
+              <a:rPr lang="en-US" baseline="0" dirty="0"/>
+              <a:t> for Regression Testing</a:t>
             </a:r>
             <a:endParaRPr lang="en-US" dirty="0"/>
           </a:p>
@@ -10775,42 +10578,62 @@
           <a:bodyPr/>
           <a:lstStyle/>
           <a:p>
-            <a:pPr marL="342900" marR="0" lvl="0" indent="-342900" algn="l" defTabSz="914400" rtl="0" eaLnBrk="1" fontAlgn="auto" latinLnBrk="0" hangingPunct="1">
-              <a:lnSpc>
-                <a:spcPct val="100000"/>
-              </a:lnSpc>
-              <a:spcBef>
-                <a:spcPct val="20000"/>
-              </a:spcBef>
-              <a:spcAft>
-                <a:spcPts val="0"/>
-              </a:spcAft>
-              <a:buClrTx/>
-              <a:buSzTx/>
-              <a:buFont typeface="Arial" panose="020B0604020202020204" pitchFamily="34" charset="0"/>
-              <a:buChar char="•"/>
-              <a:tabLst/>
-              <a:defRPr/>
-            </a:pPr>
-            <a:r>
-              <a:rPr lang="en-US" sz="3200" kern="1200" dirty="0" smtClean="0">
-                <a:solidFill>
-                  <a:schemeClr val="tx1"/>
-                </a:solidFill>
-                <a:effectLst/>
-                <a:latin typeface="+mn-lt"/>
-                <a:ea typeface="+mn-ea"/>
-                <a:cs typeface="+mn-cs"/>
-              </a:rPr>
-              <a:t>Multiprocessor-safe, or at least thread-safe, would be good</a:t>
-            </a:r>
-          </a:p>
-          <a:p>
-            <a:r>
-              <a:rPr lang="en-US" dirty="0" smtClean="0"/>
-              <a:t>Not yet</a:t>
-            </a:r>
-            <a:endParaRPr lang="en-US" dirty="0"/>
+            <a:r>
+              <a:rPr lang="en-US" sz="3200" kern="1200" dirty="0">
+                <a:solidFill>
+                  <a:schemeClr val="tx1"/>
+                </a:solidFill>
+                <a:effectLst/>
+                <a:latin typeface="+mn-lt"/>
+                <a:ea typeface="+mn-ea"/>
+                <a:cs typeface="+mn-cs"/>
+              </a:rPr>
+              <a:t>Tests can be done with log files suitably sanitized</a:t>
+            </a:r>
+          </a:p>
+          <a:p>
+            <a:pPr lvl="1"/>
+            <a:r>
+              <a:rPr lang="en-US" sz="2800" kern="1200" dirty="0">
+                <a:solidFill>
+                  <a:schemeClr val="tx1"/>
+                </a:solidFill>
+                <a:effectLst/>
+                <a:latin typeface="+mn-lt"/>
+                <a:ea typeface="+mn-ea"/>
+                <a:cs typeface="+mn-cs"/>
+              </a:rPr>
+              <a:t>Timestamps and other non-deterministic items</a:t>
+            </a:r>
+          </a:p>
+          <a:p>
+            <a:pPr lvl="1"/>
+            <a:r>
+              <a:rPr lang="en-US" sz="2800" kern="1200" dirty="0">
+                <a:solidFill>
+                  <a:schemeClr val="tx1"/>
+                </a:solidFill>
+                <a:effectLst/>
+                <a:latin typeface="+mn-lt"/>
+                <a:ea typeface="+mn-ea"/>
+                <a:cs typeface="+mn-cs"/>
+              </a:rPr>
+              <a:t>(Ordering tricky if multi-threaded or multiprocessing)</a:t>
+            </a:r>
+          </a:p>
+          <a:p>
+            <a:r>
+              <a:rPr lang="en-US" sz="3200" kern="1200" dirty="0">
+                <a:solidFill>
+                  <a:schemeClr val="tx1"/>
+                </a:solidFill>
+                <a:effectLst/>
+                <a:latin typeface="+mn-lt"/>
+                <a:ea typeface="+mn-ea"/>
+                <a:cs typeface="+mn-cs"/>
+              </a:rPr>
+              <a:t>Possible with trace files in some cases</a:t>
+            </a:r>
           </a:p>
         </p:txBody>
       </p:sp>
@@ -10830,10 +10653,9 @@
           <a:lstStyle/>
           <a:p>
             <a:r>
-              <a:rPr lang="en-US" smtClean="0"/>
+              <a:rPr lang="en-US"/>
               <a:t>2021-01-01</a:t>
             </a:r>
-            <a:endParaRPr lang="en-US"/>
           </a:p>
         </p:txBody>
       </p:sp>
@@ -10853,7 +10675,7 @@
           <a:lstStyle/>
           <a:p>
             <a:r>
-              <a:rPr lang="en-US" smtClean="0"/>
+              <a:rPr lang="en-US"/>
               <a:t>RBL - Boston Python</a:t>
             </a:r>
             <a:endParaRPr lang="en-US" dirty="0"/>
@@ -10886,7 +10708,7 @@
     </p:spTree>
     <p:extLst>
       <p:ext uri="{BB962C8B-B14F-4D97-AF65-F5344CB8AC3E}">
-        <p14:creationId xmlns:p14="http://schemas.microsoft.com/office/powerpoint/2010/main" val="400251234"/>
+        <p14:creationId xmlns:p14="http://schemas.microsoft.com/office/powerpoint/2010/main" val="3691605327"/>
       </p:ext>
     </p:extLst>
   </p:cSld>
@@ -10929,14 +10751,9 @@
           <a:lstStyle/>
           <a:p>
             <a:r>
-              <a:rPr lang="en-US" dirty="0" smtClean="0"/>
-              <a:t>Use Meaningful</a:t>
-            </a:r>
-            <a:r>
-              <a:rPr lang="en-US" baseline="0" dirty="0" smtClean="0"/>
-              <a:t> Names</a:t>
-            </a:r>
-            <a:endParaRPr lang="en-US" dirty="0"/>
+              <a:rPr lang="en-US" dirty="0"/>
+              <a:t>Multiprocessing</a:t>
+            </a:r>
           </a:p>
         </p:txBody>
       </p:sp>
@@ -10952,122 +10769,43 @@
         </p:nvSpPr>
         <p:spPr/>
         <p:txBody>
-          <a:bodyPr>
-            <a:normAutofit/>
-          </a:bodyPr>
-          <a:lstStyle/>
-          <a:p>
-            <a:pPr lvl="0"/>
-            <a:r>
-              <a:rPr lang="en-US" sz="3200" kern="1200" dirty="0" smtClean="0">
-                <a:solidFill>
-                  <a:schemeClr val="tx1"/>
-                </a:solidFill>
-                <a:effectLst/>
-                <a:latin typeface="+mn-lt"/>
-                <a:ea typeface="+mn-ea"/>
-                <a:cs typeface="+mn-cs"/>
-              </a:rPr>
-              <a:t>The type of the data should be obvious</a:t>
-            </a:r>
-          </a:p>
-          <a:p>
-            <a:pPr lvl="1"/>
-            <a:r>
-              <a:rPr lang="en-US" sz="2800" kern="1200" dirty="0" smtClean="0">
-                <a:solidFill>
-                  <a:schemeClr val="tx1"/>
-                </a:solidFill>
-                <a:effectLst/>
-                <a:latin typeface="+mn-lt"/>
-                <a:ea typeface="+mn-ea"/>
-                <a:cs typeface="+mn-cs"/>
-              </a:rPr>
-              <a:t>It prevents a lot of runtime errors</a:t>
-            </a:r>
-          </a:p>
-          <a:p>
-            <a:pPr lvl="0"/>
-            <a:r>
-              <a:rPr lang="en-US" sz="3200" kern="1200" dirty="0" smtClean="0">
-                <a:solidFill>
-                  <a:schemeClr val="tx1"/>
-                </a:solidFill>
-                <a:effectLst/>
-                <a:latin typeface="+mn-lt"/>
-                <a:ea typeface="+mn-ea"/>
-                <a:cs typeface="+mn-cs"/>
-              </a:rPr>
-              <a:t>I use "Hungarian naming" because (dinosaur!) I grew up with it</a:t>
-            </a:r>
-          </a:p>
-          <a:p>
-            <a:pPr lvl="1"/>
-            <a:r>
-              <a:rPr lang="en-US" sz="2800" kern="1200" dirty="0" err="1" smtClean="0">
-                <a:solidFill>
-                  <a:schemeClr val="tx1"/>
-                </a:solidFill>
-                <a:effectLst/>
-                <a:latin typeface="+mn-lt"/>
-                <a:ea typeface="+mn-ea"/>
-                <a:cs typeface="+mn-cs"/>
-              </a:rPr>
-              <a:t>CamelCase</a:t>
-            </a:r>
-            <a:r>
-              <a:rPr lang="en-US" sz="2800" kern="1200" dirty="0" smtClean="0">
-                <a:solidFill>
-                  <a:schemeClr val="tx1"/>
-                </a:solidFill>
-                <a:effectLst/>
-                <a:latin typeface="+mn-lt"/>
-                <a:ea typeface="+mn-ea"/>
-                <a:cs typeface="+mn-cs"/>
-              </a:rPr>
-              <a:t> with ugly prefixes for datatypes </a:t>
-            </a:r>
-          </a:p>
-          <a:p>
-            <a:pPr lvl="1"/>
-            <a:r>
-              <a:rPr lang="en-US" sz="2800" kern="1200" dirty="0" err="1" smtClean="0">
-                <a:solidFill>
-                  <a:schemeClr val="tx1"/>
-                </a:solidFill>
-                <a:effectLst/>
-                <a:latin typeface="+mn-lt"/>
-                <a:ea typeface="+mn-ea"/>
-                <a:cs typeface="+mn-cs"/>
-              </a:rPr>
-              <a:t>CamelCase</a:t>
-            </a:r>
-            <a:r>
-              <a:rPr lang="en-US" sz="2800" kern="1200" dirty="0" smtClean="0">
-                <a:solidFill>
-                  <a:schemeClr val="tx1"/>
-                </a:solidFill>
-                <a:effectLst/>
-                <a:latin typeface="+mn-lt"/>
-                <a:ea typeface="+mn-ea"/>
-                <a:cs typeface="+mn-cs"/>
-              </a:rPr>
-              <a:t> is just a personal preference BUT</a:t>
-            </a:r>
-          </a:p>
-          <a:p>
-            <a:pPr lvl="1"/>
-            <a:r>
-              <a:rPr lang="en-US" sz="2800" kern="1200" dirty="0" smtClean="0">
-                <a:solidFill>
-                  <a:schemeClr val="tx1"/>
-                </a:solidFill>
-                <a:effectLst/>
-                <a:latin typeface="+mn-lt"/>
-                <a:ea typeface="+mn-ea"/>
-                <a:cs typeface="+mn-cs"/>
-              </a:rPr>
-              <a:t>Datatype at the beginning of the name of data (or a function) is useful</a:t>
+          <a:bodyPr/>
+          <a:lstStyle/>
+          <a:p>
+            <a:pPr marL="342900" marR="0" lvl="0" indent="-342900" algn="l" defTabSz="914400" rtl="0" eaLnBrk="1" fontAlgn="auto" latinLnBrk="0" hangingPunct="1">
+              <a:lnSpc>
+                <a:spcPct val="100000"/>
+              </a:lnSpc>
+              <a:spcBef>
+                <a:spcPct val="20000"/>
+              </a:spcBef>
+              <a:spcAft>
+                <a:spcPts val="0"/>
+              </a:spcAft>
+              <a:buClrTx/>
+              <a:buSzTx/>
+              <a:buFont typeface="Arial" panose="020B0604020202020204" pitchFamily="34" charset="0"/>
+              <a:buChar char="•"/>
+              <a:tabLst/>
+              <a:defRPr/>
+            </a:pPr>
+            <a:r>
+              <a:rPr lang="en-US" sz="3200" kern="1200" dirty="0">
+                <a:solidFill>
+                  <a:schemeClr val="tx1"/>
+                </a:solidFill>
+                <a:effectLst/>
+                <a:latin typeface="+mn-lt"/>
+                <a:ea typeface="+mn-ea"/>
+                <a:cs typeface="+mn-cs"/>
+              </a:rPr>
+              <a:t>Multiprocessor-safe, or at least thread-safe, would be good</a:t>
+            </a:r>
+          </a:p>
+          <a:p>
+            <a:r>
+              <a:rPr lang="en-US" dirty="0"/>
+              <a:t>Not yet</a:t>
             </a:r>
           </a:p>
         </p:txBody>
@@ -11088,10 +10826,9 @@
           <a:lstStyle/>
           <a:p>
             <a:r>
-              <a:rPr lang="en-US" smtClean="0"/>
+              <a:rPr lang="en-US"/>
               <a:t>2021-01-01</a:t>
             </a:r>
-            <a:endParaRPr lang="en-US"/>
           </a:p>
         </p:txBody>
       </p:sp>
@@ -11111,7 +10848,7 @@
           <a:lstStyle/>
           <a:p>
             <a:r>
-              <a:rPr lang="en-US" smtClean="0"/>
+              <a:rPr lang="en-US"/>
               <a:t>RBL - Boston Python</a:t>
             </a:r>
             <a:endParaRPr lang="en-US" dirty="0"/>
@@ -11144,20 +10881,13 @@
     </p:spTree>
     <p:extLst>
       <p:ext uri="{BB962C8B-B14F-4D97-AF65-F5344CB8AC3E}">
-        <p14:creationId xmlns:p14="http://schemas.microsoft.com/office/powerpoint/2010/main" val="867037978"/>
+        <p14:creationId xmlns:p14="http://schemas.microsoft.com/office/powerpoint/2010/main" val="400251234"/>
       </p:ext>
     </p:extLst>
   </p:cSld>
   <p:clrMapOvr>
     <a:masterClrMapping/>
   </p:clrMapOvr>
-  <p:timing>
-    <p:tnLst>
-      <p:par>
-        <p:cTn id="1" dur="indefinite" restart="never" nodeType="tmRoot"/>
-      </p:par>
-    </p:tnLst>
-  </p:timing>
 </p:sld>
 </file>
 
@@ -11193,12 +10923,13 @@
           <a:bodyPr/>
           <a:lstStyle/>
           <a:p>
-            <a:pPr marL="0" lvl="0" indent="0">
-              <a:buNone/>
-            </a:pPr>
-            <a:r>
-              <a:rPr lang="en-US" dirty="0" smtClean="0"/>
-              <a:t>Sort of Apology</a:t>
+            <a:r>
+              <a:rPr lang="en-US" dirty="0"/>
+              <a:t>Use Meaningful</a:t>
+            </a:r>
+            <a:r>
+              <a:rPr lang="en-US" baseline="0" dirty="0"/>
+              <a:t> Names</a:t>
             </a:r>
             <a:endParaRPr lang="en-US" dirty="0"/>
           </a:p>
@@ -11217,166 +10948,122 @@
         <p:spPr/>
         <p:txBody>
           <a:bodyPr>
-            <a:normAutofit fontScale="92500" lnSpcReduction="10000"/>
+            <a:normAutofit/>
           </a:bodyPr>
           <a:lstStyle/>
           <a:p>
             <a:pPr lvl="0"/>
             <a:r>
-              <a:rPr lang="en-US" sz="3200" kern="1200" dirty="0" smtClean="0">
-                <a:solidFill>
-                  <a:schemeClr val="tx1"/>
-                </a:solidFill>
-                <a:effectLst/>
-                <a:latin typeface="+mn-lt"/>
-                <a:ea typeface="+mn-ea"/>
-                <a:cs typeface="+mn-cs"/>
-              </a:rPr>
-              <a:t>Not PEP-8, sorry </a:t>
+              <a:rPr lang="en-US" sz="3200" kern="1200" dirty="0">
+                <a:solidFill>
+                  <a:schemeClr val="tx1"/>
+                </a:solidFill>
+                <a:effectLst/>
+                <a:latin typeface="+mn-lt"/>
+                <a:ea typeface="+mn-ea"/>
+                <a:cs typeface="+mn-cs"/>
+              </a:rPr>
+              <a:t>The type of the data should be obvious</a:t>
             </a:r>
           </a:p>
           <a:p>
             <a:pPr lvl="1"/>
             <a:r>
-              <a:rPr lang="en-US" sz="2800" kern="1200" dirty="0" smtClean="0">
-                <a:solidFill>
-                  <a:schemeClr val="tx1"/>
-                </a:solidFill>
-                <a:effectLst/>
-                <a:latin typeface="+mn-lt"/>
-                <a:ea typeface="+mn-ea"/>
-                <a:cs typeface="+mn-cs"/>
-              </a:rPr>
-              <a:t>But you can embed type in a pep8 name, too </a:t>
-            </a:r>
-          </a:p>
-          <a:p>
-            <a:pPr lvl="2"/>
-            <a:r>
-              <a:rPr lang="en-US" sz="2400" kern="1200" dirty="0" err="1" smtClean="0">
-                <a:solidFill>
-                  <a:schemeClr val="tx1"/>
-                </a:solidFill>
-                <a:effectLst/>
-                <a:latin typeface="+mn-lt"/>
-                <a:ea typeface="+mn-ea"/>
-                <a:cs typeface="+mn-cs"/>
-              </a:rPr>
-              <a:t>foo_list</a:t>
-            </a:r>
-            <a:r>
-              <a:rPr lang="en-US" sz="2400" kern="1200" dirty="0" smtClean="0">
-                <a:solidFill>
-                  <a:schemeClr val="tx1"/>
-                </a:solidFill>
-                <a:effectLst/>
-                <a:latin typeface="+mn-lt"/>
-                <a:ea typeface="+mn-ea"/>
-                <a:cs typeface="+mn-cs"/>
-              </a:rPr>
-              <a:t> or </a:t>
-            </a:r>
-            <a:r>
-              <a:rPr lang="en-US" sz="2400" kern="1200" dirty="0" err="1" smtClean="0">
-                <a:solidFill>
-                  <a:schemeClr val="tx1"/>
-                </a:solidFill>
-                <a:effectLst/>
-                <a:latin typeface="+mn-lt"/>
-                <a:ea typeface="+mn-ea"/>
-                <a:cs typeface="+mn-cs"/>
-              </a:rPr>
-              <a:t>list_foo</a:t>
-            </a:r>
-            <a:endParaRPr lang="en-US" dirty="0" smtClean="0"/>
+              <a:rPr lang="en-US" sz="2800" kern="1200" dirty="0">
+                <a:solidFill>
+                  <a:schemeClr val="tx1"/>
+                </a:solidFill>
+                <a:effectLst/>
+                <a:latin typeface="+mn-lt"/>
+                <a:ea typeface="+mn-ea"/>
+                <a:cs typeface="+mn-cs"/>
+              </a:rPr>
+              <a:t>It prevents a lot of runtime errors</a:t>
+            </a:r>
           </a:p>
           <a:p>
             <a:pPr lvl="0"/>
             <a:r>
-              <a:rPr lang="en-US" sz="3200" kern="1200" dirty="0" smtClean="0">
-                <a:solidFill>
-                  <a:schemeClr val="tx1"/>
-                </a:solidFill>
-                <a:effectLst/>
-                <a:latin typeface="+mn-lt"/>
-                <a:ea typeface="+mn-ea"/>
-                <a:cs typeface="+mn-cs"/>
-              </a:rPr>
-              <a:t>If I were building packages for distribution, I</a:t>
-            </a:r>
-            <a:r>
-              <a:rPr lang="en-US" sz="3200" kern="1200" baseline="0" dirty="0" smtClean="0">
-                <a:solidFill>
-                  <a:schemeClr val="tx1"/>
-                </a:solidFill>
-                <a:effectLst/>
-                <a:latin typeface="+mn-lt"/>
-                <a:ea typeface="+mn-ea"/>
-                <a:cs typeface="+mn-cs"/>
-              </a:rPr>
-              <a:t> would</a:t>
-            </a:r>
-            <a:r>
-              <a:rPr lang="en-US" sz="3200" kern="1200" dirty="0" smtClean="0">
-                <a:solidFill>
-                  <a:schemeClr val="tx1"/>
-                </a:solidFill>
-                <a:effectLst/>
-                <a:latin typeface="+mn-lt"/>
-                <a:ea typeface="+mn-ea"/>
-                <a:cs typeface="+mn-cs"/>
-              </a:rPr>
-              <a:t> reform my evil ways</a:t>
-            </a:r>
-          </a:p>
-          <a:p>
-            <a:pPr lvl="0"/>
-            <a:endParaRPr lang="en-US" sz="3200" kern="1200" dirty="0" smtClean="0">
-              <a:solidFill>
-                <a:schemeClr val="tx1"/>
-              </a:solidFill>
-              <a:effectLst/>
-              <a:latin typeface="+mn-lt"/>
-              <a:ea typeface="+mn-ea"/>
-              <a:cs typeface="+mn-cs"/>
-            </a:endParaRPr>
-          </a:p>
-          <a:p>
-            <a:pPr marL="0" indent="0">
-              <a:buNone/>
-            </a:pPr>
-            <a:r>
-              <a:rPr lang="en-US" sz="2200" dirty="0" smtClean="0"/>
-              <a:t>"Any programmer who fails to comply with the standard</a:t>
-            </a:r>
-            <a:r>
-              <a:rPr lang="en-US" sz="2200" baseline="0" dirty="0" smtClean="0"/>
-              <a:t> naming, formatting or commenting conventions should be shot.  If it so happens that it is inconvenient to shoot him, then he is to be politely requested to recode his program in adherence to the above standard."</a:t>
-            </a:r>
-          </a:p>
-          <a:p>
-            <a:pPr marL="0" indent="0">
-              <a:buNone/>
-            </a:pPr>
-            <a:endParaRPr lang="en-US" sz="2600" baseline="0" dirty="0" smtClean="0"/>
-          </a:p>
-          <a:p>
-            <a:pPr marL="0" indent="0" algn="r">
-              <a:buNone/>
-            </a:pPr>
-            <a:r>
-              <a:rPr lang="en-US" sz="1900" i="1" baseline="0" dirty="0" smtClean="0"/>
-              <a:t>-- Mike </a:t>
-            </a:r>
-            <a:r>
-              <a:rPr lang="en-US" sz="1900" i="1" baseline="0" dirty="0" err="1" smtClean="0"/>
-              <a:t>Spier</a:t>
-            </a:r>
-            <a:r>
-              <a:rPr lang="en-US" sz="1900" i="1" baseline="0" dirty="0" smtClean="0"/>
-              <a:t>, Digital Equipment Corporation, 1971</a:t>
-            </a:r>
-            <a:endParaRPr lang="en-US" sz="1900" i="1" dirty="0"/>
+              <a:rPr lang="en-US" sz="3200" kern="1200" dirty="0">
+                <a:solidFill>
+                  <a:schemeClr val="tx1"/>
+                </a:solidFill>
+                <a:effectLst/>
+                <a:latin typeface="+mn-lt"/>
+                <a:ea typeface="+mn-ea"/>
+                <a:cs typeface="+mn-cs"/>
+              </a:rPr>
+              <a:t>I use "Hungarian naming" because (dinosaur!) I grew up with it</a:t>
+            </a:r>
+          </a:p>
+          <a:p>
+            <a:pPr lvl="1"/>
+            <a:r>
+              <a:rPr lang="en-US" sz="2800" kern="1200" dirty="0" err="1">
+                <a:solidFill>
+                  <a:schemeClr val="tx1"/>
+                </a:solidFill>
+                <a:effectLst/>
+                <a:latin typeface="+mn-lt"/>
+                <a:ea typeface="+mn-ea"/>
+                <a:cs typeface="+mn-cs"/>
+              </a:rPr>
+              <a:t>CamelCase</a:t>
+            </a:r>
+            <a:r>
+              <a:rPr lang="en-US" sz="2800" kern="1200" dirty="0">
+                <a:solidFill>
+                  <a:schemeClr val="tx1"/>
+                </a:solidFill>
+                <a:effectLst/>
+                <a:latin typeface="+mn-lt"/>
+                <a:ea typeface="+mn-ea"/>
+                <a:cs typeface="+mn-cs"/>
+              </a:rPr>
+              <a:t> with ugly prefixes for datatypes </a:t>
+            </a:r>
+          </a:p>
+          <a:p>
+            <a:pPr lvl="1"/>
+            <a:r>
+              <a:rPr lang="en-US" sz="2800" kern="1200" dirty="0" err="1">
+                <a:solidFill>
+                  <a:schemeClr val="tx1"/>
+                </a:solidFill>
+                <a:effectLst/>
+                <a:latin typeface="+mn-lt"/>
+                <a:ea typeface="+mn-ea"/>
+                <a:cs typeface="+mn-cs"/>
+              </a:rPr>
+              <a:t>CamelCase</a:t>
+            </a:r>
+            <a:r>
+              <a:rPr lang="en-US" sz="2800" kern="1200" dirty="0">
+                <a:solidFill>
+                  <a:schemeClr val="tx1"/>
+                </a:solidFill>
+                <a:effectLst/>
+                <a:latin typeface="+mn-lt"/>
+                <a:ea typeface="+mn-ea"/>
+                <a:cs typeface="+mn-cs"/>
+              </a:rPr>
+              <a:t> is just a personal preference BUT</a:t>
+            </a:r>
+          </a:p>
+          <a:p>
+            <a:pPr lvl="1"/>
+            <a:r>
+              <a:rPr lang="en-US" sz="2800" kern="1200" dirty="0">
+                <a:solidFill>
+                  <a:schemeClr val="tx1"/>
+                </a:solidFill>
+                <a:effectLst/>
+                <a:latin typeface="+mn-lt"/>
+                <a:ea typeface="+mn-ea"/>
+                <a:cs typeface="+mn-cs"/>
+              </a:rPr>
+              <a:t>Datatype at the beginning of the name of data (or a function) is useful</a:t>
+            </a:r>
           </a:p>
         </p:txBody>
       </p:sp>
@@ -11396,10 +11083,9 @@
           <a:lstStyle/>
           <a:p>
             <a:r>
-              <a:rPr lang="en-US" smtClean="0"/>
+              <a:rPr lang="en-US"/>
               <a:t>2021-01-01</a:t>
             </a:r>
-            <a:endParaRPr lang="en-US"/>
           </a:p>
         </p:txBody>
       </p:sp>
@@ -11419,7 +11105,7 @@
           <a:lstStyle/>
           <a:p>
             <a:r>
-              <a:rPr lang="en-US" smtClean="0"/>
+              <a:rPr lang="en-US"/>
               <a:t>RBL - Boston Python</a:t>
             </a:r>
             <a:endParaRPr lang="en-US" dirty="0"/>
@@ -11452,7 +11138,7 @@
     </p:spTree>
     <p:extLst>
       <p:ext uri="{BB962C8B-B14F-4D97-AF65-F5344CB8AC3E}">
-        <p14:creationId xmlns:p14="http://schemas.microsoft.com/office/powerpoint/2010/main" val="1853156086"/>
+        <p14:creationId xmlns:p14="http://schemas.microsoft.com/office/powerpoint/2010/main" val="867037978"/>
       </p:ext>
     </p:extLst>
   </p:cSld>
@@ -11494,118 +11180,144 @@
           <a:bodyPr/>
           <a:lstStyle/>
           <a:p>
-            <a:r>
-              <a:rPr lang="en-US" dirty="0" smtClean="0"/>
-              <a:t>Meaningful Data Contents, Too</a:t>
+            <a:pPr marL="0" lvl="0" indent="0">
+              <a:buNone/>
+            </a:pPr>
+            <a:r>
+              <a:rPr lang="en-US" dirty="0"/>
+              <a:t>Sort of Apology</a:t>
+            </a:r>
+          </a:p>
+        </p:txBody>
+      </p:sp>
+      <p:sp>
+        <p:nvSpPr>
+          <p:cNvPr id="3" name="Content Placeholder 2"/>
+          <p:cNvSpPr>
+            <a:spLocks noGrp="1"/>
+          </p:cNvSpPr>
+          <p:nvPr>
+            <p:ph idx="1"/>
+          </p:nvPr>
+        </p:nvSpPr>
+        <p:spPr/>
+        <p:txBody>
+          <a:bodyPr>
+            <a:normAutofit fontScale="92500" lnSpcReduction="10000"/>
+          </a:bodyPr>
+          <a:lstStyle/>
+          <a:p>
+            <a:pPr lvl="0"/>
+            <a:r>
+              <a:rPr lang="en-US" sz="3200" kern="1200" dirty="0">
+                <a:solidFill>
+                  <a:schemeClr val="tx1"/>
+                </a:solidFill>
+                <a:effectLst/>
+                <a:latin typeface="+mn-lt"/>
+                <a:ea typeface="+mn-ea"/>
+                <a:cs typeface="+mn-cs"/>
+              </a:rPr>
+              <a:t>Not PEP-8, sorry </a:t>
+            </a:r>
+          </a:p>
+          <a:p>
+            <a:pPr lvl="1"/>
+            <a:r>
+              <a:rPr lang="en-US" sz="2800" kern="1200" dirty="0">
+                <a:solidFill>
+                  <a:schemeClr val="tx1"/>
+                </a:solidFill>
+                <a:effectLst/>
+                <a:latin typeface="+mn-lt"/>
+                <a:ea typeface="+mn-ea"/>
+                <a:cs typeface="+mn-cs"/>
+              </a:rPr>
+              <a:t>But you can embed type in a pep8 name, too </a:t>
+            </a:r>
+          </a:p>
+          <a:p>
+            <a:pPr lvl="2"/>
+            <a:r>
+              <a:rPr lang="en-US" sz="2400" kern="1200" dirty="0" err="1">
+                <a:solidFill>
+                  <a:schemeClr val="tx1"/>
+                </a:solidFill>
+                <a:effectLst/>
+                <a:latin typeface="+mn-lt"/>
+                <a:ea typeface="+mn-ea"/>
+                <a:cs typeface="+mn-cs"/>
+              </a:rPr>
+              <a:t>foo_list</a:t>
+            </a:r>
+            <a:r>
+              <a:rPr lang="en-US" sz="2400" kern="1200" dirty="0">
+                <a:solidFill>
+                  <a:schemeClr val="tx1"/>
+                </a:solidFill>
+                <a:effectLst/>
+                <a:latin typeface="+mn-lt"/>
+                <a:ea typeface="+mn-ea"/>
+                <a:cs typeface="+mn-cs"/>
+              </a:rPr>
+              <a:t> or </a:t>
+            </a:r>
+            <a:r>
+              <a:rPr lang="en-US" sz="2400" kern="1200" dirty="0" err="1">
+                <a:solidFill>
+                  <a:schemeClr val="tx1"/>
+                </a:solidFill>
+                <a:effectLst/>
+                <a:latin typeface="+mn-lt"/>
+                <a:ea typeface="+mn-ea"/>
+                <a:cs typeface="+mn-cs"/>
+              </a:rPr>
+              <a:t>list_foo</a:t>
             </a:r>
             <a:endParaRPr lang="en-US" dirty="0"/>
           </a:p>
-        </p:txBody>
-      </p:sp>
-      <p:sp>
-        <p:nvSpPr>
-          <p:cNvPr id="3" name="Content Placeholder 2"/>
-          <p:cNvSpPr>
-            <a:spLocks noGrp="1"/>
-          </p:cNvSpPr>
-          <p:nvPr>
-            <p:ph idx="1"/>
-          </p:nvPr>
-        </p:nvSpPr>
-        <p:spPr/>
-        <p:txBody>
-          <a:bodyPr>
-            <a:normAutofit/>
-          </a:bodyPr>
-          <a:lstStyle/>
           <a:p>
             <a:pPr lvl="0"/>
             <a:r>
-              <a:rPr lang="en-US" sz="3200" kern="1200" dirty="0" smtClean="0">
-                <a:solidFill>
-                  <a:schemeClr val="tx1"/>
-                </a:solidFill>
-                <a:effectLst/>
-                <a:latin typeface="+mn-lt"/>
-                <a:ea typeface="+mn-ea"/>
-                <a:cs typeface="+mn-cs"/>
-              </a:rPr>
-              <a:t>If you have lots of class instances, addresses are not useful to humans</a:t>
-            </a:r>
-          </a:p>
-          <a:p>
-            <a:pPr lvl="1"/>
-            <a:r>
-              <a:rPr lang="en-US" sz="2800" kern="1200" dirty="0" smtClean="0">
-                <a:solidFill>
-                  <a:schemeClr val="tx1"/>
-                </a:solidFill>
-                <a:effectLst/>
-                <a:latin typeface="+mn-lt"/>
-                <a:ea typeface="+mn-ea"/>
-                <a:cs typeface="+mn-cs"/>
-              </a:rPr>
-              <a:t>Assign readable IDs in instances</a:t>
+              <a:rPr lang="en-US" sz="3200" kern="1200" dirty="0">
+                <a:solidFill>
+                  <a:schemeClr val="tx1"/>
+                </a:solidFill>
+                <a:effectLst/>
+                <a:latin typeface="+mn-lt"/>
+                <a:ea typeface="+mn-ea"/>
+                <a:cs typeface="+mn-cs"/>
+              </a:rPr>
+              <a:t>If I were building packages for distribution, I</a:t>
+            </a:r>
+            <a:r>
+              <a:rPr lang="en-US" sz="3200" kern="1200" baseline="0" dirty="0">
+                <a:solidFill>
+                  <a:schemeClr val="tx1"/>
+                </a:solidFill>
+                <a:effectLst/>
+                <a:latin typeface="+mn-lt"/>
+                <a:ea typeface="+mn-ea"/>
+                <a:cs typeface="+mn-cs"/>
+              </a:rPr>
+              <a:t> would</a:t>
+            </a:r>
+            <a:r>
+              <a:rPr lang="en-US" sz="3200" kern="1200" dirty="0">
+                <a:solidFill>
+                  <a:schemeClr val="tx1"/>
+                </a:solidFill>
+                <a:effectLst/>
+                <a:latin typeface="+mn-lt"/>
+                <a:ea typeface="+mn-ea"/>
+                <a:cs typeface="+mn-cs"/>
+              </a:rPr>
+              <a:t> reform my evil ways</a:t>
             </a:r>
           </a:p>
           <a:p>
             <a:pPr lvl="0"/>
-            <a:r>
-              <a:rPr lang="en-US" sz="3200" kern="1200" dirty="0" smtClean="0">
-                <a:solidFill>
-                  <a:schemeClr val="tx1"/>
-                </a:solidFill>
-                <a:effectLst/>
-                <a:latin typeface="+mn-lt"/>
-                <a:ea typeface="+mn-ea"/>
-                <a:cs typeface="+mn-cs"/>
-              </a:rPr>
-              <a:t>My last project had only </a:t>
-            </a:r>
-            <a:r>
-              <a:rPr lang="en-US" dirty="0" smtClean="0"/>
-              <a:t>~2</a:t>
-            </a:r>
-            <a:r>
-              <a:rPr lang="en-US" sz="3200" kern="1200" dirty="0" smtClean="0">
-                <a:solidFill>
-                  <a:schemeClr val="tx1"/>
-                </a:solidFill>
-                <a:effectLst/>
-                <a:latin typeface="+mn-lt"/>
-                <a:ea typeface="+mn-ea"/>
-                <a:cs typeface="+mn-cs"/>
-              </a:rPr>
-              <a:t>0 major classes but 10-50,000 instances of some classes</a:t>
-            </a:r>
-          </a:p>
-          <a:p>
-            <a:pPr lvl="0"/>
-            <a:r>
-              <a:rPr lang="en-US" sz="3200" kern="1200" dirty="0" smtClean="0">
-                <a:solidFill>
-                  <a:schemeClr val="tx1"/>
-                </a:solidFill>
-                <a:effectLst/>
-                <a:latin typeface="+mn-lt"/>
-                <a:ea typeface="+mn-ea"/>
-                <a:cs typeface="+mn-cs"/>
-              </a:rPr>
-              <a:t>(The debug</a:t>
-            </a:r>
-            <a:r>
-              <a:rPr lang="en-US" sz="3200" kern="1200" baseline="0" dirty="0" smtClean="0">
-                <a:solidFill>
-                  <a:schemeClr val="tx1"/>
-                </a:solidFill>
-                <a:effectLst/>
-                <a:latin typeface="+mn-lt"/>
-                <a:ea typeface="+mn-ea"/>
-                <a:cs typeface="+mn-cs"/>
-              </a:rPr>
-              <a:t> package here displays IDs, instance names)</a:t>
-            </a:r>
-            <a:endParaRPr lang="en-US" sz="3200" kern="1200" dirty="0" smtClean="0">
+            <a:endParaRPr lang="en-US" sz="3200" kern="1200" dirty="0">
               <a:solidFill>
                 <a:schemeClr val="tx1"/>
               </a:solidFill>
@@ -11615,6 +11327,43 @@
               <a:cs typeface="+mn-cs"/>
             </a:endParaRPr>
           </a:p>
+          <a:p>
+            <a:pPr marL="0" indent="0">
+              <a:buNone/>
+            </a:pPr>
+            <a:r>
+              <a:rPr lang="en-US" sz="2200" dirty="0"/>
+              <a:t>"Any programmer who fails to comply with the standard</a:t>
+            </a:r>
+            <a:r>
+              <a:rPr lang="en-US" sz="2200" baseline="0" dirty="0"/>
+              <a:t> naming, formatting or commenting conventions should be shot.  If it so happens that it is inconvenient to shoot him, then he is to be politely requested to recode his program in adherence to the above standard."</a:t>
+            </a:r>
+          </a:p>
+          <a:p>
+            <a:pPr marL="0" indent="0">
+              <a:buNone/>
+            </a:pPr>
+            <a:endParaRPr lang="en-US" sz="2600" baseline="0" dirty="0"/>
+          </a:p>
+          <a:p>
+            <a:pPr marL="0" indent="0" algn="r">
+              <a:buNone/>
+            </a:pPr>
+            <a:r>
+              <a:rPr lang="en-US" sz="1900" i="1" baseline="0" dirty="0"/>
+              <a:t>-- Mike </a:t>
+            </a:r>
+            <a:r>
+              <a:rPr lang="en-US" sz="1900" i="1" baseline="0" dirty="0" err="1"/>
+              <a:t>Spier</a:t>
+            </a:r>
+            <a:r>
+              <a:rPr lang="en-US" sz="1900" i="1" baseline="0" dirty="0"/>
+              <a:t>, Digital Equipment Corporation, 1971</a:t>
+            </a:r>
+            <a:endParaRPr lang="en-US" sz="1900" i="1" dirty="0"/>
+          </a:p>
         </p:txBody>
       </p:sp>
       <p:sp>
@@ -11633,10 +11382,9 @@
           <a:lstStyle/>
           <a:p>
             <a:r>
-              <a:rPr lang="en-US" smtClean="0"/>
+              <a:rPr lang="en-US"/>
               <a:t>2021-01-01</a:t>
             </a:r>
-            <a:endParaRPr lang="en-US"/>
           </a:p>
         </p:txBody>
       </p:sp>
@@ -11656,7 +11404,7 @@
           <a:lstStyle/>
           <a:p>
             <a:r>
-              <a:rPr lang="en-US" smtClean="0"/>
+              <a:rPr lang="en-US"/>
               <a:t>RBL - Boston Python</a:t>
             </a:r>
             <a:endParaRPr lang="en-US" dirty="0"/>
@@ -11689,20 +11437,13 @@
     </p:spTree>
     <p:extLst>
       <p:ext uri="{BB962C8B-B14F-4D97-AF65-F5344CB8AC3E}">
-        <p14:creationId xmlns:p14="http://schemas.microsoft.com/office/powerpoint/2010/main" val="2100915525"/>
+        <p14:creationId xmlns:p14="http://schemas.microsoft.com/office/powerpoint/2010/main" val="1853156086"/>
       </p:ext>
     </p:extLst>
   </p:cSld>
   <p:clrMapOvr>
     <a:masterClrMapping/>
   </p:clrMapOvr>
-  <p:timing>
-    <p:tnLst>
-      <p:par>
-        <p:cTn id="1" dur="indefinite" restart="never" nodeType="tmRoot"/>
-      </p:par>
-    </p:tnLst>
-  </p:timing>
 </p:sld>
 </file>
 
@@ -11739,10 +11480,9 @@
           <a:lstStyle/>
           <a:p>
             <a:r>
-              <a:rPr lang="en-US" dirty="0" smtClean="0"/>
-              <a:t>Contact</a:t>
-            </a:r>
-            <a:endParaRPr lang="en-US" dirty="0"/>
+              <a:rPr lang="en-US" dirty="0"/>
+              <a:t>Meaningful Data Contents, Too</a:t>
+            </a:r>
           </a:p>
         </p:txBody>
       </p:sp>
@@ -11758,32 +11498,106 @@
         </p:nvSpPr>
         <p:spPr/>
         <p:txBody>
-          <a:bodyPr/>
-          <a:lstStyle/>
-          <a:p>
-            <a:r>
-              <a:rPr lang="en-US" dirty="0" smtClean="0"/>
-              <a:t>www.github.com/rblandau/NewTrace</a:t>
-            </a:r>
-          </a:p>
-          <a:p>
-            <a:endParaRPr lang="en-US" dirty="0" smtClean="0"/>
-          </a:p>
-          <a:p>
-            <a:r>
-              <a:rPr lang="en-US" dirty="0" smtClean="0"/>
-              <a:t>email: </a:t>
-            </a:r>
-            <a:r>
-              <a:rPr lang="en-US" dirty="0" smtClean="0">
-                <a:hlinkClick r:id="rId2"/>
-              </a:rPr>
-              <a:t>landau@ricksoft.com</a:t>
-            </a:r>
-            <a:endParaRPr lang="en-US" dirty="0" smtClean="0"/>
-          </a:p>
-          <a:p>
-            <a:endParaRPr lang="en-US" dirty="0"/>
+          <a:bodyPr>
+            <a:normAutofit/>
+          </a:bodyPr>
+          <a:lstStyle/>
+          <a:p>
+            <a:pPr lvl="0"/>
+            <a:r>
+              <a:rPr lang="en-US" sz="3200" kern="1200" dirty="0">
+                <a:solidFill>
+                  <a:schemeClr val="tx1"/>
+                </a:solidFill>
+                <a:effectLst/>
+                <a:latin typeface="+mn-lt"/>
+                <a:ea typeface="+mn-ea"/>
+                <a:cs typeface="+mn-cs"/>
+              </a:rPr>
+              <a:t>If you have lots of class instances, addresses are not useful to humans</a:t>
+            </a:r>
+          </a:p>
+          <a:p>
+            <a:pPr lvl="1"/>
+            <a:r>
+              <a:rPr lang="en-US" sz="2800" kern="1200" dirty="0">
+                <a:solidFill>
+                  <a:schemeClr val="tx1"/>
+                </a:solidFill>
+                <a:effectLst/>
+                <a:latin typeface="+mn-lt"/>
+                <a:ea typeface="+mn-ea"/>
+                <a:cs typeface="+mn-cs"/>
+              </a:rPr>
+              <a:t>Assign readable IDs in instances</a:t>
+            </a:r>
+          </a:p>
+          <a:p>
+            <a:pPr lvl="0"/>
+            <a:r>
+              <a:rPr lang="en-US" sz="3200" kern="1200" dirty="0">
+                <a:solidFill>
+                  <a:schemeClr val="tx1"/>
+                </a:solidFill>
+                <a:effectLst/>
+                <a:latin typeface="+mn-lt"/>
+                <a:ea typeface="+mn-ea"/>
+                <a:cs typeface="+mn-cs"/>
+              </a:rPr>
+              <a:t>My last project had only </a:t>
+            </a:r>
+            <a:r>
+              <a:rPr lang="en-US" dirty="0"/>
+              <a:t>~2</a:t>
+            </a:r>
+            <a:r>
+              <a:rPr lang="en-US" sz="3200" kern="1200" dirty="0">
+                <a:solidFill>
+                  <a:schemeClr val="tx1"/>
+                </a:solidFill>
+                <a:effectLst/>
+                <a:latin typeface="+mn-lt"/>
+                <a:ea typeface="+mn-ea"/>
+                <a:cs typeface="+mn-cs"/>
+              </a:rPr>
+              <a:t>0 major classes but 10-50,000 instances of some classes</a:t>
+            </a:r>
+          </a:p>
+          <a:p>
+            <a:pPr lvl="0"/>
+            <a:r>
+              <a:rPr lang="en-US" sz="3200" kern="1200" dirty="0">
+                <a:solidFill>
+                  <a:schemeClr val="tx1"/>
+                </a:solidFill>
+                <a:effectLst/>
+                <a:latin typeface="+mn-lt"/>
+                <a:ea typeface="+mn-ea"/>
+                <a:cs typeface="+mn-cs"/>
+              </a:rPr>
+              <a:t>(The debug</a:t>
+            </a:r>
+            <a:r>
+              <a:rPr lang="en-US" sz="3200" kern="1200" baseline="0" dirty="0">
+                <a:solidFill>
+                  <a:schemeClr val="tx1"/>
+                </a:solidFill>
+                <a:effectLst/>
+                <a:latin typeface="+mn-lt"/>
+                <a:ea typeface="+mn-ea"/>
+                <a:cs typeface="+mn-cs"/>
+              </a:rPr>
+              <a:t> package here displays IDs, instance names)</a:t>
+            </a:r>
+            <a:endParaRPr lang="en-US" sz="3200" kern="1200" dirty="0">
+              <a:solidFill>
+                <a:schemeClr val="tx1"/>
+              </a:solidFill>
+              <a:effectLst/>
+              <a:latin typeface="+mn-lt"/>
+              <a:ea typeface="+mn-ea"/>
+              <a:cs typeface="+mn-cs"/>
+            </a:endParaRPr>
           </a:p>
         </p:txBody>
       </p:sp>
@@ -11803,10 +11617,9 @@
           <a:lstStyle/>
           <a:p>
             <a:r>
-              <a:rPr lang="en-US" smtClean="0"/>
+              <a:rPr lang="en-US"/>
               <a:t>2021-01-01</a:t>
             </a:r>
-            <a:endParaRPr lang="en-US"/>
           </a:p>
         </p:txBody>
       </p:sp>
@@ -11826,7 +11639,7 @@
           <a:lstStyle/>
           <a:p>
             <a:r>
-              <a:rPr lang="en-US" smtClean="0"/>
+              <a:rPr lang="en-US"/>
               <a:t>RBL - Boston Python</a:t>
             </a:r>
             <a:endParaRPr lang="en-US" dirty="0"/>
@@ -11859,7 +11672,7 @@
     </p:spTree>
     <p:extLst>
       <p:ext uri="{BB962C8B-B14F-4D97-AF65-F5344CB8AC3E}">
-        <p14:creationId xmlns:p14="http://schemas.microsoft.com/office/powerpoint/2010/main" val="2919167354"/>
+        <p14:creationId xmlns:p14="http://schemas.microsoft.com/office/powerpoint/2010/main" val="2100915525"/>
       </p:ext>
     </p:extLst>
   </p:cSld>
@@ -11902,10 +11715,9 @@
           <a:lstStyle/>
           <a:p>
             <a:r>
-              <a:rPr lang="en-US" dirty="0" smtClean="0"/>
+              <a:rPr lang="en-US" dirty="0"/>
               <a:t>Offline Debugging</a:t>
             </a:r>
-            <a:endParaRPr lang="en-US" dirty="0"/>
           </a:p>
         </p:txBody>
       </p:sp>
@@ -11926,34 +11738,29 @@
           <a:p>
             <a:pPr lvl="0"/>
             <a:r>
-              <a:rPr lang="en-US" dirty="0" smtClean="0"/>
-              <a:t>Make a record of what a program </a:t>
-            </a:r>
-            <a:r>
-              <a:rPr lang="en-US" dirty="0" smtClean="0"/>
-              <a:t>does</a:t>
+              <a:rPr lang="en-US" dirty="0"/>
+              <a:t>Make a record of what a program does</a:t>
             </a:r>
           </a:p>
           <a:p>
             <a:pPr lvl="1"/>
             <a:r>
-              <a:rPr lang="en-US" b="1" dirty="0" smtClean="0"/>
+              <a:rPr lang="en-US" b="1" dirty="0"/>
               <a:t>Not</a:t>
             </a:r>
             <a:r>
-              <a:rPr lang="en-US" dirty="0" smtClean="0"/>
+              <a:rPr lang="en-US" dirty="0"/>
               <a:t> intended as a permanent record to replace activity or auditing log</a:t>
             </a:r>
-            <a:endParaRPr lang="en-US" dirty="0" smtClean="0"/>
           </a:p>
           <a:p>
             <a:pPr lvl="0"/>
             <a:r>
-              <a:rPr lang="en-US" dirty="0" smtClean="0"/>
+              <a:rPr lang="en-US" dirty="0"/>
               <a:t>Not interactive</a:t>
             </a:r>
             <a:r>
-              <a:rPr lang="en-US" baseline="0" dirty="0" smtClean="0"/>
+              <a:rPr lang="en-US" baseline="0" dirty="0"/>
               <a:t> debugging step by step</a:t>
             </a:r>
           </a:p>
@@ -11975,10 +11782,9 @@
           <a:lstStyle/>
           <a:p>
             <a:r>
-              <a:rPr lang="en-US" smtClean="0"/>
+              <a:rPr lang="en-US"/>
               <a:t>2021-01-01</a:t>
             </a:r>
-            <a:endParaRPr lang="en-US"/>
           </a:p>
         </p:txBody>
       </p:sp>
@@ -11998,7 +11804,7 @@
           <a:lstStyle/>
           <a:p>
             <a:r>
-              <a:rPr lang="en-US" smtClean="0"/>
+              <a:rPr lang="en-US"/>
               <a:t>RBL - Boston Python</a:t>
             </a:r>
             <a:endParaRPr lang="en-US" dirty="0"/>
@@ -12077,18 +11883,18 @@
           <a:p>
             <a:pPr lvl="0"/>
             <a:r>
-              <a:rPr lang="en-US" dirty="0" smtClean="0"/>
+              <a:rPr lang="en-US" dirty="0"/>
               <a:t>New Program Doesn’t Do</a:t>
             </a:r>
             <a:br>
-              <a:rPr lang="en-US" dirty="0" smtClean="0"/>
+              <a:rPr lang="en-US" dirty="0"/>
             </a:br>
             <a:r>
-              <a:rPr lang="en-US" dirty="0" smtClean="0"/>
+              <a:rPr lang="en-US" dirty="0"/>
               <a:t>What</a:t>
             </a:r>
             <a:r>
-              <a:rPr lang="en-US" baseline="0" dirty="0" smtClean="0"/>
+              <a:rPr lang="en-US" baseline="0" dirty="0"/>
               <a:t> You Want It To Do?</a:t>
             </a:r>
             <a:endParaRPr lang="en-US" dirty="0"/>
@@ -12111,26 +11917,18 @@
           <a:lstStyle/>
           <a:p>
             <a:r>
-              <a:rPr lang="en-US" dirty="0" smtClean="0"/>
+              <a:rPr lang="en-US" dirty="0"/>
               <a:t>Sprinkle a few print()</a:t>
             </a:r>
             <a:r>
-              <a:rPr lang="en-US" baseline="0" dirty="0" smtClean="0"/>
+              <a:rPr lang="en-US" baseline="0" dirty="0"/>
               <a:t> statements in to print the data at key locations, and run it again</a:t>
             </a:r>
           </a:p>
           <a:p>
             <a:r>
-              <a:rPr lang="en-US" baseline="0" dirty="0" smtClean="0"/>
-              <a:t>Stare at the output, wonder why it did what it did, and why </a:t>
-            </a:r>
-            <a:r>
-              <a:rPr lang="en-US" baseline="0" dirty="0" smtClean="0"/>
-              <a:t>it did it in </a:t>
-            </a:r>
-            <a:r>
-              <a:rPr lang="en-US" baseline="0" dirty="0" smtClean="0"/>
-              <a:t>that order</a:t>
+              <a:rPr lang="en-US" baseline="0" dirty="0"/>
+              <a:t>Stare at the output, wonder why it did what it did, and why it did it in that order</a:t>
             </a:r>
             <a:endParaRPr lang="en-US" dirty="0"/>
           </a:p>
@@ -12152,10 +11950,9 @@
           <a:lstStyle/>
           <a:p>
             <a:r>
-              <a:rPr lang="en-US" smtClean="0"/>
+              <a:rPr lang="en-US"/>
               <a:t>2021-01-01</a:t>
             </a:r>
-            <a:endParaRPr lang="en-US"/>
           </a:p>
         </p:txBody>
       </p:sp>
@@ -12175,7 +11972,7 @@
           <a:lstStyle/>
           <a:p>
             <a:r>
-              <a:rPr lang="en-US" smtClean="0"/>
+              <a:rPr lang="en-US"/>
               <a:t>RBL - Boston Python</a:t>
             </a:r>
             <a:endParaRPr lang="en-US" dirty="0"/>
@@ -12251,11 +12048,11 @@
           <a:lstStyle/>
           <a:p>
             <a:r>
-              <a:rPr lang="en-US" dirty="0" smtClean="0"/>
+              <a:rPr lang="en-US" dirty="0"/>
               <a:t>Interactive</a:t>
             </a:r>
             <a:r>
-              <a:rPr lang="en-US" baseline="0" dirty="0" smtClean="0"/>
+              <a:rPr lang="en-US" baseline="0" dirty="0"/>
               <a:t> Debugging</a:t>
             </a:r>
             <a:endParaRPr lang="en-US" dirty="0"/>
@@ -12278,60 +12075,59 @@
           <a:lstStyle/>
           <a:p>
             <a:r>
-              <a:rPr lang="en-US" baseline="0" dirty="0" smtClean="0"/>
+              <a:rPr lang="en-US" baseline="0" dirty="0"/>
               <a:t>Set some breakpoints, run, examine data</a:t>
             </a:r>
           </a:p>
           <a:p>
             <a:r>
-              <a:rPr lang="en-US" baseline="0" dirty="0" smtClean="0"/>
+              <a:rPr lang="en-US" baseline="0" dirty="0"/>
               <a:t>Great for small-</a:t>
             </a:r>
             <a:r>
-              <a:rPr lang="en-US" baseline="0" dirty="0" err="1" smtClean="0"/>
+              <a:rPr lang="en-US" baseline="0" dirty="0" err="1"/>
               <a:t>ish</a:t>
             </a:r>
             <a:r>
-              <a:rPr lang="en-US" baseline="0" dirty="0" smtClean="0"/>
+              <a:rPr lang="en-US" baseline="0" dirty="0"/>
               <a:t> programs that can be run interactively</a:t>
             </a:r>
           </a:p>
           <a:p>
             <a:r>
-              <a:rPr lang="en-US" dirty="0" err="1" smtClean="0"/>
+              <a:rPr lang="en-US" dirty="0" err="1"/>
               <a:t>pdb</a:t>
             </a:r>
             <a:r>
-              <a:rPr lang="en-US" dirty="0" smtClean="0"/>
+              <a:rPr lang="en-US" dirty="0"/>
               <a:t>,</a:t>
             </a:r>
             <a:r>
-              <a:rPr lang="en-US" baseline="0" dirty="0" smtClean="0"/>
+              <a:rPr lang="en-US" baseline="0" dirty="0"/>
               <a:t> </a:t>
             </a:r>
             <a:r>
-              <a:rPr lang="en-US" baseline="0" dirty="0" err="1" smtClean="0"/>
+              <a:rPr lang="en-US" baseline="0" dirty="0" err="1"/>
               <a:t>pudb</a:t>
             </a:r>
             <a:r>
-              <a:rPr lang="en-US" baseline="0" dirty="0" smtClean="0"/>
+              <a:rPr lang="en-US" baseline="0" dirty="0"/>
               <a:t>,</a:t>
             </a:r>
             <a:r>
-              <a:rPr lang="en-US" dirty="0" smtClean="0"/>
+              <a:rPr lang="en-US" dirty="0"/>
               <a:t> a dozen others,</a:t>
             </a:r>
             <a:r>
-              <a:rPr lang="en-US" baseline="0" dirty="0" smtClean="0"/>
+              <a:rPr lang="en-US" baseline="0" dirty="0"/>
               <a:t> etc.</a:t>
             </a:r>
           </a:p>
           <a:p>
             <a:r>
-              <a:rPr lang="en-US" dirty="0" smtClean="0"/>
+              <a:rPr lang="en-US" dirty="0"/>
               <a:t>Breakpoints, stepping, data examination</a:t>
             </a:r>
-            <a:endParaRPr lang="en-US" dirty="0"/>
           </a:p>
         </p:txBody>
       </p:sp>
@@ -12351,10 +12147,9 @@
           <a:lstStyle/>
           <a:p>
             <a:r>
-              <a:rPr lang="en-US" smtClean="0"/>
+              <a:rPr lang="en-US"/>
               <a:t>2021-01-01</a:t>
             </a:r>
-            <a:endParaRPr lang="en-US"/>
           </a:p>
         </p:txBody>
       </p:sp>
@@ -12374,7 +12169,7 @@
           <a:lstStyle/>
           <a:p>
             <a:r>
-              <a:rPr lang="en-US" smtClean="0"/>
+              <a:rPr lang="en-US"/>
               <a:t>RBL - Boston Python</a:t>
             </a:r>
             <a:endParaRPr lang="en-US" dirty="0"/>
@@ -12452,17 +12247,16 @@
           <a:lstStyle/>
           <a:p>
             <a:r>
-              <a:rPr lang="en-US" dirty="0" smtClean="0"/>
+              <a:rPr lang="en-US" dirty="0"/>
               <a:t>Interactive Debugging </a:t>
             </a:r>
             <a:br>
-              <a:rPr lang="en-US" dirty="0" smtClean="0"/>
+              <a:rPr lang="en-US" dirty="0"/>
             </a:br>
             <a:r>
-              <a:rPr lang="en-US" dirty="0" smtClean="0"/>
+              <a:rPr lang="en-US" dirty="0"/>
               <a:t>Might Not be Simple</a:t>
             </a:r>
-            <a:endParaRPr lang="en-US" dirty="0"/>
           </a:p>
         </p:txBody>
       </p:sp>
@@ -12485,7 +12279,7 @@
           <a:p>
             <a:pPr lvl="0"/>
             <a:r>
-              <a:rPr lang="en-US" sz="3200" kern="1200" dirty="0" smtClean="0">
+              <a:rPr lang="en-US" sz="3200" kern="1200" dirty="0">
                 <a:solidFill>
                   <a:schemeClr val="tx1"/>
                 </a:solidFill>
@@ -12497,7 +12291,7 @@
               <a:t>Interactive debugging might not be eas</a:t>
             </a:r>
             <a:r>
-              <a:rPr lang="en-US" sz="3200" kern="1200" baseline="0" dirty="0" smtClean="0">
+              <a:rPr lang="en-US" sz="3200" kern="1200" baseline="0" dirty="0">
                 <a:solidFill>
                   <a:schemeClr val="tx1"/>
                 </a:solidFill>
@@ -12508,7 +12302,7 @@
               </a:rPr>
               <a:t>y to use</a:t>
             </a:r>
-            <a:endParaRPr lang="en-US" sz="3200" kern="1200" dirty="0" smtClean="0">
+            <a:endParaRPr lang="en-US" sz="3200" kern="1200" dirty="0">
               <a:solidFill>
                 <a:schemeClr val="tx1"/>
               </a:solidFill>
@@ -12521,7 +12315,7 @@
           <a:p>
             <a:pPr lvl="1"/>
             <a:r>
-              <a:rPr lang="en-US" sz="2800" kern="1200" dirty="0" smtClean="0">
+              <a:rPr lang="en-US" sz="2800" kern="1200" dirty="0">
                 <a:solidFill>
                   <a:schemeClr val="tx1"/>
                 </a:solidFill>
@@ -12533,7 +12327,7 @@
               <a:t>Lengthy</a:t>
             </a:r>
             <a:r>
-              <a:rPr lang="en-US" sz="2800" kern="1200" baseline="0" dirty="0" smtClean="0">
+              <a:rPr lang="en-US" sz="2800" kern="1200" baseline="0" dirty="0">
                 <a:solidFill>
                   <a:schemeClr val="tx1"/>
                 </a:solidFill>
@@ -12548,37 +12342,25 @@
           <a:p>
             <a:pPr lvl="2"/>
             <a:r>
-              <a:rPr lang="en-US" sz="2400" kern="1200" baseline="0" dirty="0" smtClean="0">
-                <a:solidFill>
-                  <a:schemeClr val="tx1"/>
-                </a:solidFill>
-                <a:effectLst/>
-                <a:latin typeface="+mn-lt"/>
-                <a:ea typeface="+mn-ea"/>
-                <a:cs typeface="+mn-cs"/>
-              </a:rPr>
-              <a:t>Requires more patience than I </a:t>
-            </a:r>
-            <a:r>
-              <a:rPr lang="en-US" sz="2400" kern="1200" baseline="0" dirty="0" smtClean="0">
-                <a:solidFill>
-                  <a:schemeClr val="tx1"/>
-                </a:solidFill>
-                <a:effectLst/>
-                <a:latin typeface="+mn-lt"/>
-                <a:ea typeface="+mn-ea"/>
-                <a:cs typeface="+mn-cs"/>
-              </a:rPr>
-              <a:t>have</a:t>
+              <a:rPr lang="en-US" sz="2400" kern="1200" baseline="0" dirty="0">
+                <a:solidFill>
+                  <a:schemeClr val="tx1"/>
+                </a:solidFill>
+                <a:effectLst/>
+                <a:latin typeface="+mn-lt"/>
+                <a:ea typeface="+mn-ea"/>
+                <a:cs typeface="+mn-cs"/>
+              </a:rPr>
+              <a:t>Requires more patience than I have</a:t>
             </a:r>
           </a:p>
           <a:p>
             <a:pPr lvl="1"/>
             <a:r>
-              <a:rPr lang="en-US" sz="2800" dirty="0" smtClean="0"/>
+              <a:rPr lang="en-US" sz="2800" dirty="0"/>
               <a:t>Long run time</a:t>
             </a:r>
-            <a:endParaRPr lang="en-US" sz="2800" kern="1200" baseline="0" dirty="0" smtClean="0">
+            <a:endParaRPr lang="en-US" sz="2800" kern="1200" baseline="0" dirty="0">
               <a:solidFill>
                 <a:schemeClr val="tx1"/>
               </a:solidFill>
@@ -12591,7 +12373,7 @@
           <a:p>
             <a:pPr lvl="1"/>
             <a:r>
-              <a:rPr lang="en-US" sz="2800" kern="1200" baseline="0" dirty="0" smtClean="0">
+              <a:rPr lang="en-US" sz="2800" kern="1200" baseline="0" dirty="0">
                 <a:solidFill>
                   <a:schemeClr val="tx1"/>
                 </a:solidFill>
@@ -12606,7 +12388,7 @@
           <a:p>
             <a:pPr lvl="1"/>
             <a:r>
-              <a:rPr lang="en-US" sz="2800" kern="1200" dirty="0" smtClean="0">
+              <a:rPr lang="en-US" sz="2800" kern="1200" dirty="0">
                 <a:solidFill>
                   <a:schemeClr val="tx1"/>
                 </a:solidFill>
@@ -12636,10 +12418,9 @@
           <a:lstStyle/>
           <a:p>
             <a:r>
-              <a:rPr lang="en-US" smtClean="0"/>
+              <a:rPr lang="en-US"/>
               <a:t>2021-01-01</a:t>
             </a:r>
-            <a:endParaRPr lang="en-US"/>
           </a:p>
         </p:txBody>
       </p:sp>
@@ -12659,7 +12440,7 @@
           <a:lstStyle/>
           <a:p>
             <a:r>
-              <a:rPr lang="en-US" smtClean="0"/>
+              <a:rPr lang="en-US"/>
               <a:t>RBL - Boston Python</a:t>
             </a:r>
             <a:endParaRPr lang="en-US" dirty="0"/>
@@ -12735,10 +12516,9 @@
           <a:lstStyle/>
           <a:p>
             <a:r>
-              <a:rPr lang="en-US" dirty="0" smtClean="0"/>
+              <a:rPr lang="en-US" dirty="0"/>
               <a:t>Python trace Module?</a:t>
             </a:r>
-            <a:endParaRPr lang="en-US" dirty="0"/>
           </a:p>
         </p:txBody>
       </p:sp>
@@ -12759,7 +12539,7 @@
           <a:p>
             <a:pPr lvl="0"/>
             <a:r>
-              <a:rPr lang="en-US" sz="3200" kern="1200" dirty="0" smtClean="0">
+              <a:rPr lang="en-US" sz="3200" kern="1200" dirty="0">
                 <a:solidFill>
                   <a:schemeClr val="tx1"/>
                 </a:solidFill>
@@ -12774,7 +12554,7 @@
           <a:p>
             <a:pPr lvl="1"/>
             <a:r>
-              <a:rPr lang="en-US" sz="2800" kern="1200" dirty="0" smtClean="0">
+              <a:rPr lang="en-US" sz="2800" kern="1200" dirty="0">
                 <a:solidFill>
                   <a:schemeClr val="tx1"/>
                 </a:solidFill>
@@ -12786,7 +12566,7 @@
               <a:t>Tracks</a:t>
             </a:r>
             <a:r>
-              <a:rPr lang="en-US" sz="2800" kern="1200" baseline="0" dirty="0" smtClean="0">
+              <a:rPr lang="en-US" sz="2800" kern="1200" baseline="0" dirty="0">
                 <a:solidFill>
                   <a:schemeClr val="tx1"/>
                 </a:solidFill>
@@ -12798,7 +12578,7 @@
               <a:t> </a:t>
             </a:r>
             <a:r>
-              <a:rPr lang="en-US" sz="2800" kern="1200" dirty="0" smtClean="0">
+              <a:rPr lang="en-US" sz="2800" kern="1200" dirty="0">
                 <a:solidFill>
                   <a:schemeClr val="tx1"/>
                 </a:solidFill>
@@ -12810,7 +12590,7 @@
               <a:t>process, sequence of statements, not data</a:t>
             </a:r>
             <a:r>
-              <a:rPr lang="en-US" sz="2800" kern="1200" baseline="0" dirty="0" smtClean="0">
+              <a:rPr lang="en-US" sz="2800" kern="1200" baseline="0" dirty="0">
                 <a:solidFill>
                   <a:schemeClr val="tx1"/>
                 </a:solidFill>
@@ -12821,7 +12601,46 @@
               </a:rPr>
               <a:t> </a:t>
             </a:r>
-            <a:endParaRPr lang="en-US" sz="2800" kern="1200" baseline="0" dirty="0" smtClean="0">
+          </a:p>
+          <a:p>
+            <a:pPr lvl="0"/>
+            <a:r>
+              <a:rPr lang="en-US" sz="3200" kern="1200" dirty="0">
+                <a:solidFill>
+                  <a:schemeClr val="tx1"/>
+                </a:solidFill>
+                <a:effectLst/>
+                <a:latin typeface="+mn-lt"/>
+                <a:ea typeface="+mn-ea"/>
+                <a:cs typeface="+mn-cs"/>
+              </a:rPr>
+              <a:t>Sam</a:t>
+            </a:r>
+            <a:r>
+              <a:rPr lang="en-US" sz="3200" kern="1200" baseline="0" dirty="0">
+                <a:solidFill>
+                  <a:schemeClr val="tx1"/>
+                </a:solidFill>
+                <a:effectLst/>
+                <a:latin typeface="+mn-lt"/>
+                <a:ea typeface="+mn-ea"/>
+                <a:cs typeface="+mn-cs"/>
+              </a:rPr>
+              <a:t>e for </a:t>
+            </a:r>
+            <a:r>
+              <a:rPr lang="en-US" sz="3200" kern="1200" baseline="0" dirty="0" err="1">
+                <a:solidFill>
+                  <a:schemeClr val="tx1"/>
+                </a:solidFill>
+                <a:effectLst/>
+                <a:latin typeface="+mn-lt"/>
+                <a:ea typeface="+mn-ea"/>
+                <a:cs typeface="+mn-cs"/>
+              </a:rPr>
+              <a:t>PySnooper</a:t>
+            </a:r>
+            <a:endParaRPr lang="en-US" sz="3200" kern="1200" baseline="0" dirty="0">
               <a:solidFill>
                 <a:schemeClr val="tx1"/>
               </a:solidFill>
@@ -12832,44 +12651,47 @@
             </a:endParaRPr>
           </a:p>
           <a:p>
-            <a:pPr lvl="0"/>
-            <a:r>
-              <a:rPr lang="en-US" sz="3200" kern="1200" dirty="0" smtClean="0">
-                <a:solidFill>
-                  <a:schemeClr val="tx1"/>
-                </a:solidFill>
-                <a:effectLst/>
-                <a:latin typeface="+mn-lt"/>
-                <a:ea typeface="+mn-ea"/>
-                <a:cs typeface="+mn-cs"/>
-              </a:rPr>
-              <a:t>Sam</a:t>
-            </a:r>
-            <a:r>
-              <a:rPr lang="en-US" sz="3200" kern="1200" baseline="0" dirty="0" smtClean="0">
-                <a:solidFill>
-                  <a:schemeClr val="tx1"/>
-                </a:solidFill>
-                <a:effectLst/>
-                <a:latin typeface="+mn-lt"/>
-                <a:ea typeface="+mn-ea"/>
-                <a:cs typeface="+mn-cs"/>
-              </a:rPr>
-              <a:t>e for </a:t>
-            </a:r>
-            <a:r>
-              <a:rPr lang="en-US" sz="3200" kern="1200" baseline="0" dirty="0" err="1" smtClean="0">
-                <a:solidFill>
-                  <a:schemeClr val="tx1"/>
-                </a:solidFill>
-                <a:effectLst/>
-                <a:latin typeface="+mn-lt"/>
-                <a:ea typeface="+mn-ea"/>
-                <a:cs typeface="+mn-cs"/>
-              </a:rPr>
-              <a:t>PySnooper</a:t>
-            </a:r>
-            <a:endParaRPr lang="en-US" sz="3200" kern="1200" baseline="0" dirty="0" smtClean="0">
+            <a:pPr lvl="1"/>
+            <a:r>
+              <a:rPr lang="en-US" sz="2800" kern="1200" baseline="0" dirty="0">
+                <a:solidFill>
+                  <a:schemeClr val="tx1"/>
+                </a:solidFill>
+                <a:effectLst/>
+                <a:latin typeface="+mn-lt"/>
+                <a:ea typeface="+mn-ea"/>
+                <a:cs typeface="+mn-cs"/>
+              </a:rPr>
+              <a:t>Statements plus data</a:t>
+            </a:r>
+          </a:p>
+          <a:p>
+            <a:pPr lvl="1"/>
+            <a:r>
+              <a:rPr lang="en-US" sz="2800" kern="1200" dirty="0">
+                <a:solidFill>
+                  <a:schemeClr val="tx1"/>
+                </a:solidFill>
+                <a:effectLst/>
+                <a:latin typeface="+mn-lt"/>
+                <a:ea typeface="+mn-ea"/>
+                <a:cs typeface="+mn-cs"/>
+              </a:rPr>
+              <a:t>Way too detailed</a:t>
+            </a:r>
+            <a:r>
+              <a:rPr lang="en-US" sz="2800" kern="1200" baseline="0" dirty="0">
+                <a:solidFill>
+                  <a:schemeClr val="tx1"/>
+                </a:solidFill>
+                <a:effectLst/>
+                <a:latin typeface="+mn-lt"/>
+                <a:ea typeface="+mn-ea"/>
+                <a:cs typeface="+mn-cs"/>
+              </a:rPr>
+              <a:t> for my needs</a:t>
+            </a:r>
+            <a:endParaRPr lang="en-US" sz="2800" kern="1200" dirty="0">
               <a:solidFill>
                 <a:schemeClr val="tx1"/>
               </a:solidFill>
@@ -12879,57 +12701,6 @@
               <a:cs typeface="+mn-cs"/>
             </a:endParaRPr>
           </a:p>
-          <a:p>
-            <a:pPr lvl="1"/>
-            <a:r>
-              <a:rPr lang="en-US" sz="2800" kern="1200" baseline="0" dirty="0" smtClean="0">
-                <a:solidFill>
-                  <a:schemeClr val="tx1"/>
-                </a:solidFill>
-                <a:effectLst/>
-                <a:latin typeface="+mn-lt"/>
-                <a:ea typeface="+mn-ea"/>
-                <a:cs typeface="+mn-cs"/>
-              </a:rPr>
-              <a:t>Statements plus data</a:t>
-            </a:r>
-          </a:p>
-          <a:p>
-            <a:pPr lvl="1"/>
-            <a:r>
-              <a:rPr lang="en-US" sz="2800" kern="1200" dirty="0" smtClean="0">
-                <a:solidFill>
-                  <a:schemeClr val="tx1"/>
-                </a:solidFill>
-                <a:effectLst/>
-                <a:latin typeface="+mn-lt"/>
-                <a:ea typeface="+mn-ea"/>
-                <a:cs typeface="+mn-cs"/>
-              </a:rPr>
-              <a:t>Way too detailed</a:t>
-            </a:r>
-            <a:r>
-              <a:rPr lang="en-US" sz="2800" kern="1200" baseline="0" dirty="0" smtClean="0">
-                <a:solidFill>
-                  <a:schemeClr val="tx1"/>
-                </a:solidFill>
-                <a:effectLst/>
-                <a:latin typeface="+mn-lt"/>
-                <a:ea typeface="+mn-ea"/>
-                <a:cs typeface="+mn-cs"/>
-              </a:rPr>
-              <a:t> for my needs</a:t>
-            </a:r>
-            <a:endParaRPr lang="en-US" sz="2800" kern="1200" dirty="0" smtClean="0">
-              <a:solidFill>
-                <a:schemeClr val="tx1"/>
-              </a:solidFill>
-              <a:effectLst/>
-              <a:latin typeface="+mn-lt"/>
-              <a:ea typeface="+mn-ea"/>
-              <a:cs typeface="+mn-cs"/>
-            </a:endParaRPr>
-          </a:p>
         </p:txBody>
       </p:sp>
       <p:sp>
@@ -12948,10 +12719,9 @@
           <a:lstStyle/>
           <a:p>
             <a:r>
-              <a:rPr lang="en-US" smtClean="0"/>
+              <a:rPr lang="en-US"/>
               <a:t>2021-01-01</a:t>
             </a:r>
-            <a:endParaRPr lang="en-US"/>
           </a:p>
         </p:txBody>
       </p:sp>
@@ -12971,7 +12741,7 @@
           <a:lstStyle/>
           <a:p>
             <a:r>
-              <a:rPr lang="en-US" smtClean="0"/>
+              <a:rPr lang="en-US"/>
               <a:t>RBL - Boston Python</a:t>
             </a:r>
             <a:endParaRPr lang="en-US" dirty="0"/>
@@ -13047,10 +12817,9 @@
           <a:lstStyle/>
           <a:p>
             <a:r>
-              <a:rPr lang="en-US" dirty="0" smtClean="0"/>
+              <a:rPr lang="en-US" dirty="0"/>
               <a:t>Alternative</a:t>
             </a:r>
-            <a:endParaRPr lang="en-US" dirty="0"/>
           </a:p>
         </p:txBody>
       </p:sp>
@@ -13073,7 +12842,7 @@
           <a:p>
             <a:pPr lvl="0"/>
             <a:r>
-              <a:rPr lang="en-US" sz="3200" kern="1200" dirty="0" smtClean="0">
+              <a:rPr lang="en-US" sz="3200" kern="1200" dirty="0">
                 <a:solidFill>
                   <a:schemeClr val="tx1"/>
                 </a:solidFill>
@@ -13085,10 +12854,10 @@
               <a:t>Need an adequate method </a:t>
             </a:r>
             <a:r>
-              <a:rPr lang="en-US" dirty="0" smtClean="0"/>
+              <a:rPr lang="en-US" dirty="0"/>
               <a:t>of watching what a program does/did</a:t>
             </a:r>
-            <a:endParaRPr lang="en-US" sz="3200" kern="1200" dirty="0" smtClean="0">
+            <a:endParaRPr lang="en-US" sz="3200" kern="1200" dirty="0">
               <a:solidFill>
                 <a:schemeClr val="tx1"/>
               </a:solidFill>
@@ -13101,30 +12870,37 @@
           <a:p>
             <a:pPr lvl="1"/>
             <a:r>
-              <a:rPr lang="en-US" sz="2800" kern="1200" dirty="0" smtClean="0">
-                <a:solidFill>
-                  <a:schemeClr val="tx1"/>
-                </a:solidFill>
-                <a:effectLst/>
-                <a:latin typeface="+mn-lt"/>
-                <a:ea typeface="+mn-ea"/>
-                <a:cs typeface="+mn-cs"/>
-              </a:rPr>
-              <a:t>tracing the code flow </a:t>
-            </a:r>
-            <a:r>
-              <a:rPr lang="en-US" sz="2800" kern="1200" dirty="0" smtClean="0">
-                <a:solidFill>
-                  <a:schemeClr val="tx1"/>
-                </a:solidFill>
-                <a:effectLst/>
-                <a:latin typeface="+mn-lt"/>
-                <a:ea typeface="+mn-ea"/>
-                <a:cs typeface="+mn-cs"/>
-              </a:rPr>
-              <a:t>(squint not detail) and </a:t>
-            </a:r>
-            <a:endParaRPr lang="en-US" sz="2800" kern="1200" dirty="0" smtClean="0">
+              <a:rPr lang="en-US" sz="2800" kern="1200" dirty="0">
+                <a:solidFill>
+                  <a:schemeClr val="tx1"/>
+                </a:solidFill>
+                <a:effectLst/>
+                <a:latin typeface="+mn-lt"/>
+                <a:ea typeface="+mn-ea"/>
+                <a:cs typeface="+mn-cs"/>
+              </a:rPr>
+              <a:t>tracing the code flow (squint not detail) and </a:t>
+            </a:r>
+          </a:p>
+          <a:p>
+            <a:pPr lvl="1"/>
+            <a:r>
+              <a:rPr lang="en-US" dirty="0"/>
+              <a:t>tracing the </a:t>
+            </a:r>
+            <a:r>
+              <a:rPr lang="en-US" sz="2800" kern="1200" dirty="0">
+                <a:solidFill>
+                  <a:schemeClr val="tx1"/>
+                </a:solidFill>
+                <a:effectLst/>
+                <a:latin typeface="+mn-lt"/>
+                <a:ea typeface="+mn-ea"/>
+                <a:cs typeface="+mn-cs"/>
+              </a:rPr>
+              <a:t>data progress</a:t>
+            </a:r>
+            <a:endParaRPr lang="en-US" sz="2400" kern="1200" dirty="0">
               <a:solidFill>
                 <a:schemeClr val="tx1"/>
               </a:solidFill>
@@ -13135,37 +12911,9 @@
             </a:endParaRPr>
           </a:p>
           <a:p>
-            <a:pPr lvl="1"/>
-            <a:r>
-              <a:rPr lang="en-US" dirty="0" smtClean="0"/>
-              <a:t>tracing the </a:t>
-            </a:r>
-            <a:r>
-              <a:rPr lang="en-US" sz="2800" kern="1200" dirty="0" smtClean="0">
-                <a:solidFill>
-                  <a:schemeClr val="tx1"/>
-                </a:solidFill>
-                <a:effectLst/>
-                <a:latin typeface="+mn-lt"/>
-                <a:ea typeface="+mn-ea"/>
-                <a:cs typeface="+mn-cs"/>
-              </a:rPr>
-              <a:t>data progress</a:t>
-            </a:r>
-            <a:endParaRPr lang="en-US" sz="2400" kern="1200" dirty="0" smtClean="0">
-              <a:solidFill>
-                <a:schemeClr val="tx1"/>
-              </a:solidFill>
-              <a:effectLst/>
-              <a:latin typeface="+mn-lt"/>
-              <a:ea typeface="+mn-ea"/>
-              <a:cs typeface="+mn-cs"/>
-            </a:endParaRPr>
-          </a:p>
-          <a:p>
             <a:pPr lvl="0"/>
             <a:r>
-              <a:rPr lang="en-US" sz="3200" kern="1200" dirty="0" smtClean="0">
+              <a:rPr lang="en-US" sz="3200" kern="1200" dirty="0">
                 <a:solidFill>
                   <a:schemeClr val="tx1"/>
                 </a:solidFill>
@@ -13195,10 +12943,9 @@
           <a:lstStyle/>
           <a:p>
             <a:r>
-              <a:rPr lang="en-US" smtClean="0"/>
+              <a:rPr lang="en-US"/>
               <a:t>2021-01-01</a:t>
             </a:r>
-            <a:endParaRPr lang="en-US"/>
           </a:p>
         </p:txBody>
       </p:sp>
@@ -13218,10 +12965,9 @@
           <a:lstStyle/>
           <a:p>
             <a:r>
-              <a:rPr lang="en-US" dirty="0" smtClean="0"/>
+              <a:rPr lang="en-US" dirty="0"/>
               <a:t>RBL - Boston Python</a:t>
             </a:r>
-            <a:endParaRPr lang="en-US" dirty="0"/>
           </a:p>
         </p:txBody>
       </p:sp>
